--- a/Lectures/Lecture 3 PyMC and Sampling.pptx
+++ b/Lectures/Lecture 3 PyMC and Sampling.pptx
@@ -5,7 +5,7 @@
     <p:sldMasterId id="2147483648" r:id="rId1"/>
   </p:sldMasterIdLst>
   <p:notesMasterIdLst>
-    <p:notesMasterId r:id="rId44"/>
+    <p:notesMasterId r:id="rId51"/>
   </p:notesMasterIdLst>
   <p:sldIdLst>
     <p:sldId id="256" r:id="rId2"/>
@@ -26,30 +26,37 @@
     <p:sldId id="527" r:id="rId17"/>
     <p:sldId id="528" r:id="rId18"/>
     <p:sldId id="530" r:id="rId19"/>
-    <p:sldId id="539" r:id="rId20"/>
-    <p:sldId id="304" r:id="rId21"/>
-    <p:sldId id="305" r:id="rId22"/>
-    <p:sldId id="307" r:id="rId23"/>
-    <p:sldId id="308" r:id="rId24"/>
-    <p:sldId id="531" r:id="rId25"/>
-    <p:sldId id="540" r:id="rId26"/>
-    <p:sldId id="413" r:id="rId27"/>
-    <p:sldId id="532" r:id="rId28"/>
-    <p:sldId id="349" r:id="rId29"/>
-    <p:sldId id="402" r:id="rId30"/>
-    <p:sldId id="541" r:id="rId31"/>
-    <p:sldId id="529" r:id="rId32"/>
-    <p:sldId id="533" r:id="rId33"/>
-    <p:sldId id="375" r:id="rId34"/>
-    <p:sldId id="376" r:id="rId35"/>
-    <p:sldId id="378" r:id="rId36"/>
-    <p:sldId id="534" r:id="rId37"/>
-    <p:sldId id="542" r:id="rId38"/>
-    <p:sldId id="535" r:id="rId39"/>
-    <p:sldId id="536" r:id="rId40"/>
-    <p:sldId id="537" r:id="rId41"/>
-    <p:sldId id="538" r:id="rId42"/>
-    <p:sldId id="311" r:id="rId43"/>
+    <p:sldId id="559" r:id="rId20"/>
+    <p:sldId id="561" r:id="rId21"/>
+    <p:sldId id="563" r:id="rId22"/>
+    <p:sldId id="560" r:id="rId23"/>
+    <p:sldId id="562" r:id="rId24"/>
+    <p:sldId id="539" r:id="rId25"/>
+    <p:sldId id="304" r:id="rId26"/>
+    <p:sldId id="305" r:id="rId27"/>
+    <p:sldId id="307" r:id="rId28"/>
+    <p:sldId id="308" r:id="rId29"/>
+    <p:sldId id="531" r:id="rId30"/>
+    <p:sldId id="540" r:id="rId31"/>
+    <p:sldId id="413" r:id="rId32"/>
+    <p:sldId id="532" r:id="rId33"/>
+    <p:sldId id="349" r:id="rId34"/>
+    <p:sldId id="402" r:id="rId35"/>
+    <p:sldId id="557" r:id="rId36"/>
+    <p:sldId id="558" r:id="rId37"/>
+    <p:sldId id="541" r:id="rId38"/>
+    <p:sldId id="529" r:id="rId39"/>
+    <p:sldId id="533" r:id="rId40"/>
+    <p:sldId id="375" r:id="rId41"/>
+    <p:sldId id="376" r:id="rId42"/>
+    <p:sldId id="378" r:id="rId43"/>
+    <p:sldId id="534" r:id="rId44"/>
+    <p:sldId id="542" r:id="rId45"/>
+    <p:sldId id="535" r:id="rId46"/>
+    <p:sldId id="536" r:id="rId47"/>
+    <p:sldId id="537" r:id="rId48"/>
+    <p:sldId id="538" r:id="rId49"/>
+    <p:sldId id="311" r:id="rId50"/>
   </p:sldIdLst>
   <p:sldSz cx="12192000" cy="6858000"/>
   <p:notesSz cx="6858000" cy="9144000"/>
@@ -2128,7 +2135,7 @@
           <a:p>
             <a:fld id="{9CF176CD-15D1-4787-BBAA-B7F61FF9E394}" type="datetimeFigureOut">
               <a:rPr lang="en-GB" smtClean="0"/>
-              <a:t>25/02/2025</a:t>
+              <a:t>28/02/2025</a:t>
             </a:fld>
             <a:endParaRPr lang="en-GB"/>
           </a:p>
@@ -2527,7 +2534,7 @@
           <a:p>
             <a:fld id="{633AF1EE-65BA-4140-B6B9-7F82C437F84A}" type="datetimeFigureOut">
               <a:rPr lang="en-GB" smtClean="0"/>
-              <a:t>25/02/2025</a:t>
+              <a:t>28/02/2025</a:t>
             </a:fld>
             <a:endParaRPr lang="en-GB"/>
           </a:p>
@@ -2697,7 +2704,7 @@
           <a:p>
             <a:fld id="{633AF1EE-65BA-4140-B6B9-7F82C437F84A}" type="datetimeFigureOut">
               <a:rPr lang="en-GB" smtClean="0"/>
-              <a:t>25/02/2025</a:t>
+              <a:t>28/02/2025</a:t>
             </a:fld>
             <a:endParaRPr lang="en-GB"/>
           </a:p>
@@ -2877,7 +2884,7 @@
           <a:p>
             <a:fld id="{633AF1EE-65BA-4140-B6B9-7F82C437F84A}" type="datetimeFigureOut">
               <a:rPr lang="en-GB" smtClean="0"/>
-              <a:t>25/02/2025</a:t>
+              <a:t>28/02/2025</a:t>
             </a:fld>
             <a:endParaRPr lang="en-GB"/>
           </a:p>
@@ -3047,7 +3054,7 @@
           <a:p>
             <a:fld id="{633AF1EE-65BA-4140-B6B9-7F82C437F84A}" type="datetimeFigureOut">
               <a:rPr lang="en-GB" smtClean="0"/>
-              <a:t>25/02/2025</a:t>
+              <a:t>28/02/2025</a:t>
             </a:fld>
             <a:endParaRPr lang="en-GB"/>
           </a:p>
@@ -3293,7 +3300,7 @@
           <a:p>
             <a:fld id="{633AF1EE-65BA-4140-B6B9-7F82C437F84A}" type="datetimeFigureOut">
               <a:rPr lang="en-GB" smtClean="0"/>
-              <a:t>25/02/2025</a:t>
+              <a:t>28/02/2025</a:t>
             </a:fld>
             <a:endParaRPr lang="en-GB"/>
           </a:p>
@@ -3525,7 +3532,7 @@
           <a:p>
             <a:fld id="{633AF1EE-65BA-4140-B6B9-7F82C437F84A}" type="datetimeFigureOut">
               <a:rPr lang="en-GB" smtClean="0"/>
-              <a:t>25/02/2025</a:t>
+              <a:t>28/02/2025</a:t>
             </a:fld>
             <a:endParaRPr lang="en-GB"/>
           </a:p>
@@ -3892,7 +3899,7 @@
           <a:p>
             <a:fld id="{633AF1EE-65BA-4140-B6B9-7F82C437F84A}" type="datetimeFigureOut">
               <a:rPr lang="en-GB" smtClean="0"/>
-              <a:t>25/02/2025</a:t>
+              <a:t>28/02/2025</a:t>
             </a:fld>
             <a:endParaRPr lang="en-GB"/>
           </a:p>
@@ -4010,7 +4017,7 @@
           <a:p>
             <a:fld id="{633AF1EE-65BA-4140-B6B9-7F82C437F84A}" type="datetimeFigureOut">
               <a:rPr lang="en-GB" smtClean="0"/>
-              <a:t>25/02/2025</a:t>
+              <a:t>28/02/2025</a:t>
             </a:fld>
             <a:endParaRPr lang="en-GB"/>
           </a:p>
@@ -4105,7 +4112,7 @@
           <a:p>
             <a:fld id="{633AF1EE-65BA-4140-B6B9-7F82C437F84A}" type="datetimeFigureOut">
               <a:rPr lang="en-GB" smtClean="0"/>
-              <a:t>25/02/2025</a:t>
+              <a:t>28/02/2025</a:t>
             </a:fld>
             <a:endParaRPr lang="en-GB"/>
           </a:p>
@@ -4382,7 +4389,7 @@
           <a:p>
             <a:fld id="{633AF1EE-65BA-4140-B6B9-7F82C437F84A}" type="datetimeFigureOut">
               <a:rPr lang="en-GB" smtClean="0"/>
-              <a:t>25/02/2025</a:t>
+              <a:t>28/02/2025</a:t>
             </a:fld>
             <a:endParaRPr lang="en-GB"/>
           </a:p>
@@ -4635,7 +4642,7 @@
           <a:p>
             <a:fld id="{633AF1EE-65BA-4140-B6B9-7F82C437F84A}" type="datetimeFigureOut">
               <a:rPr lang="en-GB" smtClean="0"/>
-              <a:t>25/02/2025</a:t>
+              <a:t>28/02/2025</a:t>
             </a:fld>
             <a:endParaRPr lang="en-GB"/>
           </a:p>
@@ -4848,7 +4855,7 @@
           <a:p>
             <a:fld id="{633AF1EE-65BA-4140-B6B9-7F82C437F84A}" type="datetimeFigureOut">
               <a:rPr lang="en-GB" smtClean="0"/>
-              <a:t>25/02/2025</a:t>
+              <a:t>28/02/2025</a:t>
             </a:fld>
             <a:endParaRPr lang="en-GB"/>
           </a:p>
@@ -5331,11 +5338,11 @@
   <p:clrMapOvr>
     <a:masterClrMapping/>
   </p:clrMapOvr>
-  <mc:AlternateContent xmlns:mc="http://schemas.openxmlformats.org/markup-compatibility/2006">
-    <mc:Choice xmlns:p14="http://schemas.microsoft.com/office/powerpoint/2010/main" Requires="p14">
+  <mc:AlternateContent xmlns:mc="http://schemas.openxmlformats.org/markup-compatibility/2006" xmlns:p14="http://schemas.microsoft.com/office/powerpoint/2010/main">
+    <mc:Choice Requires="p14">
       <p:transition spd="slow" p14:dur="2000" advTm="8862"/>
     </mc:Choice>
-    <mc:Fallback>
+    <mc:Fallback xmlns="">
       <p:transition spd="slow" advTm="8862"/>
     </mc:Fallback>
   </mc:AlternateContent>
@@ -7833,8 +7840,8 @@
         </p:nvSpPr>
         <p:spPr>
           <a:xfrm>
-            <a:off x="777815" y="1960215"/>
-            <a:ext cx="6096000" cy="1077218"/>
+            <a:off x="777814" y="1960215"/>
+            <a:ext cx="6637969" cy="830997"/>
           </a:xfrm>
           <a:prstGeom prst="rect">
             <a:avLst/>
@@ -7848,7 +7855,7 @@
           <a:lstStyle/>
           <a:p>
             <a:r>
-              <a:rPr lang="en-US" sz="1600" b="0">
+              <a:rPr lang="en-US" sz="1600" b="0" dirty="0">
                 <a:solidFill>
                   <a:srgbClr val="001080"/>
                 </a:solidFill>
@@ -7858,7 +7865,7 @@
               <a:t>trials</a:t>
             </a:r>
             <a:r>
-              <a:rPr lang="en-US" sz="1600" b="0">
+              <a:rPr lang="en-US" sz="1600" b="0" dirty="0">
                 <a:solidFill>
                   <a:srgbClr val="3B3B3B"/>
                 </a:solidFill>
@@ -7868,7 +7875,7 @@
               <a:t> </a:t>
             </a:r>
             <a:r>
-              <a:rPr lang="en-US" sz="1600" b="0">
+              <a:rPr lang="en-US" sz="1600" b="0" dirty="0">
                 <a:solidFill>
                   <a:srgbClr val="000000"/>
                 </a:solidFill>
@@ -7878,7 +7885,7 @@
               <a:t>=</a:t>
             </a:r>
             <a:r>
-              <a:rPr lang="en-US" sz="1600" b="0">
+              <a:rPr lang="en-US" sz="1600" b="0" dirty="0">
                 <a:solidFill>
                   <a:srgbClr val="3B3B3B"/>
                 </a:solidFill>
@@ -7888,7 +7895,7 @@
               <a:t> </a:t>
             </a:r>
             <a:r>
-              <a:rPr lang="en-US" sz="1600" b="0">
+              <a:rPr lang="en-US" sz="1600" b="0" dirty="0">
                 <a:solidFill>
                   <a:srgbClr val="098658"/>
                 </a:solidFill>
@@ -7897,7 +7904,7 @@
               </a:rPr>
               <a:t>4</a:t>
             </a:r>
-            <a:endParaRPr lang="en-US" sz="1600" b="0">
+            <a:endParaRPr lang="en-US" sz="1600" b="0" dirty="0">
               <a:solidFill>
                 <a:srgbClr val="3B3B3B"/>
               </a:solidFill>
@@ -7907,7 +7914,7 @@
           </a:p>
           <a:p>
             <a:r>
-              <a:rPr lang="en-US" sz="1600" b="0" err="1">
+              <a:rPr lang="en-US" sz="1600" b="0" dirty="0" err="1">
                 <a:solidFill>
                   <a:srgbClr val="001080"/>
                 </a:solidFill>
@@ -7917,7 +7924,7 @@
               <a:t>theta_real</a:t>
             </a:r>
             <a:r>
-              <a:rPr lang="en-US" sz="1600" b="0">
+              <a:rPr lang="en-US" sz="1600" b="0" dirty="0">
                 <a:solidFill>
                   <a:srgbClr val="3B3B3B"/>
                 </a:solidFill>
@@ -7927,7 +7934,7 @@
               <a:t> </a:t>
             </a:r>
             <a:r>
-              <a:rPr lang="en-US" sz="1600" b="0">
+              <a:rPr lang="en-US" sz="1600" b="0" dirty="0">
                 <a:solidFill>
                   <a:srgbClr val="000000"/>
                 </a:solidFill>
@@ -7937,7 +7944,7 @@
               <a:t>=</a:t>
             </a:r>
             <a:r>
-              <a:rPr lang="en-US" sz="1600" b="0">
+              <a:rPr lang="en-US" sz="1600" b="0" dirty="0">
                 <a:solidFill>
                   <a:srgbClr val="3B3B3B"/>
                 </a:solidFill>
@@ -7947,7 +7954,7 @@
               <a:t> </a:t>
             </a:r>
             <a:r>
-              <a:rPr lang="en-US" sz="1600" b="0">
+              <a:rPr lang="en-US" sz="1600" b="0" dirty="0">
                 <a:solidFill>
                   <a:srgbClr val="098658"/>
                 </a:solidFill>
@@ -7957,7 +7964,7 @@
               <a:t>0.35</a:t>
             </a:r>
             <a:r>
-              <a:rPr lang="en-US" sz="1600" b="0">
+              <a:rPr lang="en-US" sz="1600" b="0" dirty="0">
                 <a:solidFill>
                   <a:srgbClr val="3B3B3B"/>
                 </a:solidFill>
@@ -7967,7 +7974,7 @@
               <a:t> </a:t>
             </a:r>
             <a:r>
-              <a:rPr lang="en-US" sz="1600" b="0">
+              <a:rPr lang="en-US" sz="1600" b="0" dirty="0">
                 <a:solidFill>
                   <a:srgbClr val="008000"/>
                 </a:solidFill>
@@ -7976,7 +7983,7 @@
               </a:rPr>
               <a:t># unknown value in a real experiment</a:t>
             </a:r>
-            <a:endParaRPr lang="en-US" sz="1600" b="0">
+            <a:endParaRPr lang="en-US" sz="1600" b="0" dirty="0">
               <a:solidFill>
                 <a:srgbClr val="3B3B3B"/>
               </a:solidFill>
@@ -7986,7 +7993,7 @@
           </a:p>
           <a:p>
             <a:r>
-              <a:rPr lang="en-US" sz="1600" b="0">
+              <a:rPr lang="en-US" sz="1600" b="0" dirty="0">
                 <a:solidFill>
                   <a:srgbClr val="001080"/>
                 </a:solidFill>
@@ -7996,7 +8003,7 @@
               <a:t>data</a:t>
             </a:r>
             <a:r>
-              <a:rPr lang="en-US" sz="1600" b="0">
+              <a:rPr lang="en-US" sz="1600" b="0" dirty="0">
                 <a:solidFill>
                   <a:srgbClr val="3B3B3B"/>
                 </a:solidFill>
@@ -8006,7 +8013,7 @@
               <a:t> </a:t>
             </a:r>
             <a:r>
-              <a:rPr lang="en-US" sz="1600" b="0">
+              <a:rPr lang="en-US" sz="1600" b="0" dirty="0">
                 <a:solidFill>
                   <a:srgbClr val="000000"/>
                 </a:solidFill>
@@ -8016,7 +8023,7 @@
               <a:t>=</a:t>
             </a:r>
             <a:r>
-              <a:rPr lang="en-US" sz="1600" b="0">
+              <a:rPr lang="en-US" sz="1600" b="0" dirty="0">
                 <a:solidFill>
                   <a:srgbClr val="3B3B3B"/>
                 </a:solidFill>
@@ -8026,7 +8033,7 @@
               <a:t> </a:t>
             </a:r>
             <a:r>
-              <a:rPr lang="en-US" sz="1600" b="0" err="1">
+              <a:rPr lang="en-US" sz="1600" b="0" dirty="0" err="1">
                 <a:solidFill>
                   <a:srgbClr val="267F99"/>
                 </a:solidFill>
@@ -8036,7 +8043,7 @@
               <a:t>pz</a:t>
             </a:r>
             <a:r>
-              <a:rPr lang="en-US" sz="1600" b="0" err="1">
+              <a:rPr lang="en-US" sz="1600" b="0" dirty="0" err="1">
                 <a:solidFill>
                   <a:srgbClr val="3B3B3B"/>
                 </a:solidFill>
@@ -8046,7 +8053,7 @@
               <a:t>.Binomial</a:t>
             </a:r>
             <a:r>
-              <a:rPr lang="en-US" sz="1600" b="0">
+              <a:rPr lang="en-US" sz="1600" b="0" dirty="0">
                 <a:solidFill>
                   <a:srgbClr val="3B3B3B"/>
                 </a:solidFill>
@@ -8056,7 +8063,7 @@
               <a:t>(</a:t>
             </a:r>
             <a:r>
-              <a:rPr lang="en-US" sz="1600" b="0">
+              <a:rPr lang="en-US" sz="1600" b="0" dirty="0">
                 <a:solidFill>
                   <a:srgbClr val="001080"/>
                 </a:solidFill>
@@ -8066,7 +8073,7 @@
               <a:t>n</a:t>
             </a:r>
             <a:r>
-              <a:rPr lang="en-US" sz="1600" b="0">
+              <a:rPr lang="en-US" sz="1600" b="0" dirty="0">
                 <a:solidFill>
                   <a:srgbClr val="000000"/>
                 </a:solidFill>
@@ -8076,7 +8083,7 @@
               <a:t>=</a:t>
             </a:r>
             <a:r>
-              <a:rPr lang="en-US" sz="1600" b="0">
+              <a:rPr lang="en-US" sz="1600" b="0" dirty="0">
                 <a:solidFill>
                   <a:srgbClr val="098658"/>
                 </a:solidFill>
@@ -8086,7 +8093,7 @@
               <a:t>1</a:t>
             </a:r>
             <a:r>
-              <a:rPr lang="en-US" sz="1600" b="0">
+              <a:rPr lang="en-US" sz="1600" b="0" dirty="0">
                 <a:solidFill>
                   <a:srgbClr val="3B3B3B"/>
                 </a:solidFill>
@@ -8096,7 +8103,7 @@
               <a:t>, </a:t>
             </a:r>
             <a:r>
-              <a:rPr lang="en-US" sz="1600" b="0">
+              <a:rPr lang="en-US" sz="1600" b="0" dirty="0">
                 <a:solidFill>
                   <a:srgbClr val="001080"/>
                 </a:solidFill>
@@ -8106,7 +8113,7 @@
               <a:t>p</a:t>
             </a:r>
             <a:r>
-              <a:rPr lang="en-US" sz="1600" b="0">
+              <a:rPr lang="en-US" sz="1600" b="0" dirty="0">
                 <a:solidFill>
                   <a:srgbClr val="000000"/>
                 </a:solidFill>
@@ -8116,7 +8123,7 @@
               <a:t>=</a:t>
             </a:r>
             <a:r>
-              <a:rPr lang="en-US" sz="1600" b="0" err="1">
+              <a:rPr lang="en-US" sz="1600" b="0" dirty="0" err="1">
                 <a:solidFill>
                   <a:srgbClr val="001080"/>
                 </a:solidFill>
@@ -8126,7 +8133,7 @@
               <a:t>theta_real</a:t>
             </a:r>
             <a:r>
-              <a:rPr lang="en-US" sz="1600" b="0">
+              <a:rPr lang="en-US" sz="1600" b="0" dirty="0">
                 <a:solidFill>
                   <a:srgbClr val="3B3B3B"/>
                 </a:solidFill>
@@ -8136,7 +8143,7 @@
               <a:t>).</a:t>
             </a:r>
             <a:r>
-              <a:rPr lang="en-US" sz="1600" b="0" err="1">
+              <a:rPr lang="en-US" sz="1600" b="0" dirty="0" err="1">
                 <a:solidFill>
                   <a:srgbClr val="3B3B3B"/>
                 </a:solidFill>
@@ -8146,7 +8153,7 @@
               <a:t>rvs</a:t>
             </a:r>
             <a:r>
-              <a:rPr lang="en-US" sz="1600" b="0">
+              <a:rPr lang="en-US" sz="1600" b="0" dirty="0">
                 <a:solidFill>
                   <a:srgbClr val="3B3B3B"/>
                 </a:solidFill>
@@ -8156,7 +8163,7 @@
               <a:t>(</a:t>
             </a:r>
             <a:r>
-              <a:rPr lang="en-US" sz="1600" b="0">
+              <a:rPr lang="en-US" sz="1600" b="0" dirty="0">
                 <a:solidFill>
                   <a:srgbClr val="001080"/>
                 </a:solidFill>
@@ -8166,7 +8173,7 @@
               <a:t>trials</a:t>
             </a:r>
             <a:r>
-              <a:rPr lang="en-US" sz="1600" b="0">
+              <a:rPr lang="en-US" sz="1600" b="0" dirty="0">
                 <a:solidFill>
                   <a:srgbClr val="3B3B3B"/>
                 </a:solidFill>
@@ -8441,8 +8448,8 @@
           </a:p>
         </p:txBody>
       </p:sp>
-      <mc:AlternateContent xmlns:mc="http://schemas.openxmlformats.org/markup-compatibility/2006">
-        <mc:Choice xmlns:a14="http://schemas.microsoft.com/office/drawing/2010/main" Requires="a14">
+      <mc:AlternateContent xmlns:mc="http://schemas.openxmlformats.org/markup-compatibility/2006" xmlns:a14="http://schemas.microsoft.com/office/drawing/2010/main">
+        <mc:Choice Requires="a14">
           <p:sp>
             <p:nvSpPr>
               <p:cNvPr id="17" name="TextBox 16">
@@ -8493,7 +8500,7 @@
             </p:txBody>
           </p:sp>
         </mc:Choice>
-        <mc:Fallback>
+        <mc:Fallback xmlns="">
           <p:sp>
             <p:nvSpPr>
               <p:cNvPr id="17" name="TextBox 16">
@@ -8860,10 +8867,10 @@
       </p:sp>
       <p:pic>
         <p:nvPicPr>
-          <p:cNvPr id="4" name="Picture 3">
+          <p:cNvPr id="5" name="Picture 4">
             <a:extLst>
               <a:ext uri="{FF2B5EF4-FFF2-40B4-BE49-F238E27FC236}">
-                <a16:creationId xmlns:a16="http://schemas.microsoft.com/office/drawing/2014/main" id="{DF5822A6-48C8-FE7B-7FE3-57D31FF6AE0F}"/>
+                <a16:creationId xmlns:a16="http://schemas.microsoft.com/office/drawing/2014/main" id="{1E61F531-7DB3-E68F-C2A8-99960F7F042C}"/>
               </a:ext>
             </a:extLst>
           </p:cNvPr>
@@ -8880,8 +8887,8 @@
         </p:blipFill>
         <p:spPr>
           <a:xfrm>
-            <a:off x="838199" y="2889142"/>
-            <a:ext cx="9545659" cy="3234567"/>
+            <a:off x="1423838" y="3249075"/>
+            <a:ext cx="8776349" cy="2392773"/>
           </a:xfrm>
           <a:prstGeom prst="rect">
             <a:avLst/>
@@ -8906,13 +8913,7 @@
   <p:cSld>
     <p:spTree>
       <p:nvGrpSpPr>
-        <p:cNvPr id="1" name="">
-          <a:extLst>
-            <a:ext uri="{FF2B5EF4-FFF2-40B4-BE49-F238E27FC236}">
-              <a16:creationId xmlns:a16="http://schemas.microsoft.com/office/drawing/2014/main" id="{7915DE16-4CBB-F9F2-6538-CA19D02D1864}"/>
-            </a:ext>
-          </a:extLst>
-        </p:cNvPr>
+        <p:cNvPr id="1" name=""/>
         <p:cNvGrpSpPr/>
         <p:nvPr/>
       </p:nvGrpSpPr>
@@ -8926,10 +8927,10 @@
       </p:grpSpPr>
       <p:sp>
         <p:nvSpPr>
-          <p:cNvPr id="6" name="Title 5">
+          <p:cNvPr id="2" name="Title 1">
             <a:extLst>
               <a:ext uri="{FF2B5EF4-FFF2-40B4-BE49-F238E27FC236}">
-                <a16:creationId xmlns:a16="http://schemas.microsoft.com/office/drawing/2014/main" id="{FA766805-9578-29EF-345E-8FD0DB994233}"/>
+                <a16:creationId xmlns:a16="http://schemas.microsoft.com/office/drawing/2014/main" id="{1477C9D5-6E96-2021-60EA-D8D713FDD386}"/>
               </a:ext>
             </a:extLst>
           </p:cNvPr>
@@ -8945,16 +8946,36 @@
           <a:bodyPr/>
           <a:lstStyle/>
           <a:p>
-            <a:endParaRPr lang="en-IL"/>
+            <a:r>
+              <a:rPr lang="en-US" dirty="0"/>
+              <a:t>We get an </a:t>
+            </a:r>
+            <a:r>
+              <a:rPr lang="en-US" sz="3600" dirty="0">
+                <a:solidFill>
+                  <a:schemeClr val="accent6">
+                    <a:lumMod val="75000"/>
+                  </a:schemeClr>
+                </a:solidFill>
+                <a:latin typeface="Courier New" panose="02070309020205020404" pitchFamily="49" charset="0"/>
+                <a:cs typeface="Courier New" panose="02070309020205020404" pitchFamily="49" charset="0"/>
+              </a:rPr>
+              <a:t>inference data</a:t>
+            </a:r>
+            <a:r>
+              <a:rPr lang="en-US" dirty="0"/>
+              <a:t> object</a:t>
+            </a:r>
+            <a:endParaRPr lang="en-IL" dirty="0"/>
           </a:p>
         </p:txBody>
       </p:sp>
       <p:sp>
         <p:nvSpPr>
-          <p:cNvPr id="7" name="Text Placeholder 6">
+          <p:cNvPr id="3" name="Content Placeholder 2">
             <a:extLst>
               <a:ext uri="{FF2B5EF4-FFF2-40B4-BE49-F238E27FC236}">
-                <a16:creationId xmlns:a16="http://schemas.microsoft.com/office/drawing/2014/main" id="{00E80B95-5918-B2FC-5C32-0F37C0AFBAE5}"/>
+                <a16:creationId xmlns:a16="http://schemas.microsoft.com/office/drawing/2014/main" id="{DD99F3C5-740B-8DF1-6798-03FF232675D7}"/>
               </a:ext>
             </a:extLst>
           </p:cNvPr>
@@ -8962,98 +8983,83 @@
             <a:spLocks noGrp="1"/>
           </p:cNvSpPr>
           <p:nvPr>
-            <p:ph type="body" idx="1"/>
+            <p:ph idx="1"/>
           </p:nvPr>
         </p:nvSpPr>
-        <p:spPr/>
+        <p:spPr>
+          <a:xfrm>
+            <a:off x="838200" y="1825625"/>
+            <a:ext cx="10515600" cy="1325563"/>
+          </a:xfrm>
+        </p:spPr>
         <p:txBody>
           <a:bodyPr>
-            <a:normAutofit/>
+            <a:normAutofit lnSpcReduction="10000"/>
           </a:bodyPr>
           <a:lstStyle/>
           <a:p>
-            <a:pPr algn="ctr"/>
-            <a:r>
-              <a:rPr lang="en-US" sz="7200"/>
-              <a:t>3D Sampling</a:t>
-            </a:r>
-            <a:endParaRPr lang="en-IL" sz="7200"/>
+            <a:r>
+              <a:rPr lang="en-US" dirty="0"/>
+              <a:t>It has 3 groups</a:t>
+            </a:r>
+          </a:p>
+          <a:p>
+            <a:pPr lvl="1"/>
+            <a:r>
+              <a:rPr lang="en-US" dirty="0"/>
+              <a:t>So far</a:t>
+            </a:r>
+          </a:p>
+          <a:p>
+            <a:r>
+              <a:rPr lang="en-US" dirty="0"/>
+              <a:t>Each group is an </a:t>
+            </a:r>
+            <a:r>
+              <a:rPr lang="en-US" dirty="0" err="1"/>
+              <a:t>xarray</a:t>
+            </a:r>
+            <a:r>
+              <a:rPr lang="en-US" dirty="0"/>
+              <a:t> Dataset </a:t>
+            </a:r>
           </a:p>
         </p:txBody>
       </p:sp>
-      <p:sp>
-        <p:nvSpPr>
-          <p:cNvPr id="4" name="Footer Placeholder 3">
+      <p:pic>
+        <p:nvPicPr>
+          <p:cNvPr id="4" name="Picture 3">
             <a:extLst>
               <a:ext uri="{FF2B5EF4-FFF2-40B4-BE49-F238E27FC236}">
-                <a16:creationId xmlns:a16="http://schemas.microsoft.com/office/drawing/2014/main" id="{68C9045C-5DFB-FB06-1C84-EC88DD005722}"/>
+                <a16:creationId xmlns:a16="http://schemas.microsoft.com/office/drawing/2014/main" id="{0FA99945-EF1D-15EB-6974-EC7AB7D4BAD3}"/>
               </a:ext>
             </a:extLst>
           </p:cNvPr>
-          <p:cNvSpPr>
-            <a:spLocks noGrp="1"/>
-          </p:cNvSpPr>
-          <p:nvPr>
-            <p:ph type="ftr" sz="quarter" idx="11"/>
-          </p:nvPr>
-        </p:nvSpPr>
-        <p:spPr/>
-        <p:txBody>
-          <a:bodyPr/>
-          <a:lstStyle/>
-          <a:p>
-            <a:pPr>
-              <a:defRPr/>
-            </a:pPr>
-            <a:r>
-              <a:rPr lang="en-US"/>
-              <a:t>Data analysis, 2022-1, Lecture 1</a:t>
-            </a:r>
-          </a:p>
-        </p:txBody>
-      </p:sp>
-      <p:sp>
-        <p:nvSpPr>
-          <p:cNvPr id="5" name="Slide Number Placeholder 4">
-            <a:extLst>
-              <a:ext uri="{FF2B5EF4-FFF2-40B4-BE49-F238E27FC236}">
-                <a16:creationId xmlns:a16="http://schemas.microsoft.com/office/drawing/2014/main" id="{06696472-5AE0-D723-84D7-A399485D2652}"/>
-              </a:ext>
-            </a:extLst>
-          </p:cNvPr>
-          <p:cNvSpPr>
-            <a:spLocks noGrp="1"/>
-          </p:cNvSpPr>
-          <p:nvPr>
-            <p:ph type="sldNum" sz="quarter" idx="12"/>
-          </p:nvPr>
-        </p:nvSpPr>
-        <p:spPr/>
-        <p:txBody>
-          <a:bodyPr/>
-          <a:lstStyle/>
-          <a:p>
-            <a:pPr>
-              <a:defRPr/>
-            </a:pPr>
-            <a:fld id="{3469EAC8-EFAD-49DA-A425-6225312A328A}" type="slidenum">
-              <a:rPr lang="he-IL" altLang="en-US" smtClean="0"/>
-              <a:pPr>
-                <a:defRPr/>
-              </a:pPr>
-              <a:t>19</a:t>
-            </a:fld>
-            <a:r>
-              <a:rPr lang="en-US" altLang="en-US"/>
-              <a:t> /  72</a:t>
-            </a:r>
-          </a:p>
-        </p:txBody>
-      </p:sp>
+          <p:cNvPicPr>
+            <a:picLocks noChangeAspect="1"/>
+          </p:cNvPicPr>
+          <p:nvPr/>
+        </p:nvPicPr>
+        <p:blipFill>
+          <a:blip r:embed="rId2"/>
+          <a:stretch>
+            <a:fillRect/>
+          </a:stretch>
+        </p:blipFill>
+        <p:spPr>
+          <a:xfrm>
+            <a:off x="838200" y="3546241"/>
+            <a:ext cx="2453853" cy="2453853"/>
+          </a:xfrm>
+          <a:prstGeom prst="rect">
+            <a:avLst/>
+          </a:prstGeom>
+        </p:spPr>
+      </p:pic>
     </p:spTree>
     <p:extLst>
       <p:ext uri="{BB962C8B-B14F-4D97-AF65-F5344CB8AC3E}">
-        <p14:creationId xmlns:p14="http://schemas.microsoft.com/office/powerpoint/2010/main" val="4096231202"/>
+        <p14:creationId xmlns:p14="http://schemas.microsoft.com/office/powerpoint/2010/main" val="1665016493"/>
       </p:ext>
     </p:extLst>
   </p:cSld>
@@ -9242,6 +9248,774 @@
       </p:grpSpPr>
       <p:sp>
         <p:nvSpPr>
+          <p:cNvPr id="2" name="Title 1">
+            <a:extLst>
+              <a:ext uri="{FF2B5EF4-FFF2-40B4-BE49-F238E27FC236}">
+                <a16:creationId xmlns:a16="http://schemas.microsoft.com/office/drawing/2014/main" id="{452B5A50-F369-0F61-3798-7DFD420DC25C}"/>
+              </a:ext>
+            </a:extLst>
+          </p:cNvPr>
+          <p:cNvSpPr>
+            <a:spLocks noGrp="1"/>
+          </p:cNvSpPr>
+          <p:nvPr>
+            <p:ph type="title"/>
+          </p:nvPr>
+        </p:nvSpPr>
+        <p:spPr/>
+        <p:txBody>
+          <a:bodyPr/>
+          <a:lstStyle/>
+          <a:p>
+            <a:r>
+              <a:rPr lang="en-US" dirty="0" err="1"/>
+              <a:t>xarray</a:t>
+            </a:r>
+            <a:endParaRPr lang="en-IL" dirty="0"/>
+          </a:p>
+        </p:txBody>
+      </p:sp>
+      <p:sp>
+        <p:nvSpPr>
+          <p:cNvPr id="3" name="Content Placeholder 2">
+            <a:extLst>
+              <a:ext uri="{FF2B5EF4-FFF2-40B4-BE49-F238E27FC236}">
+                <a16:creationId xmlns:a16="http://schemas.microsoft.com/office/drawing/2014/main" id="{50073879-DD6C-F062-DA31-590EA29F47C5}"/>
+              </a:ext>
+            </a:extLst>
+          </p:cNvPr>
+          <p:cNvSpPr>
+            <a:spLocks noGrp="1"/>
+          </p:cNvSpPr>
+          <p:nvPr>
+            <p:ph idx="1"/>
+          </p:nvPr>
+        </p:nvSpPr>
+        <p:spPr>
+          <a:xfrm>
+            <a:off x="838200" y="4389120"/>
+            <a:ext cx="10515600" cy="1787842"/>
+          </a:xfrm>
+        </p:spPr>
+        <p:txBody>
+          <a:bodyPr>
+            <a:normAutofit/>
+          </a:bodyPr>
+          <a:lstStyle/>
+          <a:p>
+            <a:r>
+              <a:rPr lang="en-US" dirty="0" err="1"/>
+              <a:t>xarray</a:t>
+            </a:r>
+            <a:r>
+              <a:rPr lang="en-US" dirty="0"/>
+              <a:t> </a:t>
+            </a:r>
+            <a:r>
+              <a:rPr lang="en-US" dirty="0" err="1"/>
+              <a:t>Dataarrays</a:t>
+            </a:r>
+            <a:r>
+              <a:rPr lang="en-US" dirty="0"/>
+              <a:t> extend Pandas </a:t>
+            </a:r>
+            <a:r>
+              <a:rPr lang="en-US" dirty="0" err="1"/>
+              <a:t>dataframes</a:t>
+            </a:r>
+            <a:r>
+              <a:rPr lang="en-US" dirty="0"/>
+              <a:t> to multiple dimensions</a:t>
+            </a:r>
+          </a:p>
+          <a:p>
+            <a:pPr lvl="1"/>
+            <a:r>
+              <a:rPr lang="en-US" dirty="0"/>
+              <a:t>Each dimension and coordinate can have a name</a:t>
+            </a:r>
+          </a:p>
+          <a:p>
+            <a:r>
+              <a:rPr lang="en-US" dirty="0" err="1"/>
+              <a:t>Xarray</a:t>
+            </a:r>
+            <a:r>
+              <a:rPr lang="en-US" dirty="0"/>
+              <a:t> datasets combine multiple </a:t>
+            </a:r>
+            <a:r>
+              <a:rPr lang="en-US" dirty="0" err="1"/>
+              <a:t>Dataarrays</a:t>
+            </a:r>
+            <a:endParaRPr lang="en-US" dirty="0"/>
+          </a:p>
+          <a:p>
+            <a:pPr lvl="1"/>
+            <a:r>
+              <a:rPr lang="en-US" dirty="0"/>
+              <a:t>With shared dimensions</a:t>
+            </a:r>
+            <a:endParaRPr lang="en-IL" dirty="0"/>
+          </a:p>
+        </p:txBody>
+      </p:sp>
+      <p:pic>
+        <p:nvPicPr>
+          <p:cNvPr id="4" name="Picture 3">
+            <a:extLst>
+              <a:ext uri="{FF2B5EF4-FFF2-40B4-BE49-F238E27FC236}">
+                <a16:creationId xmlns:a16="http://schemas.microsoft.com/office/drawing/2014/main" id="{40C52499-F313-C469-5FDE-A2162B50A9C3}"/>
+              </a:ext>
+            </a:extLst>
+          </p:cNvPr>
+          <p:cNvPicPr>
+            <a:picLocks noChangeAspect="1"/>
+          </p:cNvPicPr>
+          <p:nvPr/>
+        </p:nvPicPr>
+        <p:blipFill>
+          <a:blip r:embed="rId2"/>
+          <a:stretch>
+            <a:fillRect/>
+          </a:stretch>
+        </p:blipFill>
+        <p:spPr>
+          <a:xfrm>
+            <a:off x="2434942" y="593725"/>
+            <a:ext cx="9565034" cy="3530219"/>
+          </a:xfrm>
+          <a:prstGeom prst="rect">
+            <a:avLst/>
+          </a:prstGeom>
+        </p:spPr>
+      </p:pic>
+    </p:spTree>
+    <p:extLst>
+      <p:ext uri="{BB962C8B-B14F-4D97-AF65-F5344CB8AC3E}">
+        <p14:creationId xmlns:p14="http://schemas.microsoft.com/office/powerpoint/2010/main" val="2156838901"/>
+      </p:ext>
+    </p:extLst>
+  </p:cSld>
+  <p:clrMapOvr>
+    <a:masterClrMapping/>
+  </p:clrMapOvr>
+</p:sld>
+</file>
+
+<file path=ppt/slides/slide21.xml><?xml version="1.0" encoding="utf-8"?>
+<p:sld xmlns:a="http://schemas.openxmlformats.org/drawingml/2006/main" xmlns:r="http://schemas.openxmlformats.org/officeDocument/2006/relationships" xmlns:p="http://schemas.openxmlformats.org/presentationml/2006/main">
+  <p:cSld>
+    <p:spTree>
+      <p:nvGrpSpPr>
+        <p:cNvPr id="1" name="">
+          <a:extLst>
+            <a:ext uri="{FF2B5EF4-FFF2-40B4-BE49-F238E27FC236}">
+              <a16:creationId xmlns:a16="http://schemas.microsoft.com/office/drawing/2014/main" id="{BB154C4D-AE7A-2941-4D99-6AC716FF22B6}"/>
+            </a:ext>
+          </a:extLst>
+        </p:cNvPr>
+        <p:cNvGrpSpPr/>
+        <p:nvPr/>
+      </p:nvGrpSpPr>
+      <p:grpSpPr>
+        <a:xfrm>
+          <a:off x="0" y="0"/>
+          <a:ext cx="0" cy="0"/>
+          <a:chOff x="0" y="0"/>
+          <a:chExt cx="0" cy="0"/>
+        </a:xfrm>
+      </p:grpSpPr>
+      <p:sp>
+        <p:nvSpPr>
+          <p:cNvPr id="2" name="Title 1">
+            <a:extLst>
+              <a:ext uri="{FF2B5EF4-FFF2-40B4-BE49-F238E27FC236}">
+                <a16:creationId xmlns:a16="http://schemas.microsoft.com/office/drawing/2014/main" id="{DA3524E5-3FE9-3DD3-BB3F-BCC58254E41F}"/>
+              </a:ext>
+            </a:extLst>
+          </p:cNvPr>
+          <p:cNvSpPr>
+            <a:spLocks noGrp="1"/>
+          </p:cNvSpPr>
+          <p:nvPr>
+            <p:ph type="title"/>
+          </p:nvPr>
+        </p:nvSpPr>
+        <p:spPr/>
+        <p:txBody>
+          <a:bodyPr/>
+          <a:lstStyle/>
+          <a:p>
+            <a:r>
+              <a:rPr lang="en-US" dirty="0" err="1"/>
+              <a:t>Observed_data</a:t>
+            </a:r>
+            <a:r>
+              <a:rPr lang="en-US" dirty="0"/>
+              <a:t> is an </a:t>
+            </a:r>
+            <a:r>
+              <a:rPr lang="en-US" dirty="0" err="1"/>
+              <a:t>xarray</a:t>
+            </a:r>
+            <a:r>
+              <a:rPr lang="en-US" dirty="0"/>
+              <a:t> </a:t>
+            </a:r>
+            <a:r>
+              <a:rPr lang="en-US" dirty="0" err="1"/>
+              <a:t>DataArray</a:t>
+            </a:r>
+            <a:r>
+              <a:rPr lang="en-US" dirty="0"/>
+              <a:t> with the actual data</a:t>
+            </a:r>
+            <a:endParaRPr lang="en-IL" dirty="0"/>
+          </a:p>
+        </p:txBody>
+      </p:sp>
+      <p:sp>
+        <p:nvSpPr>
+          <p:cNvPr id="3" name="Content Placeholder 2">
+            <a:extLst>
+              <a:ext uri="{FF2B5EF4-FFF2-40B4-BE49-F238E27FC236}">
+                <a16:creationId xmlns:a16="http://schemas.microsoft.com/office/drawing/2014/main" id="{F772EED8-4E4B-2CA1-5F8C-37802764C7A5}"/>
+              </a:ext>
+            </a:extLst>
+          </p:cNvPr>
+          <p:cNvSpPr>
+            <a:spLocks noGrp="1"/>
+          </p:cNvSpPr>
+          <p:nvPr>
+            <p:ph idx="1"/>
+          </p:nvPr>
+        </p:nvSpPr>
+        <p:spPr>
+          <a:xfrm>
+            <a:off x="838200" y="1825625"/>
+            <a:ext cx="4565904" cy="4351338"/>
+          </a:xfrm>
+        </p:spPr>
+        <p:txBody>
+          <a:bodyPr/>
+          <a:lstStyle/>
+          <a:p>
+            <a:r>
+              <a:rPr lang="en-US" dirty="0"/>
+              <a:t>Four coin flips</a:t>
+            </a:r>
+          </a:p>
+          <a:p>
+            <a:pPr lvl="1"/>
+            <a:r>
+              <a:rPr lang="en-US" dirty="0"/>
+              <a:t>1 head</a:t>
+            </a:r>
+          </a:p>
+          <a:p>
+            <a:pPr lvl="1"/>
+            <a:r>
+              <a:rPr lang="en-US" dirty="0"/>
+              <a:t>3 tails</a:t>
+            </a:r>
+          </a:p>
+        </p:txBody>
+      </p:sp>
+      <p:pic>
+        <p:nvPicPr>
+          <p:cNvPr id="5" name="Picture 4">
+            <a:extLst>
+              <a:ext uri="{FF2B5EF4-FFF2-40B4-BE49-F238E27FC236}">
+                <a16:creationId xmlns:a16="http://schemas.microsoft.com/office/drawing/2014/main" id="{2F2BB7E2-D91E-901E-82D2-B5F955A14FA6}"/>
+              </a:ext>
+            </a:extLst>
+          </p:cNvPr>
+          <p:cNvPicPr>
+            <a:picLocks noChangeAspect="1"/>
+          </p:cNvPicPr>
+          <p:nvPr/>
+        </p:nvPicPr>
+        <p:blipFill>
+          <a:blip r:embed="rId2"/>
+          <a:stretch>
+            <a:fillRect/>
+          </a:stretch>
+        </p:blipFill>
+        <p:spPr>
+          <a:xfrm>
+            <a:off x="7171787" y="2029817"/>
+            <a:ext cx="3627434" cy="3475021"/>
+          </a:xfrm>
+          <a:prstGeom prst="rect">
+            <a:avLst/>
+          </a:prstGeom>
+        </p:spPr>
+      </p:pic>
+    </p:spTree>
+    <p:extLst>
+      <p:ext uri="{BB962C8B-B14F-4D97-AF65-F5344CB8AC3E}">
+        <p14:creationId xmlns:p14="http://schemas.microsoft.com/office/powerpoint/2010/main" val="383378632"/>
+      </p:ext>
+    </p:extLst>
+  </p:cSld>
+  <p:clrMapOvr>
+    <a:masterClrMapping/>
+  </p:clrMapOvr>
+</p:sld>
+</file>
+
+<file path=ppt/slides/slide22.xml><?xml version="1.0" encoding="utf-8"?>
+<p:sld xmlns:a="http://schemas.openxmlformats.org/drawingml/2006/main" xmlns:r="http://schemas.openxmlformats.org/officeDocument/2006/relationships" xmlns:p="http://schemas.openxmlformats.org/presentationml/2006/main">
+  <p:cSld>
+    <p:spTree>
+      <p:nvGrpSpPr>
+        <p:cNvPr id="1" name="">
+          <a:extLst>
+            <a:ext uri="{FF2B5EF4-FFF2-40B4-BE49-F238E27FC236}">
+              <a16:creationId xmlns:a16="http://schemas.microsoft.com/office/drawing/2014/main" id="{11760456-15DF-DECB-2834-C393EF6E3E35}"/>
+            </a:ext>
+          </a:extLst>
+        </p:cNvPr>
+        <p:cNvGrpSpPr/>
+        <p:nvPr/>
+      </p:nvGrpSpPr>
+      <p:grpSpPr>
+        <a:xfrm>
+          <a:off x="0" y="0"/>
+          <a:ext cx="0" cy="0"/>
+          <a:chOff x="0" y="0"/>
+          <a:chExt cx="0" cy="0"/>
+        </a:xfrm>
+      </p:grpSpPr>
+      <p:sp>
+        <p:nvSpPr>
+          <p:cNvPr id="2" name="Title 1">
+            <a:extLst>
+              <a:ext uri="{FF2B5EF4-FFF2-40B4-BE49-F238E27FC236}">
+                <a16:creationId xmlns:a16="http://schemas.microsoft.com/office/drawing/2014/main" id="{0EFC3E33-465A-6E82-31BC-482B057F7A3A}"/>
+              </a:ext>
+            </a:extLst>
+          </p:cNvPr>
+          <p:cNvSpPr>
+            <a:spLocks noGrp="1"/>
+          </p:cNvSpPr>
+          <p:nvPr>
+            <p:ph type="title"/>
+          </p:nvPr>
+        </p:nvSpPr>
+        <p:spPr/>
+        <p:txBody>
+          <a:bodyPr/>
+          <a:lstStyle/>
+          <a:p>
+            <a:r>
+              <a:rPr lang="en-US" dirty="0"/>
+              <a:t>posterior has the samples</a:t>
+            </a:r>
+            <a:endParaRPr lang="en-IL" dirty="0"/>
+          </a:p>
+        </p:txBody>
+      </p:sp>
+      <p:sp>
+        <p:nvSpPr>
+          <p:cNvPr id="3" name="Content Placeholder 2">
+            <a:extLst>
+              <a:ext uri="{FF2B5EF4-FFF2-40B4-BE49-F238E27FC236}">
+                <a16:creationId xmlns:a16="http://schemas.microsoft.com/office/drawing/2014/main" id="{7BA70383-3BEA-B0F2-9814-374E69ACE971}"/>
+              </a:ext>
+            </a:extLst>
+          </p:cNvPr>
+          <p:cNvSpPr>
+            <a:spLocks noGrp="1"/>
+          </p:cNvSpPr>
+          <p:nvPr>
+            <p:ph idx="1"/>
+          </p:nvPr>
+        </p:nvSpPr>
+        <p:spPr>
+          <a:xfrm>
+            <a:off x="838200" y="1825625"/>
+            <a:ext cx="10515600" cy="1109599"/>
+          </a:xfrm>
+        </p:spPr>
+        <p:txBody>
+          <a:bodyPr>
+            <a:normAutofit fontScale="77500" lnSpcReduction="20000"/>
+          </a:bodyPr>
+          <a:lstStyle/>
+          <a:p>
+            <a:r>
+              <a:rPr lang="en-US" dirty="0"/>
+              <a:t>One variable: </a:t>
+            </a:r>
+            <a:r>
+              <a:rPr lang="el-GR" dirty="0"/>
+              <a:t>θ</a:t>
+            </a:r>
+            <a:endParaRPr lang="en-US" dirty="0"/>
+          </a:p>
+          <a:p>
+            <a:r>
+              <a:rPr lang="en-US" dirty="0"/>
+              <a:t>Two dimensions: chain and draw</a:t>
+            </a:r>
+          </a:p>
+          <a:p>
+            <a:r>
+              <a:rPr lang="en-US" dirty="0"/>
+              <a:t>4,000 samples</a:t>
+            </a:r>
+          </a:p>
+        </p:txBody>
+      </p:sp>
+      <p:pic>
+        <p:nvPicPr>
+          <p:cNvPr id="5" name="Picture 4">
+            <a:extLst>
+              <a:ext uri="{FF2B5EF4-FFF2-40B4-BE49-F238E27FC236}">
+                <a16:creationId xmlns:a16="http://schemas.microsoft.com/office/drawing/2014/main" id="{7A2BDDC6-A3F9-E3FD-DF1A-09C8AF7F980F}"/>
+              </a:ext>
+            </a:extLst>
+          </p:cNvPr>
+          <p:cNvPicPr>
+            <a:picLocks noChangeAspect="1"/>
+          </p:cNvPicPr>
+          <p:nvPr/>
+        </p:nvPicPr>
+        <p:blipFill>
+          <a:blip r:embed="rId2"/>
+          <a:stretch>
+            <a:fillRect/>
+          </a:stretch>
+        </p:blipFill>
+        <p:spPr>
+          <a:xfrm>
+            <a:off x="838200" y="3111812"/>
+            <a:ext cx="5654530" cy="3482642"/>
+          </a:xfrm>
+          <a:prstGeom prst="rect">
+            <a:avLst/>
+          </a:prstGeom>
+        </p:spPr>
+      </p:pic>
+    </p:spTree>
+    <p:extLst>
+      <p:ext uri="{BB962C8B-B14F-4D97-AF65-F5344CB8AC3E}">
+        <p14:creationId xmlns:p14="http://schemas.microsoft.com/office/powerpoint/2010/main" val="3752839301"/>
+      </p:ext>
+    </p:extLst>
+  </p:cSld>
+  <p:clrMapOvr>
+    <a:masterClrMapping/>
+  </p:clrMapOvr>
+</p:sld>
+</file>
+
+<file path=ppt/slides/slide23.xml><?xml version="1.0" encoding="utf-8"?>
+<p:sld xmlns:a="http://schemas.openxmlformats.org/drawingml/2006/main" xmlns:r="http://schemas.openxmlformats.org/officeDocument/2006/relationships" xmlns:p="http://schemas.openxmlformats.org/presentationml/2006/main">
+  <p:cSld>
+    <p:spTree>
+      <p:nvGrpSpPr>
+        <p:cNvPr id="1" name=""/>
+        <p:cNvGrpSpPr/>
+        <p:nvPr/>
+      </p:nvGrpSpPr>
+      <p:grpSpPr>
+        <a:xfrm>
+          <a:off x="0" y="0"/>
+          <a:ext cx="0" cy="0"/>
+          <a:chOff x="0" y="0"/>
+          <a:chExt cx="0" cy="0"/>
+        </a:xfrm>
+      </p:grpSpPr>
+      <p:sp>
+        <p:nvSpPr>
+          <p:cNvPr id="2" name="Title 1">
+            <a:extLst>
+              <a:ext uri="{FF2B5EF4-FFF2-40B4-BE49-F238E27FC236}">
+                <a16:creationId xmlns:a16="http://schemas.microsoft.com/office/drawing/2014/main" id="{2648625F-6827-3A29-B004-CA1677E4EBCC}"/>
+              </a:ext>
+            </a:extLst>
+          </p:cNvPr>
+          <p:cNvSpPr>
+            <a:spLocks noGrp="1"/>
+          </p:cNvSpPr>
+          <p:nvPr>
+            <p:ph type="title"/>
+          </p:nvPr>
+        </p:nvSpPr>
+        <p:spPr/>
+        <p:txBody>
+          <a:bodyPr/>
+          <a:lstStyle/>
+          <a:p>
+            <a:r>
+              <a:rPr lang="en-US" dirty="0"/>
+              <a:t>Sample stats contains data about sampling</a:t>
+            </a:r>
+            <a:endParaRPr lang="en-IL" dirty="0"/>
+          </a:p>
+        </p:txBody>
+      </p:sp>
+      <p:sp>
+        <p:nvSpPr>
+          <p:cNvPr id="3" name="Content Placeholder 2">
+            <a:extLst>
+              <a:ext uri="{FF2B5EF4-FFF2-40B4-BE49-F238E27FC236}">
+                <a16:creationId xmlns:a16="http://schemas.microsoft.com/office/drawing/2014/main" id="{BE4C7339-DC7F-0B81-C8DD-36C0A0B0BDFA}"/>
+              </a:ext>
+            </a:extLst>
+          </p:cNvPr>
+          <p:cNvSpPr>
+            <a:spLocks noGrp="1"/>
+          </p:cNvSpPr>
+          <p:nvPr>
+            <p:ph idx="1"/>
+          </p:nvPr>
+        </p:nvSpPr>
+        <p:spPr>
+          <a:xfrm>
+            <a:off x="838200" y="1825625"/>
+            <a:ext cx="4565904" cy="4351338"/>
+          </a:xfrm>
+        </p:spPr>
+        <p:txBody>
+          <a:bodyPr/>
+          <a:lstStyle/>
+          <a:p>
+            <a:r>
+              <a:rPr lang="en-US" dirty="0"/>
+              <a:t>Can be safely ignored for now</a:t>
+            </a:r>
+            <a:endParaRPr lang="en-IL" dirty="0"/>
+          </a:p>
+        </p:txBody>
+      </p:sp>
+      <p:pic>
+        <p:nvPicPr>
+          <p:cNvPr id="4" name="Picture 3">
+            <a:extLst>
+              <a:ext uri="{FF2B5EF4-FFF2-40B4-BE49-F238E27FC236}">
+                <a16:creationId xmlns:a16="http://schemas.microsoft.com/office/drawing/2014/main" id="{9579F29D-650E-8951-A951-29096CDCD037}"/>
+              </a:ext>
+            </a:extLst>
+          </p:cNvPr>
+          <p:cNvPicPr>
+            <a:picLocks noChangeAspect="1"/>
+          </p:cNvPicPr>
+          <p:nvPr/>
+        </p:nvPicPr>
+        <p:blipFill>
+          <a:blip r:embed="rId2"/>
+          <a:stretch>
+            <a:fillRect/>
+          </a:stretch>
+        </p:blipFill>
+        <p:spPr>
+          <a:xfrm>
+            <a:off x="6227064" y="1411008"/>
+            <a:ext cx="5598599" cy="5345455"/>
+          </a:xfrm>
+          <a:prstGeom prst="rect">
+            <a:avLst/>
+          </a:prstGeom>
+        </p:spPr>
+      </p:pic>
+    </p:spTree>
+    <p:extLst>
+      <p:ext uri="{BB962C8B-B14F-4D97-AF65-F5344CB8AC3E}">
+        <p14:creationId xmlns:p14="http://schemas.microsoft.com/office/powerpoint/2010/main" val="3848198670"/>
+      </p:ext>
+    </p:extLst>
+  </p:cSld>
+  <p:clrMapOvr>
+    <a:masterClrMapping/>
+  </p:clrMapOvr>
+</p:sld>
+</file>
+
+<file path=ppt/slides/slide24.xml><?xml version="1.0" encoding="utf-8"?>
+<p:sld xmlns:a="http://schemas.openxmlformats.org/drawingml/2006/main" xmlns:r="http://schemas.openxmlformats.org/officeDocument/2006/relationships" xmlns:p="http://schemas.openxmlformats.org/presentationml/2006/main">
+  <p:cSld>
+    <p:spTree>
+      <p:nvGrpSpPr>
+        <p:cNvPr id="1" name="">
+          <a:extLst>
+            <a:ext uri="{FF2B5EF4-FFF2-40B4-BE49-F238E27FC236}">
+              <a16:creationId xmlns:a16="http://schemas.microsoft.com/office/drawing/2014/main" id="{7915DE16-4CBB-F9F2-6538-CA19D02D1864}"/>
+            </a:ext>
+          </a:extLst>
+        </p:cNvPr>
+        <p:cNvGrpSpPr/>
+        <p:nvPr/>
+      </p:nvGrpSpPr>
+      <p:grpSpPr>
+        <a:xfrm>
+          <a:off x="0" y="0"/>
+          <a:ext cx="0" cy="0"/>
+          <a:chOff x="0" y="0"/>
+          <a:chExt cx="0" cy="0"/>
+        </a:xfrm>
+      </p:grpSpPr>
+      <p:sp>
+        <p:nvSpPr>
+          <p:cNvPr id="6" name="Title 5">
+            <a:extLst>
+              <a:ext uri="{FF2B5EF4-FFF2-40B4-BE49-F238E27FC236}">
+                <a16:creationId xmlns:a16="http://schemas.microsoft.com/office/drawing/2014/main" id="{FA766805-9578-29EF-345E-8FD0DB994233}"/>
+              </a:ext>
+            </a:extLst>
+          </p:cNvPr>
+          <p:cNvSpPr>
+            <a:spLocks noGrp="1"/>
+          </p:cNvSpPr>
+          <p:nvPr>
+            <p:ph type="title"/>
+          </p:nvPr>
+        </p:nvSpPr>
+        <p:spPr/>
+        <p:txBody>
+          <a:bodyPr/>
+          <a:lstStyle/>
+          <a:p>
+            <a:endParaRPr lang="en-IL"/>
+          </a:p>
+        </p:txBody>
+      </p:sp>
+      <p:sp>
+        <p:nvSpPr>
+          <p:cNvPr id="7" name="Text Placeholder 6">
+            <a:extLst>
+              <a:ext uri="{FF2B5EF4-FFF2-40B4-BE49-F238E27FC236}">
+                <a16:creationId xmlns:a16="http://schemas.microsoft.com/office/drawing/2014/main" id="{00E80B95-5918-B2FC-5C32-0F37C0AFBAE5}"/>
+              </a:ext>
+            </a:extLst>
+          </p:cNvPr>
+          <p:cNvSpPr>
+            <a:spLocks noGrp="1"/>
+          </p:cNvSpPr>
+          <p:nvPr>
+            <p:ph type="body" idx="1"/>
+          </p:nvPr>
+        </p:nvSpPr>
+        <p:spPr/>
+        <p:txBody>
+          <a:bodyPr>
+            <a:normAutofit/>
+          </a:bodyPr>
+          <a:lstStyle/>
+          <a:p>
+            <a:pPr algn="ctr"/>
+            <a:r>
+              <a:rPr lang="en-US" sz="7200"/>
+              <a:t>3D Sampling</a:t>
+            </a:r>
+            <a:endParaRPr lang="en-IL" sz="7200"/>
+          </a:p>
+        </p:txBody>
+      </p:sp>
+      <p:sp>
+        <p:nvSpPr>
+          <p:cNvPr id="4" name="Footer Placeholder 3">
+            <a:extLst>
+              <a:ext uri="{FF2B5EF4-FFF2-40B4-BE49-F238E27FC236}">
+                <a16:creationId xmlns:a16="http://schemas.microsoft.com/office/drawing/2014/main" id="{68C9045C-5DFB-FB06-1C84-EC88DD005722}"/>
+              </a:ext>
+            </a:extLst>
+          </p:cNvPr>
+          <p:cNvSpPr>
+            <a:spLocks noGrp="1"/>
+          </p:cNvSpPr>
+          <p:nvPr>
+            <p:ph type="ftr" sz="quarter" idx="11"/>
+          </p:nvPr>
+        </p:nvSpPr>
+        <p:spPr/>
+        <p:txBody>
+          <a:bodyPr/>
+          <a:lstStyle/>
+          <a:p>
+            <a:pPr>
+              <a:defRPr/>
+            </a:pPr>
+            <a:r>
+              <a:rPr lang="en-US"/>
+              <a:t>Data analysis, 2022-1, Lecture 1</a:t>
+            </a:r>
+          </a:p>
+        </p:txBody>
+      </p:sp>
+      <p:sp>
+        <p:nvSpPr>
+          <p:cNvPr id="5" name="Slide Number Placeholder 4">
+            <a:extLst>
+              <a:ext uri="{FF2B5EF4-FFF2-40B4-BE49-F238E27FC236}">
+                <a16:creationId xmlns:a16="http://schemas.microsoft.com/office/drawing/2014/main" id="{06696472-5AE0-D723-84D7-A399485D2652}"/>
+              </a:ext>
+            </a:extLst>
+          </p:cNvPr>
+          <p:cNvSpPr>
+            <a:spLocks noGrp="1"/>
+          </p:cNvSpPr>
+          <p:nvPr>
+            <p:ph type="sldNum" sz="quarter" idx="12"/>
+          </p:nvPr>
+        </p:nvSpPr>
+        <p:spPr/>
+        <p:txBody>
+          <a:bodyPr/>
+          <a:lstStyle/>
+          <a:p>
+            <a:pPr>
+              <a:defRPr/>
+            </a:pPr>
+            <a:fld id="{3469EAC8-EFAD-49DA-A425-6225312A328A}" type="slidenum">
+              <a:rPr lang="he-IL" altLang="en-US" smtClean="0"/>
+              <a:pPr>
+                <a:defRPr/>
+              </a:pPr>
+              <a:t>24</a:t>
+            </a:fld>
+            <a:r>
+              <a:rPr lang="en-US" altLang="en-US"/>
+              <a:t> /  72</a:t>
+            </a:r>
+          </a:p>
+        </p:txBody>
+      </p:sp>
+    </p:spTree>
+    <p:extLst>
+      <p:ext uri="{BB962C8B-B14F-4D97-AF65-F5344CB8AC3E}">
+        <p14:creationId xmlns:p14="http://schemas.microsoft.com/office/powerpoint/2010/main" val="4096231202"/>
+      </p:ext>
+    </p:extLst>
+  </p:cSld>
+  <p:clrMapOvr>
+    <a:masterClrMapping/>
+  </p:clrMapOvr>
+</p:sld>
+</file>
+
+<file path=ppt/slides/slide25.xml><?xml version="1.0" encoding="utf-8"?>
+<p:sld xmlns:a="http://schemas.openxmlformats.org/drawingml/2006/main" xmlns:r="http://schemas.openxmlformats.org/officeDocument/2006/relationships" xmlns:p="http://schemas.openxmlformats.org/presentationml/2006/main">
+  <p:cSld>
+    <p:spTree>
+      <p:nvGrpSpPr>
+        <p:cNvPr id="1" name=""/>
+        <p:cNvGrpSpPr/>
+        <p:nvPr/>
+      </p:nvGrpSpPr>
+      <p:grpSpPr>
+        <a:xfrm>
+          <a:off x="0" y="0"/>
+          <a:ext cx="0" cy="0"/>
+          <a:chOff x="0" y="0"/>
+          <a:chExt cx="0" cy="0"/>
+        </a:xfrm>
+      </p:grpSpPr>
+      <p:sp>
+        <p:nvSpPr>
           <p:cNvPr id="2" name="Title 1"/>
           <p:cNvSpPr>
             <a:spLocks noGrp="1"/>
@@ -9347,7 +10121,7 @@
 </p:sld>
 </file>
 
-<file path=ppt/slides/slide21.xml><?xml version="1.0" encoding="utf-8"?>
+<file path=ppt/slides/slide26.xml><?xml version="1.0" encoding="utf-8"?>
 <p:sld xmlns:a="http://schemas.openxmlformats.org/drawingml/2006/main" xmlns:r="http://schemas.openxmlformats.org/officeDocument/2006/relationships" xmlns:p="http://schemas.openxmlformats.org/presentationml/2006/main">
   <p:cSld>
     <p:spTree>
@@ -9455,7 +10229,7 @@
 </p:sld>
 </file>
 
-<file path=ppt/slides/slide22.xml><?xml version="1.0" encoding="utf-8"?>
+<file path=ppt/slides/slide27.xml><?xml version="1.0" encoding="utf-8"?>
 <p:sld xmlns:a="http://schemas.openxmlformats.org/drawingml/2006/main" xmlns:r="http://schemas.openxmlformats.org/officeDocument/2006/relationships" xmlns:p="http://schemas.openxmlformats.org/presentationml/2006/main">
   <p:cSld>
     <p:spTree>
@@ -9618,7 +10392,7 @@
 </p:sld>
 </file>
 
-<file path=ppt/slides/slide23.xml><?xml version="1.0" encoding="utf-8"?>
+<file path=ppt/slides/slide28.xml><?xml version="1.0" encoding="utf-8"?>
 <p:sld xmlns:a="http://schemas.openxmlformats.org/drawingml/2006/main" xmlns:r="http://schemas.openxmlformats.org/officeDocument/2006/relationships" xmlns:p="http://schemas.openxmlformats.org/presentationml/2006/main">
   <p:cSld>
     <p:spTree>
@@ -9871,7 +10645,7 @@
 </p:sld>
 </file>
 
-<file path=ppt/slides/slide24.xml><?xml version="1.0" encoding="utf-8"?>
+<file path=ppt/slides/slide29.xml><?xml version="1.0" encoding="utf-8"?>
 <p:sld xmlns:a="http://schemas.openxmlformats.org/drawingml/2006/main" xmlns:r="http://schemas.openxmlformats.org/officeDocument/2006/relationships" xmlns:p="http://schemas.openxmlformats.org/presentationml/2006/main">
   <p:cSld>
     <p:spTree>
@@ -10845,7 +11619,205 @@
 </p:sld>
 </file>
 
-<file path=ppt/slides/slide25.xml><?xml version="1.0" encoding="utf-8"?>
+<file path=ppt/slides/slide3.xml><?xml version="1.0" encoding="utf-8"?>
+<p:sld xmlns:a="http://schemas.openxmlformats.org/drawingml/2006/main" xmlns:r="http://schemas.openxmlformats.org/officeDocument/2006/relationships" xmlns:p="http://schemas.openxmlformats.org/presentationml/2006/main">
+  <p:cSld>
+    <p:spTree>
+      <p:nvGrpSpPr>
+        <p:cNvPr id="1" name=""/>
+        <p:cNvGrpSpPr/>
+        <p:nvPr/>
+      </p:nvGrpSpPr>
+      <p:grpSpPr>
+        <a:xfrm>
+          <a:off x="0" y="0"/>
+          <a:ext cx="0" cy="0"/>
+          <a:chOff x="0" y="0"/>
+          <a:chExt cx="0" cy="0"/>
+        </a:xfrm>
+      </p:grpSpPr>
+      <p:sp>
+        <p:nvSpPr>
+          <p:cNvPr id="4" name="Title 3">
+            <a:extLst>
+              <a:ext uri="{FF2B5EF4-FFF2-40B4-BE49-F238E27FC236}">
+                <a16:creationId xmlns:a16="http://schemas.microsoft.com/office/drawing/2014/main" id="{3DC65EE0-F03B-514B-483B-16C5CBAEACE0}"/>
+              </a:ext>
+            </a:extLst>
+          </p:cNvPr>
+          <p:cNvSpPr>
+            <a:spLocks noGrp="1"/>
+          </p:cNvSpPr>
+          <p:nvPr>
+            <p:ph type="title"/>
+          </p:nvPr>
+        </p:nvSpPr>
+        <p:spPr/>
+        <p:txBody>
+          <a:bodyPr/>
+          <a:lstStyle/>
+          <a:p>
+            <a:r>
+              <a:rPr lang="en-US"/>
+              <a:t>Models</a:t>
+            </a:r>
+            <a:endParaRPr lang="en-IL"/>
+          </a:p>
+        </p:txBody>
+      </p:sp>
+      <p:sp>
+        <p:nvSpPr>
+          <p:cNvPr id="5" name="Content Placeholder 4">
+            <a:extLst>
+              <a:ext uri="{FF2B5EF4-FFF2-40B4-BE49-F238E27FC236}">
+                <a16:creationId xmlns:a16="http://schemas.microsoft.com/office/drawing/2014/main" id="{4092FFCA-6A6D-88F6-BAB1-29F7D849F1DF}"/>
+              </a:ext>
+            </a:extLst>
+          </p:cNvPr>
+          <p:cNvSpPr>
+            <a:spLocks noGrp="1"/>
+          </p:cNvSpPr>
+          <p:nvPr>
+            <p:ph idx="1"/>
+          </p:nvPr>
+        </p:nvSpPr>
+        <p:spPr>
+          <a:xfrm>
+            <a:off x="329671" y="1588558"/>
+            <a:ext cx="5427133" cy="4351338"/>
+          </a:xfrm>
+        </p:spPr>
+        <p:txBody>
+          <a:bodyPr/>
+          <a:lstStyle/>
+          <a:p>
+            <a:r>
+              <a:rPr lang="en-US"/>
+              <a:t>Can write the model with equations or pictures</a:t>
+            </a:r>
+            <a:endParaRPr lang="en-IL"/>
+          </a:p>
+        </p:txBody>
+      </p:sp>
+      <p:pic>
+        <p:nvPicPr>
+          <p:cNvPr id="3" name="Graphic 2">
+            <a:extLst>
+              <a:ext uri="{FF2B5EF4-FFF2-40B4-BE49-F238E27FC236}">
+                <a16:creationId xmlns:a16="http://schemas.microsoft.com/office/drawing/2014/main" id="{31BA305D-8569-0910-4928-3C4B4AD6CBAE}"/>
+              </a:ext>
+            </a:extLst>
+          </p:cNvPr>
+          <p:cNvPicPr>
+            <a:picLocks noChangeAspect="1"/>
+          </p:cNvPicPr>
+          <p:nvPr/>
+        </p:nvPicPr>
+        <p:blipFill>
+          <a:blip r:embed="rId2">
+            <a:extLst>
+              <a:ext uri="{96DAC541-7B7A-43D3-8B79-37D633B846F1}">
+                <asvg:svgBlip xmlns:asvg="http://schemas.microsoft.com/office/drawing/2016/SVG/main" r:embed="rId3"/>
+              </a:ext>
+            </a:extLst>
+          </a:blip>
+          <a:stretch>
+            <a:fillRect/>
+          </a:stretch>
+        </p:blipFill>
+        <p:spPr>
+          <a:xfrm>
+            <a:off x="8177742" y="1266825"/>
+            <a:ext cx="1695450" cy="4324350"/>
+          </a:xfrm>
+          <a:prstGeom prst="rect">
+            <a:avLst/>
+          </a:prstGeom>
+        </p:spPr>
+      </p:pic>
+      <p:graphicFrame>
+        <p:nvGraphicFramePr>
+          <p:cNvPr id="2" name="Object 1">
+            <a:extLst>
+              <a:ext uri="{FF2B5EF4-FFF2-40B4-BE49-F238E27FC236}">
+                <a16:creationId xmlns:a16="http://schemas.microsoft.com/office/drawing/2014/main" id="{5079C67F-A11D-3C42-F63B-A3BC977BB773}"/>
+              </a:ext>
+            </a:extLst>
+          </p:cNvPr>
+          <p:cNvGraphicFramePr>
+            <a:graphicFrameLocks noChangeAspect="1"/>
+          </p:cNvGraphicFramePr>
+          <p:nvPr>
+            <p:extLst>
+              <p:ext uri="{D42A27DB-BD31-4B8C-83A1-F6EECF244321}">
+                <p14:modId xmlns:p14="http://schemas.microsoft.com/office/powerpoint/2010/main" val="2836876110"/>
+              </p:ext>
+            </p:extLst>
+          </p:nvPr>
+        </p:nvGraphicFramePr>
+        <p:xfrm>
+          <a:off x="4976284" y="1588558"/>
+          <a:ext cx="2374900" cy="1092200"/>
+        </p:xfrm>
+        <a:graphic>
+          <a:graphicData uri="http://schemas.openxmlformats.org/presentationml/2006/ole">
+            <mc:AlternateContent xmlns:mc="http://schemas.openxmlformats.org/markup-compatibility/2006">
+              <mc:Choice xmlns:v="urn:schemas-microsoft-com:vml" Requires="v">
+                <p:oleObj name="Equation" r:id="rId4" imgW="2374540" imgH="1092724" progId="Equation.DSMT4">
+                  <p:embed/>
+                </p:oleObj>
+              </mc:Choice>
+              <mc:Fallback>
+                <p:oleObj name="Equation" r:id="rId4" imgW="2374540" imgH="1092724" progId="Equation.DSMT4">
+                  <p:embed/>
+                  <p:pic>
+                    <p:nvPicPr>
+                      <p:cNvPr id="2" name="Object 1">
+                        <a:extLst>
+                          <a:ext uri="{FF2B5EF4-FFF2-40B4-BE49-F238E27FC236}">
+                            <a16:creationId xmlns:a16="http://schemas.microsoft.com/office/drawing/2014/main" id="{5079C67F-A11D-3C42-F63B-A3BC977BB773}"/>
+                          </a:ext>
+                        </a:extLst>
+                      </p:cNvPr>
+                      <p:cNvPicPr/>
+                      <p:nvPr/>
+                    </p:nvPicPr>
+                    <p:blipFill>
+                      <a:blip r:embed="rId5"/>
+                      <a:stretch>
+                        <a:fillRect/>
+                      </a:stretch>
+                    </p:blipFill>
+                    <p:spPr>
+                      <a:xfrm>
+                        <a:off x="4976284" y="1588558"/>
+                        <a:ext cx="2374900" cy="1092200"/>
+                      </a:xfrm>
+                      <a:prstGeom prst="rect">
+                        <a:avLst/>
+                      </a:prstGeom>
+                    </p:spPr>
+                  </p:pic>
+                </p:oleObj>
+              </mc:Fallback>
+            </mc:AlternateContent>
+          </a:graphicData>
+        </a:graphic>
+      </p:graphicFrame>
+    </p:spTree>
+    <p:extLst>
+      <p:ext uri="{BB962C8B-B14F-4D97-AF65-F5344CB8AC3E}">
+        <p14:creationId xmlns:p14="http://schemas.microsoft.com/office/powerpoint/2010/main" val="2689927869"/>
+      </p:ext>
+    </p:extLst>
+  </p:cSld>
+  <p:clrMapOvr>
+    <a:masterClrMapping/>
+  </p:clrMapOvr>
+</p:sld>
+</file>
+
+<file path=ppt/slides/slide30.xml><?xml version="1.0" encoding="utf-8"?>
 <p:sld xmlns:a="http://schemas.openxmlformats.org/drawingml/2006/main" xmlns:r="http://schemas.openxmlformats.org/officeDocument/2006/relationships" xmlns:p="http://schemas.openxmlformats.org/presentationml/2006/main">
   <p:cSld>
     <p:spTree>
@@ -10989,7 +11961,7 @@
               <a:pPr>
                 <a:defRPr/>
               </a:pPr>
-              <a:t>25</a:t>
+              <a:t>30</a:t>
             </a:fld>
             <a:r>
               <a:rPr lang="en-US" altLang="en-US"/>
@@ -11011,7 +11983,7 @@
 </p:sld>
 </file>
 
-<file path=ppt/slides/slide26.xml><?xml version="1.0" encoding="utf-8"?>
+<file path=ppt/slides/slide31.xml><?xml version="1.0" encoding="utf-8"?>
 <p:sld xmlns:a="http://schemas.openxmlformats.org/drawingml/2006/main" xmlns:r="http://schemas.openxmlformats.org/officeDocument/2006/relationships" xmlns:p="http://schemas.openxmlformats.org/presentationml/2006/main">
   <p:cSld>
     <p:spTree>
@@ -12077,7 +13049,7 @@
 </p:sld>
 </file>
 
-<file path=ppt/slides/slide27.xml><?xml version="1.0" encoding="utf-8"?>
+<file path=ppt/slides/slide32.xml><?xml version="1.0" encoding="utf-8"?>
 <p:sld xmlns:a="http://schemas.openxmlformats.org/drawingml/2006/main" xmlns:r="http://schemas.openxmlformats.org/officeDocument/2006/relationships" xmlns:p="http://schemas.openxmlformats.org/presentationml/2006/main">
   <p:cSld>
     <p:spTree>
@@ -12175,7 +13147,7 @@
 </p:sld>
 </file>
 
-<file path=ppt/slides/slide28.xml><?xml version="1.0" encoding="utf-8"?>
+<file path=ppt/slides/slide33.xml><?xml version="1.0" encoding="utf-8"?>
 <p:sld xmlns:a="http://schemas.openxmlformats.org/drawingml/2006/main" xmlns:r="http://schemas.openxmlformats.org/officeDocument/2006/relationships" xmlns:p="http://schemas.openxmlformats.org/presentationml/2006/main">
   <p:cSld>
     <p:spTree>
@@ -13181,7 +14153,7 @@
 </p:sld>
 </file>
 
-<file path=ppt/slides/slide29.xml><?xml version="1.0" encoding="utf-8"?>
+<file path=ppt/slides/slide34.xml><?xml version="1.0" encoding="utf-8"?>
 <p:sld xmlns:a="http://schemas.openxmlformats.org/drawingml/2006/main" xmlns:r="http://schemas.openxmlformats.org/officeDocument/2006/relationships" xmlns:p="http://schemas.openxmlformats.org/presentationml/2006/main">
   <p:cSld>
     <p:spTree>
@@ -13368,7 +14340,173 @@
 </p:sld>
 </file>
 
-<file path=ppt/slides/slide3.xml><?xml version="1.0" encoding="utf-8"?>
+<file path=ppt/slides/slide35.xml><?xml version="1.0" encoding="utf-8"?>
+<p:sld xmlns:a="http://schemas.openxmlformats.org/drawingml/2006/main" xmlns:r="http://schemas.openxmlformats.org/officeDocument/2006/relationships" xmlns:p="http://schemas.openxmlformats.org/presentationml/2006/main">
+  <p:cSld>
+    <p:spTree>
+      <p:nvGrpSpPr>
+        <p:cNvPr id="1" name="">
+          <a:extLst>
+            <a:ext uri="{FF2B5EF4-FFF2-40B4-BE49-F238E27FC236}">
+              <a16:creationId xmlns:a16="http://schemas.microsoft.com/office/drawing/2014/main" id="{84CD4721-186A-96A8-34CB-E5B021FDC8A0}"/>
+            </a:ext>
+          </a:extLst>
+        </p:cNvPr>
+        <p:cNvGrpSpPr/>
+        <p:nvPr/>
+      </p:nvGrpSpPr>
+      <p:grpSpPr>
+        <a:xfrm>
+          <a:off x="0" y="0"/>
+          <a:ext cx="0" cy="0"/>
+          <a:chOff x="0" y="0"/>
+          <a:chExt cx="0" cy="0"/>
+        </a:xfrm>
+      </p:grpSpPr>
+      <p:sp>
+        <p:nvSpPr>
+          <p:cNvPr id="6" name="Title 5">
+            <a:extLst>
+              <a:ext uri="{FF2B5EF4-FFF2-40B4-BE49-F238E27FC236}">
+                <a16:creationId xmlns:a16="http://schemas.microsoft.com/office/drawing/2014/main" id="{AE51B056-8EB3-CC44-D95B-A7968C588870}"/>
+              </a:ext>
+            </a:extLst>
+          </p:cNvPr>
+          <p:cNvSpPr>
+            <a:spLocks noGrp="1"/>
+          </p:cNvSpPr>
+          <p:nvPr>
+            <p:ph type="title"/>
+          </p:nvPr>
+        </p:nvSpPr>
+        <p:spPr/>
+        <p:txBody>
+          <a:bodyPr/>
+          <a:lstStyle/>
+          <a:p>
+            <a:endParaRPr lang="en-IL"/>
+          </a:p>
+        </p:txBody>
+      </p:sp>
+      <p:sp>
+        <p:nvSpPr>
+          <p:cNvPr id="7" name="Text Placeholder 6">
+            <a:extLst>
+              <a:ext uri="{FF2B5EF4-FFF2-40B4-BE49-F238E27FC236}">
+                <a16:creationId xmlns:a16="http://schemas.microsoft.com/office/drawing/2014/main" id="{97D24A66-4899-2F06-AC28-3D7356027BCA}"/>
+              </a:ext>
+            </a:extLst>
+          </p:cNvPr>
+          <p:cNvSpPr>
+            <a:spLocks noGrp="1"/>
+          </p:cNvSpPr>
+          <p:nvPr>
+            <p:ph type="body" idx="1"/>
+          </p:nvPr>
+        </p:nvSpPr>
+        <p:spPr/>
+        <p:txBody>
+          <a:bodyPr>
+            <a:normAutofit/>
+          </a:bodyPr>
+          <a:lstStyle/>
+          <a:p>
+            <a:pPr algn="ctr"/>
+            <a:r>
+              <a:rPr lang="en-US" sz="7200" dirty="0"/>
+              <a:t>3D </a:t>
+            </a:r>
+            <a:r>
+              <a:rPr lang="en-US" sz="7200" dirty="0" err="1"/>
+              <a:t>PyTensor</a:t>
+            </a:r>
+            <a:endParaRPr lang="en-IL" sz="7200" dirty="0"/>
+          </a:p>
+        </p:txBody>
+      </p:sp>
+      <p:sp>
+        <p:nvSpPr>
+          <p:cNvPr id="4" name="Footer Placeholder 3">
+            <a:extLst>
+              <a:ext uri="{FF2B5EF4-FFF2-40B4-BE49-F238E27FC236}">
+                <a16:creationId xmlns:a16="http://schemas.microsoft.com/office/drawing/2014/main" id="{F48AF364-B490-A74A-39B0-B968572AF455}"/>
+              </a:ext>
+            </a:extLst>
+          </p:cNvPr>
+          <p:cNvSpPr>
+            <a:spLocks noGrp="1"/>
+          </p:cNvSpPr>
+          <p:nvPr>
+            <p:ph type="ftr" sz="quarter" idx="11"/>
+          </p:nvPr>
+        </p:nvSpPr>
+        <p:spPr/>
+        <p:txBody>
+          <a:bodyPr/>
+          <a:lstStyle/>
+          <a:p>
+            <a:pPr>
+              <a:defRPr/>
+            </a:pPr>
+            <a:r>
+              <a:rPr lang="en-US"/>
+              <a:t>Data analysis, 2022-1, Lecture 1</a:t>
+            </a:r>
+          </a:p>
+        </p:txBody>
+      </p:sp>
+      <p:sp>
+        <p:nvSpPr>
+          <p:cNvPr id="5" name="Slide Number Placeholder 4">
+            <a:extLst>
+              <a:ext uri="{FF2B5EF4-FFF2-40B4-BE49-F238E27FC236}">
+                <a16:creationId xmlns:a16="http://schemas.microsoft.com/office/drawing/2014/main" id="{3F8BF6A2-B847-86D3-D2DC-1A91C0150F0B}"/>
+              </a:ext>
+            </a:extLst>
+          </p:cNvPr>
+          <p:cNvSpPr>
+            <a:spLocks noGrp="1"/>
+          </p:cNvSpPr>
+          <p:nvPr>
+            <p:ph type="sldNum" sz="quarter" idx="12"/>
+          </p:nvPr>
+        </p:nvSpPr>
+        <p:spPr/>
+        <p:txBody>
+          <a:bodyPr/>
+          <a:lstStyle/>
+          <a:p>
+            <a:pPr>
+              <a:defRPr/>
+            </a:pPr>
+            <a:fld id="{3469EAC8-EFAD-49DA-A425-6225312A328A}" type="slidenum">
+              <a:rPr lang="he-IL" altLang="en-US" smtClean="0"/>
+              <a:pPr>
+                <a:defRPr/>
+              </a:pPr>
+              <a:t>35</a:t>
+            </a:fld>
+            <a:r>
+              <a:rPr lang="en-US" altLang="en-US"/>
+              <a:t> /  72</a:t>
+            </a:r>
+          </a:p>
+        </p:txBody>
+      </p:sp>
+    </p:spTree>
+    <p:extLst>
+      <p:ext uri="{BB962C8B-B14F-4D97-AF65-F5344CB8AC3E}">
+        <p14:creationId xmlns:p14="http://schemas.microsoft.com/office/powerpoint/2010/main" val="3955428247"/>
+      </p:ext>
+    </p:extLst>
+  </p:cSld>
+  <p:clrMapOvr>
+    <a:masterClrMapping/>
+  </p:clrMapOvr>
+</p:sld>
+</file>
+
+<file path=ppt/slides/slide36.xml><?xml version="1.0" encoding="utf-8"?>
 <p:sld xmlns:a="http://schemas.openxmlformats.org/drawingml/2006/main" xmlns:r="http://schemas.openxmlformats.org/officeDocument/2006/relationships" xmlns:p="http://schemas.openxmlformats.org/presentationml/2006/main">
   <p:cSld>
     <p:spTree>
@@ -13390,7 +14528,7 @@
           <p:cNvPr id="4" name="Title 3">
             <a:extLst>
               <a:ext uri="{FF2B5EF4-FFF2-40B4-BE49-F238E27FC236}">
-                <a16:creationId xmlns:a16="http://schemas.microsoft.com/office/drawing/2014/main" id="{3DC65EE0-F03B-514B-483B-16C5CBAEACE0}"/>
+                <a16:creationId xmlns:a16="http://schemas.microsoft.com/office/drawing/2014/main" id="{5A4492B3-90E1-5249-B56D-70C88F713CA9}"/>
               </a:ext>
             </a:extLst>
           </p:cNvPr>
@@ -13406,10 +14544,6 @@
           <a:bodyPr/>
           <a:lstStyle/>
           <a:p>
-            <a:r>
-              <a:rPr lang="en-US"/>
-              <a:t>Models</a:t>
-            </a:r>
             <a:endParaRPr lang="en-IL"/>
           </a:p>
         </p:txBody>
@@ -13419,7 +14553,7 @@
           <p:cNvPr id="5" name="Content Placeholder 4">
             <a:extLst>
               <a:ext uri="{FF2B5EF4-FFF2-40B4-BE49-F238E27FC236}">
-                <a16:creationId xmlns:a16="http://schemas.microsoft.com/office/drawing/2014/main" id="{4092FFCA-6A6D-88F6-BAB1-29F7D849F1DF}"/>
+                <a16:creationId xmlns:a16="http://schemas.microsoft.com/office/drawing/2014/main" id="{BE89B5F8-70A3-E7D6-59ED-D6CFBFB0E7A9}"/>
               </a:ext>
             </a:extLst>
           </p:cNvPr>
@@ -13430,133 +14564,19 @@
             <p:ph idx="1"/>
           </p:nvPr>
         </p:nvSpPr>
-        <p:spPr>
-          <a:xfrm>
-            <a:off x="329671" y="1588558"/>
-            <a:ext cx="5427133" cy="4351338"/>
-          </a:xfrm>
-        </p:spPr>
+        <p:spPr/>
         <p:txBody>
           <a:bodyPr/>
           <a:lstStyle/>
           <a:p>
-            <a:r>
-              <a:rPr lang="en-US"/>
-              <a:t>Can write the model with equations or pictures</a:t>
-            </a:r>
             <a:endParaRPr lang="en-IL"/>
           </a:p>
         </p:txBody>
       </p:sp>
-      <p:pic>
-        <p:nvPicPr>
-          <p:cNvPr id="3" name="Graphic 2">
-            <a:extLst>
-              <a:ext uri="{FF2B5EF4-FFF2-40B4-BE49-F238E27FC236}">
-                <a16:creationId xmlns:a16="http://schemas.microsoft.com/office/drawing/2014/main" id="{31BA305D-8569-0910-4928-3C4B4AD6CBAE}"/>
-              </a:ext>
-            </a:extLst>
-          </p:cNvPr>
-          <p:cNvPicPr>
-            <a:picLocks noChangeAspect="1"/>
-          </p:cNvPicPr>
-          <p:nvPr/>
-        </p:nvPicPr>
-        <p:blipFill>
-          <a:blip r:embed="rId2">
-            <a:extLst>
-              <a:ext uri="{96DAC541-7B7A-43D3-8B79-37D633B846F1}">
-                <asvg:svgBlip xmlns:asvg="http://schemas.microsoft.com/office/drawing/2016/SVG/main" r:embed="rId3"/>
-              </a:ext>
-            </a:extLst>
-          </a:blip>
-          <a:stretch>
-            <a:fillRect/>
-          </a:stretch>
-        </p:blipFill>
-        <p:spPr>
-          <a:xfrm>
-            <a:off x="8177742" y="1266825"/>
-            <a:ext cx="1695450" cy="4324350"/>
-          </a:xfrm>
-          <a:prstGeom prst="rect">
-            <a:avLst/>
-          </a:prstGeom>
-        </p:spPr>
-      </p:pic>
-      <p:graphicFrame>
-        <p:nvGraphicFramePr>
-          <p:cNvPr id="2" name="Object 1">
-            <a:extLst>
-              <a:ext uri="{FF2B5EF4-FFF2-40B4-BE49-F238E27FC236}">
-                <a16:creationId xmlns:a16="http://schemas.microsoft.com/office/drawing/2014/main" id="{5079C67F-A11D-3C42-F63B-A3BC977BB773}"/>
-              </a:ext>
-            </a:extLst>
-          </p:cNvPr>
-          <p:cNvGraphicFramePr>
-            <a:graphicFrameLocks noChangeAspect="1"/>
-          </p:cNvGraphicFramePr>
-          <p:nvPr>
-            <p:extLst>
-              <p:ext uri="{D42A27DB-BD31-4B8C-83A1-F6EECF244321}">
-                <p14:modId xmlns:p14="http://schemas.microsoft.com/office/powerpoint/2010/main" val="2836876110"/>
-              </p:ext>
-            </p:extLst>
-          </p:nvPr>
-        </p:nvGraphicFramePr>
-        <p:xfrm>
-          <a:off x="4976284" y="1588558"/>
-          <a:ext cx="2374900" cy="1092200"/>
-        </p:xfrm>
-        <a:graphic>
-          <a:graphicData uri="http://schemas.openxmlformats.org/presentationml/2006/ole">
-            <mc:AlternateContent xmlns:mc="http://schemas.openxmlformats.org/markup-compatibility/2006">
-              <mc:Choice xmlns:v="urn:schemas-microsoft-com:vml" Requires="v">
-                <p:oleObj name="Equation" r:id="rId4" imgW="2374540" imgH="1092724" progId="Equation.DSMT4">
-                  <p:embed/>
-                </p:oleObj>
-              </mc:Choice>
-              <mc:Fallback>
-                <p:oleObj name="Equation" r:id="rId4" imgW="2374540" imgH="1092724" progId="Equation.DSMT4">
-                  <p:embed/>
-                  <p:pic>
-                    <p:nvPicPr>
-                      <p:cNvPr id="2" name="Object 1">
-                        <a:extLst>
-                          <a:ext uri="{FF2B5EF4-FFF2-40B4-BE49-F238E27FC236}">
-                            <a16:creationId xmlns:a16="http://schemas.microsoft.com/office/drawing/2014/main" id="{5079C67F-A11D-3C42-F63B-A3BC977BB773}"/>
-                          </a:ext>
-                        </a:extLst>
-                      </p:cNvPr>
-                      <p:cNvPicPr/>
-                      <p:nvPr/>
-                    </p:nvPicPr>
-                    <p:blipFill>
-                      <a:blip r:embed="rId5"/>
-                      <a:stretch>
-                        <a:fillRect/>
-                      </a:stretch>
-                    </p:blipFill>
-                    <p:spPr>
-                      <a:xfrm>
-                        <a:off x="4976284" y="1588558"/>
-                        <a:ext cx="2374900" cy="1092200"/>
-                      </a:xfrm>
-                      <a:prstGeom prst="rect">
-                        <a:avLst/>
-                      </a:prstGeom>
-                    </p:spPr>
-                  </p:pic>
-                </p:oleObj>
-              </mc:Fallback>
-            </mc:AlternateContent>
-          </a:graphicData>
-        </a:graphic>
-      </p:graphicFrame>
     </p:spTree>
     <p:extLst>
       <p:ext uri="{BB962C8B-B14F-4D97-AF65-F5344CB8AC3E}">
-        <p14:creationId xmlns:p14="http://schemas.microsoft.com/office/powerpoint/2010/main" val="2689927869"/>
+        <p14:creationId xmlns:p14="http://schemas.microsoft.com/office/powerpoint/2010/main" val="4187776219"/>
       </p:ext>
     </p:extLst>
   </p:cSld>
@@ -13566,7 +14586,7 @@
 </p:sld>
 </file>
 
-<file path=ppt/slides/slide30.xml><?xml version="1.0" encoding="utf-8"?>
+<file path=ppt/slides/slide37.xml><?xml version="1.0" encoding="utf-8"?>
 <p:sld xmlns:a="http://schemas.openxmlformats.org/drawingml/2006/main" xmlns:r="http://schemas.openxmlformats.org/officeDocument/2006/relationships" xmlns:p="http://schemas.openxmlformats.org/presentationml/2006/main">
   <p:cSld>
     <p:spTree>
@@ -13706,7 +14726,7 @@
               <a:pPr>
                 <a:defRPr/>
               </a:pPr>
-              <a:t>30</a:t>
+              <a:t>37</a:t>
             </a:fld>
             <a:r>
               <a:rPr lang="en-US" altLang="en-US"/>
@@ -13728,7 +14748,7 @@
 </p:sld>
 </file>
 
-<file path=ppt/slides/slide31.xml><?xml version="1.0" encoding="utf-8"?>
+<file path=ppt/slides/slide38.xml><?xml version="1.0" encoding="utf-8"?>
 <p:sld xmlns:a="http://schemas.openxmlformats.org/drawingml/2006/main" xmlns:r="http://schemas.openxmlformats.org/officeDocument/2006/relationships" xmlns:p="http://schemas.openxmlformats.org/presentationml/2006/main">
   <p:cSld>
     <p:spTree>
@@ -14006,8 +15026,8 @@
           </a:p>
         </p:txBody>
       </p:sp>
-      <mc:AlternateContent xmlns:mc="http://schemas.openxmlformats.org/markup-compatibility/2006">
-        <mc:Choice xmlns:a14="http://schemas.microsoft.com/office/drawing/2010/main" Requires="a14">
+      <mc:AlternateContent xmlns:mc="http://schemas.openxmlformats.org/markup-compatibility/2006" xmlns:a14="http://schemas.microsoft.com/office/drawing/2010/main">
+        <mc:Choice Requires="a14">
           <p:sp>
             <p:nvSpPr>
               <p:cNvPr id="17" name="TextBox 16">
@@ -14058,7 +15078,7 @@
             </p:txBody>
           </p:sp>
         </mc:Choice>
-        <mc:Fallback>
+        <mc:Fallback xmlns="">
           <p:sp>
             <p:nvSpPr>
               <p:cNvPr id="17" name="TextBox 16">
@@ -14277,7 +15297,7 @@
 </p:sld>
 </file>
 
-<file path=ppt/slides/slide32.xml><?xml version="1.0" encoding="utf-8"?>
+<file path=ppt/slides/slide39.xml><?xml version="1.0" encoding="utf-8"?>
 <p:sld xmlns:a="http://schemas.openxmlformats.org/drawingml/2006/main" xmlns:r="http://schemas.openxmlformats.org/officeDocument/2006/relationships" xmlns:p="http://schemas.openxmlformats.org/presentationml/2006/main">
   <p:cSld>
     <p:spTree>
@@ -14738,7 +15758,210 @@
 </p:sld>
 </file>
 
-<file path=ppt/slides/slide33.xml><?xml version="1.0" encoding="utf-8"?>
+<file path=ppt/slides/slide4.xml><?xml version="1.0" encoding="utf-8"?>
+<p:sld xmlns:a="http://schemas.openxmlformats.org/drawingml/2006/main" xmlns:r="http://schemas.openxmlformats.org/officeDocument/2006/relationships" xmlns:p="http://schemas.openxmlformats.org/presentationml/2006/main">
+  <p:cSld>
+    <p:spTree>
+      <p:nvGrpSpPr>
+        <p:cNvPr id="1" name="">
+          <a:extLst>
+            <a:ext uri="{FF2B5EF4-FFF2-40B4-BE49-F238E27FC236}">
+              <a16:creationId xmlns:a16="http://schemas.microsoft.com/office/drawing/2014/main" id="{9D3F8360-1187-AB3F-8E1B-22F658FA661B}"/>
+            </a:ext>
+          </a:extLst>
+        </p:cNvPr>
+        <p:cNvGrpSpPr/>
+        <p:nvPr/>
+      </p:nvGrpSpPr>
+      <p:grpSpPr>
+        <a:xfrm>
+          <a:off x="0" y="0"/>
+          <a:ext cx="0" cy="0"/>
+          <a:chOff x="0" y="0"/>
+          <a:chExt cx="0" cy="0"/>
+        </a:xfrm>
+      </p:grpSpPr>
+      <p:sp>
+        <p:nvSpPr>
+          <p:cNvPr id="2" name="Title 1">
+            <a:extLst>
+              <a:ext uri="{FF2B5EF4-FFF2-40B4-BE49-F238E27FC236}">
+                <a16:creationId xmlns:a16="http://schemas.microsoft.com/office/drawing/2014/main" id="{A684A59B-E364-E741-CFBD-3DAED845B164}"/>
+              </a:ext>
+            </a:extLst>
+          </p:cNvPr>
+          <p:cNvSpPr>
+            <a:spLocks noGrp="1"/>
+          </p:cNvSpPr>
+          <p:nvPr>
+            <p:ph type="title"/>
+          </p:nvPr>
+        </p:nvSpPr>
+        <p:spPr/>
+        <p:txBody>
+          <a:bodyPr/>
+          <a:lstStyle/>
+          <a:p>
+            <a:r>
+              <a:rPr lang="en-US" err="1"/>
+              <a:t>Baye’s</a:t>
+            </a:r>
+            <a:r>
+              <a:rPr lang="en-US"/>
+              <a:t> rule updates models</a:t>
+            </a:r>
+            <a:endParaRPr lang="en-GB"/>
+          </a:p>
+        </p:txBody>
+      </p:sp>
+      <p:graphicFrame>
+        <p:nvGraphicFramePr>
+          <p:cNvPr id="4" name="Object 3">
+            <a:extLst>
+              <a:ext uri="{FF2B5EF4-FFF2-40B4-BE49-F238E27FC236}">
+                <a16:creationId xmlns:a16="http://schemas.microsoft.com/office/drawing/2014/main" id="{435F5A3B-CC4A-88BC-24D0-B7025174E136}"/>
+              </a:ext>
+            </a:extLst>
+          </p:cNvPr>
+          <p:cNvGraphicFramePr>
+            <a:graphicFrameLocks noChangeAspect="1"/>
+          </p:cNvGraphicFramePr>
+          <p:nvPr>
+            <p:extLst>
+              <p:ext uri="{D42A27DB-BD31-4B8C-83A1-F6EECF244321}">
+                <p14:modId xmlns:p14="http://schemas.microsoft.com/office/powerpoint/2010/main" val="1880405255"/>
+              </p:ext>
+            </p:extLst>
+          </p:nvPr>
+        </p:nvGraphicFramePr>
+        <p:xfrm>
+          <a:off x="6310232" y="2961444"/>
+          <a:ext cx="5424491" cy="1068132"/>
+        </p:xfrm>
+        <a:graphic>
+          <a:graphicData uri="http://schemas.openxmlformats.org/presentationml/2006/ole">
+            <mc:AlternateContent xmlns:mc="http://schemas.openxmlformats.org/markup-compatibility/2006">
+              <mc:Choice xmlns:v="urn:schemas-microsoft-com:vml" Requires="v">
+                <p:oleObj name="Equation" r:id="rId2" imgW="2971800" imgH="583920" progId="Equation.DSMT4">
+                  <p:embed/>
+                </p:oleObj>
+              </mc:Choice>
+              <mc:Fallback>
+                <p:oleObj name="Equation" r:id="rId2" imgW="2971800" imgH="583920" progId="Equation.DSMT4">
+                  <p:embed/>
+                  <p:pic>
+                    <p:nvPicPr>
+                      <p:cNvPr id="4" name="Object 3">
+                        <a:extLst>
+                          <a:ext uri="{FF2B5EF4-FFF2-40B4-BE49-F238E27FC236}">
+                            <a16:creationId xmlns:a16="http://schemas.microsoft.com/office/drawing/2014/main" id="{435F5A3B-CC4A-88BC-24D0-B7025174E136}"/>
+                          </a:ext>
+                        </a:extLst>
+                      </p:cNvPr>
+                      <p:cNvPicPr/>
+                      <p:nvPr/>
+                    </p:nvPicPr>
+                    <p:blipFill>
+                      <a:blip r:embed="rId3"/>
+                      <a:stretch>
+                        <a:fillRect/>
+                      </a:stretch>
+                    </p:blipFill>
+                    <p:spPr>
+                      <a:xfrm>
+                        <a:off x="6310232" y="2961444"/>
+                        <a:ext cx="5424491" cy="1068132"/>
+                      </a:xfrm>
+                      <a:prstGeom prst="rect">
+                        <a:avLst/>
+                      </a:prstGeom>
+                    </p:spPr>
+                  </p:pic>
+                </p:oleObj>
+              </mc:Fallback>
+            </mc:AlternateContent>
+          </a:graphicData>
+        </a:graphic>
+      </p:graphicFrame>
+      <p:pic>
+        <p:nvPicPr>
+          <p:cNvPr id="7" name="Picture 6">
+            <a:extLst>
+              <a:ext uri="{FF2B5EF4-FFF2-40B4-BE49-F238E27FC236}">
+                <a16:creationId xmlns:a16="http://schemas.microsoft.com/office/drawing/2014/main" id="{E65BB742-817F-8B14-BD56-742C89FBE69D}"/>
+              </a:ext>
+            </a:extLst>
+          </p:cNvPr>
+          <p:cNvPicPr>
+            <a:picLocks noChangeAspect="1"/>
+          </p:cNvPicPr>
+          <p:nvPr/>
+        </p:nvPicPr>
+        <p:blipFill>
+          <a:blip r:embed="rId4"/>
+          <a:srcRect l="25235" r="25904" b="9101"/>
+          <a:stretch/>
+        </p:blipFill>
+        <p:spPr>
+          <a:xfrm>
+            <a:off x="2507115" y="2002759"/>
+            <a:ext cx="3650794" cy="3171769"/>
+          </a:xfrm>
+          <a:prstGeom prst="rect">
+            <a:avLst/>
+          </a:prstGeom>
+        </p:spPr>
+      </p:pic>
+      <p:pic>
+        <p:nvPicPr>
+          <p:cNvPr id="3" name="Graphic 2">
+            <a:extLst>
+              <a:ext uri="{FF2B5EF4-FFF2-40B4-BE49-F238E27FC236}">
+                <a16:creationId xmlns:a16="http://schemas.microsoft.com/office/drawing/2014/main" id="{B61A7830-99E1-A7A6-90AA-5773B83FD31C}"/>
+              </a:ext>
+            </a:extLst>
+          </p:cNvPr>
+          <p:cNvPicPr>
+            <a:picLocks noChangeAspect="1"/>
+          </p:cNvPicPr>
+          <p:nvPr/>
+        </p:nvPicPr>
+        <p:blipFill>
+          <a:blip r:embed="rId5">
+            <a:extLst>
+              <a:ext uri="{96DAC541-7B7A-43D3-8B79-37D633B846F1}">
+                <asvg:svgBlip xmlns:asvg="http://schemas.microsoft.com/office/drawing/2016/SVG/main" r:embed="rId6"/>
+              </a:ext>
+            </a:extLst>
+          </a:blip>
+          <a:stretch>
+            <a:fillRect/>
+          </a:stretch>
+        </p:blipFill>
+        <p:spPr>
+          <a:xfrm>
+            <a:off x="202142" y="1901825"/>
+            <a:ext cx="1695450" cy="4324350"/>
+          </a:xfrm>
+          <a:prstGeom prst="rect">
+            <a:avLst/>
+          </a:prstGeom>
+        </p:spPr>
+      </p:pic>
+    </p:spTree>
+    <p:extLst>
+      <p:ext uri="{BB962C8B-B14F-4D97-AF65-F5344CB8AC3E}">
+        <p14:creationId xmlns:p14="http://schemas.microsoft.com/office/powerpoint/2010/main" val="858020458"/>
+      </p:ext>
+    </p:extLst>
+  </p:cSld>
+  <p:clrMapOvr>
+    <a:masterClrMapping/>
+  </p:clrMapOvr>
+</p:sld>
+</file>
+
+<file path=ppt/slides/slide40.xml><?xml version="1.0" encoding="utf-8"?>
 <p:sld xmlns:a="http://schemas.openxmlformats.org/drawingml/2006/main" xmlns:r="http://schemas.openxmlformats.org/officeDocument/2006/relationships" xmlns:p="http://schemas.openxmlformats.org/presentationml/2006/main">
   <p:cSld>
     <p:spTree>
@@ -15009,11 +16232,11 @@
   <p:clrMapOvr>
     <a:masterClrMapping/>
   </p:clrMapOvr>
-  <mc:AlternateContent xmlns:mc="http://schemas.openxmlformats.org/markup-compatibility/2006">
-    <mc:Choice xmlns:p14="http://schemas.microsoft.com/office/powerpoint/2010/main" Requires="p14">
+  <mc:AlternateContent xmlns:mc="http://schemas.openxmlformats.org/markup-compatibility/2006" xmlns:p14="http://schemas.microsoft.com/office/powerpoint/2010/main">
+    <mc:Choice Requires="p14">
       <p:transition spd="slow" p14:dur="2000" advTm="63862"/>
     </mc:Choice>
-    <mc:Fallback>
+    <mc:Fallback xmlns="">
       <p:transition spd="slow" advTm="63862"/>
     </mc:Fallback>
   </mc:AlternateContent>
@@ -16287,7 +17510,7 @@
 </p:sld>
 </file>
 
-<file path=ppt/slides/slide34.xml><?xml version="1.0" encoding="utf-8"?>
+<file path=ppt/slides/slide41.xml><?xml version="1.0" encoding="utf-8"?>
 <p:sld xmlns:a="http://schemas.openxmlformats.org/drawingml/2006/main" xmlns:r="http://schemas.openxmlformats.org/officeDocument/2006/relationships" xmlns:p="http://schemas.openxmlformats.org/presentationml/2006/main">
   <p:cSld>
     <p:spTree>
@@ -16497,11 +17720,11 @@
   <p:clrMapOvr>
     <a:masterClrMapping/>
   </p:clrMapOvr>
-  <mc:AlternateContent xmlns:mc="http://schemas.openxmlformats.org/markup-compatibility/2006">
-    <mc:Choice xmlns:p14="http://schemas.microsoft.com/office/powerpoint/2010/main" Requires="p14">
+  <mc:AlternateContent xmlns:mc="http://schemas.openxmlformats.org/markup-compatibility/2006" xmlns:p14="http://schemas.microsoft.com/office/powerpoint/2010/main">
+    <mc:Choice Requires="p14">
       <p:transition spd="slow" p14:dur="2000" advTm="11019"/>
     </mc:Choice>
-    <mc:Fallback>
+    <mc:Fallback xmlns="">
       <p:transition spd="slow" advTm="11019"/>
     </mc:Fallback>
   </mc:AlternateContent>
@@ -16847,7 +18070,7 @@
 </p:sld>
 </file>
 
-<file path=ppt/slides/slide35.xml><?xml version="1.0" encoding="utf-8"?>
+<file path=ppt/slides/slide42.xml><?xml version="1.0" encoding="utf-8"?>
 <p:sld xmlns:a="http://schemas.openxmlformats.org/drawingml/2006/main" xmlns:r="http://schemas.openxmlformats.org/officeDocument/2006/relationships" xmlns:p="http://schemas.openxmlformats.org/presentationml/2006/main">
   <p:cSld>
     <p:spTree>
@@ -16964,7 +18187,7 @@
 </p:sld>
 </file>
 
-<file path=ppt/slides/slide36.xml><?xml version="1.0" encoding="utf-8"?>
+<file path=ppt/slides/slide43.xml><?xml version="1.0" encoding="utf-8"?>
 <p:sld xmlns:a="http://schemas.openxmlformats.org/drawingml/2006/main" xmlns:r="http://schemas.openxmlformats.org/officeDocument/2006/relationships" xmlns:p="http://schemas.openxmlformats.org/presentationml/2006/main">
   <p:cSld>
     <p:spTree>
@@ -17100,7 +18323,7 @@
 </p:sld>
 </file>
 
-<file path=ppt/slides/slide37.xml><?xml version="1.0" encoding="utf-8"?>
+<file path=ppt/slides/slide44.xml><?xml version="1.0" encoding="utf-8"?>
 <p:sld xmlns:a="http://schemas.openxmlformats.org/drawingml/2006/main" xmlns:r="http://schemas.openxmlformats.org/officeDocument/2006/relationships" xmlns:p="http://schemas.openxmlformats.org/presentationml/2006/main">
   <p:cSld>
     <p:spTree>
@@ -17240,7 +18463,7 @@
               <a:pPr>
                 <a:defRPr/>
               </a:pPr>
-              <a:t>37</a:t>
+              <a:t>44</a:t>
             </a:fld>
             <a:r>
               <a:rPr lang="en-US" altLang="en-US"/>
@@ -17262,7 +18485,7 @@
 </p:sld>
 </file>
 
-<file path=ppt/slides/slide38.xml><?xml version="1.0" encoding="utf-8"?>
+<file path=ppt/slides/slide45.xml><?xml version="1.0" encoding="utf-8"?>
 <p:sld xmlns:a="http://schemas.openxmlformats.org/drawingml/2006/main" xmlns:r="http://schemas.openxmlformats.org/officeDocument/2006/relationships" xmlns:p="http://schemas.openxmlformats.org/presentationml/2006/main">
   <p:cSld>
     <p:spTree>
@@ -17385,7 +18608,7 @@
 </p:sld>
 </file>
 
-<file path=ppt/slides/slide39.xml><?xml version="1.0" encoding="utf-8"?>
+<file path=ppt/slides/slide46.xml><?xml version="1.0" encoding="utf-8"?>
 <p:sld xmlns:a="http://schemas.openxmlformats.org/drawingml/2006/main" xmlns:r="http://schemas.openxmlformats.org/officeDocument/2006/relationships" xmlns:p="http://schemas.openxmlformats.org/presentationml/2006/main">
   <p:cSld>
     <p:spTree>
@@ -17908,210 +19131,7 @@
 </p:sld>
 </file>
 
-<file path=ppt/slides/slide4.xml><?xml version="1.0" encoding="utf-8"?>
-<p:sld xmlns:a="http://schemas.openxmlformats.org/drawingml/2006/main" xmlns:r="http://schemas.openxmlformats.org/officeDocument/2006/relationships" xmlns:p="http://schemas.openxmlformats.org/presentationml/2006/main">
-  <p:cSld>
-    <p:spTree>
-      <p:nvGrpSpPr>
-        <p:cNvPr id="1" name="">
-          <a:extLst>
-            <a:ext uri="{FF2B5EF4-FFF2-40B4-BE49-F238E27FC236}">
-              <a16:creationId xmlns:a16="http://schemas.microsoft.com/office/drawing/2014/main" id="{9D3F8360-1187-AB3F-8E1B-22F658FA661B}"/>
-            </a:ext>
-          </a:extLst>
-        </p:cNvPr>
-        <p:cNvGrpSpPr/>
-        <p:nvPr/>
-      </p:nvGrpSpPr>
-      <p:grpSpPr>
-        <a:xfrm>
-          <a:off x="0" y="0"/>
-          <a:ext cx="0" cy="0"/>
-          <a:chOff x="0" y="0"/>
-          <a:chExt cx="0" cy="0"/>
-        </a:xfrm>
-      </p:grpSpPr>
-      <p:sp>
-        <p:nvSpPr>
-          <p:cNvPr id="2" name="Title 1">
-            <a:extLst>
-              <a:ext uri="{FF2B5EF4-FFF2-40B4-BE49-F238E27FC236}">
-                <a16:creationId xmlns:a16="http://schemas.microsoft.com/office/drawing/2014/main" id="{A684A59B-E364-E741-CFBD-3DAED845B164}"/>
-              </a:ext>
-            </a:extLst>
-          </p:cNvPr>
-          <p:cNvSpPr>
-            <a:spLocks noGrp="1"/>
-          </p:cNvSpPr>
-          <p:nvPr>
-            <p:ph type="title"/>
-          </p:nvPr>
-        </p:nvSpPr>
-        <p:spPr/>
-        <p:txBody>
-          <a:bodyPr/>
-          <a:lstStyle/>
-          <a:p>
-            <a:r>
-              <a:rPr lang="en-US" err="1"/>
-              <a:t>Baye’s</a:t>
-            </a:r>
-            <a:r>
-              <a:rPr lang="en-US"/>
-              <a:t> rule updates models</a:t>
-            </a:r>
-            <a:endParaRPr lang="en-GB"/>
-          </a:p>
-        </p:txBody>
-      </p:sp>
-      <p:graphicFrame>
-        <p:nvGraphicFramePr>
-          <p:cNvPr id="4" name="Object 3">
-            <a:extLst>
-              <a:ext uri="{FF2B5EF4-FFF2-40B4-BE49-F238E27FC236}">
-                <a16:creationId xmlns:a16="http://schemas.microsoft.com/office/drawing/2014/main" id="{435F5A3B-CC4A-88BC-24D0-B7025174E136}"/>
-              </a:ext>
-            </a:extLst>
-          </p:cNvPr>
-          <p:cNvGraphicFramePr>
-            <a:graphicFrameLocks noChangeAspect="1"/>
-          </p:cNvGraphicFramePr>
-          <p:nvPr>
-            <p:extLst>
-              <p:ext uri="{D42A27DB-BD31-4B8C-83A1-F6EECF244321}">
-                <p14:modId xmlns:p14="http://schemas.microsoft.com/office/powerpoint/2010/main" val="1880405255"/>
-              </p:ext>
-            </p:extLst>
-          </p:nvPr>
-        </p:nvGraphicFramePr>
-        <p:xfrm>
-          <a:off x="6310232" y="2961444"/>
-          <a:ext cx="5424491" cy="1068132"/>
-        </p:xfrm>
-        <a:graphic>
-          <a:graphicData uri="http://schemas.openxmlformats.org/presentationml/2006/ole">
-            <mc:AlternateContent xmlns:mc="http://schemas.openxmlformats.org/markup-compatibility/2006">
-              <mc:Choice xmlns:v="urn:schemas-microsoft-com:vml" Requires="v">
-                <p:oleObj name="Equation" r:id="rId2" imgW="2971800" imgH="583920" progId="Equation.DSMT4">
-                  <p:embed/>
-                </p:oleObj>
-              </mc:Choice>
-              <mc:Fallback>
-                <p:oleObj name="Equation" r:id="rId2" imgW="2971800" imgH="583920" progId="Equation.DSMT4">
-                  <p:embed/>
-                  <p:pic>
-                    <p:nvPicPr>
-                      <p:cNvPr id="4" name="Object 3">
-                        <a:extLst>
-                          <a:ext uri="{FF2B5EF4-FFF2-40B4-BE49-F238E27FC236}">
-                            <a16:creationId xmlns:a16="http://schemas.microsoft.com/office/drawing/2014/main" id="{435F5A3B-CC4A-88BC-24D0-B7025174E136}"/>
-                          </a:ext>
-                        </a:extLst>
-                      </p:cNvPr>
-                      <p:cNvPicPr/>
-                      <p:nvPr/>
-                    </p:nvPicPr>
-                    <p:blipFill>
-                      <a:blip r:embed="rId3"/>
-                      <a:stretch>
-                        <a:fillRect/>
-                      </a:stretch>
-                    </p:blipFill>
-                    <p:spPr>
-                      <a:xfrm>
-                        <a:off x="6310232" y="2961444"/>
-                        <a:ext cx="5424491" cy="1068132"/>
-                      </a:xfrm>
-                      <a:prstGeom prst="rect">
-                        <a:avLst/>
-                      </a:prstGeom>
-                    </p:spPr>
-                  </p:pic>
-                </p:oleObj>
-              </mc:Fallback>
-            </mc:AlternateContent>
-          </a:graphicData>
-        </a:graphic>
-      </p:graphicFrame>
-      <p:pic>
-        <p:nvPicPr>
-          <p:cNvPr id="7" name="Picture 6">
-            <a:extLst>
-              <a:ext uri="{FF2B5EF4-FFF2-40B4-BE49-F238E27FC236}">
-                <a16:creationId xmlns:a16="http://schemas.microsoft.com/office/drawing/2014/main" id="{E65BB742-817F-8B14-BD56-742C89FBE69D}"/>
-              </a:ext>
-            </a:extLst>
-          </p:cNvPr>
-          <p:cNvPicPr>
-            <a:picLocks noChangeAspect="1"/>
-          </p:cNvPicPr>
-          <p:nvPr/>
-        </p:nvPicPr>
-        <p:blipFill>
-          <a:blip r:embed="rId4"/>
-          <a:srcRect l="25235" r="25904" b="9101"/>
-          <a:stretch/>
-        </p:blipFill>
-        <p:spPr>
-          <a:xfrm>
-            <a:off x="2507115" y="2002759"/>
-            <a:ext cx="3650794" cy="3171769"/>
-          </a:xfrm>
-          <a:prstGeom prst="rect">
-            <a:avLst/>
-          </a:prstGeom>
-        </p:spPr>
-      </p:pic>
-      <p:pic>
-        <p:nvPicPr>
-          <p:cNvPr id="3" name="Graphic 2">
-            <a:extLst>
-              <a:ext uri="{FF2B5EF4-FFF2-40B4-BE49-F238E27FC236}">
-                <a16:creationId xmlns:a16="http://schemas.microsoft.com/office/drawing/2014/main" id="{B61A7830-99E1-A7A6-90AA-5773B83FD31C}"/>
-              </a:ext>
-            </a:extLst>
-          </p:cNvPr>
-          <p:cNvPicPr>
-            <a:picLocks noChangeAspect="1"/>
-          </p:cNvPicPr>
-          <p:nvPr/>
-        </p:nvPicPr>
-        <p:blipFill>
-          <a:blip r:embed="rId5">
-            <a:extLst>
-              <a:ext uri="{96DAC541-7B7A-43D3-8B79-37D633B846F1}">
-                <asvg:svgBlip xmlns:asvg="http://schemas.microsoft.com/office/drawing/2016/SVG/main" r:embed="rId6"/>
-              </a:ext>
-            </a:extLst>
-          </a:blip>
-          <a:stretch>
-            <a:fillRect/>
-          </a:stretch>
-        </p:blipFill>
-        <p:spPr>
-          <a:xfrm>
-            <a:off x="202142" y="1901825"/>
-            <a:ext cx="1695450" cy="4324350"/>
-          </a:xfrm>
-          <a:prstGeom prst="rect">
-            <a:avLst/>
-          </a:prstGeom>
-        </p:spPr>
-      </p:pic>
-    </p:spTree>
-    <p:extLst>
-      <p:ext uri="{BB962C8B-B14F-4D97-AF65-F5344CB8AC3E}">
-        <p14:creationId xmlns:p14="http://schemas.microsoft.com/office/powerpoint/2010/main" val="858020458"/>
-      </p:ext>
-    </p:extLst>
-  </p:cSld>
-  <p:clrMapOvr>
-    <a:masterClrMapping/>
-  </p:clrMapOvr>
-</p:sld>
-</file>
-
-<file path=ppt/slides/slide40.xml><?xml version="1.0" encoding="utf-8"?>
+<file path=ppt/slides/slide47.xml><?xml version="1.0" encoding="utf-8"?>
 <p:sld xmlns:a="http://schemas.openxmlformats.org/drawingml/2006/main" xmlns:r="http://schemas.openxmlformats.org/officeDocument/2006/relationships" xmlns:p="http://schemas.openxmlformats.org/presentationml/2006/main">
   <p:cSld>
     <p:spTree>
@@ -18163,8 +19183,8 @@
           </a:p>
         </p:txBody>
       </p:sp>
-      <mc:AlternateContent xmlns:mc="http://schemas.openxmlformats.org/markup-compatibility/2006">
-        <mc:Choice xmlns:a14="http://schemas.microsoft.com/office/drawing/2010/main" Requires="a14">
+      <mc:AlternateContent xmlns:mc="http://schemas.openxmlformats.org/markup-compatibility/2006" xmlns:a14="http://schemas.microsoft.com/office/drawing/2010/main">
+        <mc:Choice Requires="a14">
           <p:sp>
             <p:nvSpPr>
               <p:cNvPr id="3" name="Content Placeholder 2">
@@ -18250,7 +19270,7 @@
             </p:txBody>
           </p:sp>
         </mc:Choice>
-        <mc:Fallback>
+        <mc:Fallback xmlns="">
           <p:sp>
             <p:nvSpPr>
               <p:cNvPr id="3" name="Content Placeholder 2">
@@ -18363,8 +19383,8 @@
           </a:graphicData>
         </a:graphic>
       </p:graphicFrame>
-      <mc:AlternateContent xmlns:mc="http://schemas.openxmlformats.org/markup-compatibility/2006">
-        <mc:Choice xmlns:a14="http://schemas.microsoft.com/office/drawing/2010/main" Requires="a14">
+      <mc:AlternateContent xmlns:mc="http://schemas.openxmlformats.org/markup-compatibility/2006" xmlns:a14="http://schemas.microsoft.com/office/drawing/2010/main">
+        <mc:Choice Requires="a14">
           <p:graphicFrame>
             <p:nvGraphicFramePr>
               <p:cNvPr id="5" name="Table 4">
@@ -18629,7 +19649,7 @@
             </a:graphic>
           </p:graphicFrame>
         </mc:Choice>
-        <mc:Fallback>
+        <mc:Fallback xmlns="">
           <p:graphicFrame>
             <p:nvGraphicFramePr>
               <p:cNvPr id="5" name="Table 4">
@@ -18877,7 +19897,7 @@
 </p:sld>
 </file>
 
-<file path=ppt/slides/slide41.xml><?xml version="1.0" encoding="utf-8"?>
+<file path=ppt/slides/slide48.xml><?xml version="1.0" encoding="utf-8"?>
 <p:sld xmlns:a="http://schemas.openxmlformats.org/drawingml/2006/main" xmlns:r="http://schemas.openxmlformats.org/officeDocument/2006/relationships" xmlns:p="http://schemas.openxmlformats.org/presentationml/2006/main">
   <p:cSld>
     <p:spTree>
@@ -19006,7 +20026,7 @@
 </p:sld>
 </file>
 
-<file path=ppt/slides/slide42.xml><?xml version="1.0" encoding="utf-8"?>
+<file path=ppt/slides/slide49.xml><?xml version="1.0" encoding="utf-8"?>
 <p:sld xmlns:a="http://schemas.openxmlformats.org/drawingml/2006/main" xmlns:r="http://schemas.openxmlformats.org/officeDocument/2006/relationships" xmlns:p="http://schemas.openxmlformats.org/presentationml/2006/main">
   <p:cSld>
     <p:spTree>
@@ -19072,7 +20092,7 @@
           <p:nvPr/>
         </p:nvPicPr>
         <p:blipFill>
-          <a:blip r:embed="rId2">
+          <a:blip r:embed="rId2" cstate="email">
             <a:extLst>
               <a:ext uri="{28A0092B-C50C-407E-A947-70E740481C1C}">
                 <a14:useLocalDpi xmlns:a14="http://schemas.microsoft.com/office/drawing/2010/main" val="0"/>

--- a/Lectures/Lecture 3 PyMC and Sampling.pptx
+++ b/Lectures/Lecture 3 PyMC and Sampling.pptx
@@ -5,7 +5,7 @@
     <p:sldMasterId id="2147483648" r:id="rId1"/>
   </p:sldMasterIdLst>
   <p:notesMasterIdLst>
-    <p:notesMasterId r:id="rId51"/>
+    <p:notesMasterId r:id="rId59"/>
   </p:notesMasterIdLst>
   <p:sldIdLst>
     <p:sldId id="256" r:id="rId2"/>
@@ -25,41 +25,49 @@
     <p:sldId id="350" r:id="rId16"/>
     <p:sldId id="527" r:id="rId17"/>
     <p:sldId id="528" r:id="rId18"/>
-    <p:sldId id="530" r:id="rId19"/>
-    <p:sldId id="559" r:id="rId20"/>
-    <p:sldId id="561" r:id="rId21"/>
-    <p:sldId id="563" r:id="rId22"/>
-    <p:sldId id="560" r:id="rId23"/>
-    <p:sldId id="562" r:id="rId24"/>
-    <p:sldId id="539" r:id="rId25"/>
-    <p:sldId id="304" r:id="rId26"/>
-    <p:sldId id="305" r:id="rId27"/>
-    <p:sldId id="307" r:id="rId28"/>
-    <p:sldId id="308" r:id="rId29"/>
-    <p:sldId id="531" r:id="rId30"/>
-    <p:sldId id="540" r:id="rId31"/>
-    <p:sldId id="413" r:id="rId32"/>
-    <p:sldId id="532" r:id="rId33"/>
-    <p:sldId id="349" r:id="rId34"/>
-    <p:sldId id="402" r:id="rId35"/>
-    <p:sldId id="557" r:id="rId36"/>
-    <p:sldId id="558" r:id="rId37"/>
-    <p:sldId id="541" r:id="rId38"/>
-    <p:sldId id="529" r:id="rId39"/>
-    <p:sldId id="533" r:id="rId40"/>
-    <p:sldId id="375" r:id="rId41"/>
-    <p:sldId id="376" r:id="rId42"/>
-    <p:sldId id="378" r:id="rId43"/>
-    <p:sldId id="534" r:id="rId44"/>
-    <p:sldId id="542" r:id="rId45"/>
-    <p:sldId id="535" r:id="rId46"/>
-    <p:sldId id="536" r:id="rId47"/>
-    <p:sldId id="537" r:id="rId48"/>
-    <p:sldId id="538" r:id="rId49"/>
-    <p:sldId id="311" r:id="rId50"/>
+    <p:sldId id="539" r:id="rId19"/>
+    <p:sldId id="304" r:id="rId20"/>
+    <p:sldId id="305" r:id="rId21"/>
+    <p:sldId id="307" r:id="rId22"/>
+    <p:sldId id="308" r:id="rId23"/>
+    <p:sldId id="531" r:id="rId24"/>
+    <p:sldId id="540" r:id="rId25"/>
+    <p:sldId id="413" r:id="rId26"/>
+    <p:sldId id="532" r:id="rId27"/>
+    <p:sldId id="349" r:id="rId28"/>
+    <p:sldId id="402" r:id="rId29"/>
+    <p:sldId id="564" r:id="rId30"/>
+    <p:sldId id="530" r:id="rId31"/>
+    <p:sldId id="559" r:id="rId32"/>
+    <p:sldId id="561" r:id="rId33"/>
+    <p:sldId id="563" r:id="rId34"/>
+    <p:sldId id="560" r:id="rId35"/>
+    <p:sldId id="562" r:id="rId36"/>
+    <p:sldId id="541" r:id="rId37"/>
+    <p:sldId id="529" r:id="rId38"/>
+    <p:sldId id="533" r:id="rId39"/>
+    <p:sldId id="375" r:id="rId40"/>
+    <p:sldId id="376" r:id="rId41"/>
+    <p:sldId id="378" r:id="rId42"/>
+    <p:sldId id="534" r:id="rId43"/>
+    <p:sldId id="557" r:id="rId44"/>
+    <p:sldId id="558" r:id="rId45"/>
+    <p:sldId id="565" r:id="rId46"/>
+    <p:sldId id="566" r:id="rId47"/>
+    <p:sldId id="567" r:id="rId48"/>
+    <p:sldId id="571" r:id="rId49"/>
+    <p:sldId id="568" r:id="rId50"/>
+    <p:sldId id="569" r:id="rId51"/>
+    <p:sldId id="570" r:id="rId52"/>
+    <p:sldId id="542" r:id="rId53"/>
+    <p:sldId id="535" r:id="rId54"/>
+    <p:sldId id="536" r:id="rId55"/>
+    <p:sldId id="537" r:id="rId56"/>
+    <p:sldId id="538" r:id="rId57"/>
+    <p:sldId id="311" r:id="rId58"/>
   </p:sldIdLst>
   <p:sldSz cx="12192000" cy="6858000"/>
-  <p:notesSz cx="6858000" cy="9144000"/>
+  <p:notesSz cx="7102475" cy="10234613"/>
   <p:defaultTextStyle>
     <a:defPPr>
       <a:defRPr lang="en-US"/>
@@ -2088,17 +2096,17 @@
         <p:spPr>
           <a:xfrm>
             <a:off x="0" y="0"/>
-            <a:ext cx="2971800" cy="458788"/>
+            <a:ext cx="3077739" cy="513508"/>
           </a:xfrm>
           <a:prstGeom prst="rect">
             <a:avLst/>
           </a:prstGeom>
         </p:spPr>
         <p:txBody>
-          <a:bodyPr vert="horz" lIns="91440" tIns="45720" rIns="91440" bIns="45720" rtlCol="0"/>
+          <a:bodyPr vert="horz" lIns="99066" tIns="49533" rIns="99066" bIns="49533" rtlCol="0"/>
           <a:lstStyle>
             <a:lvl1pPr algn="l">
-              <a:defRPr sz="1200"/>
+              <a:defRPr sz="1300"/>
             </a:lvl1pPr>
           </a:lstStyle>
           <a:p>
@@ -2118,18 +2126,18 @@
         </p:nvSpPr>
         <p:spPr>
           <a:xfrm>
-            <a:off x="3884613" y="0"/>
-            <a:ext cx="2971800" cy="458788"/>
+            <a:off x="4023092" y="0"/>
+            <a:ext cx="3077739" cy="513508"/>
           </a:xfrm>
           <a:prstGeom prst="rect">
             <a:avLst/>
           </a:prstGeom>
         </p:spPr>
         <p:txBody>
-          <a:bodyPr vert="horz" lIns="91440" tIns="45720" rIns="91440" bIns="45720" rtlCol="0"/>
+          <a:bodyPr vert="horz" lIns="99066" tIns="49533" rIns="99066" bIns="49533" rtlCol="0"/>
           <a:lstStyle>
             <a:lvl1pPr algn="r">
-              <a:defRPr sz="1200"/>
+              <a:defRPr sz="1300"/>
             </a:lvl1pPr>
           </a:lstStyle>
           <a:p>
@@ -2153,8 +2161,8 @@
         </p:nvSpPr>
         <p:spPr>
           <a:xfrm>
-            <a:off x="685800" y="1143000"/>
-            <a:ext cx="5486400" cy="3086100"/>
+            <a:off x="481013" y="1279525"/>
+            <a:ext cx="6140450" cy="3454400"/>
           </a:xfrm>
           <a:prstGeom prst="rect">
             <a:avLst/>
@@ -2167,7 +2175,7 @@
           </a:ln>
         </p:spPr>
         <p:txBody>
-          <a:bodyPr vert="horz" lIns="91440" tIns="45720" rIns="91440" bIns="45720" rtlCol="0" anchor="ctr"/>
+          <a:bodyPr vert="horz" lIns="99066" tIns="49533" rIns="99066" bIns="49533" rtlCol="0" anchor="ctr"/>
           <a:lstStyle/>
           <a:p>
             <a:endParaRPr lang="en-GB"/>
@@ -2186,15 +2194,15 @@
         </p:nvSpPr>
         <p:spPr>
           <a:xfrm>
-            <a:off x="685800" y="4400550"/>
-            <a:ext cx="5486400" cy="3600450"/>
+            <a:off x="710248" y="4925407"/>
+            <a:ext cx="5681980" cy="4029879"/>
           </a:xfrm>
           <a:prstGeom prst="rect">
             <a:avLst/>
           </a:prstGeom>
         </p:spPr>
         <p:txBody>
-          <a:bodyPr vert="horz" lIns="91440" tIns="45720" rIns="91440" bIns="45720" rtlCol="0"/>
+          <a:bodyPr vert="horz" lIns="99066" tIns="49533" rIns="99066" bIns="49533" rtlCol="0"/>
           <a:lstStyle/>
           <a:p>
             <a:pPr lvl="0"/>
@@ -2246,18 +2254,18 @@
         </p:nvSpPr>
         <p:spPr>
           <a:xfrm>
-            <a:off x="0" y="8685213"/>
-            <a:ext cx="2971800" cy="458787"/>
+            <a:off x="0" y="9721107"/>
+            <a:ext cx="3077739" cy="513507"/>
           </a:xfrm>
           <a:prstGeom prst="rect">
             <a:avLst/>
           </a:prstGeom>
         </p:spPr>
         <p:txBody>
-          <a:bodyPr vert="horz" lIns="91440" tIns="45720" rIns="91440" bIns="45720" rtlCol="0" anchor="b"/>
+          <a:bodyPr vert="horz" lIns="99066" tIns="49533" rIns="99066" bIns="49533" rtlCol="0" anchor="b"/>
           <a:lstStyle>
             <a:lvl1pPr algn="l">
-              <a:defRPr sz="1200"/>
+              <a:defRPr sz="1300"/>
             </a:lvl1pPr>
           </a:lstStyle>
           <a:p>
@@ -2277,18 +2285,18 @@
         </p:nvSpPr>
         <p:spPr>
           <a:xfrm>
-            <a:off x="3884613" y="8685213"/>
-            <a:ext cx="2971800" cy="458787"/>
+            <a:off x="4023092" y="9721107"/>
+            <a:ext cx="3077739" cy="513507"/>
           </a:xfrm>
           <a:prstGeom prst="rect">
             <a:avLst/>
           </a:prstGeom>
         </p:spPr>
         <p:txBody>
-          <a:bodyPr vert="horz" lIns="91440" tIns="45720" rIns="91440" bIns="45720" rtlCol="0" anchor="b"/>
+          <a:bodyPr vert="horz" lIns="99066" tIns="49533" rIns="99066" bIns="49533" rtlCol="0" anchor="b"/>
           <a:lstStyle>
             <a:lvl1pPr algn="r">
-              <a:defRPr sz="1200"/>
+              <a:defRPr sz="1300"/>
             </a:lvl1pPr>
           </a:lstStyle>
           <a:p>
@@ -8743,7 +8751,13 @@
   <p:cSld>
     <p:spTree>
       <p:nvGrpSpPr>
-        <p:cNvPr id="1" name=""/>
+        <p:cNvPr id="1" name="">
+          <a:extLst>
+            <a:ext uri="{FF2B5EF4-FFF2-40B4-BE49-F238E27FC236}">
+              <a16:creationId xmlns:a16="http://schemas.microsoft.com/office/drawing/2014/main" id="{7915DE16-4CBB-F9F2-6538-CA19D02D1864}"/>
+            </a:ext>
+          </a:extLst>
+        </p:cNvPr>
         <p:cNvGrpSpPr/>
         <p:nvPr/>
       </p:nvGrpSpPr>
@@ -8757,10 +8771,10 @@
       </p:grpSpPr>
       <p:sp>
         <p:nvSpPr>
-          <p:cNvPr id="2" name="Title 1">
+          <p:cNvPr id="6" name="Title 5">
             <a:extLst>
               <a:ext uri="{FF2B5EF4-FFF2-40B4-BE49-F238E27FC236}">
-                <a16:creationId xmlns:a16="http://schemas.microsoft.com/office/drawing/2014/main" id="{14D999CD-6088-E596-7726-6175286F2C6D}"/>
+                <a16:creationId xmlns:a16="http://schemas.microsoft.com/office/drawing/2014/main" id="{FA766805-9578-29EF-345E-8FD0DB994233}"/>
               </a:ext>
             </a:extLst>
           </p:cNvPr>
@@ -8776,54 +8790,16 @@
           <a:bodyPr/>
           <a:lstStyle/>
           <a:p>
-            <a:r>
-              <a:rPr lang="en-US"/>
-              <a:t>What happens when we call </a:t>
-            </a:r>
-            <a:r>
-              <a:rPr lang="en-US" sz="4400" b="0" err="1">
-                <a:solidFill>
-                  <a:srgbClr val="267F99"/>
-                </a:solidFill>
-                <a:effectLst/>
-                <a:latin typeface="Consolas" panose="020B0609020204030204" pitchFamily="49" charset="0"/>
-              </a:rPr>
-              <a:t>pm</a:t>
-            </a:r>
-            <a:r>
-              <a:rPr lang="en-US" sz="4400" b="0" err="1">
-                <a:solidFill>
-                  <a:srgbClr val="3B3B3B"/>
-                </a:solidFill>
-                <a:effectLst/>
-                <a:latin typeface="Consolas" panose="020B0609020204030204" pitchFamily="49" charset="0"/>
-              </a:rPr>
-              <a:t>.sample</a:t>
-            </a:r>
-            <a:r>
-              <a:rPr lang="en-US" sz="4400" b="0">
-                <a:solidFill>
-                  <a:srgbClr val="3B3B3B"/>
-                </a:solidFill>
-                <a:effectLst/>
-                <a:latin typeface="Consolas" panose="020B0609020204030204" pitchFamily="49" charset="0"/>
-              </a:rPr>
-              <a:t>()</a:t>
-            </a:r>
-            <a:r>
-              <a:rPr lang="en-US"/>
-              <a:t>? </a:t>
-            </a:r>
             <a:endParaRPr lang="en-IL"/>
           </a:p>
         </p:txBody>
       </p:sp>
       <p:sp>
         <p:nvSpPr>
-          <p:cNvPr id="3" name="Content Placeholder 2">
+          <p:cNvPr id="7" name="Text Placeholder 6">
             <a:extLst>
               <a:ext uri="{FF2B5EF4-FFF2-40B4-BE49-F238E27FC236}">
-                <a16:creationId xmlns:a16="http://schemas.microsoft.com/office/drawing/2014/main" id="{8878D2A6-3F02-A298-1159-89552CFDABD5}"/>
+                <a16:creationId xmlns:a16="http://schemas.microsoft.com/office/drawing/2014/main" id="{00E80B95-5918-B2FC-5C32-0F37C0AFBAE5}"/>
               </a:ext>
             </a:extLst>
           </p:cNvPr>
@@ -8831,74 +8807,98 @@
             <a:spLocks noGrp="1"/>
           </p:cNvSpPr>
           <p:nvPr>
-            <p:ph idx="1"/>
+            <p:ph type="body" idx="1"/>
           </p:nvPr>
         </p:nvSpPr>
-        <p:spPr>
-          <a:xfrm>
-            <a:off x="838200" y="1825624"/>
-            <a:ext cx="10515600" cy="1063517"/>
-          </a:xfrm>
-        </p:spPr>
+        <p:spPr/>
         <p:txBody>
           <a:bodyPr>
-            <a:normAutofit fontScale="70000" lnSpcReduction="20000"/>
+            <a:normAutofit/>
           </a:bodyPr>
           <a:lstStyle/>
           <a:p>
-            <a:r>
-              <a:rPr lang="en-US"/>
-              <a:t>Pick a sampling algorithm</a:t>
-            </a:r>
-          </a:p>
-          <a:p>
-            <a:r>
-              <a:rPr lang="en-US"/>
-              <a:t>Initialize</a:t>
-            </a:r>
-          </a:p>
-          <a:p>
-            <a:r>
-              <a:rPr lang="en-US"/>
-              <a:t>Run multiple chains</a:t>
-            </a:r>
+            <a:pPr algn="ctr"/>
+            <a:r>
+              <a:rPr lang="en-US" sz="7200"/>
+              <a:t>3D Sampling</a:t>
+            </a:r>
+            <a:endParaRPr lang="en-IL" sz="7200"/>
           </a:p>
         </p:txBody>
       </p:sp>
-      <p:pic>
-        <p:nvPicPr>
-          <p:cNvPr id="5" name="Picture 4">
+      <p:sp>
+        <p:nvSpPr>
+          <p:cNvPr id="4" name="Footer Placeholder 3">
             <a:extLst>
               <a:ext uri="{FF2B5EF4-FFF2-40B4-BE49-F238E27FC236}">
-                <a16:creationId xmlns:a16="http://schemas.microsoft.com/office/drawing/2014/main" id="{1E61F531-7DB3-E68F-C2A8-99960F7F042C}"/>
+                <a16:creationId xmlns:a16="http://schemas.microsoft.com/office/drawing/2014/main" id="{68C9045C-5DFB-FB06-1C84-EC88DD005722}"/>
               </a:ext>
             </a:extLst>
           </p:cNvPr>
-          <p:cNvPicPr>
-            <a:picLocks noChangeAspect="1"/>
-          </p:cNvPicPr>
-          <p:nvPr/>
-        </p:nvPicPr>
-        <p:blipFill>
-          <a:blip r:embed="rId2"/>
-          <a:stretch>
-            <a:fillRect/>
-          </a:stretch>
-        </p:blipFill>
-        <p:spPr>
-          <a:xfrm>
-            <a:off x="1423838" y="3249075"/>
-            <a:ext cx="8776349" cy="2392773"/>
-          </a:xfrm>
-          <a:prstGeom prst="rect">
-            <a:avLst/>
-          </a:prstGeom>
-        </p:spPr>
-      </p:pic>
+          <p:cNvSpPr>
+            <a:spLocks noGrp="1"/>
+          </p:cNvSpPr>
+          <p:nvPr>
+            <p:ph type="ftr" sz="quarter" idx="11"/>
+          </p:nvPr>
+        </p:nvSpPr>
+        <p:spPr/>
+        <p:txBody>
+          <a:bodyPr/>
+          <a:lstStyle/>
+          <a:p>
+            <a:pPr>
+              <a:defRPr/>
+            </a:pPr>
+            <a:r>
+              <a:rPr lang="en-US"/>
+              <a:t>Data analysis, 2022-1, Lecture 1</a:t>
+            </a:r>
+          </a:p>
+        </p:txBody>
+      </p:sp>
+      <p:sp>
+        <p:nvSpPr>
+          <p:cNvPr id="5" name="Slide Number Placeholder 4">
+            <a:extLst>
+              <a:ext uri="{FF2B5EF4-FFF2-40B4-BE49-F238E27FC236}">
+                <a16:creationId xmlns:a16="http://schemas.microsoft.com/office/drawing/2014/main" id="{06696472-5AE0-D723-84D7-A399485D2652}"/>
+              </a:ext>
+            </a:extLst>
+          </p:cNvPr>
+          <p:cNvSpPr>
+            <a:spLocks noGrp="1"/>
+          </p:cNvSpPr>
+          <p:nvPr>
+            <p:ph type="sldNum" sz="quarter" idx="12"/>
+          </p:nvPr>
+        </p:nvSpPr>
+        <p:spPr/>
+        <p:txBody>
+          <a:bodyPr/>
+          <a:lstStyle/>
+          <a:p>
+            <a:pPr>
+              <a:defRPr/>
+            </a:pPr>
+            <a:fld id="{3469EAC8-EFAD-49DA-A425-6225312A328A}" type="slidenum">
+              <a:rPr lang="he-IL" altLang="en-US" smtClean="0"/>
+              <a:pPr>
+                <a:defRPr/>
+              </a:pPr>
+              <a:t>18</a:t>
+            </a:fld>
+            <a:r>
+              <a:rPr lang="en-US" altLang="en-US"/>
+              <a:t> /  72</a:t>
+            </a:r>
+          </a:p>
+        </p:txBody>
+      </p:sp>
     </p:spTree>
     <p:extLst>
       <p:ext uri="{BB962C8B-B14F-4D97-AF65-F5344CB8AC3E}">
-        <p14:creationId xmlns:p14="http://schemas.microsoft.com/office/powerpoint/2010/main" val="2367745547"/>
+        <p14:creationId xmlns:p14="http://schemas.microsoft.com/office/powerpoint/2010/main" val="4096231202"/>
       </p:ext>
     </p:extLst>
   </p:cSld>
@@ -8927,13 +8927,7 @@
       </p:grpSpPr>
       <p:sp>
         <p:nvSpPr>
-          <p:cNvPr id="2" name="Title 1">
-            <a:extLst>
-              <a:ext uri="{FF2B5EF4-FFF2-40B4-BE49-F238E27FC236}">
-                <a16:creationId xmlns:a16="http://schemas.microsoft.com/office/drawing/2014/main" id="{1477C9D5-6E96-2021-60EA-D8D713FDD386}"/>
-              </a:ext>
-            </a:extLst>
-          </p:cNvPr>
+          <p:cNvPr id="2" name="Title 1"/>
           <p:cNvSpPr>
             <a:spLocks noGrp="1"/>
           </p:cNvSpPr>
@@ -8947,38 +8941,16 @@
           <a:lstStyle/>
           <a:p>
             <a:r>
-              <a:rPr lang="en-US" dirty="0"/>
-              <a:t>We get an </a:t>
-            </a:r>
-            <a:r>
-              <a:rPr lang="en-US" sz="3600" dirty="0">
-                <a:solidFill>
-                  <a:schemeClr val="accent6">
-                    <a:lumMod val="75000"/>
-                  </a:schemeClr>
-                </a:solidFill>
-                <a:latin typeface="Courier New" panose="02070309020205020404" pitchFamily="49" charset="0"/>
-                <a:cs typeface="Courier New" panose="02070309020205020404" pitchFamily="49" charset="0"/>
-              </a:rPr>
-              <a:t>inference data</a:t>
-            </a:r>
-            <a:r>
-              <a:rPr lang="en-US" dirty="0"/>
-              <a:t> object</a:t>
-            </a:r>
-            <a:endParaRPr lang="en-IL" dirty="0"/>
+              <a:rPr lang="en-US"/>
+              <a:t>Why sample?</a:t>
+            </a:r>
+            <a:endParaRPr lang="en-GB"/>
           </a:p>
         </p:txBody>
       </p:sp>
       <p:sp>
         <p:nvSpPr>
-          <p:cNvPr id="3" name="Content Placeholder 2">
-            <a:extLst>
-              <a:ext uri="{FF2B5EF4-FFF2-40B4-BE49-F238E27FC236}">
-                <a16:creationId xmlns:a16="http://schemas.microsoft.com/office/drawing/2014/main" id="{DD99F3C5-740B-8DF1-6798-03FF232675D7}"/>
-              </a:ext>
-            </a:extLst>
-          </p:cNvPr>
+          <p:cNvPr id="3" name="Content Placeholder 2"/>
           <p:cNvSpPr>
             <a:spLocks noGrp="1"/>
           </p:cNvSpPr>
@@ -8986,80 +8958,71 @@
             <p:ph idx="1"/>
           </p:nvPr>
         </p:nvSpPr>
-        <p:spPr>
-          <a:xfrm>
-            <a:off x="838200" y="1825625"/>
-            <a:ext cx="10515600" cy="1325563"/>
-          </a:xfrm>
-        </p:spPr>
+        <p:spPr/>
         <p:txBody>
-          <a:bodyPr>
-            <a:normAutofit lnSpcReduction="10000"/>
-          </a:bodyPr>
+          <a:bodyPr/>
           <a:lstStyle/>
           <a:p>
             <a:r>
-              <a:rPr lang="en-US" dirty="0"/>
-              <a:t>It has 3 groups</a:t>
+              <a:rPr lang="en-US"/>
+              <a:t>Analytic solutions not always available?</a:t>
             </a:r>
           </a:p>
           <a:p>
             <a:pPr lvl="1"/>
             <a:r>
-              <a:rPr lang="en-US" dirty="0"/>
-              <a:t>So far</a:t>
-            </a:r>
-          </a:p>
-          <a:p>
-            <a:r>
-              <a:rPr lang="en-US" dirty="0"/>
-              <a:t>Each group is an </a:t>
-            </a:r>
-            <a:r>
-              <a:rPr lang="en-US" dirty="0" err="1"/>
-              <a:t>xarray</a:t>
-            </a:r>
-            <a:r>
-              <a:rPr lang="en-US" dirty="0"/>
-              <a:t> Dataset </a:t>
-            </a:r>
+              <a:rPr lang="en-US"/>
+              <a:t>Must choose a likelihood with a conjugate prior</a:t>
+            </a:r>
+          </a:p>
+          <a:p>
+            <a:pPr lvl="1"/>
+            <a:r>
+              <a:rPr lang="en-US"/>
+              <a:t>Must have a conjugate prior that fits</a:t>
+            </a:r>
+          </a:p>
+          <a:p>
+            <a:pPr lvl="1"/>
+            <a:endParaRPr lang="en-US"/>
+          </a:p>
+          <a:p>
+            <a:r>
+              <a:rPr lang="en-US"/>
+              <a:t>Grid solution often too limited</a:t>
+            </a:r>
+          </a:p>
+          <a:p>
+            <a:pPr lvl="1"/>
+            <a:r>
+              <a:rPr lang="en-US"/>
+              <a:t>Works great for 1 parameter</a:t>
+            </a:r>
+          </a:p>
+          <a:p>
+            <a:pPr lvl="1"/>
+            <a:r>
+              <a:rPr lang="en-US"/>
+              <a:t>Becomes quickly untenable for more than 2 or 3 parameters</a:t>
+            </a:r>
+          </a:p>
+          <a:p>
+            <a:pPr lvl="1"/>
+            <a:endParaRPr lang="en-US"/>
+          </a:p>
+          <a:p>
+            <a:r>
+              <a:rPr lang="en-US"/>
+              <a:t>We’ll learn it on one parameter, just to make things simple</a:t>
+            </a:r>
+            <a:endParaRPr lang="en-GB"/>
           </a:p>
         </p:txBody>
       </p:sp>
-      <p:pic>
-        <p:nvPicPr>
-          <p:cNvPr id="4" name="Picture 3">
-            <a:extLst>
-              <a:ext uri="{FF2B5EF4-FFF2-40B4-BE49-F238E27FC236}">
-                <a16:creationId xmlns:a16="http://schemas.microsoft.com/office/drawing/2014/main" id="{0FA99945-EF1D-15EB-6974-EC7AB7D4BAD3}"/>
-              </a:ext>
-            </a:extLst>
-          </p:cNvPr>
-          <p:cNvPicPr>
-            <a:picLocks noChangeAspect="1"/>
-          </p:cNvPicPr>
-          <p:nvPr/>
-        </p:nvPicPr>
-        <p:blipFill>
-          <a:blip r:embed="rId2"/>
-          <a:stretch>
-            <a:fillRect/>
-          </a:stretch>
-        </p:blipFill>
-        <p:spPr>
-          <a:xfrm>
-            <a:off x="838200" y="3546241"/>
-            <a:ext cx="2453853" cy="2453853"/>
-          </a:xfrm>
-          <a:prstGeom prst="rect">
-            <a:avLst/>
-          </a:prstGeom>
-        </p:spPr>
-      </p:pic>
     </p:spTree>
     <p:extLst>
       <p:ext uri="{BB962C8B-B14F-4D97-AF65-F5344CB8AC3E}">
-        <p14:creationId xmlns:p14="http://schemas.microsoft.com/office/powerpoint/2010/main" val="1665016493"/>
+        <p14:creationId xmlns:p14="http://schemas.microsoft.com/office/powerpoint/2010/main" val="3203460214"/>
       </p:ext>
     </p:extLst>
   </p:cSld>
@@ -9248,898 +9211,6 @@
       </p:grpSpPr>
       <p:sp>
         <p:nvSpPr>
-          <p:cNvPr id="2" name="Title 1">
-            <a:extLst>
-              <a:ext uri="{FF2B5EF4-FFF2-40B4-BE49-F238E27FC236}">
-                <a16:creationId xmlns:a16="http://schemas.microsoft.com/office/drawing/2014/main" id="{452B5A50-F369-0F61-3798-7DFD420DC25C}"/>
-              </a:ext>
-            </a:extLst>
-          </p:cNvPr>
-          <p:cNvSpPr>
-            <a:spLocks noGrp="1"/>
-          </p:cNvSpPr>
-          <p:nvPr>
-            <p:ph type="title"/>
-          </p:nvPr>
-        </p:nvSpPr>
-        <p:spPr/>
-        <p:txBody>
-          <a:bodyPr/>
-          <a:lstStyle/>
-          <a:p>
-            <a:r>
-              <a:rPr lang="en-US" dirty="0" err="1"/>
-              <a:t>xarray</a:t>
-            </a:r>
-            <a:endParaRPr lang="en-IL" dirty="0"/>
-          </a:p>
-        </p:txBody>
-      </p:sp>
-      <p:sp>
-        <p:nvSpPr>
-          <p:cNvPr id="3" name="Content Placeholder 2">
-            <a:extLst>
-              <a:ext uri="{FF2B5EF4-FFF2-40B4-BE49-F238E27FC236}">
-                <a16:creationId xmlns:a16="http://schemas.microsoft.com/office/drawing/2014/main" id="{50073879-DD6C-F062-DA31-590EA29F47C5}"/>
-              </a:ext>
-            </a:extLst>
-          </p:cNvPr>
-          <p:cNvSpPr>
-            <a:spLocks noGrp="1"/>
-          </p:cNvSpPr>
-          <p:nvPr>
-            <p:ph idx="1"/>
-          </p:nvPr>
-        </p:nvSpPr>
-        <p:spPr>
-          <a:xfrm>
-            <a:off x="838200" y="4389120"/>
-            <a:ext cx="10515600" cy="1787842"/>
-          </a:xfrm>
-        </p:spPr>
-        <p:txBody>
-          <a:bodyPr>
-            <a:normAutofit/>
-          </a:bodyPr>
-          <a:lstStyle/>
-          <a:p>
-            <a:r>
-              <a:rPr lang="en-US" dirty="0" err="1"/>
-              <a:t>xarray</a:t>
-            </a:r>
-            <a:r>
-              <a:rPr lang="en-US" dirty="0"/>
-              <a:t> </a:t>
-            </a:r>
-            <a:r>
-              <a:rPr lang="en-US" dirty="0" err="1"/>
-              <a:t>Dataarrays</a:t>
-            </a:r>
-            <a:r>
-              <a:rPr lang="en-US" dirty="0"/>
-              <a:t> extend Pandas </a:t>
-            </a:r>
-            <a:r>
-              <a:rPr lang="en-US" dirty="0" err="1"/>
-              <a:t>dataframes</a:t>
-            </a:r>
-            <a:r>
-              <a:rPr lang="en-US" dirty="0"/>
-              <a:t> to multiple dimensions</a:t>
-            </a:r>
-          </a:p>
-          <a:p>
-            <a:pPr lvl="1"/>
-            <a:r>
-              <a:rPr lang="en-US" dirty="0"/>
-              <a:t>Each dimension and coordinate can have a name</a:t>
-            </a:r>
-          </a:p>
-          <a:p>
-            <a:r>
-              <a:rPr lang="en-US" dirty="0" err="1"/>
-              <a:t>Xarray</a:t>
-            </a:r>
-            <a:r>
-              <a:rPr lang="en-US" dirty="0"/>
-              <a:t> datasets combine multiple </a:t>
-            </a:r>
-            <a:r>
-              <a:rPr lang="en-US" dirty="0" err="1"/>
-              <a:t>Dataarrays</a:t>
-            </a:r>
-            <a:endParaRPr lang="en-US" dirty="0"/>
-          </a:p>
-          <a:p>
-            <a:pPr lvl="1"/>
-            <a:r>
-              <a:rPr lang="en-US" dirty="0"/>
-              <a:t>With shared dimensions</a:t>
-            </a:r>
-            <a:endParaRPr lang="en-IL" dirty="0"/>
-          </a:p>
-        </p:txBody>
-      </p:sp>
-      <p:pic>
-        <p:nvPicPr>
-          <p:cNvPr id="4" name="Picture 3">
-            <a:extLst>
-              <a:ext uri="{FF2B5EF4-FFF2-40B4-BE49-F238E27FC236}">
-                <a16:creationId xmlns:a16="http://schemas.microsoft.com/office/drawing/2014/main" id="{40C52499-F313-C469-5FDE-A2162B50A9C3}"/>
-              </a:ext>
-            </a:extLst>
-          </p:cNvPr>
-          <p:cNvPicPr>
-            <a:picLocks noChangeAspect="1"/>
-          </p:cNvPicPr>
-          <p:nvPr/>
-        </p:nvPicPr>
-        <p:blipFill>
-          <a:blip r:embed="rId2"/>
-          <a:stretch>
-            <a:fillRect/>
-          </a:stretch>
-        </p:blipFill>
-        <p:spPr>
-          <a:xfrm>
-            <a:off x="2434942" y="593725"/>
-            <a:ext cx="9565034" cy="3530219"/>
-          </a:xfrm>
-          <a:prstGeom prst="rect">
-            <a:avLst/>
-          </a:prstGeom>
-        </p:spPr>
-      </p:pic>
-    </p:spTree>
-    <p:extLst>
-      <p:ext uri="{BB962C8B-B14F-4D97-AF65-F5344CB8AC3E}">
-        <p14:creationId xmlns:p14="http://schemas.microsoft.com/office/powerpoint/2010/main" val="2156838901"/>
-      </p:ext>
-    </p:extLst>
-  </p:cSld>
-  <p:clrMapOvr>
-    <a:masterClrMapping/>
-  </p:clrMapOvr>
-</p:sld>
-</file>
-
-<file path=ppt/slides/slide21.xml><?xml version="1.0" encoding="utf-8"?>
-<p:sld xmlns:a="http://schemas.openxmlformats.org/drawingml/2006/main" xmlns:r="http://schemas.openxmlformats.org/officeDocument/2006/relationships" xmlns:p="http://schemas.openxmlformats.org/presentationml/2006/main">
-  <p:cSld>
-    <p:spTree>
-      <p:nvGrpSpPr>
-        <p:cNvPr id="1" name="">
-          <a:extLst>
-            <a:ext uri="{FF2B5EF4-FFF2-40B4-BE49-F238E27FC236}">
-              <a16:creationId xmlns:a16="http://schemas.microsoft.com/office/drawing/2014/main" id="{BB154C4D-AE7A-2941-4D99-6AC716FF22B6}"/>
-            </a:ext>
-          </a:extLst>
-        </p:cNvPr>
-        <p:cNvGrpSpPr/>
-        <p:nvPr/>
-      </p:nvGrpSpPr>
-      <p:grpSpPr>
-        <a:xfrm>
-          <a:off x="0" y="0"/>
-          <a:ext cx="0" cy="0"/>
-          <a:chOff x="0" y="0"/>
-          <a:chExt cx="0" cy="0"/>
-        </a:xfrm>
-      </p:grpSpPr>
-      <p:sp>
-        <p:nvSpPr>
-          <p:cNvPr id="2" name="Title 1">
-            <a:extLst>
-              <a:ext uri="{FF2B5EF4-FFF2-40B4-BE49-F238E27FC236}">
-                <a16:creationId xmlns:a16="http://schemas.microsoft.com/office/drawing/2014/main" id="{DA3524E5-3FE9-3DD3-BB3F-BCC58254E41F}"/>
-              </a:ext>
-            </a:extLst>
-          </p:cNvPr>
-          <p:cNvSpPr>
-            <a:spLocks noGrp="1"/>
-          </p:cNvSpPr>
-          <p:nvPr>
-            <p:ph type="title"/>
-          </p:nvPr>
-        </p:nvSpPr>
-        <p:spPr/>
-        <p:txBody>
-          <a:bodyPr/>
-          <a:lstStyle/>
-          <a:p>
-            <a:r>
-              <a:rPr lang="en-US" dirty="0" err="1"/>
-              <a:t>Observed_data</a:t>
-            </a:r>
-            <a:r>
-              <a:rPr lang="en-US" dirty="0"/>
-              <a:t> is an </a:t>
-            </a:r>
-            <a:r>
-              <a:rPr lang="en-US" dirty="0" err="1"/>
-              <a:t>xarray</a:t>
-            </a:r>
-            <a:r>
-              <a:rPr lang="en-US" dirty="0"/>
-              <a:t> </a:t>
-            </a:r>
-            <a:r>
-              <a:rPr lang="en-US" dirty="0" err="1"/>
-              <a:t>DataArray</a:t>
-            </a:r>
-            <a:r>
-              <a:rPr lang="en-US" dirty="0"/>
-              <a:t> with the actual data</a:t>
-            </a:r>
-            <a:endParaRPr lang="en-IL" dirty="0"/>
-          </a:p>
-        </p:txBody>
-      </p:sp>
-      <p:sp>
-        <p:nvSpPr>
-          <p:cNvPr id="3" name="Content Placeholder 2">
-            <a:extLst>
-              <a:ext uri="{FF2B5EF4-FFF2-40B4-BE49-F238E27FC236}">
-                <a16:creationId xmlns:a16="http://schemas.microsoft.com/office/drawing/2014/main" id="{F772EED8-4E4B-2CA1-5F8C-37802764C7A5}"/>
-              </a:ext>
-            </a:extLst>
-          </p:cNvPr>
-          <p:cNvSpPr>
-            <a:spLocks noGrp="1"/>
-          </p:cNvSpPr>
-          <p:nvPr>
-            <p:ph idx="1"/>
-          </p:nvPr>
-        </p:nvSpPr>
-        <p:spPr>
-          <a:xfrm>
-            <a:off x="838200" y="1825625"/>
-            <a:ext cx="4565904" cy="4351338"/>
-          </a:xfrm>
-        </p:spPr>
-        <p:txBody>
-          <a:bodyPr/>
-          <a:lstStyle/>
-          <a:p>
-            <a:r>
-              <a:rPr lang="en-US" dirty="0"/>
-              <a:t>Four coin flips</a:t>
-            </a:r>
-          </a:p>
-          <a:p>
-            <a:pPr lvl="1"/>
-            <a:r>
-              <a:rPr lang="en-US" dirty="0"/>
-              <a:t>1 head</a:t>
-            </a:r>
-          </a:p>
-          <a:p>
-            <a:pPr lvl="1"/>
-            <a:r>
-              <a:rPr lang="en-US" dirty="0"/>
-              <a:t>3 tails</a:t>
-            </a:r>
-          </a:p>
-        </p:txBody>
-      </p:sp>
-      <p:pic>
-        <p:nvPicPr>
-          <p:cNvPr id="5" name="Picture 4">
-            <a:extLst>
-              <a:ext uri="{FF2B5EF4-FFF2-40B4-BE49-F238E27FC236}">
-                <a16:creationId xmlns:a16="http://schemas.microsoft.com/office/drawing/2014/main" id="{2F2BB7E2-D91E-901E-82D2-B5F955A14FA6}"/>
-              </a:ext>
-            </a:extLst>
-          </p:cNvPr>
-          <p:cNvPicPr>
-            <a:picLocks noChangeAspect="1"/>
-          </p:cNvPicPr>
-          <p:nvPr/>
-        </p:nvPicPr>
-        <p:blipFill>
-          <a:blip r:embed="rId2"/>
-          <a:stretch>
-            <a:fillRect/>
-          </a:stretch>
-        </p:blipFill>
-        <p:spPr>
-          <a:xfrm>
-            <a:off x="7171787" y="2029817"/>
-            <a:ext cx="3627434" cy="3475021"/>
-          </a:xfrm>
-          <a:prstGeom prst="rect">
-            <a:avLst/>
-          </a:prstGeom>
-        </p:spPr>
-      </p:pic>
-    </p:spTree>
-    <p:extLst>
-      <p:ext uri="{BB962C8B-B14F-4D97-AF65-F5344CB8AC3E}">
-        <p14:creationId xmlns:p14="http://schemas.microsoft.com/office/powerpoint/2010/main" val="383378632"/>
-      </p:ext>
-    </p:extLst>
-  </p:cSld>
-  <p:clrMapOvr>
-    <a:masterClrMapping/>
-  </p:clrMapOvr>
-</p:sld>
-</file>
-
-<file path=ppt/slides/slide22.xml><?xml version="1.0" encoding="utf-8"?>
-<p:sld xmlns:a="http://schemas.openxmlformats.org/drawingml/2006/main" xmlns:r="http://schemas.openxmlformats.org/officeDocument/2006/relationships" xmlns:p="http://schemas.openxmlformats.org/presentationml/2006/main">
-  <p:cSld>
-    <p:spTree>
-      <p:nvGrpSpPr>
-        <p:cNvPr id="1" name="">
-          <a:extLst>
-            <a:ext uri="{FF2B5EF4-FFF2-40B4-BE49-F238E27FC236}">
-              <a16:creationId xmlns:a16="http://schemas.microsoft.com/office/drawing/2014/main" id="{11760456-15DF-DECB-2834-C393EF6E3E35}"/>
-            </a:ext>
-          </a:extLst>
-        </p:cNvPr>
-        <p:cNvGrpSpPr/>
-        <p:nvPr/>
-      </p:nvGrpSpPr>
-      <p:grpSpPr>
-        <a:xfrm>
-          <a:off x="0" y="0"/>
-          <a:ext cx="0" cy="0"/>
-          <a:chOff x="0" y="0"/>
-          <a:chExt cx="0" cy="0"/>
-        </a:xfrm>
-      </p:grpSpPr>
-      <p:sp>
-        <p:nvSpPr>
-          <p:cNvPr id="2" name="Title 1">
-            <a:extLst>
-              <a:ext uri="{FF2B5EF4-FFF2-40B4-BE49-F238E27FC236}">
-                <a16:creationId xmlns:a16="http://schemas.microsoft.com/office/drawing/2014/main" id="{0EFC3E33-465A-6E82-31BC-482B057F7A3A}"/>
-              </a:ext>
-            </a:extLst>
-          </p:cNvPr>
-          <p:cNvSpPr>
-            <a:spLocks noGrp="1"/>
-          </p:cNvSpPr>
-          <p:nvPr>
-            <p:ph type="title"/>
-          </p:nvPr>
-        </p:nvSpPr>
-        <p:spPr/>
-        <p:txBody>
-          <a:bodyPr/>
-          <a:lstStyle/>
-          <a:p>
-            <a:r>
-              <a:rPr lang="en-US" dirty="0"/>
-              <a:t>posterior has the samples</a:t>
-            </a:r>
-            <a:endParaRPr lang="en-IL" dirty="0"/>
-          </a:p>
-        </p:txBody>
-      </p:sp>
-      <p:sp>
-        <p:nvSpPr>
-          <p:cNvPr id="3" name="Content Placeholder 2">
-            <a:extLst>
-              <a:ext uri="{FF2B5EF4-FFF2-40B4-BE49-F238E27FC236}">
-                <a16:creationId xmlns:a16="http://schemas.microsoft.com/office/drawing/2014/main" id="{7BA70383-3BEA-B0F2-9814-374E69ACE971}"/>
-              </a:ext>
-            </a:extLst>
-          </p:cNvPr>
-          <p:cNvSpPr>
-            <a:spLocks noGrp="1"/>
-          </p:cNvSpPr>
-          <p:nvPr>
-            <p:ph idx="1"/>
-          </p:nvPr>
-        </p:nvSpPr>
-        <p:spPr>
-          <a:xfrm>
-            <a:off x="838200" y="1825625"/>
-            <a:ext cx="10515600" cy="1109599"/>
-          </a:xfrm>
-        </p:spPr>
-        <p:txBody>
-          <a:bodyPr>
-            <a:normAutofit fontScale="77500" lnSpcReduction="20000"/>
-          </a:bodyPr>
-          <a:lstStyle/>
-          <a:p>
-            <a:r>
-              <a:rPr lang="en-US" dirty="0"/>
-              <a:t>One variable: </a:t>
-            </a:r>
-            <a:r>
-              <a:rPr lang="el-GR" dirty="0"/>
-              <a:t>θ</a:t>
-            </a:r>
-            <a:endParaRPr lang="en-US" dirty="0"/>
-          </a:p>
-          <a:p>
-            <a:r>
-              <a:rPr lang="en-US" dirty="0"/>
-              <a:t>Two dimensions: chain and draw</a:t>
-            </a:r>
-          </a:p>
-          <a:p>
-            <a:r>
-              <a:rPr lang="en-US" dirty="0"/>
-              <a:t>4,000 samples</a:t>
-            </a:r>
-          </a:p>
-        </p:txBody>
-      </p:sp>
-      <p:pic>
-        <p:nvPicPr>
-          <p:cNvPr id="5" name="Picture 4">
-            <a:extLst>
-              <a:ext uri="{FF2B5EF4-FFF2-40B4-BE49-F238E27FC236}">
-                <a16:creationId xmlns:a16="http://schemas.microsoft.com/office/drawing/2014/main" id="{7A2BDDC6-A3F9-E3FD-DF1A-09C8AF7F980F}"/>
-              </a:ext>
-            </a:extLst>
-          </p:cNvPr>
-          <p:cNvPicPr>
-            <a:picLocks noChangeAspect="1"/>
-          </p:cNvPicPr>
-          <p:nvPr/>
-        </p:nvPicPr>
-        <p:blipFill>
-          <a:blip r:embed="rId2"/>
-          <a:stretch>
-            <a:fillRect/>
-          </a:stretch>
-        </p:blipFill>
-        <p:spPr>
-          <a:xfrm>
-            <a:off x="838200" y="3111812"/>
-            <a:ext cx="5654530" cy="3482642"/>
-          </a:xfrm>
-          <a:prstGeom prst="rect">
-            <a:avLst/>
-          </a:prstGeom>
-        </p:spPr>
-      </p:pic>
-    </p:spTree>
-    <p:extLst>
-      <p:ext uri="{BB962C8B-B14F-4D97-AF65-F5344CB8AC3E}">
-        <p14:creationId xmlns:p14="http://schemas.microsoft.com/office/powerpoint/2010/main" val="3752839301"/>
-      </p:ext>
-    </p:extLst>
-  </p:cSld>
-  <p:clrMapOvr>
-    <a:masterClrMapping/>
-  </p:clrMapOvr>
-</p:sld>
-</file>
-
-<file path=ppt/slides/slide23.xml><?xml version="1.0" encoding="utf-8"?>
-<p:sld xmlns:a="http://schemas.openxmlformats.org/drawingml/2006/main" xmlns:r="http://schemas.openxmlformats.org/officeDocument/2006/relationships" xmlns:p="http://schemas.openxmlformats.org/presentationml/2006/main">
-  <p:cSld>
-    <p:spTree>
-      <p:nvGrpSpPr>
-        <p:cNvPr id="1" name=""/>
-        <p:cNvGrpSpPr/>
-        <p:nvPr/>
-      </p:nvGrpSpPr>
-      <p:grpSpPr>
-        <a:xfrm>
-          <a:off x="0" y="0"/>
-          <a:ext cx="0" cy="0"/>
-          <a:chOff x="0" y="0"/>
-          <a:chExt cx="0" cy="0"/>
-        </a:xfrm>
-      </p:grpSpPr>
-      <p:sp>
-        <p:nvSpPr>
-          <p:cNvPr id="2" name="Title 1">
-            <a:extLst>
-              <a:ext uri="{FF2B5EF4-FFF2-40B4-BE49-F238E27FC236}">
-                <a16:creationId xmlns:a16="http://schemas.microsoft.com/office/drawing/2014/main" id="{2648625F-6827-3A29-B004-CA1677E4EBCC}"/>
-              </a:ext>
-            </a:extLst>
-          </p:cNvPr>
-          <p:cNvSpPr>
-            <a:spLocks noGrp="1"/>
-          </p:cNvSpPr>
-          <p:nvPr>
-            <p:ph type="title"/>
-          </p:nvPr>
-        </p:nvSpPr>
-        <p:spPr/>
-        <p:txBody>
-          <a:bodyPr/>
-          <a:lstStyle/>
-          <a:p>
-            <a:r>
-              <a:rPr lang="en-US" dirty="0"/>
-              <a:t>Sample stats contains data about sampling</a:t>
-            </a:r>
-            <a:endParaRPr lang="en-IL" dirty="0"/>
-          </a:p>
-        </p:txBody>
-      </p:sp>
-      <p:sp>
-        <p:nvSpPr>
-          <p:cNvPr id="3" name="Content Placeholder 2">
-            <a:extLst>
-              <a:ext uri="{FF2B5EF4-FFF2-40B4-BE49-F238E27FC236}">
-                <a16:creationId xmlns:a16="http://schemas.microsoft.com/office/drawing/2014/main" id="{BE4C7339-DC7F-0B81-C8DD-36C0A0B0BDFA}"/>
-              </a:ext>
-            </a:extLst>
-          </p:cNvPr>
-          <p:cNvSpPr>
-            <a:spLocks noGrp="1"/>
-          </p:cNvSpPr>
-          <p:nvPr>
-            <p:ph idx="1"/>
-          </p:nvPr>
-        </p:nvSpPr>
-        <p:spPr>
-          <a:xfrm>
-            <a:off x="838200" y="1825625"/>
-            <a:ext cx="4565904" cy="4351338"/>
-          </a:xfrm>
-        </p:spPr>
-        <p:txBody>
-          <a:bodyPr/>
-          <a:lstStyle/>
-          <a:p>
-            <a:r>
-              <a:rPr lang="en-US" dirty="0"/>
-              <a:t>Can be safely ignored for now</a:t>
-            </a:r>
-            <a:endParaRPr lang="en-IL" dirty="0"/>
-          </a:p>
-        </p:txBody>
-      </p:sp>
-      <p:pic>
-        <p:nvPicPr>
-          <p:cNvPr id="4" name="Picture 3">
-            <a:extLst>
-              <a:ext uri="{FF2B5EF4-FFF2-40B4-BE49-F238E27FC236}">
-                <a16:creationId xmlns:a16="http://schemas.microsoft.com/office/drawing/2014/main" id="{9579F29D-650E-8951-A951-29096CDCD037}"/>
-              </a:ext>
-            </a:extLst>
-          </p:cNvPr>
-          <p:cNvPicPr>
-            <a:picLocks noChangeAspect="1"/>
-          </p:cNvPicPr>
-          <p:nvPr/>
-        </p:nvPicPr>
-        <p:blipFill>
-          <a:blip r:embed="rId2"/>
-          <a:stretch>
-            <a:fillRect/>
-          </a:stretch>
-        </p:blipFill>
-        <p:spPr>
-          <a:xfrm>
-            <a:off x="6227064" y="1411008"/>
-            <a:ext cx="5598599" cy="5345455"/>
-          </a:xfrm>
-          <a:prstGeom prst="rect">
-            <a:avLst/>
-          </a:prstGeom>
-        </p:spPr>
-      </p:pic>
-    </p:spTree>
-    <p:extLst>
-      <p:ext uri="{BB962C8B-B14F-4D97-AF65-F5344CB8AC3E}">
-        <p14:creationId xmlns:p14="http://schemas.microsoft.com/office/powerpoint/2010/main" val="3848198670"/>
-      </p:ext>
-    </p:extLst>
-  </p:cSld>
-  <p:clrMapOvr>
-    <a:masterClrMapping/>
-  </p:clrMapOvr>
-</p:sld>
-</file>
-
-<file path=ppt/slides/slide24.xml><?xml version="1.0" encoding="utf-8"?>
-<p:sld xmlns:a="http://schemas.openxmlformats.org/drawingml/2006/main" xmlns:r="http://schemas.openxmlformats.org/officeDocument/2006/relationships" xmlns:p="http://schemas.openxmlformats.org/presentationml/2006/main">
-  <p:cSld>
-    <p:spTree>
-      <p:nvGrpSpPr>
-        <p:cNvPr id="1" name="">
-          <a:extLst>
-            <a:ext uri="{FF2B5EF4-FFF2-40B4-BE49-F238E27FC236}">
-              <a16:creationId xmlns:a16="http://schemas.microsoft.com/office/drawing/2014/main" id="{7915DE16-4CBB-F9F2-6538-CA19D02D1864}"/>
-            </a:ext>
-          </a:extLst>
-        </p:cNvPr>
-        <p:cNvGrpSpPr/>
-        <p:nvPr/>
-      </p:nvGrpSpPr>
-      <p:grpSpPr>
-        <a:xfrm>
-          <a:off x="0" y="0"/>
-          <a:ext cx="0" cy="0"/>
-          <a:chOff x="0" y="0"/>
-          <a:chExt cx="0" cy="0"/>
-        </a:xfrm>
-      </p:grpSpPr>
-      <p:sp>
-        <p:nvSpPr>
-          <p:cNvPr id="6" name="Title 5">
-            <a:extLst>
-              <a:ext uri="{FF2B5EF4-FFF2-40B4-BE49-F238E27FC236}">
-                <a16:creationId xmlns:a16="http://schemas.microsoft.com/office/drawing/2014/main" id="{FA766805-9578-29EF-345E-8FD0DB994233}"/>
-              </a:ext>
-            </a:extLst>
-          </p:cNvPr>
-          <p:cNvSpPr>
-            <a:spLocks noGrp="1"/>
-          </p:cNvSpPr>
-          <p:nvPr>
-            <p:ph type="title"/>
-          </p:nvPr>
-        </p:nvSpPr>
-        <p:spPr/>
-        <p:txBody>
-          <a:bodyPr/>
-          <a:lstStyle/>
-          <a:p>
-            <a:endParaRPr lang="en-IL"/>
-          </a:p>
-        </p:txBody>
-      </p:sp>
-      <p:sp>
-        <p:nvSpPr>
-          <p:cNvPr id="7" name="Text Placeholder 6">
-            <a:extLst>
-              <a:ext uri="{FF2B5EF4-FFF2-40B4-BE49-F238E27FC236}">
-                <a16:creationId xmlns:a16="http://schemas.microsoft.com/office/drawing/2014/main" id="{00E80B95-5918-B2FC-5C32-0F37C0AFBAE5}"/>
-              </a:ext>
-            </a:extLst>
-          </p:cNvPr>
-          <p:cNvSpPr>
-            <a:spLocks noGrp="1"/>
-          </p:cNvSpPr>
-          <p:nvPr>
-            <p:ph type="body" idx="1"/>
-          </p:nvPr>
-        </p:nvSpPr>
-        <p:spPr/>
-        <p:txBody>
-          <a:bodyPr>
-            <a:normAutofit/>
-          </a:bodyPr>
-          <a:lstStyle/>
-          <a:p>
-            <a:pPr algn="ctr"/>
-            <a:r>
-              <a:rPr lang="en-US" sz="7200"/>
-              <a:t>3D Sampling</a:t>
-            </a:r>
-            <a:endParaRPr lang="en-IL" sz="7200"/>
-          </a:p>
-        </p:txBody>
-      </p:sp>
-      <p:sp>
-        <p:nvSpPr>
-          <p:cNvPr id="4" name="Footer Placeholder 3">
-            <a:extLst>
-              <a:ext uri="{FF2B5EF4-FFF2-40B4-BE49-F238E27FC236}">
-                <a16:creationId xmlns:a16="http://schemas.microsoft.com/office/drawing/2014/main" id="{68C9045C-5DFB-FB06-1C84-EC88DD005722}"/>
-              </a:ext>
-            </a:extLst>
-          </p:cNvPr>
-          <p:cNvSpPr>
-            <a:spLocks noGrp="1"/>
-          </p:cNvSpPr>
-          <p:nvPr>
-            <p:ph type="ftr" sz="quarter" idx="11"/>
-          </p:nvPr>
-        </p:nvSpPr>
-        <p:spPr/>
-        <p:txBody>
-          <a:bodyPr/>
-          <a:lstStyle/>
-          <a:p>
-            <a:pPr>
-              <a:defRPr/>
-            </a:pPr>
-            <a:r>
-              <a:rPr lang="en-US"/>
-              <a:t>Data analysis, 2022-1, Lecture 1</a:t>
-            </a:r>
-          </a:p>
-        </p:txBody>
-      </p:sp>
-      <p:sp>
-        <p:nvSpPr>
-          <p:cNvPr id="5" name="Slide Number Placeholder 4">
-            <a:extLst>
-              <a:ext uri="{FF2B5EF4-FFF2-40B4-BE49-F238E27FC236}">
-                <a16:creationId xmlns:a16="http://schemas.microsoft.com/office/drawing/2014/main" id="{06696472-5AE0-D723-84D7-A399485D2652}"/>
-              </a:ext>
-            </a:extLst>
-          </p:cNvPr>
-          <p:cNvSpPr>
-            <a:spLocks noGrp="1"/>
-          </p:cNvSpPr>
-          <p:nvPr>
-            <p:ph type="sldNum" sz="quarter" idx="12"/>
-          </p:nvPr>
-        </p:nvSpPr>
-        <p:spPr/>
-        <p:txBody>
-          <a:bodyPr/>
-          <a:lstStyle/>
-          <a:p>
-            <a:pPr>
-              <a:defRPr/>
-            </a:pPr>
-            <a:fld id="{3469EAC8-EFAD-49DA-A425-6225312A328A}" type="slidenum">
-              <a:rPr lang="he-IL" altLang="en-US" smtClean="0"/>
-              <a:pPr>
-                <a:defRPr/>
-              </a:pPr>
-              <a:t>24</a:t>
-            </a:fld>
-            <a:r>
-              <a:rPr lang="en-US" altLang="en-US"/>
-              <a:t> /  72</a:t>
-            </a:r>
-          </a:p>
-        </p:txBody>
-      </p:sp>
-    </p:spTree>
-    <p:extLst>
-      <p:ext uri="{BB962C8B-B14F-4D97-AF65-F5344CB8AC3E}">
-        <p14:creationId xmlns:p14="http://schemas.microsoft.com/office/powerpoint/2010/main" val="4096231202"/>
-      </p:ext>
-    </p:extLst>
-  </p:cSld>
-  <p:clrMapOvr>
-    <a:masterClrMapping/>
-  </p:clrMapOvr>
-</p:sld>
-</file>
-
-<file path=ppt/slides/slide25.xml><?xml version="1.0" encoding="utf-8"?>
-<p:sld xmlns:a="http://schemas.openxmlformats.org/drawingml/2006/main" xmlns:r="http://schemas.openxmlformats.org/officeDocument/2006/relationships" xmlns:p="http://schemas.openxmlformats.org/presentationml/2006/main">
-  <p:cSld>
-    <p:spTree>
-      <p:nvGrpSpPr>
-        <p:cNvPr id="1" name=""/>
-        <p:cNvGrpSpPr/>
-        <p:nvPr/>
-      </p:nvGrpSpPr>
-      <p:grpSpPr>
-        <a:xfrm>
-          <a:off x="0" y="0"/>
-          <a:ext cx="0" cy="0"/>
-          <a:chOff x="0" y="0"/>
-          <a:chExt cx="0" cy="0"/>
-        </a:xfrm>
-      </p:grpSpPr>
-      <p:sp>
-        <p:nvSpPr>
-          <p:cNvPr id="2" name="Title 1"/>
-          <p:cNvSpPr>
-            <a:spLocks noGrp="1"/>
-          </p:cNvSpPr>
-          <p:nvPr>
-            <p:ph type="title"/>
-          </p:nvPr>
-        </p:nvSpPr>
-        <p:spPr/>
-        <p:txBody>
-          <a:bodyPr/>
-          <a:lstStyle/>
-          <a:p>
-            <a:r>
-              <a:rPr lang="en-US"/>
-              <a:t>Why sample?</a:t>
-            </a:r>
-            <a:endParaRPr lang="en-GB"/>
-          </a:p>
-        </p:txBody>
-      </p:sp>
-      <p:sp>
-        <p:nvSpPr>
-          <p:cNvPr id="3" name="Content Placeholder 2"/>
-          <p:cNvSpPr>
-            <a:spLocks noGrp="1"/>
-          </p:cNvSpPr>
-          <p:nvPr>
-            <p:ph idx="1"/>
-          </p:nvPr>
-        </p:nvSpPr>
-        <p:spPr/>
-        <p:txBody>
-          <a:bodyPr/>
-          <a:lstStyle/>
-          <a:p>
-            <a:r>
-              <a:rPr lang="en-US"/>
-              <a:t>Analytic solutions not always available?</a:t>
-            </a:r>
-          </a:p>
-          <a:p>
-            <a:pPr lvl="1"/>
-            <a:r>
-              <a:rPr lang="en-US"/>
-              <a:t>Must choose a likelihood with a conjugate prior</a:t>
-            </a:r>
-          </a:p>
-          <a:p>
-            <a:pPr lvl="1"/>
-            <a:r>
-              <a:rPr lang="en-US"/>
-              <a:t>Must have a conjugate prior that fits</a:t>
-            </a:r>
-          </a:p>
-          <a:p>
-            <a:pPr lvl="1"/>
-            <a:endParaRPr lang="en-US"/>
-          </a:p>
-          <a:p>
-            <a:r>
-              <a:rPr lang="en-US"/>
-              <a:t>Grid solution often too limited</a:t>
-            </a:r>
-          </a:p>
-          <a:p>
-            <a:pPr lvl="1"/>
-            <a:r>
-              <a:rPr lang="en-US"/>
-              <a:t>Works great for 1 parameter</a:t>
-            </a:r>
-          </a:p>
-          <a:p>
-            <a:pPr lvl="1"/>
-            <a:r>
-              <a:rPr lang="en-US"/>
-              <a:t>Becomes quickly untenable for more than 2 or 3 parameters</a:t>
-            </a:r>
-          </a:p>
-          <a:p>
-            <a:pPr lvl="1"/>
-            <a:endParaRPr lang="en-US"/>
-          </a:p>
-          <a:p>
-            <a:r>
-              <a:rPr lang="en-US"/>
-              <a:t>We’ll learn it on one parameter, just to make things simple</a:t>
-            </a:r>
-            <a:endParaRPr lang="en-GB"/>
-          </a:p>
-        </p:txBody>
-      </p:sp>
-    </p:spTree>
-    <p:extLst>
-      <p:ext uri="{BB962C8B-B14F-4D97-AF65-F5344CB8AC3E}">
-        <p14:creationId xmlns:p14="http://schemas.microsoft.com/office/powerpoint/2010/main" val="3203460214"/>
-      </p:ext>
-    </p:extLst>
-  </p:cSld>
-  <p:clrMapOvr>
-    <a:masterClrMapping/>
-  </p:clrMapOvr>
-</p:sld>
-</file>
-
-<file path=ppt/slides/slide26.xml><?xml version="1.0" encoding="utf-8"?>
-<p:sld xmlns:a="http://schemas.openxmlformats.org/drawingml/2006/main" xmlns:r="http://schemas.openxmlformats.org/officeDocument/2006/relationships" xmlns:p="http://schemas.openxmlformats.org/presentationml/2006/main">
-  <p:cSld>
-    <p:spTree>
-      <p:nvGrpSpPr>
-        <p:cNvPr id="1" name=""/>
-        <p:cNvGrpSpPr/>
-        <p:nvPr/>
-      </p:nvGrpSpPr>
-      <p:grpSpPr>
-        <a:xfrm>
-          <a:off x="0" y="0"/>
-          <a:ext cx="0" cy="0"/>
-          <a:chOff x="0" y="0"/>
-          <a:chExt cx="0" cy="0"/>
-        </a:xfrm>
-      </p:grpSpPr>
-      <p:sp>
-        <p:nvSpPr>
           <p:cNvPr id="2" name="Title 1"/>
           <p:cNvSpPr>
             <a:spLocks noGrp="1"/>
@@ -10229,7 +9300,7 @@
 </p:sld>
 </file>
 
-<file path=ppt/slides/slide27.xml><?xml version="1.0" encoding="utf-8"?>
+<file path=ppt/slides/slide21.xml><?xml version="1.0" encoding="utf-8"?>
 <p:sld xmlns:a="http://schemas.openxmlformats.org/drawingml/2006/main" xmlns:r="http://schemas.openxmlformats.org/officeDocument/2006/relationships" xmlns:p="http://schemas.openxmlformats.org/presentationml/2006/main">
   <p:cSld>
     <p:spTree>
@@ -10392,7 +9463,7 @@
 </p:sld>
 </file>
 
-<file path=ppt/slides/slide28.xml><?xml version="1.0" encoding="utf-8"?>
+<file path=ppt/slides/slide22.xml><?xml version="1.0" encoding="utf-8"?>
 <p:sld xmlns:a="http://schemas.openxmlformats.org/drawingml/2006/main" xmlns:r="http://schemas.openxmlformats.org/officeDocument/2006/relationships" xmlns:p="http://schemas.openxmlformats.org/presentationml/2006/main">
   <p:cSld>
     <p:spTree>
@@ -10645,7 +9716,7 @@
 </p:sld>
 </file>
 
-<file path=ppt/slides/slide29.xml><?xml version="1.0" encoding="utf-8"?>
+<file path=ppt/slides/slide23.xml><?xml version="1.0" encoding="utf-8"?>
 <p:sld xmlns:a="http://schemas.openxmlformats.org/drawingml/2006/main" xmlns:r="http://schemas.openxmlformats.org/officeDocument/2006/relationships" xmlns:p="http://schemas.openxmlformats.org/presentationml/2006/main">
   <p:cSld>
     <p:spTree>
@@ -11619,205 +10690,7 @@
 </p:sld>
 </file>
 
-<file path=ppt/slides/slide3.xml><?xml version="1.0" encoding="utf-8"?>
-<p:sld xmlns:a="http://schemas.openxmlformats.org/drawingml/2006/main" xmlns:r="http://schemas.openxmlformats.org/officeDocument/2006/relationships" xmlns:p="http://schemas.openxmlformats.org/presentationml/2006/main">
-  <p:cSld>
-    <p:spTree>
-      <p:nvGrpSpPr>
-        <p:cNvPr id="1" name=""/>
-        <p:cNvGrpSpPr/>
-        <p:nvPr/>
-      </p:nvGrpSpPr>
-      <p:grpSpPr>
-        <a:xfrm>
-          <a:off x="0" y="0"/>
-          <a:ext cx="0" cy="0"/>
-          <a:chOff x="0" y="0"/>
-          <a:chExt cx="0" cy="0"/>
-        </a:xfrm>
-      </p:grpSpPr>
-      <p:sp>
-        <p:nvSpPr>
-          <p:cNvPr id="4" name="Title 3">
-            <a:extLst>
-              <a:ext uri="{FF2B5EF4-FFF2-40B4-BE49-F238E27FC236}">
-                <a16:creationId xmlns:a16="http://schemas.microsoft.com/office/drawing/2014/main" id="{3DC65EE0-F03B-514B-483B-16C5CBAEACE0}"/>
-              </a:ext>
-            </a:extLst>
-          </p:cNvPr>
-          <p:cNvSpPr>
-            <a:spLocks noGrp="1"/>
-          </p:cNvSpPr>
-          <p:nvPr>
-            <p:ph type="title"/>
-          </p:nvPr>
-        </p:nvSpPr>
-        <p:spPr/>
-        <p:txBody>
-          <a:bodyPr/>
-          <a:lstStyle/>
-          <a:p>
-            <a:r>
-              <a:rPr lang="en-US"/>
-              <a:t>Models</a:t>
-            </a:r>
-            <a:endParaRPr lang="en-IL"/>
-          </a:p>
-        </p:txBody>
-      </p:sp>
-      <p:sp>
-        <p:nvSpPr>
-          <p:cNvPr id="5" name="Content Placeholder 4">
-            <a:extLst>
-              <a:ext uri="{FF2B5EF4-FFF2-40B4-BE49-F238E27FC236}">
-                <a16:creationId xmlns:a16="http://schemas.microsoft.com/office/drawing/2014/main" id="{4092FFCA-6A6D-88F6-BAB1-29F7D849F1DF}"/>
-              </a:ext>
-            </a:extLst>
-          </p:cNvPr>
-          <p:cNvSpPr>
-            <a:spLocks noGrp="1"/>
-          </p:cNvSpPr>
-          <p:nvPr>
-            <p:ph idx="1"/>
-          </p:nvPr>
-        </p:nvSpPr>
-        <p:spPr>
-          <a:xfrm>
-            <a:off x="329671" y="1588558"/>
-            <a:ext cx="5427133" cy="4351338"/>
-          </a:xfrm>
-        </p:spPr>
-        <p:txBody>
-          <a:bodyPr/>
-          <a:lstStyle/>
-          <a:p>
-            <a:r>
-              <a:rPr lang="en-US"/>
-              <a:t>Can write the model with equations or pictures</a:t>
-            </a:r>
-            <a:endParaRPr lang="en-IL"/>
-          </a:p>
-        </p:txBody>
-      </p:sp>
-      <p:pic>
-        <p:nvPicPr>
-          <p:cNvPr id="3" name="Graphic 2">
-            <a:extLst>
-              <a:ext uri="{FF2B5EF4-FFF2-40B4-BE49-F238E27FC236}">
-                <a16:creationId xmlns:a16="http://schemas.microsoft.com/office/drawing/2014/main" id="{31BA305D-8569-0910-4928-3C4B4AD6CBAE}"/>
-              </a:ext>
-            </a:extLst>
-          </p:cNvPr>
-          <p:cNvPicPr>
-            <a:picLocks noChangeAspect="1"/>
-          </p:cNvPicPr>
-          <p:nvPr/>
-        </p:nvPicPr>
-        <p:blipFill>
-          <a:blip r:embed="rId2">
-            <a:extLst>
-              <a:ext uri="{96DAC541-7B7A-43D3-8B79-37D633B846F1}">
-                <asvg:svgBlip xmlns:asvg="http://schemas.microsoft.com/office/drawing/2016/SVG/main" r:embed="rId3"/>
-              </a:ext>
-            </a:extLst>
-          </a:blip>
-          <a:stretch>
-            <a:fillRect/>
-          </a:stretch>
-        </p:blipFill>
-        <p:spPr>
-          <a:xfrm>
-            <a:off x="8177742" y="1266825"/>
-            <a:ext cx="1695450" cy="4324350"/>
-          </a:xfrm>
-          <a:prstGeom prst="rect">
-            <a:avLst/>
-          </a:prstGeom>
-        </p:spPr>
-      </p:pic>
-      <p:graphicFrame>
-        <p:nvGraphicFramePr>
-          <p:cNvPr id="2" name="Object 1">
-            <a:extLst>
-              <a:ext uri="{FF2B5EF4-FFF2-40B4-BE49-F238E27FC236}">
-                <a16:creationId xmlns:a16="http://schemas.microsoft.com/office/drawing/2014/main" id="{5079C67F-A11D-3C42-F63B-A3BC977BB773}"/>
-              </a:ext>
-            </a:extLst>
-          </p:cNvPr>
-          <p:cNvGraphicFramePr>
-            <a:graphicFrameLocks noChangeAspect="1"/>
-          </p:cNvGraphicFramePr>
-          <p:nvPr>
-            <p:extLst>
-              <p:ext uri="{D42A27DB-BD31-4B8C-83A1-F6EECF244321}">
-                <p14:modId xmlns:p14="http://schemas.microsoft.com/office/powerpoint/2010/main" val="2836876110"/>
-              </p:ext>
-            </p:extLst>
-          </p:nvPr>
-        </p:nvGraphicFramePr>
-        <p:xfrm>
-          <a:off x="4976284" y="1588558"/>
-          <a:ext cx="2374900" cy="1092200"/>
-        </p:xfrm>
-        <a:graphic>
-          <a:graphicData uri="http://schemas.openxmlformats.org/presentationml/2006/ole">
-            <mc:AlternateContent xmlns:mc="http://schemas.openxmlformats.org/markup-compatibility/2006">
-              <mc:Choice xmlns:v="urn:schemas-microsoft-com:vml" Requires="v">
-                <p:oleObj name="Equation" r:id="rId4" imgW="2374540" imgH="1092724" progId="Equation.DSMT4">
-                  <p:embed/>
-                </p:oleObj>
-              </mc:Choice>
-              <mc:Fallback>
-                <p:oleObj name="Equation" r:id="rId4" imgW="2374540" imgH="1092724" progId="Equation.DSMT4">
-                  <p:embed/>
-                  <p:pic>
-                    <p:nvPicPr>
-                      <p:cNvPr id="2" name="Object 1">
-                        <a:extLst>
-                          <a:ext uri="{FF2B5EF4-FFF2-40B4-BE49-F238E27FC236}">
-                            <a16:creationId xmlns:a16="http://schemas.microsoft.com/office/drawing/2014/main" id="{5079C67F-A11D-3C42-F63B-A3BC977BB773}"/>
-                          </a:ext>
-                        </a:extLst>
-                      </p:cNvPr>
-                      <p:cNvPicPr/>
-                      <p:nvPr/>
-                    </p:nvPicPr>
-                    <p:blipFill>
-                      <a:blip r:embed="rId5"/>
-                      <a:stretch>
-                        <a:fillRect/>
-                      </a:stretch>
-                    </p:blipFill>
-                    <p:spPr>
-                      <a:xfrm>
-                        <a:off x="4976284" y="1588558"/>
-                        <a:ext cx="2374900" cy="1092200"/>
-                      </a:xfrm>
-                      <a:prstGeom prst="rect">
-                        <a:avLst/>
-                      </a:prstGeom>
-                    </p:spPr>
-                  </p:pic>
-                </p:oleObj>
-              </mc:Fallback>
-            </mc:AlternateContent>
-          </a:graphicData>
-        </a:graphic>
-      </p:graphicFrame>
-    </p:spTree>
-    <p:extLst>
-      <p:ext uri="{BB962C8B-B14F-4D97-AF65-F5344CB8AC3E}">
-        <p14:creationId xmlns:p14="http://schemas.microsoft.com/office/powerpoint/2010/main" val="2689927869"/>
-      </p:ext>
-    </p:extLst>
-  </p:cSld>
-  <p:clrMapOvr>
-    <a:masterClrMapping/>
-  </p:clrMapOvr>
-</p:sld>
-</file>
-
-<file path=ppt/slides/slide30.xml><?xml version="1.0" encoding="utf-8"?>
+<file path=ppt/slides/slide24.xml><?xml version="1.0" encoding="utf-8"?>
 <p:sld xmlns:a="http://schemas.openxmlformats.org/drawingml/2006/main" xmlns:r="http://schemas.openxmlformats.org/officeDocument/2006/relationships" xmlns:p="http://schemas.openxmlformats.org/presentationml/2006/main">
   <p:cSld>
     <p:spTree>
@@ -11890,14 +10763,14 @@
           <a:p>
             <a:pPr algn="ctr"/>
             <a:r>
-              <a:rPr lang="en-US" sz="7200"/>
-              <a:t>3D </a:t>
-            </a:r>
-            <a:r>
-              <a:rPr lang="en-US" sz="7200" err="1"/>
+              <a:rPr lang="en-US" sz="7200" dirty="0"/>
+              <a:t>3E </a:t>
+            </a:r>
+            <a:r>
+              <a:rPr lang="en-US" sz="7200" dirty="0" err="1"/>
               <a:t>PyMC</a:t>
             </a:r>
-            <a:endParaRPr lang="en-IL" sz="7200"/>
+            <a:endParaRPr lang="en-IL" sz="7200" dirty="0"/>
           </a:p>
         </p:txBody>
       </p:sp>
@@ -11961,7 +10834,7 @@
               <a:pPr>
                 <a:defRPr/>
               </a:pPr>
-              <a:t>30</a:t>
+              <a:t>24</a:t>
             </a:fld>
             <a:r>
               <a:rPr lang="en-US" altLang="en-US"/>
@@ -11983,7 +10856,7 @@
 </p:sld>
 </file>
 
-<file path=ppt/slides/slide31.xml><?xml version="1.0" encoding="utf-8"?>
+<file path=ppt/slides/slide25.xml><?xml version="1.0" encoding="utf-8"?>
 <p:sld xmlns:a="http://schemas.openxmlformats.org/drawingml/2006/main" xmlns:r="http://schemas.openxmlformats.org/officeDocument/2006/relationships" xmlns:p="http://schemas.openxmlformats.org/presentationml/2006/main">
   <p:cSld>
     <p:spTree>
@@ -13049,7 +11922,7 @@
 </p:sld>
 </file>
 
-<file path=ppt/slides/slide32.xml><?xml version="1.0" encoding="utf-8"?>
+<file path=ppt/slides/slide26.xml><?xml version="1.0" encoding="utf-8"?>
 <p:sld xmlns:a="http://schemas.openxmlformats.org/drawingml/2006/main" xmlns:r="http://schemas.openxmlformats.org/officeDocument/2006/relationships" xmlns:p="http://schemas.openxmlformats.org/presentationml/2006/main">
   <p:cSld>
     <p:spTree>
@@ -13147,7 +12020,7 @@
 </p:sld>
 </file>
 
-<file path=ppt/slides/slide33.xml><?xml version="1.0" encoding="utf-8"?>
+<file path=ppt/slides/slide27.xml><?xml version="1.0" encoding="utf-8"?>
 <p:sld xmlns:a="http://schemas.openxmlformats.org/drawingml/2006/main" xmlns:r="http://schemas.openxmlformats.org/officeDocument/2006/relationships" xmlns:p="http://schemas.openxmlformats.org/presentationml/2006/main">
   <p:cSld>
     <p:spTree>
@@ -14153,7 +13026,7 @@
 </p:sld>
 </file>
 
-<file path=ppt/slides/slide34.xml><?xml version="1.0" encoding="utf-8"?>
+<file path=ppt/slides/slide28.xml><?xml version="1.0" encoding="utf-8"?>
 <p:sld xmlns:a="http://schemas.openxmlformats.org/drawingml/2006/main" xmlns:r="http://schemas.openxmlformats.org/officeDocument/2006/relationships" xmlns:p="http://schemas.openxmlformats.org/presentationml/2006/main">
   <p:cSld>
     <p:spTree>
@@ -14340,7 +13213,7 @@
 </p:sld>
 </file>
 
-<file path=ppt/slides/slide35.xml><?xml version="1.0" encoding="utf-8"?>
+<file path=ppt/slides/slide29.xml><?xml version="1.0" encoding="utf-8"?>
 <p:sld xmlns:a="http://schemas.openxmlformats.org/drawingml/2006/main" xmlns:r="http://schemas.openxmlformats.org/officeDocument/2006/relationships" xmlns:p="http://schemas.openxmlformats.org/presentationml/2006/main">
   <p:cSld>
     <p:spTree>
@@ -14348,7 +13221,7 @@
         <p:cNvPr id="1" name="">
           <a:extLst>
             <a:ext uri="{FF2B5EF4-FFF2-40B4-BE49-F238E27FC236}">
-              <a16:creationId xmlns:a16="http://schemas.microsoft.com/office/drawing/2014/main" id="{84CD4721-186A-96A8-34CB-E5B021FDC8A0}"/>
+              <a16:creationId xmlns:a16="http://schemas.microsoft.com/office/drawing/2014/main" id="{D4A2D2D4-7AE8-CD5D-CB6F-32AABD46B29A}"/>
             </a:ext>
           </a:extLst>
         </p:cNvPr>
@@ -14368,7 +13241,7 @@
           <p:cNvPr id="6" name="Title 5">
             <a:extLst>
               <a:ext uri="{FF2B5EF4-FFF2-40B4-BE49-F238E27FC236}">
-                <a16:creationId xmlns:a16="http://schemas.microsoft.com/office/drawing/2014/main" id="{AE51B056-8EB3-CC44-D95B-A7968C588870}"/>
+                <a16:creationId xmlns:a16="http://schemas.microsoft.com/office/drawing/2014/main" id="{7F8978A7-6C3C-FCEE-B5C9-C3AEF28410C8}"/>
               </a:ext>
             </a:extLst>
           </p:cNvPr>
@@ -14393,7 +13266,7 @@
           <p:cNvPr id="7" name="Text Placeholder 6">
             <a:extLst>
               <a:ext uri="{FF2B5EF4-FFF2-40B4-BE49-F238E27FC236}">
-                <a16:creationId xmlns:a16="http://schemas.microsoft.com/office/drawing/2014/main" id="{97D24A66-4899-2F06-AC28-3D7356027BCA}"/>
+                <a16:creationId xmlns:a16="http://schemas.microsoft.com/office/drawing/2014/main" id="{824E3376-FCBC-3868-3D3F-3CF6809F4506}"/>
               </a:ext>
             </a:extLst>
           </p:cNvPr>
@@ -14414,11 +13287,7 @@
             <a:pPr algn="ctr"/>
             <a:r>
               <a:rPr lang="en-US" sz="7200" dirty="0"/>
-              <a:t>3D </a:t>
-            </a:r>
-            <a:r>
-              <a:rPr lang="en-US" sz="7200" dirty="0" err="1"/>
-              <a:t>PyTensor</a:t>
+              <a:t>3E Inference Data Objects</a:t>
             </a:r>
             <a:endParaRPr lang="en-IL" sz="7200" dirty="0"/>
           </a:p>
@@ -14429,7 +13298,7 @@
           <p:cNvPr id="4" name="Footer Placeholder 3">
             <a:extLst>
               <a:ext uri="{FF2B5EF4-FFF2-40B4-BE49-F238E27FC236}">
-                <a16:creationId xmlns:a16="http://schemas.microsoft.com/office/drawing/2014/main" id="{F48AF364-B490-A74A-39B0-B968572AF455}"/>
+                <a16:creationId xmlns:a16="http://schemas.microsoft.com/office/drawing/2014/main" id="{F5FE7C56-22DF-CB3D-70A8-FDFDB80EAFE2}"/>
               </a:ext>
             </a:extLst>
           </p:cNvPr>
@@ -14460,7 +13329,7 @@
           <p:cNvPr id="5" name="Slide Number Placeholder 4">
             <a:extLst>
               <a:ext uri="{FF2B5EF4-FFF2-40B4-BE49-F238E27FC236}">
-                <a16:creationId xmlns:a16="http://schemas.microsoft.com/office/drawing/2014/main" id="{3F8BF6A2-B847-86D3-D2DC-1A91C0150F0B}"/>
+                <a16:creationId xmlns:a16="http://schemas.microsoft.com/office/drawing/2014/main" id="{76B823BF-F810-10CA-3B82-E226278430FF}"/>
               </a:ext>
             </a:extLst>
           </p:cNvPr>
@@ -14484,7 +13353,7 @@
               <a:pPr>
                 <a:defRPr/>
               </a:pPr>
-              <a:t>35</a:t>
+              <a:t>29</a:t>
             </a:fld>
             <a:r>
               <a:rPr lang="en-US" altLang="en-US"/>
@@ -14496,7 +13365,7 @@
     </p:spTree>
     <p:extLst>
       <p:ext uri="{BB962C8B-B14F-4D97-AF65-F5344CB8AC3E}">
-        <p14:creationId xmlns:p14="http://schemas.microsoft.com/office/powerpoint/2010/main" val="3955428247"/>
+        <p14:creationId xmlns:p14="http://schemas.microsoft.com/office/powerpoint/2010/main" val="4191239517"/>
       </p:ext>
     </p:extLst>
   </p:cSld>
@@ -14506,7 +13375,7 @@
 </p:sld>
 </file>
 
-<file path=ppt/slides/slide36.xml><?xml version="1.0" encoding="utf-8"?>
+<file path=ppt/slides/slide3.xml><?xml version="1.0" encoding="utf-8"?>
 <p:sld xmlns:a="http://schemas.openxmlformats.org/drawingml/2006/main" xmlns:r="http://schemas.openxmlformats.org/officeDocument/2006/relationships" xmlns:p="http://schemas.openxmlformats.org/presentationml/2006/main">
   <p:cSld>
     <p:spTree>
@@ -14528,7 +13397,7 @@
           <p:cNvPr id="4" name="Title 3">
             <a:extLst>
               <a:ext uri="{FF2B5EF4-FFF2-40B4-BE49-F238E27FC236}">
-                <a16:creationId xmlns:a16="http://schemas.microsoft.com/office/drawing/2014/main" id="{5A4492B3-90E1-5249-B56D-70C88F713CA9}"/>
+                <a16:creationId xmlns:a16="http://schemas.microsoft.com/office/drawing/2014/main" id="{3DC65EE0-F03B-514B-483B-16C5CBAEACE0}"/>
               </a:ext>
             </a:extLst>
           </p:cNvPr>
@@ -14544,6 +13413,10 @@
           <a:bodyPr/>
           <a:lstStyle/>
           <a:p>
+            <a:r>
+              <a:rPr lang="en-US"/>
+              <a:t>Models</a:t>
+            </a:r>
             <a:endParaRPr lang="en-IL"/>
           </a:p>
         </p:txBody>
@@ -14553,7 +13426,7 @@
           <p:cNvPr id="5" name="Content Placeholder 4">
             <a:extLst>
               <a:ext uri="{FF2B5EF4-FFF2-40B4-BE49-F238E27FC236}">
-                <a16:creationId xmlns:a16="http://schemas.microsoft.com/office/drawing/2014/main" id="{BE89B5F8-70A3-E7D6-59ED-D6CFBFB0E7A9}"/>
+                <a16:creationId xmlns:a16="http://schemas.microsoft.com/office/drawing/2014/main" id="{4092FFCA-6A6D-88F6-BAB1-29F7D849F1DF}"/>
               </a:ext>
             </a:extLst>
           </p:cNvPr>
@@ -14564,19 +13437,133 @@
             <p:ph idx="1"/>
           </p:nvPr>
         </p:nvSpPr>
-        <p:spPr/>
+        <p:spPr>
+          <a:xfrm>
+            <a:off x="329671" y="1588558"/>
+            <a:ext cx="5427133" cy="4351338"/>
+          </a:xfrm>
+        </p:spPr>
         <p:txBody>
           <a:bodyPr/>
           <a:lstStyle/>
           <a:p>
+            <a:r>
+              <a:rPr lang="en-US"/>
+              <a:t>Can write the model with equations or pictures</a:t>
+            </a:r>
             <a:endParaRPr lang="en-IL"/>
           </a:p>
         </p:txBody>
       </p:sp>
+      <p:pic>
+        <p:nvPicPr>
+          <p:cNvPr id="3" name="Graphic 2">
+            <a:extLst>
+              <a:ext uri="{FF2B5EF4-FFF2-40B4-BE49-F238E27FC236}">
+                <a16:creationId xmlns:a16="http://schemas.microsoft.com/office/drawing/2014/main" id="{31BA305D-8569-0910-4928-3C4B4AD6CBAE}"/>
+              </a:ext>
+            </a:extLst>
+          </p:cNvPr>
+          <p:cNvPicPr>
+            <a:picLocks noChangeAspect="1"/>
+          </p:cNvPicPr>
+          <p:nvPr/>
+        </p:nvPicPr>
+        <p:blipFill>
+          <a:blip r:embed="rId2">
+            <a:extLst>
+              <a:ext uri="{96DAC541-7B7A-43D3-8B79-37D633B846F1}">
+                <asvg:svgBlip xmlns:asvg="http://schemas.microsoft.com/office/drawing/2016/SVG/main" r:embed="rId3"/>
+              </a:ext>
+            </a:extLst>
+          </a:blip>
+          <a:stretch>
+            <a:fillRect/>
+          </a:stretch>
+        </p:blipFill>
+        <p:spPr>
+          <a:xfrm>
+            <a:off x="8177742" y="1266825"/>
+            <a:ext cx="1695450" cy="4324350"/>
+          </a:xfrm>
+          <a:prstGeom prst="rect">
+            <a:avLst/>
+          </a:prstGeom>
+        </p:spPr>
+      </p:pic>
+      <p:graphicFrame>
+        <p:nvGraphicFramePr>
+          <p:cNvPr id="2" name="Object 1">
+            <a:extLst>
+              <a:ext uri="{FF2B5EF4-FFF2-40B4-BE49-F238E27FC236}">
+                <a16:creationId xmlns:a16="http://schemas.microsoft.com/office/drawing/2014/main" id="{5079C67F-A11D-3C42-F63B-A3BC977BB773}"/>
+              </a:ext>
+            </a:extLst>
+          </p:cNvPr>
+          <p:cNvGraphicFramePr>
+            <a:graphicFrameLocks noChangeAspect="1"/>
+          </p:cNvGraphicFramePr>
+          <p:nvPr>
+            <p:extLst>
+              <p:ext uri="{D42A27DB-BD31-4B8C-83A1-F6EECF244321}">
+                <p14:modId xmlns:p14="http://schemas.microsoft.com/office/powerpoint/2010/main" val="2836876110"/>
+              </p:ext>
+            </p:extLst>
+          </p:nvPr>
+        </p:nvGraphicFramePr>
+        <p:xfrm>
+          <a:off x="4976284" y="1588558"/>
+          <a:ext cx="2374900" cy="1092200"/>
+        </p:xfrm>
+        <a:graphic>
+          <a:graphicData uri="http://schemas.openxmlformats.org/presentationml/2006/ole">
+            <mc:AlternateContent xmlns:mc="http://schemas.openxmlformats.org/markup-compatibility/2006">
+              <mc:Choice xmlns:v="urn:schemas-microsoft-com:vml" Requires="v">
+                <p:oleObj name="Equation" r:id="rId4" imgW="2374540" imgH="1092724" progId="Equation.DSMT4">
+                  <p:embed/>
+                </p:oleObj>
+              </mc:Choice>
+              <mc:Fallback>
+                <p:oleObj name="Equation" r:id="rId4" imgW="2374540" imgH="1092724" progId="Equation.DSMT4">
+                  <p:embed/>
+                  <p:pic>
+                    <p:nvPicPr>
+                      <p:cNvPr id="2" name="Object 1">
+                        <a:extLst>
+                          <a:ext uri="{FF2B5EF4-FFF2-40B4-BE49-F238E27FC236}">
+                            <a16:creationId xmlns:a16="http://schemas.microsoft.com/office/drawing/2014/main" id="{5079C67F-A11D-3C42-F63B-A3BC977BB773}"/>
+                          </a:ext>
+                        </a:extLst>
+                      </p:cNvPr>
+                      <p:cNvPicPr/>
+                      <p:nvPr/>
+                    </p:nvPicPr>
+                    <p:blipFill>
+                      <a:blip r:embed="rId5"/>
+                      <a:stretch>
+                        <a:fillRect/>
+                      </a:stretch>
+                    </p:blipFill>
+                    <p:spPr>
+                      <a:xfrm>
+                        <a:off x="4976284" y="1588558"/>
+                        <a:ext cx="2374900" cy="1092200"/>
+                      </a:xfrm>
+                      <a:prstGeom prst="rect">
+                        <a:avLst/>
+                      </a:prstGeom>
+                    </p:spPr>
+                  </p:pic>
+                </p:oleObj>
+              </mc:Fallback>
+            </mc:AlternateContent>
+          </a:graphicData>
+        </a:graphic>
+      </p:graphicFrame>
     </p:spTree>
     <p:extLst>
       <p:ext uri="{BB962C8B-B14F-4D97-AF65-F5344CB8AC3E}">
-        <p14:creationId xmlns:p14="http://schemas.microsoft.com/office/powerpoint/2010/main" val="4187776219"/>
+        <p14:creationId xmlns:p14="http://schemas.microsoft.com/office/powerpoint/2010/main" val="2689927869"/>
       </p:ext>
     </p:extLst>
   </p:cSld>
@@ -14586,7 +13573,968 @@
 </p:sld>
 </file>
 
-<file path=ppt/slides/slide37.xml><?xml version="1.0" encoding="utf-8"?>
+<file path=ppt/slides/slide30.xml><?xml version="1.0" encoding="utf-8"?>
+<p:sld xmlns:a="http://schemas.openxmlformats.org/drawingml/2006/main" xmlns:r="http://schemas.openxmlformats.org/officeDocument/2006/relationships" xmlns:p="http://schemas.openxmlformats.org/presentationml/2006/main">
+  <p:cSld>
+    <p:spTree>
+      <p:nvGrpSpPr>
+        <p:cNvPr id="1" name="">
+          <a:extLst>
+            <a:ext uri="{FF2B5EF4-FFF2-40B4-BE49-F238E27FC236}">
+              <a16:creationId xmlns:a16="http://schemas.microsoft.com/office/drawing/2014/main" id="{E0205C9E-7981-F453-320D-D0467DDF6A56}"/>
+            </a:ext>
+          </a:extLst>
+        </p:cNvPr>
+        <p:cNvGrpSpPr/>
+        <p:nvPr/>
+      </p:nvGrpSpPr>
+      <p:grpSpPr>
+        <a:xfrm>
+          <a:off x="0" y="0"/>
+          <a:ext cx="0" cy="0"/>
+          <a:chOff x="0" y="0"/>
+          <a:chExt cx="0" cy="0"/>
+        </a:xfrm>
+      </p:grpSpPr>
+      <p:sp>
+        <p:nvSpPr>
+          <p:cNvPr id="2" name="Title 1">
+            <a:extLst>
+              <a:ext uri="{FF2B5EF4-FFF2-40B4-BE49-F238E27FC236}">
+                <a16:creationId xmlns:a16="http://schemas.microsoft.com/office/drawing/2014/main" id="{27822442-50C5-AB15-2095-A0610B435FD4}"/>
+              </a:ext>
+            </a:extLst>
+          </p:cNvPr>
+          <p:cNvSpPr>
+            <a:spLocks noGrp="1"/>
+          </p:cNvSpPr>
+          <p:nvPr>
+            <p:ph type="title"/>
+          </p:nvPr>
+        </p:nvSpPr>
+        <p:spPr/>
+        <p:txBody>
+          <a:bodyPr/>
+          <a:lstStyle/>
+          <a:p>
+            <a:r>
+              <a:rPr lang="en-US"/>
+              <a:t>What happens when we call </a:t>
+            </a:r>
+            <a:r>
+              <a:rPr lang="en-US" sz="4400" b="0" err="1">
+                <a:solidFill>
+                  <a:srgbClr val="267F99"/>
+                </a:solidFill>
+                <a:effectLst/>
+                <a:latin typeface="Consolas" panose="020B0609020204030204" pitchFamily="49" charset="0"/>
+              </a:rPr>
+              <a:t>pm</a:t>
+            </a:r>
+            <a:r>
+              <a:rPr lang="en-US" sz="4400" b="0" err="1">
+                <a:solidFill>
+                  <a:srgbClr val="3B3B3B"/>
+                </a:solidFill>
+                <a:effectLst/>
+                <a:latin typeface="Consolas" panose="020B0609020204030204" pitchFamily="49" charset="0"/>
+              </a:rPr>
+              <a:t>.sample</a:t>
+            </a:r>
+            <a:r>
+              <a:rPr lang="en-US" sz="4400" b="0">
+                <a:solidFill>
+                  <a:srgbClr val="3B3B3B"/>
+                </a:solidFill>
+                <a:effectLst/>
+                <a:latin typeface="Consolas" panose="020B0609020204030204" pitchFamily="49" charset="0"/>
+              </a:rPr>
+              <a:t>()</a:t>
+            </a:r>
+            <a:r>
+              <a:rPr lang="en-US"/>
+              <a:t>? </a:t>
+            </a:r>
+            <a:endParaRPr lang="en-IL"/>
+          </a:p>
+        </p:txBody>
+      </p:sp>
+      <p:sp>
+        <p:nvSpPr>
+          <p:cNvPr id="3" name="Content Placeholder 2">
+            <a:extLst>
+              <a:ext uri="{FF2B5EF4-FFF2-40B4-BE49-F238E27FC236}">
+                <a16:creationId xmlns:a16="http://schemas.microsoft.com/office/drawing/2014/main" id="{29DE67AB-85BB-795F-2ECC-F8BFE889766F}"/>
+              </a:ext>
+            </a:extLst>
+          </p:cNvPr>
+          <p:cNvSpPr>
+            <a:spLocks noGrp="1"/>
+          </p:cNvSpPr>
+          <p:nvPr>
+            <p:ph idx="1"/>
+          </p:nvPr>
+        </p:nvSpPr>
+        <p:spPr>
+          <a:xfrm>
+            <a:off x="838200" y="1825624"/>
+            <a:ext cx="10515600" cy="1063517"/>
+          </a:xfrm>
+        </p:spPr>
+        <p:txBody>
+          <a:bodyPr>
+            <a:normAutofit fontScale="70000" lnSpcReduction="20000"/>
+          </a:bodyPr>
+          <a:lstStyle/>
+          <a:p>
+            <a:r>
+              <a:rPr lang="en-US"/>
+              <a:t>Pick a sampling algorithm</a:t>
+            </a:r>
+          </a:p>
+          <a:p>
+            <a:r>
+              <a:rPr lang="en-US"/>
+              <a:t>Initialize</a:t>
+            </a:r>
+          </a:p>
+          <a:p>
+            <a:r>
+              <a:rPr lang="en-US"/>
+              <a:t>Run multiple chains</a:t>
+            </a:r>
+          </a:p>
+        </p:txBody>
+      </p:sp>
+      <p:pic>
+        <p:nvPicPr>
+          <p:cNvPr id="5" name="Picture 4">
+            <a:extLst>
+              <a:ext uri="{FF2B5EF4-FFF2-40B4-BE49-F238E27FC236}">
+                <a16:creationId xmlns:a16="http://schemas.microsoft.com/office/drawing/2014/main" id="{96799B20-4F5E-6E46-6CDA-40A8DE6904C4}"/>
+              </a:ext>
+            </a:extLst>
+          </p:cNvPr>
+          <p:cNvPicPr>
+            <a:picLocks noChangeAspect="1"/>
+          </p:cNvPicPr>
+          <p:nvPr/>
+        </p:nvPicPr>
+        <p:blipFill>
+          <a:blip r:embed="rId2"/>
+          <a:stretch>
+            <a:fillRect/>
+          </a:stretch>
+        </p:blipFill>
+        <p:spPr>
+          <a:xfrm>
+            <a:off x="1423838" y="3249075"/>
+            <a:ext cx="8776349" cy="2392773"/>
+          </a:xfrm>
+          <a:prstGeom prst="rect">
+            <a:avLst/>
+          </a:prstGeom>
+        </p:spPr>
+      </p:pic>
+    </p:spTree>
+    <p:extLst>
+      <p:ext uri="{BB962C8B-B14F-4D97-AF65-F5344CB8AC3E}">
+        <p14:creationId xmlns:p14="http://schemas.microsoft.com/office/powerpoint/2010/main" val="2957348987"/>
+      </p:ext>
+    </p:extLst>
+  </p:cSld>
+  <p:clrMapOvr>
+    <a:masterClrMapping/>
+  </p:clrMapOvr>
+</p:sld>
+</file>
+
+<file path=ppt/slides/slide31.xml><?xml version="1.0" encoding="utf-8"?>
+<p:sld xmlns:a="http://schemas.openxmlformats.org/drawingml/2006/main" xmlns:r="http://schemas.openxmlformats.org/officeDocument/2006/relationships" xmlns:p="http://schemas.openxmlformats.org/presentationml/2006/main">
+  <p:cSld>
+    <p:spTree>
+      <p:nvGrpSpPr>
+        <p:cNvPr id="1" name="">
+          <a:extLst>
+            <a:ext uri="{FF2B5EF4-FFF2-40B4-BE49-F238E27FC236}">
+              <a16:creationId xmlns:a16="http://schemas.microsoft.com/office/drawing/2014/main" id="{F993D7FA-E3DB-FC71-66E8-CB5E236AA2B7}"/>
+            </a:ext>
+          </a:extLst>
+        </p:cNvPr>
+        <p:cNvGrpSpPr/>
+        <p:nvPr/>
+      </p:nvGrpSpPr>
+      <p:grpSpPr>
+        <a:xfrm>
+          <a:off x="0" y="0"/>
+          <a:ext cx="0" cy="0"/>
+          <a:chOff x="0" y="0"/>
+          <a:chExt cx="0" cy="0"/>
+        </a:xfrm>
+      </p:grpSpPr>
+      <p:sp>
+        <p:nvSpPr>
+          <p:cNvPr id="2" name="Title 1">
+            <a:extLst>
+              <a:ext uri="{FF2B5EF4-FFF2-40B4-BE49-F238E27FC236}">
+                <a16:creationId xmlns:a16="http://schemas.microsoft.com/office/drawing/2014/main" id="{2FE4DE0B-C46E-37E5-305B-4E03CE925EDA}"/>
+              </a:ext>
+            </a:extLst>
+          </p:cNvPr>
+          <p:cNvSpPr>
+            <a:spLocks noGrp="1"/>
+          </p:cNvSpPr>
+          <p:nvPr>
+            <p:ph type="title"/>
+          </p:nvPr>
+        </p:nvSpPr>
+        <p:spPr/>
+        <p:txBody>
+          <a:bodyPr/>
+          <a:lstStyle/>
+          <a:p>
+            <a:r>
+              <a:rPr lang="en-US" dirty="0"/>
+              <a:t>We get an </a:t>
+            </a:r>
+            <a:r>
+              <a:rPr lang="en-US" sz="3600" dirty="0">
+                <a:solidFill>
+                  <a:schemeClr val="accent6">
+                    <a:lumMod val="75000"/>
+                  </a:schemeClr>
+                </a:solidFill>
+                <a:latin typeface="Courier New" panose="02070309020205020404" pitchFamily="49" charset="0"/>
+                <a:cs typeface="Courier New" panose="02070309020205020404" pitchFamily="49" charset="0"/>
+              </a:rPr>
+              <a:t>inference data</a:t>
+            </a:r>
+            <a:r>
+              <a:rPr lang="en-US" dirty="0"/>
+              <a:t> object</a:t>
+            </a:r>
+            <a:endParaRPr lang="en-IL" dirty="0"/>
+          </a:p>
+        </p:txBody>
+      </p:sp>
+      <p:sp>
+        <p:nvSpPr>
+          <p:cNvPr id="3" name="Content Placeholder 2">
+            <a:extLst>
+              <a:ext uri="{FF2B5EF4-FFF2-40B4-BE49-F238E27FC236}">
+                <a16:creationId xmlns:a16="http://schemas.microsoft.com/office/drawing/2014/main" id="{E98D49BF-2169-93D9-C467-6CCCD7F2FB21}"/>
+              </a:ext>
+            </a:extLst>
+          </p:cNvPr>
+          <p:cNvSpPr>
+            <a:spLocks noGrp="1"/>
+          </p:cNvSpPr>
+          <p:nvPr>
+            <p:ph idx="1"/>
+          </p:nvPr>
+        </p:nvSpPr>
+        <p:spPr>
+          <a:xfrm>
+            <a:off x="838200" y="1825625"/>
+            <a:ext cx="10515600" cy="1325563"/>
+          </a:xfrm>
+        </p:spPr>
+        <p:txBody>
+          <a:bodyPr>
+            <a:normAutofit lnSpcReduction="10000"/>
+          </a:bodyPr>
+          <a:lstStyle/>
+          <a:p>
+            <a:r>
+              <a:rPr lang="en-US" dirty="0"/>
+              <a:t>It has 3 groups</a:t>
+            </a:r>
+          </a:p>
+          <a:p>
+            <a:pPr lvl="1"/>
+            <a:r>
+              <a:rPr lang="en-US" dirty="0"/>
+              <a:t>So far</a:t>
+            </a:r>
+          </a:p>
+          <a:p>
+            <a:r>
+              <a:rPr lang="en-US" dirty="0"/>
+              <a:t>Each group is an </a:t>
+            </a:r>
+            <a:r>
+              <a:rPr lang="en-US" dirty="0" err="1"/>
+              <a:t>xarray</a:t>
+            </a:r>
+            <a:r>
+              <a:rPr lang="en-US" dirty="0"/>
+              <a:t> Dataset </a:t>
+            </a:r>
+          </a:p>
+        </p:txBody>
+      </p:sp>
+      <p:pic>
+        <p:nvPicPr>
+          <p:cNvPr id="4" name="Picture 3">
+            <a:extLst>
+              <a:ext uri="{FF2B5EF4-FFF2-40B4-BE49-F238E27FC236}">
+                <a16:creationId xmlns:a16="http://schemas.microsoft.com/office/drawing/2014/main" id="{75418F1C-078C-A4DC-7599-8BA6A79DBF0E}"/>
+              </a:ext>
+            </a:extLst>
+          </p:cNvPr>
+          <p:cNvPicPr>
+            <a:picLocks noChangeAspect="1"/>
+          </p:cNvPicPr>
+          <p:nvPr/>
+        </p:nvPicPr>
+        <p:blipFill>
+          <a:blip r:embed="rId2"/>
+          <a:stretch>
+            <a:fillRect/>
+          </a:stretch>
+        </p:blipFill>
+        <p:spPr>
+          <a:xfrm>
+            <a:off x="838200" y="3546241"/>
+            <a:ext cx="2453853" cy="2453853"/>
+          </a:xfrm>
+          <a:prstGeom prst="rect">
+            <a:avLst/>
+          </a:prstGeom>
+        </p:spPr>
+      </p:pic>
+    </p:spTree>
+    <p:extLst>
+      <p:ext uri="{BB962C8B-B14F-4D97-AF65-F5344CB8AC3E}">
+        <p14:creationId xmlns:p14="http://schemas.microsoft.com/office/powerpoint/2010/main" val="4050957272"/>
+      </p:ext>
+    </p:extLst>
+  </p:cSld>
+  <p:clrMapOvr>
+    <a:masterClrMapping/>
+  </p:clrMapOvr>
+</p:sld>
+</file>
+
+<file path=ppt/slides/slide32.xml><?xml version="1.0" encoding="utf-8"?>
+<p:sld xmlns:a="http://schemas.openxmlformats.org/drawingml/2006/main" xmlns:r="http://schemas.openxmlformats.org/officeDocument/2006/relationships" xmlns:p="http://schemas.openxmlformats.org/presentationml/2006/main">
+  <p:cSld>
+    <p:spTree>
+      <p:nvGrpSpPr>
+        <p:cNvPr id="1" name="">
+          <a:extLst>
+            <a:ext uri="{FF2B5EF4-FFF2-40B4-BE49-F238E27FC236}">
+              <a16:creationId xmlns:a16="http://schemas.microsoft.com/office/drawing/2014/main" id="{96B55ED2-96D1-20CA-BEF8-615F4023BD55}"/>
+            </a:ext>
+          </a:extLst>
+        </p:cNvPr>
+        <p:cNvGrpSpPr/>
+        <p:nvPr/>
+      </p:nvGrpSpPr>
+      <p:grpSpPr>
+        <a:xfrm>
+          <a:off x="0" y="0"/>
+          <a:ext cx="0" cy="0"/>
+          <a:chOff x="0" y="0"/>
+          <a:chExt cx="0" cy="0"/>
+        </a:xfrm>
+      </p:grpSpPr>
+      <p:sp>
+        <p:nvSpPr>
+          <p:cNvPr id="2" name="Title 1">
+            <a:extLst>
+              <a:ext uri="{FF2B5EF4-FFF2-40B4-BE49-F238E27FC236}">
+                <a16:creationId xmlns:a16="http://schemas.microsoft.com/office/drawing/2014/main" id="{49C52885-3858-5AD7-58CA-D9AFF24CFB2A}"/>
+              </a:ext>
+            </a:extLst>
+          </p:cNvPr>
+          <p:cNvSpPr>
+            <a:spLocks noGrp="1"/>
+          </p:cNvSpPr>
+          <p:nvPr>
+            <p:ph type="title"/>
+          </p:nvPr>
+        </p:nvSpPr>
+        <p:spPr/>
+        <p:txBody>
+          <a:bodyPr/>
+          <a:lstStyle/>
+          <a:p>
+            <a:r>
+              <a:rPr lang="en-US" dirty="0" err="1"/>
+              <a:t>xarray</a:t>
+            </a:r>
+            <a:endParaRPr lang="en-IL" dirty="0"/>
+          </a:p>
+        </p:txBody>
+      </p:sp>
+      <p:sp>
+        <p:nvSpPr>
+          <p:cNvPr id="3" name="Content Placeholder 2">
+            <a:extLst>
+              <a:ext uri="{FF2B5EF4-FFF2-40B4-BE49-F238E27FC236}">
+                <a16:creationId xmlns:a16="http://schemas.microsoft.com/office/drawing/2014/main" id="{1DD965E3-8591-CCF7-A9CD-D45AB1474D18}"/>
+              </a:ext>
+            </a:extLst>
+          </p:cNvPr>
+          <p:cNvSpPr>
+            <a:spLocks noGrp="1"/>
+          </p:cNvSpPr>
+          <p:nvPr>
+            <p:ph idx="1"/>
+          </p:nvPr>
+        </p:nvSpPr>
+        <p:spPr>
+          <a:xfrm>
+            <a:off x="838200" y="4389120"/>
+            <a:ext cx="10515600" cy="1787842"/>
+          </a:xfrm>
+        </p:spPr>
+        <p:txBody>
+          <a:bodyPr>
+            <a:normAutofit/>
+          </a:bodyPr>
+          <a:lstStyle/>
+          <a:p>
+            <a:r>
+              <a:rPr lang="en-US" dirty="0" err="1"/>
+              <a:t>xarray</a:t>
+            </a:r>
+            <a:r>
+              <a:rPr lang="en-US" dirty="0"/>
+              <a:t> </a:t>
+            </a:r>
+            <a:r>
+              <a:rPr lang="en-US" dirty="0" err="1"/>
+              <a:t>Dataarrays</a:t>
+            </a:r>
+            <a:r>
+              <a:rPr lang="en-US" dirty="0"/>
+              <a:t> extend Pandas </a:t>
+            </a:r>
+            <a:r>
+              <a:rPr lang="en-US" dirty="0" err="1"/>
+              <a:t>dataframes</a:t>
+            </a:r>
+            <a:r>
+              <a:rPr lang="en-US" dirty="0"/>
+              <a:t> to multiple dimensions</a:t>
+            </a:r>
+          </a:p>
+          <a:p>
+            <a:pPr lvl="1"/>
+            <a:r>
+              <a:rPr lang="en-US" dirty="0"/>
+              <a:t>Each dimension and coordinate can have a name</a:t>
+            </a:r>
+          </a:p>
+          <a:p>
+            <a:r>
+              <a:rPr lang="en-US" dirty="0" err="1"/>
+              <a:t>Xarray</a:t>
+            </a:r>
+            <a:r>
+              <a:rPr lang="en-US" dirty="0"/>
+              <a:t> datasets combine multiple </a:t>
+            </a:r>
+            <a:r>
+              <a:rPr lang="en-US" dirty="0" err="1"/>
+              <a:t>Dataarrays</a:t>
+            </a:r>
+            <a:endParaRPr lang="en-US" dirty="0"/>
+          </a:p>
+          <a:p>
+            <a:pPr lvl="1"/>
+            <a:r>
+              <a:rPr lang="en-US" dirty="0"/>
+              <a:t>With shared dimensions</a:t>
+            </a:r>
+            <a:endParaRPr lang="en-IL" dirty="0"/>
+          </a:p>
+        </p:txBody>
+      </p:sp>
+      <p:pic>
+        <p:nvPicPr>
+          <p:cNvPr id="4" name="Picture 3">
+            <a:extLst>
+              <a:ext uri="{FF2B5EF4-FFF2-40B4-BE49-F238E27FC236}">
+                <a16:creationId xmlns:a16="http://schemas.microsoft.com/office/drawing/2014/main" id="{9DF432B5-3451-12FD-9DDF-DA4BEDC78214}"/>
+              </a:ext>
+            </a:extLst>
+          </p:cNvPr>
+          <p:cNvPicPr>
+            <a:picLocks noChangeAspect="1"/>
+          </p:cNvPicPr>
+          <p:nvPr/>
+        </p:nvPicPr>
+        <p:blipFill>
+          <a:blip r:embed="rId2"/>
+          <a:stretch>
+            <a:fillRect/>
+          </a:stretch>
+        </p:blipFill>
+        <p:spPr>
+          <a:xfrm>
+            <a:off x="2434942" y="593725"/>
+            <a:ext cx="9565034" cy="3530219"/>
+          </a:xfrm>
+          <a:prstGeom prst="rect">
+            <a:avLst/>
+          </a:prstGeom>
+        </p:spPr>
+      </p:pic>
+    </p:spTree>
+    <p:extLst>
+      <p:ext uri="{BB962C8B-B14F-4D97-AF65-F5344CB8AC3E}">
+        <p14:creationId xmlns:p14="http://schemas.microsoft.com/office/powerpoint/2010/main" val="3044529586"/>
+      </p:ext>
+    </p:extLst>
+  </p:cSld>
+  <p:clrMapOvr>
+    <a:masterClrMapping/>
+  </p:clrMapOvr>
+</p:sld>
+</file>
+
+<file path=ppt/slides/slide33.xml><?xml version="1.0" encoding="utf-8"?>
+<p:sld xmlns:a="http://schemas.openxmlformats.org/drawingml/2006/main" xmlns:r="http://schemas.openxmlformats.org/officeDocument/2006/relationships" xmlns:p="http://schemas.openxmlformats.org/presentationml/2006/main">
+  <p:cSld>
+    <p:spTree>
+      <p:nvGrpSpPr>
+        <p:cNvPr id="1" name="">
+          <a:extLst>
+            <a:ext uri="{FF2B5EF4-FFF2-40B4-BE49-F238E27FC236}">
+              <a16:creationId xmlns:a16="http://schemas.microsoft.com/office/drawing/2014/main" id="{91D2DA24-4382-1518-9212-D609845E356E}"/>
+            </a:ext>
+          </a:extLst>
+        </p:cNvPr>
+        <p:cNvGrpSpPr/>
+        <p:nvPr/>
+      </p:nvGrpSpPr>
+      <p:grpSpPr>
+        <a:xfrm>
+          <a:off x="0" y="0"/>
+          <a:ext cx="0" cy="0"/>
+          <a:chOff x="0" y="0"/>
+          <a:chExt cx="0" cy="0"/>
+        </a:xfrm>
+      </p:grpSpPr>
+      <p:sp>
+        <p:nvSpPr>
+          <p:cNvPr id="2" name="Title 1">
+            <a:extLst>
+              <a:ext uri="{FF2B5EF4-FFF2-40B4-BE49-F238E27FC236}">
+                <a16:creationId xmlns:a16="http://schemas.microsoft.com/office/drawing/2014/main" id="{21C852B2-434B-BEF9-8693-D44A56AF49E5}"/>
+              </a:ext>
+            </a:extLst>
+          </p:cNvPr>
+          <p:cNvSpPr>
+            <a:spLocks noGrp="1"/>
+          </p:cNvSpPr>
+          <p:nvPr>
+            <p:ph type="title"/>
+          </p:nvPr>
+        </p:nvSpPr>
+        <p:spPr/>
+        <p:txBody>
+          <a:bodyPr/>
+          <a:lstStyle/>
+          <a:p>
+            <a:r>
+              <a:rPr lang="en-US" dirty="0" err="1"/>
+              <a:t>Observed_data</a:t>
+            </a:r>
+            <a:r>
+              <a:rPr lang="en-US" dirty="0"/>
+              <a:t> is an </a:t>
+            </a:r>
+            <a:r>
+              <a:rPr lang="en-US" dirty="0" err="1"/>
+              <a:t>xarray</a:t>
+            </a:r>
+            <a:r>
+              <a:rPr lang="en-US" dirty="0"/>
+              <a:t> </a:t>
+            </a:r>
+            <a:r>
+              <a:rPr lang="en-US" dirty="0" err="1"/>
+              <a:t>DataArray</a:t>
+            </a:r>
+            <a:r>
+              <a:rPr lang="en-US" dirty="0"/>
+              <a:t> with the actual data</a:t>
+            </a:r>
+            <a:endParaRPr lang="en-IL" dirty="0"/>
+          </a:p>
+        </p:txBody>
+      </p:sp>
+      <p:sp>
+        <p:nvSpPr>
+          <p:cNvPr id="3" name="Content Placeholder 2">
+            <a:extLst>
+              <a:ext uri="{FF2B5EF4-FFF2-40B4-BE49-F238E27FC236}">
+                <a16:creationId xmlns:a16="http://schemas.microsoft.com/office/drawing/2014/main" id="{4BE57654-85FB-3AF6-22AB-142A3E92125B}"/>
+              </a:ext>
+            </a:extLst>
+          </p:cNvPr>
+          <p:cNvSpPr>
+            <a:spLocks noGrp="1"/>
+          </p:cNvSpPr>
+          <p:nvPr>
+            <p:ph idx="1"/>
+          </p:nvPr>
+        </p:nvSpPr>
+        <p:spPr>
+          <a:xfrm>
+            <a:off x="838200" y="1825625"/>
+            <a:ext cx="4565904" cy="4351338"/>
+          </a:xfrm>
+        </p:spPr>
+        <p:txBody>
+          <a:bodyPr/>
+          <a:lstStyle/>
+          <a:p>
+            <a:r>
+              <a:rPr lang="en-US" dirty="0"/>
+              <a:t>Four coin flips</a:t>
+            </a:r>
+          </a:p>
+          <a:p>
+            <a:pPr lvl="1"/>
+            <a:r>
+              <a:rPr lang="en-US" dirty="0"/>
+              <a:t>1 head</a:t>
+            </a:r>
+          </a:p>
+          <a:p>
+            <a:pPr lvl="1"/>
+            <a:r>
+              <a:rPr lang="en-US" dirty="0"/>
+              <a:t>3 tails</a:t>
+            </a:r>
+          </a:p>
+        </p:txBody>
+      </p:sp>
+      <p:pic>
+        <p:nvPicPr>
+          <p:cNvPr id="5" name="Picture 4">
+            <a:extLst>
+              <a:ext uri="{FF2B5EF4-FFF2-40B4-BE49-F238E27FC236}">
+                <a16:creationId xmlns:a16="http://schemas.microsoft.com/office/drawing/2014/main" id="{ADBAB506-2167-9DE3-360D-74035AEF81B1}"/>
+              </a:ext>
+            </a:extLst>
+          </p:cNvPr>
+          <p:cNvPicPr>
+            <a:picLocks noChangeAspect="1"/>
+          </p:cNvPicPr>
+          <p:nvPr/>
+        </p:nvPicPr>
+        <p:blipFill>
+          <a:blip r:embed="rId2"/>
+          <a:stretch>
+            <a:fillRect/>
+          </a:stretch>
+        </p:blipFill>
+        <p:spPr>
+          <a:xfrm>
+            <a:off x="7171787" y="2029817"/>
+            <a:ext cx="3627434" cy="3475021"/>
+          </a:xfrm>
+          <a:prstGeom prst="rect">
+            <a:avLst/>
+          </a:prstGeom>
+        </p:spPr>
+      </p:pic>
+    </p:spTree>
+    <p:extLst>
+      <p:ext uri="{BB962C8B-B14F-4D97-AF65-F5344CB8AC3E}">
+        <p14:creationId xmlns:p14="http://schemas.microsoft.com/office/powerpoint/2010/main" val="3413669120"/>
+      </p:ext>
+    </p:extLst>
+  </p:cSld>
+  <p:clrMapOvr>
+    <a:masterClrMapping/>
+  </p:clrMapOvr>
+</p:sld>
+</file>
+
+<file path=ppt/slides/slide34.xml><?xml version="1.0" encoding="utf-8"?>
+<p:sld xmlns:a="http://schemas.openxmlformats.org/drawingml/2006/main" xmlns:r="http://schemas.openxmlformats.org/officeDocument/2006/relationships" xmlns:p="http://schemas.openxmlformats.org/presentationml/2006/main">
+  <p:cSld>
+    <p:spTree>
+      <p:nvGrpSpPr>
+        <p:cNvPr id="1" name="">
+          <a:extLst>
+            <a:ext uri="{FF2B5EF4-FFF2-40B4-BE49-F238E27FC236}">
+              <a16:creationId xmlns:a16="http://schemas.microsoft.com/office/drawing/2014/main" id="{154C2D0D-D435-9006-EFB4-F25BA9B8D1FF}"/>
+            </a:ext>
+          </a:extLst>
+        </p:cNvPr>
+        <p:cNvGrpSpPr/>
+        <p:nvPr/>
+      </p:nvGrpSpPr>
+      <p:grpSpPr>
+        <a:xfrm>
+          <a:off x="0" y="0"/>
+          <a:ext cx="0" cy="0"/>
+          <a:chOff x="0" y="0"/>
+          <a:chExt cx="0" cy="0"/>
+        </a:xfrm>
+      </p:grpSpPr>
+      <p:sp>
+        <p:nvSpPr>
+          <p:cNvPr id="2" name="Title 1">
+            <a:extLst>
+              <a:ext uri="{FF2B5EF4-FFF2-40B4-BE49-F238E27FC236}">
+                <a16:creationId xmlns:a16="http://schemas.microsoft.com/office/drawing/2014/main" id="{E5A28A3B-C80F-CE56-C08C-D3CD769FF3A6}"/>
+              </a:ext>
+            </a:extLst>
+          </p:cNvPr>
+          <p:cNvSpPr>
+            <a:spLocks noGrp="1"/>
+          </p:cNvSpPr>
+          <p:nvPr>
+            <p:ph type="title"/>
+          </p:nvPr>
+        </p:nvSpPr>
+        <p:spPr/>
+        <p:txBody>
+          <a:bodyPr/>
+          <a:lstStyle/>
+          <a:p>
+            <a:r>
+              <a:rPr lang="en-US" dirty="0"/>
+              <a:t>posterior has the samples</a:t>
+            </a:r>
+            <a:endParaRPr lang="en-IL" dirty="0"/>
+          </a:p>
+        </p:txBody>
+      </p:sp>
+      <p:sp>
+        <p:nvSpPr>
+          <p:cNvPr id="3" name="Content Placeholder 2">
+            <a:extLst>
+              <a:ext uri="{FF2B5EF4-FFF2-40B4-BE49-F238E27FC236}">
+                <a16:creationId xmlns:a16="http://schemas.microsoft.com/office/drawing/2014/main" id="{7875D4C6-448F-1280-48A5-2817327DE20D}"/>
+              </a:ext>
+            </a:extLst>
+          </p:cNvPr>
+          <p:cNvSpPr>
+            <a:spLocks noGrp="1"/>
+          </p:cNvSpPr>
+          <p:nvPr>
+            <p:ph idx="1"/>
+          </p:nvPr>
+        </p:nvSpPr>
+        <p:spPr>
+          <a:xfrm>
+            <a:off x="838200" y="1825625"/>
+            <a:ext cx="10515600" cy="1109599"/>
+          </a:xfrm>
+        </p:spPr>
+        <p:txBody>
+          <a:bodyPr>
+            <a:normAutofit fontScale="77500" lnSpcReduction="20000"/>
+          </a:bodyPr>
+          <a:lstStyle/>
+          <a:p>
+            <a:r>
+              <a:rPr lang="en-US" dirty="0"/>
+              <a:t>One variable: </a:t>
+            </a:r>
+            <a:r>
+              <a:rPr lang="el-GR" dirty="0"/>
+              <a:t>θ</a:t>
+            </a:r>
+            <a:endParaRPr lang="en-US" dirty="0"/>
+          </a:p>
+          <a:p>
+            <a:r>
+              <a:rPr lang="en-US" dirty="0"/>
+              <a:t>Two dimensions: chain and draw</a:t>
+            </a:r>
+          </a:p>
+          <a:p>
+            <a:r>
+              <a:rPr lang="en-US" dirty="0"/>
+              <a:t>4,000 samples</a:t>
+            </a:r>
+          </a:p>
+        </p:txBody>
+      </p:sp>
+      <p:pic>
+        <p:nvPicPr>
+          <p:cNvPr id="5" name="Picture 4">
+            <a:extLst>
+              <a:ext uri="{FF2B5EF4-FFF2-40B4-BE49-F238E27FC236}">
+                <a16:creationId xmlns:a16="http://schemas.microsoft.com/office/drawing/2014/main" id="{5834093B-BF05-5FCE-D48C-FE29025D620E}"/>
+              </a:ext>
+            </a:extLst>
+          </p:cNvPr>
+          <p:cNvPicPr>
+            <a:picLocks noChangeAspect="1"/>
+          </p:cNvPicPr>
+          <p:nvPr/>
+        </p:nvPicPr>
+        <p:blipFill>
+          <a:blip r:embed="rId2"/>
+          <a:stretch>
+            <a:fillRect/>
+          </a:stretch>
+        </p:blipFill>
+        <p:spPr>
+          <a:xfrm>
+            <a:off x="838200" y="3111812"/>
+            <a:ext cx="5654530" cy="3482642"/>
+          </a:xfrm>
+          <a:prstGeom prst="rect">
+            <a:avLst/>
+          </a:prstGeom>
+        </p:spPr>
+      </p:pic>
+    </p:spTree>
+    <p:extLst>
+      <p:ext uri="{BB962C8B-B14F-4D97-AF65-F5344CB8AC3E}">
+        <p14:creationId xmlns:p14="http://schemas.microsoft.com/office/powerpoint/2010/main" val="2646519539"/>
+      </p:ext>
+    </p:extLst>
+  </p:cSld>
+  <p:clrMapOvr>
+    <a:masterClrMapping/>
+  </p:clrMapOvr>
+</p:sld>
+</file>
+
+<file path=ppt/slides/slide35.xml><?xml version="1.0" encoding="utf-8"?>
+<p:sld xmlns:a="http://schemas.openxmlformats.org/drawingml/2006/main" xmlns:r="http://schemas.openxmlformats.org/officeDocument/2006/relationships" xmlns:p="http://schemas.openxmlformats.org/presentationml/2006/main">
+  <p:cSld>
+    <p:spTree>
+      <p:nvGrpSpPr>
+        <p:cNvPr id="1" name="">
+          <a:extLst>
+            <a:ext uri="{FF2B5EF4-FFF2-40B4-BE49-F238E27FC236}">
+              <a16:creationId xmlns:a16="http://schemas.microsoft.com/office/drawing/2014/main" id="{A8C26470-A66A-96CD-C6BC-BD00233620FB}"/>
+            </a:ext>
+          </a:extLst>
+        </p:cNvPr>
+        <p:cNvGrpSpPr/>
+        <p:nvPr/>
+      </p:nvGrpSpPr>
+      <p:grpSpPr>
+        <a:xfrm>
+          <a:off x="0" y="0"/>
+          <a:ext cx="0" cy="0"/>
+          <a:chOff x="0" y="0"/>
+          <a:chExt cx="0" cy="0"/>
+        </a:xfrm>
+      </p:grpSpPr>
+      <p:sp>
+        <p:nvSpPr>
+          <p:cNvPr id="2" name="Title 1">
+            <a:extLst>
+              <a:ext uri="{FF2B5EF4-FFF2-40B4-BE49-F238E27FC236}">
+                <a16:creationId xmlns:a16="http://schemas.microsoft.com/office/drawing/2014/main" id="{114F0F79-FD0B-C578-1844-1BBB5B75DAEB}"/>
+              </a:ext>
+            </a:extLst>
+          </p:cNvPr>
+          <p:cNvSpPr>
+            <a:spLocks noGrp="1"/>
+          </p:cNvSpPr>
+          <p:nvPr>
+            <p:ph type="title"/>
+          </p:nvPr>
+        </p:nvSpPr>
+        <p:spPr/>
+        <p:txBody>
+          <a:bodyPr/>
+          <a:lstStyle/>
+          <a:p>
+            <a:r>
+              <a:rPr lang="en-US" dirty="0"/>
+              <a:t>Sample stats contains data about sampling</a:t>
+            </a:r>
+            <a:endParaRPr lang="en-IL" dirty="0"/>
+          </a:p>
+        </p:txBody>
+      </p:sp>
+      <p:sp>
+        <p:nvSpPr>
+          <p:cNvPr id="3" name="Content Placeholder 2">
+            <a:extLst>
+              <a:ext uri="{FF2B5EF4-FFF2-40B4-BE49-F238E27FC236}">
+                <a16:creationId xmlns:a16="http://schemas.microsoft.com/office/drawing/2014/main" id="{0C95BFD5-B74C-C96C-8DF9-6E5EC6142CD0}"/>
+              </a:ext>
+            </a:extLst>
+          </p:cNvPr>
+          <p:cNvSpPr>
+            <a:spLocks noGrp="1"/>
+          </p:cNvSpPr>
+          <p:nvPr>
+            <p:ph idx="1"/>
+          </p:nvPr>
+        </p:nvSpPr>
+        <p:spPr>
+          <a:xfrm>
+            <a:off x="838200" y="1825625"/>
+            <a:ext cx="4565904" cy="4351338"/>
+          </a:xfrm>
+        </p:spPr>
+        <p:txBody>
+          <a:bodyPr/>
+          <a:lstStyle/>
+          <a:p>
+            <a:r>
+              <a:rPr lang="en-US" dirty="0"/>
+              <a:t>Can be safely ignored for now</a:t>
+            </a:r>
+            <a:endParaRPr lang="en-IL" dirty="0"/>
+          </a:p>
+        </p:txBody>
+      </p:sp>
+      <p:pic>
+        <p:nvPicPr>
+          <p:cNvPr id="4" name="Picture 3">
+            <a:extLst>
+              <a:ext uri="{FF2B5EF4-FFF2-40B4-BE49-F238E27FC236}">
+                <a16:creationId xmlns:a16="http://schemas.microsoft.com/office/drawing/2014/main" id="{793E12DC-9EDE-ABB0-AAAE-203B8F6651C4}"/>
+              </a:ext>
+            </a:extLst>
+          </p:cNvPr>
+          <p:cNvPicPr>
+            <a:picLocks noChangeAspect="1"/>
+          </p:cNvPicPr>
+          <p:nvPr/>
+        </p:nvPicPr>
+        <p:blipFill>
+          <a:blip r:embed="rId2"/>
+          <a:stretch>
+            <a:fillRect/>
+          </a:stretch>
+        </p:blipFill>
+        <p:spPr>
+          <a:xfrm>
+            <a:off x="6227064" y="1411008"/>
+            <a:ext cx="5598599" cy="5345455"/>
+          </a:xfrm>
+          <a:prstGeom prst="rect">
+            <a:avLst/>
+          </a:prstGeom>
+        </p:spPr>
+      </p:pic>
+    </p:spTree>
+    <p:extLst>
+      <p:ext uri="{BB962C8B-B14F-4D97-AF65-F5344CB8AC3E}">
+        <p14:creationId xmlns:p14="http://schemas.microsoft.com/office/powerpoint/2010/main" val="3932578224"/>
+      </p:ext>
+    </p:extLst>
+  </p:cSld>
+  <p:clrMapOvr>
+    <a:masterClrMapping/>
+  </p:clrMapOvr>
+</p:sld>
+</file>
+
+<file path=ppt/slides/slide36.xml><?xml version="1.0" encoding="utf-8"?>
 <p:sld xmlns:a="http://schemas.openxmlformats.org/drawingml/2006/main" xmlns:r="http://schemas.openxmlformats.org/officeDocument/2006/relationships" xmlns:p="http://schemas.openxmlformats.org/presentationml/2006/main">
   <p:cSld>
     <p:spTree>
@@ -14726,7 +14674,7 @@
               <a:pPr>
                 <a:defRPr/>
               </a:pPr>
-              <a:t>37</a:t>
+              <a:t>36</a:t>
             </a:fld>
             <a:r>
               <a:rPr lang="en-US" altLang="en-US"/>
@@ -14748,7 +14696,7 @@
 </p:sld>
 </file>
 
-<file path=ppt/slides/slide38.xml><?xml version="1.0" encoding="utf-8"?>
+<file path=ppt/slides/slide37.xml><?xml version="1.0" encoding="utf-8"?>
 <p:sld xmlns:a="http://schemas.openxmlformats.org/drawingml/2006/main" xmlns:r="http://schemas.openxmlformats.org/officeDocument/2006/relationships" xmlns:p="http://schemas.openxmlformats.org/presentationml/2006/main">
   <p:cSld>
     <p:spTree>
@@ -15297,7 +15245,7 @@
 </p:sld>
 </file>
 
-<file path=ppt/slides/slide39.xml><?xml version="1.0" encoding="utf-8"?>
+<file path=ppt/slides/slide38.xml><?xml version="1.0" encoding="utf-8"?>
 <p:sld xmlns:a="http://schemas.openxmlformats.org/drawingml/2006/main" xmlns:r="http://schemas.openxmlformats.org/officeDocument/2006/relationships" xmlns:p="http://schemas.openxmlformats.org/presentationml/2006/main">
   <p:cSld>
     <p:spTree>
@@ -15758,210 +15706,7 @@
 </p:sld>
 </file>
 
-<file path=ppt/slides/slide4.xml><?xml version="1.0" encoding="utf-8"?>
-<p:sld xmlns:a="http://schemas.openxmlformats.org/drawingml/2006/main" xmlns:r="http://schemas.openxmlformats.org/officeDocument/2006/relationships" xmlns:p="http://schemas.openxmlformats.org/presentationml/2006/main">
-  <p:cSld>
-    <p:spTree>
-      <p:nvGrpSpPr>
-        <p:cNvPr id="1" name="">
-          <a:extLst>
-            <a:ext uri="{FF2B5EF4-FFF2-40B4-BE49-F238E27FC236}">
-              <a16:creationId xmlns:a16="http://schemas.microsoft.com/office/drawing/2014/main" id="{9D3F8360-1187-AB3F-8E1B-22F658FA661B}"/>
-            </a:ext>
-          </a:extLst>
-        </p:cNvPr>
-        <p:cNvGrpSpPr/>
-        <p:nvPr/>
-      </p:nvGrpSpPr>
-      <p:grpSpPr>
-        <a:xfrm>
-          <a:off x="0" y="0"/>
-          <a:ext cx="0" cy="0"/>
-          <a:chOff x="0" y="0"/>
-          <a:chExt cx="0" cy="0"/>
-        </a:xfrm>
-      </p:grpSpPr>
-      <p:sp>
-        <p:nvSpPr>
-          <p:cNvPr id="2" name="Title 1">
-            <a:extLst>
-              <a:ext uri="{FF2B5EF4-FFF2-40B4-BE49-F238E27FC236}">
-                <a16:creationId xmlns:a16="http://schemas.microsoft.com/office/drawing/2014/main" id="{A684A59B-E364-E741-CFBD-3DAED845B164}"/>
-              </a:ext>
-            </a:extLst>
-          </p:cNvPr>
-          <p:cNvSpPr>
-            <a:spLocks noGrp="1"/>
-          </p:cNvSpPr>
-          <p:nvPr>
-            <p:ph type="title"/>
-          </p:nvPr>
-        </p:nvSpPr>
-        <p:spPr/>
-        <p:txBody>
-          <a:bodyPr/>
-          <a:lstStyle/>
-          <a:p>
-            <a:r>
-              <a:rPr lang="en-US" err="1"/>
-              <a:t>Baye’s</a:t>
-            </a:r>
-            <a:r>
-              <a:rPr lang="en-US"/>
-              <a:t> rule updates models</a:t>
-            </a:r>
-            <a:endParaRPr lang="en-GB"/>
-          </a:p>
-        </p:txBody>
-      </p:sp>
-      <p:graphicFrame>
-        <p:nvGraphicFramePr>
-          <p:cNvPr id="4" name="Object 3">
-            <a:extLst>
-              <a:ext uri="{FF2B5EF4-FFF2-40B4-BE49-F238E27FC236}">
-                <a16:creationId xmlns:a16="http://schemas.microsoft.com/office/drawing/2014/main" id="{435F5A3B-CC4A-88BC-24D0-B7025174E136}"/>
-              </a:ext>
-            </a:extLst>
-          </p:cNvPr>
-          <p:cNvGraphicFramePr>
-            <a:graphicFrameLocks noChangeAspect="1"/>
-          </p:cNvGraphicFramePr>
-          <p:nvPr>
-            <p:extLst>
-              <p:ext uri="{D42A27DB-BD31-4B8C-83A1-F6EECF244321}">
-                <p14:modId xmlns:p14="http://schemas.microsoft.com/office/powerpoint/2010/main" val="1880405255"/>
-              </p:ext>
-            </p:extLst>
-          </p:nvPr>
-        </p:nvGraphicFramePr>
-        <p:xfrm>
-          <a:off x="6310232" y="2961444"/>
-          <a:ext cx="5424491" cy="1068132"/>
-        </p:xfrm>
-        <a:graphic>
-          <a:graphicData uri="http://schemas.openxmlformats.org/presentationml/2006/ole">
-            <mc:AlternateContent xmlns:mc="http://schemas.openxmlformats.org/markup-compatibility/2006">
-              <mc:Choice xmlns:v="urn:schemas-microsoft-com:vml" Requires="v">
-                <p:oleObj name="Equation" r:id="rId2" imgW="2971800" imgH="583920" progId="Equation.DSMT4">
-                  <p:embed/>
-                </p:oleObj>
-              </mc:Choice>
-              <mc:Fallback>
-                <p:oleObj name="Equation" r:id="rId2" imgW="2971800" imgH="583920" progId="Equation.DSMT4">
-                  <p:embed/>
-                  <p:pic>
-                    <p:nvPicPr>
-                      <p:cNvPr id="4" name="Object 3">
-                        <a:extLst>
-                          <a:ext uri="{FF2B5EF4-FFF2-40B4-BE49-F238E27FC236}">
-                            <a16:creationId xmlns:a16="http://schemas.microsoft.com/office/drawing/2014/main" id="{435F5A3B-CC4A-88BC-24D0-B7025174E136}"/>
-                          </a:ext>
-                        </a:extLst>
-                      </p:cNvPr>
-                      <p:cNvPicPr/>
-                      <p:nvPr/>
-                    </p:nvPicPr>
-                    <p:blipFill>
-                      <a:blip r:embed="rId3"/>
-                      <a:stretch>
-                        <a:fillRect/>
-                      </a:stretch>
-                    </p:blipFill>
-                    <p:spPr>
-                      <a:xfrm>
-                        <a:off x="6310232" y="2961444"/>
-                        <a:ext cx="5424491" cy="1068132"/>
-                      </a:xfrm>
-                      <a:prstGeom prst="rect">
-                        <a:avLst/>
-                      </a:prstGeom>
-                    </p:spPr>
-                  </p:pic>
-                </p:oleObj>
-              </mc:Fallback>
-            </mc:AlternateContent>
-          </a:graphicData>
-        </a:graphic>
-      </p:graphicFrame>
-      <p:pic>
-        <p:nvPicPr>
-          <p:cNvPr id="7" name="Picture 6">
-            <a:extLst>
-              <a:ext uri="{FF2B5EF4-FFF2-40B4-BE49-F238E27FC236}">
-                <a16:creationId xmlns:a16="http://schemas.microsoft.com/office/drawing/2014/main" id="{E65BB742-817F-8B14-BD56-742C89FBE69D}"/>
-              </a:ext>
-            </a:extLst>
-          </p:cNvPr>
-          <p:cNvPicPr>
-            <a:picLocks noChangeAspect="1"/>
-          </p:cNvPicPr>
-          <p:nvPr/>
-        </p:nvPicPr>
-        <p:blipFill>
-          <a:blip r:embed="rId4"/>
-          <a:srcRect l="25235" r="25904" b="9101"/>
-          <a:stretch/>
-        </p:blipFill>
-        <p:spPr>
-          <a:xfrm>
-            <a:off x="2507115" y="2002759"/>
-            <a:ext cx="3650794" cy="3171769"/>
-          </a:xfrm>
-          <a:prstGeom prst="rect">
-            <a:avLst/>
-          </a:prstGeom>
-        </p:spPr>
-      </p:pic>
-      <p:pic>
-        <p:nvPicPr>
-          <p:cNvPr id="3" name="Graphic 2">
-            <a:extLst>
-              <a:ext uri="{FF2B5EF4-FFF2-40B4-BE49-F238E27FC236}">
-                <a16:creationId xmlns:a16="http://schemas.microsoft.com/office/drawing/2014/main" id="{B61A7830-99E1-A7A6-90AA-5773B83FD31C}"/>
-              </a:ext>
-            </a:extLst>
-          </p:cNvPr>
-          <p:cNvPicPr>
-            <a:picLocks noChangeAspect="1"/>
-          </p:cNvPicPr>
-          <p:nvPr/>
-        </p:nvPicPr>
-        <p:blipFill>
-          <a:blip r:embed="rId5">
-            <a:extLst>
-              <a:ext uri="{96DAC541-7B7A-43D3-8B79-37D633B846F1}">
-                <asvg:svgBlip xmlns:asvg="http://schemas.microsoft.com/office/drawing/2016/SVG/main" r:embed="rId6"/>
-              </a:ext>
-            </a:extLst>
-          </a:blip>
-          <a:stretch>
-            <a:fillRect/>
-          </a:stretch>
-        </p:blipFill>
-        <p:spPr>
-          <a:xfrm>
-            <a:off x="202142" y="1901825"/>
-            <a:ext cx="1695450" cy="4324350"/>
-          </a:xfrm>
-          <a:prstGeom prst="rect">
-            <a:avLst/>
-          </a:prstGeom>
-        </p:spPr>
-      </p:pic>
-    </p:spTree>
-    <p:extLst>
-      <p:ext uri="{BB962C8B-B14F-4D97-AF65-F5344CB8AC3E}">
-        <p14:creationId xmlns:p14="http://schemas.microsoft.com/office/powerpoint/2010/main" val="858020458"/>
-      </p:ext>
-    </p:extLst>
-  </p:cSld>
-  <p:clrMapOvr>
-    <a:masterClrMapping/>
-  </p:clrMapOvr>
-</p:sld>
-</file>
-
-<file path=ppt/slides/slide40.xml><?xml version="1.0" encoding="utf-8"?>
+<file path=ppt/slides/slide39.xml><?xml version="1.0" encoding="utf-8"?>
 <p:sld xmlns:a="http://schemas.openxmlformats.org/drawingml/2006/main" xmlns:r="http://schemas.openxmlformats.org/officeDocument/2006/relationships" xmlns:p="http://schemas.openxmlformats.org/presentationml/2006/main">
   <p:cSld>
     <p:spTree>
@@ -17510,7 +17255,210 @@
 </p:sld>
 </file>
 
-<file path=ppt/slides/slide41.xml><?xml version="1.0" encoding="utf-8"?>
+<file path=ppt/slides/slide4.xml><?xml version="1.0" encoding="utf-8"?>
+<p:sld xmlns:a="http://schemas.openxmlformats.org/drawingml/2006/main" xmlns:r="http://schemas.openxmlformats.org/officeDocument/2006/relationships" xmlns:p="http://schemas.openxmlformats.org/presentationml/2006/main">
+  <p:cSld>
+    <p:spTree>
+      <p:nvGrpSpPr>
+        <p:cNvPr id="1" name="">
+          <a:extLst>
+            <a:ext uri="{FF2B5EF4-FFF2-40B4-BE49-F238E27FC236}">
+              <a16:creationId xmlns:a16="http://schemas.microsoft.com/office/drawing/2014/main" id="{9D3F8360-1187-AB3F-8E1B-22F658FA661B}"/>
+            </a:ext>
+          </a:extLst>
+        </p:cNvPr>
+        <p:cNvGrpSpPr/>
+        <p:nvPr/>
+      </p:nvGrpSpPr>
+      <p:grpSpPr>
+        <a:xfrm>
+          <a:off x="0" y="0"/>
+          <a:ext cx="0" cy="0"/>
+          <a:chOff x="0" y="0"/>
+          <a:chExt cx="0" cy="0"/>
+        </a:xfrm>
+      </p:grpSpPr>
+      <p:sp>
+        <p:nvSpPr>
+          <p:cNvPr id="2" name="Title 1">
+            <a:extLst>
+              <a:ext uri="{FF2B5EF4-FFF2-40B4-BE49-F238E27FC236}">
+                <a16:creationId xmlns:a16="http://schemas.microsoft.com/office/drawing/2014/main" id="{A684A59B-E364-E741-CFBD-3DAED845B164}"/>
+              </a:ext>
+            </a:extLst>
+          </p:cNvPr>
+          <p:cNvSpPr>
+            <a:spLocks noGrp="1"/>
+          </p:cNvSpPr>
+          <p:nvPr>
+            <p:ph type="title"/>
+          </p:nvPr>
+        </p:nvSpPr>
+        <p:spPr/>
+        <p:txBody>
+          <a:bodyPr/>
+          <a:lstStyle/>
+          <a:p>
+            <a:r>
+              <a:rPr lang="en-US" err="1"/>
+              <a:t>Baye’s</a:t>
+            </a:r>
+            <a:r>
+              <a:rPr lang="en-US"/>
+              <a:t> rule updates models</a:t>
+            </a:r>
+            <a:endParaRPr lang="en-GB"/>
+          </a:p>
+        </p:txBody>
+      </p:sp>
+      <p:graphicFrame>
+        <p:nvGraphicFramePr>
+          <p:cNvPr id="4" name="Object 3">
+            <a:extLst>
+              <a:ext uri="{FF2B5EF4-FFF2-40B4-BE49-F238E27FC236}">
+                <a16:creationId xmlns:a16="http://schemas.microsoft.com/office/drawing/2014/main" id="{435F5A3B-CC4A-88BC-24D0-B7025174E136}"/>
+              </a:ext>
+            </a:extLst>
+          </p:cNvPr>
+          <p:cNvGraphicFramePr>
+            <a:graphicFrameLocks noChangeAspect="1"/>
+          </p:cNvGraphicFramePr>
+          <p:nvPr>
+            <p:extLst>
+              <p:ext uri="{D42A27DB-BD31-4B8C-83A1-F6EECF244321}">
+                <p14:modId xmlns:p14="http://schemas.microsoft.com/office/powerpoint/2010/main" val="1880405255"/>
+              </p:ext>
+            </p:extLst>
+          </p:nvPr>
+        </p:nvGraphicFramePr>
+        <p:xfrm>
+          <a:off x="6310232" y="2961444"/>
+          <a:ext cx="5424491" cy="1068132"/>
+        </p:xfrm>
+        <a:graphic>
+          <a:graphicData uri="http://schemas.openxmlformats.org/presentationml/2006/ole">
+            <mc:AlternateContent xmlns:mc="http://schemas.openxmlformats.org/markup-compatibility/2006">
+              <mc:Choice xmlns:v="urn:schemas-microsoft-com:vml" Requires="v">
+                <p:oleObj name="Equation" r:id="rId2" imgW="2971800" imgH="583920" progId="Equation.DSMT4">
+                  <p:embed/>
+                </p:oleObj>
+              </mc:Choice>
+              <mc:Fallback>
+                <p:oleObj name="Equation" r:id="rId2" imgW="2971800" imgH="583920" progId="Equation.DSMT4">
+                  <p:embed/>
+                  <p:pic>
+                    <p:nvPicPr>
+                      <p:cNvPr id="4" name="Object 3">
+                        <a:extLst>
+                          <a:ext uri="{FF2B5EF4-FFF2-40B4-BE49-F238E27FC236}">
+                            <a16:creationId xmlns:a16="http://schemas.microsoft.com/office/drawing/2014/main" id="{435F5A3B-CC4A-88BC-24D0-B7025174E136}"/>
+                          </a:ext>
+                        </a:extLst>
+                      </p:cNvPr>
+                      <p:cNvPicPr/>
+                      <p:nvPr/>
+                    </p:nvPicPr>
+                    <p:blipFill>
+                      <a:blip r:embed="rId3"/>
+                      <a:stretch>
+                        <a:fillRect/>
+                      </a:stretch>
+                    </p:blipFill>
+                    <p:spPr>
+                      <a:xfrm>
+                        <a:off x="6310232" y="2961444"/>
+                        <a:ext cx="5424491" cy="1068132"/>
+                      </a:xfrm>
+                      <a:prstGeom prst="rect">
+                        <a:avLst/>
+                      </a:prstGeom>
+                    </p:spPr>
+                  </p:pic>
+                </p:oleObj>
+              </mc:Fallback>
+            </mc:AlternateContent>
+          </a:graphicData>
+        </a:graphic>
+      </p:graphicFrame>
+      <p:pic>
+        <p:nvPicPr>
+          <p:cNvPr id="7" name="Picture 6">
+            <a:extLst>
+              <a:ext uri="{FF2B5EF4-FFF2-40B4-BE49-F238E27FC236}">
+                <a16:creationId xmlns:a16="http://schemas.microsoft.com/office/drawing/2014/main" id="{E65BB742-817F-8B14-BD56-742C89FBE69D}"/>
+              </a:ext>
+            </a:extLst>
+          </p:cNvPr>
+          <p:cNvPicPr>
+            <a:picLocks noChangeAspect="1"/>
+          </p:cNvPicPr>
+          <p:nvPr/>
+        </p:nvPicPr>
+        <p:blipFill>
+          <a:blip r:embed="rId4"/>
+          <a:srcRect l="25235" r="25904" b="9101"/>
+          <a:stretch/>
+        </p:blipFill>
+        <p:spPr>
+          <a:xfrm>
+            <a:off x="2507115" y="2002759"/>
+            <a:ext cx="3650794" cy="3171769"/>
+          </a:xfrm>
+          <a:prstGeom prst="rect">
+            <a:avLst/>
+          </a:prstGeom>
+        </p:spPr>
+      </p:pic>
+      <p:pic>
+        <p:nvPicPr>
+          <p:cNvPr id="3" name="Graphic 2">
+            <a:extLst>
+              <a:ext uri="{FF2B5EF4-FFF2-40B4-BE49-F238E27FC236}">
+                <a16:creationId xmlns:a16="http://schemas.microsoft.com/office/drawing/2014/main" id="{B61A7830-99E1-A7A6-90AA-5773B83FD31C}"/>
+              </a:ext>
+            </a:extLst>
+          </p:cNvPr>
+          <p:cNvPicPr>
+            <a:picLocks noChangeAspect="1"/>
+          </p:cNvPicPr>
+          <p:nvPr/>
+        </p:nvPicPr>
+        <p:blipFill>
+          <a:blip r:embed="rId5">
+            <a:extLst>
+              <a:ext uri="{96DAC541-7B7A-43D3-8B79-37D633B846F1}">
+                <asvg:svgBlip xmlns:asvg="http://schemas.microsoft.com/office/drawing/2016/SVG/main" r:embed="rId6"/>
+              </a:ext>
+            </a:extLst>
+          </a:blip>
+          <a:stretch>
+            <a:fillRect/>
+          </a:stretch>
+        </p:blipFill>
+        <p:spPr>
+          <a:xfrm>
+            <a:off x="202142" y="1901825"/>
+            <a:ext cx="1695450" cy="4324350"/>
+          </a:xfrm>
+          <a:prstGeom prst="rect">
+            <a:avLst/>
+          </a:prstGeom>
+        </p:spPr>
+      </p:pic>
+    </p:spTree>
+    <p:extLst>
+      <p:ext uri="{BB962C8B-B14F-4D97-AF65-F5344CB8AC3E}">
+        <p14:creationId xmlns:p14="http://schemas.microsoft.com/office/powerpoint/2010/main" val="858020458"/>
+      </p:ext>
+    </p:extLst>
+  </p:cSld>
+  <p:clrMapOvr>
+    <a:masterClrMapping/>
+  </p:clrMapOvr>
+</p:sld>
+</file>
+
+<file path=ppt/slides/slide40.xml><?xml version="1.0" encoding="utf-8"?>
 <p:sld xmlns:a="http://schemas.openxmlformats.org/drawingml/2006/main" xmlns:r="http://schemas.openxmlformats.org/officeDocument/2006/relationships" xmlns:p="http://schemas.openxmlformats.org/presentationml/2006/main">
   <p:cSld>
     <p:spTree>
@@ -18070,7 +18018,7 @@
 </p:sld>
 </file>
 
-<file path=ppt/slides/slide42.xml><?xml version="1.0" encoding="utf-8"?>
+<file path=ppt/slides/slide41.xml><?xml version="1.0" encoding="utf-8"?>
 <p:sld xmlns:a="http://schemas.openxmlformats.org/drawingml/2006/main" xmlns:r="http://schemas.openxmlformats.org/officeDocument/2006/relationships" xmlns:p="http://schemas.openxmlformats.org/presentationml/2006/main">
   <p:cSld>
     <p:spTree>
@@ -18187,7 +18135,7 @@
 </p:sld>
 </file>
 
-<file path=ppt/slides/slide43.xml><?xml version="1.0" encoding="utf-8"?>
+<file path=ppt/slides/slide42.xml><?xml version="1.0" encoding="utf-8"?>
 <p:sld xmlns:a="http://schemas.openxmlformats.org/drawingml/2006/main" xmlns:r="http://schemas.openxmlformats.org/officeDocument/2006/relationships" xmlns:p="http://schemas.openxmlformats.org/presentationml/2006/main">
   <p:cSld>
     <p:spTree>
@@ -18323,7 +18271,2894 @@
 </p:sld>
 </file>
 
+<file path=ppt/slides/slide43.xml><?xml version="1.0" encoding="utf-8"?>
+<p:sld xmlns:a="http://schemas.openxmlformats.org/drawingml/2006/main" xmlns:r="http://schemas.openxmlformats.org/officeDocument/2006/relationships" xmlns:p="http://schemas.openxmlformats.org/presentationml/2006/main">
+  <p:cSld>
+    <p:spTree>
+      <p:nvGrpSpPr>
+        <p:cNvPr id="1" name="">
+          <a:extLst>
+            <a:ext uri="{FF2B5EF4-FFF2-40B4-BE49-F238E27FC236}">
+              <a16:creationId xmlns:a16="http://schemas.microsoft.com/office/drawing/2014/main" id="{84CD4721-186A-96A8-34CB-E5B021FDC8A0}"/>
+            </a:ext>
+          </a:extLst>
+        </p:cNvPr>
+        <p:cNvGrpSpPr/>
+        <p:nvPr/>
+      </p:nvGrpSpPr>
+      <p:grpSpPr>
+        <a:xfrm>
+          <a:off x="0" y="0"/>
+          <a:ext cx="0" cy="0"/>
+          <a:chOff x="0" y="0"/>
+          <a:chExt cx="0" cy="0"/>
+        </a:xfrm>
+      </p:grpSpPr>
+      <p:sp>
+        <p:nvSpPr>
+          <p:cNvPr id="6" name="Title 5">
+            <a:extLst>
+              <a:ext uri="{FF2B5EF4-FFF2-40B4-BE49-F238E27FC236}">
+                <a16:creationId xmlns:a16="http://schemas.microsoft.com/office/drawing/2014/main" id="{AE51B056-8EB3-CC44-D95B-A7968C588870}"/>
+              </a:ext>
+            </a:extLst>
+          </p:cNvPr>
+          <p:cNvSpPr>
+            <a:spLocks noGrp="1"/>
+          </p:cNvSpPr>
+          <p:nvPr>
+            <p:ph type="title"/>
+          </p:nvPr>
+        </p:nvSpPr>
+        <p:spPr/>
+        <p:txBody>
+          <a:bodyPr/>
+          <a:lstStyle/>
+          <a:p>
+            <a:endParaRPr lang="en-IL"/>
+          </a:p>
+        </p:txBody>
+      </p:sp>
+      <p:sp>
+        <p:nvSpPr>
+          <p:cNvPr id="7" name="Text Placeholder 6">
+            <a:extLst>
+              <a:ext uri="{FF2B5EF4-FFF2-40B4-BE49-F238E27FC236}">
+                <a16:creationId xmlns:a16="http://schemas.microsoft.com/office/drawing/2014/main" id="{97D24A66-4899-2F06-AC28-3D7356027BCA}"/>
+              </a:ext>
+            </a:extLst>
+          </p:cNvPr>
+          <p:cNvSpPr>
+            <a:spLocks noGrp="1"/>
+          </p:cNvSpPr>
+          <p:nvPr>
+            <p:ph type="body" idx="1"/>
+          </p:nvPr>
+        </p:nvSpPr>
+        <p:spPr/>
+        <p:txBody>
+          <a:bodyPr>
+            <a:normAutofit/>
+          </a:bodyPr>
+          <a:lstStyle/>
+          <a:p>
+            <a:pPr algn="ctr"/>
+            <a:r>
+              <a:rPr lang="en-US" sz="7200" dirty="0"/>
+              <a:t>3D </a:t>
+            </a:r>
+            <a:r>
+              <a:rPr lang="en-US" sz="7200" dirty="0" err="1"/>
+              <a:t>PyTensor</a:t>
+            </a:r>
+            <a:endParaRPr lang="en-IL" sz="7200" dirty="0"/>
+          </a:p>
+        </p:txBody>
+      </p:sp>
+      <p:sp>
+        <p:nvSpPr>
+          <p:cNvPr id="4" name="Footer Placeholder 3">
+            <a:extLst>
+              <a:ext uri="{FF2B5EF4-FFF2-40B4-BE49-F238E27FC236}">
+                <a16:creationId xmlns:a16="http://schemas.microsoft.com/office/drawing/2014/main" id="{F48AF364-B490-A74A-39B0-B968572AF455}"/>
+              </a:ext>
+            </a:extLst>
+          </p:cNvPr>
+          <p:cNvSpPr>
+            <a:spLocks noGrp="1"/>
+          </p:cNvSpPr>
+          <p:nvPr>
+            <p:ph type="ftr" sz="quarter" idx="11"/>
+          </p:nvPr>
+        </p:nvSpPr>
+        <p:spPr/>
+        <p:txBody>
+          <a:bodyPr/>
+          <a:lstStyle/>
+          <a:p>
+            <a:pPr>
+              <a:defRPr/>
+            </a:pPr>
+            <a:r>
+              <a:rPr lang="en-US"/>
+              <a:t>Data analysis, 2022-1, Lecture 1</a:t>
+            </a:r>
+          </a:p>
+        </p:txBody>
+      </p:sp>
+      <p:sp>
+        <p:nvSpPr>
+          <p:cNvPr id="5" name="Slide Number Placeholder 4">
+            <a:extLst>
+              <a:ext uri="{FF2B5EF4-FFF2-40B4-BE49-F238E27FC236}">
+                <a16:creationId xmlns:a16="http://schemas.microsoft.com/office/drawing/2014/main" id="{3F8BF6A2-B847-86D3-D2DC-1A91C0150F0B}"/>
+              </a:ext>
+            </a:extLst>
+          </p:cNvPr>
+          <p:cNvSpPr>
+            <a:spLocks noGrp="1"/>
+          </p:cNvSpPr>
+          <p:nvPr>
+            <p:ph type="sldNum" sz="quarter" idx="12"/>
+          </p:nvPr>
+        </p:nvSpPr>
+        <p:spPr/>
+        <p:txBody>
+          <a:bodyPr/>
+          <a:lstStyle/>
+          <a:p>
+            <a:pPr>
+              <a:defRPr/>
+            </a:pPr>
+            <a:fld id="{3469EAC8-EFAD-49DA-A425-6225312A328A}" type="slidenum">
+              <a:rPr lang="he-IL" altLang="en-US" smtClean="0"/>
+              <a:pPr>
+                <a:defRPr/>
+              </a:pPr>
+              <a:t>43</a:t>
+            </a:fld>
+            <a:r>
+              <a:rPr lang="en-US" altLang="en-US"/>
+              <a:t> /  72</a:t>
+            </a:r>
+          </a:p>
+        </p:txBody>
+      </p:sp>
+    </p:spTree>
+    <p:extLst>
+      <p:ext uri="{BB962C8B-B14F-4D97-AF65-F5344CB8AC3E}">
+        <p14:creationId xmlns:p14="http://schemas.microsoft.com/office/powerpoint/2010/main" val="1668023854"/>
+      </p:ext>
+    </p:extLst>
+  </p:cSld>
+  <p:clrMapOvr>
+    <a:masterClrMapping/>
+  </p:clrMapOvr>
+</p:sld>
+</file>
+
 <file path=ppt/slides/slide44.xml><?xml version="1.0" encoding="utf-8"?>
+<p:sld xmlns:a="http://schemas.openxmlformats.org/drawingml/2006/main" xmlns:r="http://schemas.openxmlformats.org/officeDocument/2006/relationships" xmlns:p="http://schemas.openxmlformats.org/presentationml/2006/main">
+  <p:cSld>
+    <p:spTree>
+      <p:nvGrpSpPr>
+        <p:cNvPr id="1" name=""/>
+        <p:cNvGrpSpPr/>
+        <p:nvPr/>
+      </p:nvGrpSpPr>
+      <p:grpSpPr>
+        <a:xfrm>
+          <a:off x="0" y="0"/>
+          <a:ext cx="0" cy="0"/>
+          <a:chOff x="0" y="0"/>
+          <a:chExt cx="0" cy="0"/>
+        </a:xfrm>
+      </p:grpSpPr>
+      <p:sp>
+        <p:nvSpPr>
+          <p:cNvPr id="4" name="Title 3">
+            <a:extLst>
+              <a:ext uri="{FF2B5EF4-FFF2-40B4-BE49-F238E27FC236}">
+                <a16:creationId xmlns:a16="http://schemas.microsoft.com/office/drawing/2014/main" id="{5A4492B3-90E1-5249-B56D-70C88F713CA9}"/>
+              </a:ext>
+            </a:extLst>
+          </p:cNvPr>
+          <p:cNvSpPr>
+            <a:spLocks noGrp="1"/>
+          </p:cNvSpPr>
+          <p:nvPr>
+            <p:ph type="title"/>
+          </p:nvPr>
+        </p:nvSpPr>
+        <p:spPr/>
+        <p:txBody>
+          <a:bodyPr>
+            <a:normAutofit/>
+          </a:bodyPr>
+          <a:lstStyle/>
+          <a:p>
+            <a:r>
+              <a:rPr lang="en-US" sz="3600" dirty="0" err="1"/>
+              <a:t>PyMC</a:t>
+            </a:r>
+            <a:r>
+              <a:rPr lang="en-US" sz="3600" dirty="0"/>
+              <a:t> originally built on a deep learning framework</a:t>
+            </a:r>
+            <a:endParaRPr lang="en-IL" sz="3600" dirty="0"/>
+          </a:p>
+        </p:txBody>
+      </p:sp>
+      <p:sp>
+        <p:nvSpPr>
+          <p:cNvPr id="5" name="Content Placeholder 4">
+            <a:extLst>
+              <a:ext uri="{FF2B5EF4-FFF2-40B4-BE49-F238E27FC236}">
+                <a16:creationId xmlns:a16="http://schemas.microsoft.com/office/drawing/2014/main" id="{BE89B5F8-70A3-E7D6-59ED-D6CFBFB0E7A9}"/>
+              </a:ext>
+            </a:extLst>
+          </p:cNvPr>
+          <p:cNvSpPr>
+            <a:spLocks noGrp="1"/>
+          </p:cNvSpPr>
+          <p:nvPr>
+            <p:ph idx="1"/>
+          </p:nvPr>
+        </p:nvSpPr>
+        <p:spPr/>
+        <p:txBody>
+          <a:bodyPr/>
+          <a:lstStyle/>
+          <a:p>
+            <a:r>
+              <a:rPr lang="en-US" dirty="0"/>
+              <a:t>Theano was the first deep learning framework</a:t>
+            </a:r>
+          </a:p>
+          <a:p>
+            <a:pPr lvl="1"/>
+            <a:r>
+              <a:rPr lang="en-US" dirty="0"/>
+              <a:t>Key features</a:t>
+            </a:r>
+          </a:p>
+          <a:p>
+            <a:pPr lvl="2"/>
+            <a:r>
+              <a:rPr lang="en-US" dirty="0"/>
+              <a:t>Manipulation of functions</a:t>
+            </a:r>
+          </a:p>
+          <a:p>
+            <a:pPr lvl="2"/>
+            <a:r>
+              <a:rPr lang="en-US" dirty="0"/>
+              <a:t>Multi-dimensional matrix manipulation</a:t>
+            </a:r>
+          </a:p>
+          <a:p>
+            <a:pPr lvl="2"/>
+            <a:r>
+              <a:rPr lang="en-US" dirty="0"/>
+              <a:t>Automatic differentiation</a:t>
+            </a:r>
+          </a:p>
+          <a:p>
+            <a:r>
+              <a:rPr lang="en-US" dirty="0" err="1"/>
+              <a:t>PyTorch</a:t>
+            </a:r>
+            <a:r>
+              <a:rPr lang="en-US" dirty="0"/>
+              <a:t> (Facebook) and TensorFlow (Google)</a:t>
+            </a:r>
+          </a:p>
+          <a:p>
+            <a:pPr lvl="1"/>
+            <a:r>
+              <a:rPr lang="en-US" dirty="0"/>
+              <a:t>Build on Theano</a:t>
+            </a:r>
+          </a:p>
+          <a:p>
+            <a:pPr lvl="1"/>
+            <a:r>
+              <a:rPr lang="en-US" dirty="0"/>
+              <a:t>And made it obsolete</a:t>
+            </a:r>
+          </a:p>
+          <a:p>
+            <a:r>
+              <a:rPr lang="en-US" dirty="0" err="1"/>
+              <a:t>PyMC</a:t>
+            </a:r>
+            <a:r>
+              <a:rPr lang="en-US" dirty="0"/>
+              <a:t> still needed Theano functionality</a:t>
+            </a:r>
+          </a:p>
+          <a:p>
+            <a:pPr lvl="1"/>
+            <a:r>
+              <a:rPr lang="en-US" dirty="0"/>
+              <a:t>Forked Theano to </a:t>
+            </a:r>
+            <a:r>
+              <a:rPr lang="en-US" dirty="0" err="1"/>
+              <a:t>PyTensor</a:t>
+            </a:r>
+            <a:endParaRPr lang="en-IL" dirty="0"/>
+          </a:p>
+        </p:txBody>
+      </p:sp>
+    </p:spTree>
+    <p:extLst>
+      <p:ext uri="{BB962C8B-B14F-4D97-AF65-F5344CB8AC3E}">
+        <p14:creationId xmlns:p14="http://schemas.microsoft.com/office/powerpoint/2010/main" val="1461901376"/>
+      </p:ext>
+    </p:extLst>
+  </p:cSld>
+  <p:clrMapOvr>
+    <a:masterClrMapping/>
+  </p:clrMapOvr>
+</p:sld>
+</file>
+
+<file path=ppt/slides/slide45.xml><?xml version="1.0" encoding="utf-8"?>
+<p:sld xmlns:a="http://schemas.openxmlformats.org/drawingml/2006/main" xmlns:r="http://schemas.openxmlformats.org/officeDocument/2006/relationships" xmlns:p="http://schemas.openxmlformats.org/presentationml/2006/main">
+  <p:cSld>
+    <p:spTree>
+      <p:nvGrpSpPr>
+        <p:cNvPr id="1" name=""/>
+        <p:cNvGrpSpPr/>
+        <p:nvPr/>
+      </p:nvGrpSpPr>
+      <p:grpSpPr>
+        <a:xfrm>
+          <a:off x="0" y="0"/>
+          <a:ext cx="0" cy="0"/>
+          <a:chOff x="0" y="0"/>
+          <a:chExt cx="0" cy="0"/>
+        </a:xfrm>
+      </p:grpSpPr>
+      <p:sp>
+        <p:nvSpPr>
+          <p:cNvPr id="2" name="Title 1">
+            <a:extLst>
+              <a:ext uri="{FF2B5EF4-FFF2-40B4-BE49-F238E27FC236}">
+                <a16:creationId xmlns:a16="http://schemas.microsoft.com/office/drawing/2014/main" id="{FB1D440F-C212-7D1D-FD3E-579D372C5806}"/>
+              </a:ext>
+            </a:extLst>
+          </p:cNvPr>
+          <p:cNvSpPr>
+            <a:spLocks noGrp="1"/>
+          </p:cNvSpPr>
+          <p:nvPr>
+            <p:ph type="title"/>
+          </p:nvPr>
+        </p:nvSpPr>
+        <p:spPr/>
+        <p:txBody>
+          <a:bodyPr/>
+          <a:lstStyle/>
+          <a:p>
+            <a:r>
+              <a:rPr lang="en-US" dirty="0"/>
+              <a:t>The </a:t>
+            </a:r>
+            <a:r>
+              <a:rPr lang="en-US" dirty="0" err="1"/>
+              <a:t>PyMC</a:t>
+            </a:r>
+            <a:r>
+              <a:rPr lang="en-US" dirty="0"/>
+              <a:t> graphical visualizer</a:t>
+            </a:r>
+            <a:endParaRPr lang="en-IL" dirty="0"/>
+          </a:p>
+        </p:txBody>
+      </p:sp>
+      <p:sp>
+        <p:nvSpPr>
+          <p:cNvPr id="3" name="Content Placeholder 2">
+            <a:extLst>
+              <a:ext uri="{FF2B5EF4-FFF2-40B4-BE49-F238E27FC236}">
+                <a16:creationId xmlns:a16="http://schemas.microsoft.com/office/drawing/2014/main" id="{7133A4D9-45D5-E442-1893-CF961DC51D3A}"/>
+              </a:ext>
+            </a:extLst>
+          </p:cNvPr>
+          <p:cNvSpPr>
+            <a:spLocks noGrp="1"/>
+          </p:cNvSpPr>
+          <p:nvPr>
+            <p:ph idx="1"/>
+          </p:nvPr>
+        </p:nvSpPr>
+        <p:spPr>
+          <a:xfrm>
+            <a:off x="838200" y="1825625"/>
+            <a:ext cx="10515600" cy="899287"/>
+          </a:xfrm>
+        </p:spPr>
+        <p:txBody>
+          <a:bodyPr>
+            <a:normAutofit/>
+          </a:bodyPr>
+          <a:lstStyle/>
+          <a:p>
+            <a:r>
+              <a:rPr lang="en-US" dirty="0"/>
+              <a:t>Visualize any </a:t>
+            </a:r>
+            <a:r>
+              <a:rPr lang="en-US" dirty="0" err="1"/>
+              <a:t>PyMC</a:t>
+            </a:r>
+            <a:r>
+              <a:rPr lang="en-US" dirty="0"/>
+              <a:t> model</a:t>
+            </a:r>
+          </a:p>
+          <a:p>
+            <a:pPr lvl="1"/>
+            <a:r>
+              <a:rPr lang="en-US" dirty="0"/>
+              <a:t>Shows: dimensionality, distributions, and dependencies</a:t>
+            </a:r>
+            <a:endParaRPr lang="en-IL" dirty="0"/>
+          </a:p>
+        </p:txBody>
+      </p:sp>
+      <p:pic>
+        <p:nvPicPr>
+          <p:cNvPr id="4" name="Picture 3">
+            <a:extLst>
+              <a:ext uri="{FF2B5EF4-FFF2-40B4-BE49-F238E27FC236}">
+                <a16:creationId xmlns:a16="http://schemas.microsoft.com/office/drawing/2014/main" id="{558981CE-ECB0-ACC7-CCD3-A53967A3A26F}"/>
+              </a:ext>
+            </a:extLst>
+          </p:cNvPr>
+          <p:cNvPicPr>
+            <a:picLocks noChangeAspect="1"/>
+          </p:cNvPicPr>
+          <p:nvPr/>
+        </p:nvPicPr>
+        <p:blipFill>
+          <a:blip r:embed="rId2"/>
+          <a:stretch>
+            <a:fillRect/>
+          </a:stretch>
+        </p:blipFill>
+        <p:spPr>
+          <a:xfrm>
+            <a:off x="8388789" y="2919796"/>
+            <a:ext cx="2081091" cy="3287520"/>
+          </a:xfrm>
+          <a:prstGeom prst="rect">
+            <a:avLst/>
+          </a:prstGeom>
+        </p:spPr>
+      </p:pic>
+      <p:sp>
+        <p:nvSpPr>
+          <p:cNvPr id="6" name="TextBox 5">
+            <a:extLst>
+              <a:ext uri="{FF2B5EF4-FFF2-40B4-BE49-F238E27FC236}">
+                <a16:creationId xmlns:a16="http://schemas.microsoft.com/office/drawing/2014/main" id="{82DE16DC-376A-A311-9B6B-5F5A0A5D3D97}"/>
+              </a:ext>
+            </a:extLst>
+          </p:cNvPr>
+          <p:cNvSpPr txBox="1"/>
+          <p:nvPr/>
+        </p:nvSpPr>
+        <p:spPr>
+          <a:xfrm>
+            <a:off x="1053846" y="3429000"/>
+            <a:ext cx="6094476" cy="286360"/>
+          </a:xfrm>
+          <a:prstGeom prst="rect">
+            <a:avLst/>
+          </a:prstGeom>
+          <a:noFill/>
+        </p:spPr>
+        <p:txBody>
+          <a:bodyPr wrap="square">
+            <a:spAutoFit/>
+          </a:bodyPr>
+          <a:lstStyle/>
+          <a:p>
+            <a:pPr>
+              <a:lnSpc>
+                <a:spcPts val="1425"/>
+              </a:lnSpc>
+            </a:pPr>
+            <a:r>
+              <a:rPr lang="en-US" b="0" dirty="0" err="1">
+                <a:solidFill>
+                  <a:srgbClr val="267F99"/>
+                </a:solidFill>
+                <a:effectLst/>
+                <a:latin typeface="Consolas" panose="020B0609020204030204" pitchFamily="49" charset="0"/>
+              </a:rPr>
+              <a:t>pm</a:t>
+            </a:r>
+            <a:r>
+              <a:rPr lang="en-US" b="0" dirty="0" err="1">
+                <a:solidFill>
+                  <a:srgbClr val="3B3B3B"/>
+                </a:solidFill>
+                <a:effectLst/>
+                <a:latin typeface="Consolas" panose="020B0609020204030204" pitchFamily="49" charset="0"/>
+              </a:rPr>
+              <a:t>.</a:t>
+            </a:r>
+            <a:r>
+              <a:rPr lang="en-US" b="0" dirty="0" err="1">
+                <a:solidFill>
+                  <a:srgbClr val="795E26"/>
+                </a:solidFill>
+                <a:effectLst/>
+                <a:latin typeface="Consolas" panose="020B0609020204030204" pitchFamily="49" charset="0"/>
+              </a:rPr>
+              <a:t>model_to_graphviz</a:t>
+            </a:r>
+            <a:r>
+              <a:rPr lang="en-US" b="0" dirty="0">
+                <a:solidFill>
+                  <a:srgbClr val="3B3B3B"/>
+                </a:solidFill>
+                <a:effectLst/>
+                <a:latin typeface="Consolas" panose="020B0609020204030204" pitchFamily="49" charset="0"/>
+              </a:rPr>
+              <a:t>(</a:t>
+            </a:r>
+            <a:r>
+              <a:rPr lang="en-US" b="0" dirty="0" err="1">
+                <a:solidFill>
+                  <a:srgbClr val="001080"/>
+                </a:solidFill>
+                <a:effectLst/>
+                <a:latin typeface="Consolas" panose="020B0609020204030204" pitchFamily="49" charset="0"/>
+              </a:rPr>
+              <a:t>our_first_model</a:t>
+            </a:r>
+            <a:r>
+              <a:rPr lang="en-US" b="0" dirty="0">
+                <a:solidFill>
+                  <a:srgbClr val="3B3B3B"/>
+                </a:solidFill>
+                <a:effectLst/>
+                <a:latin typeface="Consolas" panose="020B0609020204030204" pitchFamily="49" charset="0"/>
+              </a:rPr>
+              <a:t>)</a:t>
+            </a:r>
+          </a:p>
+        </p:txBody>
+      </p:sp>
+    </p:spTree>
+    <p:extLst>
+      <p:ext uri="{BB962C8B-B14F-4D97-AF65-F5344CB8AC3E}">
+        <p14:creationId xmlns:p14="http://schemas.microsoft.com/office/powerpoint/2010/main" val="363638187"/>
+      </p:ext>
+    </p:extLst>
+  </p:cSld>
+  <p:clrMapOvr>
+    <a:masterClrMapping/>
+  </p:clrMapOvr>
+</p:sld>
+</file>
+
+<file path=ppt/slides/slide46.xml><?xml version="1.0" encoding="utf-8"?>
+<p:sld xmlns:a="http://schemas.openxmlformats.org/drawingml/2006/main" xmlns:r="http://schemas.openxmlformats.org/officeDocument/2006/relationships" xmlns:p="http://schemas.openxmlformats.org/presentationml/2006/main">
+  <p:cSld>
+    <p:spTree>
+      <p:nvGrpSpPr>
+        <p:cNvPr id="1" name=""/>
+        <p:cNvGrpSpPr/>
+        <p:nvPr/>
+      </p:nvGrpSpPr>
+      <p:grpSpPr>
+        <a:xfrm>
+          <a:off x="0" y="0"/>
+          <a:ext cx="0" cy="0"/>
+          <a:chOff x="0" y="0"/>
+          <a:chExt cx="0" cy="0"/>
+        </a:xfrm>
+      </p:grpSpPr>
+      <p:sp>
+        <p:nvSpPr>
+          <p:cNvPr id="2" name="Title 1">
+            <a:extLst>
+              <a:ext uri="{FF2B5EF4-FFF2-40B4-BE49-F238E27FC236}">
+                <a16:creationId xmlns:a16="http://schemas.microsoft.com/office/drawing/2014/main" id="{47FD9B1C-10D3-6230-56CE-4A7718C5CBCC}"/>
+              </a:ext>
+            </a:extLst>
+          </p:cNvPr>
+          <p:cNvSpPr>
+            <a:spLocks noGrp="1"/>
+          </p:cNvSpPr>
+          <p:nvPr>
+            <p:ph type="title"/>
+          </p:nvPr>
+        </p:nvSpPr>
+        <p:spPr/>
+        <p:txBody>
+          <a:bodyPr/>
+          <a:lstStyle/>
+          <a:p>
+            <a:r>
+              <a:rPr lang="en-US" dirty="0"/>
+              <a:t>Each </a:t>
+            </a:r>
+            <a:r>
+              <a:rPr lang="en-US" dirty="0" err="1"/>
+              <a:t>PyMC</a:t>
+            </a:r>
+            <a:r>
+              <a:rPr lang="en-US" dirty="0"/>
+              <a:t> object is a </a:t>
+            </a:r>
+            <a:r>
+              <a:rPr lang="en-US" dirty="0" err="1"/>
+              <a:t>PyTensor</a:t>
+            </a:r>
+            <a:r>
+              <a:rPr lang="en-US" dirty="0"/>
+              <a:t> object</a:t>
+            </a:r>
+            <a:endParaRPr lang="en-IL" dirty="0"/>
+          </a:p>
+        </p:txBody>
+      </p:sp>
+      <p:sp>
+        <p:nvSpPr>
+          <p:cNvPr id="3" name="Content Placeholder 2">
+            <a:extLst>
+              <a:ext uri="{FF2B5EF4-FFF2-40B4-BE49-F238E27FC236}">
+                <a16:creationId xmlns:a16="http://schemas.microsoft.com/office/drawing/2014/main" id="{E0D40D6A-A4C2-54B8-70DD-940A1FF12B35}"/>
+              </a:ext>
+            </a:extLst>
+          </p:cNvPr>
+          <p:cNvSpPr>
+            <a:spLocks noGrp="1"/>
+          </p:cNvSpPr>
+          <p:nvPr>
+            <p:ph idx="1"/>
+          </p:nvPr>
+        </p:nvSpPr>
+        <p:spPr>
+          <a:xfrm>
+            <a:off x="838200" y="1825625"/>
+            <a:ext cx="10515600" cy="1054735"/>
+          </a:xfrm>
+        </p:spPr>
+        <p:txBody>
+          <a:bodyPr/>
+          <a:lstStyle/>
+          <a:p>
+            <a:r>
+              <a:rPr lang="en-US" sz="2400" dirty="0" err="1">
+                <a:latin typeface="Courier New" panose="02070309020205020404" pitchFamily="49" charset="0"/>
+                <a:cs typeface="Courier New" panose="02070309020205020404" pitchFamily="49" charset="0"/>
+              </a:rPr>
+              <a:t>basic_RVs</a:t>
+            </a:r>
+            <a:r>
+              <a:rPr lang="en-US" sz="2400" dirty="0">
+                <a:latin typeface="Courier New" panose="02070309020205020404" pitchFamily="49" charset="0"/>
+                <a:cs typeface="Courier New" panose="02070309020205020404" pitchFamily="49" charset="0"/>
+              </a:rPr>
+              <a:t> </a:t>
+            </a:r>
+            <a:r>
+              <a:rPr lang="en-US" dirty="0"/>
+              <a:t>shows the random variables in our model</a:t>
+            </a:r>
+            <a:endParaRPr lang="en-IL" dirty="0"/>
+          </a:p>
+        </p:txBody>
+      </p:sp>
+      <p:pic>
+        <p:nvPicPr>
+          <p:cNvPr id="4" name="Picture 3">
+            <a:extLst>
+              <a:ext uri="{FF2B5EF4-FFF2-40B4-BE49-F238E27FC236}">
+                <a16:creationId xmlns:a16="http://schemas.microsoft.com/office/drawing/2014/main" id="{FEB2D5B6-F152-FD6B-1599-943F472BB315}"/>
+              </a:ext>
+            </a:extLst>
+          </p:cNvPr>
+          <p:cNvPicPr>
+            <a:picLocks noChangeAspect="1"/>
+          </p:cNvPicPr>
+          <p:nvPr/>
+        </p:nvPicPr>
+        <p:blipFill>
+          <a:blip r:embed="rId2"/>
+          <a:stretch>
+            <a:fillRect/>
+          </a:stretch>
+        </p:blipFill>
+        <p:spPr>
+          <a:xfrm>
+            <a:off x="5820793" y="3120351"/>
+            <a:ext cx="5090033" cy="1579665"/>
+          </a:xfrm>
+          <a:prstGeom prst="rect">
+            <a:avLst/>
+          </a:prstGeom>
+        </p:spPr>
+      </p:pic>
+    </p:spTree>
+    <p:extLst>
+      <p:ext uri="{BB962C8B-B14F-4D97-AF65-F5344CB8AC3E}">
+        <p14:creationId xmlns:p14="http://schemas.microsoft.com/office/powerpoint/2010/main" val="636229580"/>
+      </p:ext>
+    </p:extLst>
+  </p:cSld>
+  <p:clrMapOvr>
+    <a:masterClrMapping/>
+  </p:clrMapOvr>
+</p:sld>
+</file>
+
+<file path=ppt/slides/slide47.xml><?xml version="1.0" encoding="utf-8"?>
+<p:sld xmlns:a="http://schemas.openxmlformats.org/drawingml/2006/main" xmlns:r="http://schemas.openxmlformats.org/officeDocument/2006/relationships" xmlns:p="http://schemas.openxmlformats.org/presentationml/2006/main">
+  <p:cSld>
+    <p:spTree>
+      <p:nvGrpSpPr>
+        <p:cNvPr id="1" name="">
+          <a:extLst>
+            <a:ext uri="{FF2B5EF4-FFF2-40B4-BE49-F238E27FC236}">
+              <a16:creationId xmlns:a16="http://schemas.microsoft.com/office/drawing/2014/main" id="{919AA02B-8216-10ED-7BAE-28EA2DD9453D}"/>
+            </a:ext>
+          </a:extLst>
+        </p:cNvPr>
+        <p:cNvGrpSpPr/>
+        <p:nvPr/>
+      </p:nvGrpSpPr>
+      <p:grpSpPr>
+        <a:xfrm>
+          <a:off x="0" y="0"/>
+          <a:ext cx="0" cy="0"/>
+          <a:chOff x="0" y="0"/>
+          <a:chExt cx="0" cy="0"/>
+        </a:xfrm>
+      </p:grpSpPr>
+      <p:sp>
+        <p:nvSpPr>
+          <p:cNvPr id="2" name="Title 1">
+            <a:extLst>
+              <a:ext uri="{FF2B5EF4-FFF2-40B4-BE49-F238E27FC236}">
+                <a16:creationId xmlns:a16="http://schemas.microsoft.com/office/drawing/2014/main" id="{00B77CCF-FABD-1E05-0E8F-BD689B5215D9}"/>
+              </a:ext>
+            </a:extLst>
+          </p:cNvPr>
+          <p:cNvSpPr>
+            <a:spLocks noGrp="1"/>
+          </p:cNvSpPr>
+          <p:nvPr>
+            <p:ph type="title"/>
+          </p:nvPr>
+        </p:nvSpPr>
+        <p:spPr/>
+        <p:txBody>
+          <a:bodyPr/>
+          <a:lstStyle/>
+          <a:p>
+            <a:r>
+              <a:rPr lang="en-US" dirty="0"/>
+              <a:t>Each </a:t>
+            </a:r>
+            <a:r>
+              <a:rPr lang="en-US" dirty="0" err="1"/>
+              <a:t>PyMC</a:t>
+            </a:r>
+            <a:r>
+              <a:rPr lang="en-US" dirty="0"/>
+              <a:t> object is a </a:t>
+            </a:r>
+            <a:r>
+              <a:rPr lang="en-US" dirty="0" err="1"/>
+              <a:t>PyTensor</a:t>
+            </a:r>
+            <a:r>
+              <a:rPr lang="en-US" dirty="0"/>
+              <a:t> object</a:t>
+            </a:r>
+            <a:endParaRPr lang="en-IL" dirty="0"/>
+          </a:p>
+        </p:txBody>
+      </p:sp>
+      <p:sp>
+        <p:nvSpPr>
+          <p:cNvPr id="3" name="Content Placeholder 2">
+            <a:extLst>
+              <a:ext uri="{FF2B5EF4-FFF2-40B4-BE49-F238E27FC236}">
+                <a16:creationId xmlns:a16="http://schemas.microsoft.com/office/drawing/2014/main" id="{A299205C-DF29-E26B-CD5E-66928CA1A893}"/>
+              </a:ext>
+            </a:extLst>
+          </p:cNvPr>
+          <p:cNvSpPr>
+            <a:spLocks noGrp="1"/>
+          </p:cNvSpPr>
+          <p:nvPr>
+            <p:ph idx="1"/>
+          </p:nvPr>
+        </p:nvSpPr>
+        <p:spPr>
+          <a:xfrm>
+            <a:off x="838200" y="1825625"/>
+            <a:ext cx="10515600" cy="1054735"/>
+          </a:xfrm>
+        </p:spPr>
+        <p:txBody>
+          <a:bodyPr/>
+          <a:lstStyle/>
+          <a:p>
+            <a:r>
+              <a:rPr lang="en-US" sz="2400" dirty="0" err="1">
+                <a:latin typeface="Courier New" panose="02070309020205020404" pitchFamily="49" charset="0"/>
+                <a:cs typeface="Courier New" panose="02070309020205020404" pitchFamily="49" charset="0"/>
+              </a:rPr>
+              <a:t>basic_RVs</a:t>
+            </a:r>
+            <a:r>
+              <a:rPr lang="en-US" sz="2400" dirty="0">
+                <a:latin typeface="Courier New" panose="02070309020205020404" pitchFamily="49" charset="0"/>
+                <a:cs typeface="Courier New" panose="02070309020205020404" pitchFamily="49" charset="0"/>
+              </a:rPr>
+              <a:t> </a:t>
+            </a:r>
+            <a:r>
+              <a:rPr lang="en-US" dirty="0"/>
+              <a:t>shows the random variables in our model</a:t>
+            </a:r>
+          </a:p>
+          <a:p>
+            <a:r>
+              <a:rPr lang="en-US" sz="2400" dirty="0" err="1">
+                <a:latin typeface="Courier New" panose="02070309020205020404" pitchFamily="49" charset="0"/>
+                <a:cs typeface="Courier New" panose="02070309020205020404" pitchFamily="49" charset="0"/>
+              </a:rPr>
+              <a:t>dprint</a:t>
+            </a:r>
+            <a:r>
+              <a:rPr lang="en-US" dirty="0"/>
+              <a:t> show the graph of relationships</a:t>
+            </a:r>
+          </a:p>
+          <a:p>
+            <a:endParaRPr lang="en-IL" dirty="0"/>
+          </a:p>
+        </p:txBody>
+      </p:sp>
+      <p:pic>
+        <p:nvPicPr>
+          <p:cNvPr id="4" name="Picture 3">
+            <a:extLst>
+              <a:ext uri="{FF2B5EF4-FFF2-40B4-BE49-F238E27FC236}">
+                <a16:creationId xmlns:a16="http://schemas.microsoft.com/office/drawing/2014/main" id="{AA20D924-66D3-B343-A248-0B73CC44DBF0}"/>
+              </a:ext>
+            </a:extLst>
+          </p:cNvPr>
+          <p:cNvPicPr>
+            <a:picLocks noChangeAspect="1"/>
+          </p:cNvPicPr>
+          <p:nvPr/>
+        </p:nvPicPr>
+        <p:blipFill>
+          <a:blip r:embed="rId2"/>
+          <a:stretch>
+            <a:fillRect/>
+          </a:stretch>
+        </p:blipFill>
+        <p:spPr>
+          <a:xfrm>
+            <a:off x="471553" y="2908106"/>
+            <a:ext cx="4191887" cy="1300930"/>
+          </a:xfrm>
+          <a:prstGeom prst="rect">
+            <a:avLst/>
+          </a:prstGeom>
+        </p:spPr>
+      </p:pic>
+      <p:pic>
+        <p:nvPicPr>
+          <p:cNvPr id="5" name="Picture 4">
+            <a:extLst>
+              <a:ext uri="{FF2B5EF4-FFF2-40B4-BE49-F238E27FC236}">
+                <a16:creationId xmlns:a16="http://schemas.microsoft.com/office/drawing/2014/main" id="{A5AB66A9-6712-AFFE-7B18-CBDD839FEF45}"/>
+              </a:ext>
+            </a:extLst>
+          </p:cNvPr>
+          <p:cNvPicPr>
+            <a:picLocks noChangeAspect="1"/>
+          </p:cNvPicPr>
+          <p:nvPr/>
+        </p:nvPicPr>
+        <p:blipFill>
+          <a:blip r:embed="rId3"/>
+          <a:stretch>
+            <a:fillRect/>
+          </a:stretch>
+        </p:blipFill>
+        <p:spPr>
+          <a:xfrm>
+            <a:off x="4902755" y="3015297"/>
+            <a:ext cx="7289245" cy="2827137"/>
+          </a:xfrm>
+          <a:prstGeom prst="rect">
+            <a:avLst/>
+          </a:prstGeom>
+        </p:spPr>
+      </p:pic>
+    </p:spTree>
+    <p:extLst>
+      <p:ext uri="{BB962C8B-B14F-4D97-AF65-F5344CB8AC3E}">
+        <p14:creationId xmlns:p14="http://schemas.microsoft.com/office/powerpoint/2010/main" val="1683935356"/>
+      </p:ext>
+    </p:extLst>
+  </p:cSld>
+  <p:clrMapOvr>
+    <a:masterClrMapping/>
+  </p:clrMapOvr>
+  <p:timing>
+    <p:tnLst>
+      <p:par>
+        <p:cTn id="1" dur="indefinite" restart="never" nodeType="tmRoot">
+          <p:childTnLst>
+            <p:seq concurrent="1" nextAc="seek">
+              <p:cTn id="2" dur="indefinite" nodeType="mainSeq">
+                <p:childTnLst>
+                  <p:par>
+                    <p:cTn id="3" fill="hold">
+                      <p:stCondLst>
+                        <p:cond delay="indefinite"/>
+                      </p:stCondLst>
+                      <p:childTnLst>
+                        <p:par>
+                          <p:cTn id="4" fill="hold">
+                            <p:stCondLst>
+                              <p:cond delay="0"/>
+                            </p:stCondLst>
+                            <p:childTnLst>
+                              <p:par>
+                                <p:cTn id="5" presetID="1" presetClass="entr" presetSubtype="0" fill="hold" nodeType="clickEffect">
+                                  <p:stCondLst>
+                                    <p:cond delay="0"/>
+                                  </p:stCondLst>
+                                  <p:childTnLst>
+                                    <p:set>
+                                      <p:cBhvr>
+                                        <p:cTn id="6" dur="1" fill="hold">
+                                          <p:stCondLst>
+                                            <p:cond delay="0"/>
+                                          </p:stCondLst>
+                                        </p:cTn>
+                                        <p:tgtEl>
+                                          <p:spTgt spid="3">
+                                            <p:txEl>
+                                              <p:pRg st="1" end="1"/>
+                                            </p:txEl>
+                                          </p:spTgt>
+                                        </p:tgtEl>
+                                        <p:attrNameLst>
+                                          <p:attrName>style.visibility</p:attrName>
+                                        </p:attrNameLst>
+                                      </p:cBhvr>
+                                      <p:to>
+                                        <p:strVal val="visible"/>
+                                      </p:to>
+                                    </p:set>
+                                  </p:childTnLst>
+                                </p:cTn>
+                              </p:par>
+                              <p:par>
+                                <p:cTn id="7" presetID="1" presetClass="entr" presetSubtype="0" fill="hold" nodeType="withEffect">
+                                  <p:stCondLst>
+                                    <p:cond delay="0"/>
+                                  </p:stCondLst>
+                                  <p:childTnLst>
+                                    <p:set>
+                                      <p:cBhvr>
+                                        <p:cTn id="8" dur="1" fill="hold">
+                                          <p:stCondLst>
+                                            <p:cond delay="0"/>
+                                          </p:stCondLst>
+                                        </p:cTn>
+                                        <p:tgtEl>
+                                          <p:spTgt spid="5"/>
+                                        </p:tgtEl>
+                                        <p:attrNameLst>
+                                          <p:attrName>style.visibility</p:attrName>
+                                        </p:attrNameLst>
+                                      </p:cBhvr>
+                                      <p:to>
+                                        <p:strVal val="visible"/>
+                                      </p:to>
+                                    </p:set>
+                                  </p:childTnLst>
+                                </p:cTn>
+                              </p:par>
+                            </p:childTnLst>
+                          </p:cTn>
+                        </p:par>
+                      </p:childTnLst>
+                    </p:cTn>
+                  </p:par>
+                </p:childTnLst>
+              </p:cTn>
+              <p:prevCondLst>
+                <p:cond evt="onPrev" delay="0">
+                  <p:tgtEl>
+                    <p:sldTgt/>
+                  </p:tgtEl>
+                </p:cond>
+              </p:prevCondLst>
+              <p:nextCondLst>
+                <p:cond evt="onNext" delay="0">
+                  <p:tgtEl>
+                    <p:sldTgt/>
+                  </p:tgtEl>
+                </p:cond>
+              </p:nextCondLst>
+            </p:seq>
+          </p:childTnLst>
+        </p:cTn>
+      </p:par>
+    </p:tnLst>
+  </p:timing>
+</p:sld>
+</file>
+
+<file path=ppt/slides/slide48.xml><?xml version="1.0" encoding="utf-8"?>
+<p:sld xmlns:a="http://schemas.openxmlformats.org/drawingml/2006/main" xmlns:r="http://schemas.openxmlformats.org/officeDocument/2006/relationships" xmlns:p="http://schemas.openxmlformats.org/presentationml/2006/main">
+  <p:cSld>
+    <p:spTree>
+      <p:nvGrpSpPr>
+        <p:cNvPr id="1" name=""/>
+        <p:cNvGrpSpPr/>
+        <p:nvPr/>
+      </p:nvGrpSpPr>
+      <p:grpSpPr>
+        <a:xfrm>
+          <a:off x="0" y="0"/>
+          <a:ext cx="0" cy="0"/>
+          <a:chOff x="0" y="0"/>
+          <a:chExt cx="0" cy="0"/>
+        </a:xfrm>
+      </p:grpSpPr>
+      <p:sp>
+        <p:nvSpPr>
+          <p:cNvPr id="2" name="Title 1">
+            <a:extLst>
+              <a:ext uri="{FF2B5EF4-FFF2-40B4-BE49-F238E27FC236}">
+                <a16:creationId xmlns:a16="http://schemas.microsoft.com/office/drawing/2014/main" id="{0BCA2CD2-7671-5FAC-E475-6074266365DE}"/>
+              </a:ext>
+            </a:extLst>
+          </p:cNvPr>
+          <p:cNvSpPr>
+            <a:spLocks noGrp="1"/>
+          </p:cNvSpPr>
+          <p:nvPr>
+            <p:ph type="title"/>
+          </p:nvPr>
+        </p:nvSpPr>
+        <p:spPr/>
+        <p:txBody>
+          <a:bodyPr/>
+          <a:lstStyle/>
+          <a:p>
+            <a:r>
+              <a:rPr lang="en-US" dirty="0"/>
+              <a:t>The </a:t>
+            </a:r>
+            <a:r>
+              <a:rPr lang="en-US" dirty="0" err="1"/>
+              <a:t>PyTensor</a:t>
+            </a:r>
+            <a:r>
+              <a:rPr lang="en-US" dirty="0"/>
+              <a:t> graphical visualization</a:t>
+            </a:r>
+            <a:endParaRPr lang="en-IL" dirty="0"/>
+          </a:p>
+        </p:txBody>
+      </p:sp>
+      <p:sp>
+        <p:nvSpPr>
+          <p:cNvPr id="3" name="Content Placeholder 2">
+            <a:extLst>
+              <a:ext uri="{FF2B5EF4-FFF2-40B4-BE49-F238E27FC236}">
+                <a16:creationId xmlns:a16="http://schemas.microsoft.com/office/drawing/2014/main" id="{D906BA4E-7156-BE20-B2A7-4006AEDC0385}"/>
+              </a:ext>
+            </a:extLst>
+          </p:cNvPr>
+          <p:cNvSpPr>
+            <a:spLocks noGrp="1"/>
+          </p:cNvSpPr>
+          <p:nvPr>
+            <p:ph idx="1"/>
+          </p:nvPr>
+        </p:nvSpPr>
+        <p:spPr/>
+        <p:txBody>
+          <a:bodyPr/>
+          <a:lstStyle/>
+          <a:p>
+            <a:endParaRPr lang="en-IL"/>
+          </a:p>
+        </p:txBody>
+      </p:sp>
+      <p:pic>
+        <p:nvPicPr>
+          <p:cNvPr id="4" name="Picture 3">
+            <a:extLst>
+              <a:ext uri="{FF2B5EF4-FFF2-40B4-BE49-F238E27FC236}">
+                <a16:creationId xmlns:a16="http://schemas.microsoft.com/office/drawing/2014/main" id="{B5F13272-F280-1BDE-B13A-44D8CD0FFA8A}"/>
+              </a:ext>
+            </a:extLst>
+          </p:cNvPr>
+          <p:cNvPicPr>
+            <a:picLocks noChangeAspect="1"/>
+          </p:cNvPicPr>
+          <p:nvPr/>
+        </p:nvPicPr>
+        <p:blipFill>
+          <a:blip r:embed="rId2"/>
+          <a:stretch>
+            <a:fillRect/>
+          </a:stretch>
+        </p:blipFill>
+        <p:spPr>
+          <a:xfrm>
+            <a:off x="380999" y="1751568"/>
+            <a:ext cx="11549133" cy="3861832"/>
+          </a:xfrm>
+          <a:prstGeom prst="rect">
+            <a:avLst/>
+          </a:prstGeom>
+        </p:spPr>
+      </p:pic>
+    </p:spTree>
+    <p:extLst>
+      <p:ext uri="{BB962C8B-B14F-4D97-AF65-F5344CB8AC3E}">
+        <p14:creationId xmlns:p14="http://schemas.microsoft.com/office/powerpoint/2010/main" val="3222122075"/>
+      </p:ext>
+    </p:extLst>
+  </p:cSld>
+  <p:clrMapOvr>
+    <a:masterClrMapping/>
+  </p:clrMapOvr>
+</p:sld>
+</file>
+
+<file path=ppt/slides/slide49.xml><?xml version="1.0" encoding="utf-8"?>
+<p:sld xmlns:a="http://schemas.openxmlformats.org/drawingml/2006/main" xmlns:r="http://schemas.openxmlformats.org/officeDocument/2006/relationships" xmlns:p="http://schemas.openxmlformats.org/presentationml/2006/main">
+  <p:cSld>
+    <p:spTree>
+      <p:nvGrpSpPr>
+        <p:cNvPr id="1" name=""/>
+        <p:cNvGrpSpPr/>
+        <p:nvPr/>
+      </p:nvGrpSpPr>
+      <p:grpSpPr>
+        <a:xfrm>
+          <a:off x="0" y="0"/>
+          <a:ext cx="0" cy="0"/>
+          <a:chOff x="0" y="0"/>
+          <a:chExt cx="0" cy="0"/>
+        </a:xfrm>
+      </p:grpSpPr>
+      <p:sp>
+        <p:nvSpPr>
+          <p:cNvPr id="2" name="Title 1">
+            <a:extLst>
+              <a:ext uri="{FF2B5EF4-FFF2-40B4-BE49-F238E27FC236}">
+                <a16:creationId xmlns:a16="http://schemas.microsoft.com/office/drawing/2014/main" id="{1DEA1B1A-3DBB-E992-5782-C0E49CCFF76A}"/>
+              </a:ext>
+            </a:extLst>
+          </p:cNvPr>
+          <p:cNvSpPr>
+            <a:spLocks noGrp="1"/>
+          </p:cNvSpPr>
+          <p:nvPr>
+            <p:ph type="title"/>
+          </p:nvPr>
+        </p:nvSpPr>
+        <p:spPr/>
+        <p:txBody>
+          <a:bodyPr>
+            <a:normAutofit/>
+          </a:bodyPr>
+          <a:lstStyle/>
+          <a:p>
+            <a:r>
+              <a:rPr lang="en-US" sz="3600" dirty="0" err="1"/>
+              <a:t>PyMC</a:t>
+            </a:r>
+            <a:r>
+              <a:rPr lang="en-US" sz="3600" dirty="0"/>
+              <a:t> nodes are (often) </a:t>
+            </a:r>
+            <a:r>
+              <a:rPr lang="en-US" sz="3600" dirty="0" err="1"/>
+              <a:t>PyTensor</a:t>
+            </a:r>
+            <a:r>
+              <a:rPr lang="en-US" sz="3600" dirty="0"/>
+              <a:t> random variables</a:t>
+            </a:r>
+            <a:endParaRPr lang="en-IL" sz="3600" dirty="0"/>
+          </a:p>
+        </p:txBody>
+      </p:sp>
+      <p:sp>
+        <p:nvSpPr>
+          <p:cNvPr id="3" name="Content Placeholder 2">
+            <a:extLst>
+              <a:ext uri="{FF2B5EF4-FFF2-40B4-BE49-F238E27FC236}">
+                <a16:creationId xmlns:a16="http://schemas.microsoft.com/office/drawing/2014/main" id="{257E7945-EB22-2B15-E09F-DCAC80092298}"/>
+              </a:ext>
+            </a:extLst>
+          </p:cNvPr>
+          <p:cNvSpPr>
+            <a:spLocks noGrp="1"/>
+          </p:cNvSpPr>
+          <p:nvPr>
+            <p:ph idx="1"/>
+          </p:nvPr>
+        </p:nvSpPr>
+        <p:spPr>
+          <a:xfrm>
+            <a:off x="838200" y="1419225"/>
+            <a:ext cx="10515600" cy="1010708"/>
+          </a:xfrm>
+        </p:spPr>
+        <p:txBody>
+          <a:bodyPr>
+            <a:normAutofit fontScale="92500" lnSpcReduction="20000"/>
+          </a:bodyPr>
+          <a:lstStyle/>
+          <a:p>
+            <a:r>
+              <a:rPr lang="en-US" dirty="0"/>
+              <a:t>We can generate random values</a:t>
+            </a:r>
+          </a:p>
+          <a:p>
+            <a:pPr lvl="1"/>
+            <a:r>
+              <a:rPr lang="en-US" dirty="0" err="1"/>
+              <a:t>PyTensor</a:t>
+            </a:r>
+            <a:r>
+              <a:rPr lang="en-US" dirty="0"/>
+              <a:t> generates the same one each call</a:t>
+            </a:r>
+          </a:p>
+          <a:p>
+            <a:pPr lvl="1"/>
+            <a:r>
+              <a:rPr lang="en-US" dirty="0" err="1"/>
+              <a:t>PyMC</a:t>
+            </a:r>
+            <a:r>
+              <a:rPr lang="en-US" dirty="0"/>
+              <a:t>  takes care of ‘reseeding’ the random number generator</a:t>
+            </a:r>
+            <a:endParaRPr lang="en-IL" dirty="0"/>
+          </a:p>
+        </p:txBody>
+      </p:sp>
+      <p:pic>
+        <p:nvPicPr>
+          <p:cNvPr id="4" name="Picture 3">
+            <a:extLst>
+              <a:ext uri="{FF2B5EF4-FFF2-40B4-BE49-F238E27FC236}">
+                <a16:creationId xmlns:a16="http://schemas.microsoft.com/office/drawing/2014/main" id="{B57311F9-04F6-10E9-1680-AAB21EBF47EC}"/>
+              </a:ext>
+            </a:extLst>
+          </p:cNvPr>
+          <p:cNvPicPr>
+            <a:picLocks noChangeAspect="1"/>
+          </p:cNvPicPr>
+          <p:nvPr/>
+        </p:nvPicPr>
+        <p:blipFill>
+          <a:blip r:embed="rId2"/>
+          <a:stretch>
+            <a:fillRect/>
+          </a:stretch>
+        </p:blipFill>
+        <p:spPr>
+          <a:xfrm>
+            <a:off x="5738099" y="2722689"/>
+            <a:ext cx="4896034" cy="3454474"/>
+          </a:xfrm>
+          <a:prstGeom prst="rect">
+            <a:avLst/>
+          </a:prstGeom>
+        </p:spPr>
+      </p:pic>
+      <p:pic>
+        <p:nvPicPr>
+          <p:cNvPr id="5" name="Picture 4">
+            <a:extLst>
+              <a:ext uri="{FF2B5EF4-FFF2-40B4-BE49-F238E27FC236}">
+                <a16:creationId xmlns:a16="http://schemas.microsoft.com/office/drawing/2014/main" id="{C58CF9ED-0381-F846-CDCD-7833375D0B6A}"/>
+              </a:ext>
+            </a:extLst>
+          </p:cNvPr>
+          <p:cNvPicPr>
+            <a:picLocks noChangeAspect="1"/>
+          </p:cNvPicPr>
+          <p:nvPr/>
+        </p:nvPicPr>
+        <p:blipFill>
+          <a:blip r:embed="rId3"/>
+          <a:stretch>
+            <a:fillRect/>
+          </a:stretch>
+        </p:blipFill>
+        <p:spPr>
+          <a:xfrm>
+            <a:off x="561152" y="2722689"/>
+            <a:ext cx="4896034" cy="3390892"/>
+          </a:xfrm>
+          <a:prstGeom prst="rect">
+            <a:avLst/>
+          </a:prstGeom>
+        </p:spPr>
+      </p:pic>
+    </p:spTree>
+    <p:extLst>
+      <p:ext uri="{BB962C8B-B14F-4D97-AF65-F5344CB8AC3E}">
+        <p14:creationId xmlns:p14="http://schemas.microsoft.com/office/powerpoint/2010/main" val="1435619957"/>
+      </p:ext>
+    </p:extLst>
+  </p:cSld>
+  <p:clrMapOvr>
+    <a:masterClrMapping/>
+  </p:clrMapOvr>
+</p:sld>
+</file>
+
+<file path=ppt/slides/slide5.xml><?xml version="1.0" encoding="utf-8"?>
+<p:sld xmlns:a="http://schemas.openxmlformats.org/drawingml/2006/main" xmlns:r="http://schemas.openxmlformats.org/officeDocument/2006/relationships" xmlns:p="http://schemas.openxmlformats.org/presentationml/2006/main">
+  <p:cSld>
+    <p:spTree>
+      <p:nvGrpSpPr>
+        <p:cNvPr id="1" name=""/>
+        <p:cNvGrpSpPr/>
+        <p:nvPr/>
+      </p:nvGrpSpPr>
+      <p:grpSpPr>
+        <a:xfrm>
+          <a:off x="0" y="0"/>
+          <a:ext cx="0" cy="0"/>
+          <a:chOff x="0" y="0"/>
+          <a:chExt cx="0" cy="0"/>
+        </a:xfrm>
+      </p:grpSpPr>
+      <p:sp>
+        <p:nvSpPr>
+          <p:cNvPr id="2" name="Title 1"/>
+          <p:cNvSpPr>
+            <a:spLocks noGrp="1"/>
+          </p:cNvSpPr>
+          <p:nvPr>
+            <p:ph type="title"/>
+          </p:nvPr>
+        </p:nvSpPr>
+        <p:spPr/>
+        <p:txBody>
+          <a:bodyPr>
+            <a:noAutofit/>
+          </a:bodyPr>
+          <a:lstStyle/>
+          <a:p>
+            <a:r>
+              <a:rPr lang="en-US"/>
+              <a:t>The beta prior for the binomial likelihood</a:t>
+            </a:r>
+            <a:endParaRPr lang="en-GB"/>
+          </a:p>
+        </p:txBody>
+      </p:sp>
+      <p:sp>
+        <p:nvSpPr>
+          <p:cNvPr id="5" name="Content Placeholder 4"/>
+          <p:cNvSpPr>
+            <a:spLocks noGrp="1"/>
+          </p:cNvSpPr>
+          <p:nvPr>
+            <p:ph idx="1"/>
+          </p:nvPr>
+        </p:nvSpPr>
+        <p:spPr>
+          <a:xfrm>
+            <a:off x="838200" y="1520295"/>
+            <a:ext cx="3946236" cy="4656667"/>
+          </a:xfrm>
+        </p:spPr>
+        <p:txBody>
+          <a:bodyPr/>
+          <a:lstStyle/>
+          <a:p>
+            <a:r>
+              <a:rPr lang="en-US"/>
+              <a:t>Flexible</a:t>
+            </a:r>
+          </a:p>
+          <a:p>
+            <a:r>
+              <a:rPr lang="en-US"/>
+              <a:t>Conjugate</a:t>
+            </a:r>
+          </a:p>
+          <a:p>
+            <a:r>
+              <a:rPr lang="en-US"/>
+              <a:t>Interpretable</a:t>
+            </a:r>
+          </a:p>
+        </p:txBody>
+      </p:sp>
+      <p:pic>
+        <p:nvPicPr>
+          <p:cNvPr id="4" name="Picture 3">
+            <a:extLst>
+              <a:ext uri="{FF2B5EF4-FFF2-40B4-BE49-F238E27FC236}">
+                <a16:creationId xmlns:a16="http://schemas.microsoft.com/office/drawing/2014/main" id="{F96D15D1-FD08-888B-BC83-FFA08F44063A}"/>
+              </a:ext>
+            </a:extLst>
+          </p:cNvPr>
+          <p:cNvPicPr>
+            <a:picLocks noChangeAspect="1"/>
+          </p:cNvPicPr>
+          <p:nvPr/>
+        </p:nvPicPr>
+        <p:blipFill>
+          <a:blip r:embed="rId2"/>
+          <a:stretch>
+            <a:fillRect/>
+          </a:stretch>
+        </p:blipFill>
+        <p:spPr>
+          <a:xfrm>
+            <a:off x="4811004" y="1427479"/>
+            <a:ext cx="6620585" cy="4656667"/>
+          </a:xfrm>
+          <a:prstGeom prst="rect">
+            <a:avLst/>
+          </a:prstGeom>
+        </p:spPr>
+      </p:pic>
+      <p:graphicFrame>
+        <p:nvGraphicFramePr>
+          <p:cNvPr id="3" name="Object 2">
+            <a:extLst>
+              <a:ext uri="{FF2B5EF4-FFF2-40B4-BE49-F238E27FC236}">
+                <a16:creationId xmlns:a16="http://schemas.microsoft.com/office/drawing/2014/main" id="{37E7551A-4720-142B-AC6B-E84488F46D52}"/>
+              </a:ext>
+            </a:extLst>
+          </p:cNvPr>
+          <p:cNvGraphicFramePr>
+            <a:graphicFrameLocks noChangeAspect="1"/>
+          </p:cNvGraphicFramePr>
+          <p:nvPr/>
+        </p:nvGraphicFramePr>
+        <p:xfrm>
+          <a:off x="677863" y="4700588"/>
+          <a:ext cx="3408362" cy="1116012"/>
+        </p:xfrm>
+        <a:graphic>
+          <a:graphicData uri="http://schemas.openxmlformats.org/presentationml/2006/ole">
+            <mc:AlternateContent xmlns:mc="http://schemas.openxmlformats.org/markup-compatibility/2006">
+              <mc:Choice xmlns:v="urn:schemas-microsoft-com:vml" Requires="v">
+                <p:oleObj name="Equation" r:id="rId3" imgW="1549080" imgH="507960" progId="Equation.DSMT4">
+                  <p:embed/>
+                </p:oleObj>
+              </mc:Choice>
+              <mc:Fallback>
+                <p:oleObj name="Equation" r:id="rId3" imgW="1549080" imgH="507960" progId="Equation.DSMT4">
+                  <p:embed/>
+                  <p:pic>
+                    <p:nvPicPr>
+                      <p:cNvPr id="3" name="Object 2">
+                        <a:extLst>
+                          <a:ext uri="{FF2B5EF4-FFF2-40B4-BE49-F238E27FC236}">
+                            <a16:creationId xmlns:a16="http://schemas.microsoft.com/office/drawing/2014/main" id="{37E7551A-4720-142B-AC6B-E84488F46D52}"/>
+                          </a:ext>
+                        </a:extLst>
+                      </p:cNvPr>
+                      <p:cNvPicPr/>
+                      <p:nvPr/>
+                    </p:nvPicPr>
+                    <p:blipFill>
+                      <a:blip r:embed="rId4"/>
+                      <a:stretch>
+                        <a:fillRect/>
+                      </a:stretch>
+                    </p:blipFill>
+                    <p:spPr>
+                      <a:xfrm>
+                        <a:off x="677863" y="4700588"/>
+                        <a:ext cx="3408362" cy="1116012"/>
+                      </a:xfrm>
+                      <a:prstGeom prst="rect">
+                        <a:avLst/>
+                      </a:prstGeom>
+                    </p:spPr>
+                  </p:pic>
+                </p:oleObj>
+              </mc:Fallback>
+            </mc:AlternateContent>
+          </a:graphicData>
+        </a:graphic>
+      </p:graphicFrame>
+    </p:spTree>
+    <p:extLst>
+      <p:ext uri="{BB962C8B-B14F-4D97-AF65-F5344CB8AC3E}">
+        <p14:creationId xmlns:p14="http://schemas.microsoft.com/office/powerpoint/2010/main" val="1122514294"/>
+      </p:ext>
+    </p:extLst>
+  </p:cSld>
+  <p:clrMapOvr>
+    <a:masterClrMapping/>
+  </p:clrMapOvr>
+  <p:timing>
+    <p:tnLst>
+      <p:par>
+        <p:cTn id="1" dur="indefinite" restart="never" nodeType="tmRoot">
+          <p:childTnLst>
+            <p:seq concurrent="1" nextAc="seek">
+              <p:cTn id="2" dur="indefinite" nodeType="mainSeq">
+                <p:childTnLst>
+                  <p:par>
+                    <p:cTn id="3" fill="hold">
+                      <p:stCondLst>
+                        <p:cond delay="indefinite"/>
+                        <p:cond evt="onBegin" delay="0">
+                          <p:tn val="2"/>
+                        </p:cond>
+                      </p:stCondLst>
+                      <p:childTnLst>
+                        <p:par>
+                          <p:cTn id="4" fill="hold">
+                            <p:stCondLst>
+                              <p:cond delay="0"/>
+                            </p:stCondLst>
+                            <p:childTnLst>
+                              <p:par>
+                                <p:cTn id="5" presetID="1" presetClass="entr" presetSubtype="0" fill="hold" nodeType="withEffect">
+                                  <p:stCondLst>
+                                    <p:cond delay="0"/>
+                                  </p:stCondLst>
+                                  <p:childTnLst>
+                                    <p:set>
+                                      <p:cBhvr>
+                                        <p:cTn id="6" dur="1" fill="hold">
+                                          <p:stCondLst>
+                                            <p:cond delay="0"/>
+                                          </p:stCondLst>
+                                        </p:cTn>
+                                        <p:tgtEl>
+                                          <p:spTgt spid="5">
+                                            <p:txEl>
+                                              <p:pRg st="0" end="0"/>
+                                            </p:txEl>
+                                          </p:spTgt>
+                                        </p:tgtEl>
+                                        <p:attrNameLst>
+                                          <p:attrName>style.visibility</p:attrName>
+                                        </p:attrNameLst>
+                                      </p:cBhvr>
+                                      <p:to>
+                                        <p:strVal val="visible"/>
+                                      </p:to>
+                                    </p:set>
+                                  </p:childTnLst>
+                                </p:cTn>
+                              </p:par>
+                              <p:par>
+                                <p:cTn id="7" presetID="1" presetClass="entr" presetSubtype="0" fill="hold" nodeType="withEffect">
+                                  <p:stCondLst>
+                                    <p:cond delay="0"/>
+                                  </p:stCondLst>
+                                  <p:childTnLst>
+                                    <p:set>
+                                      <p:cBhvr>
+                                        <p:cTn id="8" dur="1" fill="hold">
+                                          <p:stCondLst>
+                                            <p:cond delay="0"/>
+                                          </p:stCondLst>
+                                        </p:cTn>
+                                        <p:tgtEl>
+                                          <p:spTgt spid="5">
+                                            <p:txEl>
+                                              <p:pRg st="1" end="1"/>
+                                            </p:txEl>
+                                          </p:spTgt>
+                                        </p:tgtEl>
+                                        <p:attrNameLst>
+                                          <p:attrName>style.visibility</p:attrName>
+                                        </p:attrNameLst>
+                                      </p:cBhvr>
+                                      <p:to>
+                                        <p:strVal val="visible"/>
+                                      </p:to>
+                                    </p:set>
+                                  </p:childTnLst>
+                                </p:cTn>
+                              </p:par>
+                              <p:par>
+                                <p:cTn id="9" presetID="1" presetClass="entr" presetSubtype="0" fill="hold" nodeType="withEffect">
+                                  <p:stCondLst>
+                                    <p:cond delay="0"/>
+                                  </p:stCondLst>
+                                  <p:childTnLst>
+                                    <p:set>
+                                      <p:cBhvr>
+                                        <p:cTn id="10" dur="1" fill="hold">
+                                          <p:stCondLst>
+                                            <p:cond delay="0"/>
+                                          </p:stCondLst>
+                                        </p:cTn>
+                                        <p:tgtEl>
+                                          <p:spTgt spid="5">
+                                            <p:txEl>
+                                              <p:pRg st="2" end="2"/>
+                                            </p:txEl>
+                                          </p:spTgt>
+                                        </p:tgtEl>
+                                        <p:attrNameLst>
+                                          <p:attrName>style.visibility</p:attrName>
+                                        </p:attrNameLst>
+                                      </p:cBhvr>
+                                      <p:to>
+                                        <p:strVal val="visible"/>
+                                      </p:to>
+                                    </p:set>
+                                  </p:childTnLst>
+                                </p:cTn>
+                              </p:par>
+                            </p:childTnLst>
+                          </p:cTn>
+                        </p:par>
+                      </p:childTnLst>
+                    </p:cTn>
+                  </p:par>
+                  <p:par>
+                    <p:cTn id="11" fill="hold">
+                      <p:stCondLst>
+                        <p:cond delay="indefinite"/>
+                      </p:stCondLst>
+                      <p:childTnLst>
+                        <p:par>
+                          <p:cTn id="12" fill="hold">
+                            <p:stCondLst>
+                              <p:cond delay="0"/>
+                            </p:stCondLst>
+                            <p:childTnLst>
+                              <p:par>
+                                <p:cTn id="13" presetID="1" presetClass="entr" presetSubtype="0" fill="hold" nodeType="clickEffect">
+                                  <p:stCondLst>
+                                    <p:cond delay="0"/>
+                                  </p:stCondLst>
+                                  <p:childTnLst>
+                                    <p:set>
+                                      <p:cBhvr>
+                                        <p:cTn id="14" dur="1" fill="hold">
+                                          <p:stCondLst>
+                                            <p:cond delay="0"/>
+                                          </p:stCondLst>
+                                        </p:cTn>
+                                        <p:tgtEl>
+                                          <p:spTgt spid="3"/>
+                                        </p:tgtEl>
+                                        <p:attrNameLst>
+                                          <p:attrName>style.visibility</p:attrName>
+                                        </p:attrNameLst>
+                                      </p:cBhvr>
+                                      <p:to>
+                                        <p:strVal val="visible"/>
+                                      </p:to>
+                                    </p:set>
+                                  </p:childTnLst>
+                                </p:cTn>
+                              </p:par>
+                            </p:childTnLst>
+                          </p:cTn>
+                        </p:par>
+                      </p:childTnLst>
+                    </p:cTn>
+                  </p:par>
+                </p:childTnLst>
+              </p:cTn>
+              <p:prevCondLst>
+                <p:cond evt="onPrev" delay="0">
+                  <p:tgtEl>
+                    <p:sldTgt/>
+                  </p:tgtEl>
+                </p:cond>
+              </p:prevCondLst>
+              <p:nextCondLst>
+                <p:cond evt="onNext" delay="0">
+                  <p:tgtEl>
+                    <p:sldTgt/>
+                  </p:tgtEl>
+                </p:cond>
+              </p:nextCondLst>
+            </p:seq>
+          </p:childTnLst>
+        </p:cTn>
+      </p:par>
+    </p:tnLst>
+  </p:timing>
+</p:sld>
+</file>
+
+<file path=ppt/slides/slide50.xml><?xml version="1.0" encoding="utf-8"?>
+<p:sld xmlns:a="http://schemas.openxmlformats.org/drawingml/2006/main" xmlns:r="http://schemas.openxmlformats.org/officeDocument/2006/relationships" xmlns:p="http://schemas.openxmlformats.org/presentationml/2006/main">
+  <p:cSld>
+    <p:spTree>
+      <p:nvGrpSpPr>
+        <p:cNvPr id="1" name=""/>
+        <p:cNvGrpSpPr/>
+        <p:nvPr/>
+      </p:nvGrpSpPr>
+      <p:grpSpPr>
+        <a:xfrm>
+          <a:off x="0" y="0"/>
+          <a:ext cx="0" cy="0"/>
+          <a:chOff x="0" y="0"/>
+          <a:chExt cx="0" cy="0"/>
+        </a:xfrm>
+      </p:grpSpPr>
+      <p:sp>
+        <p:nvSpPr>
+          <p:cNvPr id="2" name="Title 1">
+            <a:extLst>
+              <a:ext uri="{FF2B5EF4-FFF2-40B4-BE49-F238E27FC236}">
+                <a16:creationId xmlns:a16="http://schemas.microsoft.com/office/drawing/2014/main" id="{C932E6E5-2C51-DC56-8209-A3DB42A333DA}"/>
+              </a:ext>
+            </a:extLst>
+          </p:cNvPr>
+          <p:cNvSpPr>
+            <a:spLocks noGrp="1"/>
+          </p:cNvSpPr>
+          <p:nvPr>
+            <p:ph type="title"/>
+          </p:nvPr>
+        </p:nvSpPr>
+        <p:spPr/>
+        <p:txBody>
+          <a:bodyPr/>
+          <a:lstStyle/>
+          <a:p>
+            <a:r>
+              <a:rPr lang="en-US" dirty="0" err="1"/>
+              <a:t>PyTensor</a:t>
+            </a:r>
+            <a:r>
+              <a:rPr lang="en-US" dirty="0"/>
+              <a:t> cascades evaluation</a:t>
+            </a:r>
+            <a:endParaRPr lang="en-IL" dirty="0"/>
+          </a:p>
+        </p:txBody>
+      </p:sp>
+      <p:sp>
+        <p:nvSpPr>
+          <p:cNvPr id="3" name="Content Placeholder 2">
+            <a:extLst>
+              <a:ext uri="{FF2B5EF4-FFF2-40B4-BE49-F238E27FC236}">
+                <a16:creationId xmlns:a16="http://schemas.microsoft.com/office/drawing/2014/main" id="{3FCDE2CB-D9FB-310F-DCA3-4A3AB231412B}"/>
+              </a:ext>
+            </a:extLst>
+          </p:cNvPr>
+          <p:cNvSpPr>
+            <a:spLocks noGrp="1"/>
+          </p:cNvSpPr>
+          <p:nvPr>
+            <p:ph idx="1"/>
+          </p:nvPr>
+        </p:nvSpPr>
+        <p:spPr>
+          <a:xfrm>
+            <a:off x="838200" y="1825625"/>
+            <a:ext cx="10515600" cy="731308"/>
+          </a:xfrm>
+        </p:spPr>
+        <p:txBody>
+          <a:bodyPr/>
+          <a:lstStyle/>
+          <a:p>
+            <a:r>
+              <a:rPr lang="en-US" dirty="0"/>
+              <a:t>Must draw theta in order to draw y</a:t>
+            </a:r>
+            <a:endParaRPr lang="en-IL" dirty="0"/>
+          </a:p>
+        </p:txBody>
+      </p:sp>
+      <p:pic>
+        <p:nvPicPr>
+          <p:cNvPr id="4" name="Picture 3">
+            <a:extLst>
+              <a:ext uri="{FF2B5EF4-FFF2-40B4-BE49-F238E27FC236}">
+                <a16:creationId xmlns:a16="http://schemas.microsoft.com/office/drawing/2014/main" id="{5161BD7B-8B3A-657A-A5C0-9A54BAA144C3}"/>
+              </a:ext>
+            </a:extLst>
+          </p:cNvPr>
+          <p:cNvPicPr>
+            <a:picLocks noChangeAspect="1"/>
+          </p:cNvPicPr>
+          <p:nvPr/>
+        </p:nvPicPr>
+        <p:blipFill>
+          <a:blip r:embed="rId2"/>
+          <a:stretch>
+            <a:fillRect/>
+          </a:stretch>
+        </p:blipFill>
+        <p:spPr>
+          <a:xfrm>
+            <a:off x="1953856" y="2760133"/>
+            <a:ext cx="6178550" cy="3530600"/>
+          </a:xfrm>
+          <a:prstGeom prst="rect">
+            <a:avLst/>
+          </a:prstGeom>
+        </p:spPr>
+      </p:pic>
+    </p:spTree>
+    <p:extLst>
+      <p:ext uri="{BB962C8B-B14F-4D97-AF65-F5344CB8AC3E}">
+        <p14:creationId xmlns:p14="http://schemas.microsoft.com/office/powerpoint/2010/main" val="1958173678"/>
+      </p:ext>
+    </p:extLst>
+  </p:cSld>
+  <p:clrMapOvr>
+    <a:masterClrMapping/>
+  </p:clrMapOvr>
+</p:sld>
+</file>
+
+<file path=ppt/slides/slide51.xml><?xml version="1.0" encoding="utf-8"?>
+<p:sld xmlns:a="http://schemas.openxmlformats.org/drawingml/2006/main" xmlns:r="http://schemas.openxmlformats.org/officeDocument/2006/relationships" xmlns:p="http://schemas.openxmlformats.org/presentationml/2006/main">
+  <p:cSld>
+    <p:spTree>
+      <p:nvGrpSpPr>
+        <p:cNvPr id="1" name=""/>
+        <p:cNvGrpSpPr/>
+        <p:nvPr/>
+      </p:nvGrpSpPr>
+      <p:grpSpPr>
+        <a:xfrm>
+          <a:off x="0" y="0"/>
+          <a:ext cx="0" cy="0"/>
+          <a:chOff x="0" y="0"/>
+          <a:chExt cx="0" cy="0"/>
+        </a:xfrm>
+      </p:grpSpPr>
+      <p:sp>
+        <p:nvSpPr>
+          <p:cNvPr id="2" name="Title 1">
+            <a:extLst>
+              <a:ext uri="{FF2B5EF4-FFF2-40B4-BE49-F238E27FC236}">
+                <a16:creationId xmlns:a16="http://schemas.microsoft.com/office/drawing/2014/main" id="{CB876023-2C1C-5348-FADD-729C64E46258}"/>
+              </a:ext>
+            </a:extLst>
+          </p:cNvPr>
+          <p:cNvSpPr>
+            <a:spLocks noGrp="1"/>
+          </p:cNvSpPr>
+          <p:nvPr>
+            <p:ph type="title"/>
+          </p:nvPr>
+        </p:nvSpPr>
+        <p:spPr/>
+        <p:txBody>
+          <a:bodyPr/>
+          <a:lstStyle/>
+          <a:p>
+            <a:r>
+              <a:rPr lang="en-US" dirty="0"/>
+              <a:t>The log joint probability density function</a:t>
+            </a:r>
+            <a:endParaRPr lang="en-IL" dirty="0"/>
+          </a:p>
+        </p:txBody>
+      </p:sp>
+      <p:sp>
+        <p:nvSpPr>
+          <p:cNvPr id="3" name="Content Placeholder 2">
+            <a:extLst>
+              <a:ext uri="{FF2B5EF4-FFF2-40B4-BE49-F238E27FC236}">
+                <a16:creationId xmlns:a16="http://schemas.microsoft.com/office/drawing/2014/main" id="{2BB3B350-982B-2DBF-745E-EA393DC395FE}"/>
+              </a:ext>
+            </a:extLst>
+          </p:cNvPr>
+          <p:cNvSpPr>
+            <a:spLocks noGrp="1"/>
+          </p:cNvSpPr>
+          <p:nvPr>
+            <p:ph idx="1"/>
+          </p:nvPr>
+        </p:nvSpPr>
+        <p:spPr>
+          <a:xfrm>
+            <a:off x="838200" y="1355195"/>
+            <a:ext cx="10515600" cy="866775"/>
+          </a:xfrm>
+        </p:spPr>
+        <p:txBody>
+          <a:bodyPr/>
+          <a:lstStyle/>
+          <a:p>
+            <a:r>
+              <a:rPr lang="en-US" dirty="0" err="1"/>
+              <a:t>PyMC</a:t>
+            </a:r>
+            <a:r>
+              <a:rPr lang="en-US" dirty="0"/>
+              <a:t> uses </a:t>
+            </a:r>
+            <a:r>
+              <a:rPr lang="en-US" dirty="0" err="1"/>
+              <a:t>PyTensor</a:t>
+            </a:r>
+            <a:r>
+              <a:rPr lang="en-US" dirty="0"/>
+              <a:t> to create a function that gives the probability of parameters and data</a:t>
+            </a:r>
+            <a:endParaRPr lang="en-IL" dirty="0"/>
+          </a:p>
+        </p:txBody>
+      </p:sp>
+      <p:sp>
+        <p:nvSpPr>
+          <p:cNvPr id="5" name="TextBox 4">
+            <a:extLst>
+              <a:ext uri="{FF2B5EF4-FFF2-40B4-BE49-F238E27FC236}">
+                <a16:creationId xmlns:a16="http://schemas.microsoft.com/office/drawing/2014/main" id="{9C092274-2B99-FD85-8972-15DC431E35FD}"/>
+              </a:ext>
+            </a:extLst>
+          </p:cNvPr>
+          <p:cNvSpPr txBox="1"/>
+          <p:nvPr/>
+        </p:nvSpPr>
+        <p:spPr>
+          <a:xfrm>
+            <a:off x="1566333" y="2389262"/>
+            <a:ext cx="7357533" cy="2246769"/>
+          </a:xfrm>
+          <a:prstGeom prst="rect">
+            <a:avLst/>
+          </a:prstGeom>
+          <a:noFill/>
+        </p:spPr>
+        <p:txBody>
+          <a:bodyPr wrap="square">
+            <a:spAutoFit/>
+          </a:bodyPr>
+          <a:lstStyle/>
+          <a:p>
+            <a:r>
+              <a:rPr lang="en-US" sz="1400" b="0" dirty="0">
+                <a:solidFill>
+                  <a:srgbClr val="AF00DB"/>
+                </a:solidFill>
+                <a:effectLst/>
+                <a:latin typeface="Consolas" panose="020B0609020204030204" pitchFamily="49" charset="0"/>
+              </a:rPr>
+              <a:t>from</a:t>
+            </a:r>
+            <a:r>
+              <a:rPr lang="en-US" sz="1400" b="0" dirty="0">
+                <a:solidFill>
+                  <a:srgbClr val="3B3B3B"/>
+                </a:solidFill>
+                <a:effectLst/>
+                <a:latin typeface="Consolas" panose="020B0609020204030204" pitchFamily="49" charset="0"/>
+              </a:rPr>
+              <a:t> </a:t>
+            </a:r>
+            <a:r>
+              <a:rPr lang="en-US" sz="1400" b="0" dirty="0" err="1">
+                <a:solidFill>
+                  <a:srgbClr val="267F99"/>
+                </a:solidFill>
+                <a:effectLst/>
+                <a:latin typeface="Consolas" panose="020B0609020204030204" pitchFamily="49" charset="0"/>
+              </a:rPr>
+              <a:t>scipy</a:t>
+            </a:r>
+            <a:r>
+              <a:rPr lang="en-US" sz="1400" b="0" dirty="0">
+                <a:solidFill>
+                  <a:srgbClr val="3B3B3B"/>
+                </a:solidFill>
+                <a:effectLst/>
+                <a:latin typeface="Consolas" panose="020B0609020204030204" pitchFamily="49" charset="0"/>
+              </a:rPr>
+              <a:t> </a:t>
+            </a:r>
+            <a:r>
+              <a:rPr lang="en-US" sz="1400" b="0" dirty="0">
+                <a:solidFill>
+                  <a:srgbClr val="AF00DB"/>
+                </a:solidFill>
+                <a:effectLst/>
+                <a:latin typeface="Consolas" panose="020B0609020204030204" pitchFamily="49" charset="0"/>
+              </a:rPr>
+              <a:t>import</a:t>
+            </a:r>
+            <a:r>
+              <a:rPr lang="en-US" sz="1400" b="0" dirty="0">
+                <a:solidFill>
+                  <a:srgbClr val="3B3B3B"/>
+                </a:solidFill>
+                <a:effectLst/>
+                <a:latin typeface="Consolas" panose="020B0609020204030204" pitchFamily="49" charset="0"/>
+              </a:rPr>
+              <a:t> </a:t>
+            </a:r>
+            <a:r>
+              <a:rPr lang="en-US" sz="1400" b="0" dirty="0">
+                <a:solidFill>
+                  <a:srgbClr val="267F99"/>
+                </a:solidFill>
+                <a:effectLst/>
+                <a:latin typeface="Consolas" panose="020B0609020204030204" pitchFamily="49" charset="0"/>
+              </a:rPr>
+              <a:t>special</a:t>
+            </a:r>
+            <a:r>
+              <a:rPr lang="en-US" sz="1400" b="0" dirty="0">
+                <a:solidFill>
+                  <a:srgbClr val="3B3B3B"/>
+                </a:solidFill>
+                <a:effectLst/>
+                <a:latin typeface="Consolas" panose="020B0609020204030204" pitchFamily="49" charset="0"/>
+              </a:rPr>
+              <a:t> </a:t>
+            </a:r>
+          </a:p>
+          <a:p>
+            <a:br>
+              <a:rPr lang="en-US" sz="1400" b="0" dirty="0">
+                <a:solidFill>
+                  <a:srgbClr val="3B3B3B"/>
+                </a:solidFill>
+                <a:effectLst/>
+                <a:latin typeface="Consolas" panose="020B0609020204030204" pitchFamily="49" charset="0"/>
+              </a:rPr>
+            </a:br>
+            <a:r>
+              <a:rPr lang="en-US" sz="1400" b="0" dirty="0" err="1">
+                <a:solidFill>
+                  <a:srgbClr val="001080"/>
+                </a:solidFill>
+                <a:effectLst/>
+                <a:latin typeface="Consolas" panose="020B0609020204030204" pitchFamily="49" charset="0"/>
+              </a:rPr>
+              <a:t>sample_theta</a:t>
+            </a:r>
+            <a:r>
+              <a:rPr lang="en-US" sz="1400" b="0" dirty="0">
+                <a:solidFill>
+                  <a:srgbClr val="3B3B3B"/>
+                </a:solidFill>
+                <a:effectLst/>
+                <a:latin typeface="Consolas" panose="020B0609020204030204" pitchFamily="49" charset="0"/>
+              </a:rPr>
+              <a:t>  </a:t>
+            </a:r>
+            <a:r>
+              <a:rPr lang="en-US" sz="1400" b="0" dirty="0">
+                <a:solidFill>
+                  <a:srgbClr val="000000"/>
+                </a:solidFill>
+                <a:effectLst/>
+                <a:latin typeface="Consolas" panose="020B0609020204030204" pitchFamily="49" charset="0"/>
+              </a:rPr>
+              <a:t>=</a:t>
+            </a:r>
+            <a:r>
+              <a:rPr lang="en-US" sz="1400" b="0" dirty="0">
+                <a:solidFill>
+                  <a:srgbClr val="3B3B3B"/>
+                </a:solidFill>
+                <a:effectLst/>
+                <a:latin typeface="Consolas" panose="020B0609020204030204" pitchFamily="49" charset="0"/>
+              </a:rPr>
+              <a:t> </a:t>
+            </a:r>
+            <a:r>
+              <a:rPr lang="en-US" sz="1400" b="0" dirty="0" err="1">
+                <a:solidFill>
+                  <a:srgbClr val="267F99"/>
+                </a:solidFill>
+                <a:effectLst/>
+                <a:latin typeface="Consolas" panose="020B0609020204030204" pitchFamily="49" charset="0"/>
+              </a:rPr>
+              <a:t>pm</a:t>
+            </a:r>
+            <a:r>
+              <a:rPr lang="en-US" sz="1400" b="0" dirty="0" err="1">
+                <a:solidFill>
+                  <a:srgbClr val="3B3B3B"/>
+                </a:solidFill>
+                <a:effectLst/>
+                <a:latin typeface="Consolas" panose="020B0609020204030204" pitchFamily="49" charset="0"/>
+              </a:rPr>
+              <a:t>.</a:t>
+            </a:r>
+            <a:r>
+              <a:rPr lang="en-US" sz="1400" b="0" dirty="0" err="1">
+                <a:solidFill>
+                  <a:srgbClr val="795E26"/>
+                </a:solidFill>
+                <a:effectLst/>
+                <a:latin typeface="Consolas" panose="020B0609020204030204" pitchFamily="49" charset="0"/>
+              </a:rPr>
+              <a:t>draw</a:t>
+            </a:r>
+            <a:r>
+              <a:rPr lang="en-US" sz="1400" b="0" dirty="0">
+                <a:solidFill>
+                  <a:srgbClr val="3B3B3B"/>
+                </a:solidFill>
+                <a:effectLst/>
+                <a:latin typeface="Consolas" panose="020B0609020204030204" pitchFamily="49" charset="0"/>
+              </a:rPr>
+              <a:t>(</a:t>
+            </a:r>
+            <a:r>
+              <a:rPr lang="en-US" sz="1400" b="0" dirty="0">
+                <a:solidFill>
+                  <a:srgbClr val="001080"/>
+                </a:solidFill>
+                <a:effectLst/>
+                <a:latin typeface="Consolas" panose="020B0609020204030204" pitchFamily="49" charset="0"/>
+              </a:rPr>
+              <a:t>theta</a:t>
+            </a:r>
+            <a:r>
+              <a:rPr lang="en-US" sz="1400" b="0" dirty="0">
+                <a:solidFill>
+                  <a:srgbClr val="3B3B3B"/>
+                </a:solidFill>
+                <a:effectLst/>
+                <a:latin typeface="Consolas" panose="020B0609020204030204" pitchFamily="49" charset="0"/>
+              </a:rPr>
+              <a:t>)    </a:t>
+            </a:r>
+          </a:p>
+          <a:p>
+            <a:br>
+              <a:rPr lang="en-US" sz="1400" b="0" dirty="0">
+                <a:solidFill>
+                  <a:srgbClr val="3B3B3B"/>
+                </a:solidFill>
+                <a:effectLst/>
+                <a:latin typeface="Consolas" panose="020B0609020204030204" pitchFamily="49" charset="0"/>
+              </a:rPr>
+            </a:br>
+            <a:r>
+              <a:rPr lang="en-US" sz="1400" b="0" dirty="0" err="1">
+                <a:solidFill>
+                  <a:srgbClr val="795E26"/>
+                </a:solidFill>
+                <a:effectLst/>
+                <a:latin typeface="Consolas" panose="020B0609020204030204" pitchFamily="49" charset="0"/>
+              </a:rPr>
+              <a:t>logp_func</a:t>
+            </a:r>
+            <a:r>
+              <a:rPr lang="en-US" sz="1400" b="0" dirty="0">
+                <a:solidFill>
+                  <a:srgbClr val="3B3B3B"/>
+                </a:solidFill>
+                <a:effectLst/>
+                <a:latin typeface="Consolas" panose="020B0609020204030204" pitchFamily="49" charset="0"/>
+              </a:rPr>
+              <a:t> </a:t>
+            </a:r>
+            <a:r>
+              <a:rPr lang="en-US" sz="1400" b="0" dirty="0">
+                <a:solidFill>
+                  <a:srgbClr val="000000"/>
+                </a:solidFill>
+                <a:effectLst/>
+                <a:latin typeface="Consolas" panose="020B0609020204030204" pitchFamily="49" charset="0"/>
+              </a:rPr>
+              <a:t>=</a:t>
+            </a:r>
+            <a:r>
+              <a:rPr lang="en-US" sz="1400" b="0" dirty="0">
+                <a:solidFill>
+                  <a:srgbClr val="3B3B3B"/>
+                </a:solidFill>
+                <a:effectLst/>
+                <a:latin typeface="Consolas" panose="020B0609020204030204" pitchFamily="49" charset="0"/>
+              </a:rPr>
+              <a:t> </a:t>
+            </a:r>
+            <a:r>
+              <a:rPr lang="en-US" sz="1400" b="0" dirty="0" err="1">
+                <a:solidFill>
+                  <a:srgbClr val="001080"/>
+                </a:solidFill>
+                <a:effectLst/>
+                <a:latin typeface="Consolas" panose="020B0609020204030204" pitchFamily="49" charset="0"/>
+              </a:rPr>
+              <a:t>our_first_model</a:t>
+            </a:r>
+            <a:r>
+              <a:rPr lang="en-US" sz="1400" b="0" dirty="0" err="1">
+                <a:solidFill>
+                  <a:srgbClr val="3B3B3B"/>
+                </a:solidFill>
+                <a:effectLst/>
+                <a:latin typeface="Consolas" panose="020B0609020204030204" pitchFamily="49" charset="0"/>
+              </a:rPr>
+              <a:t>.</a:t>
+            </a:r>
+            <a:r>
+              <a:rPr lang="en-US" sz="1400" b="0" dirty="0" err="1">
+                <a:solidFill>
+                  <a:srgbClr val="795E26"/>
+                </a:solidFill>
+                <a:effectLst/>
+                <a:latin typeface="Consolas" panose="020B0609020204030204" pitchFamily="49" charset="0"/>
+              </a:rPr>
+              <a:t>compile_logp</a:t>
+            </a:r>
+            <a:r>
+              <a:rPr lang="en-US" sz="1400" b="0" dirty="0">
+                <a:solidFill>
+                  <a:srgbClr val="3B3B3B"/>
+                </a:solidFill>
+                <a:effectLst/>
+                <a:latin typeface="Consolas" panose="020B0609020204030204" pitchFamily="49" charset="0"/>
+              </a:rPr>
+              <a:t>()</a:t>
+            </a:r>
+          </a:p>
+          <a:p>
+            <a:r>
+              <a:rPr lang="en-US" sz="1400" b="0" dirty="0" err="1">
+                <a:solidFill>
+                  <a:srgbClr val="001080"/>
+                </a:solidFill>
+                <a:effectLst/>
+                <a:latin typeface="Consolas" panose="020B0609020204030204" pitchFamily="49" charset="0"/>
+              </a:rPr>
+              <a:t>joint_logp</a:t>
+            </a:r>
+            <a:r>
+              <a:rPr lang="en-US" sz="1400" b="0" dirty="0">
+                <a:solidFill>
+                  <a:srgbClr val="3B3B3B"/>
+                </a:solidFill>
+                <a:effectLst/>
+                <a:latin typeface="Consolas" panose="020B0609020204030204" pitchFamily="49" charset="0"/>
+              </a:rPr>
+              <a:t> </a:t>
+            </a:r>
+            <a:r>
+              <a:rPr lang="en-US" sz="1400" b="0" dirty="0">
+                <a:solidFill>
+                  <a:srgbClr val="000000"/>
+                </a:solidFill>
+                <a:effectLst/>
+                <a:latin typeface="Consolas" panose="020B0609020204030204" pitchFamily="49" charset="0"/>
+              </a:rPr>
+              <a:t>=</a:t>
+            </a:r>
+            <a:r>
+              <a:rPr lang="en-US" sz="1400" b="0" dirty="0">
+                <a:solidFill>
+                  <a:srgbClr val="3B3B3B"/>
+                </a:solidFill>
+                <a:effectLst/>
+                <a:latin typeface="Consolas" panose="020B0609020204030204" pitchFamily="49" charset="0"/>
+              </a:rPr>
+              <a:t> </a:t>
+            </a:r>
+            <a:r>
+              <a:rPr lang="en-US" sz="1400" b="0" dirty="0" err="1">
+                <a:solidFill>
+                  <a:srgbClr val="795E26"/>
+                </a:solidFill>
+                <a:effectLst/>
+                <a:latin typeface="Consolas" panose="020B0609020204030204" pitchFamily="49" charset="0"/>
+              </a:rPr>
+              <a:t>logp_func</a:t>
+            </a:r>
+            <a:r>
+              <a:rPr lang="en-US" sz="1400" b="0" dirty="0">
+                <a:solidFill>
+                  <a:srgbClr val="3B3B3B"/>
+                </a:solidFill>
+                <a:effectLst/>
+                <a:latin typeface="Consolas" panose="020B0609020204030204" pitchFamily="49" charset="0"/>
+              </a:rPr>
+              <a:t>({</a:t>
+            </a:r>
+            <a:r>
+              <a:rPr lang="en-US" sz="1400" b="0" dirty="0">
+                <a:solidFill>
+                  <a:srgbClr val="A31515"/>
+                </a:solidFill>
+                <a:effectLst/>
+                <a:latin typeface="Consolas" panose="020B0609020204030204" pitchFamily="49" charset="0"/>
+              </a:rPr>
+              <a:t>"</a:t>
+            </a:r>
+            <a:r>
+              <a:rPr lang="en-US" sz="1400" b="0" dirty="0" err="1">
+                <a:solidFill>
+                  <a:srgbClr val="A31515"/>
+                </a:solidFill>
+                <a:effectLst/>
+                <a:latin typeface="Consolas" panose="020B0609020204030204" pitchFamily="49" charset="0"/>
+              </a:rPr>
+              <a:t>theta_logodds</a:t>
+            </a:r>
+            <a:r>
+              <a:rPr lang="en-US" sz="1400" b="0" dirty="0">
+                <a:solidFill>
+                  <a:srgbClr val="A31515"/>
+                </a:solidFill>
+                <a:effectLst/>
+                <a:latin typeface="Consolas" panose="020B0609020204030204" pitchFamily="49" charset="0"/>
+              </a:rPr>
+              <a:t>__"</a:t>
+            </a:r>
+            <a:r>
+              <a:rPr lang="en-US" sz="1400" b="0" dirty="0">
+                <a:solidFill>
+                  <a:srgbClr val="3B3B3B"/>
+                </a:solidFill>
+                <a:effectLst/>
+                <a:latin typeface="Consolas" panose="020B0609020204030204" pitchFamily="49" charset="0"/>
+              </a:rPr>
+              <a:t>: </a:t>
+            </a:r>
+            <a:r>
+              <a:rPr lang="en-US" sz="1400" b="0" dirty="0" err="1">
+                <a:solidFill>
+                  <a:srgbClr val="267F99"/>
+                </a:solidFill>
+                <a:effectLst/>
+                <a:latin typeface="Consolas" panose="020B0609020204030204" pitchFamily="49" charset="0"/>
+              </a:rPr>
+              <a:t>special</a:t>
+            </a:r>
+            <a:r>
+              <a:rPr lang="en-US" sz="1400" b="0" dirty="0" err="1">
+                <a:solidFill>
+                  <a:srgbClr val="3B3B3B"/>
+                </a:solidFill>
+                <a:effectLst/>
+                <a:latin typeface="Consolas" panose="020B0609020204030204" pitchFamily="49" charset="0"/>
+              </a:rPr>
+              <a:t>.</a:t>
+            </a:r>
+            <a:r>
+              <a:rPr lang="en-US" sz="1400" b="0" dirty="0" err="1">
+                <a:solidFill>
+                  <a:srgbClr val="001080"/>
+                </a:solidFill>
+                <a:effectLst/>
+                <a:latin typeface="Consolas" panose="020B0609020204030204" pitchFamily="49" charset="0"/>
+              </a:rPr>
+              <a:t>logit</a:t>
+            </a:r>
+            <a:r>
+              <a:rPr lang="en-US" sz="1400" b="0" dirty="0">
+                <a:solidFill>
+                  <a:srgbClr val="3B3B3B"/>
+                </a:solidFill>
+                <a:effectLst/>
+                <a:latin typeface="Consolas" panose="020B0609020204030204" pitchFamily="49" charset="0"/>
+              </a:rPr>
+              <a:t>(</a:t>
+            </a:r>
+            <a:r>
+              <a:rPr lang="en-US" sz="1400" b="0" dirty="0" err="1">
+                <a:solidFill>
+                  <a:srgbClr val="001080"/>
+                </a:solidFill>
+                <a:effectLst/>
+                <a:latin typeface="Consolas" panose="020B0609020204030204" pitchFamily="49" charset="0"/>
+              </a:rPr>
+              <a:t>sample_theta</a:t>
+            </a:r>
+            <a:r>
+              <a:rPr lang="en-US" sz="1400" b="0" dirty="0">
+                <a:solidFill>
+                  <a:srgbClr val="3B3B3B"/>
+                </a:solidFill>
+                <a:effectLst/>
+                <a:latin typeface="Consolas" panose="020B0609020204030204" pitchFamily="49" charset="0"/>
+              </a:rPr>
+              <a:t>)})</a:t>
+            </a:r>
+          </a:p>
+          <a:p>
+            <a:br>
+              <a:rPr lang="en-US" sz="1400" b="0" dirty="0">
+                <a:solidFill>
+                  <a:srgbClr val="3B3B3B"/>
+                </a:solidFill>
+                <a:effectLst/>
+                <a:latin typeface="Consolas" panose="020B0609020204030204" pitchFamily="49" charset="0"/>
+              </a:rPr>
+            </a:br>
+            <a:r>
+              <a:rPr lang="en-US" sz="1400" b="0" dirty="0">
+                <a:solidFill>
+                  <a:srgbClr val="795E26"/>
+                </a:solidFill>
+                <a:effectLst/>
+                <a:latin typeface="Consolas" panose="020B0609020204030204" pitchFamily="49" charset="0"/>
+              </a:rPr>
+              <a:t>print</a:t>
+            </a:r>
+            <a:r>
+              <a:rPr lang="en-US" sz="1400" b="0" dirty="0">
+                <a:solidFill>
+                  <a:srgbClr val="3B3B3B"/>
+                </a:solidFill>
+                <a:effectLst/>
+                <a:latin typeface="Consolas" panose="020B0609020204030204" pitchFamily="49" charset="0"/>
+              </a:rPr>
+              <a:t>(</a:t>
+            </a:r>
+            <a:r>
+              <a:rPr lang="en-US" sz="1400" b="0" dirty="0">
+                <a:solidFill>
+                  <a:srgbClr val="A31515"/>
+                </a:solidFill>
+                <a:effectLst/>
+                <a:latin typeface="Consolas" panose="020B0609020204030204" pitchFamily="49" charset="0"/>
+              </a:rPr>
+              <a:t>"Sampled theta:"</a:t>
+            </a:r>
+            <a:r>
+              <a:rPr lang="en-US" sz="1400" b="0" dirty="0">
+                <a:solidFill>
+                  <a:srgbClr val="3B3B3B"/>
+                </a:solidFill>
+                <a:effectLst/>
+                <a:latin typeface="Consolas" panose="020B0609020204030204" pitchFamily="49" charset="0"/>
+              </a:rPr>
+              <a:t>, </a:t>
+            </a:r>
+            <a:r>
+              <a:rPr lang="en-US" sz="1400" b="0" dirty="0" err="1">
+                <a:solidFill>
+                  <a:srgbClr val="001080"/>
+                </a:solidFill>
+                <a:effectLst/>
+                <a:latin typeface="Consolas" panose="020B0609020204030204" pitchFamily="49" charset="0"/>
+              </a:rPr>
+              <a:t>sample_theta</a:t>
+            </a:r>
+            <a:r>
+              <a:rPr lang="en-US" sz="1400" b="0" dirty="0">
+                <a:solidFill>
+                  <a:srgbClr val="3B3B3B"/>
+                </a:solidFill>
+                <a:effectLst/>
+                <a:latin typeface="Consolas" panose="020B0609020204030204" pitchFamily="49" charset="0"/>
+              </a:rPr>
+              <a:t>)</a:t>
+            </a:r>
+          </a:p>
+          <a:p>
+            <a:r>
+              <a:rPr lang="en-US" sz="1400" b="0" dirty="0">
+                <a:solidFill>
+                  <a:srgbClr val="795E26"/>
+                </a:solidFill>
+                <a:effectLst/>
+                <a:latin typeface="Consolas" panose="020B0609020204030204" pitchFamily="49" charset="0"/>
+              </a:rPr>
+              <a:t>print</a:t>
+            </a:r>
+            <a:r>
+              <a:rPr lang="en-US" sz="1400" b="0" dirty="0">
+                <a:solidFill>
+                  <a:srgbClr val="3B3B3B"/>
+                </a:solidFill>
+                <a:effectLst/>
+                <a:latin typeface="Consolas" panose="020B0609020204030204" pitchFamily="49" charset="0"/>
+              </a:rPr>
+              <a:t>(</a:t>
+            </a:r>
+            <a:r>
+              <a:rPr lang="en-US" sz="1400" b="0" dirty="0">
+                <a:solidFill>
+                  <a:srgbClr val="A31515"/>
+                </a:solidFill>
+                <a:effectLst/>
+                <a:latin typeface="Consolas" panose="020B0609020204030204" pitchFamily="49" charset="0"/>
+              </a:rPr>
+              <a:t>"Sampled y:"</a:t>
+            </a:r>
+            <a:r>
+              <a:rPr lang="en-US" sz="1400" b="0" dirty="0">
+                <a:solidFill>
+                  <a:srgbClr val="3B3B3B"/>
+                </a:solidFill>
+                <a:effectLst/>
+                <a:latin typeface="Consolas" panose="020B0609020204030204" pitchFamily="49" charset="0"/>
+              </a:rPr>
+              <a:t>, </a:t>
+            </a:r>
+            <a:r>
+              <a:rPr lang="en-US" sz="1400" b="0" dirty="0">
+                <a:solidFill>
+                  <a:srgbClr val="001080"/>
+                </a:solidFill>
+                <a:effectLst/>
+                <a:latin typeface="Consolas" panose="020B0609020204030204" pitchFamily="49" charset="0"/>
+              </a:rPr>
+              <a:t>data</a:t>
+            </a:r>
+            <a:r>
+              <a:rPr lang="en-US" sz="1400" b="0" dirty="0">
+                <a:solidFill>
+                  <a:srgbClr val="3B3B3B"/>
+                </a:solidFill>
+                <a:effectLst/>
+                <a:latin typeface="Consolas" panose="020B0609020204030204" pitchFamily="49" charset="0"/>
+              </a:rPr>
+              <a:t>)</a:t>
+            </a:r>
+          </a:p>
+          <a:p>
+            <a:r>
+              <a:rPr lang="en-US" sz="1400" b="0" dirty="0">
+                <a:solidFill>
+                  <a:srgbClr val="795E26"/>
+                </a:solidFill>
+                <a:effectLst/>
+                <a:latin typeface="Consolas" panose="020B0609020204030204" pitchFamily="49" charset="0"/>
+              </a:rPr>
+              <a:t>print</a:t>
+            </a:r>
+            <a:r>
+              <a:rPr lang="en-US" sz="1400" b="0" dirty="0">
+                <a:solidFill>
+                  <a:srgbClr val="3B3B3B"/>
+                </a:solidFill>
+                <a:effectLst/>
+                <a:latin typeface="Consolas" panose="020B0609020204030204" pitchFamily="49" charset="0"/>
+              </a:rPr>
+              <a:t>(</a:t>
+            </a:r>
+            <a:r>
+              <a:rPr lang="en-US" sz="1400" b="0" dirty="0">
+                <a:solidFill>
+                  <a:srgbClr val="A31515"/>
+                </a:solidFill>
+                <a:effectLst/>
+                <a:latin typeface="Consolas" panose="020B0609020204030204" pitchFamily="49" charset="0"/>
+              </a:rPr>
+              <a:t>"Joint log probability:"</a:t>
+            </a:r>
+            <a:r>
+              <a:rPr lang="en-US" sz="1400" b="0" dirty="0">
+                <a:solidFill>
+                  <a:srgbClr val="3B3B3B"/>
+                </a:solidFill>
+                <a:effectLst/>
+                <a:latin typeface="Consolas" panose="020B0609020204030204" pitchFamily="49" charset="0"/>
+              </a:rPr>
+              <a:t>, </a:t>
+            </a:r>
+            <a:r>
+              <a:rPr lang="en-US" sz="1400" b="0" dirty="0" err="1">
+                <a:solidFill>
+                  <a:srgbClr val="001080"/>
+                </a:solidFill>
+                <a:effectLst/>
+                <a:latin typeface="Consolas" panose="020B0609020204030204" pitchFamily="49" charset="0"/>
+              </a:rPr>
+              <a:t>joint_logp</a:t>
+            </a:r>
+            <a:r>
+              <a:rPr lang="en-US" sz="1400" b="0" dirty="0">
+                <a:solidFill>
+                  <a:srgbClr val="3B3B3B"/>
+                </a:solidFill>
+                <a:effectLst/>
+                <a:latin typeface="Consolas" panose="020B0609020204030204" pitchFamily="49" charset="0"/>
+              </a:rPr>
+              <a:t>)</a:t>
+            </a:r>
+          </a:p>
+        </p:txBody>
+      </p:sp>
+      <p:pic>
+        <p:nvPicPr>
+          <p:cNvPr id="6" name="Picture 5">
+            <a:extLst>
+              <a:ext uri="{FF2B5EF4-FFF2-40B4-BE49-F238E27FC236}">
+                <a16:creationId xmlns:a16="http://schemas.microsoft.com/office/drawing/2014/main" id="{2023F30B-B1AC-FDE1-BB1E-4536D458F062}"/>
+              </a:ext>
+            </a:extLst>
+          </p:cNvPr>
+          <p:cNvPicPr>
+            <a:picLocks noChangeAspect="1"/>
+          </p:cNvPicPr>
+          <p:nvPr/>
+        </p:nvPicPr>
+        <p:blipFill>
+          <a:blip r:embed="rId2"/>
+          <a:stretch>
+            <a:fillRect/>
+          </a:stretch>
+        </p:blipFill>
+        <p:spPr>
+          <a:xfrm>
+            <a:off x="4521467" y="4991489"/>
+            <a:ext cx="5545570" cy="1189178"/>
+          </a:xfrm>
+          <a:prstGeom prst="rect">
+            <a:avLst/>
+          </a:prstGeom>
+        </p:spPr>
+      </p:pic>
+      <p:sp>
+        <p:nvSpPr>
+          <p:cNvPr id="7" name="TextBox 6">
+            <a:extLst>
+              <a:ext uri="{FF2B5EF4-FFF2-40B4-BE49-F238E27FC236}">
+                <a16:creationId xmlns:a16="http://schemas.microsoft.com/office/drawing/2014/main" id="{22ADF658-C48C-C727-F05A-1FA6925E583E}"/>
+              </a:ext>
+            </a:extLst>
+          </p:cNvPr>
+          <p:cNvSpPr txBox="1"/>
+          <p:nvPr/>
+        </p:nvSpPr>
+        <p:spPr>
+          <a:xfrm>
+            <a:off x="9478433" y="3189179"/>
+            <a:ext cx="2294467" cy="1200329"/>
+          </a:xfrm>
+          <a:prstGeom prst="rect">
+            <a:avLst/>
+          </a:prstGeom>
+          <a:noFill/>
+          <a:ln>
+            <a:solidFill>
+              <a:schemeClr val="accent2"/>
+            </a:solidFill>
+          </a:ln>
+        </p:spPr>
+        <p:txBody>
+          <a:bodyPr wrap="square" rtlCol="0">
+            <a:spAutoFit/>
+          </a:bodyPr>
+          <a:lstStyle/>
+          <a:p>
+            <a:r>
+              <a:rPr lang="en-US" dirty="0"/>
+              <a:t>The </a:t>
+            </a:r>
+            <a:r>
+              <a:rPr lang="en-US" dirty="0" err="1"/>
+              <a:t>PyMC</a:t>
+            </a:r>
+            <a:r>
+              <a:rPr lang="en-US" dirty="0"/>
+              <a:t> model uses a transformed value of theta. We will explain this in a few lectures.</a:t>
+            </a:r>
+            <a:endParaRPr lang="en-IL" dirty="0"/>
+          </a:p>
+        </p:txBody>
+      </p:sp>
+      <p:graphicFrame>
+        <p:nvGraphicFramePr>
+          <p:cNvPr id="8" name="Object 7">
+            <a:extLst>
+              <a:ext uri="{FF2B5EF4-FFF2-40B4-BE49-F238E27FC236}">
+                <a16:creationId xmlns:a16="http://schemas.microsoft.com/office/drawing/2014/main" id="{D572A73D-45C2-2F8A-FE12-EBFF86E46299}"/>
+              </a:ext>
+            </a:extLst>
+          </p:cNvPr>
+          <p:cNvGraphicFramePr>
+            <a:graphicFrameLocks noChangeAspect="1"/>
+          </p:cNvGraphicFramePr>
+          <p:nvPr>
+            <p:extLst>
+              <p:ext uri="{D42A27DB-BD31-4B8C-83A1-F6EECF244321}">
+                <p14:modId xmlns:p14="http://schemas.microsoft.com/office/powerpoint/2010/main" val="1089808484"/>
+              </p:ext>
+            </p:extLst>
+          </p:nvPr>
+        </p:nvGraphicFramePr>
+        <p:xfrm>
+          <a:off x="402167" y="5831612"/>
+          <a:ext cx="2858680" cy="484522"/>
+        </p:xfrm>
+        <a:graphic>
+          <a:graphicData uri="http://schemas.openxmlformats.org/presentationml/2006/ole">
+            <mc:AlternateContent xmlns:mc="http://schemas.openxmlformats.org/markup-compatibility/2006">
+              <mc:Choice xmlns:v="urn:schemas-microsoft-com:vml" Requires="v">
+                <p:oleObj name="Equation" r:id="rId3" imgW="1498320" imgH="253800" progId="Equation.DSMT4">
+                  <p:embed/>
+                </p:oleObj>
+              </mc:Choice>
+              <mc:Fallback>
+                <p:oleObj name="Equation" r:id="rId3" imgW="1498320" imgH="253800" progId="Equation.DSMT4">
+                  <p:embed/>
+                  <p:pic>
+                    <p:nvPicPr>
+                      <p:cNvPr id="0" name=""/>
+                      <p:cNvPicPr/>
+                      <p:nvPr/>
+                    </p:nvPicPr>
+                    <p:blipFill>
+                      <a:blip r:embed="rId4"/>
+                      <a:stretch>
+                        <a:fillRect/>
+                      </a:stretch>
+                    </p:blipFill>
+                    <p:spPr>
+                      <a:xfrm>
+                        <a:off x="402167" y="5831612"/>
+                        <a:ext cx="2858680" cy="484522"/>
+                      </a:xfrm>
+                      <a:prstGeom prst="rect">
+                        <a:avLst/>
+                      </a:prstGeom>
+                    </p:spPr>
+                  </p:pic>
+                </p:oleObj>
+              </mc:Fallback>
+            </mc:AlternateContent>
+          </a:graphicData>
+        </a:graphic>
+      </p:graphicFrame>
+      <p:sp>
+        <p:nvSpPr>
+          <p:cNvPr id="9" name="TextBox 8">
+            <a:extLst>
+              <a:ext uri="{FF2B5EF4-FFF2-40B4-BE49-F238E27FC236}">
+                <a16:creationId xmlns:a16="http://schemas.microsoft.com/office/drawing/2014/main" id="{5B19AFBF-157D-0F81-3F72-2D3357D05C66}"/>
+              </a:ext>
+            </a:extLst>
+          </p:cNvPr>
+          <p:cNvSpPr txBox="1"/>
+          <p:nvPr/>
+        </p:nvSpPr>
+        <p:spPr>
+          <a:xfrm>
+            <a:off x="402167" y="5462280"/>
+            <a:ext cx="2815771" cy="369332"/>
+          </a:xfrm>
+          <a:prstGeom prst="rect">
+            <a:avLst/>
+          </a:prstGeom>
+          <a:noFill/>
+        </p:spPr>
+        <p:txBody>
+          <a:bodyPr wrap="none" rtlCol="0">
+            <a:spAutoFit/>
+          </a:bodyPr>
+          <a:lstStyle/>
+          <a:p>
+            <a:r>
+              <a:rPr lang="en-US" dirty="0"/>
+              <a:t>The joint probability density</a:t>
+            </a:r>
+            <a:endParaRPr lang="en-IL" dirty="0"/>
+          </a:p>
+        </p:txBody>
+      </p:sp>
+    </p:spTree>
+    <p:extLst>
+      <p:ext uri="{BB962C8B-B14F-4D97-AF65-F5344CB8AC3E}">
+        <p14:creationId xmlns:p14="http://schemas.microsoft.com/office/powerpoint/2010/main" val="3285991324"/>
+      </p:ext>
+    </p:extLst>
+  </p:cSld>
+  <p:clrMapOvr>
+    <a:masterClrMapping/>
+  </p:clrMapOvr>
+  <p:timing>
+    <p:tnLst>
+      <p:par>
+        <p:cTn id="1" dur="indefinite" restart="never" nodeType="tmRoot">
+          <p:childTnLst>
+            <p:seq concurrent="1" nextAc="seek">
+              <p:cTn id="2" dur="indefinite" nodeType="mainSeq">
+                <p:childTnLst>
+                  <p:par>
+                    <p:cTn id="3" fill="hold">
+                      <p:stCondLst>
+                        <p:cond delay="indefinite"/>
+                      </p:stCondLst>
+                      <p:childTnLst>
+                        <p:par>
+                          <p:cTn id="4" fill="hold">
+                            <p:stCondLst>
+                              <p:cond delay="0"/>
+                            </p:stCondLst>
+                            <p:childTnLst>
+                              <p:par>
+                                <p:cTn id="5" presetID="1" presetClass="entr" presetSubtype="0" fill="hold" grpId="0" nodeType="clickEffect">
+                                  <p:stCondLst>
+                                    <p:cond delay="0"/>
+                                  </p:stCondLst>
+                                  <p:childTnLst>
+                                    <p:set>
+                                      <p:cBhvr>
+                                        <p:cTn id="6" dur="1" fill="hold">
+                                          <p:stCondLst>
+                                            <p:cond delay="0"/>
+                                          </p:stCondLst>
+                                        </p:cTn>
+                                        <p:tgtEl>
+                                          <p:spTgt spid="7"/>
+                                        </p:tgtEl>
+                                        <p:attrNameLst>
+                                          <p:attrName>style.visibility</p:attrName>
+                                        </p:attrNameLst>
+                                      </p:cBhvr>
+                                      <p:to>
+                                        <p:strVal val="visible"/>
+                                      </p:to>
+                                    </p:set>
+                                  </p:childTnLst>
+                                </p:cTn>
+                              </p:par>
+                            </p:childTnLst>
+                          </p:cTn>
+                        </p:par>
+                      </p:childTnLst>
+                    </p:cTn>
+                  </p:par>
+                </p:childTnLst>
+              </p:cTn>
+              <p:prevCondLst>
+                <p:cond evt="onPrev" delay="0">
+                  <p:tgtEl>
+                    <p:sldTgt/>
+                  </p:tgtEl>
+                </p:cond>
+              </p:prevCondLst>
+              <p:nextCondLst>
+                <p:cond evt="onNext" delay="0">
+                  <p:tgtEl>
+                    <p:sldTgt/>
+                  </p:tgtEl>
+                </p:cond>
+              </p:nextCondLst>
+            </p:seq>
+          </p:childTnLst>
+        </p:cTn>
+      </p:par>
+    </p:tnLst>
+    <p:bldLst>
+      <p:bldP spid="7" grpId="0" animBg="1"/>
+    </p:bldLst>
+  </p:timing>
+</p:sld>
+</file>
+
+<file path=ppt/slides/slide52.xml><?xml version="1.0" encoding="utf-8"?>
 <p:sld xmlns:a="http://schemas.openxmlformats.org/drawingml/2006/main" xmlns:r="http://schemas.openxmlformats.org/officeDocument/2006/relationships" xmlns:p="http://schemas.openxmlformats.org/presentationml/2006/main">
   <p:cSld>
     <p:spTree>
@@ -18463,7 +21298,7 @@
               <a:pPr>
                 <a:defRPr/>
               </a:pPr>
-              <a:t>44</a:t>
+              <a:t>52</a:t>
             </a:fld>
             <a:r>
               <a:rPr lang="en-US" altLang="en-US"/>
@@ -18485,7 +21320,7 @@
 </p:sld>
 </file>
 
-<file path=ppt/slides/slide45.xml><?xml version="1.0" encoding="utf-8"?>
+<file path=ppt/slides/slide53.xml><?xml version="1.0" encoding="utf-8"?>
 <p:sld xmlns:a="http://schemas.openxmlformats.org/drawingml/2006/main" xmlns:r="http://schemas.openxmlformats.org/officeDocument/2006/relationships" xmlns:p="http://schemas.openxmlformats.org/presentationml/2006/main">
   <p:cSld>
     <p:spTree>
@@ -18608,7 +21443,7 @@
 </p:sld>
 </file>
 
-<file path=ppt/slides/slide46.xml><?xml version="1.0" encoding="utf-8"?>
+<file path=ppt/slides/slide54.xml><?xml version="1.0" encoding="utf-8"?>
 <p:sld xmlns:a="http://schemas.openxmlformats.org/drawingml/2006/main" xmlns:r="http://schemas.openxmlformats.org/officeDocument/2006/relationships" xmlns:p="http://schemas.openxmlformats.org/presentationml/2006/main">
   <p:cSld>
     <p:spTree>
@@ -19131,7 +21966,7 @@
 </p:sld>
 </file>
 
-<file path=ppt/slides/slide47.xml><?xml version="1.0" encoding="utf-8"?>
+<file path=ppt/slides/slide55.xml><?xml version="1.0" encoding="utf-8"?>
 <p:sld xmlns:a="http://schemas.openxmlformats.org/drawingml/2006/main" xmlns:r="http://schemas.openxmlformats.org/officeDocument/2006/relationships" xmlns:p="http://schemas.openxmlformats.org/presentationml/2006/main">
   <p:cSld>
     <p:spTree>
@@ -19897,7 +22732,7 @@
 </p:sld>
 </file>
 
-<file path=ppt/slides/slide48.xml><?xml version="1.0" encoding="utf-8"?>
+<file path=ppt/slides/slide56.xml><?xml version="1.0" encoding="utf-8"?>
 <p:sld xmlns:a="http://schemas.openxmlformats.org/drawingml/2006/main" xmlns:r="http://schemas.openxmlformats.org/officeDocument/2006/relationships" xmlns:p="http://schemas.openxmlformats.org/presentationml/2006/main">
   <p:cSld>
     <p:spTree>
@@ -20026,7 +22861,7 @@
 </p:sld>
 </file>
 
-<file path=ppt/slides/slide49.xml><?xml version="1.0" encoding="utf-8"?>
+<file path=ppt/slides/slide57.xml><?xml version="1.0" encoding="utf-8"?>
 <p:sld xmlns:a="http://schemas.openxmlformats.org/drawingml/2006/main" xmlns:r="http://schemas.openxmlformats.org/officeDocument/2006/relationships" xmlns:p="http://schemas.openxmlformats.org/presentationml/2006/main">
   <p:cSld>
     <p:spTree>
@@ -20134,382 +22969,6 @@
   <p:clrMapOvr>
     <a:masterClrMapping/>
   </p:clrMapOvr>
-</p:sld>
-</file>
-
-<file path=ppt/slides/slide5.xml><?xml version="1.0" encoding="utf-8"?>
-<p:sld xmlns:a="http://schemas.openxmlformats.org/drawingml/2006/main" xmlns:r="http://schemas.openxmlformats.org/officeDocument/2006/relationships" xmlns:p="http://schemas.openxmlformats.org/presentationml/2006/main">
-  <p:cSld>
-    <p:spTree>
-      <p:nvGrpSpPr>
-        <p:cNvPr id="1" name=""/>
-        <p:cNvGrpSpPr/>
-        <p:nvPr/>
-      </p:nvGrpSpPr>
-      <p:grpSpPr>
-        <a:xfrm>
-          <a:off x="0" y="0"/>
-          <a:ext cx="0" cy="0"/>
-          <a:chOff x="0" y="0"/>
-          <a:chExt cx="0" cy="0"/>
-        </a:xfrm>
-      </p:grpSpPr>
-      <p:sp>
-        <p:nvSpPr>
-          <p:cNvPr id="2" name="Title 1"/>
-          <p:cNvSpPr>
-            <a:spLocks noGrp="1"/>
-          </p:cNvSpPr>
-          <p:nvPr>
-            <p:ph type="title"/>
-          </p:nvPr>
-        </p:nvSpPr>
-        <p:spPr/>
-        <p:txBody>
-          <a:bodyPr>
-            <a:noAutofit/>
-          </a:bodyPr>
-          <a:lstStyle/>
-          <a:p>
-            <a:r>
-              <a:rPr lang="en-US"/>
-              <a:t>The beta prior for the binomial likelihood</a:t>
-            </a:r>
-            <a:endParaRPr lang="en-GB"/>
-          </a:p>
-        </p:txBody>
-      </p:sp>
-      <p:sp>
-        <p:nvSpPr>
-          <p:cNvPr id="5" name="Content Placeholder 4"/>
-          <p:cNvSpPr>
-            <a:spLocks noGrp="1"/>
-          </p:cNvSpPr>
-          <p:nvPr>
-            <p:ph idx="1"/>
-          </p:nvPr>
-        </p:nvSpPr>
-        <p:spPr>
-          <a:xfrm>
-            <a:off x="838200" y="1520295"/>
-            <a:ext cx="3946236" cy="4656667"/>
-          </a:xfrm>
-        </p:spPr>
-        <p:txBody>
-          <a:bodyPr/>
-          <a:lstStyle/>
-          <a:p>
-            <a:r>
-              <a:rPr lang="en-US"/>
-              <a:t>Flexible</a:t>
-            </a:r>
-          </a:p>
-          <a:p>
-            <a:r>
-              <a:rPr lang="en-US"/>
-              <a:t>Conjugate</a:t>
-            </a:r>
-          </a:p>
-          <a:p>
-            <a:r>
-              <a:rPr lang="en-US"/>
-              <a:t>Interpretable</a:t>
-            </a:r>
-          </a:p>
-        </p:txBody>
-      </p:sp>
-      <p:pic>
-        <p:nvPicPr>
-          <p:cNvPr id="4" name="Picture 3">
-            <a:extLst>
-              <a:ext uri="{FF2B5EF4-FFF2-40B4-BE49-F238E27FC236}">
-                <a16:creationId xmlns:a16="http://schemas.microsoft.com/office/drawing/2014/main" id="{F96D15D1-FD08-888B-BC83-FFA08F44063A}"/>
-              </a:ext>
-            </a:extLst>
-          </p:cNvPr>
-          <p:cNvPicPr>
-            <a:picLocks noChangeAspect="1"/>
-          </p:cNvPicPr>
-          <p:nvPr/>
-        </p:nvPicPr>
-        <p:blipFill>
-          <a:blip r:embed="rId2"/>
-          <a:stretch>
-            <a:fillRect/>
-          </a:stretch>
-        </p:blipFill>
-        <p:spPr>
-          <a:xfrm>
-            <a:off x="4811004" y="1427479"/>
-            <a:ext cx="6620585" cy="4656667"/>
-          </a:xfrm>
-          <a:prstGeom prst="rect">
-            <a:avLst/>
-          </a:prstGeom>
-        </p:spPr>
-      </p:pic>
-      <p:graphicFrame>
-        <p:nvGraphicFramePr>
-          <p:cNvPr id="3" name="Object 2">
-            <a:extLst>
-              <a:ext uri="{FF2B5EF4-FFF2-40B4-BE49-F238E27FC236}">
-                <a16:creationId xmlns:a16="http://schemas.microsoft.com/office/drawing/2014/main" id="{37E7551A-4720-142B-AC6B-E84488F46D52}"/>
-              </a:ext>
-            </a:extLst>
-          </p:cNvPr>
-          <p:cNvGraphicFramePr>
-            <a:graphicFrameLocks noChangeAspect="1"/>
-          </p:cNvGraphicFramePr>
-          <p:nvPr/>
-        </p:nvGraphicFramePr>
-        <p:xfrm>
-          <a:off x="677863" y="4700588"/>
-          <a:ext cx="3408362" cy="1116012"/>
-        </p:xfrm>
-        <a:graphic>
-          <a:graphicData uri="http://schemas.openxmlformats.org/presentationml/2006/ole">
-            <mc:AlternateContent xmlns:mc="http://schemas.openxmlformats.org/markup-compatibility/2006">
-              <mc:Choice xmlns:v="urn:schemas-microsoft-com:vml" Requires="v">
-                <p:oleObj name="Equation" r:id="rId3" imgW="1549080" imgH="507960" progId="Equation.DSMT4">
-                  <p:embed/>
-                </p:oleObj>
-              </mc:Choice>
-              <mc:Fallback>
-                <p:oleObj name="Equation" r:id="rId3" imgW="1549080" imgH="507960" progId="Equation.DSMT4">
-                  <p:embed/>
-                  <p:pic>
-                    <p:nvPicPr>
-                      <p:cNvPr id="3" name="Object 2">
-                        <a:extLst>
-                          <a:ext uri="{FF2B5EF4-FFF2-40B4-BE49-F238E27FC236}">
-                            <a16:creationId xmlns:a16="http://schemas.microsoft.com/office/drawing/2014/main" id="{37E7551A-4720-142B-AC6B-E84488F46D52}"/>
-                          </a:ext>
-                        </a:extLst>
-                      </p:cNvPr>
-                      <p:cNvPicPr/>
-                      <p:nvPr/>
-                    </p:nvPicPr>
-                    <p:blipFill>
-                      <a:blip r:embed="rId4"/>
-                      <a:stretch>
-                        <a:fillRect/>
-                      </a:stretch>
-                    </p:blipFill>
-                    <p:spPr>
-                      <a:xfrm>
-                        <a:off x="677863" y="4700588"/>
-                        <a:ext cx="3408362" cy="1116012"/>
-                      </a:xfrm>
-                      <a:prstGeom prst="rect">
-                        <a:avLst/>
-                      </a:prstGeom>
-                    </p:spPr>
-                  </p:pic>
-                </p:oleObj>
-              </mc:Fallback>
-            </mc:AlternateContent>
-          </a:graphicData>
-        </a:graphic>
-      </p:graphicFrame>
-    </p:spTree>
-    <p:extLst>
-      <p:ext uri="{BB962C8B-B14F-4D97-AF65-F5344CB8AC3E}">
-        <p14:creationId xmlns:p14="http://schemas.microsoft.com/office/powerpoint/2010/main" val="1122514294"/>
-      </p:ext>
-    </p:extLst>
-  </p:cSld>
-  <p:clrMapOvr>
-    <a:masterClrMapping/>
-  </p:clrMapOvr>
-  <p:timing>
-    <p:tnLst>
-      <p:par>
-        <p:cTn id="1" dur="indefinite" restart="never" nodeType="tmRoot">
-          <p:childTnLst>
-            <p:seq concurrent="1" nextAc="seek">
-              <p:cTn id="2" dur="indefinite" nodeType="mainSeq">
-                <p:childTnLst>
-                  <p:par>
-                    <p:cTn id="3" fill="hold">
-                      <p:stCondLst>
-                        <p:cond delay="indefinite"/>
-                        <p:cond evt="onBegin" delay="0">
-                          <p:tn val="2"/>
-                        </p:cond>
-                      </p:stCondLst>
-                      <p:childTnLst>
-                        <p:par>
-                          <p:cTn id="4" fill="hold">
-                            <p:stCondLst>
-                              <p:cond delay="0"/>
-                            </p:stCondLst>
-                            <p:childTnLst>
-                              <p:par>
-                                <p:cTn id="5" presetID="1" presetClass="entr" presetSubtype="0" fill="hold" nodeType="withEffect">
-                                  <p:stCondLst>
-                                    <p:cond delay="0"/>
-                                  </p:stCondLst>
-                                  <p:childTnLst>
-                                    <p:set>
-                                      <p:cBhvr>
-                                        <p:cTn id="6" dur="1" fill="hold">
-                                          <p:stCondLst>
-                                            <p:cond delay="0"/>
-                                          </p:stCondLst>
-                                        </p:cTn>
-                                        <p:tgtEl>
-                                          <p:spTgt spid="5">
-                                            <p:txEl>
-                                              <p:pRg st="0" end="0"/>
-                                            </p:txEl>
-                                          </p:spTgt>
-                                        </p:tgtEl>
-                                        <p:attrNameLst>
-                                          <p:attrName>style.visibility</p:attrName>
-                                        </p:attrNameLst>
-                                      </p:cBhvr>
-                                      <p:to>
-                                        <p:strVal val="visible"/>
-                                      </p:to>
-                                    </p:set>
-                                  </p:childTnLst>
-                                </p:cTn>
-                              </p:par>
-                              <p:par>
-                                <p:cTn id="7" presetID="1" presetClass="entr" presetSubtype="0" fill="hold" nodeType="withEffect">
-                                  <p:stCondLst>
-                                    <p:cond delay="0"/>
-                                  </p:stCondLst>
-                                  <p:childTnLst>
-                                    <p:set>
-                                      <p:cBhvr>
-                                        <p:cTn id="8" dur="1" fill="hold">
-                                          <p:stCondLst>
-                                            <p:cond delay="0"/>
-                                          </p:stCondLst>
-                                        </p:cTn>
-                                        <p:tgtEl>
-                                          <p:spTgt spid="5">
-                                            <p:txEl>
-                                              <p:pRg st="1" end="1"/>
-                                            </p:txEl>
-                                          </p:spTgt>
-                                        </p:tgtEl>
-                                        <p:attrNameLst>
-                                          <p:attrName>style.visibility</p:attrName>
-                                        </p:attrNameLst>
-                                      </p:cBhvr>
-                                      <p:to>
-                                        <p:strVal val="visible"/>
-                                      </p:to>
-                                    </p:set>
-                                  </p:childTnLst>
-                                </p:cTn>
-                              </p:par>
-                              <p:par>
-                                <p:cTn id="9" presetID="1" presetClass="entr" presetSubtype="0" fill="hold" nodeType="withEffect">
-                                  <p:stCondLst>
-                                    <p:cond delay="0"/>
-                                  </p:stCondLst>
-                                  <p:childTnLst>
-                                    <p:set>
-                                      <p:cBhvr>
-                                        <p:cTn id="10" dur="1" fill="hold">
-                                          <p:stCondLst>
-                                            <p:cond delay="0"/>
-                                          </p:stCondLst>
-                                        </p:cTn>
-                                        <p:tgtEl>
-                                          <p:spTgt spid="5">
-                                            <p:txEl>
-                                              <p:pRg st="2" end="2"/>
-                                            </p:txEl>
-                                          </p:spTgt>
-                                        </p:tgtEl>
-                                        <p:attrNameLst>
-                                          <p:attrName>style.visibility</p:attrName>
-                                        </p:attrNameLst>
-                                      </p:cBhvr>
-                                      <p:to>
-                                        <p:strVal val="visible"/>
-                                      </p:to>
-                                    </p:set>
-                                  </p:childTnLst>
-                                </p:cTn>
-                              </p:par>
-                            </p:childTnLst>
-                          </p:cTn>
-                        </p:par>
-                      </p:childTnLst>
-                    </p:cTn>
-                  </p:par>
-                  <p:par>
-                    <p:cTn id="11" fill="hold">
-                      <p:stCondLst>
-                        <p:cond delay="indefinite"/>
-                      </p:stCondLst>
-                      <p:childTnLst>
-                        <p:par>
-                          <p:cTn id="12" fill="hold">
-                            <p:stCondLst>
-                              <p:cond delay="0"/>
-                            </p:stCondLst>
-                            <p:childTnLst>
-                              <p:par>
-                                <p:cTn id="13" presetID="1" presetClass="entr" presetSubtype="0" fill="hold" nodeType="clickEffect">
-                                  <p:stCondLst>
-                                    <p:cond delay="0"/>
-                                  </p:stCondLst>
-                                  <p:childTnLst>
-                                    <p:set>
-                                      <p:cBhvr>
-                                        <p:cTn id="14" dur="1" fill="hold">
-                                          <p:stCondLst>
-                                            <p:cond delay="0"/>
-                                          </p:stCondLst>
-                                        </p:cTn>
-                                        <p:tgtEl>
-                                          <p:spTgt spid="3"/>
-                                        </p:tgtEl>
-                                        <p:attrNameLst>
-                                          <p:attrName>style.visibility</p:attrName>
-                                        </p:attrNameLst>
-                                      </p:cBhvr>
-                                      <p:to>
-                                        <p:strVal val="visible"/>
-                                      </p:to>
-                                    </p:set>
-                                  </p:childTnLst>
-                                </p:cTn>
-                              </p:par>
-                            </p:childTnLst>
-                          </p:cTn>
-                        </p:par>
-                      </p:childTnLst>
-                    </p:cTn>
-                  </p:par>
-                </p:childTnLst>
-              </p:cTn>
-              <p:prevCondLst>
-                <p:cond evt="onPrev" delay="0">
-                  <p:tgtEl>
-                    <p:sldTgt/>
-                  </p:tgtEl>
-                </p:cond>
-              </p:prevCondLst>
-              <p:nextCondLst>
-                <p:cond evt="onNext" delay="0">
-                  <p:tgtEl>
-                    <p:sldTgt/>
-                  </p:tgtEl>
-                </p:cond>
-              </p:nextCondLst>
-            </p:seq>
-          </p:childTnLst>
-        </p:cTn>
-      </p:par>
-    </p:tnLst>
-  </p:timing>
 </p:sld>
 </file>
 

--- a/Lectures/Lecture 3 PyMC and Sampling.pptx
+++ b/Lectures/Lecture 3 PyMC and Sampling.pptx
@@ -5,7 +5,7 @@
     <p:sldMasterId id="2147483648" r:id="rId1"/>
   </p:sldMasterIdLst>
   <p:notesMasterIdLst>
-    <p:notesMasterId r:id="rId59"/>
+    <p:notesMasterId r:id="rId63"/>
   </p:notesMasterIdLst>
   <p:sldIdLst>
     <p:sldId id="256" r:id="rId2"/>
@@ -51,20 +51,24 @@
     <p:sldId id="378" r:id="rId42"/>
     <p:sldId id="534" r:id="rId43"/>
     <p:sldId id="557" r:id="rId44"/>
-    <p:sldId id="558" r:id="rId45"/>
-    <p:sldId id="565" r:id="rId46"/>
-    <p:sldId id="566" r:id="rId47"/>
-    <p:sldId id="567" r:id="rId48"/>
-    <p:sldId id="571" r:id="rId49"/>
-    <p:sldId id="568" r:id="rId50"/>
-    <p:sldId id="569" r:id="rId51"/>
-    <p:sldId id="570" r:id="rId52"/>
-    <p:sldId id="542" r:id="rId53"/>
-    <p:sldId id="535" r:id="rId54"/>
-    <p:sldId id="536" r:id="rId55"/>
-    <p:sldId id="537" r:id="rId56"/>
-    <p:sldId id="538" r:id="rId57"/>
-    <p:sldId id="311" r:id="rId58"/>
+    <p:sldId id="572" r:id="rId45"/>
+    <p:sldId id="558" r:id="rId46"/>
+    <p:sldId id="565" r:id="rId47"/>
+    <p:sldId id="566" r:id="rId48"/>
+    <p:sldId id="567" r:id="rId49"/>
+    <p:sldId id="571" r:id="rId50"/>
+    <p:sldId id="568" r:id="rId51"/>
+    <p:sldId id="569" r:id="rId52"/>
+    <p:sldId id="570" r:id="rId53"/>
+    <p:sldId id="573" r:id="rId54"/>
+    <p:sldId id="574" r:id="rId55"/>
+    <p:sldId id="575" r:id="rId56"/>
+    <p:sldId id="542" r:id="rId57"/>
+    <p:sldId id="535" r:id="rId58"/>
+    <p:sldId id="536" r:id="rId59"/>
+    <p:sldId id="537" r:id="rId60"/>
+    <p:sldId id="538" r:id="rId61"/>
+    <p:sldId id="311" r:id="rId62"/>
   </p:sldIdLst>
   <p:sldSz cx="12192000" cy="6858000"/>
   <p:notesSz cx="7102475" cy="10234613"/>
@@ -2143,7 +2147,7 @@
           <a:p>
             <a:fld id="{9CF176CD-15D1-4787-BBAA-B7F61FF9E394}" type="datetimeFigureOut">
               <a:rPr lang="en-GB" smtClean="0"/>
-              <a:t>28/02/2025</a:t>
+              <a:t>04/03/2025</a:t>
             </a:fld>
             <a:endParaRPr lang="en-GB"/>
           </a:p>
@@ -2542,7 +2546,7 @@
           <a:p>
             <a:fld id="{633AF1EE-65BA-4140-B6B9-7F82C437F84A}" type="datetimeFigureOut">
               <a:rPr lang="en-GB" smtClean="0"/>
-              <a:t>28/02/2025</a:t>
+              <a:t>04/03/2025</a:t>
             </a:fld>
             <a:endParaRPr lang="en-GB"/>
           </a:p>
@@ -2712,7 +2716,7 @@
           <a:p>
             <a:fld id="{633AF1EE-65BA-4140-B6B9-7F82C437F84A}" type="datetimeFigureOut">
               <a:rPr lang="en-GB" smtClean="0"/>
-              <a:t>28/02/2025</a:t>
+              <a:t>04/03/2025</a:t>
             </a:fld>
             <a:endParaRPr lang="en-GB"/>
           </a:p>
@@ -2892,7 +2896,7 @@
           <a:p>
             <a:fld id="{633AF1EE-65BA-4140-B6B9-7F82C437F84A}" type="datetimeFigureOut">
               <a:rPr lang="en-GB" smtClean="0"/>
-              <a:t>28/02/2025</a:t>
+              <a:t>04/03/2025</a:t>
             </a:fld>
             <a:endParaRPr lang="en-GB"/>
           </a:p>
@@ -3062,7 +3066,7 @@
           <a:p>
             <a:fld id="{633AF1EE-65BA-4140-B6B9-7F82C437F84A}" type="datetimeFigureOut">
               <a:rPr lang="en-GB" smtClean="0"/>
-              <a:t>28/02/2025</a:t>
+              <a:t>04/03/2025</a:t>
             </a:fld>
             <a:endParaRPr lang="en-GB"/>
           </a:p>
@@ -3308,7 +3312,7 @@
           <a:p>
             <a:fld id="{633AF1EE-65BA-4140-B6B9-7F82C437F84A}" type="datetimeFigureOut">
               <a:rPr lang="en-GB" smtClean="0"/>
-              <a:t>28/02/2025</a:t>
+              <a:t>04/03/2025</a:t>
             </a:fld>
             <a:endParaRPr lang="en-GB"/>
           </a:p>
@@ -3540,7 +3544,7 @@
           <a:p>
             <a:fld id="{633AF1EE-65BA-4140-B6B9-7F82C437F84A}" type="datetimeFigureOut">
               <a:rPr lang="en-GB" smtClean="0"/>
-              <a:t>28/02/2025</a:t>
+              <a:t>04/03/2025</a:t>
             </a:fld>
             <a:endParaRPr lang="en-GB"/>
           </a:p>
@@ -3907,7 +3911,7 @@
           <a:p>
             <a:fld id="{633AF1EE-65BA-4140-B6B9-7F82C437F84A}" type="datetimeFigureOut">
               <a:rPr lang="en-GB" smtClean="0"/>
-              <a:t>28/02/2025</a:t>
+              <a:t>04/03/2025</a:t>
             </a:fld>
             <a:endParaRPr lang="en-GB"/>
           </a:p>
@@ -4025,7 +4029,7 @@
           <a:p>
             <a:fld id="{633AF1EE-65BA-4140-B6B9-7F82C437F84A}" type="datetimeFigureOut">
               <a:rPr lang="en-GB" smtClean="0"/>
-              <a:t>28/02/2025</a:t>
+              <a:t>04/03/2025</a:t>
             </a:fld>
             <a:endParaRPr lang="en-GB"/>
           </a:p>
@@ -4120,7 +4124,7 @@
           <a:p>
             <a:fld id="{633AF1EE-65BA-4140-B6B9-7F82C437F84A}" type="datetimeFigureOut">
               <a:rPr lang="en-GB" smtClean="0"/>
-              <a:t>28/02/2025</a:t>
+              <a:t>04/03/2025</a:t>
             </a:fld>
             <a:endParaRPr lang="en-GB"/>
           </a:p>
@@ -4397,7 +4401,7 @@
           <a:p>
             <a:fld id="{633AF1EE-65BA-4140-B6B9-7F82C437F84A}" type="datetimeFigureOut">
               <a:rPr lang="en-GB" smtClean="0"/>
-              <a:t>28/02/2025</a:t>
+              <a:t>04/03/2025</a:t>
             </a:fld>
             <a:endParaRPr lang="en-GB"/>
           </a:p>
@@ -4650,7 +4654,7 @@
           <a:p>
             <a:fld id="{633AF1EE-65BA-4140-B6B9-7F82C437F84A}" type="datetimeFigureOut">
               <a:rPr lang="en-GB" smtClean="0"/>
-              <a:t>28/02/2025</a:t>
+              <a:t>04/03/2025</a:t>
             </a:fld>
             <a:endParaRPr lang="en-GB"/>
           </a:p>
@@ -4863,7 +4867,7 @@
           <a:p>
             <a:fld id="{633AF1EE-65BA-4140-B6B9-7F82C437F84A}" type="datetimeFigureOut">
               <a:rPr lang="en-GB" smtClean="0"/>
-              <a:t>28/02/2025</a:t>
+              <a:t>04/03/2025</a:t>
             </a:fld>
             <a:endParaRPr lang="en-GB"/>
           </a:p>
@@ -18456,6 +18460,99 @@
       </p:grpSpPr>
       <p:sp>
         <p:nvSpPr>
+          <p:cNvPr id="5" name="Title 4">
+            <a:extLst>
+              <a:ext uri="{FF2B5EF4-FFF2-40B4-BE49-F238E27FC236}">
+                <a16:creationId xmlns:a16="http://schemas.microsoft.com/office/drawing/2014/main" id="{B11CB749-38A6-8B0E-C19A-508D82170BF1}"/>
+              </a:ext>
+            </a:extLst>
+          </p:cNvPr>
+          <p:cNvSpPr>
+            <a:spLocks noGrp="1"/>
+          </p:cNvSpPr>
+          <p:nvPr>
+            <p:ph type="title"/>
+          </p:nvPr>
+        </p:nvSpPr>
+        <p:spPr/>
+        <p:txBody>
+          <a:bodyPr/>
+          <a:lstStyle/>
+          <a:p>
+            <a:r>
+              <a:rPr lang="en-US" dirty="0" err="1"/>
+              <a:t>PyMC’s</a:t>
+            </a:r>
+            <a:r>
+              <a:rPr lang="en-US" dirty="0"/>
+              <a:t> modeling back end</a:t>
+            </a:r>
+            <a:endParaRPr lang="en-IL" dirty="0"/>
+          </a:p>
+        </p:txBody>
+      </p:sp>
+      <p:pic>
+        <p:nvPicPr>
+          <p:cNvPr id="4" name="Picture 3">
+            <a:extLst>
+              <a:ext uri="{FF2B5EF4-FFF2-40B4-BE49-F238E27FC236}">
+                <a16:creationId xmlns:a16="http://schemas.microsoft.com/office/drawing/2014/main" id="{DE2616D0-95D8-E989-3DFB-14211E36D375}"/>
+              </a:ext>
+            </a:extLst>
+          </p:cNvPr>
+          <p:cNvPicPr>
+            <a:picLocks noChangeAspect="1"/>
+          </p:cNvPicPr>
+          <p:nvPr/>
+        </p:nvPicPr>
+        <p:blipFill>
+          <a:blip r:embed="rId2"/>
+          <a:stretch>
+            <a:fillRect/>
+          </a:stretch>
+        </p:blipFill>
+        <p:spPr>
+          <a:xfrm>
+            <a:off x="2612465" y="1734314"/>
+            <a:ext cx="8607923" cy="4835819"/>
+          </a:xfrm>
+          <a:prstGeom prst="rect">
+            <a:avLst/>
+          </a:prstGeom>
+        </p:spPr>
+      </p:pic>
+    </p:spTree>
+    <p:extLst>
+      <p:ext uri="{BB962C8B-B14F-4D97-AF65-F5344CB8AC3E}">
+        <p14:creationId xmlns:p14="http://schemas.microsoft.com/office/powerpoint/2010/main" val="3557076498"/>
+      </p:ext>
+    </p:extLst>
+  </p:cSld>
+  <p:clrMapOvr>
+    <a:masterClrMapping/>
+  </p:clrMapOvr>
+</p:sld>
+</file>
+
+<file path=ppt/slides/slide45.xml><?xml version="1.0" encoding="utf-8"?>
+<p:sld xmlns:a="http://schemas.openxmlformats.org/drawingml/2006/main" xmlns:r="http://schemas.openxmlformats.org/officeDocument/2006/relationships" xmlns:p="http://schemas.openxmlformats.org/presentationml/2006/main">
+  <p:cSld>
+    <p:spTree>
+      <p:nvGrpSpPr>
+        <p:cNvPr id="1" name=""/>
+        <p:cNvGrpSpPr/>
+        <p:nvPr/>
+      </p:nvGrpSpPr>
+      <p:grpSpPr>
+        <a:xfrm>
+          <a:off x="0" y="0"/>
+          <a:ext cx="0" cy="0"/>
+          <a:chOff x="0" y="0"/>
+          <a:chExt cx="0" cy="0"/>
+        </a:xfrm>
+      </p:grpSpPr>
+      <p:sp>
+        <p:nvSpPr>
           <p:cNvPr id="4" name="Title 3">
             <a:extLst>
               <a:ext uri="{FF2B5EF4-FFF2-40B4-BE49-F238E27FC236}">
@@ -18507,7 +18604,9 @@
         </p:nvSpPr>
         <p:spPr/>
         <p:txBody>
-          <a:bodyPr/>
+          <a:bodyPr>
+            <a:normAutofit fontScale="92500" lnSpcReduction="10000"/>
+          </a:bodyPr>
           <a:lstStyle/>
           <a:p>
             <a:r>
@@ -18564,6 +18663,13 @@
             <a:pPr lvl="1"/>
             <a:r>
               <a:rPr lang="en-US" dirty="0"/>
+              <a:t>Focused on fast computation for large matrixes</a:t>
+            </a:r>
+          </a:p>
+          <a:p>
+            <a:pPr lvl="1"/>
+            <a:r>
+              <a:rPr lang="en-US" dirty="0"/>
               <a:t>And made it obsolete</a:t>
             </a:r>
           </a:p>
@@ -18575,6 +18681,13 @@
             <a:r>
               <a:rPr lang="en-US" dirty="0"/>
               <a:t> still needed Theano functionality</a:t>
+            </a:r>
+          </a:p>
+          <a:p>
+            <a:pPr lvl="1"/>
+            <a:r>
+              <a:rPr lang="en-US" dirty="0"/>
+              <a:t>Symbolic tensor manipulation</a:t>
             </a:r>
           </a:p>
           <a:p>
@@ -18604,7 +18717,7 @@
 </p:sld>
 </file>
 
-<file path=ppt/slides/slide45.xml><?xml version="1.0" encoding="utf-8"?>
+<file path=ppt/slides/slide46.xml><?xml version="1.0" encoding="utf-8"?>
 <p:sld xmlns:a="http://schemas.openxmlformats.org/drawingml/2006/main" xmlns:r="http://schemas.openxmlformats.org/officeDocument/2006/relationships" xmlns:p="http://schemas.openxmlformats.org/presentationml/2006/main">
   <p:cSld>
     <p:spTree>
@@ -18848,7 +18961,7 @@
 </p:sld>
 </file>
 
-<file path=ppt/slides/slide46.xml><?xml version="1.0" encoding="utf-8"?>
+<file path=ppt/slides/slide47.xml><?xml version="1.0" encoding="utf-8"?>
 <p:sld xmlns:a="http://schemas.openxmlformats.org/drawingml/2006/main" xmlns:r="http://schemas.openxmlformats.org/officeDocument/2006/relationships" xmlns:p="http://schemas.openxmlformats.org/presentationml/2006/main">
   <p:cSld>
     <p:spTree>
@@ -19001,7 +19114,7 @@
 </p:sld>
 </file>
 
-<file path=ppt/slides/slide47.xml><?xml version="1.0" encoding="utf-8"?>
+<file path=ppt/slides/slide48.xml><?xml version="1.0" encoding="utf-8"?>
 <p:sld xmlns:a="http://schemas.openxmlformats.org/drawingml/2006/main" xmlns:r="http://schemas.openxmlformats.org/officeDocument/2006/relationships" xmlns:p="http://schemas.openxmlformats.org/presentationml/2006/main">
   <p:cSld>
     <p:spTree>
@@ -19311,7 +19424,7 @@
 </p:sld>
 </file>
 
-<file path=ppt/slides/slide48.xml><?xml version="1.0" encoding="utf-8"?>
+<file path=ppt/slides/slide49.xml><?xml version="1.0" encoding="utf-8"?>
 <p:sld xmlns:a="http://schemas.openxmlformats.org/drawingml/2006/main" xmlns:r="http://schemas.openxmlformats.org/officeDocument/2006/relationships" xmlns:p="http://schemas.openxmlformats.org/presentationml/2006/main">
   <p:cSld>
     <p:spTree>
@@ -19424,197 +19537,6 @@
     <p:extLst>
       <p:ext uri="{BB962C8B-B14F-4D97-AF65-F5344CB8AC3E}">
         <p14:creationId xmlns:p14="http://schemas.microsoft.com/office/powerpoint/2010/main" val="3222122075"/>
-      </p:ext>
-    </p:extLst>
-  </p:cSld>
-  <p:clrMapOvr>
-    <a:masterClrMapping/>
-  </p:clrMapOvr>
-</p:sld>
-</file>
-
-<file path=ppt/slides/slide49.xml><?xml version="1.0" encoding="utf-8"?>
-<p:sld xmlns:a="http://schemas.openxmlformats.org/drawingml/2006/main" xmlns:r="http://schemas.openxmlformats.org/officeDocument/2006/relationships" xmlns:p="http://schemas.openxmlformats.org/presentationml/2006/main">
-  <p:cSld>
-    <p:spTree>
-      <p:nvGrpSpPr>
-        <p:cNvPr id="1" name=""/>
-        <p:cNvGrpSpPr/>
-        <p:nvPr/>
-      </p:nvGrpSpPr>
-      <p:grpSpPr>
-        <a:xfrm>
-          <a:off x="0" y="0"/>
-          <a:ext cx="0" cy="0"/>
-          <a:chOff x="0" y="0"/>
-          <a:chExt cx="0" cy="0"/>
-        </a:xfrm>
-      </p:grpSpPr>
-      <p:sp>
-        <p:nvSpPr>
-          <p:cNvPr id="2" name="Title 1">
-            <a:extLst>
-              <a:ext uri="{FF2B5EF4-FFF2-40B4-BE49-F238E27FC236}">
-                <a16:creationId xmlns:a16="http://schemas.microsoft.com/office/drawing/2014/main" id="{1DEA1B1A-3DBB-E992-5782-C0E49CCFF76A}"/>
-              </a:ext>
-            </a:extLst>
-          </p:cNvPr>
-          <p:cNvSpPr>
-            <a:spLocks noGrp="1"/>
-          </p:cNvSpPr>
-          <p:nvPr>
-            <p:ph type="title"/>
-          </p:nvPr>
-        </p:nvSpPr>
-        <p:spPr/>
-        <p:txBody>
-          <a:bodyPr>
-            <a:normAutofit/>
-          </a:bodyPr>
-          <a:lstStyle/>
-          <a:p>
-            <a:r>
-              <a:rPr lang="en-US" sz="3600" dirty="0" err="1"/>
-              <a:t>PyMC</a:t>
-            </a:r>
-            <a:r>
-              <a:rPr lang="en-US" sz="3600" dirty="0"/>
-              <a:t> nodes are (often) </a:t>
-            </a:r>
-            <a:r>
-              <a:rPr lang="en-US" sz="3600" dirty="0" err="1"/>
-              <a:t>PyTensor</a:t>
-            </a:r>
-            <a:r>
-              <a:rPr lang="en-US" sz="3600" dirty="0"/>
-              <a:t> random variables</a:t>
-            </a:r>
-            <a:endParaRPr lang="en-IL" sz="3600" dirty="0"/>
-          </a:p>
-        </p:txBody>
-      </p:sp>
-      <p:sp>
-        <p:nvSpPr>
-          <p:cNvPr id="3" name="Content Placeholder 2">
-            <a:extLst>
-              <a:ext uri="{FF2B5EF4-FFF2-40B4-BE49-F238E27FC236}">
-                <a16:creationId xmlns:a16="http://schemas.microsoft.com/office/drawing/2014/main" id="{257E7945-EB22-2B15-E09F-DCAC80092298}"/>
-              </a:ext>
-            </a:extLst>
-          </p:cNvPr>
-          <p:cNvSpPr>
-            <a:spLocks noGrp="1"/>
-          </p:cNvSpPr>
-          <p:nvPr>
-            <p:ph idx="1"/>
-          </p:nvPr>
-        </p:nvSpPr>
-        <p:spPr>
-          <a:xfrm>
-            <a:off x="838200" y="1419225"/>
-            <a:ext cx="10515600" cy="1010708"/>
-          </a:xfrm>
-        </p:spPr>
-        <p:txBody>
-          <a:bodyPr>
-            <a:normAutofit fontScale="92500" lnSpcReduction="20000"/>
-          </a:bodyPr>
-          <a:lstStyle/>
-          <a:p>
-            <a:r>
-              <a:rPr lang="en-US" dirty="0"/>
-              <a:t>We can generate random values</a:t>
-            </a:r>
-          </a:p>
-          <a:p>
-            <a:pPr lvl="1"/>
-            <a:r>
-              <a:rPr lang="en-US" dirty="0" err="1"/>
-              <a:t>PyTensor</a:t>
-            </a:r>
-            <a:r>
-              <a:rPr lang="en-US" dirty="0"/>
-              <a:t> generates the same one each call</a:t>
-            </a:r>
-          </a:p>
-          <a:p>
-            <a:pPr lvl="1"/>
-            <a:r>
-              <a:rPr lang="en-US" dirty="0" err="1"/>
-              <a:t>PyMC</a:t>
-            </a:r>
-            <a:r>
-              <a:rPr lang="en-US" dirty="0"/>
-              <a:t>  takes care of ‘reseeding’ the random number generator</a:t>
-            </a:r>
-            <a:endParaRPr lang="en-IL" dirty="0"/>
-          </a:p>
-        </p:txBody>
-      </p:sp>
-      <p:pic>
-        <p:nvPicPr>
-          <p:cNvPr id="4" name="Picture 3">
-            <a:extLst>
-              <a:ext uri="{FF2B5EF4-FFF2-40B4-BE49-F238E27FC236}">
-                <a16:creationId xmlns:a16="http://schemas.microsoft.com/office/drawing/2014/main" id="{B57311F9-04F6-10E9-1680-AAB21EBF47EC}"/>
-              </a:ext>
-            </a:extLst>
-          </p:cNvPr>
-          <p:cNvPicPr>
-            <a:picLocks noChangeAspect="1"/>
-          </p:cNvPicPr>
-          <p:nvPr/>
-        </p:nvPicPr>
-        <p:blipFill>
-          <a:blip r:embed="rId2"/>
-          <a:stretch>
-            <a:fillRect/>
-          </a:stretch>
-        </p:blipFill>
-        <p:spPr>
-          <a:xfrm>
-            <a:off x="5738099" y="2722689"/>
-            <a:ext cx="4896034" cy="3454474"/>
-          </a:xfrm>
-          <a:prstGeom prst="rect">
-            <a:avLst/>
-          </a:prstGeom>
-        </p:spPr>
-      </p:pic>
-      <p:pic>
-        <p:nvPicPr>
-          <p:cNvPr id="5" name="Picture 4">
-            <a:extLst>
-              <a:ext uri="{FF2B5EF4-FFF2-40B4-BE49-F238E27FC236}">
-                <a16:creationId xmlns:a16="http://schemas.microsoft.com/office/drawing/2014/main" id="{C58CF9ED-0381-F846-CDCD-7833375D0B6A}"/>
-              </a:ext>
-            </a:extLst>
-          </p:cNvPr>
-          <p:cNvPicPr>
-            <a:picLocks noChangeAspect="1"/>
-          </p:cNvPicPr>
-          <p:nvPr/>
-        </p:nvPicPr>
-        <p:blipFill>
-          <a:blip r:embed="rId3"/>
-          <a:stretch>
-            <a:fillRect/>
-          </a:stretch>
-        </p:blipFill>
-        <p:spPr>
-          <a:xfrm>
-            <a:off x="561152" y="2722689"/>
-            <a:ext cx="4896034" cy="3390892"/>
-          </a:xfrm>
-          <a:prstGeom prst="rect">
-            <a:avLst/>
-          </a:prstGeom>
-        </p:spPr>
-      </p:pic>
-    </p:spTree>
-    <p:extLst>
-      <p:ext uri="{BB962C8B-B14F-4D97-AF65-F5344CB8AC3E}">
-        <p14:creationId xmlns:p14="http://schemas.microsoft.com/office/powerpoint/2010/main" val="1435619957"/>
       </p:ext>
     </p:extLst>
   </p:cSld>
@@ -20022,6 +19944,197 @@
           <p:cNvPr id="2" name="Title 1">
             <a:extLst>
               <a:ext uri="{FF2B5EF4-FFF2-40B4-BE49-F238E27FC236}">
+                <a16:creationId xmlns:a16="http://schemas.microsoft.com/office/drawing/2014/main" id="{1DEA1B1A-3DBB-E992-5782-C0E49CCFF76A}"/>
+              </a:ext>
+            </a:extLst>
+          </p:cNvPr>
+          <p:cNvSpPr>
+            <a:spLocks noGrp="1"/>
+          </p:cNvSpPr>
+          <p:nvPr>
+            <p:ph type="title"/>
+          </p:nvPr>
+        </p:nvSpPr>
+        <p:spPr/>
+        <p:txBody>
+          <a:bodyPr>
+            <a:normAutofit/>
+          </a:bodyPr>
+          <a:lstStyle/>
+          <a:p>
+            <a:r>
+              <a:rPr lang="en-US" sz="3600" dirty="0" err="1"/>
+              <a:t>PyMC</a:t>
+            </a:r>
+            <a:r>
+              <a:rPr lang="en-US" sz="3600" dirty="0"/>
+              <a:t> nodes are (often) </a:t>
+            </a:r>
+            <a:r>
+              <a:rPr lang="en-US" sz="3600" dirty="0" err="1"/>
+              <a:t>PyTensor</a:t>
+            </a:r>
+            <a:r>
+              <a:rPr lang="en-US" sz="3600" dirty="0"/>
+              <a:t> random variables</a:t>
+            </a:r>
+            <a:endParaRPr lang="en-IL" sz="3600" dirty="0"/>
+          </a:p>
+        </p:txBody>
+      </p:sp>
+      <p:sp>
+        <p:nvSpPr>
+          <p:cNvPr id="3" name="Content Placeholder 2">
+            <a:extLst>
+              <a:ext uri="{FF2B5EF4-FFF2-40B4-BE49-F238E27FC236}">
+                <a16:creationId xmlns:a16="http://schemas.microsoft.com/office/drawing/2014/main" id="{257E7945-EB22-2B15-E09F-DCAC80092298}"/>
+              </a:ext>
+            </a:extLst>
+          </p:cNvPr>
+          <p:cNvSpPr>
+            <a:spLocks noGrp="1"/>
+          </p:cNvSpPr>
+          <p:nvPr>
+            <p:ph idx="1"/>
+          </p:nvPr>
+        </p:nvSpPr>
+        <p:spPr>
+          <a:xfrm>
+            <a:off x="838200" y="1419225"/>
+            <a:ext cx="10515600" cy="1010708"/>
+          </a:xfrm>
+        </p:spPr>
+        <p:txBody>
+          <a:bodyPr>
+            <a:normAutofit fontScale="92500" lnSpcReduction="20000"/>
+          </a:bodyPr>
+          <a:lstStyle/>
+          <a:p>
+            <a:r>
+              <a:rPr lang="en-US" dirty="0"/>
+              <a:t>We can generate random values</a:t>
+            </a:r>
+          </a:p>
+          <a:p>
+            <a:pPr lvl="1"/>
+            <a:r>
+              <a:rPr lang="en-US" dirty="0" err="1"/>
+              <a:t>PyTensor</a:t>
+            </a:r>
+            <a:r>
+              <a:rPr lang="en-US" dirty="0"/>
+              <a:t> generates the same one each call</a:t>
+            </a:r>
+          </a:p>
+          <a:p>
+            <a:pPr lvl="1"/>
+            <a:r>
+              <a:rPr lang="en-US" dirty="0" err="1"/>
+              <a:t>PyMC</a:t>
+            </a:r>
+            <a:r>
+              <a:rPr lang="en-US" dirty="0"/>
+              <a:t>  takes care of ‘reseeding’ the random number generator</a:t>
+            </a:r>
+            <a:endParaRPr lang="en-IL" dirty="0"/>
+          </a:p>
+        </p:txBody>
+      </p:sp>
+      <p:pic>
+        <p:nvPicPr>
+          <p:cNvPr id="4" name="Picture 3">
+            <a:extLst>
+              <a:ext uri="{FF2B5EF4-FFF2-40B4-BE49-F238E27FC236}">
+                <a16:creationId xmlns:a16="http://schemas.microsoft.com/office/drawing/2014/main" id="{B57311F9-04F6-10E9-1680-AAB21EBF47EC}"/>
+              </a:ext>
+            </a:extLst>
+          </p:cNvPr>
+          <p:cNvPicPr>
+            <a:picLocks noChangeAspect="1"/>
+          </p:cNvPicPr>
+          <p:nvPr/>
+        </p:nvPicPr>
+        <p:blipFill>
+          <a:blip r:embed="rId2"/>
+          <a:stretch>
+            <a:fillRect/>
+          </a:stretch>
+        </p:blipFill>
+        <p:spPr>
+          <a:xfrm>
+            <a:off x="5738099" y="2722689"/>
+            <a:ext cx="4896034" cy="3454474"/>
+          </a:xfrm>
+          <a:prstGeom prst="rect">
+            <a:avLst/>
+          </a:prstGeom>
+        </p:spPr>
+      </p:pic>
+      <p:pic>
+        <p:nvPicPr>
+          <p:cNvPr id="5" name="Picture 4">
+            <a:extLst>
+              <a:ext uri="{FF2B5EF4-FFF2-40B4-BE49-F238E27FC236}">
+                <a16:creationId xmlns:a16="http://schemas.microsoft.com/office/drawing/2014/main" id="{C58CF9ED-0381-F846-CDCD-7833375D0B6A}"/>
+              </a:ext>
+            </a:extLst>
+          </p:cNvPr>
+          <p:cNvPicPr>
+            <a:picLocks noChangeAspect="1"/>
+          </p:cNvPicPr>
+          <p:nvPr/>
+        </p:nvPicPr>
+        <p:blipFill>
+          <a:blip r:embed="rId3"/>
+          <a:stretch>
+            <a:fillRect/>
+          </a:stretch>
+        </p:blipFill>
+        <p:spPr>
+          <a:xfrm>
+            <a:off x="561152" y="2722689"/>
+            <a:ext cx="4896034" cy="3390892"/>
+          </a:xfrm>
+          <a:prstGeom prst="rect">
+            <a:avLst/>
+          </a:prstGeom>
+        </p:spPr>
+      </p:pic>
+    </p:spTree>
+    <p:extLst>
+      <p:ext uri="{BB962C8B-B14F-4D97-AF65-F5344CB8AC3E}">
+        <p14:creationId xmlns:p14="http://schemas.microsoft.com/office/powerpoint/2010/main" val="1435619957"/>
+      </p:ext>
+    </p:extLst>
+  </p:cSld>
+  <p:clrMapOvr>
+    <a:masterClrMapping/>
+  </p:clrMapOvr>
+</p:sld>
+</file>
+
+<file path=ppt/slides/slide51.xml><?xml version="1.0" encoding="utf-8"?>
+<p:sld xmlns:a="http://schemas.openxmlformats.org/drawingml/2006/main" xmlns:r="http://schemas.openxmlformats.org/officeDocument/2006/relationships" xmlns:p="http://schemas.openxmlformats.org/presentationml/2006/main">
+  <p:cSld>
+    <p:spTree>
+      <p:nvGrpSpPr>
+        <p:cNvPr id="1" name=""/>
+        <p:cNvGrpSpPr/>
+        <p:nvPr/>
+      </p:nvGrpSpPr>
+      <p:grpSpPr>
+        <a:xfrm>
+          <a:off x="0" y="0"/>
+          <a:ext cx="0" cy="0"/>
+          <a:chOff x="0" y="0"/>
+          <a:chExt cx="0" cy="0"/>
+        </a:xfrm>
+      </p:grpSpPr>
+      <p:sp>
+        <p:nvSpPr>
+          <p:cNvPr id="2" name="Title 1">
+            <a:extLst>
+              <a:ext uri="{FF2B5EF4-FFF2-40B4-BE49-F238E27FC236}">
                 <a16:creationId xmlns:a16="http://schemas.microsoft.com/office/drawing/2014/main" id="{C932E6E5-2C51-DC56-8209-A3DB42A333DA}"/>
               </a:ext>
             </a:extLst>
@@ -20127,7 +20240,7 @@
 </p:sld>
 </file>
 
-<file path=ppt/slides/slide51.xml><?xml version="1.0" encoding="utf-8"?>
+<file path=ppt/slides/slide52.xml><?xml version="1.0" encoding="utf-8"?>
 <p:sld xmlns:a="http://schemas.openxmlformats.org/drawingml/2006/main" xmlns:r="http://schemas.openxmlformats.org/officeDocument/2006/relationships" xmlns:p="http://schemas.openxmlformats.org/presentationml/2006/main">
   <p:cSld>
     <p:spTree>
@@ -21158,7 +21271,429 @@
 </p:sld>
 </file>
 
-<file path=ppt/slides/slide52.xml><?xml version="1.0" encoding="utf-8"?>
+<file path=ppt/slides/slide53.xml><?xml version="1.0" encoding="utf-8"?>
+<p:sld xmlns:a="http://schemas.openxmlformats.org/drawingml/2006/main" xmlns:r="http://schemas.openxmlformats.org/officeDocument/2006/relationships" xmlns:p="http://schemas.openxmlformats.org/presentationml/2006/main">
+  <p:cSld>
+    <p:spTree>
+      <p:nvGrpSpPr>
+        <p:cNvPr id="1" name=""/>
+        <p:cNvGrpSpPr/>
+        <p:nvPr/>
+      </p:nvGrpSpPr>
+      <p:grpSpPr>
+        <a:xfrm>
+          <a:off x="0" y="0"/>
+          <a:ext cx="0" cy="0"/>
+          <a:chOff x="0" y="0"/>
+          <a:chExt cx="0" cy="0"/>
+        </a:xfrm>
+      </p:grpSpPr>
+      <p:sp>
+        <p:nvSpPr>
+          <p:cNvPr id="2" name="Title 1">
+            <a:extLst>
+              <a:ext uri="{FF2B5EF4-FFF2-40B4-BE49-F238E27FC236}">
+                <a16:creationId xmlns:a16="http://schemas.microsoft.com/office/drawing/2014/main" id="{168FABAB-79B4-A6B1-BEF5-2A45076B7B02}"/>
+              </a:ext>
+            </a:extLst>
+          </p:cNvPr>
+          <p:cNvSpPr>
+            <a:spLocks noGrp="1"/>
+          </p:cNvSpPr>
+          <p:nvPr>
+            <p:ph type="title"/>
+          </p:nvPr>
+        </p:nvSpPr>
+        <p:spPr/>
+        <p:txBody>
+          <a:bodyPr/>
+          <a:lstStyle/>
+          <a:p>
+            <a:r>
+              <a:rPr lang="en-US" dirty="0"/>
+              <a:t>The Jacobian is a matrix that keeps track of partial derivatives for vector functions</a:t>
+            </a:r>
+            <a:endParaRPr lang="en-IL" dirty="0"/>
+          </a:p>
+        </p:txBody>
+      </p:sp>
+      <p:pic>
+        <p:nvPicPr>
+          <p:cNvPr id="5" name="Picture 4">
+            <a:extLst>
+              <a:ext uri="{FF2B5EF4-FFF2-40B4-BE49-F238E27FC236}">
+                <a16:creationId xmlns:a16="http://schemas.microsoft.com/office/drawing/2014/main" id="{8FA3046C-AA8B-8CA9-C809-BFCE23C70DE3}"/>
+              </a:ext>
+            </a:extLst>
+          </p:cNvPr>
+          <p:cNvPicPr>
+            <a:picLocks noChangeAspect="1"/>
+          </p:cNvPicPr>
+          <p:nvPr/>
+        </p:nvPicPr>
+        <p:blipFill>
+          <a:blip r:embed="rId2">
+            <a:extLst>
+              <a:ext uri="{28A0092B-C50C-407E-A947-70E740481C1C}">
+                <a14:useLocalDpi xmlns:a14="http://schemas.microsoft.com/office/drawing/2010/main" val="0"/>
+              </a:ext>
+            </a:extLst>
+          </a:blip>
+          <a:srcRect/>
+          <a:stretch/>
+        </p:blipFill>
+        <p:spPr>
+          <a:xfrm>
+            <a:off x="480027" y="2287057"/>
+            <a:ext cx="5355280" cy="3631142"/>
+          </a:xfrm>
+          <a:prstGeom prst="rect">
+            <a:avLst/>
+          </a:prstGeom>
+        </p:spPr>
+      </p:pic>
+      <p:graphicFrame>
+        <p:nvGraphicFramePr>
+          <p:cNvPr id="6" name="Object 5">
+            <a:extLst>
+              <a:ext uri="{FF2B5EF4-FFF2-40B4-BE49-F238E27FC236}">
+                <a16:creationId xmlns:a16="http://schemas.microsoft.com/office/drawing/2014/main" id="{111F68A8-FF81-5E99-A9E0-57C2BAC03373}"/>
+              </a:ext>
+            </a:extLst>
+          </p:cNvPr>
+          <p:cNvGraphicFramePr>
+            <a:graphicFrameLocks noChangeAspect="1"/>
+          </p:cNvGraphicFramePr>
+          <p:nvPr>
+            <p:extLst>
+              <p:ext uri="{D42A27DB-BD31-4B8C-83A1-F6EECF244321}">
+                <p14:modId xmlns:p14="http://schemas.microsoft.com/office/powerpoint/2010/main" val="3455624016"/>
+              </p:ext>
+            </p:extLst>
+          </p:nvPr>
+        </p:nvGraphicFramePr>
+        <p:xfrm>
+          <a:off x="7230533" y="2433331"/>
+          <a:ext cx="3850217" cy="3484868"/>
+        </p:xfrm>
+        <a:graphic>
+          <a:graphicData uri="http://schemas.openxmlformats.org/presentationml/2006/ole">
+            <mc:AlternateContent xmlns:mc="http://schemas.openxmlformats.org/markup-compatibility/2006">
+              <mc:Choice xmlns:v="urn:schemas-microsoft-com:vml" Requires="v">
+                <p:oleObj name="Equation" r:id="rId3" imgW="1739880" imgH="1574640" progId="Equation.DSMT4">
+                  <p:embed/>
+                </p:oleObj>
+              </mc:Choice>
+              <mc:Fallback>
+                <p:oleObj name="Equation" r:id="rId3" imgW="1739880" imgH="1574640" progId="Equation.DSMT4">
+                  <p:embed/>
+                  <p:pic>
+                    <p:nvPicPr>
+                      <p:cNvPr id="0" name=""/>
+                      <p:cNvPicPr/>
+                      <p:nvPr/>
+                    </p:nvPicPr>
+                    <p:blipFill>
+                      <a:blip r:embed="rId4"/>
+                      <a:stretch>
+                        <a:fillRect/>
+                      </a:stretch>
+                    </p:blipFill>
+                    <p:spPr>
+                      <a:xfrm>
+                        <a:off x="7230533" y="2433331"/>
+                        <a:ext cx="3850217" cy="3484868"/>
+                      </a:xfrm>
+                      <a:prstGeom prst="rect">
+                        <a:avLst/>
+                      </a:prstGeom>
+                    </p:spPr>
+                  </p:pic>
+                </p:oleObj>
+              </mc:Fallback>
+            </mc:AlternateContent>
+          </a:graphicData>
+        </a:graphic>
+      </p:graphicFrame>
+    </p:spTree>
+    <p:extLst>
+      <p:ext uri="{BB962C8B-B14F-4D97-AF65-F5344CB8AC3E}">
+        <p14:creationId xmlns:p14="http://schemas.microsoft.com/office/powerpoint/2010/main" val="1408951753"/>
+      </p:ext>
+    </p:extLst>
+  </p:cSld>
+  <p:clrMapOvr>
+    <a:masterClrMapping/>
+  </p:clrMapOvr>
+</p:sld>
+</file>
+
+<file path=ppt/slides/slide54.xml><?xml version="1.0" encoding="utf-8"?>
+<p:sld xmlns:a="http://schemas.openxmlformats.org/drawingml/2006/main" xmlns:r="http://schemas.openxmlformats.org/officeDocument/2006/relationships" xmlns:p="http://schemas.openxmlformats.org/presentationml/2006/main">
+  <p:cSld>
+    <p:spTree>
+      <p:nvGrpSpPr>
+        <p:cNvPr id="1" name="">
+          <a:extLst>
+            <a:ext uri="{FF2B5EF4-FFF2-40B4-BE49-F238E27FC236}">
+              <a16:creationId xmlns:a16="http://schemas.microsoft.com/office/drawing/2014/main" id="{B25C5126-1892-3EF7-01BA-94863F0FDB81}"/>
+            </a:ext>
+          </a:extLst>
+        </p:cNvPr>
+        <p:cNvGrpSpPr/>
+        <p:nvPr/>
+      </p:nvGrpSpPr>
+      <p:grpSpPr>
+        <a:xfrm>
+          <a:off x="0" y="0"/>
+          <a:ext cx="0" cy="0"/>
+          <a:chOff x="0" y="0"/>
+          <a:chExt cx="0" cy="0"/>
+        </a:xfrm>
+      </p:grpSpPr>
+      <p:sp>
+        <p:nvSpPr>
+          <p:cNvPr id="2" name="Title 1">
+            <a:extLst>
+              <a:ext uri="{FF2B5EF4-FFF2-40B4-BE49-F238E27FC236}">
+                <a16:creationId xmlns:a16="http://schemas.microsoft.com/office/drawing/2014/main" id="{D43B0B22-990C-A51E-E8B6-0654F8AED84D}"/>
+              </a:ext>
+            </a:extLst>
+          </p:cNvPr>
+          <p:cNvSpPr>
+            <a:spLocks noGrp="1"/>
+          </p:cNvSpPr>
+          <p:nvPr>
+            <p:ph type="title"/>
+          </p:nvPr>
+        </p:nvSpPr>
+        <p:spPr/>
+        <p:txBody>
+          <a:bodyPr>
+            <a:normAutofit fontScale="90000"/>
+          </a:bodyPr>
+          <a:lstStyle/>
+          <a:p>
+            <a:r>
+              <a:rPr lang="en-US" dirty="0"/>
+              <a:t>A tensor generalizes the Jacobian to keep track of partial derivatives for matrix functions</a:t>
+            </a:r>
+            <a:endParaRPr lang="en-IL" dirty="0"/>
+          </a:p>
+        </p:txBody>
+      </p:sp>
+      <p:pic>
+        <p:nvPicPr>
+          <p:cNvPr id="3" name="Picture 2">
+            <a:extLst>
+              <a:ext uri="{FF2B5EF4-FFF2-40B4-BE49-F238E27FC236}">
+                <a16:creationId xmlns:a16="http://schemas.microsoft.com/office/drawing/2014/main" id="{468B13E8-1DD9-CC33-7E2B-53BA17E7F08F}"/>
+              </a:ext>
+            </a:extLst>
+          </p:cNvPr>
+          <p:cNvPicPr>
+            <a:picLocks noChangeAspect="1"/>
+          </p:cNvPicPr>
+          <p:nvPr/>
+        </p:nvPicPr>
+        <p:blipFill>
+          <a:blip r:embed="rId2"/>
+          <a:stretch>
+            <a:fillRect/>
+          </a:stretch>
+        </p:blipFill>
+        <p:spPr>
+          <a:xfrm>
+            <a:off x="546945" y="2579157"/>
+            <a:ext cx="5549055" cy="3339042"/>
+          </a:xfrm>
+          <a:prstGeom prst="rect">
+            <a:avLst/>
+          </a:prstGeom>
+        </p:spPr>
+      </p:pic>
+      <p:graphicFrame>
+        <p:nvGraphicFramePr>
+          <p:cNvPr id="4" name="Object 3">
+            <a:extLst>
+              <a:ext uri="{FF2B5EF4-FFF2-40B4-BE49-F238E27FC236}">
+                <a16:creationId xmlns:a16="http://schemas.microsoft.com/office/drawing/2014/main" id="{6328CF83-07B9-1F03-6A23-F53E3090FBBA}"/>
+              </a:ext>
+            </a:extLst>
+          </p:cNvPr>
+          <p:cNvGraphicFramePr>
+            <a:graphicFrameLocks noChangeAspect="1"/>
+          </p:cNvGraphicFramePr>
+          <p:nvPr>
+            <p:extLst>
+              <p:ext uri="{D42A27DB-BD31-4B8C-83A1-F6EECF244321}">
+                <p14:modId xmlns:p14="http://schemas.microsoft.com/office/powerpoint/2010/main" val="174319225"/>
+              </p:ext>
+            </p:extLst>
+          </p:nvPr>
+        </p:nvGraphicFramePr>
+        <p:xfrm>
+          <a:off x="7589123" y="3317345"/>
+          <a:ext cx="2947644" cy="1593321"/>
+        </p:xfrm>
+        <a:graphic>
+          <a:graphicData uri="http://schemas.openxmlformats.org/presentationml/2006/ole">
+            <mc:AlternateContent xmlns:mc="http://schemas.openxmlformats.org/markup-compatibility/2006">
+              <mc:Choice xmlns:v="urn:schemas-microsoft-com:vml" Requires="v">
+                <p:oleObj name="Equation" r:id="rId3" imgW="939600" imgH="507960" progId="Equation.DSMT4">
+                  <p:embed/>
+                </p:oleObj>
+              </mc:Choice>
+              <mc:Fallback>
+                <p:oleObj name="Equation" r:id="rId3" imgW="939600" imgH="507960" progId="Equation.DSMT4">
+                  <p:embed/>
+                  <p:pic>
+                    <p:nvPicPr>
+                      <p:cNvPr id="0" name=""/>
+                      <p:cNvPicPr/>
+                      <p:nvPr/>
+                    </p:nvPicPr>
+                    <p:blipFill>
+                      <a:blip r:embed="rId4"/>
+                      <a:stretch>
+                        <a:fillRect/>
+                      </a:stretch>
+                    </p:blipFill>
+                    <p:spPr>
+                      <a:xfrm>
+                        <a:off x="7589123" y="3317345"/>
+                        <a:ext cx="2947644" cy="1593321"/>
+                      </a:xfrm>
+                      <a:prstGeom prst="rect">
+                        <a:avLst/>
+                      </a:prstGeom>
+                    </p:spPr>
+                  </p:pic>
+                </p:oleObj>
+              </mc:Fallback>
+            </mc:AlternateContent>
+          </a:graphicData>
+        </a:graphic>
+      </p:graphicFrame>
+    </p:spTree>
+    <p:extLst>
+      <p:ext uri="{BB962C8B-B14F-4D97-AF65-F5344CB8AC3E}">
+        <p14:creationId xmlns:p14="http://schemas.microsoft.com/office/powerpoint/2010/main" val="3916618626"/>
+      </p:ext>
+    </p:extLst>
+  </p:cSld>
+  <p:clrMapOvr>
+    <a:masterClrMapping/>
+  </p:clrMapOvr>
+</p:sld>
+</file>
+
+<file path=ppt/slides/slide55.xml><?xml version="1.0" encoding="utf-8"?>
+<p:sld xmlns:a="http://schemas.openxmlformats.org/drawingml/2006/main" xmlns:r="http://schemas.openxmlformats.org/officeDocument/2006/relationships" xmlns:p="http://schemas.openxmlformats.org/presentationml/2006/main">
+  <p:cSld>
+    <p:spTree>
+      <p:nvGrpSpPr>
+        <p:cNvPr id="1" name=""/>
+        <p:cNvGrpSpPr/>
+        <p:nvPr/>
+      </p:nvGrpSpPr>
+      <p:grpSpPr>
+        <a:xfrm>
+          <a:off x="0" y="0"/>
+          <a:ext cx="0" cy="0"/>
+          <a:chOff x="0" y="0"/>
+          <a:chExt cx="0" cy="0"/>
+        </a:xfrm>
+      </p:grpSpPr>
+      <p:sp>
+        <p:nvSpPr>
+          <p:cNvPr id="2" name="Title 1">
+            <a:extLst>
+              <a:ext uri="{FF2B5EF4-FFF2-40B4-BE49-F238E27FC236}">
+                <a16:creationId xmlns:a16="http://schemas.microsoft.com/office/drawing/2014/main" id="{1371D413-320D-D3EE-6093-47AC8E01493F}"/>
+              </a:ext>
+            </a:extLst>
+          </p:cNvPr>
+          <p:cNvSpPr>
+            <a:spLocks noGrp="1"/>
+          </p:cNvSpPr>
+          <p:nvPr>
+            <p:ph type="title"/>
+          </p:nvPr>
+        </p:nvSpPr>
+        <p:spPr/>
+        <p:txBody>
+          <a:bodyPr/>
+          <a:lstStyle/>
+          <a:p>
+            <a:r>
+              <a:rPr lang="en-US" dirty="0"/>
+              <a:t>Tensor processing is important</a:t>
+            </a:r>
+            <a:endParaRPr lang="en-IL" dirty="0"/>
+          </a:p>
+        </p:txBody>
+      </p:sp>
+      <p:sp>
+        <p:nvSpPr>
+          <p:cNvPr id="3" name="Content Placeholder 2">
+            <a:extLst>
+              <a:ext uri="{FF2B5EF4-FFF2-40B4-BE49-F238E27FC236}">
+                <a16:creationId xmlns:a16="http://schemas.microsoft.com/office/drawing/2014/main" id="{FD080D8A-CFCB-4014-E85F-252D0EB3F707}"/>
+              </a:ext>
+            </a:extLst>
+          </p:cNvPr>
+          <p:cNvSpPr>
+            <a:spLocks noGrp="1"/>
+          </p:cNvSpPr>
+          <p:nvPr>
+            <p:ph idx="1"/>
+          </p:nvPr>
+        </p:nvSpPr>
+        <p:spPr/>
+        <p:txBody>
+          <a:bodyPr>
+            <a:normAutofit/>
+          </a:bodyPr>
+          <a:lstStyle/>
+          <a:p>
+            <a:r>
+              <a:rPr lang="en-US" sz="2400" dirty="0"/>
+              <a:t>Modern machine learning does calculations with very large multi-dimensional matrixes</a:t>
+            </a:r>
+          </a:p>
+          <a:p>
+            <a:r>
+              <a:rPr lang="en-US" sz="2400" dirty="0"/>
+              <a:t>Probabilistic models are nodes with multi-dimensional input and output</a:t>
+            </a:r>
+          </a:p>
+          <a:p>
+            <a:endParaRPr lang="en-US" sz="2400" dirty="0"/>
+          </a:p>
+          <a:p>
+            <a:r>
+              <a:rPr lang="en-US" sz="2400" dirty="0"/>
+              <a:t>Both fields need automatic differentiation!</a:t>
+            </a:r>
+            <a:endParaRPr lang="en-IL" sz="2400" dirty="0"/>
+          </a:p>
+        </p:txBody>
+      </p:sp>
+    </p:spTree>
+    <p:extLst>
+      <p:ext uri="{BB962C8B-B14F-4D97-AF65-F5344CB8AC3E}">
+        <p14:creationId xmlns:p14="http://schemas.microsoft.com/office/powerpoint/2010/main" val="3637288679"/>
+      </p:ext>
+    </p:extLst>
+  </p:cSld>
+  <p:clrMapOvr>
+    <a:masterClrMapping/>
+  </p:clrMapOvr>
+</p:sld>
+</file>
+
+<file path=ppt/slides/slide56.xml><?xml version="1.0" encoding="utf-8"?>
 <p:sld xmlns:a="http://schemas.openxmlformats.org/drawingml/2006/main" xmlns:r="http://schemas.openxmlformats.org/officeDocument/2006/relationships" xmlns:p="http://schemas.openxmlformats.org/presentationml/2006/main">
   <p:cSld>
     <p:spTree>
@@ -21298,7 +21833,7 @@
               <a:pPr>
                 <a:defRPr/>
               </a:pPr>
-              <a:t>52</a:t>
+              <a:t>56</a:t>
             </a:fld>
             <a:r>
               <a:rPr lang="en-US" altLang="en-US"/>
@@ -21320,7 +21855,7 @@
 </p:sld>
 </file>
 
-<file path=ppt/slides/slide53.xml><?xml version="1.0" encoding="utf-8"?>
+<file path=ppt/slides/slide57.xml><?xml version="1.0" encoding="utf-8"?>
 <p:sld xmlns:a="http://schemas.openxmlformats.org/drawingml/2006/main" xmlns:r="http://schemas.openxmlformats.org/officeDocument/2006/relationships" xmlns:p="http://schemas.openxmlformats.org/presentationml/2006/main">
   <p:cSld>
     <p:spTree>
@@ -21443,7 +21978,7 @@
 </p:sld>
 </file>
 
-<file path=ppt/slides/slide54.xml><?xml version="1.0" encoding="utf-8"?>
+<file path=ppt/slides/slide58.xml><?xml version="1.0" encoding="utf-8"?>
 <p:sld xmlns:a="http://schemas.openxmlformats.org/drawingml/2006/main" xmlns:r="http://schemas.openxmlformats.org/officeDocument/2006/relationships" xmlns:p="http://schemas.openxmlformats.org/presentationml/2006/main">
   <p:cSld>
     <p:spTree>
@@ -21966,7 +22501,7 @@
 </p:sld>
 </file>
 
-<file path=ppt/slides/slide55.xml><?xml version="1.0" encoding="utf-8"?>
+<file path=ppt/slides/slide59.xml><?xml version="1.0" encoding="utf-8"?>
 <p:sld xmlns:a="http://schemas.openxmlformats.org/drawingml/2006/main" xmlns:r="http://schemas.openxmlformats.org/officeDocument/2006/relationships" xmlns:p="http://schemas.openxmlformats.org/presentationml/2006/main">
   <p:cSld>
     <p:spTree>
@@ -22732,7 +23267,158 @@
 </p:sld>
 </file>
 
-<file path=ppt/slides/slide56.xml><?xml version="1.0" encoding="utf-8"?>
+<file path=ppt/slides/slide6.xml><?xml version="1.0" encoding="utf-8"?>
+<p:sld xmlns:a="http://schemas.openxmlformats.org/drawingml/2006/main" xmlns:r="http://schemas.openxmlformats.org/officeDocument/2006/relationships" xmlns:p="http://schemas.openxmlformats.org/presentationml/2006/main">
+  <p:cSld>
+    <p:spTree>
+      <p:nvGrpSpPr>
+        <p:cNvPr id="1" name="">
+          <a:extLst>
+            <a:ext uri="{FF2B5EF4-FFF2-40B4-BE49-F238E27FC236}">
+              <a16:creationId xmlns:a16="http://schemas.microsoft.com/office/drawing/2014/main" id="{0AE3E142-CC5A-0163-16DD-0E1A1CA45101}"/>
+            </a:ext>
+          </a:extLst>
+        </p:cNvPr>
+        <p:cNvGrpSpPr/>
+        <p:nvPr/>
+      </p:nvGrpSpPr>
+      <p:grpSpPr>
+        <a:xfrm>
+          <a:off x="0" y="0"/>
+          <a:ext cx="0" cy="0"/>
+          <a:chOff x="0" y="0"/>
+          <a:chExt cx="0" cy="0"/>
+        </a:xfrm>
+      </p:grpSpPr>
+      <p:sp>
+        <p:nvSpPr>
+          <p:cNvPr id="2" name="Title 1">
+            <a:extLst>
+              <a:ext uri="{FF2B5EF4-FFF2-40B4-BE49-F238E27FC236}">
+                <a16:creationId xmlns:a16="http://schemas.microsoft.com/office/drawing/2014/main" id="{B008ACB9-25B3-8327-FB32-05B837322DEA}"/>
+              </a:ext>
+            </a:extLst>
+          </p:cNvPr>
+          <p:cNvSpPr>
+            <a:spLocks noGrp="1"/>
+          </p:cNvSpPr>
+          <p:nvPr>
+            <p:ph type="title"/>
+          </p:nvPr>
+        </p:nvSpPr>
+        <p:spPr/>
+        <p:txBody>
+          <a:bodyPr>
+            <a:normAutofit/>
+          </a:bodyPr>
+          <a:lstStyle/>
+          <a:p>
+            <a:r>
+              <a:rPr lang="en-US"/>
+              <a:t>Prior and likelihood interact to produce posterior</a:t>
+            </a:r>
+            <a:endParaRPr lang="en-IL"/>
+          </a:p>
+        </p:txBody>
+      </p:sp>
+      <p:sp>
+        <p:nvSpPr>
+          <p:cNvPr id="3" name="Content Placeholder 2">
+            <a:extLst>
+              <a:ext uri="{FF2B5EF4-FFF2-40B4-BE49-F238E27FC236}">
+                <a16:creationId xmlns:a16="http://schemas.microsoft.com/office/drawing/2014/main" id="{10179BE0-BFCF-7055-F73B-FE2B3491E6EA}"/>
+              </a:ext>
+            </a:extLst>
+          </p:cNvPr>
+          <p:cNvSpPr>
+            <a:spLocks noGrp="1"/>
+          </p:cNvSpPr>
+          <p:nvPr>
+            <p:ph idx="1"/>
+          </p:nvPr>
+        </p:nvSpPr>
+        <p:spPr>
+          <a:xfrm>
+            <a:off x="838200" y="1825625"/>
+            <a:ext cx="4841240" cy="4351338"/>
+          </a:xfrm>
+        </p:spPr>
+        <p:txBody>
+          <a:bodyPr>
+            <a:normAutofit/>
+          </a:bodyPr>
+          <a:lstStyle/>
+          <a:p>
+            <a:r>
+              <a:rPr lang="en-US"/>
+              <a:t>More data</a:t>
+            </a:r>
+          </a:p>
+          <a:p>
+            <a:pPr lvl="1"/>
+            <a:r>
+              <a:rPr lang="en-US"/>
+              <a:t>Sharper posterior</a:t>
+            </a:r>
+          </a:p>
+          <a:p>
+            <a:pPr lvl="1"/>
+            <a:r>
+              <a:rPr lang="en-US"/>
+              <a:t>Overwhelms prior</a:t>
+            </a:r>
+          </a:p>
+          <a:p>
+            <a:r>
+              <a:rPr lang="en-US"/>
+              <a:t>Prior can still matter</a:t>
+            </a:r>
+          </a:p>
+        </p:txBody>
+      </p:sp>
+      <p:pic>
+        <p:nvPicPr>
+          <p:cNvPr id="6" name="Picture 5">
+            <a:extLst>
+              <a:ext uri="{FF2B5EF4-FFF2-40B4-BE49-F238E27FC236}">
+                <a16:creationId xmlns:a16="http://schemas.microsoft.com/office/drawing/2014/main" id="{F05E7000-8EFF-1F60-0EC4-A9E1D17F2ADD}"/>
+              </a:ext>
+            </a:extLst>
+          </p:cNvPr>
+          <p:cNvPicPr>
+            <a:picLocks noChangeAspect="1"/>
+          </p:cNvPicPr>
+          <p:nvPr/>
+        </p:nvPicPr>
+        <p:blipFill>
+          <a:blip r:embed="rId2"/>
+          <a:srcRect l="39" t="220" r="412" b="-666"/>
+          <a:stretch/>
+        </p:blipFill>
+        <p:spPr>
+          <a:xfrm>
+            <a:off x="6096000" y="1525058"/>
+            <a:ext cx="5978234" cy="4538133"/>
+          </a:xfrm>
+          <a:prstGeom prst="rect">
+            <a:avLst/>
+          </a:prstGeom>
+        </p:spPr>
+      </p:pic>
+    </p:spTree>
+    <p:extLst>
+      <p:ext uri="{BB962C8B-B14F-4D97-AF65-F5344CB8AC3E}">
+        <p14:creationId xmlns:p14="http://schemas.microsoft.com/office/powerpoint/2010/main" val="3007763487"/>
+      </p:ext>
+    </p:extLst>
+  </p:cSld>
+  <p:clrMapOvr>
+    <a:masterClrMapping/>
+  </p:clrMapOvr>
+</p:sld>
+</file>
+
+<file path=ppt/slides/slide60.xml><?xml version="1.0" encoding="utf-8"?>
 <p:sld xmlns:a="http://schemas.openxmlformats.org/drawingml/2006/main" xmlns:r="http://schemas.openxmlformats.org/officeDocument/2006/relationships" xmlns:p="http://schemas.openxmlformats.org/presentationml/2006/main">
   <p:cSld>
     <p:spTree>
@@ -22861,7 +23547,7 @@
 </p:sld>
 </file>
 
-<file path=ppt/slides/slide57.xml><?xml version="1.0" encoding="utf-8"?>
+<file path=ppt/slides/slide61.xml><?xml version="1.0" encoding="utf-8"?>
 <p:sld xmlns:a="http://schemas.openxmlformats.org/drawingml/2006/main" xmlns:r="http://schemas.openxmlformats.org/officeDocument/2006/relationships" xmlns:p="http://schemas.openxmlformats.org/presentationml/2006/main">
   <p:cSld>
     <p:spTree>
@@ -22963,157 +23649,6 @@
     <p:extLst>
       <p:ext uri="{BB962C8B-B14F-4D97-AF65-F5344CB8AC3E}">
         <p14:creationId xmlns:p14="http://schemas.microsoft.com/office/powerpoint/2010/main" val="1178930542"/>
-      </p:ext>
-    </p:extLst>
-  </p:cSld>
-  <p:clrMapOvr>
-    <a:masterClrMapping/>
-  </p:clrMapOvr>
-</p:sld>
-</file>
-
-<file path=ppt/slides/slide6.xml><?xml version="1.0" encoding="utf-8"?>
-<p:sld xmlns:a="http://schemas.openxmlformats.org/drawingml/2006/main" xmlns:r="http://schemas.openxmlformats.org/officeDocument/2006/relationships" xmlns:p="http://schemas.openxmlformats.org/presentationml/2006/main">
-  <p:cSld>
-    <p:spTree>
-      <p:nvGrpSpPr>
-        <p:cNvPr id="1" name="">
-          <a:extLst>
-            <a:ext uri="{FF2B5EF4-FFF2-40B4-BE49-F238E27FC236}">
-              <a16:creationId xmlns:a16="http://schemas.microsoft.com/office/drawing/2014/main" id="{0AE3E142-CC5A-0163-16DD-0E1A1CA45101}"/>
-            </a:ext>
-          </a:extLst>
-        </p:cNvPr>
-        <p:cNvGrpSpPr/>
-        <p:nvPr/>
-      </p:nvGrpSpPr>
-      <p:grpSpPr>
-        <a:xfrm>
-          <a:off x="0" y="0"/>
-          <a:ext cx="0" cy="0"/>
-          <a:chOff x="0" y="0"/>
-          <a:chExt cx="0" cy="0"/>
-        </a:xfrm>
-      </p:grpSpPr>
-      <p:sp>
-        <p:nvSpPr>
-          <p:cNvPr id="2" name="Title 1">
-            <a:extLst>
-              <a:ext uri="{FF2B5EF4-FFF2-40B4-BE49-F238E27FC236}">
-                <a16:creationId xmlns:a16="http://schemas.microsoft.com/office/drawing/2014/main" id="{B008ACB9-25B3-8327-FB32-05B837322DEA}"/>
-              </a:ext>
-            </a:extLst>
-          </p:cNvPr>
-          <p:cNvSpPr>
-            <a:spLocks noGrp="1"/>
-          </p:cNvSpPr>
-          <p:nvPr>
-            <p:ph type="title"/>
-          </p:nvPr>
-        </p:nvSpPr>
-        <p:spPr/>
-        <p:txBody>
-          <a:bodyPr>
-            <a:normAutofit/>
-          </a:bodyPr>
-          <a:lstStyle/>
-          <a:p>
-            <a:r>
-              <a:rPr lang="en-US"/>
-              <a:t>Prior and likelihood interact to produce posterior</a:t>
-            </a:r>
-            <a:endParaRPr lang="en-IL"/>
-          </a:p>
-        </p:txBody>
-      </p:sp>
-      <p:sp>
-        <p:nvSpPr>
-          <p:cNvPr id="3" name="Content Placeholder 2">
-            <a:extLst>
-              <a:ext uri="{FF2B5EF4-FFF2-40B4-BE49-F238E27FC236}">
-                <a16:creationId xmlns:a16="http://schemas.microsoft.com/office/drawing/2014/main" id="{10179BE0-BFCF-7055-F73B-FE2B3491E6EA}"/>
-              </a:ext>
-            </a:extLst>
-          </p:cNvPr>
-          <p:cNvSpPr>
-            <a:spLocks noGrp="1"/>
-          </p:cNvSpPr>
-          <p:nvPr>
-            <p:ph idx="1"/>
-          </p:nvPr>
-        </p:nvSpPr>
-        <p:spPr>
-          <a:xfrm>
-            <a:off x="838200" y="1825625"/>
-            <a:ext cx="4841240" cy="4351338"/>
-          </a:xfrm>
-        </p:spPr>
-        <p:txBody>
-          <a:bodyPr>
-            <a:normAutofit/>
-          </a:bodyPr>
-          <a:lstStyle/>
-          <a:p>
-            <a:r>
-              <a:rPr lang="en-US"/>
-              <a:t>More data</a:t>
-            </a:r>
-          </a:p>
-          <a:p>
-            <a:pPr lvl="1"/>
-            <a:r>
-              <a:rPr lang="en-US"/>
-              <a:t>Sharper posterior</a:t>
-            </a:r>
-          </a:p>
-          <a:p>
-            <a:pPr lvl="1"/>
-            <a:r>
-              <a:rPr lang="en-US"/>
-              <a:t>Overwhelms prior</a:t>
-            </a:r>
-          </a:p>
-          <a:p>
-            <a:r>
-              <a:rPr lang="en-US"/>
-              <a:t>Prior can still matter</a:t>
-            </a:r>
-          </a:p>
-        </p:txBody>
-      </p:sp>
-      <p:pic>
-        <p:nvPicPr>
-          <p:cNvPr id="6" name="Picture 5">
-            <a:extLst>
-              <a:ext uri="{FF2B5EF4-FFF2-40B4-BE49-F238E27FC236}">
-                <a16:creationId xmlns:a16="http://schemas.microsoft.com/office/drawing/2014/main" id="{F05E7000-8EFF-1F60-0EC4-A9E1D17F2ADD}"/>
-              </a:ext>
-            </a:extLst>
-          </p:cNvPr>
-          <p:cNvPicPr>
-            <a:picLocks noChangeAspect="1"/>
-          </p:cNvPicPr>
-          <p:nvPr/>
-        </p:nvPicPr>
-        <p:blipFill>
-          <a:blip r:embed="rId2"/>
-          <a:srcRect l="39" t="220" r="412" b="-666"/>
-          <a:stretch/>
-        </p:blipFill>
-        <p:spPr>
-          <a:xfrm>
-            <a:off x="6096000" y="1525058"/>
-            <a:ext cx="5978234" cy="4538133"/>
-          </a:xfrm>
-          <a:prstGeom prst="rect">
-            <a:avLst/>
-          </a:prstGeom>
-        </p:spPr>
-      </p:pic>
-    </p:spTree>
-    <p:extLst>
-      <p:ext uri="{BB962C8B-B14F-4D97-AF65-F5344CB8AC3E}">
-        <p14:creationId xmlns:p14="http://schemas.microsoft.com/office/powerpoint/2010/main" val="3007763487"/>
       </p:ext>
     </p:extLst>
   </p:cSld>

--- a/Lectures/Lecture 3 PyMC and Sampling.pptx
+++ b/Lectures/Lecture 3 PyMC and Sampling.pptx
@@ -53,16 +53,16 @@
     <p:sldId id="557" r:id="rId44"/>
     <p:sldId id="572" r:id="rId45"/>
     <p:sldId id="558" r:id="rId46"/>
-    <p:sldId id="565" r:id="rId47"/>
-    <p:sldId id="566" r:id="rId48"/>
-    <p:sldId id="567" r:id="rId49"/>
-    <p:sldId id="571" r:id="rId50"/>
-    <p:sldId id="568" r:id="rId51"/>
-    <p:sldId id="569" r:id="rId52"/>
-    <p:sldId id="570" r:id="rId53"/>
-    <p:sldId id="573" r:id="rId54"/>
-    <p:sldId id="574" r:id="rId55"/>
-    <p:sldId id="575" r:id="rId56"/>
+    <p:sldId id="573" r:id="rId47"/>
+    <p:sldId id="574" r:id="rId48"/>
+    <p:sldId id="575" r:id="rId49"/>
+    <p:sldId id="565" r:id="rId50"/>
+    <p:sldId id="566" r:id="rId51"/>
+    <p:sldId id="567" r:id="rId52"/>
+    <p:sldId id="571" r:id="rId53"/>
+    <p:sldId id="568" r:id="rId54"/>
+    <p:sldId id="569" r:id="rId55"/>
+    <p:sldId id="570" r:id="rId56"/>
     <p:sldId id="542" r:id="rId57"/>
     <p:sldId id="535" r:id="rId58"/>
     <p:sldId id="536" r:id="rId59"/>
@@ -2147,7 +2147,7 @@
           <a:p>
             <a:fld id="{9CF176CD-15D1-4787-BBAA-B7F61FF9E394}" type="datetimeFigureOut">
               <a:rPr lang="en-GB" smtClean="0"/>
-              <a:t>04/03/2025</a:t>
+              <a:t>09/03/2025</a:t>
             </a:fld>
             <a:endParaRPr lang="en-GB"/>
           </a:p>
@@ -2546,7 +2546,7 @@
           <a:p>
             <a:fld id="{633AF1EE-65BA-4140-B6B9-7F82C437F84A}" type="datetimeFigureOut">
               <a:rPr lang="en-GB" smtClean="0"/>
-              <a:t>04/03/2025</a:t>
+              <a:t>09/03/2025</a:t>
             </a:fld>
             <a:endParaRPr lang="en-GB"/>
           </a:p>
@@ -2716,7 +2716,7 @@
           <a:p>
             <a:fld id="{633AF1EE-65BA-4140-B6B9-7F82C437F84A}" type="datetimeFigureOut">
               <a:rPr lang="en-GB" smtClean="0"/>
-              <a:t>04/03/2025</a:t>
+              <a:t>09/03/2025</a:t>
             </a:fld>
             <a:endParaRPr lang="en-GB"/>
           </a:p>
@@ -2896,7 +2896,7 @@
           <a:p>
             <a:fld id="{633AF1EE-65BA-4140-B6B9-7F82C437F84A}" type="datetimeFigureOut">
               <a:rPr lang="en-GB" smtClean="0"/>
-              <a:t>04/03/2025</a:t>
+              <a:t>09/03/2025</a:t>
             </a:fld>
             <a:endParaRPr lang="en-GB"/>
           </a:p>
@@ -3066,7 +3066,7 @@
           <a:p>
             <a:fld id="{633AF1EE-65BA-4140-B6B9-7F82C437F84A}" type="datetimeFigureOut">
               <a:rPr lang="en-GB" smtClean="0"/>
-              <a:t>04/03/2025</a:t>
+              <a:t>09/03/2025</a:t>
             </a:fld>
             <a:endParaRPr lang="en-GB"/>
           </a:p>
@@ -3312,7 +3312,7 @@
           <a:p>
             <a:fld id="{633AF1EE-65BA-4140-B6B9-7F82C437F84A}" type="datetimeFigureOut">
               <a:rPr lang="en-GB" smtClean="0"/>
-              <a:t>04/03/2025</a:t>
+              <a:t>09/03/2025</a:t>
             </a:fld>
             <a:endParaRPr lang="en-GB"/>
           </a:p>
@@ -3544,7 +3544,7 @@
           <a:p>
             <a:fld id="{633AF1EE-65BA-4140-B6B9-7F82C437F84A}" type="datetimeFigureOut">
               <a:rPr lang="en-GB" smtClean="0"/>
-              <a:t>04/03/2025</a:t>
+              <a:t>09/03/2025</a:t>
             </a:fld>
             <a:endParaRPr lang="en-GB"/>
           </a:p>
@@ -3911,7 +3911,7 @@
           <a:p>
             <a:fld id="{633AF1EE-65BA-4140-B6B9-7F82C437F84A}" type="datetimeFigureOut">
               <a:rPr lang="en-GB" smtClean="0"/>
-              <a:t>04/03/2025</a:t>
+              <a:t>09/03/2025</a:t>
             </a:fld>
             <a:endParaRPr lang="en-GB"/>
           </a:p>
@@ -4029,7 +4029,7 @@
           <a:p>
             <a:fld id="{633AF1EE-65BA-4140-B6B9-7F82C437F84A}" type="datetimeFigureOut">
               <a:rPr lang="en-GB" smtClean="0"/>
-              <a:t>04/03/2025</a:t>
+              <a:t>09/03/2025</a:t>
             </a:fld>
             <a:endParaRPr lang="en-GB"/>
           </a:p>
@@ -4124,7 +4124,7 @@
           <a:p>
             <a:fld id="{633AF1EE-65BA-4140-B6B9-7F82C437F84A}" type="datetimeFigureOut">
               <a:rPr lang="en-GB" smtClean="0"/>
-              <a:t>04/03/2025</a:t>
+              <a:t>09/03/2025</a:t>
             </a:fld>
             <a:endParaRPr lang="en-GB"/>
           </a:p>
@@ -4401,7 +4401,7 @@
           <a:p>
             <a:fld id="{633AF1EE-65BA-4140-B6B9-7F82C437F84A}" type="datetimeFigureOut">
               <a:rPr lang="en-GB" smtClean="0"/>
-              <a:t>04/03/2025</a:t>
+              <a:t>09/03/2025</a:t>
             </a:fld>
             <a:endParaRPr lang="en-GB"/>
           </a:p>
@@ -4654,7 +4654,7 @@
           <a:p>
             <a:fld id="{633AF1EE-65BA-4140-B6B9-7F82C437F84A}" type="datetimeFigureOut">
               <a:rPr lang="en-GB" smtClean="0"/>
-              <a:t>04/03/2025</a:t>
+              <a:t>09/03/2025</a:t>
             </a:fld>
             <a:endParaRPr lang="en-GB"/>
           </a:p>
@@ -4867,7 +4867,7 @@
           <a:p>
             <a:fld id="{633AF1EE-65BA-4140-B6B9-7F82C437F84A}" type="datetimeFigureOut">
               <a:rPr lang="en-GB" smtClean="0"/>
-              <a:t>04/03/2025</a:t>
+              <a:t>09/03/2025</a:t>
             </a:fld>
             <a:endParaRPr lang="en-GB"/>
           </a:p>
@@ -18739,6 +18739,428 @@
           <p:cNvPr id="2" name="Title 1">
             <a:extLst>
               <a:ext uri="{FF2B5EF4-FFF2-40B4-BE49-F238E27FC236}">
+                <a16:creationId xmlns:a16="http://schemas.microsoft.com/office/drawing/2014/main" id="{168FABAB-79B4-A6B1-BEF5-2A45076B7B02}"/>
+              </a:ext>
+            </a:extLst>
+          </p:cNvPr>
+          <p:cNvSpPr>
+            <a:spLocks noGrp="1"/>
+          </p:cNvSpPr>
+          <p:nvPr>
+            <p:ph type="title"/>
+          </p:nvPr>
+        </p:nvSpPr>
+        <p:spPr/>
+        <p:txBody>
+          <a:bodyPr/>
+          <a:lstStyle/>
+          <a:p>
+            <a:r>
+              <a:rPr lang="en-US" dirty="0"/>
+              <a:t>The Jacobian is a matrix that keeps track of partial derivatives for vector functions</a:t>
+            </a:r>
+            <a:endParaRPr lang="en-IL" dirty="0"/>
+          </a:p>
+        </p:txBody>
+      </p:sp>
+      <p:pic>
+        <p:nvPicPr>
+          <p:cNvPr id="5" name="Picture 4">
+            <a:extLst>
+              <a:ext uri="{FF2B5EF4-FFF2-40B4-BE49-F238E27FC236}">
+                <a16:creationId xmlns:a16="http://schemas.microsoft.com/office/drawing/2014/main" id="{8FA3046C-AA8B-8CA9-C809-BFCE23C70DE3}"/>
+              </a:ext>
+            </a:extLst>
+          </p:cNvPr>
+          <p:cNvPicPr>
+            <a:picLocks noChangeAspect="1"/>
+          </p:cNvPicPr>
+          <p:nvPr/>
+        </p:nvPicPr>
+        <p:blipFill>
+          <a:blip r:embed="rId2">
+            <a:extLst>
+              <a:ext uri="{28A0092B-C50C-407E-A947-70E740481C1C}">
+                <a14:useLocalDpi xmlns:a14="http://schemas.microsoft.com/office/drawing/2010/main" val="0"/>
+              </a:ext>
+            </a:extLst>
+          </a:blip>
+          <a:srcRect/>
+          <a:stretch/>
+        </p:blipFill>
+        <p:spPr>
+          <a:xfrm>
+            <a:off x="480027" y="2287057"/>
+            <a:ext cx="5355280" cy="3631142"/>
+          </a:xfrm>
+          <a:prstGeom prst="rect">
+            <a:avLst/>
+          </a:prstGeom>
+        </p:spPr>
+      </p:pic>
+      <p:graphicFrame>
+        <p:nvGraphicFramePr>
+          <p:cNvPr id="6" name="Object 5">
+            <a:extLst>
+              <a:ext uri="{FF2B5EF4-FFF2-40B4-BE49-F238E27FC236}">
+                <a16:creationId xmlns:a16="http://schemas.microsoft.com/office/drawing/2014/main" id="{111F68A8-FF81-5E99-A9E0-57C2BAC03373}"/>
+              </a:ext>
+            </a:extLst>
+          </p:cNvPr>
+          <p:cNvGraphicFramePr>
+            <a:graphicFrameLocks noChangeAspect="1"/>
+          </p:cNvGraphicFramePr>
+          <p:nvPr/>
+        </p:nvGraphicFramePr>
+        <p:xfrm>
+          <a:off x="7230533" y="2433331"/>
+          <a:ext cx="3850217" cy="3484868"/>
+        </p:xfrm>
+        <a:graphic>
+          <a:graphicData uri="http://schemas.openxmlformats.org/presentationml/2006/ole">
+            <mc:AlternateContent xmlns:mc="http://schemas.openxmlformats.org/markup-compatibility/2006">
+              <mc:Choice xmlns:v="urn:schemas-microsoft-com:vml" Requires="v">
+                <p:oleObj name="Equation" r:id="rId3" imgW="1739880" imgH="1574640" progId="Equation.DSMT4">
+                  <p:embed/>
+                </p:oleObj>
+              </mc:Choice>
+              <mc:Fallback>
+                <p:oleObj name="Equation" r:id="rId3" imgW="1739880" imgH="1574640" progId="Equation.DSMT4">
+                  <p:embed/>
+                  <p:pic>
+                    <p:nvPicPr>
+                      <p:cNvPr id="6" name="Object 5">
+                        <a:extLst>
+                          <a:ext uri="{FF2B5EF4-FFF2-40B4-BE49-F238E27FC236}">
+                            <a16:creationId xmlns:a16="http://schemas.microsoft.com/office/drawing/2014/main" id="{111F68A8-FF81-5E99-A9E0-57C2BAC03373}"/>
+                          </a:ext>
+                        </a:extLst>
+                      </p:cNvPr>
+                      <p:cNvPicPr/>
+                      <p:nvPr/>
+                    </p:nvPicPr>
+                    <p:blipFill>
+                      <a:blip r:embed="rId4"/>
+                      <a:stretch>
+                        <a:fillRect/>
+                      </a:stretch>
+                    </p:blipFill>
+                    <p:spPr>
+                      <a:xfrm>
+                        <a:off x="7230533" y="2433331"/>
+                        <a:ext cx="3850217" cy="3484868"/>
+                      </a:xfrm>
+                      <a:prstGeom prst="rect">
+                        <a:avLst/>
+                      </a:prstGeom>
+                    </p:spPr>
+                  </p:pic>
+                </p:oleObj>
+              </mc:Fallback>
+            </mc:AlternateContent>
+          </a:graphicData>
+        </a:graphic>
+      </p:graphicFrame>
+    </p:spTree>
+    <p:extLst>
+      <p:ext uri="{BB962C8B-B14F-4D97-AF65-F5344CB8AC3E}">
+        <p14:creationId xmlns:p14="http://schemas.microsoft.com/office/powerpoint/2010/main" val="2747427732"/>
+      </p:ext>
+    </p:extLst>
+  </p:cSld>
+  <p:clrMapOvr>
+    <a:masterClrMapping/>
+  </p:clrMapOvr>
+</p:sld>
+</file>
+
+<file path=ppt/slides/slide47.xml><?xml version="1.0" encoding="utf-8"?>
+<p:sld xmlns:a="http://schemas.openxmlformats.org/drawingml/2006/main" xmlns:r="http://schemas.openxmlformats.org/officeDocument/2006/relationships" xmlns:p="http://schemas.openxmlformats.org/presentationml/2006/main">
+  <p:cSld>
+    <p:spTree>
+      <p:nvGrpSpPr>
+        <p:cNvPr id="1" name="">
+          <a:extLst>
+            <a:ext uri="{FF2B5EF4-FFF2-40B4-BE49-F238E27FC236}">
+              <a16:creationId xmlns:a16="http://schemas.microsoft.com/office/drawing/2014/main" id="{B25C5126-1892-3EF7-01BA-94863F0FDB81}"/>
+            </a:ext>
+          </a:extLst>
+        </p:cNvPr>
+        <p:cNvGrpSpPr/>
+        <p:nvPr/>
+      </p:nvGrpSpPr>
+      <p:grpSpPr>
+        <a:xfrm>
+          <a:off x="0" y="0"/>
+          <a:ext cx="0" cy="0"/>
+          <a:chOff x="0" y="0"/>
+          <a:chExt cx="0" cy="0"/>
+        </a:xfrm>
+      </p:grpSpPr>
+      <p:sp>
+        <p:nvSpPr>
+          <p:cNvPr id="2" name="Title 1">
+            <a:extLst>
+              <a:ext uri="{FF2B5EF4-FFF2-40B4-BE49-F238E27FC236}">
+                <a16:creationId xmlns:a16="http://schemas.microsoft.com/office/drawing/2014/main" id="{D43B0B22-990C-A51E-E8B6-0654F8AED84D}"/>
+              </a:ext>
+            </a:extLst>
+          </p:cNvPr>
+          <p:cNvSpPr>
+            <a:spLocks noGrp="1"/>
+          </p:cNvSpPr>
+          <p:nvPr>
+            <p:ph type="title"/>
+          </p:nvPr>
+        </p:nvSpPr>
+        <p:spPr/>
+        <p:txBody>
+          <a:bodyPr>
+            <a:normAutofit fontScale="90000"/>
+          </a:bodyPr>
+          <a:lstStyle/>
+          <a:p>
+            <a:r>
+              <a:rPr lang="en-US" dirty="0"/>
+              <a:t>A tensor generalizes the Jacobian to keep track of partial derivatives for matrix functions</a:t>
+            </a:r>
+            <a:endParaRPr lang="en-IL" dirty="0"/>
+          </a:p>
+        </p:txBody>
+      </p:sp>
+      <p:pic>
+        <p:nvPicPr>
+          <p:cNvPr id="3" name="Picture 2">
+            <a:extLst>
+              <a:ext uri="{FF2B5EF4-FFF2-40B4-BE49-F238E27FC236}">
+                <a16:creationId xmlns:a16="http://schemas.microsoft.com/office/drawing/2014/main" id="{468B13E8-1DD9-CC33-7E2B-53BA17E7F08F}"/>
+              </a:ext>
+            </a:extLst>
+          </p:cNvPr>
+          <p:cNvPicPr>
+            <a:picLocks noChangeAspect="1"/>
+          </p:cNvPicPr>
+          <p:nvPr/>
+        </p:nvPicPr>
+        <p:blipFill>
+          <a:blip r:embed="rId2"/>
+          <a:stretch>
+            <a:fillRect/>
+          </a:stretch>
+        </p:blipFill>
+        <p:spPr>
+          <a:xfrm>
+            <a:off x="546945" y="2579157"/>
+            <a:ext cx="5549055" cy="3339042"/>
+          </a:xfrm>
+          <a:prstGeom prst="rect">
+            <a:avLst/>
+          </a:prstGeom>
+        </p:spPr>
+      </p:pic>
+      <p:graphicFrame>
+        <p:nvGraphicFramePr>
+          <p:cNvPr id="4" name="Object 3">
+            <a:extLst>
+              <a:ext uri="{FF2B5EF4-FFF2-40B4-BE49-F238E27FC236}">
+                <a16:creationId xmlns:a16="http://schemas.microsoft.com/office/drawing/2014/main" id="{6328CF83-07B9-1F03-6A23-F53E3090FBBA}"/>
+              </a:ext>
+            </a:extLst>
+          </p:cNvPr>
+          <p:cNvGraphicFramePr>
+            <a:graphicFrameLocks noChangeAspect="1"/>
+          </p:cNvGraphicFramePr>
+          <p:nvPr/>
+        </p:nvGraphicFramePr>
+        <p:xfrm>
+          <a:off x="7589123" y="3317345"/>
+          <a:ext cx="2947644" cy="1593321"/>
+        </p:xfrm>
+        <a:graphic>
+          <a:graphicData uri="http://schemas.openxmlformats.org/presentationml/2006/ole">
+            <mc:AlternateContent xmlns:mc="http://schemas.openxmlformats.org/markup-compatibility/2006">
+              <mc:Choice xmlns:v="urn:schemas-microsoft-com:vml" Requires="v">
+                <p:oleObj name="Equation" r:id="rId3" imgW="939600" imgH="507960" progId="Equation.DSMT4">
+                  <p:embed/>
+                </p:oleObj>
+              </mc:Choice>
+              <mc:Fallback>
+                <p:oleObj name="Equation" r:id="rId3" imgW="939600" imgH="507960" progId="Equation.DSMT4">
+                  <p:embed/>
+                  <p:pic>
+                    <p:nvPicPr>
+                      <p:cNvPr id="4" name="Object 3">
+                        <a:extLst>
+                          <a:ext uri="{FF2B5EF4-FFF2-40B4-BE49-F238E27FC236}">
+                            <a16:creationId xmlns:a16="http://schemas.microsoft.com/office/drawing/2014/main" id="{6328CF83-07B9-1F03-6A23-F53E3090FBBA}"/>
+                          </a:ext>
+                        </a:extLst>
+                      </p:cNvPr>
+                      <p:cNvPicPr/>
+                      <p:nvPr/>
+                    </p:nvPicPr>
+                    <p:blipFill>
+                      <a:blip r:embed="rId4"/>
+                      <a:stretch>
+                        <a:fillRect/>
+                      </a:stretch>
+                    </p:blipFill>
+                    <p:spPr>
+                      <a:xfrm>
+                        <a:off x="7589123" y="3317345"/>
+                        <a:ext cx="2947644" cy="1593321"/>
+                      </a:xfrm>
+                      <a:prstGeom prst="rect">
+                        <a:avLst/>
+                      </a:prstGeom>
+                    </p:spPr>
+                  </p:pic>
+                </p:oleObj>
+              </mc:Fallback>
+            </mc:AlternateContent>
+          </a:graphicData>
+        </a:graphic>
+      </p:graphicFrame>
+    </p:spTree>
+    <p:extLst>
+      <p:ext uri="{BB962C8B-B14F-4D97-AF65-F5344CB8AC3E}">
+        <p14:creationId xmlns:p14="http://schemas.microsoft.com/office/powerpoint/2010/main" val="1205540472"/>
+      </p:ext>
+    </p:extLst>
+  </p:cSld>
+  <p:clrMapOvr>
+    <a:masterClrMapping/>
+  </p:clrMapOvr>
+</p:sld>
+</file>
+
+<file path=ppt/slides/slide48.xml><?xml version="1.0" encoding="utf-8"?>
+<p:sld xmlns:a="http://schemas.openxmlformats.org/drawingml/2006/main" xmlns:r="http://schemas.openxmlformats.org/officeDocument/2006/relationships" xmlns:p="http://schemas.openxmlformats.org/presentationml/2006/main">
+  <p:cSld>
+    <p:spTree>
+      <p:nvGrpSpPr>
+        <p:cNvPr id="1" name=""/>
+        <p:cNvGrpSpPr/>
+        <p:nvPr/>
+      </p:nvGrpSpPr>
+      <p:grpSpPr>
+        <a:xfrm>
+          <a:off x="0" y="0"/>
+          <a:ext cx="0" cy="0"/>
+          <a:chOff x="0" y="0"/>
+          <a:chExt cx="0" cy="0"/>
+        </a:xfrm>
+      </p:grpSpPr>
+      <p:sp>
+        <p:nvSpPr>
+          <p:cNvPr id="2" name="Title 1">
+            <a:extLst>
+              <a:ext uri="{FF2B5EF4-FFF2-40B4-BE49-F238E27FC236}">
+                <a16:creationId xmlns:a16="http://schemas.microsoft.com/office/drawing/2014/main" id="{1371D413-320D-D3EE-6093-47AC8E01493F}"/>
+              </a:ext>
+            </a:extLst>
+          </p:cNvPr>
+          <p:cNvSpPr>
+            <a:spLocks noGrp="1"/>
+          </p:cNvSpPr>
+          <p:nvPr>
+            <p:ph type="title"/>
+          </p:nvPr>
+        </p:nvSpPr>
+        <p:spPr/>
+        <p:txBody>
+          <a:bodyPr/>
+          <a:lstStyle/>
+          <a:p>
+            <a:r>
+              <a:rPr lang="en-US" dirty="0"/>
+              <a:t>Tensor processing is important</a:t>
+            </a:r>
+            <a:endParaRPr lang="en-IL" dirty="0"/>
+          </a:p>
+        </p:txBody>
+      </p:sp>
+      <p:sp>
+        <p:nvSpPr>
+          <p:cNvPr id="3" name="Content Placeholder 2">
+            <a:extLst>
+              <a:ext uri="{FF2B5EF4-FFF2-40B4-BE49-F238E27FC236}">
+                <a16:creationId xmlns:a16="http://schemas.microsoft.com/office/drawing/2014/main" id="{FD080D8A-CFCB-4014-E85F-252D0EB3F707}"/>
+              </a:ext>
+            </a:extLst>
+          </p:cNvPr>
+          <p:cNvSpPr>
+            <a:spLocks noGrp="1"/>
+          </p:cNvSpPr>
+          <p:nvPr>
+            <p:ph idx="1"/>
+          </p:nvPr>
+        </p:nvSpPr>
+        <p:spPr/>
+        <p:txBody>
+          <a:bodyPr>
+            <a:normAutofit/>
+          </a:bodyPr>
+          <a:lstStyle/>
+          <a:p>
+            <a:r>
+              <a:rPr lang="en-US" sz="2400" dirty="0"/>
+              <a:t>Modern machine learning does calculations with very large multi-dimensional matrixes</a:t>
+            </a:r>
+          </a:p>
+          <a:p>
+            <a:r>
+              <a:rPr lang="en-US" sz="2400" dirty="0"/>
+              <a:t>Probabilistic models are nodes with multi-dimensional input and output</a:t>
+            </a:r>
+          </a:p>
+          <a:p>
+            <a:endParaRPr lang="en-US" sz="2400" dirty="0"/>
+          </a:p>
+          <a:p>
+            <a:r>
+              <a:rPr lang="en-US" sz="2400" dirty="0"/>
+              <a:t>Both fields need automatic differentiation!</a:t>
+            </a:r>
+            <a:endParaRPr lang="en-IL" sz="2400" dirty="0"/>
+          </a:p>
+        </p:txBody>
+      </p:sp>
+    </p:spTree>
+    <p:extLst>
+      <p:ext uri="{BB962C8B-B14F-4D97-AF65-F5344CB8AC3E}">
+        <p14:creationId xmlns:p14="http://schemas.microsoft.com/office/powerpoint/2010/main" val="2076285864"/>
+      </p:ext>
+    </p:extLst>
+  </p:cSld>
+  <p:clrMapOvr>
+    <a:masterClrMapping/>
+  </p:clrMapOvr>
+</p:sld>
+</file>
+
+<file path=ppt/slides/slide49.xml><?xml version="1.0" encoding="utf-8"?>
+<p:sld xmlns:a="http://schemas.openxmlformats.org/drawingml/2006/main" xmlns:r="http://schemas.openxmlformats.org/officeDocument/2006/relationships" xmlns:p="http://schemas.openxmlformats.org/presentationml/2006/main">
+  <p:cSld>
+    <p:spTree>
+      <p:nvGrpSpPr>
+        <p:cNvPr id="1" name=""/>
+        <p:cNvGrpSpPr/>
+        <p:nvPr/>
+      </p:nvGrpSpPr>
+      <p:grpSpPr>
+        <a:xfrm>
+          <a:off x="0" y="0"/>
+          <a:ext cx="0" cy="0"/>
+          <a:chOff x="0" y="0"/>
+          <a:chExt cx="0" cy="0"/>
+        </a:xfrm>
+      </p:grpSpPr>
+      <p:sp>
+        <p:nvSpPr>
+          <p:cNvPr id="2" name="Title 1">
+            <a:extLst>
+              <a:ext uri="{FF2B5EF4-FFF2-40B4-BE49-F238E27FC236}">
                 <a16:creationId xmlns:a16="http://schemas.microsoft.com/office/drawing/2014/main" id="{FB1D440F-C212-7D1D-FD3E-579D372C5806}"/>
               </a:ext>
             </a:extLst>
@@ -18952,591 +19374,6 @@
     <p:extLst>
       <p:ext uri="{BB962C8B-B14F-4D97-AF65-F5344CB8AC3E}">
         <p14:creationId xmlns:p14="http://schemas.microsoft.com/office/powerpoint/2010/main" val="363638187"/>
-      </p:ext>
-    </p:extLst>
-  </p:cSld>
-  <p:clrMapOvr>
-    <a:masterClrMapping/>
-  </p:clrMapOvr>
-</p:sld>
-</file>
-
-<file path=ppt/slides/slide47.xml><?xml version="1.0" encoding="utf-8"?>
-<p:sld xmlns:a="http://schemas.openxmlformats.org/drawingml/2006/main" xmlns:r="http://schemas.openxmlformats.org/officeDocument/2006/relationships" xmlns:p="http://schemas.openxmlformats.org/presentationml/2006/main">
-  <p:cSld>
-    <p:spTree>
-      <p:nvGrpSpPr>
-        <p:cNvPr id="1" name=""/>
-        <p:cNvGrpSpPr/>
-        <p:nvPr/>
-      </p:nvGrpSpPr>
-      <p:grpSpPr>
-        <a:xfrm>
-          <a:off x="0" y="0"/>
-          <a:ext cx="0" cy="0"/>
-          <a:chOff x="0" y="0"/>
-          <a:chExt cx="0" cy="0"/>
-        </a:xfrm>
-      </p:grpSpPr>
-      <p:sp>
-        <p:nvSpPr>
-          <p:cNvPr id="2" name="Title 1">
-            <a:extLst>
-              <a:ext uri="{FF2B5EF4-FFF2-40B4-BE49-F238E27FC236}">
-                <a16:creationId xmlns:a16="http://schemas.microsoft.com/office/drawing/2014/main" id="{47FD9B1C-10D3-6230-56CE-4A7718C5CBCC}"/>
-              </a:ext>
-            </a:extLst>
-          </p:cNvPr>
-          <p:cNvSpPr>
-            <a:spLocks noGrp="1"/>
-          </p:cNvSpPr>
-          <p:nvPr>
-            <p:ph type="title"/>
-          </p:nvPr>
-        </p:nvSpPr>
-        <p:spPr/>
-        <p:txBody>
-          <a:bodyPr/>
-          <a:lstStyle/>
-          <a:p>
-            <a:r>
-              <a:rPr lang="en-US" dirty="0"/>
-              <a:t>Each </a:t>
-            </a:r>
-            <a:r>
-              <a:rPr lang="en-US" dirty="0" err="1"/>
-              <a:t>PyMC</a:t>
-            </a:r>
-            <a:r>
-              <a:rPr lang="en-US" dirty="0"/>
-              <a:t> object is a </a:t>
-            </a:r>
-            <a:r>
-              <a:rPr lang="en-US" dirty="0" err="1"/>
-              <a:t>PyTensor</a:t>
-            </a:r>
-            <a:r>
-              <a:rPr lang="en-US" dirty="0"/>
-              <a:t> object</a:t>
-            </a:r>
-            <a:endParaRPr lang="en-IL" dirty="0"/>
-          </a:p>
-        </p:txBody>
-      </p:sp>
-      <p:sp>
-        <p:nvSpPr>
-          <p:cNvPr id="3" name="Content Placeholder 2">
-            <a:extLst>
-              <a:ext uri="{FF2B5EF4-FFF2-40B4-BE49-F238E27FC236}">
-                <a16:creationId xmlns:a16="http://schemas.microsoft.com/office/drawing/2014/main" id="{E0D40D6A-A4C2-54B8-70DD-940A1FF12B35}"/>
-              </a:ext>
-            </a:extLst>
-          </p:cNvPr>
-          <p:cNvSpPr>
-            <a:spLocks noGrp="1"/>
-          </p:cNvSpPr>
-          <p:nvPr>
-            <p:ph idx="1"/>
-          </p:nvPr>
-        </p:nvSpPr>
-        <p:spPr>
-          <a:xfrm>
-            <a:off x="838200" y="1825625"/>
-            <a:ext cx="10515600" cy="1054735"/>
-          </a:xfrm>
-        </p:spPr>
-        <p:txBody>
-          <a:bodyPr/>
-          <a:lstStyle/>
-          <a:p>
-            <a:r>
-              <a:rPr lang="en-US" sz="2400" dirty="0" err="1">
-                <a:latin typeface="Courier New" panose="02070309020205020404" pitchFamily="49" charset="0"/>
-                <a:cs typeface="Courier New" panose="02070309020205020404" pitchFamily="49" charset="0"/>
-              </a:rPr>
-              <a:t>basic_RVs</a:t>
-            </a:r>
-            <a:r>
-              <a:rPr lang="en-US" sz="2400" dirty="0">
-                <a:latin typeface="Courier New" panose="02070309020205020404" pitchFamily="49" charset="0"/>
-                <a:cs typeface="Courier New" panose="02070309020205020404" pitchFamily="49" charset="0"/>
-              </a:rPr>
-              <a:t> </a:t>
-            </a:r>
-            <a:r>
-              <a:rPr lang="en-US" dirty="0"/>
-              <a:t>shows the random variables in our model</a:t>
-            </a:r>
-            <a:endParaRPr lang="en-IL" dirty="0"/>
-          </a:p>
-        </p:txBody>
-      </p:sp>
-      <p:pic>
-        <p:nvPicPr>
-          <p:cNvPr id="4" name="Picture 3">
-            <a:extLst>
-              <a:ext uri="{FF2B5EF4-FFF2-40B4-BE49-F238E27FC236}">
-                <a16:creationId xmlns:a16="http://schemas.microsoft.com/office/drawing/2014/main" id="{FEB2D5B6-F152-FD6B-1599-943F472BB315}"/>
-              </a:ext>
-            </a:extLst>
-          </p:cNvPr>
-          <p:cNvPicPr>
-            <a:picLocks noChangeAspect="1"/>
-          </p:cNvPicPr>
-          <p:nvPr/>
-        </p:nvPicPr>
-        <p:blipFill>
-          <a:blip r:embed="rId2"/>
-          <a:stretch>
-            <a:fillRect/>
-          </a:stretch>
-        </p:blipFill>
-        <p:spPr>
-          <a:xfrm>
-            <a:off x="5820793" y="3120351"/>
-            <a:ext cx="5090033" cy="1579665"/>
-          </a:xfrm>
-          <a:prstGeom prst="rect">
-            <a:avLst/>
-          </a:prstGeom>
-        </p:spPr>
-      </p:pic>
-    </p:spTree>
-    <p:extLst>
-      <p:ext uri="{BB962C8B-B14F-4D97-AF65-F5344CB8AC3E}">
-        <p14:creationId xmlns:p14="http://schemas.microsoft.com/office/powerpoint/2010/main" val="636229580"/>
-      </p:ext>
-    </p:extLst>
-  </p:cSld>
-  <p:clrMapOvr>
-    <a:masterClrMapping/>
-  </p:clrMapOvr>
-</p:sld>
-</file>
-
-<file path=ppt/slides/slide48.xml><?xml version="1.0" encoding="utf-8"?>
-<p:sld xmlns:a="http://schemas.openxmlformats.org/drawingml/2006/main" xmlns:r="http://schemas.openxmlformats.org/officeDocument/2006/relationships" xmlns:p="http://schemas.openxmlformats.org/presentationml/2006/main">
-  <p:cSld>
-    <p:spTree>
-      <p:nvGrpSpPr>
-        <p:cNvPr id="1" name="">
-          <a:extLst>
-            <a:ext uri="{FF2B5EF4-FFF2-40B4-BE49-F238E27FC236}">
-              <a16:creationId xmlns:a16="http://schemas.microsoft.com/office/drawing/2014/main" id="{919AA02B-8216-10ED-7BAE-28EA2DD9453D}"/>
-            </a:ext>
-          </a:extLst>
-        </p:cNvPr>
-        <p:cNvGrpSpPr/>
-        <p:nvPr/>
-      </p:nvGrpSpPr>
-      <p:grpSpPr>
-        <a:xfrm>
-          <a:off x="0" y="0"/>
-          <a:ext cx="0" cy="0"/>
-          <a:chOff x="0" y="0"/>
-          <a:chExt cx="0" cy="0"/>
-        </a:xfrm>
-      </p:grpSpPr>
-      <p:sp>
-        <p:nvSpPr>
-          <p:cNvPr id="2" name="Title 1">
-            <a:extLst>
-              <a:ext uri="{FF2B5EF4-FFF2-40B4-BE49-F238E27FC236}">
-                <a16:creationId xmlns:a16="http://schemas.microsoft.com/office/drawing/2014/main" id="{00B77CCF-FABD-1E05-0E8F-BD689B5215D9}"/>
-              </a:ext>
-            </a:extLst>
-          </p:cNvPr>
-          <p:cNvSpPr>
-            <a:spLocks noGrp="1"/>
-          </p:cNvSpPr>
-          <p:nvPr>
-            <p:ph type="title"/>
-          </p:nvPr>
-        </p:nvSpPr>
-        <p:spPr/>
-        <p:txBody>
-          <a:bodyPr/>
-          <a:lstStyle/>
-          <a:p>
-            <a:r>
-              <a:rPr lang="en-US" dirty="0"/>
-              <a:t>Each </a:t>
-            </a:r>
-            <a:r>
-              <a:rPr lang="en-US" dirty="0" err="1"/>
-              <a:t>PyMC</a:t>
-            </a:r>
-            <a:r>
-              <a:rPr lang="en-US" dirty="0"/>
-              <a:t> object is a </a:t>
-            </a:r>
-            <a:r>
-              <a:rPr lang="en-US" dirty="0" err="1"/>
-              <a:t>PyTensor</a:t>
-            </a:r>
-            <a:r>
-              <a:rPr lang="en-US" dirty="0"/>
-              <a:t> object</a:t>
-            </a:r>
-            <a:endParaRPr lang="en-IL" dirty="0"/>
-          </a:p>
-        </p:txBody>
-      </p:sp>
-      <p:sp>
-        <p:nvSpPr>
-          <p:cNvPr id="3" name="Content Placeholder 2">
-            <a:extLst>
-              <a:ext uri="{FF2B5EF4-FFF2-40B4-BE49-F238E27FC236}">
-                <a16:creationId xmlns:a16="http://schemas.microsoft.com/office/drawing/2014/main" id="{A299205C-DF29-E26B-CD5E-66928CA1A893}"/>
-              </a:ext>
-            </a:extLst>
-          </p:cNvPr>
-          <p:cNvSpPr>
-            <a:spLocks noGrp="1"/>
-          </p:cNvSpPr>
-          <p:nvPr>
-            <p:ph idx="1"/>
-          </p:nvPr>
-        </p:nvSpPr>
-        <p:spPr>
-          <a:xfrm>
-            <a:off x="838200" y="1825625"/>
-            <a:ext cx="10515600" cy="1054735"/>
-          </a:xfrm>
-        </p:spPr>
-        <p:txBody>
-          <a:bodyPr/>
-          <a:lstStyle/>
-          <a:p>
-            <a:r>
-              <a:rPr lang="en-US" sz="2400" dirty="0" err="1">
-                <a:latin typeface="Courier New" panose="02070309020205020404" pitchFamily="49" charset="0"/>
-                <a:cs typeface="Courier New" panose="02070309020205020404" pitchFamily="49" charset="0"/>
-              </a:rPr>
-              <a:t>basic_RVs</a:t>
-            </a:r>
-            <a:r>
-              <a:rPr lang="en-US" sz="2400" dirty="0">
-                <a:latin typeface="Courier New" panose="02070309020205020404" pitchFamily="49" charset="0"/>
-                <a:cs typeface="Courier New" panose="02070309020205020404" pitchFamily="49" charset="0"/>
-              </a:rPr>
-              <a:t> </a:t>
-            </a:r>
-            <a:r>
-              <a:rPr lang="en-US" dirty="0"/>
-              <a:t>shows the random variables in our model</a:t>
-            </a:r>
-          </a:p>
-          <a:p>
-            <a:r>
-              <a:rPr lang="en-US" sz="2400" dirty="0" err="1">
-                <a:latin typeface="Courier New" panose="02070309020205020404" pitchFamily="49" charset="0"/>
-                <a:cs typeface="Courier New" panose="02070309020205020404" pitchFamily="49" charset="0"/>
-              </a:rPr>
-              <a:t>dprint</a:t>
-            </a:r>
-            <a:r>
-              <a:rPr lang="en-US" dirty="0"/>
-              <a:t> show the graph of relationships</a:t>
-            </a:r>
-          </a:p>
-          <a:p>
-            <a:endParaRPr lang="en-IL" dirty="0"/>
-          </a:p>
-        </p:txBody>
-      </p:sp>
-      <p:pic>
-        <p:nvPicPr>
-          <p:cNvPr id="4" name="Picture 3">
-            <a:extLst>
-              <a:ext uri="{FF2B5EF4-FFF2-40B4-BE49-F238E27FC236}">
-                <a16:creationId xmlns:a16="http://schemas.microsoft.com/office/drawing/2014/main" id="{AA20D924-66D3-B343-A248-0B73CC44DBF0}"/>
-              </a:ext>
-            </a:extLst>
-          </p:cNvPr>
-          <p:cNvPicPr>
-            <a:picLocks noChangeAspect="1"/>
-          </p:cNvPicPr>
-          <p:nvPr/>
-        </p:nvPicPr>
-        <p:blipFill>
-          <a:blip r:embed="rId2"/>
-          <a:stretch>
-            <a:fillRect/>
-          </a:stretch>
-        </p:blipFill>
-        <p:spPr>
-          <a:xfrm>
-            <a:off x="471553" y="2908106"/>
-            <a:ext cx="4191887" cy="1300930"/>
-          </a:xfrm>
-          <a:prstGeom prst="rect">
-            <a:avLst/>
-          </a:prstGeom>
-        </p:spPr>
-      </p:pic>
-      <p:pic>
-        <p:nvPicPr>
-          <p:cNvPr id="5" name="Picture 4">
-            <a:extLst>
-              <a:ext uri="{FF2B5EF4-FFF2-40B4-BE49-F238E27FC236}">
-                <a16:creationId xmlns:a16="http://schemas.microsoft.com/office/drawing/2014/main" id="{A5AB66A9-6712-AFFE-7B18-CBDD839FEF45}"/>
-              </a:ext>
-            </a:extLst>
-          </p:cNvPr>
-          <p:cNvPicPr>
-            <a:picLocks noChangeAspect="1"/>
-          </p:cNvPicPr>
-          <p:nvPr/>
-        </p:nvPicPr>
-        <p:blipFill>
-          <a:blip r:embed="rId3"/>
-          <a:stretch>
-            <a:fillRect/>
-          </a:stretch>
-        </p:blipFill>
-        <p:spPr>
-          <a:xfrm>
-            <a:off x="4902755" y="3015297"/>
-            <a:ext cx="7289245" cy="2827137"/>
-          </a:xfrm>
-          <a:prstGeom prst="rect">
-            <a:avLst/>
-          </a:prstGeom>
-        </p:spPr>
-      </p:pic>
-    </p:spTree>
-    <p:extLst>
-      <p:ext uri="{BB962C8B-B14F-4D97-AF65-F5344CB8AC3E}">
-        <p14:creationId xmlns:p14="http://schemas.microsoft.com/office/powerpoint/2010/main" val="1683935356"/>
-      </p:ext>
-    </p:extLst>
-  </p:cSld>
-  <p:clrMapOvr>
-    <a:masterClrMapping/>
-  </p:clrMapOvr>
-  <p:timing>
-    <p:tnLst>
-      <p:par>
-        <p:cTn id="1" dur="indefinite" restart="never" nodeType="tmRoot">
-          <p:childTnLst>
-            <p:seq concurrent="1" nextAc="seek">
-              <p:cTn id="2" dur="indefinite" nodeType="mainSeq">
-                <p:childTnLst>
-                  <p:par>
-                    <p:cTn id="3" fill="hold">
-                      <p:stCondLst>
-                        <p:cond delay="indefinite"/>
-                      </p:stCondLst>
-                      <p:childTnLst>
-                        <p:par>
-                          <p:cTn id="4" fill="hold">
-                            <p:stCondLst>
-                              <p:cond delay="0"/>
-                            </p:stCondLst>
-                            <p:childTnLst>
-                              <p:par>
-                                <p:cTn id="5" presetID="1" presetClass="entr" presetSubtype="0" fill="hold" nodeType="clickEffect">
-                                  <p:stCondLst>
-                                    <p:cond delay="0"/>
-                                  </p:stCondLst>
-                                  <p:childTnLst>
-                                    <p:set>
-                                      <p:cBhvr>
-                                        <p:cTn id="6" dur="1" fill="hold">
-                                          <p:stCondLst>
-                                            <p:cond delay="0"/>
-                                          </p:stCondLst>
-                                        </p:cTn>
-                                        <p:tgtEl>
-                                          <p:spTgt spid="3">
-                                            <p:txEl>
-                                              <p:pRg st="1" end="1"/>
-                                            </p:txEl>
-                                          </p:spTgt>
-                                        </p:tgtEl>
-                                        <p:attrNameLst>
-                                          <p:attrName>style.visibility</p:attrName>
-                                        </p:attrNameLst>
-                                      </p:cBhvr>
-                                      <p:to>
-                                        <p:strVal val="visible"/>
-                                      </p:to>
-                                    </p:set>
-                                  </p:childTnLst>
-                                </p:cTn>
-                              </p:par>
-                              <p:par>
-                                <p:cTn id="7" presetID="1" presetClass="entr" presetSubtype="0" fill="hold" nodeType="withEffect">
-                                  <p:stCondLst>
-                                    <p:cond delay="0"/>
-                                  </p:stCondLst>
-                                  <p:childTnLst>
-                                    <p:set>
-                                      <p:cBhvr>
-                                        <p:cTn id="8" dur="1" fill="hold">
-                                          <p:stCondLst>
-                                            <p:cond delay="0"/>
-                                          </p:stCondLst>
-                                        </p:cTn>
-                                        <p:tgtEl>
-                                          <p:spTgt spid="5"/>
-                                        </p:tgtEl>
-                                        <p:attrNameLst>
-                                          <p:attrName>style.visibility</p:attrName>
-                                        </p:attrNameLst>
-                                      </p:cBhvr>
-                                      <p:to>
-                                        <p:strVal val="visible"/>
-                                      </p:to>
-                                    </p:set>
-                                  </p:childTnLst>
-                                </p:cTn>
-                              </p:par>
-                            </p:childTnLst>
-                          </p:cTn>
-                        </p:par>
-                      </p:childTnLst>
-                    </p:cTn>
-                  </p:par>
-                </p:childTnLst>
-              </p:cTn>
-              <p:prevCondLst>
-                <p:cond evt="onPrev" delay="0">
-                  <p:tgtEl>
-                    <p:sldTgt/>
-                  </p:tgtEl>
-                </p:cond>
-              </p:prevCondLst>
-              <p:nextCondLst>
-                <p:cond evt="onNext" delay="0">
-                  <p:tgtEl>
-                    <p:sldTgt/>
-                  </p:tgtEl>
-                </p:cond>
-              </p:nextCondLst>
-            </p:seq>
-          </p:childTnLst>
-        </p:cTn>
-      </p:par>
-    </p:tnLst>
-  </p:timing>
-</p:sld>
-</file>
-
-<file path=ppt/slides/slide49.xml><?xml version="1.0" encoding="utf-8"?>
-<p:sld xmlns:a="http://schemas.openxmlformats.org/drawingml/2006/main" xmlns:r="http://schemas.openxmlformats.org/officeDocument/2006/relationships" xmlns:p="http://schemas.openxmlformats.org/presentationml/2006/main">
-  <p:cSld>
-    <p:spTree>
-      <p:nvGrpSpPr>
-        <p:cNvPr id="1" name=""/>
-        <p:cNvGrpSpPr/>
-        <p:nvPr/>
-      </p:nvGrpSpPr>
-      <p:grpSpPr>
-        <a:xfrm>
-          <a:off x="0" y="0"/>
-          <a:ext cx="0" cy="0"/>
-          <a:chOff x="0" y="0"/>
-          <a:chExt cx="0" cy="0"/>
-        </a:xfrm>
-      </p:grpSpPr>
-      <p:sp>
-        <p:nvSpPr>
-          <p:cNvPr id="2" name="Title 1">
-            <a:extLst>
-              <a:ext uri="{FF2B5EF4-FFF2-40B4-BE49-F238E27FC236}">
-                <a16:creationId xmlns:a16="http://schemas.microsoft.com/office/drawing/2014/main" id="{0BCA2CD2-7671-5FAC-E475-6074266365DE}"/>
-              </a:ext>
-            </a:extLst>
-          </p:cNvPr>
-          <p:cNvSpPr>
-            <a:spLocks noGrp="1"/>
-          </p:cNvSpPr>
-          <p:nvPr>
-            <p:ph type="title"/>
-          </p:nvPr>
-        </p:nvSpPr>
-        <p:spPr/>
-        <p:txBody>
-          <a:bodyPr/>
-          <a:lstStyle/>
-          <a:p>
-            <a:r>
-              <a:rPr lang="en-US" dirty="0"/>
-              <a:t>The </a:t>
-            </a:r>
-            <a:r>
-              <a:rPr lang="en-US" dirty="0" err="1"/>
-              <a:t>PyTensor</a:t>
-            </a:r>
-            <a:r>
-              <a:rPr lang="en-US" dirty="0"/>
-              <a:t> graphical visualization</a:t>
-            </a:r>
-            <a:endParaRPr lang="en-IL" dirty="0"/>
-          </a:p>
-        </p:txBody>
-      </p:sp>
-      <p:sp>
-        <p:nvSpPr>
-          <p:cNvPr id="3" name="Content Placeholder 2">
-            <a:extLst>
-              <a:ext uri="{FF2B5EF4-FFF2-40B4-BE49-F238E27FC236}">
-                <a16:creationId xmlns:a16="http://schemas.microsoft.com/office/drawing/2014/main" id="{D906BA4E-7156-BE20-B2A7-4006AEDC0385}"/>
-              </a:ext>
-            </a:extLst>
-          </p:cNvPr>
-          <p:cNvSpPr>
-            <a:spLocks noGrp="1"/>
-          </p:cNvSpPr>
-          <p:nvPr>
-            <p:ph idx="1"/>
-          </p:nvPr>
-        </p:nvSpPr>
-        <p:spPr/>
-        <p:txBody>
-          <a:bodyPr/>
-          <a:lstStyle/>
-          <a:p>
-            <a:endParaRPr lang="en-IL"/>
-          </a:p>
-        </p:txBody>
-      </p:sp>
-      <p:pic>
-        <p:nvPicPr>
-          <p:cNvPr id="4" name="Picture 3">
-            <a:extLst>
-              <a:ext uri="{FF2B5EF4-FFF2-40B4-BE49-F238E27FC236}">
-                <a16:creationId xmlns:a16="http://schemas.microsoft.com/office/drawing/2014/main" id="{B5F13272-F280-1BDE-B13A-44D8CD0FFA8A}"/>
-              </a:ext>
-            </a:extLst>
-          </p:cNvPr>
-          <p:cNvPicPr>
-            <a:picLocks noChangeAspect="1"/>
-          </p:cNvPicPr>
-          <p:nvPr/>
-        </p:nvPicPr>
-        <p:blipFill>
-          <a:blip r:embed="rId2"/>
-          <a:stretch>
-            <a:fillRect/>
-          </a:stretch>
-        </p:blipFill>
-        <p:spPr>
-          <a:xfrm>
-            <a:off x="380999" y="1751568"/>
-            <a:ext cx="11549133" cy="3861832"/>
-          </a:xfrm>
-          <a:prstGeom prst="rect">
-            <a:avLst/>
-          </a:prstGeom>
-        </p:spPr>
-      </p:pic>
-    </p:spTree>
-    <p:extLst>
-      <p:ext uri="{BB962C8B-B14F-4D97-AF65-F5344CB8AC3E}">
-        <p14:creationId xmlns:p14="http://schemas.microsoft.com/office/powerpoint/2010/main" val="3222122075"/>
       </p:ext>
     </p:extLst>
   </p:cSld>
@@ -19944,6 +19781,1361 @@
           <p:cNvPr id="2" name="Title 1">
             <a:extLst>
               <a:ext uri="{FF2B5EF4-FFF2-40B4-BE49-F238E27FC236}">
+                <a16:creationId xmlns:a16="http://schemas.microsoft.com/office/drawing/2014/main" id="{47FD9B1C-10D3-6230-56CE-4A7718C5CBCC}"/>
+              </a:ext>
+            </a:extLst>
+          </p:cNvPr>
+          <p:cNvSpPr>
+            <a:spLocks noGrp="1"/>
+          </p:cNvSpPr>
+          <p:nvPr>
+            <p:ph type="title"/>
+          </p:nvPr>
+        </p:nvSpPr>
+        <p:spPr/>
+        <p:txBody>
+          <a:bodyPr/>
+          <a:lstStyle/>
+          <a:p>
+            <a:r>
+              <a:rPr lang="en-US" dirty="0"/>
+              <a:t>Each </a:t>
+            </a:r>
+            <a:r>
+              <a:rPr lang="en-US" dirty="0" err="1"/>
+              <a:t>PyMC</a:t>
+            </a:r>
+            <a:r>
+              <a:rPr lang="en-US" dirty="0"/>
+              <a:t> object is a </a:t>
+            </a:r>
+            <a:r>
+              <a:rPr lang="en-US" dirty="0" err="1"/>
+              <a:t>PyTensor</a:t>
+            </a:r>
+            <a:r>
+              <a:rPr lang="en-US" dirty="0"/>
+              <a:t> object</a:t>
+            </a:r>
+            <a:endParaRPr lang="en-IL" dirty="0"/>
+          </a:p>
+        </p:txBody>
+      </p:sp>
+      <p:sp>
+        <p:nvSpPr>
+          <p:cNvPr id="3" name="Content Placeholder 2">
+            <a:extLst>
+              <a:ext uri="{FF2B5EF4-FFF2-40B4-BE49-F238E27FC236}">
+                <a16:creationId xmlns:a16="http://schemas.microsoft.com/office/drawing/2014/main" id="{E0D40D6A-A4C2-54B8-70DD-940A1FF12B35}"/>
+              </a:ext>
+            </a:extLst>
+          </p:cNvPr>
+          <p:cNvSpPr>
+            <a:spLocks noGrp="1"/>
+          </p:cNvSpPr>
+          <p:nvPr>
+            <p:ph idx="1"/>
+          </p:nvPr>
+        </p:nvSpPr>
+        <p:spPr>
+          <a:xfrm>
+            <a:off x="838200" y="1825625"/>
+            <a:ext cx="10515600" cy="1054735"/>
+          </a:xfrm>
+        </p:spPr>
+        <p:txBody>
+          <a:bodyPr/>
+          <a:lstStyle/>
+          <a:p>
+            <a:r>
+              <a:rPr lang="en-US" sz="2400" dirty="0" err="1">
+                <a:latin typeface="Courier New" panose="02070309020205020404" pitchFamily="49" charset="0"/>
+                <a:cs typeface="Courier New" panose="02070309020205020404" pitchFamily="49" charset="0"/>
+              </a:rPr>
+              <a:t>basic_RVs</a:t>
+            </a:r>
+            <a:r>
+              <a:rPr lang="en-US" sz="2400" dirty="0">
+                <a:latin typeface="Courier New" panose="02070309020205020404" pitchFamily="49" charset="0"/>
+                <a:cs typeface="Courier New" panose="02070309020205020404" pitchFamily="49" charset="0"/>
+              </a:rPr>
+              <a:t> </a:t>
+            </a:r>
+            <a:r>
+              <a:rPr lang="en-US" dirty="0"/>
+              <a:t>shows the random variables in our model</a:t>
+            </a:r>
+            <a:endParaRPr lang="en-IL" dirty="0"/>
+          </a:p>
+        </p:txBody>
+      </p:sp>
+      <p:pic>
+        <p:nvPicPr>
+          <p:cNvPr id="4" name="Picture 3">
+            <a:extLst>
+              <a:ext uri="{FF2B5EF4-FFF2-40B4-BE49-F238E27FC236}">
+                <a16:creationId xmlns:a16="http://schemas.microsoft.com/office/drawing/2014/main" id="{FEB2D5B6-F152-FD6B-1599-943F472BB315}"/>
+              </a:ext>
+            </a:extLst>
+          </p:cNvPr>
+          <p:cNvPicPr>
+            <a:picLocks noChangeAspect="1"/>
+          </p:cNvPicPr>
+          <p:nvPr/>
+        </p:nvPicPr>
+        <p:blipFill>
+          <a:blip r:embed="rId2"/>
+          <a:stretch>
+            <a:fillRect/>
+          </a:stretch>
+        </p:blipFill>
+        <p:spPr>
+          <a:xfrm>
+            <a:off x="5820793" y="3120351"/>
+            <a:ext cx="5090033" cy="1579665"/>
+          </a:xfrm>
+          <a:prstGeom prst="rect">
+            <a:avLst/>
+          </a:prstGeom>
+        </p:spPr>
+      </p:pic>
+    </p:spTree>
+    <p:extLst>
+      <p:ext uri="{BB962C8B-B14F-4D97-AF65-F5344CB8AC3E}">
+        <p14:creationId xmlns:p14="http://schemas.microsoft.com/office/powerpoint/2010/main" val="636229580"/>
+      </p:ext>
+    </p:extLst>
+  </p:cSld>
+  <p:clrMapOvr>
+    <a:masterClrMapping/>
+  </p:clrMapOvr>
+</p:sld>
+</file>
+
+<file path=ppt/slides/slide51.xml><?xml version="1.0" encoding="utf-8"?>
+<p:sld xmlns:a="http://schemas.openxmlformats.org/drawingml/2006/main" xmlns:r="http://schemas.openxmlformats.org/officeDocument/2006/relationships" xmlns:p="http://schemas.openxmlformats.org/presentationml/2006/main">
+  <p:cSld>
+    <p:spTree>
+      <p:nvGrpSpPr>
+        <p:cNvPr id="1" name="">
+          <a:extLst>
+            <a:ext uri="{FF2B5EF4-FFF2-40B4-BE49-F238E27FC236}">
+              <a16:creationId xmlns:a16="http://schemas.microsoft.com/office/drawing/2014/main" id="{919AA02B-8216-10ED-7BAE-28EA2DD9453D}"/>
+            </a:ext>
+          </a:extLst>
+        </p:cNvPr>
+        <p:cNvGrpSpPr/>
+        <p:nvPr/>
+      </p:nvGrpSpPr>
+      <p:grpSpPr>
+        <a:xfrm>
+          <a:off x="0" y="0"/>
+          <a:ext cx="0" cy="0"/>
+          <a:chOff x="0" y="0"/>
+          <a:chExt cx="0" cy="0"/>
+        </a:xfrm>
+      </p:grpSpPr>
+      <p:sp>
+        <p:nvSpPr>
+          <p:cNvPr id="2" name="Title 1">
+            <a:extLst>
+              <a:ext uri="{FF2B5EF4-FFF2-40B4-BE49-F238E27FC236}">
+                <a16:creationId xmlns:a16="http://schemas.microsoft.com/office/drawing/2014/main" id="{00B77CCF-FABD-1E05-0E8F-BD689B5215D9}"/>
+              </a:ext>
+            </a:extLst>
+          </p:cNvPr>
+          <p:cNvSpPr>
+            <a:spLocks noGrp="1"/>
+          </p:cNvSpPr>
+          <p:nvPr>
+            <p:ph type="title"/>
+          </p:nvPr>
+        </p:nvSpPr>
+        <p:spPr/>
+        <p:txBody>
+          <a:bodyPr/>
+          <a:lstStyle/>
+          <a:p>
+            <a:r>
+              <a:rPr lang="en-US" dirty="0"/>
+              <a:t>Each </a:t>
+            </a:r>
+            <a:r>
+              <a:rPr lang="en-US" dirty="0" err="1"/>
+              <a:t>PyMC</a:t>
+            </a:r>
+            <a:r>
+              <a:rPr lang="en-US" dirty="0"/>
+              <a:t> object is a </a:t>
+            </a:r>
+            <a:r>
+              <a:rPr lang="en-US" dirty="0" err="1"/>
+              <a:t>PyTensor</a:t>
+            </a:r>
+            <a:r>
+              <a:rPr lang="en-US" dirty="0"/>
+              <a:t> object</a:t>
+            </a:r>
+            <a:endParaRPr lang="en-IL" dirty="0"/>
+          </a:p>
+        </p:txBody>
+      </p:sp>
+      <p:sp>
+        <p:nvSpPr>
+          <p:cNvPr id="3" name="Content Placeholder 2">
+            <a:extLst>
+              <a:ext uri="{FF2B5EF4-FFF2-40B4-BE49-F238E27FC236}">
+                <a16:creationId xmlns:a16="http://schemas.microsoft.com/office/drawing/2014/main" id="{A299205C-DF29-E26B-CD5E-66928CA1A893}"/>
+              </a:ext>
+            </a:extLst>
+          </p:cNvPr>
+          <p:cNvSpPr>
+            <a:spLocks noGrp="1"/>
+          </p:cNvSpPr>
+          <p:nvPr>
+            <p:ph idx="1"/>
+          </p:nvPr>
+        </p:nvSpPr>
+        <p:spPr>
+          <a:xfrm>
+            <a:off x="838200" y="1825625"/>
+            <a:ext cx="10515600" cy="1054735"/>
+          </a:xfrm>
+        </p:spPr>
+        <p:txBody>
+          <a:bodyPr/>
+          <a:lstStyle/>
+          <a:p>
+            <a:r>
+              <a:rPr lang="en-US" sz="2400" dirty="0" err="1">
+                <a:latin typeface="Courier New" panose="02070309020205020404" pitchFamily="49" charset="0"/>
+                <a:cs typeface="Courier New" panose="02070309020205020404" pitchFamily="49" charset="0"/>
+              </a:rPr>
+              <a:t>basic_RVs</a:t>
+            </a:r>
+            <a:r>
+              <a:rPr lang="en-US" sz="2400" dirty="0">
+                <a:latin typeface="Courier New" panose="02070309020205020404" pitchFamily="49" charset="0"/>
+                <a:cs typeface="Courier New" panose="02070309020205020404" pitchFamily="49" charset="0"/>
+              </a:rPr>
+              <a:t> </a:t>
+            </a:r>
+            <a:r>
+              <a:rPr lang="en-US" dirty="0"/>
+              <a:t>shows the random variables in our model</a:t>
+            </a:r>
+          </a:p>
+          <a:p>
+            <a:r>
+              <a:rPr lang="en-US" sz="2400" dirty="0" err="1">
+                <a:latin typeface="Courier New" panose="02070309020205020404" pitchFamily="49" charset="0"/>
+                <a:cs typeface="Courier New" panose="02070309020205020404" pitchFamily="49" charset="0"/>
+              </a:rPr>
+              <a:t>dprint</a:t>
+            </a:r>
+            <a:r>
+              <a:rPr lang="en-US" dirty="0"/>
+              <a:t> show the graph of relationships</a:t>
+            </a:r>
+          </a:p>
+          <a:p>
+            <a:endParaRPr lang="en-IL" dirty="0"/>
+          </a:p>
+        </p:txBody>
+      </p:sp>
+      <p:pic>
+        <p:nvPicPr>
+          <p:cNvPr id="4" name="Picture 3">
+            <a:extLst>
+              <a:ext uri="{FF2B5EF4-FFF2-40B4-BE49-F238E27FC236}">
+                <a16:creationId xmlns:a16="http://schemas.microsoft.com/office/drawing/2014/main" id="{AA20D924-66D3-B343-A248-0B73CC44DBF0}"/>
+              </a:ext>
+            </a:extLst>
+          </p:cNvPr>
+          <p:cNvPicPr>
+            <a:picLocks noChangeAspect="1"/>
+          </p:cNvPicPr>
+          <p:nvPr/>
+        </p:nvPicPr>
+        <p:blipFill>
+          <a:blip r:embed="rId2"/>
+          <a:stretch>
+            <a:fillRect/>
+          </a:stretch>
+        </p:blipFill>
+        <p:spPr>
+          <a:xfrm>
+            <a:off x="471553" y="2908106"/>
+            <a:ext cx="4191887" cy="1300930"/>
+          </a:xfrm>
+          <a:prstGeom prst="rect">
+            <a:avLst/>
+          </a:prstGeom>
+        </p:spPr>
+      </p:pic>
+      <p:pic>
+        <p:nvPicPr>
+          <p:cNvPr id="5" name="Picture 4">
+            <a:extLst>
+              <a:ext uri="{FF2B5EF4-FFF2-40B4-BE49-F238E27FC236}">
+                <a16:creationId xmlns:a16="http://schemas.microsoft.com/office/drawing/2014/main" id="{A5AB66A9-6712-AFFE-7B18-CBDD839FEF45}"/>
+              </a:ext>
+            </a:extLst>
+          </p:cNvPr>
+          <p:cNvPicPr>
+            <a:picLocks noChangeAspect="1"/>
+          </p:cNvPicPr>
+          <p:nvPr/>
+        </p:nvPicPr>
+        <p:blipFill>
+          <a:blip r:embed="rId3"/>
+          <a:stretch>
+            <a:fillRect/>
+          </a:stretch>
+        </p:blipFill>
+        <p:spPr>
+          <a:xfrm>
+            <a:off x="4902755" y="3015297"/>
+            <a:ext cx="7289245" cy="2827137"/>
+          </a:xfrm>
+          <a:prstGeom prst="rect">
+            <a:avLst/>
+          </a:prstGeom>
+        </p:spPr>
+      </p:pic>
+      <p:sp>
+        <p:nvSpPr>
+          <p:cNvPr id="6" name="TextBox 5">
+            <a:extLst>
+              <a:ext uri="{FF2B5EF4-FFF2-40B4-BE49-F238E27FC236}">
+                <a16:creationId xmlns:a16="http://schemas.microsoft.com/office/drawing/2014/main" id="{67C69000-6425-81B7-5481-9489E2BCDC65}"/>
+              </a:ext>
+            </a:extLst>
+          </p:cNvPr>
+          <p:cNvSpPr txBox="1"/>
+          <p:nvPr/>
+        </p:nvSpPr>
+        <p:spPr>
+          <a:xfrm>
+            <a:off x="1226239" y="4998968"/>
+            <a:ext cx="568425" cy="400110"/>
+          </a:xfrm>
+          <a:prstGeom prst="rect">
+            <a:avLst/>
+          </a:prstGeom>
+          <a:noFill/>
+        </p:spPr>
+        <p:txBody>
+          <a:bodyPr wrap="none" rtlCol="0">
+            <a:spAutoFit/>
+          </a:bodyPr>
+          <a:lstStyle/>
+          <a:p>
+            <a:r>
+              <a:rPr lang="en-US" sz="2000" dirty="0">
+                <a:solidFill>
+                  <a:srgbClr val="FF0000"/>
+                </a:solidFill>
+              </a:rPr>
+              <a:t>size</a:t>
+            </a:r>
+            <a:endParaRPr lang="en-IL" sz="2000" dirty="0">
+              <a:solidFill>
+                <a:srgbClr val="FF0000"/>
+              </a:solidFill>
+            </a:endParaRPr>
+          </a:p>
+        </p:txBody>
+      </p:sp>
+      <p:cxnSp>
+        <p:nvCxnSpPr>
+          <p:cNvPr id="8" name="Straight Arrow Connector 7">
+            <a:extLst>
+              <a:ext uri="{FF2B5EF4-FFF2-40B4-BE49-F238E27FC236}">
+                <a16:creationId xmlns:a16="http://schemas.microsoft.com/office/drawing/2014/main" id="{54569A9A-9B6E-F291-2A6D-55B789A3923A}"/>
+              </a:ext>
+            </a:extLst>
+          </p:cNvPr>
+          <p:cNvCxnSpPr>
+            <a:cxnSpLocks/>
+            <a:stCxn id="6" idx="3"/>
+          </p:cNvCxnSpPr>
+          <p:nvPr/>
+        </p:nvCxnSpPr>
+        <p:spPr>
+          <a:xfrm flipV="1">
+            <a:off x="1794664" y="4209036"/>
+            <a:ext cx="3191811" cy="989987"/>
+          </a:xfrm>
+          <a:prstGeom prst="straightConnector1">
+            <a:avLst/>
+          </a:prstGeom>
+          <a:ln>
+            <a:solidFill>
+              <a:srgbClr val="FF0000"/>
+            </a:solidFill>
+            <a:tailEnd type="triangle"/>
+          </a:ln>
+        </p:spPr>
+        <p:style>
+          <a:lnRef idx="1">
+            <a:schemeClr val="accent2"/>
+          </a:lnRef>
+          <a:fillRef idx="0">
+            <a:schemeClr val="accent2"/>
+          </a:fillRef>
+          <a:effectRef idx="0">
+            <a:schemeClr val="accent2"/>
+          </a:effectRef>
+          <a:fontRef idx="minor">
+            <a:schemeClr val="tx1"/>
+          </a:fontRef>
+        </p:style>
+      </p:cxnSp>
+      <p:cxnSp>
+        <p:nvCxnSpPr>
+          <p:cNvPr id="9" name="Straight Arrow Connector 8">
+            <a:extLst>
+              <a:ext uri="{FF2B5EF4-FFF2-40B4-BE49-F238E27FC236}">
+                <a16:creationId xmlns:a16="http://schemas.microsoft.com/office/drawing/2014/main" id="{7ED8794F-9B17-1184-2CC1-8BBCF4AA814E}"/>
+              </a:ext>
+            </a:extLst>
+          </p:cNvPr>
+          <p:cNvCxnSpPr>
+            <a:cxnSpLocks/>
+            <a:stCxn id="6" idx="3"/>
+          </p:cNvCxnSpPr>
+          <p:nvPr/>
+        </p:nvCxnSpPr>
+        <p:spPr>
+          <a:xfrm flipV="1">
+            <a:off x="1794664" y="5070633"/>
+            <a:ext cx="3439809" cy="128390"/>
+          </a:xfrm>
+          <a:prstGeom prst="straightConnector1">
+            <a:avLst/>
+          </a:prstGeom>
+          <a:ln>
+            <a:solidFill>
+              <a:srgbClr val="FF0000"/>
+            </a:solidFill>
+            <a:tailEnd type="triangle"/>
+          </a:ln>
+        </p:spPr>
+        <p:style>
+          <a:lnRef idx="1">
+            <a:schemeClr val="accent2"/>
+          </a:lnRef>
+          <a:fillRef idx="0">
+            <a:schemeClr val="accent2"/>
+          </a:fillRef>
+          <a:effectRef idx="0">
+            <a:schemeClr val="accent2"/>
+          </a:effectRef>
+          <a:fontRef idx="minor">
+            <a:schemeClr val="tx1"/>
+          </a:fontRef>
+        </p:style>
+      </p:cxnSp>
+      <p:sp>
+        <p:nvSpPr>
+          <p:cNvPr id="12" name="TextBox 11">
+            <a:extLst>
+              <a:ext uri="{FF2B5EF4-FFF2-40B4-BE49-F238E27FC236}">
+                <a16:creationId xmlns:a16="http://schemas.microsoft.com/office/drawing/2014/main" id="{E46AA7CF-E34C-AC04-998C-8D7659FDF3A7}"/>
+              </a:ext>
+            </a:extLst>
+          </p:cNvPr>
+          <p:cNvSpPr txBox="1"/>
+          <p:nvPr/>
+        </p:nvSpPr>
+        <p:spPr>
+          <a:xfrm>
+            <a:off x="905812" y="4598858"/>
+            <a:ext cx="649537" cy="400110"/>
+          </a:xfrm>
+          <a:prstGeom prst="rect">
+            <a:avLst/>
+          </a:prstGeom>
+          <a:noFill/>
+        </p:spPr>
+        <p:txBody>
+          <a:bodyPr wrap="none" rtlCol="0">
+            <a:spAutoFit/>
+          </a:bodyPr>
+          <a:lstStyle/>
+          <a:p>
+            <a:r>
+              <a:rPr lang="en-US" sz="2000" dirty="0">
+                <a:solidFill>
+                  <a:srgbClr val="00B0F0"/>
+                </a:solidFill>
+              </a:rPr>
+              <a:t>type</a:t>
+            </a:r>
+            <a:endParaRPr lang="en-IL" sz="2000" dirty="0">
+              <a:solidFill>
+                <a:srgbClr val="00B0F0"/>
+              </a:solidFill>
+            </a:endParaRPr>
+          </a:p>
+        </p:txBody>
+      </p:sp>
+      <p:cxnSp>
+        <p:nvCxnSpPr>
+          <p:cNvPr id="13" name="Straight Arrow Connector 12">
+            <a:extLst>
+              <a:ext uri="{FF2B5EF4-FFF2-40B4-BE49-F238E27FC236}">
+                <a16:creationId xmlns:a16="http://schemas.microsoft.com/office/drawing/2014/main" id="{22F6935A-AB59-4F0F-CEC0-512605963F31}"/>
+              </a:ext>
+            </a:extLst>
+          </p:cNvPr>
+          <p:cNvCxnSpPr>
+            <a:cxnSpLocks/>
+            <a:stCxn id="12" idx="3"/>
+          </p:cNvCxnSpPr>
+          <p:nvPr/>
+        </p:nvCxnSpPr>
+        <p:spPr>
+          <a:xfrm flipV="1">
+            <a:off x="1555349" y="4031321"/>
+            <a:ext cx="3511173" cy="767592"/>
+          </a:xfrm>
+          <a:prstGeom prst="straightConnector1">
+            <a:avLst/>
+          </a:prstGeom>
+          <a:ln>
+            <a:tailEnd type="triangle"/>
+          </a:ln>
+        </p:spPr>
+        <p:style>
+          <a:lnRef idx="1">
+            <a:schemeClr val="accent1"/>
+          </a:lnRef>
+          <a:fillRef idx="0">
+            <a:schemeClr val="accent1"/>
+          </a:fillRef>
+          <a:effectRef idx="0">
+            <a:schemeClr val="accent1"/>
+          </a:effectRef>
+          <a:fontRef idx="minor">
+            <a:schemeClr val="tx1"/>
+          </a:fontRef>
+        </p:style>
+      </p:cxnSp>
+      <p:cxnSp>
+        <p:nvCxnSpPr>
+          <p:cNvPr id="14" name="Straight Arrow Connector 13">
+            <a:extLst>
+              <a:ext uri="{FF2B5EF4-FFF2-40B4-BE49-F238E27FC236}">
+                <a16:creationId xmlns:a16="http://schemas.microsoft.com/office/drawing/2014/main" id="{1FB5ED27-C544-C3D0-A8AE-287F1A9B5636}"/>
+              </a:ext>
+            </a:extLst>
+          </p:cNvPr>
+          <p:cNvCxnSpPr>
+            <a:cxnSpLocks/>
+            <a:stCxn id="12" idx="3"/>
+          </p:cNvCxnSpPr>
+          <p:nvPr/>
+        </p:nvCxnSpPr>
+        <p:spPr>
+          <a:xfrm>
+            <a:off x="1555349" y="4798913"/>
+            <a:ext cx="3679124" cy="71665"/>
+          </a:xfrm>
+          <a:prstGeom prst="straightConnector1">
+            <a:avLst/>
+          </a:prstGeom>
+          <a:ln>
+            <a:tailEnd type="triangle"/>
+          </a:ln>
+        </p:spPr>
+        <p:style>
+          <a:lnRef idx="1">
+            <a:schemeClr val="accent1"/>
+          </a:lnRef>
+          <a:fillRef idx="0">
+            <a:schemeClr val="accent1"/>
+          </a:fillRef>
+          <a:effectRef idx="0">
+            <a:schemeClr val="accent1"/>
+          </a:effectRef>
+          <a:fontRef idx="minor">
+            <a:schemeClr val="tx1"/>
+          </a:fontRef>
+        </p:style>
+      </p:cxnSp>
+      <p:sp>
+        <p:nvSpPr>
+          <p:cNvPr id="25" name="TextBox 24">
+            <a:extLst>
+              <a:ext uri="{FF2B5EF4-FFF2-40B4-BE49-F238E27FC236}">
+                <a16:creationId xmlns:a16="http://schemas.microsoft.com/office/drawing/2014/main" id="{B4D01079-E63B-0510-A13F-910157AD80EE}"/>
+              </a:ext>
+            </a:extLst>
+          </p:cNvPr>
+          <p:cNvSpPr txBox="1"/>
+          <p:nvPr/>
+        </p:nvSpPr>
+        <p:spPr>
+          <a:xfrm>
+            <a:off x="721168" y="5399078"/>
+            <a:ext cx="1381212" cy="400110"/>
+          </a:xfrm>
+          <a:prstGeom prst="rect">
+            <a:avLst/>
+          </a:prstGeom>
+          <a:noFill/>
+        </p:spPr>
+        <p:txBody>
+          <a:bodyPr wrap="none" rtlCol="0">
+            <a:spAutoFit/>
+          </a:bodyPr>
+          <a:lstStyle/>
+          <a:p>
+            <a:r>
+              <a:rPr lang="en-US" sz="2000" dirty="0">
+                <a:solidFill>
+                  <a:srgbClr val="00B050"/>
+                </a:solidFill>
+              </a:rPr>
+              <a:t>parameters</a:t>
+            </a:r>
+            <a:endParaRPr lang="en-IL" sz="2000" dirty="0">
+              <a:solidFill>
+                <a:srgbClr val="00B050"/>
+              </a:solidFill>
+            </a:endParaRPr>
+          </a:p>
+        </p:txBody>
+      </p:sp>
+      <p:cxnSp>
+        <p:nvCxnSpPr>
+          <p:cNvPr id="26" name="Straight Arrow Connector 25">
+            <a:extLst>
+              <a:ext uri="{FF2B5EF4-FFF2-40B4-BE49-F238E27FC236}">
+                <a16:creationId xmlns:a16="http://schemas.microsoft.com/office/drawing/2014/main" id="{9F0B8125-5A94-72A7-8882-9D8C05F681B9}"/>
+              </a:ext>
+            </a:extLst>
+          </p:cNvPr>
+          <p:cNvCxnSpPr>
+            <a:cxnSpLocks/>
+            <a:stCxn id="25" idx="3"/>
+          </p:cNvCxnSpPr>
+          <p:nvPr/>
+        </p:nvCxnSpPr>
+        <p:spPr>
+          <a:xfrm flipV="1">
+            <a:off x="2102380" y="4625625"/>
+            <a:ext cx="2964142" cy="973508"/>
+          </a:xfrm>
+          <a:prstGeom prst="straightConnector1">
+            <a:avLst/>
+          </a:prstGeom>
+          <a:ln>
+            <a:solidFill>
+              <a:srgbClr val="00B050"/>
+            </a:solidFill>
+            <a:tailEnd type="triangle"/>
+          </a:ln>
+        </p:spPr>
+        <p:style>
+          <a:lnRef idx="1">
+            <a:schemeClr val="accent2"/>
+          </a:lnRef>
+          <a:fillRef idx="0">
+            <a:schemeClr val="accent2"/>
+          </a:fillRef>
+          <a:effectRef idx="0">
+            <a:schemeClr val="accent2"/>
+          </a:effectRef>
+          <a:fontRef idx="minor">
+            <a:schemeClr val="tx1"/>
+          </a:fontRef>
+        </p:style>
+      </p:cxnSp>
+      <p:cxnSp>
+        <p:nvCxnSpPr>
+          <p:cNvPr id="27" name="Straight Arrow Connector 26">
+            <a:extLst>
+              <a:ext uri="{FF2B5EF4-FFF2-40B4-BE49-F238E27FC236}">
+                <a16:creationId xmlns:a16="http://schemas.microsoft.com/office/drawing/2014/main" id="{0B437B96-EFAE-0DDD-278E-605B9E63B329}"/>
+              </a:ext>
+            </a:extLst>
+          </p:cNvPr>
+          <p:cNvCxnSpPr>
+            <a:cxnSpLocks/>
+            <a:stCxn id="25" idx="3"/>
+          </p:cNvCxnSpPr>
+          <p:nvPr/>
+        </p:nvCxnSpPr>
+        <p:spPr>
+          <a:xfrm flipV="1">
+            <a:off x="2102380" y="5456533"/>
+            <a:ext cx="3108091" cy="142600"/>
+          </a:xfrm>
+          <a:prstGeom prst="straightConnector1">
+            <a:avLst/>
+          </a:prstGeom>
+          <a:ln>
+            <a:solidFill>
+              <a:srgbClr val="00B050"/>
+            </a:solidFill>
+            <a:tailEnd type="triangle"/>
+          </a:ln>
+        </p:spPr>
+        <p:style>
+          <a:lnRef idx="1">
+            <a:schemeClr val="accent2"/>
+          </a:lnRef>
+          <a:fillRef idx="0">
+            <a:schemeClr val="accent2"/>
+          </a:fillRef>
+          <a:effectRef idx="0">
+            <a:schemeClr val="accent2"/>
+          </a:effectRef>
+          <a:fontRef idx="minor">
+            <a:schemeClr val="tx1"/>
+          </a:fontRef>
+        </p:style>
+      </p:cxnSp>
+      <p:cxnSp>
+        <p:nvCxnSpPr>
+          <p:cNvPr id="28" name="Straight Arrow Connector 27">
+            <a:extLst>
+              <a:ext uri="{FF2B5EF4-FFF2-40B4-BE49-F238E27FC236}">
+                <a16:creationId xmlns:a16="http://schemas.microsoft.com/office/drawing/2014/main" id="{7E8D5A7F-BE45-81D3-DDC4-6DDDAB9AB7F1}"/>
+              </a:ext>
+            </a:extLst>
+          </p:cNvPr>
+          <p:cNvCxnSpPr>
+            <a:cxnSpLocks/>
+            <a:stCxn id="25" idx="3"/>
+          </p:cNvCxnSpPr>
+          <p:nvPr/>
+        </p:nvCxnSpPr>
+        <p:spPr>
+          <a:xfrm>
+            <a:off x="2102380" y="5599133"/>
+            <a:ext cx="3108091" cy="33506"/>
+          </a:xfrm>
+          <a:prstGeom prst="straightConnector1">
+            <a:avLst/>
+          </a:prstGeom>
+          <a:ln>
+            <a:solidFill>
+              <a:srgbClr val="00B050"/>
+            </a:solidFill>
+            <a:tailEnd type="triangle"/>
+          </a:ln>
+        </p:spPr>
+        <p:style>
+          <a:lnRef idx="1">
+            <a:schemeClr val="accent2"/>
+          </a:lnRef>
+          <a:fillRef idx="0">
+            <a:schemeClr val="accent2"/>
+          </a:fillRef>
+          <a:effectRef idx="0">
+            <a:schemeClr val="accent2"/>
+          </a:effectRef>
+          <a:fontRef idx="minor">
+            <a:schemeClr val="tx1"/>
+          </a:fontRef>
+        </p:style>
+      </p:cxnSp>
+    </p:spTree>
+    <p:extLst>
+      <p:ext uri="{BB962C8B-B14F-4D97-AF65-F5344CB8AC3E}">
+        <p14:creationId xmlns:p14="http://schemas.microsoft.com/office/powerpoint/2010/main" val="1683935356"/>
+      </p:ext>
+    </p:extLst>
+  </p:cSld>
+  <p:clrMapOvr>
+    <a:masterClrMapping/>
+  </p:clrMapOvr>
+  <p:timing>
+    <p:tnLst>
+      <p:par>
+        <p:cTn id="1" dur="indefinite" restart="never" nodeType="tmRoot">
+          <p:childTnLst>
+            <p:seq concurrent="1" nextAc="seek">
+              <p:cTn id="2" dur="indefinite" nodeType="mainSeq">
+                <p:childTnLst>
+                  <p:par>
+                    <p:cTn id="3" fill="hold">
+                      <p:stCondLst>
+                        <p:cond delay="indefinite"/>
+                      </p:stCondLst>
+                      <p:childTnLst>
+                        <p:par>
+                          <p:cTn id="4" fill="hold">
+                            <p:stCondLst>
+                              <p:cond delay="0"/>
+                            </p:stCondLst>
+                            <p:childTnLst>
+                              <p:par>
+                                <p:cTn id="5" presetID="1" presetClass="entr" presetSubtype="0" fill="hold" nodeType="clickEffect">
+                                  <p:stCondLst>
+                                    <p:cond delay="0"/>
+                                  </p:stCondLst>
+                                  <p:childTnLst>
+                                    <p:set>
+                                      <p:cBhvr>
+                                        <p:cTn id="6" dur="1" fill="hold">
+                                          <p:stCondLst>
+                                            <p:cond delay="0"/>
+                                          </p:stCondLst>
+                                        </p:cTn>
+                                        <p:tgtEl>
+                                          <p:spTgt spid="3">
+                                            <p:txEl>
+                                              <p:pRg st="1" end="1"/>
+                                            </p:txEl>
+                                          </p:spTgt>
+                                        </p:tgtEl>
+                                        <p:attrNameLst>
+                                          <p:attrName>style.visibility</p:attrName>
+                                        </p:attrNameLst>
+                                      </p:cBhvr>
+                                      <p:to>
+                                        <p:strVal val="visible"/>
+                                      </p:to>
+                                    </p:set>
+                                  </p:childTnLst>
+                                </p:cTn>
+                              </p:par>
+                              <p:par>
+                                <p:cTn id="7" presetID="1" presetClass="entr" presetSubtype="0" fill="hold" nodeType="withEffect">
+                                  <p:stCondLst>
+                                    <p:cond delay="0"/>
+                                  </p:stCondLst>
+                                  <p:childTnLst>
+                                    <p:set>
+                                      <p:cBhvr>
+                                        <p:cTn id="8" dur="1" fill="hold">
+                                          <p:stCondLst>
+                                            <p:cond delay="0"/>
+                                          </p:stCondLst>
+                                        </p:cTn>
+                                        <p:tgtEl>
+                                          <p:spTgt spid="5"/>
+                                        </p:tgtEl>
+                                        <p:attrNameLst>
+                                          <p:attrName>style.visibility</p:attrName>
+                                        </p:attrNameLst>
+                                      </p:cBhvr>
+                                      <p:to>
+                                        <p:strVal val="visible"/>
+                                      </p:to>
+                                    </p:set>
+                                  </p:childTnLst>
+                                </p:cTn>
+                              </p:par>
+                            </p:childTnLst>
+                          </p:cTn>
+                        </p:par>
+                      </p:childTnLst>
+                    </p:cTn>
+                  </p:par>
+                  <p:par>
+                    <p:cTn id="9" fill="hold">
+                      <p:stCondLst>
+                        <p:cond delay="indefinite"/>
+                      </p:stCondLst>
+                      <p:childTnLst>
+                        <p:par>
+                          <p:cTn id="10" fill="hold">
+                            <p:stCondLst>
+                              <p:cond delay="0"/>
+                            </p:stCondLst>
+                            <p:childTnLst>
+                              <p:par>
+                                <p:cTn id="11" presetID="1" presetClass="entr" presetSubtype="0" fill="hold" grpId="0" nodeType="clickEffect">
+                                  <p:stCondLst>
+                                    <p:cond delay="0"/>
+                                  </p:stCondLst>
+                                  <p:childTnLst>
+                                    <p:set>
+                                      <p:cBhvr>
+                                        <p:cTn id="12" dur="1" fill="hold">
+                                          <p:stCondLst>
+                                            <p:cond delay="0"/>
+                                          </p:stCondLst>
+                                        </p:cTn>
+                                        <p:tgtEl>
+                                          <p:spTgt spid="12"/>
+                                        </p:tgtEl>
+                                        <p:attrNameLst>
+                                          <p:attrName>style.visibility</p:attrName>
+                                        </p:attrNameLst>
+                                      </p:cBhvr>
+                                      <p:to>
+                                        <p:strVal val="visible"/>
+                                      </p:to>
+                                    </p:set>
+                                  </p:childTnLst>
+                                </p:cTn>
+                              </p:par>
+                              <p:par>
+                                <p:cTn id="13" presetID="1" presetClass="entr" presetSubtype="0" fill="hold" nodeType="withEffect">
+                                  <p:stCondLst>
+                                    <p:cond delay="0"/>
+                                  </p:stCondLst>
+                                  <p:childTnLst>
+                                    <p:set>
+                                      <p:cBhvr>
+                                        <p:cTn id="14" dur="1" fill="hold">
+                                          <p:stCondLst>
+                                            <p:cond delay="0"/>
+                                          </p:stCondLst>
+                                        </p:cTn>
+                                        <p:tgtEl>
+                                          <p:spTgt spid="13"/>
+                                        </p:tgtEl>
+                                        <p:attrNameLst>
+                                          <p:attrName>style.visibility</p:attrName>
+                                        </p:attrNameLst>
+                                      </p:cBhvr>
+                                      <p:to>
+                                        <p:strVal val="visible"/>
+                                      </p:to>
+                                    </p:set>
+                                  </p:childTnLst>
+                                </p:cTn>
+                              </p:par>
+                              <p:par>
+                                <p:cTn id="15" presetID="1" presetClass="entr" presetSubtype="0" fill="hold" nodeType="withEffect">
+                                  <p:stCondLst>
+                                    <p:cond delay="0"/>
+                                  </p:stCondLst>
+                                  <p:childTnLst>
+                                    <p:set>
+                                      <p:cBhvr>
+                                        <p:cTn id="16" dur="1" fill="hold">
+                                          <p:stCondLst>
+                                            <p:cond delay="0"/>
+                                          </p:stCondLst>
+                                        </p:cTn>
+                                        <p:tgtEl>
+                                          <p:spTgt spid="14"/>
+                                        </p:tgtEl>
+                                        <p:attrNameLst>
+                                          <p:attrName>style.visibility</p:attrName>
+                                        </p:attrNameLst>
+                                      </p:cBhvr>
+                                      <p:to>
+                                        <p:strVal val="visible"/>
+                                      </p:to>
+                                    </p:set>
+                                  </p:childTnLst>
+                                </p:cTn>
+                              </p:par>
+                            </p:childTnLst>
+                          </p:cTn>
+                        </p:par>
+                      </p:childTnLst>
+                    </p:cTn>
+                  </p:par>
+                  <p:par>
+                    <p:cTn id="17" fill="hold">
+                      <p:stCondLst>
+                        <p:cond delay="indefinite"/>
+                      </p:stCondLst>
+                      <p:childTnLst>
+                        <p:par>
+                          <p:cTn id="18" fill="hold">
+                            <p:stCondLst>
+                              <p:cond delay="0"/>
+                            </p:stCondLst>
+                            <p:childTnLst>
+                              <p:par>
+                                <p:cTn id="19" presetID="1" presetClass="entr" presetSubtype="0" fill="hold" grpId="0" nodeType="clickEffect">
+                                  <p:stCondLst>
+                                    <p:cond delay="0"/>
+                                  </p:stCondLst>
+                                  <p:childTnLst>
+                                    <p:set>
+                                      <p:cBhvr>
+                                        <p:cTn id="20" dur="1" fill="hold">
+                                          <p:stCondLst>
+                                            <p:cond delay="0"/>
+                                          </p:stCondLst>
+                                        </p:cTn>
+                                        <p:tgtEl>
+                                          <p:spTgt spid="6"/>
+                                        </p:tgtEl>
+                                        <p:attrNameLst>
+                                          <p:attrName>style.visibility</p:attrName>
+                                        </p:attrNameLst>
+                                      </p:cBhvr>
+                                      <p:to>
+                                        <p:strVal val="visible"/>
+                                      </p:to>
+                                    </p:set>
+                                  </p:childTnLst>
+                                </p:cTn>
+                              </p:par>
+                              <p:par>
+                                <p:cTn id="21" presetID="1" presetClass="entr" presetSubtype="0" fill="hold" nodeType="withEffect">
+                                  <p:stCondLst>
+                                    <p:cond delay="0"/>
+                                  </p:stCondLst>
+                                  <p:childTnLst>
+                                    <p:set>
+                                      <p:cBhvr>
+                                        <p:cTn id="22" dur="1" fill="hold">
+                                          <p:stCondLst>
+                                            <p:cond delay="0"/>
+                                          </p:stCondLst>
+                                        </p:cTn>
+                                        <p:tgtEl>
+                                          <p:spTgt spid="8"/>
+                                        </p:tgtEl>
+                                        <p:attrNameLst>
+                                          <p:attrName>style.visibility</p:attrName>
+                                        </p:attrNameLst>
+                                      </p:cBhvr>
+                                      <p:to>
+                                        <p:strVal val="visible"/>
+                                      </p:to>
+                                    </p:set>
+                                  </p:childTnLst>
+                                </p:cTn>
+                              </p:par>
+                              <p:par>
+                                <p:cTn id="23" presetID="1" presetClass="entr" presetSubtype="0" fill="hold" nodeType="withEffect">
+                                  <p:stCondLst>
+                                    <p:cond delay="0"/>
+                                  </p:stCondLst>
+                                  <p:childTnLst>
+                                    <p:set>
+                                      <p:cBhvr>
+                                        <p:cTn id="24" dur="1" fill="hold">
+                                          <p:stCondLst>
+                                            <p:cond delay="0"/>
+                                          </p:stCondLst>
+                                        </p:cTn>
+                                        <p:tgtEl>
+                                          <p:spTgt spid="9"/>
+                                        </p:tgtEl>
+                                        <p:attrNameLst>
+                                          <p:attrName>style.visibility</p:attrName>
+                                        </p:attrNameLst>
+                                      </p:cBhvr>
+                                      <p:to>
+                                        <p:strVal val="visible"/>
+                                      </p:to>
+                                    </p:set>
+                                  </p:childTnLst>
+                                </p:cTn>
+                              </p:par>
+                            </p:childTnLst>
+                          </p:cTn>
+                        </p:par>
+                      </p:childTnLst>
+                    </p:cTn>
+                  </p:par>
+                  <p:par>
+                    <p:cTn id="25" fill="hold">
+                      <p:stCondLst>
+                        <p:cond delay="indefinite"/>
+                      </p:stCondLst>
+                      <p:childTnLst>
+                        <p:par>
+                          <p:cTn id="26" fill="hold">
+                            <p:stCondLst>
+                              <p:cond delay="0"/>
+                            </p:stCondLst>
+                            <p:childTnLst>
+                              <p:par>
+                                <p:cTn id="27" presetID="1" presetClass="entr" presetSubtype="0" fill="hold" grpId="0" nodeType="clickEffect">
+                                  <p:stCondLst>
+                                    <p:cond delay="0"/>
+                                  </p:stCondLst>
+                                  <p:childTnLst>
+                                    <p:set>
+                                      <p:cBhvr>
+                                        <p:cTn id="28" dur="1" fill="hold">
+                                          <p:stCondLst>
+                                            <p:cond delay="0"/>
+                                          </p:stCondLst>
+                                        </p:cTn>
+                                        <p:tgtEl>
+                                          <p:spTgt spid="25"/>
+                                        </p:tgtEl>
+                                        <p:attrNameLst>
+                                          <p:attrName>style.visibility</p:attrName>
+                                        </p:attrNameLst>
+                                      </p:cBhvr>
+                                      <p:to>
+                                        <p:strVal val="visible"/>
+                                      </p:to>
+                                    </p:set>
+                                  </p:childTnLst>
+                                </p:cTn>
+                              </p:par>
+                              <p:par>
+                                <p:cTn id="29" presetID="1" presetClass="entr" presetSubtype="0" fill="hold" nodeType="withEffect">
+                                  <p:stCondLst>
+                                    <p:cond delay="0"/>
+                                  </p:stCondLst>
+                                  <p:childTnLst>
+                                    <p:set>
+                                      <p:cBhvr>
+                                        <p:cTn id="30" dur="1" fill="hold">
+                                          <p:stCondLst>
+                                            <p:cond delay="0"/>
+                                          </p:stCondLst>
+                                        </p:cTn>
+                                        <p:tgtEl>
+                                          <p:spTgt spid="26"/>
+                                        </p:tgtEl>
+                                        <p:attrNameLst>
+                                          <p:attrName>style.visibility</p:attrName>
+                                        </p:attrNameLst>
+                                      </p:cBhvr>
+                                      <p:to>
+                                        <p:strVal val="visible"/>
+                                      </p:to>
+                                    </p:set>
+                                  </p:childTnLst>
+                                </p:cTn>
+                              </p:par>
+                              <p:par>
+                                <p:cTn id="31" presetID="1" presetClass="entr" presetSubtype="0" fill="hold" nodeType="withEffect">
+                                  <p:stCondLst>
+                                    <p:cond delay="0"/>
+                                  </p:stCondLst>
+                                  <p:childTnLst>
+                                    <p:set>
+                                      <p:cBhvr>
+                                        <p:cTn id="32" dur="1" fill="hold">
+                                          <p:stCondLst>
+                                            <p:cond delay="0"/>
+                                          </p:stCondLst>
+                                        </p:cTn>
+                                        <p:tgtEl>
+                                          <p:spTgt spid="28"/>
+                                        </p:tgtEl>
+                                        <p:attrNameLst>
+                                          <p:attrName>style.visibility</p:attrName>
+                                        </p:attrNameLst>
+                                      </p:cBhvr>
+                                      <p:to>
+                                        <p:strVal val="visible"/>
+                                      </p:to>
+                                    </p:set>
+                                  </p:childTnLst>
+                                </p:cTn>
+                              </p:par>
+                              <p:par>
+                                <p:cTn id="33" presetID="1" presetClass="entr" presetSubtype="0" fill="hold" nodeType="withEffect">
+                                  <p:stCondLst>
+                                    <p:cond delay="0"/>
+                                  </p:stCondLst>
+                                  <p:childTnLst>
+                                    <p:set>
+                                      <p:cBhvr>
+                                        <p:cTn id="34" dur="1" fill="hold">
+                                          <p:stCondLst>
+                                            <p:cond delay="0"/>
+                                          </p:stCondLst>
+                                        </p:cTn>
+                                        <p:tgtEl>
+                                          <p:spTgt spid="27"/>
+                                        </p:tgtEl>
+                                        <p:attrNameLst>
+                                          <p:attrName>style.visibility</p:attrName>
+                                        </p:attrNameLst>
+                                      </p:cBhvr>
+                                      <p:to>
+                                        <p:strVal val="visible"/>
+                                      </p:to>
+                                    </p:set>
+                                  </p:childTnLst>
+                                </p:cTn>
+                              </p:par>
+                            </p:childTnLst>
+                          </p:cTn>
+                        </p:par>
+                      </p:childTnLst>
+                    </p:cTn>
+                  </p:par>
+                </p:childTnLst>
+              </p:cTn>
+              <p:prevCondLst>
+                <p:cond evt="onPrev" delay="0">
+                  <p:tgtEl>
+                    <p:sldTgt/>
+                  </p:tgtEl>
+                </p:cond>
+              </p:prevCondLst>
+              <p:nextCondLst>
+                <p:cond evt="onNext" delay="0">
+                  <p:tgtEl>
+                    <p:sldTgt/>
+                  </p:tgtEl>
+                </p:cond>
+              </p:nextCondLst>
+            </p:seq>
+          </p:childTnLst>
+        </p:cTn>
+      </p:par>
+    </p:tnLst>
+    <p:bldLst>
+      <p:bldP spid="6" grpId="0"/>
+      <p:bldP spid="12" grpId="0"/>
+      <p:bldP spid="25" grpId="0"/>
+    </p:bldLst>
+  </p:timing>
+</p:sld>
+</file>
+
+<file path=ppt/slides/slide52.xml><?xml version="1.0" encoding="utf-8"?>
+<p:sld xmlns:a="http://schemas.openxmlformats.org/drawingml/2006/main" xmlns:r="http://schemas.openxmlformats.org/officeDocument/2006/relationships" xmlns:p="http://schemas.openxmlformats.org/presentationml/2006/main">
+  <p:cSld>
+    <p:spTree>
+      <p:nvGrpSpPr>
+        <p:cNvPr id="1" name=""/>
+        <p:cNvGrpSpPr/>
+        <p:nvPr/>
+      </p:nvGrpSpPr>
+      <p:grpSpPr>
+        <a:xfrm>
+          <a:off x="0" y="0"/>
+          <a:ext cx="0" cy="0"/>
+          <a:chOff x="0" y="0"/>
+          <a:chExt cx="0" cy="0"/>
+        </a:xfrm>
+      </p:grpSpPr>
+      <p:sp>
+        <p:nvSpPr>
+          <p:cNvPr id="2" name="Title 1">
+            <a:extLst>
+              <a:ext uri="{FF2B5EF4-FFF2-40B4-BE49-F238E27FC236}">
+                <a16:creationId xmlns:a16="http://schemas.microsoft.com/office/drawing/2014/main" id="{0BCA2CD2-7671-5FAC-E475-6074266365DE}"/>
+              </a:ext>
+            </a:extLst>
+          </p:cNvPr>
+          <p:cNvSpPr>
+            <a:spLocks noGrp="1"/>
+          </p:cNvSpPr>
+          <p:nvPr>
+            <p:ph type="title"/>
+          </p:nvPr>
+        </p:nvSpPr>
+        <p:spPr/>
+        <p:txBody>
+          <a:bodyPr/>
+          <a:lstStyle/>
+          <a:p>
+            <a:r>
+              <a:rPr lang="en-US" dirty="0"/>
+              <a:t>The </a:t>
+            </a:r>
+            <a:r>
+              <a:rPr lang="en-US" dirty="0" err="1"/>
+              <a:t>PyTensor</a:t>
+            </a:r>
+            <a:r>
+              <a:rPr lang="en-US" dirty="0"/>
+              <a:t> graphical visualization</a:t>
+            </a:r>
+            <a:endParaRPr lang="en-IL" dirty="0"/>
+          </a:p>
+        </p:txBody>
+      </p:sp>
+      <p:sp>
+        <p:nvSpPr>
+          <p:cNvPr id="3" name="Content Placeholder 2">
+            <a:extLst>
+              <a:ext uri="{FF2B5EF4-FFF2-40B4-BE49-F238E27FC236}">
+                <a16:creationId xmlns:a16="http://schemas.microsoft.com/office/drawing/2014/main" id="{D906BA4E-7156-BE20-B2A7-4006AEDC0385}"/>
+              </a:ext>
+            </a:extLst>
+          </p:cNvPr>
+          <p:cNvSpPr>
+            <a:spLocks noGrp="1"/>
+          </p:cNvSpPr>
+          <p:nvPr>
+            <p:ph idx="1"/>
+          </p:nvPr>
+        </p:nvSpPr>
+        <p:spPr/>
+        <p:txBody>
+          <a:bodyPr/>
+          <a:lstStyle/>
+          <a:p>
+            <a:endParaRPr lang="en-IL"/>
+          </a:p>
+        </p:txBody>
+      </p:sp>
+      <p:pic>
+        <p:nvPicPr>
+          <p:cNvPr id="4" name="Picture 3">
+            <a:extLst>
+              <a:ext uri="{FF2B5EF4-FFF2-40B4-BE49-F238E27FC236}">
+                <a16:creationId xmlns:a16="http://schemas.microsoft.com/office/drawing/2014/main" id="{B5F13272-F280-1BDE-B13A-44D8CD0FFA8A}"/>
+              </a:ext>
+            </a:extLst>
+          </p:cNvPr>
+          <p:cNvPicPr>
+            <a:picLocks noChangeAspect="1"/>
+          </p:cNvPicPr>
+          <p:nvPr/>
+        </p:nvPicPr>
+        <p:blipFill>
+          <a:blip r:embed="rId2"/>
+          <a:stretch>
+            <a:fillRect/>
+          </a:stretch>
+        </p:blipFill>
+        <p:spPr>
+          <a:xfrm>
+            <a:off x="380999" y="1751568"/>
+            <a:ext cx="11549133" cy="3861832"/>
+          </a:xfrm>
+          <a:prstGeom prst="rect">
+            <a:avLst/>
+          </a:prstGeom>
+        </p:spPr>
+      </p:pic>
+    </p:spTree>
+    <p:extLst>
+      <p:ext uri="{BB962C8B-B14F-4D97-AF65-F5344CB8AC3E}">
+        <p14:creationId xmlns:p14="http://schemas.microsoft.com/office/powerpoint/2010/main" val="3222122075"/>
+      </p:ext>
+    </p:extLst>
+  </p:cSld>
+  <p:clrMapOvr>
+    <a:masterClrMapping/>
+  </p:clrMapOvr>
+</p:sld>
+</file>
+
+<file path=ppt/slides/slide53.xml><?xml version="1.0" encoding="utf-8"?>
+<p:sld xmlns:a="http://schemas.openxmlformats.org/drawingml/2006/main" xmlns:r="http://schemas.openxmlformats.org/officeDocument/2006/relationships" xmlns:p="http://schemas.openxmlformats.org/presentationml/2006/main">
+  <p:cSld>
+    <p:spTree>
+      <p:nvGrpSpPr>
+        <p:cNvPr id="1" name=""/>
+        <p:cNvGrpSpPr/>
+        <p:nvPr/>
+      </p:nvGrpSpPr>
+      <p:grpSpPr>
+        <a:xfrm>
+          <a:off x="0" y="0"/>
+          <a:ext cx="0" cy="0"/>
+          <a:chOff x="0" y="0"/>
+          <a:chExt cx="0" cy="0"/>
+        </a:xfrm>
+      </p:grpSpPr>
+      <p:sp>
+        <p:nvSpPr>
+          <p:cNvPr id="2" name="Title 1">
+            <a:extLst>
+              <a:ext uri="{FF2B5EF4-FFF2-40B4-BE49-F238E27FC236}">
                 <a16:creationId xmlns:a16="http://schemas.microsoft.com/office/drawing/2014/main" id="{1DEA1B1A-3DBB-E992-5782-C0E49CCFF76A}"/>
               </a:ext>
             </a:extLst>
@@ -20113,7 +21305,7 @@
 </p:sld>
 </file>
 
-<file path=ppt/slides/slide51.xml><?xml version="1.0" encoding="utf-8"?>
+<file path=ppt/slides/slide54.xml><?xml version="1.0" encoding="utf-8"?>
 <p:sld xmlns:a="http://schemas.openxmlformats.org/drawingml/2006/main" xmlns:r="http://schemas.openxmlformats.org/officeDocument/2006/relationships" xmlns:p="http://schemas.openxmlformats.org/presentationml/2006/main">
   <p:cSld>
     <p:spTree>
@@ -20240,7 +21432,7 @@
 </p:sld>
 </file>
 
-<file path=ppt/slides/slide52.xml><?xml version="1.0" encoding="utf-8"?>
+<file path=ppt/slides/slide55.xml><?xml version="1.0" encoding="utf-8"?>
 <p:sld xmlns:a="http://schemas.openxmlformats.org/drawingml/2006/main" xmlns:r="http://schemas.openxmlformats.org/officeDocument/2006/relationships" xmlns:p="http://schemas.openxmlformats.org/presentationml/2006/main">
   <p:cSld>
     <p:spTree>
@@ -21268,428 +22460,6 @@
       <p:bldP spid="7" grpId="0" animBg="1"/>
     </p:bldLst>
   </p:timing>
-</p:sld>
-</file>
-
-<file path=ppt/slides/slide53.xml><?xml version="1.0" encoding="utf-8"?>
-<p:sld xmlns:a="http://schemas.openxmlformats.org/drawingml/2006/main" xmlns:r="http://schemas.openxmlformats.org/officeDocument/2006/relationships" xmlns:p="http://schemas.openxmlformats.org/presentationml/2006/main">
-  <p:cSld>
-    <p:spTree>
-      <p:nvGrpSpPr>
-        <p:cNvPr id="1" name=""/>
-        <p:cNvGrpSpPr/>
-        <p:nvPr/>
-      </p:nvGrpSpPr>
-      <p:grpSpPr>
-        <a:xfrm>
-          <a:off x="0" y="0"/>
-          <a:ext cx="0" cy="0"/>
-          <a:chOff x="0" y="0"/>
-          <a:chExt cx="0" cy="0"/>
-        </a:xfrm>
-      </p:grpSpPr>
-      <p:sp>
-        <p:nvSpPr>
-          <p:cNvPr id="2" name="Title 1">
-            <a:extLst>
-              <a:ext uri="{FF2B5EF4-FFF2-40B4-BE49-F238E27FC236}">
-                <a16:creationId xmlns:a16="http://schemas.microsoft.com/office/drawing/2014/main" id="{168FABAB-79B4-A6B1-BEF5-2A45076B7B02}"/>
-              </a:ext>
-            </a:extLst>
-          </p:cNvPr>
-          <p:cNvSpPr>
-            <a:spLocks noGrp="1"/>
-          </p:cNvSpPr>
-          <p:nvPr>
-            <p:ph type="title"/>
-          </p:nvPr>
-        </p:nvSpPr>
-        <p:spPr/>
-        <p:txBody>
-          <a:bodyPr/>
-          <a:lstStyle/>
-          <a:p>
-            <a:r>
-              <a:rPr lang="en-US" dirty="0"/>
-              <a:t>The Jacobian is a matrix that keeps track of partial derivatives for vector functions</a:t>
-            </a:r>
-            <a:endParaRPr lang="en-IL" dirty="0"/>
-          </a:p>
-        </p:txBody>
-      </p:sp>
-      <p:pic>
-        <p:nvPicPr>
-          <p:cNvPr id="5" name="Picture 4">
-            <a:extLst>
-              <a:ext uri="{FF2B5EF4-FFF2-40B4-BE49-F238E27FC236}">
-                <a16:creationId xmlns:a16="http://schemas.microsoft.com/office/drawing/2014/main" id="{8FA3046C-AA8B-8CA9-C809-BFCE23C70DE3}"/>
-              </a:ext>
-            </a:extLst>
-          </p:cNvPr>
-          <p:cNvPicPr>
-            <a:picLocks noChangeAspect="1"/>
-          </p:cNvPicPr>
-          <p:nvPr/>
-        </p:nvPicPr>
-        <p:blipFill>
-          <a:blip r:embed="rId2">
-            <a:extLst>
-              <a:ext uri="{28A0092B-C50C-407E-A947-70E740481C1C}">
-                <a14:useLocalDpi xmlns:a14="http://schemas.microsoft.com/office/drawing/2010/main" val="0"/>
-              </a:ext>
-            </a:extLst>
-          </a:blip>
-          <a:srcRect/>
-          <a:stretch/>
-        </p:blipFill>
-        <p:spPr>
-          <a:xfrm>
-            <a:off x="480027" y="2287057"/>
-            <a:ext cx="5355280" cy="3631142"/>
-          </a:xfrm>
-          <a:prstGeom prst="rect">
-            <a:avLst/>
-          </a:prstGeom>
-        </p:spPr>
-      </p:pic>
-      <p:graphicFrame>
-        <p:nvGraphicFramePr>
-          <p:cNvPr id="6" name="Object 5">
-            <a:extLst>
-              <a:ext uri="{FF2B5EF4-FFF2-40B4-BE49-F238E27FC236}">
-                <a16:creationId xmlns:a16="http://schemas.microsoft.com/office/drawing/2014/main" id="{111F68A8-FF81-5E99-A9E0-57C2BAC03373}"/>
-              </a:ext>
-            </a:extLst>
-          </p:cNvPr>
-          <p:cNvGraphicFramePr>
-            <a:graphicFrameLocks noChangeAspect="1"/>
-          </p:cNvGraphicFramePr>
-          <p:nvPr>
-            <p:extLst>
-              <p:ext uri="{D42A27DB-BD31-4B8C-83A1-F6EECF244321}">
-                <p14:modId xmlns:p14="http://schemas.microsoft.com/office/powerpoint/2010/main" val="3455624016"/>
-              </p:ext>
-            </p:extLst>
-          </p:nvPr>
-        </p:nvGraphicFramePr>
-        <p:xfrm>
-          <a:off x="7230533" y="2433331"/>
-          <a:ext cx="3850217" cy="3484868"/>
-        </p:xfrm>
-        <a:graphic>
-          <a:graphicData uri="http://schemas.openxmlformats.org/presentationml/2006/ole">
-            <mc:AlternateContent xmlns:mc="http://schemas.openxmlformats.org/markup-compatibility/2006">
-              <mc:Choice xmlns:v="urn:schemas-microsoft-com:vml" Requires="v">
-                <p:oleObj name="Equation" r:id="rId3" imgW="1739880" imgH="1574640" progId="Equation.DSMT4">
-                  <p:embed/>
-                </p:oleObj>
-              </mc:Choice>
-              <mc:Fallback>
-                <p:oleObj name="Equation" r:id="rId3" imgW="1739880" imgH="1574640" progId="Equation.DSMT4">
-                  <p:embed/>
-                  <p:pic>
-                    <p:nvPicPr>
-                      <p:cNvPr id="0" name=""/>
-                      <p:cNvPicPr/>
-                      <p:nvPr/>
-                    </p:nvPicPr>
-                    <p:blipFill>
-                      <a:blip r:embed="rId4"/>
-                      <a:stretch>
-                        <a:fillRect/>
-                      </a:stretch>
-                    </p:blipFill>
-                    <p:spPr>
-                      <a:xfrm>
-                        <a:off x="7230533" y="2433331"/>
-                        <a:ext cx="3850217" cy="3484868"/>
-                      </a:xfrm>
-                      <a:prstGeom prst="rect">
-                        <a:avLst/>
-                      </a:prstGeom>
-                    </p:spPr>
-                  </p:pic>
-                </p:oleObj>
-              </mc:Fallback>
-            </mc:AlternateContent>
-          </a:graphicData>
-        </a:graphic>
-      </p:graphicFrame>
-    </p:spTree>
-    <p:extLst>
-      <p:ext uri="{BB962C8B-B14F-4D97-AF65-F5344CB8AC3E}">
-        <p14:creationId xmlns:p14="http://schemas.microsoft.com/office/powerpoint/2010/main" val="1408951753"/>
-      </p:ext>
-    </p:extLst>
-  </p:cSld>
-  <p:clrMapOvr>
-    <a:masterClrMapping/>
-  </p:clrMapOvr>
-</p:sld>
-</file>
-
-<file path=ppt/slides/slide54.xml><?xml version="1.0" encoding="utf-8"?>
-<p:sld xmlns:a="http://schemas.openxmlformats.org/drawingml/2006/main" xmlns:r="http://schemas.openxmlformats.org/officeDocument/2006/relationships" xmlns:p="http://schemas.openxmlformats.org/presentationml/2006/main">
-  <p:cSld>
-    <p:spTree>
-      <p:nvGrpSpPr>
-        <p:cNvPr id="1" name="">
-          <a:extLst>
-            <a:ext uri="{FF2B5EF4-FFF2-40B4-BE49-F238E27FC236}">
-              <a16:creationId xmlns:a16="http://schemas.microsoft.com/office/drawing/2014/main" id="{B25C5126-1892-3EF7-01BA-94863F0FDB81}"/>
-            </a:ext>
-          </a:extLst>
-        </p:cNvPr>
-        <p:cNvGrpSpPr/>
-        <p:nvPr/>
-      </p:nvGrpSpPr>
-      <p:grpSpPr>
-        <a:xfrm>
-          <a:off x="0" y="0"/>
-          <a:ext cx="0" cy="0"/>
-          <a:chOff x="0" y="0"/>
-          <a:chExt cx="0" cy="0"/>
-        </a:xfrm>
-      </p:grpSpPr>
-      <p:sp>
-        <p:nvSpPr>
-          <p:cNvPr id="2" name="Title 1">
-            <a:extLst>
-              <a:ext uri="{FF2B5EF4-FFF2-40B4-BE49-F238E27FC236}">
-                <a16:creationId xmlns:a16="http://schemas.microsoft.com/office/drawing/2014/main" id="{D43B0B22-990C-A51E-E8B6-0654F8AED84D}"/>
-              </a:ext>
-            </a:extLst>
-          </p:cNvPr>
-          <p:cNvSpPr>
-            <a:spLocks noGrp="1"/>
-          </p:cNvSpPr>
-          <p:nvPr>
-            <p:ph type="title"/>
-          </p:nvPr>
-        </p:nvSpPr>
-        <p:spPr/>
-        <p:txBody>
-          <a:bodyPr>
-            <a:normAutofit fontScale="90000"/>
-          </a:bodyPr>
-          <a:lstStyle/>
-          <a:p>
-            <a:r>
-              <a:rPr lang="en-US" dirty="0"/>
-              <a:t>A tensor generalizes the Jacobian to keep track of partial derivatives for matrix functions</a:t>
-            </a:r>
-            <a:endParaRPr lang="en-IL" dirty="0"/>
-          </a:p>
-        </p:txBody>
-      </p:sp>
-      <p:pic>
-        <p:nvPicPr>
-          <p:cNvPr id="3" name="Picture 2">
-            <a:extLst>
-              <a:ext uri="{FF2B5EF4-FFF2-40B4-BE49-F238E27FC236}">
-                <a16:creationId xmlns:a16="http://schemas.microsoft.com/office/drawing/2014/main" id="{468B13E8-1DD9-CC33-7E2B-53BA17E7F08F}"/>
-              </a:ext>
-            </a:extLst>
-          </p:cNvPr>
-          <p:cNvPicPr>
-            <a:picLocks noChangeAspect="1"/>
-          </p:cNvPicPr>
-          <p:nvPr/>
-        </p:nvPicPr>
-        <p:blipFill>
-          <a:blip r:embed="rId2"/>
-          <a:stretch>
-            <a:fillRect/>
-          </a:stretch>
-        </p:blipFill>
-        <p:spPr>
-          <a:xfrm>
-            <a:off x="546945" y="2579157"/>
-            <a:ext cx="5549055" cy="3339042"/>
-          </a:xfrm>
-          <a:prstGeom prst="rect">
-            <a:avLst/>
-          </a:prstGeom>
-        </p:spPr>
-      </p:pic>
-      <p:graphicFrame>
-        <p:nvGraphicFramePr>
-          <p:cNvPr id="4" name="Object 3">
-            <a:extLst>
-              <a:ext uri="{FF2B5EF4-FFF2-40B4-BE49-F238E27FC236}">
-                <a16:creationId xmlns:a16="http://schemas.microsoft.com/office/drawing/2014/main" id="{6328CF83-07B9-1F03-6A23-F53E3090FBBA}"/>
-              </a:ext>
-            </a:extLst>
-          </p:cNvPr>
-          <p:cNvGraphicFramePr>
-            <a:graphicFrameLocks noChangeAspect="1"/>
-          </p:cNvGraphicFramePr>
-          <p:nvPr>
-            <p:extLst>
-              <p:ext uri="{D42A27DB-BD31-4B8C-83A1-F6EECF244321}">
-                <p14:modId xmlns:p14="http://schemas.microsoft.com/office/powerpoint/2010/main" val="174319225"/>
-              </p:ext>
-            </p:extLst>
-          </p:nvPr>
-        </p:nvGraphicFramePr>
-        <p:xfrm>
-          <a:off x="7589123" y="3317345"/>
-          <a:ext cx="2947644" cy="1593321"/>
-        </p:xfrm>
-        <a:graphic>
-          <a:graphicData uri="http://schemas.openxmlformats.org/presentationml/2006/ole">
-            <mc:AlternateContent xmlns:mc="http://schemas.openxmlformats.org/markup-compatibility/2006">
-              <mc:Choice xmlns:v="urn:schemas-microsoft-com:vml" Requires="v">
-                <p:oleObj name="Equation" r:id="rId3" imgW="939600" imgH="507960" progId="Equation.DSMT4">
-                  <p:embed/>
-                </p:oleObj>
-              </mc:Choice>
-              <mc:Fallback>
-                <p:oleObj name="Equation" r:id="rId3" imgW="939600" imgH="507960" progId="Equation.DSMT4">
-                  <p:embed/>
-                  <p:pic>
-                    <p:nvPicPr>
-                      <p:cNvPr id="0" name=""/>
-                      <p:cNvPicPr/>
-                      <p:nvPr/>
-                    </p:nvPicPr>
-                    <p:blipFill>
-                      <a:blip r:embed="rId4"/>
-                      <a:stretch>
-                        <a:fillRect/>
-                      </a:stretch>
-                    </p:blipFill>
-                    <p:spPr>
-                      <a:xfrm>
-                        <a:off x="7589123" y="3317345"/>
-                        <a:ext cx="2947644" cy="1593321"/>
-                      </a:xfrm>
-                      <a:prstGeom prst="rect">
-                        <a:avLst/>
-                      </a:prstGeom>
-                    </p:spPr>
-                  </p:pic>
-                </p:oleObj>
-              </mc:Fallback>
-            </mc:AlternateContent>
-          </a:graphicData>
-        </a:graphic>
-      </p:graphicFrame>
-    </p:spTree>
-    <p:extLst>
-      <p:ext uri="{BB962C8B-B14F-4D97-AF65-F5344CB8AC3E}">
-        <p14:creationId xmlns:p14="http://schemas.microsoft.com/office/powerpoint/2010/main" val="3916618626"/>
-      </p:ext>
-    </p:extLst>
-  </p:cSld>
-  <p:clrMapOvr>
-    <a:masterClrMapping/>
-  </p:clrMapOvr>
-</p:sld>
-</file>
-
-<file path=ppt/slides/slide55.xml><?xml version="1.0" encoding="utf-8"?>
-<p:sld xmlns:a="http://schemas.openxmlformats.org/drawingml/2006/main" xmlns:r="http://schemas.openxmlformats.org/officeDocument/2006/relationships" xmlns:p="http://schemas.openxmlformats.org/presentationml/2006/main">
-  <p:cSld>
-    <p:spTree>
-      <p:nvGrpSpPr>
-        <p:cNvPr id="1" name=""/>
-        <p:cNvGrpSpPr/>
-        <p:nvPr/>
-      </p:nvGrpSpPr>
-      <p:grpSpPr>
-        <a:xfrm>
-          <a:off x="0" y="0"/>
-          <a:ext cx="0" cy="0"/>
-          <a:chOff x="0" y="0"/>
-          <a:chExt cx="0" cy="0"/>
-        </a:xfrm>
-      </p:grpSpPr>
-      <p:sp>
-        <p:nvSpPr>
-          <p:cNvPr id="2" name="Title 1">
-            <a:extLst>
-              <a:ext uri="{FF2B5EF4-FFF2-40B4-BE49-F238E27FC236}">
-                <a16:creationId xmlns:a16="http://schemas.microsoft.com/office/drawing/2014/main" id="{1371D413-320D-D3EE-6093-47AC8E01493F}"/>
-              </a:ext>
-            </a:extLst>
-          </p:cNvPr>
-          <p:cNvSpPr>
-            <a:spLocks noGrp="1"/>
-          </p:cNvSpPr>
-          <p:nvPr>
-            <p:ph type="title"/>
-          </p:nvPr>
-        </p:nvSpPr>
-        <p:spPr/>
-        <p:txBody>
-          <a:bodyPr/>
-          <a:lstStyle/>
-          <a:p>
-            <a:r>
-              <a:rPr lang="en-US" dirty="0"/>
-              <a:t>Tensor processing is important</a:t>
-            </a:r>
-            <a:endParaRPr lang="en-IL" dirty="0"/>
-          </a:p>
-        </p:txBody>
-      </p:sp>
-      <p:sp>
-        <p:nvSpPr>
-          <p:cNvPr id="3" name="Content Placeholder 2">
-            <a:extLst>
-              <a:ext uri="{FF2B5EF4-FFF2-40B4-BE49-F238E27FC236}">
-                <a16:creationId xmlns:a16="http://schemas.microsoft.com/office/drawing/2014/main" id="{FD080D8A-CFCB-4014-E85F-252D0EB3F707}"/>
-              </a:ext>
-            </a:extLst>
-          </p:cNvPr>
-          <p:cNvSpPr>
-            <a:spLocks noGrp="1"/>
-          </p:cNvSpPr>
-          <p:nvPr>
-            <p:ph idx="1"/>
-          </p:nvPr>
-        </p:nvSpPr>
-        <p:spPr/>
-        <p:txBody>
-          <a:bodyPr>
-            <a:normAutofit/>
-          </a:bodyPr>
-          <a:lstStyle/>
-          <a:p>
-            <a:r>
-              <a:rPr lang="en-US" sz="2400" dirty="0"/>
-              <a:t>Modern machine learning does calculations with very large multi-dimensional matrixes</a:t>
-            </a:r>
-          </a:p>
-          <a:p>
-            <a:r>
-              <a:rPr lang="en-US" sz="2400" dirty="0"/>
-              <a:t>Probabilistic models are nodes with multi-dimensional input and output</a:t>
-            </a:r>
-          </a:p>
-          <a:p>
-            <a:endParaRPr lang="en-US" sz="2400" dirty="0"/>
-          </a:p>
-          <a:p>
-            <a:r>
-              <a:rPr lang="en-US" sz="2400" dirty="0"/>
-              <a:t>Both fields need automatic differentiation!</a:t>
-            </a:r>
-            <a:endParaRPr lang="en-IL" sz="2400" dirty="0"/>
-          </a:p>
-        </p:txBody>
-      </p:sp>
-    </p:spTree>
-    <p:extLst>
-      <p:ext uri="{BB962C8B-B14F-4D97-AF65-F5344CB8AC3E}">
-        <p14:creationId xmlns:p14="http://schemas.microsoft.com/office/powerpoint/2010/main" val="3637288679"/>
-      </p:ext>
-    </p:extLst>
-  </p:cSld>
-  <p:clrMapOvr>
-    <a:masterClrMapping/>
-  </p:clrMapOvr>
 </p:sld>
 </file>
 

--- a/Lectures/Lecture 3 PyMC and Sampling.pptx
+++ b/Lectures/Lecture 3 PyMC and Sampling.pptx
@@ -2147,7 +2147,7 @@
           <a:p>
             <a:fld id="{9CF176CD-15D1-4787-BBAA-B7F61FF9E394}" type="datetimeFigureOut">
               <a:rPr lang="en-GB" smtClean="0"/>
-              <a:t>09/03/2025</a:t>
+              <a:t>12/03/2025</a:t>
             </a:fld>
             <a:endParaRPr lang="en-GB"/>
           </a:p>
@@ -2546,7 +2546,7 @@
           <a:p>
             <a:fld id="{633AF1EE-65BA-4140-B6B9-7F82C437F84A}" type="datetimeFigureOut">
               <a:rPr lang="en-GB" smtClean="0"/>
-              <a:t>09/03/2025</a:t>
+              <a:t>12/03/2025</a:t>
             </a:fld>
             <a:endParaRPr lang="en-GB"/>
           </a:p>
@@ -2716,7 +2716,7 @@
           <a:p>
             <a:fld id="{633AF1EE-65BA-4140-B6B9-7F82C437F84A}" type="datetimeFigureOut">
               <a:rPr lang="en-GB" smtClean="0"/>
-              <a:t>09/03/2025</a:t>
+              <a:t>12/03/2025</a:t>
             </a:fld>
             <a:endParaRPr lang="en-GB"/>
           </a:p>
@@ -2896,7 +2896,7 @@
           <a:p>
             <a:fld id="{633AF1EE-65BA-4140-B6B9-7F82C437F84A}" type="datetimeFigureOut">
               <a:rPr lang="en-GB" smtClean="0"/>
-              <a:t>09/03/2025</a:t>
+              <a:t>12/03/2025</a:t>
             </a:fld>
             <a:endParaRPr lang="en-GB"/>
           </a:p>
@@ -3066,7 +3066,7 @@
           <a:p>
             <a:fld id="{633AF1EE-65BA-4140-B6B9-7F82C437F84A}" type="datetimeFigureOut">
               <a:rPr lang="en-GB" smtClean="0"/>
-              <a:t>09/03/2025</a:t>
+              <a:t>12/03/2025</a:t>
             </a:fld>
             <a:endParaRPr lang="en-GB"/>
           </a:p>
@@ -3312,7 +3312,7 @@
           <a:p>
             <a:fld id="{633AF1EE-65BA-4140-B6B9-7F82C437F84A}" type="datetimeFigureOut">
               <a:rPr lang="en-GB" smtClean="0"/>
-              <a:t>09/03/2025</a:t>
+              <a:t>12/03/2025</a:t>
             </a:fld>
             <a:endParaRPr lang="en-GB"/>
           </a:p>
@@ -3544,7 +3544,7 @@
           <a:p>
             <a:fld id="{633AF1EE-65BA-4140-B6B9-7F82C437F84A}" type="datetimeFigureOut">
               <a:rPr lang="en-GB" smtClean="0"/>
-              <a:t>09/03/2025</a:t>
+              <a:t>12/03/2025</a:t>
             </a:fld>
             <a:endParaRPr lang="en-GB"/>
           </a:p>
@@ -3911,7 +3911,7 @@
           <a:p>
             <a:fld id="{633AF1EE-65BA-4140-B6B9-7F82C437F84A}" type="datetimeFigureOut">
               <a:rPr lang="en-GB" smtClean="0"/>
-              <a:t>09/03/2025</a:t>
+              <a:t>12/03/2025</a:t>
             </a:fld>
             <a:endParaRPr lang="en-GB"/>
           </a:p>
@@ -4029,7 +4029,7 @@
           <a:p>
             <a:fld id="{633AF1EE-65BA-4140-B6B9-7F82C437F84A}" type="datetimeFigureOut">
               <a:rPr lang="en-GB" smtClean="0"/>
-              <a:t>09/03/2025</a:t>
+              <a:t>12/03/2025</a:t>
             </a:fld>
             <a:endParaRPr lang="en-GB"/>
           </a:p>
@@ -4124,7 +4124,7 @@
           <a:p>
             <a:fld id="{633AF1EE-65BA-4140-B6B9-7F82C437F84A}" type="datetimeFigureOut">
               <a:rPr lang="en-GB" smtClean="0"/>
-              <a:t>09/03/2025</a:t>
+              <a:t>12/03/2025</a:t>
             </a:fld>
             <a:endParaRPr lang="en-GB"/>
           </a:p>
@@ -4401,7 +4401,7 @@
           <a:p>
             <a:fld id="{633AF1EE-65BA-4140-B6B9-7F82C437F84A}" type="datetimeFigureOut">
               <a:rPr lang="en-GB" smtClean="0"/>
-              <a:t>09/03/2025</a:t>
+              <a:t>12/03/2025</a:t>
             </a:fld>
             <a:endParaRPr lang="en-GB"/>
           </a:p>
@@ -4654,7 +4654,7 @@
           <a:p>
             <a:fld id="{633AF1EE-65BA-4140-B6B9-7F82C437F84A}" type="datetimeFigureOut">
               <a:rPr lang="en-GB" smtClean="0"/>
-              <a:t>09/03/2025</a:t>
+              <a:t>12/03/2025</a:t>
             </a:fld>
             <a:endParaRPr lang="en-GB"/>
           </a:p>
@@ -4867,7 +4867,7 @@
           <a:p>
             <a:fld id="{633AF1EE-65BA-4140-B6B9-7F82C437F84A}" type="datetimeFigureOut">
               <a:rPr lang="en-GB" smtClean="0"/>
-              <a:t>09/03/2025</a:t>
+              <a:t>12/03/2025</a:t>
             </a:fld>
             <a:endParaRPr lang="en-GB"/>
           </a:p>
@@ -9291,6 +9291,57 @@
           </a:prstGeom>
         </p:spPr>
       </p:pic>
+      <p:sp>
+        <p:nvSpPr>
+          <p:cNvPr id="5" name="TextBox 4">
+            <a:extLst>
+              <a:ext uri="{FF2B5EF4-FFF2-40B4-BE49-F238E27FC236}">
+                <a16:creationId xmlns:a16="http://schemas.microsoft.com/office/drawing/2014/main" id="{D298F1FA-EF34-1C43-958A-253C64D110E7}"/>
+              </a:ext>
+            </a:extLst>
+          </p:cNvPr>
+          <p:cNvSpPr txBox="1"/>
+          <p:nvPr/>
+        </p:nvSpPr>
+        <p:spPr>
+          <a:xfrm>
+            <a:off x="2507226" y="1582994"/>
+            <a:ext cx="7944464" cy="369332"/>
+          </a:xfrm>
+          <a:prstGeom prst="rect">
+            <a:avLst/>
+          </a:prstGeom>
+        </p:spPr>
+        <p:style>
+          <a:lnRef idx="2">
+            <a:schemeClr val="accent6">
+              <a:shade val="15000"/>
+            </a:schemeClr>
+          </a:lnRef>
+          <a:fillRef idx="1">
+            <a:schemeClr val="accent6"/>
+          </a:fillRef>
+          <a:effectRef idx="0">
+            <a:schemeClr val="accent6"/>
+          </a:effectRef>
+          <a:fontRef idx="minor">
+            <a:schemeClr val="lt1"/>
+          </a:fontRef>
+        </p:style>
+        <p:txBody>
+          <a:bodyPr wrap="square" rtlCol="1">
+            <a:spAutoFit/>
+          </a:bodyPr>
+          <a:lstStyle/>
+          <a:p>
+            <a:r>
+              <a:rPr lang="en-US" dirty="0"/>
+              <a:t>Redo these figures in the notebook and get rid of the HDI</a:t>
+            </a:r>
+            <a:endParaRPr lang="he-IL" dirty="0"/>
+          </a:p>
+        </p:txBody>
+      </p:sp>
     </p:spTree>
     <p:extLst>
       <p:ext uri="{BB962C8B-B14F-4D97-AF65-F5344CB8AC3E}">
@@ -15236,6 +15287,56 @@
           </a:prstGeom>
         </p:spPr>
       </p:pic>
+      <p:sp>
+        <p:nvSpPr>
+          <p:cNvPr id="4" name="Rectangle 3">
+            <a:extLst>
+              <a:ext uri="{FF2B5EF4-FFF2-40B4-BE49-F238E27FC236}">
+                <a16:creationId xmlns:a16="http://schemas.microsoft.com/office/drawing/2014/main" id="{4F7349E8-6AF6-DED8-EF48-EBFB70CD0626}"/>
+              </a:ext>
+            </a:extLst>
+          </p:cNvPr>
+          <p:cNvSpPr/>
+          <p:nvPr/>
+        </p:nvSpPr>
+        <p:spPr>
+          <a:xfrm>
+            <a:off x="1570863" y="2756076"/>
+            <a:ext cx="8849032" cy="1410681"/>
+          </a:xfrm>
+          <a:prstGeom prst="rect">
+            <a:avLst/>
+          </a:prstGeom>
+        </p:spPr>
+        <p:style>
+          <a:lnRef idx="2">
+            <a:schemeClr val="accent1">
+              <a:shade val="15000"/>
+            </a:schemeClr>
+          </a:lnRef>
+          <a:fillRef idx="1">
+            <a:schemeClr val="accent1"/>
+          </a:fillRef>
+          <a:effectRef idx="0">
+            <a:schemeClr val="accent1"/>
+          </a:effectRef>
+          <a:fontRef idx="minor">
+            <a:schemeClr val="lt1"/>
+          </a:fontRef>
+        </p:style>
+        <p:txBody>
+          <a:bodyPr rtlCol="1" anchor="ctr"/>
+          <a:lstStyle/>
+          <a:p>
+            <a:pPr algn="ctr"/>
+            <a:r>
+              <a:rPr lang="en-US" dirty="0"/>
+              <a:t>Add color</a:t>
+            </a:r>
+            <a:endParaRPr lang="he-IL" dirty="0"/>
+          </a:p>
+        </p:txBody>
+      </p:sp>
     </p:spTree>
     <p:extLst>
       <p:ext uri="{BB962C8B-B14F-4D97-AF65-F5344CB8AC3E}">

--- a/Lectures/Lecture 3 PyMC and Sampling.pptx
+++ b/Lectures/Lecture 3 PyMC and Sampling.pptx
@@ -5,7 +5,7 @@
     <p:sldMasterId id="2147483648" r:id="rId1"/>
   </p:sldMasterIdLst>
   <p:notesMasterIdLst>
-    <p:notesMasterId r:id="rId63"/>
+    <p:notesMasterId r:id="rId70"/>
   </p:notesMasterIdLst>
   <p:sldIdLst>
     <p:sldId id="256" r:id="rId2"/>
@@ -69,6 +69,13 @@
     <p:sldId id="537" r:id="rId60"/>
     <p:sldId id="538" r:id="rId61"/>
     <p:sldId id="311" r:id="rId62"/>
+    <p:sldId id="576" r:id="rId63"/>
+    <p:sldId id="577" r:id="rId64"/>
+    <p:sldId id="578" r:id="rId65"/>
+    <p:sldId id="579" r:id="rId66"/>
+    <p:sldId id="580" r:id="rId67"/>
+    <p:sldId id="581" r:id="rId68"/>
+    <p:sldId id="582" r:id="rId69"/>
   </p:sldIdLst>
   <p:sldSz cx="12192000" cy="6858000"/>
   <p:notesSz cx="7102475" cy="10234613"/>
@@ -2147,7 +2154,7 @@
           <a:p>
             <a:fld id="{9CF176CD-15D1-4787-BBAA-B7F61FF9E394}" type="datetimeFigureOut">
               <a:rPr lang="en-GB" smtClean="0"/>
-              <a:t>12/03/2025</a:t>
+              <a:t>02/04/2025</a:t>
             </a:fld>
             <a:endParaRPr lang="en-GB"/>
           </a:p>
@@ -2546,7 +2553,7 @@
           <a:p>
             <a:fld id="{633AF1EE-65BA-4140-B6B9-7F82C437F84A}" type="datetimeFigureOut">
               <a:rPr lang="en-GB" smtClean="0"/>
-              <a:t>12/03/2025</a:t>
+              <a:t>02/04/2025</a:t>
             </a:fld>
             <a:endParaRPr lang="en-GB"/>
           </a:p>
@@ -2716,7 +2723,7 @@
           <a:p>
             <a:fld id="{633AF1EE-65BA-4140-B6B9-7F82C437F84A}" type="datetimeFigureOut">
               <a:rPr lang="en-GB" smtClean="0"/>
-              <a:t>12/03/2025</a:t>
+              <a:t>02/04/2025</a:t>
             </a:fld>
             <a:endParaRPr lang="en-GB"/>
           </a:p>
@@ -2896,7 +2903,7 @@
           <a:p>
             <a:fld id="{633AF1EE-65BA-4140-B6B9-7F82C437F84A}" type="datetimeFigureOut">
               <a:rPr lang="en-GB" smtClean="0"/>
-              <a:t>12/03/2025</a:t>
+              <a:t>02/04/2025</a:t>
             </a:fld>
             <a:endParaRPr lang="en-GB"/>
           </a:p>
@@ -3066,7 +3073,7 @@
           <a:p>
             <a:fld id="{633AF1EE-65BA-4140-B6B9-7F82C437F84A}" type="datetimeFigureOut">
               <a:rPr lang="en-GB" smtClean="0"/>
-              <a:t>12/03/2025</a:t>
+              <a:t>02/04/2025</a:t>
             </a:fld>
             <a:endParaRPr lang="en-GB"/>
           </a:p>
@@ -3312,7 +3319,7 @@
           <a:p>
             <a:fld id="{633AF1EE-65BA-4140-B6B9-7F82C437F84A}" type="datetimeFigureOut">
               <a:rPr lang="en-GB" smtClean="0"/>
-              <a:t>12/03/2025</a:t>
+              <a:t>02/04/2025</a:t>
             </a:fld>
             <a:endParaRPr lang="en-GB"/>
           </a:p>
@@ -3544,7 +3551,7 @@
           <a:p>
             <a:fld id="{633AF1EE-65BA-4140-B6B9-7F82C437F84A}" type="datetimeFigureOut">
               <a:rPr lang="en-GB" smtClean="0"/>
-              <a:t>12/03/2025</a:t>
+              <a:t>02/04/2025</a:t>
             </a:fld>
             <a:endParaRPr lang="en-GB"/>
           </a:p>
@@ -3911,7 +3918,7 @@
           <a:p>
             <a:fld id="{633AF1EE-65BA-4140-B6B9-7F82C437F84A}" type="datetimeFigureOut">
               <a:rPr lang="en-GB" smtClean="0"/>
-              <a:t>12/03/2025</a:t>
+              <a:t>02/04/2025</a:t>
             </a:fld>
             <a:endParaRPr lang="en-GB"/>
           </a:p>
@@ -4029,7 +4036,7 @@
           <a:p>
             <a:fld id="{633AF1EE-65BA-4140-B6B9-7F82C437F84A}" type="datetimeFigureOut">
               <a:rPr lang="en-GB" smtClean="0"/>
-              <a:t>12/03/2025</a:t>
+              <a:t>02/04/2025</a:t>
             </a:fld>
             <a:endParaRPr lang="en-GB"/>
           </a:p>
@@ -4124,7 +4131,7 @@
           <a:p>
             <a:fld id="{633AF1EE-65BA-4140-B6B9-7F82C437F84A}" type="datetimeFigureOut">
               <a:rPr lang="en-GB" smtClean="0"/>
-              <a:t>12/03/2025</a:t>
+              <a:t>02/04/2025</a:t>
             </a:fld>
             <a:endParaRPr lang="en-GB"/>
           </a:p>
@@ -4401,7 +4408,7 @@
           <a:p>
             <a:fld id="{633AF1EE-65BA-4140-B6B9-7F82C437F84A}" type="datetimeFigureOut">
               <a:rPr lang="en-GB" smtClean="0"/>
-              <a:t>12/03/2025</a:t>
+              <a:t>02/04/2025</a:t>
             </a:fld>
             <a:endParaRPr lang="en-GB"/>
           </a:p>
@@ -4654,7 +4661,7 @@
           <a:p>
             <a:fld id="{633AF1EE-65BA-4140-B6B9-7F82C437F84A}" type="datetimeFigureOut">
               <a:rPr lang="en-GB" smtClean="0"/>
-              <a:t>12/03/2025</a:t>
+              <a:t>02/04/2025</a:t>
             </a:fld>
             <a:endParaRPr lang="en-GB"/>
           </a:p>
@@ -4867,7 +4874,7 @@
           <a:p>
             <a:fld id="{633AF1EE-65BA-4140-B6B9-7F82C437F84A}" type="datetimeFigureOut">
               <a:rPr lang="en-GB" smtClean="0"/>
-              <a:t>12/03/2025</a:t>
+              <a:t>02/04/2025</a:t>
             </a:fld>
             <a:endParaRPr lang="en-GB"/>
           </a:p>
@@ -9270,78 +9277,74 @@
       </p:sp>
       <p:pic>
         <p:nvPicPr>
-          <p:cNvPr id="4" name="Picture 3"/>
+          <p:cNvPr id="6" name="Picture 5">
+            <a:extLst>
+              <a:ext uri="{FF2B5EF4-FFF2-40B4-BE49-F238E27FC236}">
+                <a16:creationId xmlns:a16="http://schemas.microsoft.com/office/drawing/2014/main" id="{392FC072-95D9-D2D5-AFCB-DB81A557572E}"/>
+              </a:ext>
+            </a:extLst>
+          </p:cNvPr>
           <p:cNvPicPr>
             <a:picLocks noChangeAspect="1"/>
           </p:cNvPicPr>
           <p:nvPr/>
         </p:nvPicPr>
-        <p:blipFill rotWithShape="1">
-          <a:blip r:embed="rId2"/>
-          <a:srcRect b="48467"/>
+        <p:blipFill>
+          <a:blip r:embed="rId2" cstate="email">
+            <a:extLst>
+              <a:ext uri="{28A0092B-C50C-407E-A947-70E740481C1C}">
+                <a14:useLocalDpi xmlns:a14="http://schemas.microsoft.com/office/drawing/2010/main" val="0"/>
+              </a:ext>
+            </a:extLst>
+          </a:blip>
+          <a:srcRect/>
           <a:stretch/>
         </p:blipFill>
         <p:spPr>
           <a:xfrm>
-            <a:off x="5143282" y="676657"/>
-            <a:ext cx="6798570" cy="2615184"/>
+            <a:off x="5819775" y="566540"/>
+            <a:ext cx="2909311" cy="2225752"/>
           </a:xfrm>
           <a:prstGeom prst="rect">
             <a:avLst/>
           </a:prstGeom>
         </p:spPr>
       </p:pic>
-      <p:sp>
-        <p:nvSpPr>
-          <p:cNvPr id="5" name="TextBox 4">
+      <p:pic>
+        <p:nvPicPr>
+          <p:cNvPr id="7" name="Picture 6">
             <a:extLst>
               <a:ext uri="{FF2B5EF4-FFF2-40B4-BE49-F238E27FC236}">
-                <a16:creationId xmlns:a16="http://schemas.microsoft.com/office/drawing/2014/main" id="{D298F1FA-EF34-1C43-958A-253C64D110E7}"/>
+                <a16:creationId xmlns:a16="http://schemas.microsoft.com/office/drawing/2014/main" id="{1AF79831-A779-EC98-7292-77AB36E259B8}"/>
               </a:ext>
             </a:extLst>
           </p:cNvPr>
-          <p:cNvSpPr txBox="1"/>
+          <p:cNvPicPr>
+            <a:picLocks noChangeAspect="1"/>
+          </p:cNvPicPr>
           <p:nvPr/>
-        </p:nvSpPr>
+        </p:nvPicPr>
+        <p:blipFill>
+          <a:blip r:embed="rId3" cstate="email">
+            <a:extLst>
+              <a:ext uri="{28A0092B-C50C-407E-A947-70E740481C1C}">
+                <a14:useLocalDpi xmlns:a14="http://schemas.microsoft.com/office/drawing/2010/main" val="0"/>
+              </a:ext>
+            </a:extLst>
+          </a:blip>
+          <a:srcRect/>
+          <a:stretch/>
+        </p:blipFill>
         <p:spPr>
           <a:xfrm>
-            <a:off x="2507226" y="1582994"/>
-            <a:ext cx="7944464" cy="369332"/>
+            <a:off x="8866369" y="582101"/>
+            <a:ext cx="2909312" cy="2210189"/>
           </a:xfrm>
           <a:prstGeom prst="rect">
             <a:avLst/>
           </a:prstGeom>
         </p:spPr>
-        <p:style>
-          <a:lnRef idx="2">
-            <a:schemeClr val="accent6">
-              <a:shade val="15000"/>
-            </a:schemeClr>
-          </a:lnRef>
-          <a:fillRef idx="1">
-            <a:schemeClr val="accent6"/>
-          </a:fillRef>
-          <a:effectRef idx="0">
-            <a:schemeClr val="accent6"/>
-          </a:effectRef>
-          <a:fontRef idx="minor">
-            <a:schemeClr val="lt1"/>
-          </a:fontRef>
-        </p:style>
-        <p:txBody>
-          <a:bodyPr wrap="square" rtlCol="1">
-            <a:spAutoFit/>
-          </a:bodyPr>
-          <a:lstStyle/>
-          <a:p>
-            <a:r>
-              <a:rPr lang="en-US" dirty="0"/>
-              <a:t>Redo these figures in the notebook and get rid of the HDI</a:t>
-            </a:r>
-            <a:endParaRPr lang="he-IL" dirty="0"/>
-          </a:p>
-        </p:txBody>
-      </p:sp>
+      </p:pic>
     </p:spTree>
     <p:extLst>
       <p:ext uri="{BB962C8B-B14F-4D97-AF65-F5344CB8AC3E}">
@@ -9435,76 +9438,109 @@
       </p:sp>
       <p:pic>
         <p:nvPicPr>
-          <p:cNvPr id="4" name="Picture 3"/>
+          <p:cNvPr id="8" name="Picture 7">
+            <a:extLst>
+              <a:ext uri="{FF2B5EF4-FFF2-40B4-BE49-F238E27FC236}">
+                <a16:creationId xmlns:a16="http://schemas.microsoft.com/office/drawing/2014/main" id="{D7EB78DE-D4F4-9F65-018B-CDE416DADEBD}"/>
+              </a:ext>
+            </a:extLst>
+          </p:cNvPr>
           <p:cNvPicPr>
             <a:picLocks noChangeAspect="1"/>
           </p:cNvPicPr>
           <p:nvPr/>
         </p:nvPicPr>
         <p:blipFill>
-          <a:blip r:embed="rId2"/>
-          <a:stretch>
-            <a:fillRect/>
-          </a:stretch>
+          <a:blip r:embed="rId2" cstate="email">
+            <a:extLst>
+              <a:ext uri="{28A0092B-C50C-407E-A947-70E740481C1C}">
+                <a14:useLocalDpi xmlns:a14="http://schemas.microsoft.com/office/drawing/2010/main" val="0"/>
+              </a:ext>
+            </a:extLst>
+          </a:blip>
+          <a:srcRect/>
+          <a:stretch/>
         </p:blipFill>
         <p:spPr>
           <a:xfrm>
-            <a:off x="5143282" y="676656"/>
-            <a:ext cx="6798570" cy="5074761"/>
+            <a:off x="5819777" y="3220676"/>
+            <a:ext cx="2888966" cy="2179491"/>
           </a:xfrm>
           <a:prstGeom prst="rect">
             <a:avLst/>
           </a:prstGeom>
         </p:spPr>
       </p:pic>
-      <p:sp>
-        <p:nvSpPr>
-          <p:cNvPr id="5" name="Rectangle 4"/>
-          <p:cNvSpPr/>
+      <p:pic>
+        <p:nvPicPr>
+          <p:cNvPr id="10" name="Picture 9">
+            <a:extLst>
+              <a:ext uri="{FF2B5EF4-FFF2-40B4-BE49-F238E27FC236}">
+                <a16:creationId xmlns:a16="http://schemas.microsoft.com/office/drawing/2014/main" id="{A6B6E73D-1E73-BC2A-C248-C57EB8B893F1}"/>
+              </a:ext>
+            </a:extLst>
+          </p:cNvPr>
+          <p:cNvPicPr>
+            <a:picLocks noChangeAspect="1"/>
+          </p:cNvPicPr>
           <p:nvPr/>
-        </p:nvSpPr>
+        </p:nvPicPr>
+        <p:blipFill>
+          <a:blip r:embed="rId3" cstate="email">
+            <a:extLst>
+              <a:ext uri="{28A0092B-C50C-407E-A947-70E740481C1C}">
+                <a14:useLocalDpi xmlns:a14="http://schemas.microsoft.com/office/drawing/2010/main" val="0"/>
+              </a:ext>
+            </a:extLst>
+          </a:blip>
+          <a:srcRect/>
+          <a:stretch/>
+        </p:blipFill>
         <p:spPr>
           <a:xfrm>
-            <a:off x="9079992" y="3282696"/>
-            <a:ext cx="2578608" cy="2578608"/>
+            <a:off x="5819775" y="566540"/>
+            <a:ext cx="2909311" cy="2225752"/>
           </a:xfrm>
           <a:prstGeom prst="rect">
             <a:avLst/>
           </a:prstGeom>
-          <a:solidFill>
-            <a:schemeClr val="bg1"/>
-          </a:solidFill>
-          <a:ln>
-            <a:solidFill>
-              <a:schemeClr val="bg1"/>
-            </a:solidFill>
-          </a:ln>
         </p:spPr>
-        <p:style>
-          <a:lnRef idx="2">
-            <a:schemeClr val="accent1">
-              <a:shade val="50000"/>
-            </a:schemeClr>
-          </a:lnRef>
-          <a:fillRef idx="1">
-            <a:schemeClr val="accent1"/>
-          </a:fillRef>
-          <a:effectRef idx="0">
-            <a:schemeClr val="accent1"/>
-          </a:effectRef>
-          <a:fontRef idx="minor">
-            <a:schemeClr val="lt1"/>
-          </a:fontRef>
-        </p:style>
-        <p:txBody>
-          <a:bodyPr rtlCol="0" anchor="ctr"/>
-          <a:lstStyle/>
-          <a:p>
-            <a:pPr algn="ctr"/>
-            <a:endParaRPr lang="en-GB"/>
-          </a:p>
-        </p:txBody>
-      </p:sp>
+      </p:pic>
+      <p:pic>
+        <p:nvPicPr>
+          <p:cNvPr id="11" name="Picture 10">
+            <a:extLst>
+              <a:ext uri="{FF2B5EF4-FFF2-40B4-BE49-F238E27FC236}">
+                <a16:creationId xmlns:a16="http://schemas.microsoft.com/office/drawing/2014/main" id="{2F83C538-25F6-0C86-8122-540025E5365E}"/>
+              </a:ext>
+            </a:extLst>
+          </p:cNvPr>
+          <p:cNvPicPr>
+            <a:picLocks noChangeAspect="1"/>
+          </p:cNvPicPr>
+          <p:nvPr/>
+        </p:nvPicPr>
+        <p:blipFill>
+          <a:blip r:embed="rId4" cstate="email">
+            <a:extLst>
+              <a:ext uri="{28A0092B-C50C-407E-A947-70E740481C1C}">
+                <a14:useLocalDpi xmlns:a14="http://schemas.microsoft.com/office/drawing/2010/main" val="0"/>
+              </a:ext>
+            </a:extLst>
+          </a:blip>
+          <a:srcRect/>
+          <a:stretch/>
+        </p:blipFill>
+        <p:spPr>
+          <a:xfrm>
+            <a:off x="8866369" y="582101"/>
+            <a:ext cx="2909312" cy="2210189"/>
+          </a:xfrm>
+          <a:prstGeom prst="rect">
+            <a:avLst/>
+          </a:prstGeom>
+        </p:spPr>
+      </p:pic>
     </p:spTree>
     <p:extLst>
       <p:ext uri="{BB962C8B-B14F-4D97-AF65-F5344CB8AC3E}">
@@ -9602,30 +9638,6 @@
           </a:p>
         </p:txBody>
       </p:sp>
-      <p:pic>
-        <p:nvPicPr>
-          <p:cNvPr id="4" name="Picture 3"/>
-          <p:cNvPicPr>
-            <a:picLocks noChangeAspect="1"/>
-          </p:cNvPicPr>
-          <p:nvPr/>
-        </p:nvPicPr>
-        <p:blipFill>
-          <a:blip r:embed="rId2"/>
-          <a:stretch>
-            <a:fillRect/>
-          </a:stretch>
-        </p:blipFill>
-        <p:spPr>
-          <a:xfrm>
-            <a:off x="5143282" y="676656"/>
-            <a:ext cx="6798570" cy="5074761"/>
-          </a:xfrm>
-          <a:prstGeom prst="rect">
-            <a:avLst/>
-          </a:prstGeom>
-        </p:spPr>
-      </p:pic>
       <p:graphicFrame>
         <p:nvGraphicFramePr>
           <p:cNvPr id="5" name="Object 4"/>
@@ -9648,12 +9660,12 @@
           <a:graphicData uri="http://schemas.openxmlformats.org/presentationml/2006/ole">
             <mc:AlternateContent xmlns:mc="http://schemas.openxmlformats.org/markup-compatibility/2006">
               <mc:Choice xmlns:v="urn:schemas-microsoft-com:vml" Requires="v">
-                <p:oleObj name="Equation" r:id="rId3" imgW="1993680" imgH="457200" progId="Equation.DSMT4">
+                <p:oleObj name="Equation" r:id="rId2" imgW="1993680" imgH="457200" progId="Equation.DSMT4">
                   <p:embed/>
                 </p:oleObj>
               </mc:Choice>
               <mc:Fallback>
-                <p:oleObj name="Equation" r:id="rId3" imgW="1993680" imgH="457200" progId="Equation.DSMT4">
+                <p:oleObj name="Equation" r:id="rId2" imgW="1993680" imgH="457200" progId="Equation.DSMT4">
                   <p:embed/>
                   <p:pic>
                     <p:nvPicPr>
@@ -9662,7 +9674,7 @@
                       <p:nvPr/>
                     </p:nvPicPr>
                     <p:blipFill>
-                      <a:blip r:embed="rId4"/>
+                      <a:blip r:embed="rId3"/>
                       <a:stretch>
                         <a:fillRect/>
                       </a:stretch>
@@ -9683,6 +9695,141 @@
           </a:graphicData>
         </a:graphic>
       </p:graphicFrame>
+      <p:pic>
+        <p:nvPicPr>
+          <p:cNvPr id="6" name="Picture 5">
+            <a:extLst>
+              <a:ext uri="{FF2B5EF4-FFF2-40B4-BE49-F238E27FC236}">
+                <a16:creationId xmlns:a16="http://schemas.microsoft.com/office/drawing/2014/main" id="{F55C2280-3094-6972-EA6D-A8150CAA2D73}"/>
+              </a:ext>
+            </a:extLst>
+          </p:cNvPr>
+          <p:cNvPicPr>
+            <a:picLocks noChangeAspect="1"/>
+          </p:cNvPicPr>
+          <p:nvPr/>
+        </p:nvPicPr>
+        <p:blipFill>
+          <a:blip r:embed="rId4" cstate="email">
+            <a:extLst>
+              <a:ext uri="{28A0092B-C50C-407E-A947-70E740481C1C}">
+                <a14:useLocalDpi xmlns:a14="http://schemas.microsoft.com/office/drawing/2010/main" val="0"/>
+              </a:ext>
+            </a:extLst>
+          </a:blip>
+          <a:srcRect/>
+          <a:stretch/>
+        </p:blipFill>
+        <p:spPr>
+          <a:xfrm>
+            <a:off x="5819777" y="3220676"/>
+            <a:ext cx="2888966" cy="2179491"/>
+          </a:xfrm>
+          <a:prstGeom prst="rect">
+            <a:avLst/>
+          </a:prstGeom>
+        </p:spPr>
+      </p:pic>
+      <p:pic>
+        <p:nvPicPr>
+          <p:cNvPr id="7" name="Picture 6">
+            <a:extLst>
+              <a:ext uri="{FF2B5EF4-FFF2-40B4-BE49-F238E27FC236}">
+                <a16:creationId xmlns:a16="http://schemas.microsoft.com/office/drawing/2014/main" id="{3EBEA0D5-1270-C05E-C773-ACA98A8D9A50}"/>
+              </a:ext>
+            </a:extLst>
+          </p:cNvPr>
+          <p:cNvPicPr>
+            <a:picLocks noChangeAspect="1"/>
+          </p:cNvPicPr>
+          <p:nvPr/>
+        </p:nvPicPr>
+        <p:blipFill>
+          <a:blip r:embed="rId5" cstate="email">
+            <a:extLst>
+              <a:ext uri="{28A0092B-C50C-407E-A947-70E740481C1C}">
+                <a14:useLocalDpi xmlns:a14="http://schemas.microsoft.com/office/drawing/2010/main" val="0"/>
+              </a:ext>
+            </a:extLst>
+          </a:blip>
+          <a:srcRect/>
+          <a:stretch/>
+        </p:blipFill>
+        <p:spPr>
+          <a:xfrm>
+            <a:off x="5819775" y="566540"/>
+            <a:ext cx="2909311" cy="2225752"/>
+          </a:xfrm>
+          <a:prstGeom prst="rect">
+            <a:avLst/>
+          </a:prstGeom>
+        </p:spPr>
+      </p:pic>
+      <p:pic>
+        <p:nvPicPr>
+          <p:cNvPr id="8" name="Picture 7">
+            <a:extLst>
+              <a:ext uri="{FF2B5EF4-FFF2-40B4-BE49-F238E27FC236}">
+                <a16:creationId xmlns:a16="http://schemas.microsoft.com/office/drawing/2014/main" id="{1D75EED4-4033-7521-EA4C-35086FDF601C}"/>
+              </a:ext>
+            </a:extLst>
+          </p:cNvPr>
+          <p:cNvPicPr>
+            <a:picLocks noChangeAspect="1"/>
+          </p:cNvPicPr>
+          <p:nvPr/>
+        </p:nvPicPr>
+        <p:blipFill>
+          <a:blip r:embed="rId6" cstate="email">
+            <a:extLst>
+              <a:ext uri="{28A0092B-C50C-407E-A947-70E740481C1C}">
+                <a14:useLocalDpi xmlns:a14="http://schemas.microsoft.com/office/drawing/2010/main" val="0"/>
+              </a:ext>
+            </a:extLst>
+          </a:blip>
+          <a:srcRect/>
+          <a:stretch/>
+        </p:blipFill>
+        <p:spPr>
+          <a:xfrm>
+            <a:off x="8866369" y="582101"/>
+            <a:ext cx="2909312" cy="2210189"/>
+          </a:xfrm>
+          <a:prstGeom prst="rect">
+            <a:avLst/>
+          </a:prstGeom>
+        </p:spPr>
+      </p:pic>
+      <p:pic>
+        <p:nvPicPr>
+          <p:cNvPr id="9" name="Picture 8">
+            <a:extLst>
+              <a:ext uri="{FF2B5EF4-FFF2-40B4-BE49-F238E27FC236}">
+                <a16:creationId xmlns:a16="http://schemas.microsoft.com/office/drawing/2014/main" id="{ADB8FC78-BCD8-6F03-417C-C22B6FE1F813}"/>
+              </a:ext>
+            </a:extLst>
+          </p:cNvPr>
+          <p:cNvPicPr>
+            <a:picLocks noChangeAspect="1"/>
+          </p:cNvPicPr>
+          <p:nvPr/>
+        </p:nvPicPr>
+        <p:blipFill>
+          <a:blip r:embed="rId7"/>
+          <a:stretch>
+            <a:fillRect/>
+          </a:stretch>
+        </p:blipFill>
+        <p:spPr>
+          <a:xfrm>
+            <a:off x="9016211" y="3220676"/>
+            <a:ext cx="2888966" cy="2183627"/>
+          </a:xfrm>
+          <a:prstGeom prst="rect">
+            <a:avLst/>
+          </a:prstGeom>
+        </p:spPr>
+      </p:pic>
     </p:spTree>
     <p:extLst>
       <p:ext uri="{BB962C8B-B14F-4D97-AF65-F5344CB8AC3E}">
@@ -13120,10 +13267,10 @@
           <a:lstStyle/>
           <a:p>
             <a:r>
-              <a:rPr lang="en-US"/>
+              <a:rPr lang="en-US" dirty="0"/>
               <a:t>Two flavors of PPL</a:t>
             </a:r>
-            <a:endParaRPr lang="en-IL"/>
+            <a:endParaRPr lang="en-IL" dirty="0"/>
           </a:p>
         </p:txBody>
       </p:sp>
@@ -13195,66 +13342,2452 @@
           </a:p>
         </p:txBody>
       </p:sp>
-      <p:pic>
-        <p:nvPicPr>
-          <p:cNvPr id="5" name="Picture 4">
+      <p:sp>
+        <p:nvSpPr>
+          <p:cNvPr id="8" name="TextBox 7">
             <a:extLst>
               <a:ext uri="{FF2B5EF4-FFF2-40B4-BE49-F238E27FC236}">
-                <a16:creationId xmlns:a16="http://schemas.microsoft.com/office/drawing/2014/main" id="{ABE110EA-67DE-3909-4E97-335CD09461D3}"/>
+                <a16:creationId xmlns:a16="http://schemas.microsoft.com/office/drawing/2014/main" id="{AAB4DABA-9ACA-F535-F87A-302BD277AC56}"/>
               </a:ext>
             </a:extLst>
           </p:cNvPr>
-          <p:cNvPicPr>
-            <a:picLocks noChangeAspect="1"/>
-          </p:cNvPicPr>
+          <p:cNvSpPr txBox="1"/>
           <p:nvPr/>
-        </p:nvPicPr>
-        <p:blipFill>
-          <a:blip r:embed="rId2"/>
-          <a:stretch>
-            <a:fillRect/>
-          </a:stretch>
-        </p:blipFill>
+        </p:nvSpPr>
         <p:spPr>
           <a:xfrm>
-            <a:off x="869576" y="2581835"/>
-            <a:ext cx="4238625" cy="3695700"/>
+            <a:off x="838200" y="2547883"/>
+            <a:ext cx="3752444" cy="3862596"/>
           </a:xfrm>
           <a:prstGeom prst="rect">
             <a:avLst/>
           </a:prstGeom>
+          <a:noFill/>
         </p:spPr>
-      </p:pic>
-      <p:pic>
-        <p:nvPicPr>
-          <p:cNvPr id="6" name="Picture 5">
+        <p:txBody>
+          <a:bodyPr wrap="square">
+            <a:spAutoFit/>
+          </a:bodyPr>
+          <a:lstStyle/>
+          <a:p>
+            <a:pPr>
+              <a:lnSpc>
+                <a:spcPts val="1425"/>
+              </a:lnSpc>
+              <a:buNone/>
+            </a:pPr>
+            <a:r>
+              <a:rPr lang="en-US" sz="1600" b="0" dirty="0">
+                <a:solidFill>
+                  <a:srgbClr val="267F99"/>
+                </a:solidFill>
+                <a:effectLst/>
+                <a:latin typeface="Consolas" panose="020B0609020204030204" pitchFamily="49" charset="0"/>
+              </a:rPr>
+              <a:t>data</a:t>
+            </a:r>
+            <a:r>
+              <a:rPr lang="en-US" sz="1600" b="0" dirty="0">
+                <a:solidFill>
+                  <a:srgbClr val="3B3B3B"/>
+                </a:solidFill>
+                <a:effectLst/>
+                <a:latin typeface="Consolas" panose="020B0609020204030204" pitchFamily="49" charset="0"/>
+              </a:rPr>
+              <a:t> {</a:t>
+            </a:r>
+          </a:p>
+          <a:p>
+            <a:pPr>
+              <a:lnSpc>
+                <a:spcPts val="1425"/>
+              </a:lnSpc>
+              <a:buNone/>
+            </a:pPr>
+            <a:r>
+              <a:rPr lang="en-US" sz="1600" b="0" dirty="0">
+                <a:solidFill>
+                  <a:srgbClr val="3B3B3B"/>
+                </a:solidFill>
+                <a:effectLst/>
+                <a:latin typeface="Consolas" panose="020B0609020204030204" pitchFamily="49" charset="0"/>
+              </a:rPr>
+              <a:t>  </a:t>
+            </a:r>
+            <a:r>
+              <a:rPr lang="en-US" sz="1600" b="0" dirty="0">
+                <a:solidFill>
+                  <a:srgbClr val="0000FF"/>
+                </a:solidFill>
+                <a:effectLst/>
+                <a:latin typeface="Consolas" panose="020B0609020204030204" pitchFamily="49" charset="0"/>
+              </a:rPr>
+              <a:t>int</a:t>
+            </a:r>
+            <a:r>
+              <a:rPr lang="en-US" sz="1600" b="0" dirty="0">
+                <a:solidFill>
+                  <a:srgbClr val="000000"/>
+                </a:solidFill>
+                <a:effectLst/>
+                <a:latin typeface="Consolas" panose="020B0609020204030204" pitchFamily="49" charset="0"/>
+              </a:rPr>
+              <a:t>&lt;</a:t>
+            </a:r>
+            <a:r>
+              <a:rPr lang="en-US" sz="1600" b="0" dirty="0">
+                <a:solidFill>
+                  <a:srgbClr val="0000FF"/>
+                </a:solidFill>
+                <a:effectLst/>
+                <a:latin typeface="Consolas" panose="020B0609020204030204" pitchFamily="49" charset="0"/>
+              </a:rPr>
+              <a:t>lower</a:t>
+            </a:r>
+            <a:r>
+              <a:rPr lang="en-US" sz="1600" b="0" dirty="0">
+                <a:solidFill>
+                  <a:srgbClr val="3B3B3B"/>
+                </a:solidFill>
+                <a:effectLst/>
+                <a:latin typeface="Consolas" panose="020B0609020204030204" pitchFamily="49" charset="0"/>
+              </a:rPr>
+              <a:t>=</a:t>
+            </a:r>
+            <a:r>
+              <a:rPr lang="en-US" sz="1600" b="0" dirty="0">
+                <a:solidFill>
+                  <a:srgbClr val="098658"/>
+                </a:solidFill>
+                <a:effectLst/>
+                <a:latin typeface="Consolas" panose="020B0609020204030204" pitchFamily="49" charset="0"/>
+              </a:rPr>
+              <a:t>0</a:t>
+            </a:r>
+            <a:r>
+              <a:rPr lang="en-US" sz="1600" b="0" dirty="0">
+                <a:solidFill>
+                  <a:srgbClr val="000000"/>
+                </a:solidFill>
+                <a:effectLst/>
+                <a:latin typeface="Consolas" panose="020B0609020204030204" pitchFamily="49" charset="0"/>
+              </a:rPr>
+              <a:t>&gt;</a:t>
+            </a:r>
+            <a:r>
+              <a:rPr lang="en-US" sz="1600" b="0" dirty="0">
+                <a:solidFill>
+                  <a:srgbClr val="3B3B3B"/>
+                </a:solidFill>
+                <a:effectLst/>
+                <a:latin typeface="Consolas" panose="020B0609020204030204" pitchFamily="49" charset="0"/>
+              </a:rPr>
+              <a:t> N; </a:t>
+            </a:r>
+          </a:p>
+          <a:p>
+            <a:pPr>
+              <a:lnSpc>
+                <a:spcPts val="1425"/>
+              </a:lnSpc>
+              <a:buNone/>
+            </a:pPr>
+            <a:r>
+              <a:rPr lang="en-US" sz="1600" b="0" dirty="0">
+                <a:solidFill>
+                  <a:srgbClr val="3B3B3B"/>
+                </a:solidFill>
+                <a:effectLst/>
+                <a:latin typeface="Consolas" panose="020B0609020204030204" pitchFamily="49" charset="0"/>
+              </a:rPr>
+              <a:t>  </a:t>
+            </a:r>
+            <a:r>
+              <a:rPr lang="en-US" sz="1600" b="0" dirty="0">
+                <a:solidFill>
+                  <a:srgbClr val="0000FF"/>
+                </a:solidFill>
+                <a:effectLst/>
+                <a:latin typeface="Consolas" panose="020B0609020204030204" pitchFamily="49" charset="0"/>
+              </a:rPr>
+              <a:t>vector</a:t>
+            </a:r>
+            <a:r>
+              <a:rPr lang="en-US" sz="1600" b="0" dirty="0">
+                <a:solidFill>
+                  <a:srgbClr val="3B3B3B"/>
+                </a:solidFill>
+                <a:effectLst/>
+                <a:latin typeface="Consolas" panose="020B0609020204030204" pitchFamily="49" charset="0"/>
+              </a:rPr>
+              <a:t>[N] y;</a:t>
+            </a:r>
+          </a:p>
+          <a:p>
+            <a:pPr>
+              <a:lnSpc>
+                <a:spcPts val="1425"/>
+              </a:lnSpc>
+              <a:buNone/>
+            </a:pPr>
+            <a:r>
+              <a:rPr lang="en-US" sz="1600" b="0" dirty="0">
+                <a:solidFill>
+                  <a:srgbClr val="3B3B3B"/>
+                </a:solidFill>
+                <a:effectLst/>
+                <a:latin typeface="Consolas" panose="020B0609020204030204" pitchFamily="49" charset="0"/>
+              </a:rPr>
+              <a:t>  </a:t>
+            </a:r>
+            <a:r>
+              <a:rPr lang="en-US" sz="1600" b="0" dirty="0">
+                <a:solidFill>
+                  <a:srgbClr val="0000FF"/>
+                </a:solidFill>
+                <a:effectLst/>
+                <a:latin typeface="Consolas" panose="020B0609020204030204" pitchFamily="49" charset="0"/>
+              </a:rPr>
+              <a:t>real</a:t>
+            </a:r>
+            <a:r>
+              <a:rPr lang="en-US" sz="1600" b="0" dirty="0">
+                <a:solidFill>
+                  <a:srgbClr val="3B3B3B"/>
+                </a:solidFill>
+                <a:effectLst/>
+                <a:latin typeface="Consolas" panose="020B0609020204030204" pitchFamily="49" charset="0"/>
+              </a:rPr>
+              <a:t> </a:t>
+            </a:r>
+            <a:r>
+              <a:rPr lang="en-US" sz="1600" b="0" dirty="0" err="1">
+                <a:solidFill>
+                  <a:srgbClr val="3B3B3B"/>
+                </a:solidFill>
+                <a:effectLst/>
+                <a:latin typeface="Consolas" panose="020B0609020204030204" pitchFamily="49" charset="0"/>
+              </a:rPr>
+              <a:t>mu_mu</a:t>
+            </a:r>
+            <a:r>
+              <a:rPr lang="en-US" sz="1600" b="0" dirty="0">
+                <a:solidFill>
+                  <a:srgbClr val="3B3B3B"/>
+                </a:solidFill>
+                <a:effectLst/>
+                <a:latin typeface="Consolas" panose="020B0609020204030204" pitchFamily="49" charset="0"/>
+              </a:rPr>
+              <a:t>;</a:t>
+            </a:r>
+          </a:p>
+          <a:p>
+            <a:pPr>
+              <a:lnSpc>
+                <a:spcPts val="1425"/>
+              </a:lnSpc>
+              <a:buNone/>
+            </a:pPr>
+            <a:r>
+              <a:rPr lang="en-US" sz="1600" b="0" dirty="0">
+                <a:solidFill>
+                  <a:srgbClr val="3B3B3B"/>
+                </a:solidFill>
+                <a:effectLst/>
+                <a:latin typeface="Consolas" panose="020B0609020204030204" pitchFamily="49" charset="0"/>
+              </a:rPr>
+              <a:t>  </a:t>
+            </a:r>
+            <a:r>
+              <a:rPr lang="en-US" sz="1600" b="0" dirty="0">
+                <a:solidFill>
+                  <a:srgbClr val="0000FF"/>
+                </a:solidFill>
+                <a:effectLst/>
+                <a:latin typeface="Consolas" panose="020B0609020204030204" pitchFamily="49" charset="0"/>
+              </a:rPr>
+              <a:t>real</a:t>
+            </a:r>
+            <a:r>
+              <a:rPr lang="en-US" sz="1600" b="0" dirty="0">
+                <a:solidFill>
+                  <a:srgbClr val="000000"/>
+                </a:solidFill>
+                <a:effectLst/>
+                <a:latin typeface="Consolas" panose="020B0609020204030204" pitchFamily="49" charset="0"/>
+              </a:rPr>
+              <a:t>&lt;</a:t>
+            </a:r>
+            <a:r>
+              <a:rPr lang="en-US" sz="1600" b="0" dirty="0">
+                <a:solidFill>
+                  <a:srgbClr val="0000FF"/>
+                </a:solidFill>
+                <a:effectLst/>
+                <a:latin typeface="Consolas" panose="020B0609020204030204" pitchFamily="49" charset="0"/>
+              </a:rPr>
+              <a:t>lower</a:t>
+            </a:r>
+            <a:r>
+              <a:rPr lang="en-US" sz="1600" b="0" dirty="0">
+                <a:solidFill>
+                  <a:srgbClr val="3B3B3B"/>
+                </a:solidFill>
+                <a:effectLst/>
+                <a:latin typeface="Consolas" panose="020B0609020204030204" pitchFamily="49" charset="0"/>
+              </a:rPr>
+              <a:t>=</a:t>
+            </a:r>
+            <a:r>
+              <a:rPr lang="en-US" sz="1600" b="0" dirty="0">
+                <a:solidFill>
+                  <a:srgbClr val="098658"/>
+                </a:solidFill>
+                <a:effectLst/>
+                <a:latin typeface="Consolas" panose="020B0609020204030204" pitchFamily="49" charset="0"/>
+              </a:rPr>
+              <a:t>0</a:t>
+            </a:r>
+            <a:r>
+              <a:rPr lang="en-US" sz="1600" b="0" dirty="0">
+                <a:solidFill>
+                  <a:srgbClr val="000000"/>
+                </a:solidFill>
+                <a:effectLst/>
+                <a:latin typeface="Consolas" panose="020B0609020204030204" pitchFamily="49" charset="0"/>
+              </a:rPr>
+              <a:t>&gt;</a:t>
+            </a:r>
+            <a:r>
+              <a:rPr lang="en-US" sz="1600" b="0" dirty="0">
+                <a:solidFill>
+                  <a:srgbClr val="3B3B3B"/>
+                </a:solidFill>
+                <a:effectLst/>
+                <a:latin typeface="Consolas" panose="020B0609020204030204" pitchFamily="49" charset="0"/>
+              </a:rPr>
+              <a:t> </a:t>
+            </a:r>
+            <a:r>
+              <a:rPr lang="en-US" sz="1600" b="0" dirty="0" err="1">
+                <a:solidFill>
+                  <a:srgbClr val="3B3B3B"/>
+                </a:solidFill>
+                <a:effectLst/>
+                <a:latin typeface="Consolas" panose="020B0609020204030204" pitchFamily="49" charset="0"/>
+              </a:rPr>
+              <a:t>sd_mu</a:t>
+            </a:r>
+            <a:r>
+              <a:rPr lang="en-US" sz="1600" b="0" dirty="0">
+                <a:solidFill>
+                  <a:srgbClr val="3B3B3B"/>
+                </a:solidFill>
+                <a:effectLst/>
+                <a:latin typeface="Consolas" panose="020B0609020204030204" pitchFamily="49" charset="0"/>
+              </a:rPr>
+              <a:t>;</a:t>
+            </a:r>
+          </a:p>
+          <a:p>
+            <a:pPr>
+              <a:lnSpc>
+                <a:spcPts val="1425"/>
+              </a:lnSpc>
+              <a:buNone/>
+            </a:pPr>
+            <a:r>
+              <a:rPr lang="en-US" sz="1600" b="0" dirty="0">
+                <a:solidFill>
+                  <a:srgbClr val="3B3B3B"/>
+                </a:solidFill>
+                <a:effectLst/>
+                <a:latin typeface="Consolas" panose="020B0609020204030204" pitchFamily="49" charset="0"/>
+              </a:rPr>
+              <a:t>  </a:t>
+            </a:r>
+            <a:r>
+              <a:rPr lang="en-US" sz="1600" b="0" dirty="0">
+                <a:solidFill>
+                  <a:srgbClr val="0000FF"/>
+                </a:solidFill>
+                <a:effectLst/>
+                <a:latin typeface="Consolas" panose="020B0609020204030204" pitchFamily="49" charset="0"/>
+              </a:rPr>
+              <a:t>real</a:t>
+            </a:r>
+            <a:r>
+              <a:rPr lang="en-US" sz="1600" b="0" dirty="0">
+                <a:solidFill>
+                  <a:srgbClr val="000000"/>
+                </a:solidFill>
+                <a:effectLst/>
+                <a:latin typeface="Consolas" panose="020B0609020204030204" pitchFamily="49" charset="0"/>
+              </a:rPr>
+              <a:t>&lt;</a:t>
+            </a:r>
+            <a:r>
+              <a:rPr lang="en-US" sz="1600" b="0" dirty="0">
+                <a:solidFill>
+                  <a:srgbClr val="0000FF"/>
+                </a:solidFill>
+                <a:effectLst/>
+                <a:latin typeface="Consolas" panose="020B0609020204030204" pitchFamily="49" charset="0"/>
+              </a:rPr>
+              <a:t>lower</a:t>
+            </a:r>
+            <a:r>
+              <a:rPr lang="en-US" sz="1600" b="0" dirty="0">
+                <a:solidFill>
+                  <a:srgbClr val="3B3B3B"/>
+                </a:solidFill>
+                <a:effectLst/>
+                <a:latin typeface="Consolas" panose="020B0609020204030204" pitchFamily="49" charset="0"/>
+              </a:rPr>
+              <a:t>=</a:t>
+            </a:r>
+            <a:r>
+              <a:rPr lang="en-US" sz="1600" b="0" dirty="0">
+                <a:solidFill>
+                  <a:srgbClr val="098658"/>
+                </a:solidFill>
+                <a:effectLst/>
+                <a:latin typeface="Consolas" panose="020B0609020204030204" pitchFamily="49" charset="0"/>
+              </a:rPr>
+              <a:t>0</a:t>
+            </a:r>
+            <a:r>
+              <a:rPr lang="en-US" sz="1600" b="0" dirty="0">
+                <a:solidFill>
+                  <a:srgbClr val="000000"/>
+                </a:solidFill>
+                <a:effectLst/>
+                <a:latin typeface="Consolas" panose="020B0609020204030204" pitchFamily="49" charset="0"/>
+              </a:rPr>
+              <a:t>&gt;</a:t>
+            </a:r>
+            <a:r>
+              <a:rPr lang="en-US" sz="1600" b="0" dirty="0">
+                <a:solidFill>
+                  <a:srgbClr val="3B3B3B"/>
+                </a:solidFill>
+                <a:effectLst/>
+                <a:latin typeface="Consolas" panose="020B0609020204030204" pitchFamily="49" charset="0"/>
+              </a:rPr>
+              <a:t> </a:t>
+            </a:r>
+            <a:r>
+              <a:rPr lang="en-US" sz="1600" b="0" dirty="0" err="1">
+                <a:solidFill>
+                  <a:srgbClr val="3B3B3B"/>
+                </a:solidFill>
+                <a:effectLst/>
+                <a:latin typeface="Consolas" panose="020B0609020204030204" pitchFamily="49" charset="0"/>
+              </a:rPr>
+              <a:t>sd_sd</a:t>
+            </a:r>
+            <a:r>
+              <a:rPr lang="en-US" sz="1600" b="0" dirty="0">
+                <a:solidFill>
+                  <a:srgbClr val="3B3B3B"/>
+                </a:solidFill>
+                <a:effectLst/>
+                <a:latin typeface="Consolas" panose="020B0609020204030204" pitchFamily="49" charset="0"/>
+              </a:rPr>
+              <a:t>; </a:t>
+            </a:r>
+          </a:p>
+          <a:p>
+            <a:pPr>
+              <a:lnSpc>
+                <a:spcPts val="1425"/>
+              </a:lnSpc>
+              <a:buNone/>
+            </a:pPr>
+            <a:r>
+              <a:rPr lang="en-US" sz="1600" b="0" dirty="0">
+                <a:solidFill>
+                  <a:srgbClr val="3B3B3B"/>
+                </a:solidFill>
+                <a:effectLst/>
+                <a:latin typeface="Consolas" panose="020B0609020204030204" pitchFamily="49" charset="0"/>
+              </a:rPr>
+              <a:t>}</a:t>
+            </a:r>
+          </a:p>
+          <a:p>
+            <a:pPr>
+              <a:lnSpc>
+                <a:spcPts val="1425"/>
+              </a:lnSpc>
+              <a:buNone/>
+            </a:pPr>
+            <a:br>
+              <a:rPr lang="en-US" sz="1600" b="0" dirty="0">
+                <a:solidFill>
+                  <a:srgbClr val="3B3B3B"/>
+                </a:solidFill>
+                <a:effectLst/>
+                <a:latin typeface="Consolas" panose="020B0609020204030204" pitchFamily="49" charset="0"/>
+              </a:rPr>
+            </a:br>
+            <a:r>
+              <a:rPr lang="en-US" sz="1600" b="0" dirty="0">
+                <a:solidFill>
+                  <a:srgbClr val="267F99"/>
+                </a:solidFill>
+                <a:effectLst/>
+                <a:latin typeface="Consolas" panose="020B0609020204030204" pitchFamily="49" charset="0"/>
+              </a:rPr>
+              <a:t>parameters</a:t>
+            </a:r>
+            <a:r>
+              <a:rPr lang="en-US" sz="1600" b="0" dirty="0">
+                <a:solidFill>
+                  <a:srgbClr val="3B3B3B"/>
+                </a:solidFill>
+                <a:effectLst/>
+                <a:latin typeface="Consolas" panose="020B0609020204030204" pitchFamily="49" charset="0"/>
+              </a:rPr>
+              <a:t> {</a:t>
+            </a:r>
+          </a:p>
+          <a:p>
+            <a:pPr>
+              <a:lnSpc>
+                <a:spcPts val="1425"/>
+              </a:lnSpc>
+              <a:buNone/>
+            </a:pPr>
+            <a:r>
+              <a:rPr lang="en-US" sz="1600" b="0" dirty="0">
+                <a:solidFill>
+                  <a:srgbClr val="3B3B3B"/>
+                </a:solidFill>
+                <a:effectLst/>
+                <a:latin typeface="Consolas" panose="020B0609020204030204" pitchFamily="49" charset="0"/>
+              </a:rPr>
+              <a:t>  </a:t>
+            </a:r>
+            <a:r>
+              <a:rPr lang="en-US" sz="1600" b="0" dirty="0">
+                <a:solidFill>
+                  <a:srgbClr val="0000FF"/>
+                </a:solidFill>
+                <a:effectLst/>
+                <a:latin typeface="Consolas" panose="020B0609020204030204" pitchFamily="49" charset="0"/>
+              </a:rPr>
+              <a:t>real</a:t>
+            </a:r>
+            <a:r>
+              <a:rPr lang="en-US" sz="1600" b="0" dirty="0">
+                <a:solidFill>
+                  <a:srgbClr val="3B3B3B"/>
+                </a:solidFill>
+                <a:effectLst/>
+                <a:latin typeface="Consolas" panose="020B0609020204030204" pitchFamily="49" charset="0"/>
+              </a:rPr>
+              <a:t> mu;</a:t>
+            </a:r>
+          </a:p>
+          <a:p>
+            <a:pPr>
+              <a:lnSpc>
+                <a:spcPts val="1425"/>
+              </a:lnSpc>
+              <a:buNone/>
+            </a:pPr>
+            <a:r>
+              <a:rPr lang="en-US" sz="1600" b="0" dirty="0">
+                <a:solidFill>
+                  <a:srgbClr val="3B3B3B"/>
+                </a:solidFill>
+                <a:effectLst/>
+                <a:latin typeface="Consolas" panose="020B0609020204030204" pitchFamily="49" charset="0"/>
+              </a:rPr>
+              <a:t>  </a:t>
+            </a:r>
+            <a:r>
+              <a:rPr lang="en-US" sz="1600" b="0" dirty="0">
+                <a:solidFill>
+                  <a:srgbClr val="0000FF"/>
+                </a:solidFill>
+                <a:effectLst/>
+                <a:latin typeface="Consolas" panose="020B0609020204030204" pitchFamily="49" charset="0"/>
+              </a:rPr>
+              <a:t>real</a:t>
+            </a:r>
+            <a:r>
+              <a:rPr lang="en-US" sz="1600" b="0" dirty="0">
+                <a:solidFill>
+                  <a:srgbClr val="000000"/>
+                </a:solidFill>
+                <a:effectLst/>
+                <a:latin typeface="Consolas" panose="020B0609020204030204" pitchFamily="49" charset="0"/>
+              </a:rPr>
+              <a:t>&lt;</a:t>
+            </a:r>
+            <a:r>
+              <a:rPr lang="en-US" sz="1600" b="0" dirty="0">
+                <a:solidFill>
+                  <a:srgbClr val="0000FF"/>
+                </a:solidFill>
+                <a:effectLst/>
+                <a:latin typeface="Consolas" panose="020B0609020204030204" pitchFamily="49" charset="0"/>
+              </a:rPr>
+              <a:t>lower</a:t>
+            </a:r>
+            <a:r>
+              <a:rPr lang="en-US" sz="1600" b="0" dirty="0">
+                <a:solidFill>
+                  <a:srgbClr val="3B3B3B"/>
+                </a:solidFill>
+                <a:effectLst/>
+                <a:latin typeface="Consolas" panose="020B0609020204030204" pitchFamily="49" charset="0"/>
+              </a:rPr>
+              <a:t>=</a:t>
+            </a:r>
+            <a:r>
+              <a:rPr lang="en-US" sz="1600" b="0" dirty="0">
+                <a:solidFill>
+                  <a:srgbClr val="098658"/>
+                </a:solidFill>
+                <a:effectLst/>
+                <a:latin typeface="Consolas" panose="020B0609020204030204" pitchFamily="49" charset="0"/>
+              </a:rPr>
+              <a:t>0</a:t>
+            </a:r>
+            <a:r>
+              <a:rPr lang="en-US" sz="1600" b="0" dirty="0">
+                <a:solidFill>
+                  <a:srgbClr val="000000"/>
+                </a:solidFill>
+                <a:effectLst/>
+                <a:latin typeface="Consolas" panose="020B0609020204030204" pitchFamily="49" charset="0"/>
+              </a:rPr>
+              <a:t>&gt;</a:t>
+            </a:r>
+            <a:r>
+              <a:rPr lang="en-US" sz="1600" b="0" dirty="0">
+                <a:solidFill>
+                  <a:srgbClr val="3B3B3B"/>
+                </a:solidFill>
+                <a:effectLst/>
+                <a:latin typeface="Consolas" panose="020B0609020204030204" pitchFamily="49" charset="0"/>
+              </a:rPr>
+              <a:t> </a:t>
+            </a:r>
+            <a:r>
+              <a:rPr lang="en-US" sz="1600" b="0" dirty="0" err="1">
+                <a:solidFill>
+                  <a:srgbClr val="3B3B3B"/>
+                </a:solidFill>
+                <a:effectLst/>
+                <a:latin typeface="Consolas" panose="020B0609020204030204" pitchFamily="49" charset="0"/>
+              </a:rPr>
+              <a:t>sd</a:t>
+            </a:r>
+            <a:r>
+              <a:rPr lang="en-US" sz="1600" b="0" dirty="0">
+                <a:solidFill>
+                  <a:srgbClr val="3B3B3B"/>
+                </a:solidFill>
+                <a:effectLst/>
+                <a:latin typeface="Consolas" panose="020B0609020204030204" pitchFamily="49" charset="0"/>
+              </a:rPr>
+              <a:t>;</a:t>
+            </a:r>
+          </a:p>
+          <a:p>
+            <a:pPr>
+              <a:lnSpc>
+                <a:spcPts val="1425"/>
+              </a:lnSpc>
+              <a:buNone/>
+            </a:pPr>
+            <a:r>
+              <a:rPr lang="en-US" sz="1600" b="0" dirty="0">
+                <a:solidFill>
+                  <a:srgbClr val="3B3B3B"/>
+                </a:solidFill>
+                <a:effectLst/>
+                <a:latin typeface="Consolas" panose="020B0609020204030204" pitchFamily="49" charset="0"/>
+              </a:rPr>
+              <a:t>}</a:t>
+            </a:r>
+          </a:p>
+          <a:p>
+            <a:pPr>
+              <a:lnSpc>
+                <a:spcPts val="1425"/>
+              </a:lnSpc>
+              <a:buNone/>
+            </a:pPr>
+            <a:br>
+              <a:rPr lang="en-US" sz="1600" b="0" dirty="0">
+                <a:solidFill>
+                  <a:srgbClr val="3B3B3B"/>
+                </a:solidFill>
+                <a:effectLst/>
+                <a:latin typeface="Consolas" panose="020B0609020204030204" pitchFamily="49" charset="0"/>
+              </a:rPr>
+            </a:br>
+            <a:r>
+              <a:rPr lang="en-US" sz="1600" b="0" dirty="0">
+                <a:solidFill>
+                  <a:srgbClr val="267F99"/>
+                </a:solidFill>
+                <a:effectLst/>
+                <a:latin typeface="Consolas" panose="020B0609020204030204" pitchFamily="49" charset="0"/>
+              </a:rPr>
+              <a:t>model</a:t>
+            </a:r>
+            <a:r>
+              <a:rPr lang="en-US" sz="1600" b="0" dirty="0">
+                <a:solidFill>
+                  <a:srgbClr val="3B3B3B"/>
+                </a:solidFill>
+                <a:effectLst/>
+                <a:latin typeface="Consolas" panose="020B0609020204030204" pitchFamily="49" charset="0"/>
+              </a:rPr>
+              <a:t> {</a:t>
+            </a:r>
+          </a:p>
+          <a:p>
+            <a:pPr>
+              <a:lnSpc>
+                <a:spcPts val="1425"/>
+              </a:lnSpc>
+              <a:buNone/>
+            </a:pPr>
+            <a:r>
+              <a:rPr lang="en-US" sz="1600" b="0" dirty="0">
+                <a:solidFill>
+                  <a:srgbClr val="3B3B3B"/>
+                </a:solidFill>
+                <a:effectLst/>
+                <a:latin typeface="Consolas" panose="020B0609020204030204" pitchFamily="49" charset="0"/>
+              </a:rPr>
+              <a:t>  </a:t>
+            </a:r>
+            <a:r>
+              <a:rPr lang="en-US" sz="1600" b="0" dirty="0">
+                <a:solidFill>
+                  <a:srgbClr val="008000"/>
+                </a:solidFill>
+                <a:effectLst/>
+                <a:latin typeface="Consolas" panose="020B0609020204030204" pitchFamily="49" charset="0"/>
+              </a:rPr>
+              <a:t>// Priors</a:t>
+            </a:r>
+            <a:endParaRPr lang="en-US" sz="1600" b="0" dirty="0">
+              <a:solidFill>
+                <a:srgbClr val="3B3B3B"/>
+              </a:solidFill>
+              <a:effectLst/>
+              <a:latin typeface="Consolas" panose="020B0609020204030204" pitchFamily="49" charset="0"/>
+            </a:endParaRPr>
+          </a:p>
+          <a:p>
+            <a:pPr>
+              <a:lnSpc>
+                <a:spcPts val="1425"/>
+              </a:lnSpc>
+              <a:buNone/>
+            </a:pPr>
+            <a:r>
+              <a:rPr lang="en-US" sz="1600" b="0" dirty="0">
+                <a:solidFill>
+                  <a:srgbClr val="3B3B3B"/>
+                </a:solidFill>
+                <a:effectLst/>
+                <a:latin typeface="Consolas" panose="020B0609020204030204" pitchFamily="49" charset="0"/>
+              </a:rPr>
+              <a:t>  mu </a:t>
+            </a:r>
+            <a:r>
+              <a:rPr lang="en-US" sz="1600" b="0" dirty="0">
+                <a:solidFill>
+                  <a:srgbClr val="000000"/>
+                </a:solidFill>
+                <a:effectLst/>
+                <a:latin typeface="Consolas" panose="020B0609020204030204" pitchFamily="49" charset="0"/>
+              </a:rPr>
+              <a:t>~</a:t>
+            </a:r>
+            <a:r>
+              <a:rPr lang="en-US" sz="1600" b="0" dirty="0">
+                <a:solidFill>
+                  <a:srgbClr val="3B3B3B"/>
+                </a:solidFill>
+                <a:effectLst/>
+                <a:latin typeface="Consolas" panose="020B0609020204030204" pitchFamily="49" charset="0"/>
+              </a:rPr>
+              <a:t> </a:t>
+            </a:r>
+            <a:r>
+              <a:rPr lang="en-US" sz="1600" b="0" dirty="0">
+                <a:solidFill>
+                  <a:srgbClr val="795E26"/>
+                </a:solidFill>
+                <a:effectLst/>
+                <a:latin typeface="Consolas" panose="020B0609020204030204" pitchFamily="49" charset="0"/>
+              </a:rPr>
+              <a:t>normal</a:t>
+            </a:r>
+            <a:r>
+              <a:rPr lang="en-US" sz="1600" b="0" dirty="0">
+                <a:solidFill>
+                  <a:srgbClr val="3B3B3B"/>
+                </a:solidFill>
+                <a:effectLst/>
+                <a:latin typeface="Consolas" panose="020B0609020204030204" pitchFamily="49" charset="0"/>
+              </a:rPr>
+              <a:t>(</a:t>
+            </a:r>
+            <a:r>
+              <a:rPr lang="en-US" sz="1600" b="0" dirty="0" err="1">
+                <a:solidFill>
+                  <a:srgbClr val="3B3B3B"/>
+                </a:solidFill>
+                <a:effectLst/>
+                <a:latin typeface="Consolas" panose="020B0609020204030204" pitchFamily="49" charset="0"/>
+              </a:rPr>
+              <a:t>mu_mu</a:t>
+            </a:r>
+            <a:r>
+              <a:rPr lang="en-US" sz="1600" b="0" dirty="0">
+                <a:solidFill>
+                  <a:srgbClr val="3B3B3B"/>
+                </a:solidFill>
+                <a:effectLst/>
+                <a:latin typeface="Consolas" panose="020B0609020204030204" pitchFamily="49" charset="0"/>
+              </a:rPr>
+              <a:t>, </a:t>
+            </a:r>
+            <a:r>
+              <a:rPr lang="en-US" sz="1600" b="0" dirty="0" err="1">
+                <a:solidFill>
+                  <a:srgbClr val="3B3B3B"/>
+                </a:solidFill>
+                <a:effectLst/>
+                <a:latin typeface="Consolas" panose="020B0609020204030204" pitchFamily="49" charset="0"/>
+              </a:rPr>
+              <a:t>sd_mu</a:t>
+            </a:r>
+            <a:r>
+              <a:rPr lang="en-US" sz="1600" b="0" dirty="0">
+                <a:solidFill>
+                  <a:srgbClr val="3B3B3B"/>
+                </a:solidFill>
+                <a:effectLst/>
+                <a:latin typeface="Consolas" panose="020B0609020204030204" pitchFamily="49" charset="0"/>
+              </a:rPr>
+              <a:t>);</a:t>
+            </a:r>
+          </a:p>
+          <a:p>
+            <a:pPr>
+              <a:lnSpc>
+                <a:spcPts val="1425"/>
+              </a:lnSpc>
+              <a:buNone/>
+            </a:pPr>
+            <a:r>
+              <a:rPr lang="en-US" sz="1600" b="0" dirty="0">
+                <a:solidFill>
+                  <a:srgbClr val="3B3B3B"/>
+                </a:solidFill>
+                <a:effectLst/>
+                <a:latin typeface="Consolas" panose="020B0609020204030204" pitchFamily="49" charset="0"/>
+              </a:rPr>
+              <a:t>  sigma </a:t>
+            </a:r>
+            <a:r>
+              <a:rPr lang="en-US" sz="1600" b="0" dirty="0">
+                <a:solidFill>
+                  <a:srgbClr val="000000"/>
+                </a:solidFill>
+                <a:effectLst/>
+                <a:latin typeface="Consolas" panose="020B0609020204030204" pitchFamily="49" charset="0"/>
+              </a:rPr>
+              <a:t>~</a:t>
+            </a:r>
+            <a:r>
+              <a:rPr lang="en-US" sz="1600" b="0" dirty="0">
+                <a:solidFill>
+                  <a:srgbClr val="3B3B3B"/>
+                </a:solidFill>
+                <a:effectLst/>
+                <a:latin typeface="Consolas" panose="020B0609020204030204" pitchFamily="49" charset="0"/>
+              </a:rPr>
+              <a:t> </a:t>
+            </a:r>
+            <a:r>
+              <a:rPr lang="en-US" sz="1600" b="0" dirty="0">
+                <a:solidFill>
+                  <a:srgbClr val="795E26"/>
+                </a:solidFill>
+                <a:effectLst/>
+                <a:latin typeface="Consolas" panose="020B0609020204030204" pitchFamily="49" charset="0"/>
+              </a:rPr>
+              <a:t>normal</a:t>
+            </a:r>
+            <a:r>
+              <a:rPr lang="en-US" sz="1600" b="0" dirty="0">
+                <a:solidFill>
+                  <a:srgbClr val="3B3B3B"/>
+                </a:solidFill>
+                <a:effectLst/>
+                <a:latin typeface="Consolas" panose="020B0609020204030204" pitchFamily="49" charset="0"/>
+              </a:rPr>
+              <a:t>(</a:t>
+            </a:r>
+            <a:r>
+              <a:rPr lang="en-US" sz="1600" b="0" dirty="0">
+                <a:solidFill>
+                  <a:srgbClr val="098658"/>
+                </a:solidFill>
+                <a:effectLst/>
+                <a:latin typeface="Consolas" panose="020B0609020204030204" pitchFamily="49" charset="0"/>
+              </a:rPr>
+              <a:t>0</a:t>
+            </a:r>
+            <a:r>
+              <a:rPr lang="en-US" sz="1600" b="0" dirty="0">
+                <a:solidFill>
+                  <a:srgbClr val="3B3B3B"/>
+                </a:solidFill>
+                <a:effectLst/>
+                <a:latin typeface="Consolas" panose="020B0609020204030204" pitchFamily="49" charset="0"/>
+              </a:rPr>
+              <a:t>, </a:t>
+            </a:r>
+            <a:r>
+              <a:rPr lang="en-US" sz="1600" b="0" dirty="0" err="1">
+                <a:solidFill>
+                  <a:srgbClr val="3B3B3B"/>
+                </a:solidFill>
+                <a:effectLst/>
+                <a:latin typeface="Consolas" panose="020B0609020204030204" pitchFamily="49" charset="0"/>
+              </a:rPr>
+              <a:t>sd_sd</a:t>
+            </a:r>
+            <a:r>
+              <a:rPr lang="en-US" sz="1600" b="0" dirty="0">
+                <a:solidFill>
+                  <a:srgbClr val="3B3B3B"/>
+                </a:solidFill>
+                <a:effectLst/>
+                <a:latin typeface="Consolas" panose="020B0609020204030204" pitchFamily="49" charset="0"/>
+              </a:rPr>
+              <a:t>); </a:t>
+            </a:r>
+          </a:p>
+          <a:p>
+            <a:pPr>
+              <a:lnSpc>
+                <a:spcPts val="1425"/>
+              </a:lnSpc>
+              <a:buNone/>
+            </a:pPr>
+            <a:br>
+              <a:rPr lang="en-US" sz="1600" b="0" dirty="0">
+                <a:solidFill>
+                  <a:srgbClr val="3B3B3B"/>
+                </a:solidFill>
+                <a:effectLst/>
+                <a:latin typeface="Consolas" panose="020B0609020204030204" pitchFamily="49" charset="0"/>
+              </a:rPr>
+            </a:br>
+            <a:r>
+              <a:rPr lang="en-US" sz="1600" b="0" dirty="0">
+                <a:solidFill>
+                  <a:srgbClr val="3B3B3B"/>
+                </a:solidFill>
+                <a:effectLst/>
+                <a:latin typeface="Consolas" panose="020B0609020204030204" pitchFamily="49" charset="0"/>
+              </a:rPr>
+              <a:t>  </a:t>
+            </a:r>
+            <a:r>
+              <a:rPr lang="en-US" sz="1600" b="0" dirty="0">
+                <a:solidFill>
+                  <a:srgbClr val="008000"/>
+                </a:solidFill>
+                <a:effectLst/>
+                <a:latin typeface="Consolas" panose="020B0609020204030204" pitchFamily="49" charset="0"/>
+              </a:rPr>
+              <a:t>// Likelihood</a:t>
+            </a:r>
+            <a:endParaRPr lang="en-US" sz="1600" b="0" dirty="0">
+              <a:solidFill>
+                <a:srgbClr val="3B3B3B"/>
+              </a:solidFill>
+              <a:effectLst/>
+              <a:latin typeface="Consolas" panose="020B0609020204030204" pitchFamily="49" charset="0"/>
+            </a:endParaRPr>
+          </a:p>
+          <a:p>
+            <a:pPr>
+              <a:lnSpc>
+                <a:spcPts val="1425"/>
+              </a:lnSpc>
+              <a:buNone/>
+            </a:pPr>
+            <a:r>
+              <a:rPr lang="en-US" sz="1600" b="0" dirty="0">
+                <a:solidFill>
+                  <a:srgbClr val="3B3B3B"/>
+                </a:solidFill>
+                <a:effectLst/>
+                <a:latin typeface="Consolas" panose="020B0609020204030204" pitchFamily="49" charset="0"/>
+              </a:rPr>
+              <a:t>  y </a:t>
+            </a:r>
+            <a:r>
+              <a:rPr lang="en-US" sz="1600" b="0" dirty="0">
+                <a:solidFill>
+                  <a:srgbClr val="000000"/>
+                </a:solidFill>
+                <a:effectLst/>
+                <a:latin typeface="Consolas" panose="020B0609020204030204" pitchFamily="49" charset="0"/>
+              </a:rPr>
+              <a:t>~</a:t>
+            </a:r>
+            <a:r>
+              <a:rPr lang="en-US" sz="1600" b="0" dirty="0">
+                <a:solidFill>
+                  <a:srgbClr val="3B3B3B"/>
+                </a:solidFill>
+                <a:effectLst/>
+                <a:latin typeface="Consolas" panose="020B0609020204030204" pitchFamily="49" charset="0"/>
+              </a:rPr>
+              <a:t> </a:t>
+            </a:r>
+            <a:r>
+              <a:rPr lang="en-US" sz="1600" b="0" dirty="0">
+                <a:solidFill>
+                  <a:srgbClr val="795E26"/>
+                </a:solidFill>
+                <a:effectLst/>
+                <a:latin typeface="Consolas" panose="020B0609020204030204" pitchFamily="49" charset="0"/>
+              </a:rPr>
+              <a:t>normal</a:t>
+            </a:r>
+            <a:r>
+              <a:rPr lang="en-US" sz="1600" b="0" dirty="0">
+                <a:solidFill>
+                  <a:srgbClr val="3B3B3B"/>
+                </a:solidFill>
+                <a:effectLst/>
+                <a:latin typeface="Consolas" panose="020B0609020204030204" pitchFamily="49" charset="0"/>
+              </a:rPr>
+              <a:t>(mu, </a:t>
+            </a:r>
+            <a:r>
+              <a:rPr lang="en-US" sz="1600" b="0" dirty="0" err="1">
+                <a:solidFill>
+                  <a:srgbClr val="3B3B3B"/>
+                </a:solidFill>
+                <a:effectLst/>
+                <a:latin typeface="Consolas" panose="020B0609020204030204" pitchFamily="49" charset="0"/>
+              </a:rPr>
+              <a:t>sd</a:t>
+            </a:r>
+            <a:r>
+              <a:rPr lang="en-US" sz="1600" b="0" dirty="0">
+                <a:solidFill>
+                  <a:srgbClr val="3B3B3B"/>
+                </a:solidFill>
+                <a:effectLst/>
+                <a:latin typeface="Consolas" panose="020B0609020204030204" pitchFamily="49" charset="0"/>
+              </a:rPr>
+              <a:t>);</a:t>
+            </a:r>
+          </a:p>
+          <a:p>
+            <a:pPr>
+              <a:lnSpc>
+                <a:spcPts val="1425"/>
+              </a:lnSpc>
+            </a:pPr>
+            <a:r>
+              <a:rPr lang="en-US" sz="1600" b="0" dirty="0">
+                <a:solidFill>
+                  <a:srgbClr val="3B3B3B"/>
+                </a:solidFill>
+                <a:effectLst/>
+                <a:latin typeface="Consolas" panose="020B0609020204030204" pitchFamily="49" charset="0"/>
+              </a:rPr>
+              <a:t>}</a:t>
+            </a:r>
+          </a:p>
+        </p:txBody>
+      </p:sp>
+      <p:sp>
+        <p:nvSpPr>
+          <p:cNvPr id="12" name="TextBox 11">
             <a:extLst>
               <a:ext uri="{FF2B5EF4-FFF2-40B4-BE49-F238E27FC236}">
-                <a16:creationId xmlns:a16="http://schemas.microsoft.com/office/drawing/2014/main" id="{988A4D1C-0590-933A-D6C5-17DAC0D607F6}"/>
+                <a16:creationId xmlns:a16="http://schemas.microsoft.com/office/drawing/2014/main" id="{4F118FED-7702-EE17-11E1-5E9C301B1100}"/>
               </a:ext>
             </a:extLst>
           </p:cNvPr>
-          <p:cNvPicPr>
-            <a:picLocks noChangeAspect="1"/>
-          </p:cNvPicPr>
+          <p:cNvSpPr txBox="1"/>
           <p:nvPr/>
-        </p:nvPicPr>
-        <p:blipFill>
-          <a:blip r:embed="rId3"/>
-          <a:stretch>
-            <a:fillRect/>
-          </a:stretch>
-        </p:blipFill>
+        </p:nvSpPr>
         <p:spPr>
           <a:xfrm>
-            <a:off x="6352054" y="2566987"/>
-            <a:ext cx="5163532" cy="2022942"/>
+            <a:off x="6097622" y="2547883"/>
+            <a:ext cx="6094378" cy="2800767"/>
           </a:xfrm>
           <a:prstGeom prst="rect">
             <a:avLst/>
           </a:prstGeom>
+          <a:noFill/>
         </p:spPr>
-      </p:pic>
+        <p:txBody>
+          <a:bodyPr wrap="square">
+            <a:spAutoFit/>
+          </a:bodyPr>
+          <a:lstStyle/>
+          <a:p>
+            <a:pPr>
+              <a:buNone/>
+            </a:pPr>
+            <a:r>
+              <a:rPr lang="en-US" sz="1600" b="0" dirty="0">
+                <a:solidFill>
+                  <a:srgbClr val="0070C1"/>
+                </a:solidFill>
+                <a:effectLst/>
+                <a:latin typeface="Consolas" panose="020B0609020204030204" pitchFamily="49" charset="0"/>
+              </a:rPr>
+              <a:t>N</a:t>
+            </a:r>
+            <a:r>
+              <a:rPr lang="en-US" sz="1600" b="0" dirty="0">
+                <a:solidFill>
+                  <a:srgbClr val="3B3B3B"/>
+                </a:solidFill>
+                <a:effectLst/>
+                <a:latin typeface="Consolas" panose="020B0609020204030204" pitchFamily="49" charset="0"/>
+              </a:rPr>
+              <a:t> </a:t>
+            </a:r>
+            <a:r>
+              <a:rPr lang="en-US" sz="1600" b="0" dirty="0">
+                <a:solidFill>
+                  <a:srgbClr val="000000"/>
+                </a:solidFill>
+                <a:effectLst/>
+                <a:latin typeface="Consolas" panose="020B0609020204030204" pitchFamily="49" charset="0"/>
+              </a:rPr>
+              <a:t>=</a:t>
+            </a:r>
+            <a:r>
+              <a:rPr lang="en-US" sz="1600" b="0" dirty="0">
+                <a:solidFill>
+                  <a:srgbClr val="3B3B3B"/>
+                </a:solidFill>
+                <a:effectLst/>
+                <a:latin typeface="Consolas" panose="020B0609020204030204" pitchFamily="49" charset="0"/>
+              </a:rPr>
+              <a:t> </a:t>
+            </a:r>
+            <a:r>
+              <a:rPr lang="en-US" sz="1600" b="0" dirty="0">
+                <a:solidFill>
+                  <a:srgbClr val="098658"/>
+                </a:solidFill>
+                <a:effectLst/>
+                <a:latin typeface="Consolas" panose="020B0609020204030204" pitchFamily="49" charset="0"/>
+              </a:rPr>
+              <a:t>100</a:t>
+            </a:r>
+            <a:endParaRPr lang="en-US" sz="1600" b="0" dirty="0">
+              <a:solidFill>
+                <a:srgbClr val="3B3B3B"/>
+              </a:solidFill>
+              <a:effectLst/>
+              <a:latin typeface="Consolas" panose="020B0609020204030204" pitchFamily="49" charset="0"/>
+            </a:endParaRPr>
+          </a:p>
+          <a:p>
+            <a:pPr>
+              <a:buNone/>
+            </a:pPr>
+            <a:r>
+              <a:rPr lang="en-US" sz="1600" b="0" dirty="0">
+                <a:solidFill>
+                  <a:srgbClr val="001080"/>
+                </a:solidFill>
+                <a:effectLst/>
+                <a:latin typeface="Consolas" panose="020B0609020204030204" pitchFamily="49" charset="0"/>
+              </a:rPr>
+              <a:t>y</a:t>
+            </a:r>
+            <a:r>
+              <a:rPr lang="en-US" sz="1600" b="0" dirty="0">
+                <a:solidFill>
+                  <a:srgbClr val="3B3B3B"/>
+                </a:solidFill>
+                <a:effectLst/>
+                <a:latin typeface="Consolas" panose="020B0609020204030204" pitchFamily="49" charset="0"/>
+              </a:rPr>
+              <a:t> </a:t>
+            </a:r>
+            <a:r>
+              <a:rPr lang="en-US" sz="1600" b="0" dirty="0">
+                <a:solidFill>
+                  <a:srgbClr val="000000"/>
+                </a:solidFill>
+                <a:effectLst/>
+                <a:latin typeface="Consolas" panose="020B0609020204030204" pitchFamily="49" charset="0"/>
+              </a:rPr>
+              <a:t>=</a:t>
+            </a:r>
+            <a:r>
+              <a:rPr lang="en-US" sz="1600" b="0" dirty="0">
+                <a:solidFill>
+                  <a:srgbClr val="3B3B3B"/>
+                </a:solidFill>
+                <a:effectLst/>
+                <a:latin typeface="Consolas" panose="020B0609020204030204" pitchFamily="49" charset="0"/>
+              </a:rPr>
+              <a:t> </a:t>
+            </a:r>
+            <a:r>
+              <a:rPr lang="en-US" sz="1600" b="0" dirty="0" err="1">
+                <a:solidFill>
+                  <a:srgbClr val="267F99"/>
+                </a:solidFill>
+                <a:effectLst/>
+                <a:latin typeface="Consolas" panose="020B0609020204030204" pitchFamily="49" charset="0"/>
+              </a:rPr>
+              <a:t>np</a:t>
+            </a:r>
+            <a:r>
+              <a:rPr lang="en-US" sz="1600" b="0" dirty="0" err="1">
+                <a:solidFill>
+                  <a:srgbClr val="3B3B3B"/>
+                </a:solidFill>
+                <a:effectLst/>
+                <a:latin typeface="Consolas" panose="020B0609020204030204" pitchFamily="49" charset="0"/>
+              </a:rPr>
+              <a:t>.</a:t>
+            </a:r>
+            <a:r>
+              <a:rPr lang="en-US" sz="1600" b="0" dirty="0" err="1">
+                <a:solidFill>
+                  <a:srgbClr val="267F99"/>
+                </a:solidFill>
+                <a:effectLst/>
+                <a:latin typeface="Consolas" panose="020B0609020204030204" pitchFamily="49" charset="0"/>
+              </a:rPr>
+              <a:t>random</a:t>
+            </a:r>
+            <a:r>
+              <a:rPr lang="en-US" sz="1600" b="0" dirty="0" err="1">
+                <a:solidFill>
+                  <a:srgbClr val="3B3B3B"/>
+                </a:solidFill>
+                <a:effectLst/>
+                <a:latin typeface="Consolas" panose="020B0609020204030204" pitchFamily="49" charset="0"/>
+              </a:rPr>
+              <a:t>.</a:t>
+            </a:r>
+            <a:r>
+              <a:rPr lang="en-US" sz="1600" b="0" dirty="0" err="1">
+                <a:solidFill>
+                  <a:srgbClr val="001080"/>
+                </a:solidFill>
+                <a:effectLst/>
+                <a:latin typeface="Consolas" panose="020B0609020204030204" pitchFamily="49" charset="0"/>
+              </a:rPr>
+              <a:t>normal</a:t>
+            </a:r>
+            <a:r>
+              <a:rPr lang="en-US" sz="1600" b="0" dirty="0">
+                <a:solidFill>
+                  <a:srgbClr val="3B3B3B"/>
+                </a:solidFill>
+                <a:effectLst/>
+                <a:latin typeface="Consolas" panose="020B0609020204030204" pitchFamily="49" charset="0"/>
+              </a:rPr>
+              <a:t>(</a:t>
+            </a:r>
+            <a:r>
+              <a:rPr lang="en-US" sz="1600" b="0" dirty="0">
+                <a:solidFill>
+                  <a:srgbClr val="098658"/>
+                </a:solidFill>
+                <a:effectLst/>
+                <a:latin typeface="Consolas" panose="020B0609020204030204" pitchFamily="49" charset="0"/>
+              </a:rPr>
+              <a:t>0</a:t>
+            </a:r>
+            <a:r>
+              <a:rPr lang="en-US" sz="1600" b="0" dirty="0">
+                <a:solidFill>
+                  <a:srgbClr val="3B3B3B"/>
+                </a:solidFill>
+                <a:effectLst/>
+                <a:latin typeface="Consolas" panose="020B0609020204030204" pitchFamily="49" charset="0"/>
+              </a:rPr>
+              <a:t>, </a:t>
+            </a:r>
+            <a:r>
+              <a:rPr lang="en-US" sz="1600" b="0" dirty="0">
+                <a:solidFill>
+                  <a:srgbClr val="098658"/>
+                </a:solidFill>
+                <a:effectLst/>
+                <a:latin typeface="Consolas" panose="020B0609020204030204" pitchFamily="49" charset="0"/>
+              </a:rPr>
+              <a:t>1</a:t>
+            </a:r>
+            <a:r>
+              <a:rPr lang="en-US" sz="1600" b="0" dirty="0">
+                <a:solidFill>
+                  <a:srgbClr val="3B3B3B"/>
+                </a:solidFill>
+                <a:effectLst/>
+                <a:latin typeface="Consolas" panose="020B0609020204030204" pitchFamily="49" charset="0"/>
+              </a:rPr>
+              <a:t>, </a:t>
+            </a:r>
+            <a:r>
+              <a:rPr lang="en-US" sz="1600" b="0" dirty="0">
+                <a:solidFill>
+                  <a:srgbClr val="0070C1"/>
+                </a:solidFill>
+                <a:effectLst/>
+                <a:latin typeface="Consolas" panose="020B0609020204030204" pitchFamily="49" charset="0"/>
+              </a:rPr>
+              <a:t>N</a:t>
+            </a:r>
+            <a:r>
+              <a:rPr lang="en-US" sz="1600" b="0" dirty="0">
+                <a:solidFill>
+                  <a:srgbClr val="3B3B3B"/>
+                </a:solidFill>
+                <a:effectLst/>
+                <a:latin typeface="Consolas" panose="020B0609020204030204" pitchFamily="49" charset="0"/>
+              </a:rPr>
+              <a:t>)</a:t>
+            </a:r>
+          </a:p>
+          <a:p>
+            <a:pPr>
+              <a:buNone/>
+            </a:pPr>
+            <a:r>
+              <a:rPr lang="en-US" sz="1600" b="0" dirty="0" err="1">
+                <a:solidFill>
+                  <a:srgbClr val="001080"/>
+                </a:solidFill>
+                <a:effectLst/>
+                <a:latin typeface="Consolas" panose="020B0609020204030204" pitchFamily="49" charset="0"/>
+              </a:rPr>
+              <a:t>mu_mu</a:t>
+            </a:r>
+            <a:r>
+              <a:rPr lang="en-US" sz="1600" b="0" dirty="0">
+                <a:solidFill>
+                  <a:srgbClr val="3B3B3B"/>
+                </a:solidFill>
+                <a:effectLst/>
+                <a:latin typeface="Consolas" panose="020B0609020204030204" pitchFamily="49" charset="0"/>
+              </a:rPr>
+              <a:t> </a:t>
+            </a:r>
+            <a:r>
+              <a:rPr lang="en-US" sz="1600" b="0" dirty="0">
+                <a:solidFill>
+                  <a:srgbClr val="000000"/>
+                </a:solidFill>
+                <a:effectLst/>
+                <a:latin typeface="Consolas" panose="020B0609020204030204" pitchFamily="49" charset="0"/>
+              </a:rPr>
+              <a:t>=</a:t>
+            </a:r>
+            <a:r>
+              <a:rPr lang="en-US" sz="1600" b="0" dirty="0">
+                <a:solidFill>
+                  <a:srgbClr val="3B3B3B"/>
+                </a:solidFill>
+                <a:effectLst/>
+                <a:latin typeface="Consolas" panose="020B0609020204030204" pitchFamily="49" charset="0"/>
+              </a:rPr>
+              <a:t> </a:t>
+            </a:r>
+            <a:r>
+              <a:rPr lang="en-US" sz="1600" b="0" dirty="0">
+                <a:solidFill>
+                  <a:srgbClr val="098658"/>
+                </a:solidFill>
+                <a:effectLst/>
+                <a:latin typeface="Consolas" panose="020B0609020204030204" pitchFamily="49" charset="0"/>
+              </a:rPr>
+              <a:t>0</a:t>
+            </a:r>
+            <a:endParaRPr lang="en-US" sz="1600" b="0" dirty="0">
+              <a:solidFill>
+                <a:srgbClr val="3B3B3B"/>
+              </a:solidFill>
+              <a:effectLst/>
+              <a:latin typeface="Consolas" panose="020B0609020204030204" pitchFamily="49" charset="0"/>
+            </a:endParaRPr>
+          </a:p>
+          <a:p>
+            <a:pPr>
+              <a:buNone/>
+            </a:pPr>
+            <a:r>
+              <a:rPr lang="en-US" sz="1600" b="0" dirty="0" err="1">
+                <a:solidFill>
+                  <a:srgbClr val="001080"/>
+                </a:solidFill>
+                <a:effectLst/>
+                <a:latin typeface="Consolas" panose="020B0609020204030204" pitchFamily="49" charset="0"/>
+              </a:rPr>
+              <a:t>sd_mu</a:t>
+            </a:r>
+            <a:r>
+              <a:rPr lang="en-US" sz="1600" b="0" dirty="0">
+                <a:solidFill>
+                  <a:srgbClr val="3B3B3B"/>
+                </a:solidFill>
+                <a:effectLst/>
+                <a:latin typeface="Consolas" panose="020B0609020204030204" pitchFamily="49" charset="0"/>
+              </a:rPr>
+              <a:t> </a:t>
+            </a:r>
+            <a:r>
+              <a:rPr lang="en-US" sz="1600" b="0" dirty="0">
+                <a:solidFill>
+                  <a:srgbClr val="000000"/>
+                </a:solidFill>
+                <a:effectLst/>
+                <a:latin typeface="Consolas" panose="020B0609020204030204" pitchFamily="49" charset="0"/>
+              </a:rPr>
+              <a:t>=</a:t>
+            </a:r>
+            <a:r>
+              <a:rPr lang="en-US" sz="1600" b="0" dirty="0">
+                <a:solidFill>
+                  <a:srgbClr val="3B3B3B"/>
+                </a:solidFill>
+                <a:effectLst/>
+                <a:latin typeface="Consolas" panose="020B0609020204030204" pitchFamily="49" charset="0"/>
+              </a:rPr>
+              <a:t> </a:t>
+            </a:r>
+            <a:r>
+              <a:rPr lang="en-US" sz="1600" b="0" dirty="0">
+                <a:solidFill>
+                  <a:srgbClr val="098658"/>
+                </a:solidFill>
+                <a:effectLst/>
+                <a:latin typeface="Consolas" panose="020B0609020204030204" pitchFamily="49" charset="0"/>
+              </a:rPr>
+              <a:t>1</a:t>
+            </a:r>
+            <a:endParaRPr lang="en-US" sz="1600" b="0" dirty="0">
+              <a:solidFill>
+                <a:srgbClr val="3B3B3B"/>
+              </a:solidFill>
+              <a:effectLst/>
+              <a:latin typeface="Consolas" panose="020B0609020204030204" pitchFamily="49" charset="0"/>
+            </a:endParaRPr>
+          </a:p>
+          <a:p>
+            <a:pPr>
+              <a:buNone/>
+            </a:pPr>
+            <a:r>
+              <a:rPr lang="en-US" sz="1600" b="0" dirty="0" err="1">
+                <a:solidFill>
+                  <a:srgbClr val="001080"/>
+                </a:solidFill>
+                <a:effectLst/>
+                <a:latin typeface="Consolas" panose="020B0609020204030204" pitchFamily="49" charset="0"/>
+              </a:rPr>
+              <a:t>sd_sd</a:t>
+            </a:r>
+            <a:r>
+              <a:rPr lang="en-US" sz="1600" b="0" dirty="0">
+                <a:solidFill>
+                  <a:srgbClr val="3B3B3B"/>
+                </a:solidFill>
+                <a:effectLst/>
+                <a:latin typeface="Consolas" panose="020B0609020204030204" pitchFamily="49" charset="0"/>
+              </a:rPr>
+              <a:t> </a:t>
+            </a:r>
+            <a:r>
+              <a:rPr lang="en-US" sz="1600" b="0" dirty="0">
+                <a:solidFill>
+                  <a:srgbClr val="000000"/>
+                </a:solidFill>
+                <a:effectLst/>
+                <a:latin typeface="Consolas" panose="020B0609020204030204" pitchFamily="49" charset="0"/>
+              </a:rPr>
+              <a:t>=</a:t>
+            </a:r>
+            <a:r>
+              <a:rPr lang="en-US" sz="1600" b="0" dirty="0">
+                <a:solidFill>
+                  <a:srgbClr val="3B3B3B"/>
+                </a:solidFill>
+                <a:effectLst/>
+                <a:latin typeface="Consolas" panose="020B0609020204030204" pitchFamily="49" charset="0"/>
+              </a:rPr>
+              <a:t> </a:t>
+            </a:r>
+            <a:r>
+              <a:rPr lang="en-US" sz="1600" b="0" dirty="0">
+                <a:solidFill>
+                  <a:srgbClr val="098658"/>
+                </a:solidFill>
+                <a:effectLst/>
+                <a:latin typeface="Consolas" panose="020B0609020204030204" pitchFamily="49" charset="0"/>
+              </a:rPr>
+              <a:t>1</a:t>
+            </a:r>
+            <a:endParaRPr lang="en-US" sz="1600" b="0" dirty="0">
+              <a:solidFill>
+                <a:srgbClr val="3B3B3B"/>
+              </a:solidFill>
+              <a:effectLst/>
+              <a:latin typeface="Consolas" panose="020B0609020204030204" pitchFamily="49" charset="0"/>
+            </a:endParaRPr>
+          </a:p>
+          <a:p>
+            <a:pPr>
+              <a:buNone/>
+            </a:pPr>
+            <a:br>
+              <a:rPr lang="en-US" sz="1600" b="0" dirty="0">
+                <a:solidFill>
+                  <a:srgbClr val="3B3B3B"/>
+                </a:solidFill>
+                <a:effectLst/>
+                <a:latin typeface="Consolas" panose="020B0609020204030204" pitchFamily="49" charset="0"/>
+              </a:rPr>
+            </a:br>
+            <a:r>
+              <a:rPr lang="en-US" sz="1600" b="0" dirty="0">
+                <a:solidFill>
+                  <a:srgbClr val="001080"/>
+                </a:solidFill>
+                <a:effectLst/>
+                <a:latin typeface="Consolas" panose="020B0609020204030204" pitchFamily="49" charset="0"/>
+              </a:rPr>
+              <a:t>coords</a:t>
+            </a:r>
+            <a:r>
+              <a:rPr lang="en-US" sz="1600" b="0" dirty="0">
+                <a:solidFill>
+                  <a:srgbClr val="3B3B3B"/>
+                </a:solidFill>
+                <a:effectLst/>
+                <a:latin typeface="Consolas" panose="020B0609020204030204" pitchFamily="49" charset="0"/>
+              </a:rPr>
+              <a:t> </a:t>
+            </a:r>
+            <a:r>
+              <a:rPr lang="en-US" sz="1600" b="0" dirty="0">
+                <a:solidFill>
+                  <a:srgbClr val="000000"/>
+                </a:solidFill>
+                <a:effectLst/>
+                <a:latin typeface="Consolas" panose="020B0609020204030204" pitchFamily="49" charset="0"/>
+              </a:rPr>
+              <a:t>=</a:t>
+            </a:r>
+            <a:r>
+              <a:rPr lang="en-US" sz="1600" b="0" dirty="0">
+                <a:solidFill>
+                  <a:srgbClr val="3B3B3B"/>
+                </a:solidFill>
+                <a:effectLst/>
+                <a:latin typeface="Consolas" panose="020B0609020204030204" pitchFamily="49" charset="0"/>
+              </a:rPr>
+              <a:t> {</a:t>
+            </a:r>
+            <a:r>
+              <a:rPr lang="en-US" sz="1600" b="0" dirty="0">
+                <a:solidFill>
+                  <a:srgbClr val="A31515"/>
+                </a:solidFill>
+                <a:effectLst/>
+                <a:latin typeface="Consolas" panose="020B0609020204030204" pitchFamily="49" charset="0"/>
+              </a:rPr>
+              <a:t>"data"</a:t>
+            </a:r>
+            <a:r>
+              <a:rPr lang="en-US" sz="1600" b="0" dirty="0">
+                <a:solidFill>
+                  <a:srgbClr val="3B3B3B"/>
+                </a:solidFill>
+                <a:effectLst/>
+                <a:latin typeface="Consolas" panose="020B0609020204030204" pitchFamily="49" charset="0"/>
+              </a:rPr>
+              <a:t>: </a:t>
+            </a:r>
+            <a:r>
+              <a:rPr lang="en-US" sz="1600" b="0" dirty="0" err="1">
+                <a:solidFill>
+                  <a:srgbClr val="267F99"/>
+                </a:solidFill>
+                <a:effectLst/>
+                <a:latin typeface="Consolas" panose="020B0609020204030204" pitchFamily="49" charset="0"/>
+              </a:rPr>
+              <a:t>np</a:t>
+            </a:r>
+            <a:r>
+              <a:rPr lang="en-US" sz="1600" b="0" dirty="0" err="1">
+                <a:solidFill>
+                  <a:srgbClr val="3B3B3B"/>
+                </a:solidFill>
+                <a:effectLst/>
+                <a:latin typeface="Consolas" panose="020B0609020204030204" pitchFamily="49" charset="0"/>
+              </a:rPr>
+              <a:t>.</a:t>
+            </a:r>
+            <a:r>
+              <a:rPr lang="en-US" sz="1600" b="0" dirty="0" err="1">
+                <a:solidFill>
+                  <a:srgbClr val="795E26"/>
+                </a:solidFill>
+                <a:effectLst/>
+                <a:latin typeface="Consolas" panose="020B0609020204030204" pitchFamily="49" charset="0"/>
+              </a:rPr>
+              <a:t>arange</a:t>
+            </a:r>
+            <a:r>
+              <a:rPr lang="en-US" sz="1600" b="0" dirty="0">
+                <a:solidFill>
+                  <a:srgbClr val="3B3B3B"/>
+                </a:solidFill>
+                <a:effectLst/>
+                <a:latin typeface="Consolas" panose="020B0609020204030204" pitchFamily="49" charset="0"/>
+              </a:rPr>
+              <a:t>(</a:t>
+            </a:r>
+            <a:r>
+              <a:rPr lang="en-US" sz="1600" b="0" dirty="0">
+                <a:solidFill>
+                  <a:srgbClr val="0070C1"/>
+                </a:solidFill>
+                <a:effectLst/>
+                <a:latin typeface="Consolas" panose="020B0609020204030204" pitchFamily="49" charset="0"/>
+              </a:rPr>
+              <a:t>N</a:t>
+            </a:r>
+            <a:r>
+              <a:rPr lang="en-US" sz="1600" b="0" dirty="0">
+                <a:solidFill>
+                  <a:srgbClr val="3B3B3B"/>
+                </a:solidFill>
+                <a:effectLst/>
+                <a:latin typeface="Consolas" panose="020B0609020204030204" pitchFamily="49" charset="0"/>
+              </a:rPr>
+              <a:t>)}</a:t>
+            </a:r>
+          </a:p>
+          <a:p>
+            <a:pPr>
+              <a:buNone/>
+            </a:pPr>
+            <a:r>
+              <a:rPr lang="en-US" sz="1600" b="0" dirty="0">
+                <a:solidFill>
+                  <a:srgbClr val="AF00DB"/>
+                </a:solidFill>
+                <a:effectLst/>
+                <a:latin typeface="Consolas" panose="020B0609020204030204" pitchFamily="49" charset="0"/>
+              </a:rPr>
+              <a:t>with</a:t>
+            </a:r>
+            <a:r>
+              <a:rPr lang="en-US" sz="1600" b="0" dirty="0">
+                <a:solidFill>
+                  <a:srgbClr val="3B3B3B"/>
+                </a:solidFill>
+                <a:effectLst/>
+                <a:latin typeface="Consolas" panose="020B0609020204030204" pitchFamily="49" charset="0"/>
+              </a:rPr>
+              <a:t> </a:t>
+            </a:r>
+            <a:r>
+              <a:rPr lang="en-US" sz="1600" b="0" dirty="0" err="1">
+                <a:solidFill>
+                  <a:srgbClr val="267F99"/>
+                </a:solidFill>
+                <a:effectLst/>
+                <a:latin typeface="Consolas" panose="020B0609020204030204" pitchFamily="49" charset="0"/>
+              </a:rPr>
+              <a:t>pm</a:t>
+            </a:r>
+            <a:r>
+              <a:rPr lang="en-US" sz="1600" b="0" dirty="0" err="1">
+                <a:solidFill>
+                  <a:srgbClr val="3B3B3B"/>
+                </a:solidFill>
+                <a:effectLst/>
+                <a:latin typeface="Consolas" panose="020B0609020204030204" pitchFamily="49" charset="0"/>
+              </a:rPr>
+              <a:t>.</a:t>
+            </a:r>
+            <a:r>
+              <a:rPr lang="en-US" sz="1600" b="0" dirty="0" err="1">
+                <a:solidFill>
+                  <a:srgbClr val="267F99"/>
+                </a:solidFill>
+                <a:effectLst/>
+                <a:latin typeface="Consolas" panose="020B0609020204030204" pitchFamily="49" charset="0"/>
+              </a:rPr>
+              <a:t>Model</a:t>
+            </a:r>
+            <a:r>
+              <a:rPr lang="en-US" sz="1600" b="0" dirty="0">
+                <a:solidFill>
+                  <a:srgbClr val="3B3B3B"/>
+                </a:solidFill>
+                <a:effectLst/>
+                <a:latin typeface="Consolas" panose="020B0609020204030204" pitchFamily="49" charset="0"/>
+              </a:rPr>
+              <a:t>(</a:t>
+            </a:r>
+            <a:r>
+              <a:rPr lang="en-US" sz="1600" b="0" dirty="0">
+                <a:solidFill>
+                  <a:srgbClr val="001080"/>
+                </a:solidFill>
+                <a:effectLst/>
+                <a:latin typeface="Consolas" panose="020B0609020204030204" pitchFamily="49" charset="0"/>
+              </a:rPr>
+              <a:t>coords</a:t>
+            </a:r>
+            <a:r>
+              <a:rPr lang="en-US" sz="1600" b="0" dirty="0">
+                <a:solidFill>
+                  <a:srgbClr val="000000"/>
+                </a:solidFill>
+                <a:effectLst/>
+                <a:latin typeface="Consolas" panose="020B0609020204030204" pitchFamily="49" charset="0"/>
+              </a:rPr>
+              <a:t>=</a:t>
+            </a:r>
+            <a:r>
+              <a:rPr lang="en-US" sz="1600" b="0" dirty="0">
+                <a:solidFill>
+                  <a:srgbClr val="001080"/>
+                </a:solidFill>
+                <a:effectLst/>
+                <a:latin typeface="Consolas" panose="020B0609020204030204" pitchFamily="49" charset="0"/>
+              </a:rPr>
+              <a:t>coords</a:t>
+            </a:r>
+            <a:r>
+              <a:rPr lang="en-US" sz="1600" b="0" dirty="0">
+                <a:solidFill>
+                  <a:srgbClr val="3B3B3B"/>
+                </a:solidFill>
+                <a:effectLst/>
+                <a:latin typeface="Consolas" panose="020B0609020204030204" pitchFamily="49" charset="0"/>
+              </a:rPr>
+              <a:t>) </a:t>
+            </a:r>
+            <a:r>
+              <a:rPr lang="en-US" sz="1600" b="0" dirty="0">
+                <a:solidFill>
+                  <a:srgbClr val="AF00DB"/>
+                </a:solidFill>
+                <a:effectLst/>
+                <a:latin typeface="Consolas" panose="020B0609020204030204" pitchFamily="49" charset="0"/>
+              </a:rPr>
+              <a:t>as</a:t>
+            </a:r>
+            <a:r>
+              <a:rPr lang="en-US" sz="1600" b="0" dirty="0">
+                <a:solidFill>
+                  <a:srgbClr val="3B3B3B"/>
+                </a:solidFill>
+                <a:effectLst/>
+                <a:latin typeface="Consolas" panose="020B0609020204030204" pitchFamily="49" charset="0"/>
+              </a:rPr>
+              <a:t> </a:t>
+            </a:r>
+            <a:r>
+              <a:rPr lang="en-US" sz="1600" b="0" dirty="0">
+                <a:solidFill>
+                  <a:srgbClr val="001080"/>
+                </a:solidFill>
+                <a:effectLst/>
+                <a:latin typeface="Consolas" panose="020B0609020204030204" pitchFamily="49" charset="0"/>
+              </a:rPr>
+              <a:t>model</a:t>
+            </a:r>
+            <a:r>
+              <a:rPr lang="en-US" sz="1600" b="0" dirty="0">
+                <a:solidFill>
+                  <a:srgbClr val="3B3B3B"/>
+                </a:solidFill>
+                <a:effectLst/>
+                <a:latin typeface="Consolas" panose="020B0609020204030204" pitchFamily="49" charset="0"/>
+              </a:rPr>
+              <a:t>:</a:t>
+            </a:r>
+          </a:p>
+          <a:p>
+            <a:pPr>
+              <a:buNone/>
+            </a:pPr>
+            <a:r>
+              <a:rPr lang="en-US" sz="1600" b="0" dirty="0">
+                <a:solidFill>
+                  <a:srgbClr val="3B3B3B"/>
+                </a:solidFill>
+                <a:effectLst/>
+                <a:latin typeface="Consolas" panose="020B0609020204030204" pitchFamily="49" charset="0"/>
+              </a:rPr>
+              <a:t>    </a:t>
+            </a:r>
+            <a:r>
+              <a:rPr lang="en-US" sz="1600" b="0" dirty="0">
+                <a:solidFill>
+                  <a:srgbClr val="001080"/>
+                </a:solidFill>
+                <a:effectLst/>
+                <a:latin typeface="Consolas" panose="020B0609020204030204" pitchFamily="49" charset="0"/>
+              </a:rPr>
+              <a:t>mu</a:t>
+            </a:r>
+            <a:r>
+              <a:rPr lang="en-US" sz="1600" b="0" dirty="0">
+                <a:solidFill>
+                  <a:srgbClr val="3B3B3B"/>
+                </a:solidFill>
+                <a:effectLst/>
+                <a:latin typeface="Consolas" panose="020B0609020204030204" pitchFamily="49" charset="0"/>
+              </a:rPr>
+              <a:t> </a:t>
+            </a:r>
+            <a:r>
+              <a:rPr lang="en-US" sz="1600" b="0" dirty="0">
+                <a:solidFill>
+                  <a:srgbClr val="000000"/>
+                </a:solidFill>
+                <a:effectLst/>
+                <a:latin typeface="Consolas" panose="020B0609020204030204" pitchFamily="49" charset="0"/>
+              </a:rPr>
+              <a:t>=</a:t>
+            </a:r>
+            <a:r>
+              <a:rPr lang="en-US" sz="1600" b="0" dirty="0">
+                <a:solidFill>
+                  <a:srgbClr val="3B3B3B"/>
+                </a:solidFill>
+                <a:effectLst/>
+                <a:latin typeface="Consolas" panose="020B0609020204030204" pitchFamily="49" charset="0"/>
+              </a:rPr>
+              <a:t> </a:t>
+            </a:r>
+            <a:r>
+              <a:rPr lang="en-US" sz="1600" b="0" dirty="0" err="1">
+                <a:solidFill>
+                  <a:srgbClr val="267F99"/>
+                </a:solidFill>
+                <a:effectLst/>
+                <a:latin typeface="Consolas" panose="020B0609020204030204" pitchFamily="49" charset="0"/>
+              </a:rPr>
+              <a:t>pm</a:t>
+            </a:r>
+            <a:r>
+              <a:rPr lang="en-US" sz="1600" b="0" dirty="0" err="1">
+                <a:solidFill>
+                  <a:srgbClr val="3B3B3B"/>
+                </a:solidFill>
+                <a:effectLst/>
+                <a:latin typeface="Consolas" panose="020B0609020204030204" pitchFamily="49" charset="0"/>
+              </a:rPr>
+              <a:t>.</a:t>
+            </a:r>
+            <a:r>
+              <a:rPr lang="en-US" sz="1600" b="0" dirty="0" err="1">
+                <a:solidFill>
+                  <a:srgbClr val="267F99"/>
+                </a:solidFill>
+                <a:effectLst/>
+                <a:latin typeface="Consolas" panose="020B0609020204030204" pitchFamily="49" charset="0"/>
+              </a:rPr>
+              <a:t>Normal</a:t>
+            </a:r>
+            <a:r>
+              <a:rPr lang="en-US" sz="1600" b="0" dirty="0">
+                <a:solidFill>
+                  <a:srgbClr val="3B3B3B"/>
+                </a:solidFill>
+                <a:effectLst/>
+                <a:latin typeface="Consolas" panose="020B0609020204030204" pitchFamily="49" charset="0"/>
+              </a:rPr>
+              <a:t>(</a:t>
+            </a:r>
+            <a:r>
+              <a:rPr lang="en-US" sz="1600" b="0" dirty="0">
+                <a:solidFill>
+                  <a:srgbClr val="A31515"/>
+                </a:solidFill>
+                <a:effectLst/>
+                <a:latin typeface="Consolas" panose="020B0609020204030204" pitchFamily="49" charset="0"/>
+              </a:rPr>
+              <a:t>"mu"</a:t>
+            </a:r>
+            <a:r>
+              <a:rPr lang="en-US" sz="1600" b="0" dirty="0">
+                <a:solidFill>
+                  <a:srgbClr val="3B3B3B"/>
+                </a:solidFill>
+                <a:effectLst/>
+                <a:latin typeface="Consolas" panose="020B0609020204030204" pitchFamily="49" charset="0"/>
+              </a:rPr>
+              <a:t>, </a:t>
+            </a:r>
+            <a:r>
+              <a:rPr lang="en-US" sz="1600" b="0" dirty="0">
+                <a:solidFill>
+                  <a:srgbClr val="001080"/>
+                </a:solidFill>
+                <a:effectLst/>
+                <a:latin typeface="Consolas" panose="020B0609020204030204" pitchFamily="49" charset="0"/>
+              </a:rPr>
+              <a:t>mu</a:t>
+            </a:r>
+            <a:r>
+              <a:rPr lang="en-US" sz="1600" b="0" dirty="0">
+                <a:solidFill>
+                  <a:srgbClr val="000000"/>
+                </a:solidFill>
+                <a:effectLst/>
+                <a:latin typeface="Consolas" panose="020B0609020204030204" pitchFamily="49" charset="0"/>
+              </a:rPr>
+              <a:t>=</a:t>
+            </a:r>
+            <a:r>
+              <a:rPr lang="en-US" sz="1600" b="0" dirty="0" err="1">
+                <a:solidFill>
+                  <a:srgbClr val="001080"/>
+                </a:solidFill>
+                <a:effectLst/>
+                <a:latin typeface="Consolas" panose="020B0609020204030204" pitchFamily="49" charset="0"/>
+              </a:rPr>
+              <a:t>mu_mu</a:t>
+            </a:r>
+            <a:r>
+              <a:rPr lang="en-US" sz="1600" b="0" dirty="0">
+                <a:solidFill>
+                  <a:srgbClr val="3B3B3B"/>
+                </a:solidFill>
+                <a:effectLst/>
+                <a:latin typeface="Consolas" panose="020B0609020204030204" pitchFamily="49" charset="0"/>
+              </a:rPr>
+              <a:t>, </a:t>
+            </a:r>
+            <a:r>
+              <a:rPr lang="en-US" sz="1600" b="0" dirty="0">
+                <a:solidFill>
+                  <a:srgbClr val="001080"/>
+                </a:solidFill>
+                <a:effectLst/>
+                <a:latin typeface="Consolas" panose="020B0609020204030204" pitchFamily="49" charset="0"/>
+              </a:rPr>
+              <a:t>sigma</a:t>
+            </a:r>
+            <a:r>
+              <a:rPr lang="en-US" sz="1600" b="0" dirty="0">
+                <a:solidFill>
+                  <a:srgbClr val="000000"/>
+                </a:solidFill>
+                <a:effectLst/>
+                <a:latin typeface="Consolas" panose="020B0609020204030204" pitchFamily="49" charset="0"/>
+              </a:rPr>
+              <a:t>=</a:t>
+            </a:r>
+            <a:r>
+              <a:rPr lang="en-US" sz="1600" b="0" dirty="0" err="1">
+                <a:solidFill>
+                  <a:srgbClr val="001080"/>
+                </a:solidFill>
+                <a:effectLst/>
+                <a:latin typeface="Consolas" panose="020B0609020204030204" pitchFamily="49" charset="0"/>
+              </a:rPr>
+              <a:t>sd_mu</a:t>
+            </a:r>
+            <a:r>
+              <a:rPr lang="en-US" sz="1600" b="0" dirty="0">
+                <a:solidFill>
+                  <a:srgbClr val="3B3B3B"/>
+                </a:solidFill>
+                <a:effectLst/>
+                <a:latin typeface="Consolas" panose="020B0609020204030204" pitchFamily="49" charset="0"/>
+              </a:rPr>
+              <a:t>)</a:t>
+            </a:r>
+          </a:p>
+          <a:p>
+            <a:pPr>
+              <a:buNone/>
+            </a:pPr>
+            <a:r>
+              <a:rPr lang="en-US" sz="1600" b="0" dirty="0">
+                <a:solidFill>
+                  <a:srgbClr val="3B3B3B"/>
+                </a:solidFill>
+                <a:effectLst/>
+                <a:latin typeface="Consolas" panose="020B0609020204030204" pitchFamily="49" charset="0"/>
+              </a:rPr>
+              <a:t>    </a:t>
+            </a:r>
+            <a:r>
+              <a:rPr lang="en-US" sz="1600" b="0" dirty="0" err="1">
+                <a:solidFill>
+                  <a:srgbClr val="001080"/>
+                </a:solidFill>
+                <a:effectLst/>
+                <a:latin typeface="Consolas" panose="020B0609020204030204" pitchFamily="49" charset="0"/>
+              </a:rPr>
+              <a:t>sd</a:t>
+            </a:r>
+            <a:r>
+              <a:rPr lang="en-US" sz="1600" b="0" dirty="0">
+                <a:solidFill>
+                  <a:srgbClr val="3B3B3B"/>
+                </a:solidFill>
+                <a:effectLst/>
+                <a:latin typeface="Consolas" panose="020B0609020204030204" pitchFamily="49" charset="0"/>
+              </a:rPr>
+              <a:t> </a:t>
+            </a:r>
+            <a:r>
+              <a:rPr lang="en-US" sz="1600" b="0" dirty="0">
+                <a:solidFill>
+                  <a:srgbClr val="000000"/>
+                </a:solidFill>
+                <a:effectLst/>
+                <a:latin typeface="Consolas" panose="020B0609020204030204" pitchFamily="49" charset="0"/>
+              </a:rPr>
+              <a:t>=</a:t>
+            </a:r>
+            <a:r>
+              <a:rPr lang="en-US" sz="1600" b="0" dirty="0">
+                <a:solidFill>
+                  <a:srgbClr val="3B3B3B"/>
+                </a:solidFill>
+                <a:effectLst/>
+                <a:latin typeface="Consolas" panose="020B0609020204030204" pitchFamily="49" charset="0"/>
+              </a:rPr>
+              <a:t> </a:t>
+            </a:r>
+            <a:r>
+              <a:rPr lang="en-US" sz="1600" b="0" dirty="0" err="1">
+                <a:solidFill>
+                  <a:srgbClr val="267F99"/>
+                </a:solidFill>
+                <a:effectLst/>
+                <a:latin typeface="Consolas" panose="020B0609020204030204" pitchFamily="49" charset="0"/>
+              </a:rPr>
+              <a:t>pm</a:t>
+            </a:r>
+            <a:r>
+              <a:rPr lang="en-US" sz="1600" b="0" dirty="0" err="1">
+                <a:solidFill>
+                  <a:srgbClr val="3B3B3B"/>
+                </a:solidFill>
+                <a:effectLst/>
+                <a:latin typeface="Consolas" panose="020B0609020204030204" pitchFamily="49" charset="0"/>
+              </a:rPr>
+              <a:t>.</a:t>
+            </a:r>
+            <a:r>
+              <a:rPr lang="en-US" sz="1600" b="0" dirty="0" err="1">
+                <a:solidFill>
+                  <a:srgbClr val="267F99"/>
+                </a:solidFill>
+                <a:effectLst/>
+                <a:latin typeface="Consolas" panose="020B0609020204030204" pitchFamily="49" charset="0"/>
+              </a:rPr>
+              <a:t>Normal</a:t>
+            </a:r>
+            <a:r>
+              <a:rPr lang="en-US" sz="1600" b="0" dirty="0">
+                <a:solidFill>
+                  <a:srgbClr val="3B3B3B"/>
+                </a:solidFill>
+                <a:effectLst/>
+                <a:latin typeface="Consolas" panose="020B0609020204030204" pitchFamily="49" charset="0"/>
+              </a:rPr>
+              <a:t>(</a:t>
+            </a:r>
+            <a:r>
+              <a:rPr lang="en-US" sz="1600" b="0" dirty="0">
+                <a:solidFill>
+                  <a:srgbClr val="A31515"/>
+                </a:solidFill>
+                <a:effectLst/>
+                <a:latin typeface="Consolas" panose="020B0609020204030204" pitchFamily="49" charset="0"/>
+              </a:rPr>
+              <a:t>"</a:t>
+            </a:r>
+            <a:r>
+              <a:rPr lang="en-US" sz="1600" b="0" dirty="0" err="1">
+                <a:solidFill>
+                  <a:srgbClr val="A31515"/>
+                </a:solidFill>
+                <a:effectLst/>
+                <a:latin typeface="Consolas" panose="020B0609020204030204" pitchFamily="49" charset="0"/>
+              </a:rPr>
+              <a:t>sd</a:t>
+            </a:r>
+            <a:r>
+              <a:rPr lang="en-US" sz="1600" b="0" dirty="0">
+                <a:solidFill>
+                  <a:srgbClr val="A31515"/>
+                </a:solidFill>
+                <a:effectLst/>
+                <a:latin typeface="Consolas" panose="020B0609020204030204" pitchFamily="49" charset="0"/>
+              </a:rPr>
+              <a:t>"</a:t>
+            </a:r>
+            <a:r>
+              <a:rPr lang="en-US" sz="1600" b="0" dirty="0">
+                <a:solidFill>
+                  <a:srgbClr val="3B3B3B"/>
+                </a:solidFill>
+                <a:effectLst/>
+                <a:latin typeface="Consolas" panose="020B0609020204030204" pitchFamily="49" charset="0"/>
+              </a:rPr>
+              <a:t>, </a:t>
+            </a:r>
+            <a:r>
+              <a:rPr lang="en-US" sz="1600" b="0" dirty="0">
+                <a:solidFill>
+                  <a:srgbClr val="001080"/>
+                </a:solidFill>
+                <a:effectLst/>
+                <a:latin typeface="Consolas" panose="020B0609020204030204" pitchFamily="49" charset="0"/>
+              </a:rPr>
+              <a:t>mu</a:t>
+            </a:r>
+            <a:r>
+              <a:rPr lang="en-US" sz="1600" b="0" dirty="0">
+                <a:solidFill>
+                  <a:srgbClr val="000000"/>
+                </a:solidFill>
+                <a:effectLst/>
+                <a:latin typeface="Consolas" panose="020B0609020204030204" pitchFamily="49" charset="0"/>
+              </a:rPr>
+              <a:t>=</a:t>
+            </a:r>
+            <a:r>
+              <a:rPr lang="en-US" sz="1600" b="0" dirty="0">
+                <a:solidFill>
+                  <a:srgbClr val="098658"/>
+                </a:solidFill>
+                <a:effectLst/>
+                <a:latin typeface="Consolas" panose="020B0609020204030204" pitchFamily="49" charset="0"/>
+              </a:rPr>
+              <a:t>0</a:t>
+            </a:r>
+            <a:r>
+              <a:rPr lang="en-US" sz="1600" b="0" dirty="0">
+                <a:solidFill>
+                  <a:srgbClr val="3B3B3B"/>
+                </a:solidFill>
+                <a:effectLst/>
+                <a:latin typeface="Consolas" panose="020B0609020204030204" pitchFamily="49" charset="0"/>
+              </a:rPr>
+              <a:t>, </a:t>
+            </a:r>
+            <a:r>
+              <a:rPr lang="en-US" sz="1600" b="0" dirty="0">
+                <a:solidFill>
+                  <a:srgbClr val="001080"/>
+                </a:solidFill>
+                <a:effectLst/>
+                <a:latin typeface="Consolas" panose="020B0609020204030204" pitchFamily="49" charset="0"/>
+              </a:rPr>
+              <a:t>sigma</a:t>
+            </a:r>
+            <a:r>
+              <a:rPr lang="en-US" sz="1600" b="0" dirty="0">
+                <a:solidFill>
+                  <a:srgbClr val="000000"/>
+                </a:solidFill>
+                <a:effectLst/>
+                <a:latin typeface="Consolas" panose="020B0609020204030204" pitchFamily="49" charset="0"/>
+              </a:rPr>
+              <a:t>=</a:t>
+            </a:r>
+            <a:r>
+              <a:rPr lang="en-US" sz="1600" b="0" dirty="0" err="1">
+                <a:solidFill>
+                  <a:srgbClr val="001080"/>
+                </a:solidFill>
+                <a:effectLst/>
+                <a:latin typeface="Consolas" panose="020B0609020204030204" pitchFamily="49" charset="0"/>
+              </a:rPr>
+              <a:t>sd_sd</a:t>
+            </a:r>
+            <a:r>
+              <a:rPr lang="en-US" sz="1600" b="0" dirty="0">
+                <a:solidFill>
+                  <a:srgbClr val="3B3B3B"/>
+                </a:solidFill>
+                <a:effectLst/>
+                <a:latin typeface="Consolas" panose="020B0609020204030204" pitchFamily="49" charset="0"/>
+              </a:rPr>
+              <a:t>)</a:t>
+            </a:r>
+          </a:p>
+          <a:p>
+            <a:r>
+              <a:rPr lang="en-US" sz="1600" b="0" dirty="0">
+                <a:solidFill>
+                  <a:srgbClr val="3B3B3B"/>
+                </a:solidFill>
+                <a:effectLst/>
+                <a:latin typeface="Consolas" panose="020B0609020204030204" pitchFamily="49" charset="0"/>
+              </a:rPr>
+              <a:t>    </a:t>
+            </a:r>
+            <a:r>
+              <a:rPr lang="en-US" sz="1600" b="0" dirty="0">
+                <a:solidFill>
+                  <a:srgbClr val="001080"/>
+                </a:solidFill>
+                <a:effectLst/>
+                <a:latin typeface="Consolas" panose="020B0609020204030204" pitchFamily="49" charset="0"/>
+              </a:rPr>
+              <a:t>y</a:t>
+            </a:r>
+            <a:r>
+              <a:rPr lang="en-US" sz="1600" b="0" dirty="0">
+                <a:solidFill>
+                  <a:srgbClr val="3B3B3B"/>
+                </a:solidFill>
+                <a:effectLst/>
+                <a:latin typeface="Consolas" panose="020B0609020204030204" pitchFamily="49" charset="0"/>
+              </a:rPr>
+              <a:t> </a:t>
+            </a:r>
+            <a:r>
+              <a:rPr lang="en-US" sz="1600" b="0" dirty="0">
+                <a:solidFill>
+                  <a:srgbClr val="000000"/>
+                </a:solidFill>
+                <a:effectLst/>
+                <a:latin typeface="Consolas" panose="020B0609020204030204" pitchFamily="49" charset="0"/>
+              </a:rPr>
+              <a:t>=</a:t>
+            </a:r>
+            <a:r>
+              <a:rPr lang="en-US" sz="1600" b="0" dirty="0">
+                <a:solidFill>
+                  <a:srgbClr val="3B3B3B"/>
+                </a:solidFill>
+                <a:effectLst/>
+                <a:latin typeface="Consolas" panose="020B0609020204030204" pitchFamily="49" charset="0"/>
+              </a:rPr>
+              <a:t> </a:t>
+            </a:r>
+            <a:r>
+              <a:rPr lang="en-US" sz="1600" b="0" dirty="0" err="1">
+                <a:solidFill>
+                  <a:srgbClr val="267F99"/>
+                </a:solidFill>
+                <a:effectLst/>
+                <a:latin typeface="Consolas" panose="020B0609020204030204" pitchFamily="49" charset="0"/>
+              </a:rPr>
+              <a:t>pm</a:t>
+            </a:r>
+            <a:r>
+              <a:rPr lang="en-US" sz="1600" b="0" dirty="0" err="1">
+                <a:solidFill>
+                  <a:srgbClr val="3B3B3B"/>
+                </a:solidFill>
+                <a:effectLst/>
+                <a:latin typeface="Consolas" panose="020B0609020204030204" pitchFamily="49" charset="0"/>
+              </a:rPr>
+              <a:t>.</a:t>
+            </a:r>
+            <a:r>
+              <a:rPr lang="en-US" sz="1600" b="0" dirty="0" err="1">
+                <a:solidFill>
+                  <a:srgbClr val="267F99"/>
+                </a:solidFill>
+                <a:effectLst/>
+                <a:latin typeface="Consolas" panose="020B0609020204030204" pitchFamily="49" charset="0"/>
+              </a:rPr>
+              <a:t>Normal</a:t>
+            </a:r>
+            <a:r>
+              <a:rPr lang="en-US" sz="1600" b="0" dirty="0">
+                <a:solidFill>
+                  <a:srgbClr val="3B3B3B"/>
+                </a:solidFill>
+                <a:effectLst/>
+                <a:latin typeface="Consolas" panose="020B0609020204030204" pitchFamily="49" charset="0"/>
+              </a:rPr>
+              <a:t>(</a:t>
+            </a:r>
+            <a:r>
+              <a:rPr lang="en-US" sz="1600" b="0" dirty="0">
+                <a:solidFill>
+                  <a:srgbClr val="A31515"/>
+                </a:solidFill>
+                <a:effectLst/>
+                <a:latin typeface="Consolas" panose="020B0609020204030204" pitchFamily="49" charset="0"/>
+              </a:rPr>
+              <a:t>"y"</a:t>
+            </a:r>
+            <a:r>
+              <a:rPr lang="en-US" sz="1600" b="0" dirty="0">
+                <a:solidFill>
+                  <a:srgbClr val="3B3B3B"/>
+                </a:solidFill>
+                <a:effectLst/>
+                <a:latin typeface="Consolas" panose="020B0609020204030204" pitchFamily="49" charset="0"/>
+              </a:rPr>
+              <a:t>, </a:t>
+            </a:r>
+            <a:r>
+              <a:rPr lang="en-US" sz="1600" b="0" dirty="0">
+                <a:solidFill>
+                  <a:srgbClr val="001080"/>
+                </a:solidFill>
+                <a:effectLst/>
+                <a:latin typeface="Consolas" panose="020B0609020204030204" pitchFamily="49" charset="0"/>
+              </a:rPr>
+              <a:t>mu</a:t>
+            </a:r>
+            <a:r>
+              <a:rPr lang="en-US" sz="1600" b="0" dirty="0">
+                <a:solidFill>
+                  <a:srgbClr val="000000"/>
+                </a:solidFill>
+                <a:effectLst/>
+                <a:latin typeface="Consolas" panose="020B0609020204030204" pitchFamily="49" charset="0"/>
+              </a:rPr>
+              <a:t>=</a:t>
+            </a:r>
+            <a:r>
+              <a:rPr lang="en-US" sz="1600" b="0" dirty="0">
+                <a:solidFill>
+                  <a:srgbClr val="001080"/>
+                </a:solidFill>
+                <a:effectLst/>
+                <a:latin typeface="Consolas" panose="020B0609020204030204" pitchFamily="49" charset="0"/>
+              </a:rPr>
+              <a:t>mu</a:t>
+            </a:r>
+            <a:r>
+              <a:rPr lang="en-US" sz="1600" b="0" dirty="0">
+                <a:solidFill>
+                  <a:srgbClr val="3B3B3B"/>
+                </a:solidFill>
+                <a:effectLst/>
+                <a:latin typeface="Consolas" panose="020B0609020204030204" pitchFamily="49" charset="0"/>
+              </a:rPr>
+              <a:t>, </a:t>
+            </a:r>
+            <a:r>
+              <a:rPr lang="en-US" sz="1600" b="0" dirty="0">
+                <a:solidFill>
+                  <a:srgbClr val="001080"/>
+                </a:solidFill>
+                <a:effectLst/>
+                <a:latin typeface="Consolas" panose="020B0609020204030204" pitchFamily="49" charset="0"/>
+              </a:rPr>
+              <a:t>sigma</a:t>
+            </a:r>
+            <a:r>
+              <a:rPr lang="en-US" sz="1600" b="0" dirty="0">
+                <a:solidFill>
+                  <a:srgbClr val="000000"/>
+                </a:solidFill>
+                <a:effectLst/>
+                <a:latin typeface="Consolas" panose="020B0609020204030204" pitchFamily="49" charset="0"/>
+              </a:rPr>
+              <a:t>=</a:t>
+            </a:r>
+            <a:r>
+              <a:rPr lang="en-US" sz="1600" b="0" dirty="0" err="1">
+                <a:solidFill>
+                  <a:srgbClr val="001080"/>
+                </a:solidFill>
+                <a:effectLst/>
+                <a:latin typeface="Consolas" panose="020B0609020204030204" pitchFamily="49" charset="0"/>
+              </a:rPr>
+              <a:t>sd</a:t>
+            </a:r>
+            <a:r>
+              <a:rPr lang="en-US" sz="1600" b="0" dirty="0">
+                <a:solidFill>
+                  <a:srgbClr val="3B3B3B"/>
+                </a:solidFill>
+                <a:effectLst/>
+                <a:latin typeface="Consolas" panose="020B0609020204030204" pitchFamily="49" charset="0"/>
+              </a:rPr>
+              <a:t>, </a:t>
+            </a:r>
+            <a:r>
+              <a:rPr lang="en-US" sz="1600" b="0" dirty="0">
+                <a:solidFill>
+                  <a:srgbClr val="001080"/>
+                </a:solidFill>
+                <a:effectLst/>
+                <a:latin typeface="Consolas" panose="020B0609020204030204" pitchFamily="49" charset="0"/>
+              </a:rPr>
+              <a:t>observed</a:t>
+            </a:r>
+            <a:r>
+              <a:rPr lang="en-US" sz="1600" b="0" dirty="0">
+                <a:solidFill>
+                  <a:srgbClr val="000000"/>
+                </a:solidFill>
+                <a:effectLst/>
+                <a:latin typeface="Consolas" panose="020B0609020204030204" pitchFamily="49" charset="0"/>
+              </a:rPr>
+              <a:t>=</a:t>
+            </a:r>
+            <a:r>
+              <a:rPr lang="en-US" sz="1600" b="0" dirty="0">
+                <a:solidFill>
+                  <a:srgbClr val="001080"/>
+                </a:solidFill>
+                <a:effectLst/>
+                <a:latin typeface="Consolas" panose="020B0609020204030204" pitchFamily="49" charset="0"/>
+              </a:rPr>
+              <a:t>y</a:t>
+            </a:r>
+            <a:r>
+              <a:rPr lang="en-US" sz="1600" b="0" dirty="0">
+                <a:solidFill>
+                  <a:srgbClr val="3B3B3B"/>
+                </a:solidFill>
+                <a:effectLst/>
+                <a:latin typeface="Consolas" panose="020B0609020204030204" pitchFamily="49" charset="0"/>
+              </a:rPr>
+              <a:t>)</a:t>
+            </a:r>
+          </a:p>
+        </p:txBody>
+      </p:sp>
     </p:spTree>
     <p:extLst>
       <p:ext uri="{BB962C8B-B14F-4D97-AF65-F5344CB8AC3E}">
@@ -15195,7 +17728,7 @@
               </a:lnSpc>
             </a:pPr>
             <a:r>
-              <a:rPr lang="en-US" b="0" err="1">
+              <a:rPr lang="en-US" b="0" dirty="0" err="1">
                 <a:solidFill>
                   <a:srgbClr val="267F99"/>
                 </a:solidFill>
@@ -15205,7 +17738,7 @@
               <a:t>az</a:t>
             </a:r>
             <a:r>
-              <a:rPr lang="en-US" b="0" err="1">
+              <a:rPr lang="en-US" b="0" dirty="0" err="1">
                 <a:solidFill>
                   <a:srgbClr val="3B3B3B"/>
                 </a:solidFill>
@@ -15215,7 +17748,7 @@
               <a:t>.</a:t>
             </a:r>
             <a:r>
-              <a:rPr lang="en-US" b="0" err="1">
+              <a:rPr lang="en-US" b="0" dirty="0" err="1">
                 <a:solidFill>
                   <a:srgbClr val="795E26"/>
                 </a:solidFill>
@@ -15225,7 +17758,7 @@
               <a:t>plot_trace</a:t>
             </a:r>
             <a:r>
-              <a:rPr lang="en-US" b="0">
+              <a:rPr lang="en-US" b="0" dirty="0">
                 <a:solidFill>
                   <a:srgbClr val="3B3B3B"/>
                 </a:solidFill>
@@ -15235,7 +17768,7 @@
               <a:t>(</a:t>
             </a:r>
             <a:r>
-              <a:rPr lang="en-US" b="0" err="1">
+              <a:rPr lang="en-US" b="0" dirty="0" err="1">
                 <a:solidFill>
                   <a:srgbClr val="001080"/>
                 </a:solidFill>
@@ -15245,7 +17778,47 @@
               <a:t>idata</a:t>
             </a:r>
             <a:r>
-              <a:rPr lang="en-US" b="0">
+              <a:rPr lang="en-US" b="0" dirty="0">
+                <a:solidFill>
+                  <a:srgbClr val="3B3B3B"/>
+                </a:solidFill>
+                <a:effectLst/>
+                <a:latin typeface="Consolas" panose="020B0609020204030204" pitchFamily="49" charset="0"/>
+              </a:rPr>
+              <a:t>, </a:t>
+            </a:r>
+            <a:r>
+              <a:rPr lang="en-US" b="0" dirty="0" err="1">
+                <a:solidFill>
+                  <a:srgbClr val="001080"/>
+                </a:solidFill>
+                <a:effectLst/>
+                <a:latin typeface="Consolas" panose="020B0609020204030204" pitchFamily="49" charset="0"/>
+              </a:rPr>
+              <a:t>chain_prop</a:t>
+            </a:r>
+            <a:r>
+              <a:rPr lang="en-US" b="0" dirty="0">
+                <a:solidFill>
+                  <a:srgbClr val="000000"/>
+                </a:solidFill>
+                <a:effectLst/>
+                <a:latin typeface="Consolas" panose="020B0609020204030204" pitchFamily="49" charset="0"/>
+              </a:rPr>
+              <a:t>=</a:t>
+            </a:r>
+            <a:r>
+              <a:rPr lang="en-US" b="0" dirty="0">
+                <a:solidFill>
+                  <a:srgbClr val="A31515"/>
+                </a:solidFill>
+                <a:effectLst/>
+                <a:latin typeface="Consolas" panose="020B0609020204030204" pitchFamily="49" charset="0"/>
+              </a:rPr>
+              <a:t>'color'</a:t>
+            </a:r>
+            <a:r>
+              <a:rPr lang="en-US" b="0" dirty="0">
                 <a:solidFill>
                   <a:srgbClr val="3B3B3B"/>
                 </a:solidFill>
@@ -15272,71 +17845,26 @@
           <p:nvPr/>
         </p:nvPicPr>
         <p:blipFill>
-          <a:blip r:embed="rId3"/>
-          <a:stretch>
-            <a:fillRect/>
-          </a:stretch>
+          <a:blip r:embed="rId3" cstate="email">
+            <a:extLst>
+              <a:ext uri="{28A0092B-C50C-407E-A947-70E740481C1C}">
+                <a14:useLocalDpi xmlns:a14="http://schemas.microsoft.com/office/drawing/2010/main" val="0"/>
+              </a:ext>
+            </a:extLst>
+          </a:blip>
+          <a:srcRect/>
+          <a:stretch/>
         </p:blipFill>
         <p:spPr>
           <a:xfrm>
-            <a:off x="288287" y="3747777"/>
-            <a:ext cx="11414185" cy="1991358"/>
+            <a:off x="293235" y="3747777"/>
+            <a:ext cx="11404289" cy="1991358"/>
           </a:xfrm>
           <a:prstGeom prst="rect">
             <a:avLst/>
           </a:prstGeom>
         </p:spPr>
       </p:pic>
-      <p:sp>
-        <p:nvSpPr>
-          <p:cNvPr id="4" name="Rectangle 3">
-            <a:extLst>
-              <a:ext uri="{FF2B5EF4-FFF2-40B4-BE49-F238E27FC236}">
-                <a16:creationId xmlns:a16="http://schemas.microsoft.com/office/drawing/2014/main" id="{4F7349E8-6AF6-DED8-EF48-EBFB70CD0626}"/>
-              </a:ext>
-            </a:extLst>
-          </p:cNvPr>
-          <p:cNvSpPr/>
-          <p:nvPr/>
-        </p:nvSpPr>
-        <p:spPr>
-          <a:xfrm>
-            <a:off x="1570863" y="2756076"/>
-            <a:ext cx="8849032" cy="1410681"/>
-          </a:xfrm>
-          <a:prstGeom prst="rect">
-            <a:avLst/>
-          </a:prstGeom>
-        </p:spPr>
-        <p:style>
-          <a:lnRef idx="2">
-            <a:schemeClr val="accent1">
-              <a:shade val="15000"/>
-            </a:schemeClr>
-          </a:lnRef>
-          <a:fillRef idx="1">
-            <a:schemeClr val="accent1"/>
-          </a:fillRef>
-          <a:effectRef idx="0">
-            <a:schemeClr val="accent1"/>
-          </a:effectRef>
-          <a:fontRef idx="minor">
-            <a:schemeClr val="lt1"/>
-          </a:fontRef>
-        </p:style>
-        <p:txBody>
-          <a:bodyPr rtlCol="1" anchor="ctr"/>
-          <a:lstStyle/>
-          <a:p>
-            <a:pPr algn="ctr"/>
-            <a:r>
-              <a:rPr lang="en-US" dirty="0"/>
-              <a:t>Add color</a:t>
-            </a:r>
-            <a:endParaRPr lang="he-IL" dirty="0"/>
-          </a:p>
-        </p:txBody>
-      </p:sp>
     </p:spTree>
     <p:extLst>
       <p:ext uri="{BB962C8B-B14F-4D97-AF65-F5344CB8AC3E}">
@@ -16041,37 +18569,6 @@
           </a:graphicData>
         </a:graphic>
       </p:graphicFrame>
-      <p:cxnSp>
-        <p:nvCxnSpPr>
-          <p:cNvPr id="10" name="Straight Connector 9"/>
-          <p:cNvCxnSpPr/>
-          <p:nvPr/>
-        </p:nvCxnSpPr>
-        <p:spPr>
-          <a:xfrm flipH="1" flipV="1">
-            <a:off x="1966304" y="5376393"/>
-            <a:ext cx="2300471" cy="18111"/>
-          </a:xfrm>
-          <a:prstGeom prst="line">
-            <a:avLst/>
-          </a:prstGeom>
-          <a:ln w="28575"/>
-        </p:spPr>
-        <p:style>
-          <a:lnRef idx="1">
-            <a:schemeClr val="accent1"/>
-          </a:lnRef>
-          <a:fillRef idx="0">
-            <a:schemeClr val="accent1"/>
-          </a:fillRef>
-          <a:effectRef idx="0">
-            <a:schemeClr val="accent1"/>
-          </a:effectRef>
-          <a:fontRef idx="minor">
-            <a:schemeClr val="tx1"/>
-          </a:fontRef>
-        </p:style>
-      </p:cxnSp>
     </p:spTree>
     <p:extLst>
       <p:ext uri="{BB962C8B-B14F-4D97-AF65-F5344CB8AC3E}">
@@ -24529,6 +27026,2025 @@
 </p:sld>
 </file>
 
+<file path=ppt/slides/slide62.xml><?xml version="1.0" encoding="utf-8"?>
+<p:sld xmlns:a="http://schemas.openxmlformats.org/drawingml/2006/main" xmlns:r="http://schemas.openxmlformats.org/officeDocument/2006/relationships" xmlns:p="http://schemas.openxmlformats.org/presentationml/2006/main">
+  <p:cSld>
+    <p:spTree>
+      <p:nvGrpSpPr>
+        <p:cNvPr id="1" name="">
+          <a:extLst>
+            <a:ext uri="{FF2B5EF4-FFF2-40B4-BE49-F238E27FC236}">
+              <a16:creationId xmlns:a16="http://schemas.microsoft.com/office/drawing/2014/main" id="{5848FE67-9B7B-17CD-CDCA-C1C548C76994}"/>
+            </a:ext>
+          </a:extLst>
+        </p:cNvPr>
+        <p:cNvGrpSpPr/>
+        <p:nvPr/>
+      </p:nvGrpSpPr>
+      <p:grpSpPr>
+        <a:xfrm>
+          <a:off x="0" y="0"/>
+          <a:ext cx="0" cy="0"/>
+          <a:chOff x="0" y="0"/>
+          <a:chExt cx="0" cy="0"/>
+        </a:xfrm>
+      </p:grpSpPr>
+      <p:sp>
+        <p:nvSpPr>
+          <p:cNvPr id="6" name="Title 5">
+            <a:extLst>
+              <a:ext uri="{FF2B5EF4-FFF2-40B4-BE49-F238E27FC236}">
+                <a16:creationId xmlns:a16="http://schemas.microsoft.com/office/drawing/2014/main" id="{8C07ACB2-7165-75E3-BF48-DC32AD5F3B0B}"/>
+              </a:ext>
+            </a:extLst>
+          </p:cNvPr>
+          <p:cNvSpPr>
+            <a:spLocks noGrp="1"/>
+          </p:cNvSpPr>
+          <p:nvPr>
+            <p:ph type="title"/>
+          </p:nvPr>
+        </p:nvSpPr>
+        <p:spPr/>
+        <p:txBody>
+          <a:bodyPr/>
+          <a:lstStyle/>
+          <a:p>
+            <a:endParaRPr lang="en-IL"/>
+          </a:p>
+        </p:txBody>
+      </p:sp>
+      <p:sp>
+        <p:nvSpPr>
+          <p:cNvPr id="7" name="Text Placeholder 6">
+            <a:extLst>
+              <a:ext uri="{FF2B5EF4-FFF2-40B4-BE49-F238E27FC236}">
+                <a16:creationId xmlns:a16="http://schemas.microsoft.com/office/drawing/2014/main" id="{5CEA835C-6839-DF65-9067-82E65B6DA294}"/>
+              </a:ext>
+            </a:extLst>
+          </p:cNvPr>
+          <p:cNvSpPr>
+            <a:spLocks noGrp="1"/>
+          </p:cNvSpPr>
+          <p:nvPr>
+            <p:ph type="body" idx="1"/>
+          </p:nvPr>
+        </p:nvSpPr>
+        <p:spPr/>
+        <p:txBody>
+          <a:bodyPr/>
+          <a:lstStyle/>
+          <a:p>
+            <a:pPr algn="ctr"/>
+            <a:r>
+              <a:rPr lang="en-US" sz="7200"/>
+              <a:t>2f Frequentist vs Bayesian</a:t>
+            </a:r>
+            <a:endParaRPr lang="en-IL" sz="7200"/>
+          </a:p>
+        </p:txBody>
+      </p:sp>
+      <p:sp>
+        <p:nvSpPr>
+          <p:cNvPr id="4" name="Footer Placeholder 3">
+            <a:extLst>
+              <a:ext uri="{FF2B5EF4-FFF2-40B4-BE49-F238E27FC236}">
+                <a16:creationId xmlns:a16="http://schemas.microsoft.com/office/drawing/2014/main" id="{47D2D590-8A51-C3AA-B1AE-53F99B6B2F33}"/>
+              </a:ext>
+            </a:extLst>
+          </p:cNvPr>
+          <p:cNvSpPr>
+            <a:spLocks noGrp="1"/>
+          </p:cNvSpPr>
+          <p:nvPr>
+            <p:ph type="ftr" sz="quarter" idx="11"/>
+          </p:nvPr>
+        </p:nvSpPr>
+        <p:spPr/>
+        <p:txBody>
+          <a:bodyPr/>
+          <a:lstStyle/>
+          <a:p>
+            <a:pPr>
+              <a:defRPr/>
+            </a:pPr>
+            <a:r>
+              <a:rPr lang="en-US"/>
+              <a:t>Data analysis, 2022-1, Lecture 1</a:t>
+            </a:r>
+          </a:p>
+        </p:txBody>
+      </p:sp>
+      <p:sp>
+        <p:nvSpPr>
+          <p:cNvPr id="5" name="Slide Number Placeholder 4">
+            <a:extLst>
+              <a:ext uri="{FF2B5EF4-FFF2-40B4-BE49-F238E27FC236}">
+                <a16:creationId xmlns:a16="http://schemas.microsoft.com/office/drawing/2014/main" id="{E04D61D0-7B62-1860-9766-70A030B43854}"/>
+              </a:ext>
+            </a:extLst>
+          </p:cNvPr>
+          <p:cNvSpPr>
+            <a:spLocks noGrp="1"/>
+          </p:cNvSpPr>
+          <p:nvPr>
+            <p:ph type="sldNum" sz="quarter" idx="12"/>
+          </p:nvPr>
+        </p:nvSpPr>
+        <p:spPr/>
+        <p:txBody>
+          <a:bodyPr/>
+          <a:lstStyle/>
+          <a:p>
+            <a:pPr>
+              <a:defRPr/>
+            </a:pPr>
+            <a:fld id="{3469EAC8-EFAD-49DA-A425-6225312A328A}" type="slidenum">
+              <a:rPr lang="he-IL" altLang="en-US" smtClean="0"/>
+              <a:pPr>
+                <a:defRPr/>
+              </a:pPr>
+              <a:t>62</a:t>
+            </a:fld>
+            <a:r>
+              <a:rPr lang="en-US" altLang="en-US"/>
+              <a:t> /  72</a:t>
+            </a:r>
+          </a:p>
+        </p:txBody>
+      </p:sp>
+    </p:spTree>
+    <p:extLst>
+      <p:ext uri="{BB962C8B-B14F-4D97-AF65-F5344CB8AC3E}">
+        <p14:creationId xmlns:p14="http://schemas.microsoft.com/office/powerpoint/2010/main" val="1408007479"/>
+      </p:ext>
+    </p:extLst>
+  </p:cSld>
+  <p:clrMapOvr>
+    <a:masterClrMapping/>
+  </p:clrMapOvr>
+</p:sld>
+</file>
+
+<file path=ppt/slides/slide63.xml><?xml version="1.0" encoding="utf-8"?>
+<p:sld xmlns:a="http://schemas.openxmlformats.org/drawingml/2006/main" xmlns:r="http://schemas.openxmlformats.org/officeDocument/2006/relationships" xmlns:p="http://schemas.openxmlformats.org/presentationml/2006/main">
+  <p:cSld>
+    <p:spTree>
+      <p:nvGrpSpPr>
+        <p:cNvPr id="1" name=""/>
+        <p:cNvGrpSpPr/>
+        <p:nvPr/>
+      </p:nvGrpSpPr>
+      <p:grpSpPr>
+        <a:xfrm>
+          <a:off x="0" y="0"/>
+          <a:ext cx="0" cy="0"/>
+          <a:chOff x="0" y="0"/>
+          <a:chExt cx="0" cy="0"/>
+        </a:xfrm>
+      </p:grpSpPr>
+      <p:sp>
+        <p:nvSpPr>
+          <p:cNvPr id="2" name="Title 1">
+            <a:extLst>
+              <a:ext uri="{FF2B5EF4-FFF2-40B4-BE49-F238E27FC236}">
+                <a16:creationId xmlns:a16="http://schemas.microsoft.com/office/drawing/2014/main" id="{967C3DFC-114C-8E77-4886-53DB272255F0}"/>
+              </a:ext>
+            </a:extLst>
+          </p:cNvPr>
+          <p:cNvSpPr>
+            <a:spLocks noGrp="1"/>
+          </p:cNvSpPr>
+          <p:nvPr>
+            <p:ph type="title"/>
+          </p:nvPr>
+        </p:nvSpPr>
+        <p:spPr/>
+        <p:txBody>
+          <a:bodyPr/>
+          <a:lstStyle/>
+          <a:p>
+            <a:r>
+              <a:rPr lang="en-US"/>
+              <a:t>Bayesian analysis requires a prior</a:t>
+            </a:r>
+            <a:endParaRPr lang="en-IL"/>
+          </a:p>
+        </p:txBody>
+      </p:sp>
+      <p:sp>
+        <p:nvSpPr>
+          <p:cNvPr id="3" name="Content Placeholder 2">
+            <a:extLst>
+              <a:ext uri="{FF2B5EF4-FFF2-40B4-BE49-F238E27FC236}">
+                <a16:creationId xmlns:a16="http://schemas.microsoft.com/office/drawing/2014/main" id="{75C78665-CA6C-C877-A061-43B319494DF0}"/>
+              </a:ext>
+            </a:extLst>
+          </p:cNvPr>
+          <p:cNvSpPr>
+            <a:spLocks noGrp="1"/>
+          </p:cNvSpPr>
+          <p:nvPr>
+            <p:ph idx="1"/>
+          </p:nvPr>
+        </p:nvSpPr>
+        <p:spPr/>
+        <p:txBody>
+          <a:bodyPr/>
+          <a:lstStyle/>
+          <a:p>
+            <a:r>
+              <a:rPr lang="en-US"/>
+              <a:t>Using a prior has advantages:</a:t>
+            </a:r>
+          </a:p>
+          <a:p>
+            <a:pPr lvl="1"/>
+            <a:r>
+              <a:rPr lang="en-US"/>
+              <a:t>It allows us to do Bayesian analysis and get a posterior</a:t>
+            </a:r>
+          </a:p>
+          <a:p>
+            <a:pPr lvl="2"/>
+            <a:r>
+              <a:rPr lang="en-US"/>
+              <a:t>The posterior is a distribution that shows how credible different possibilities are</a:t>
+            </a:r>
+          </a:p>
+          <a:p>
+            <a:pPr lvl="2"/>
+            <a:r>
+              <a:rPr lang="en-US"/>
+              <a:t>The posterior allows us to characterize our uncertainty</a:t>
+            </a:r>
+          </a:p>
+          <a:p>
+            <a:pPr lvl="1"/>
+            <a:r>
+              <a:rPr lang="en-US"/>
+              <a:t>Posteriors average over priors</a:t>
+            </a:r>
+          </a:p>
+          <a:p>
+            <a:pPr lvl="2"/>
+            <a:r>
+              <a:rPr lang="en-US"/>
+              <a:t>This means taking into account different possibilities</a:t>
+            </a:r>
+          </a:p>
+          <a:p>
+            <a:pPr lvl="2"/>
+            <a:r>
+              <a:rPr lang="en-US"/>
+              <a:t>Makes conclusions more robust</a:t>
+            </a:r>
+          </a:p>
+          <a:p>
+            <a:pPr lvl="1"/>
+            <a:r>
+              <a:rPr lang="en-US"/>
+              <a:t>Priors can regularize our results</a:t>
+            </a:r>
+          </a:p>
+          <a:p>
+            <a:pPr lvl="2"/>
+            <a:r>
+              <a:rPr lang="en-US"/>
+              <a:t>That is, they allow more efficient and robust inference</a:t>
+            </a:r>
+          </a:p>
+          <a:p>
+            <a:pPr lvl="2"/>
+            <a:r>
+              <a:rPr lang="en-US"/>
+              <a:t>Less overfitting (we will talk about overfitting)</a:t>
+            </a:r>
+          </a:p>
+          <a:p>
+            <a:pPr lvl="1"/>
+            <a:r>
+              <a:rPr lang="en-US"/>
+              <a:t>Thinking about a prior requires you to think about the problem</a:t>
+            </a:r>
+            <a:endParaRPr lang="en-IL"/>
+          </a:p>
+        </p:txBody>
+      </p:sp>
+    </p:spTree>
+    <p:extLst>
+      <p:ext uri="{BB962C8B-B14F-4D97-AF65-F5344CB8AC3E}">
+        <p14:creationId xmlns:p14="http://schemas.microsoft.com/office/powerpoint/2010/main" val="922699013"/>
+      </p:ext>
+    </p:extLst>
+  </p:cSld>
+  <p:clrMapOvr>
+    <a:masterClrMapping/>
+  </p:clrMapOvr>
+</p:sld>
+</file>
+
+<file path=ppt/slides/slide64.xml><?xml version="1.0" encoding="utf-8"?>
+<p:sld xmlns:a="http://schemas.openxmlformats.org/drawingml/2006/main" xmlns:r="http://schemas.openxmlformats.org/officeDocument/2006/relationships" xmlns:p="http://schemas.openxmlformats.org/presentationml/2006/main">
+  <p:cSld>
+    <p:spTree>
+      <p:nvGrpSpPr>
+        <p:cNvPr id="1" name=""/>
+        <p:cNvGrpSpPr/>
+        <p:nvPr/>
+      </p:nvGrpSpPr>
+      <p:grpSpPr>
+        <a:xfrm>
+          <a:off x="0" y="0"/>
+          <a:ext cx="0" cy="0"/>
+          <a:chOff x="0" y="0"/>
+          <a:chExt cx="0" cy="0"/>
+        </a:xfrm>
+      </p:grpSpPr>
+      <p:sp>
+        <p:nvSpPr>
+          <p:cNvPr id="2" name="Title 1">
+            <a:extLst>
+              <a:ext uri="{FF2B5EF4-FFF2-40B4-BE49-F238E27FC236}">
+                <a16:creationId xmlns:a16="http://schemas.microsoft.com/office/drawing/2014/main" id="{AEE81C55-9684-56AA-7C91-FBF9A097BF50}"/>
+              </a:ext>
+            </a:extLst>
+          </p:cNvPr>
+          <p:cNvSpPr>
+            <a:spLocks noGrp="1"/>
+          </p:cNvSpPr>
+          <p:nvPr>
+            <p:ph type="title"/>
+          </p:nvPr>
+        </p:nvSpPr>
+        <p:spPr/>
+        <p:txBody>
+          <a:bodyPr/>
+          <a:lstStyle/>
+          <a:p>
+            <a:r>
+              <a:rPr lang="en-US"/>
+              <a:t>Frequentist analysis rejects priors</a:t>
+            </a:r>
+            <a:endParaRPr lang="en-IL"/>
+          </a:p>
+        </p:txBody>
+      </p:sp>
+      <p:sp>
+        <p:nvSpPr>
+          <p:cNvPr id="3" name="Content Placeholder 2">
+            <a:extLst>
+              <a:ext uri="{FF2B5EF4-FFF2-40B4-BE49-F238E27FC236}">
+                <a16:creationId xmlns:a16="http://schemas.microsoft.com/office/drawing/2014/main" id="{4AB35C2F-905E-10B7-2266-C38583BD8C54}"/>
+              </a:ext>
+            </a:extLst>
+          </p:cNvPr>
+          <p:cNvSpPr>
+            <a:spLocks noGrp="1"/>
+          </p:cNvSpPr>
+          <p:nvPr>
+            <p:ph idx="1"/>
+          </p:nvPr>
+        </p:nvSpPr>
+        <p:spPr>
+          <a:xfrm>
+            <a:off x="838200" y="1825625"/>
+            <a:ext cx="10515600" cy="2924175"/>
+          </a:xfrm>
+        </p:spPr>
+        <p:txBody>
+          <a:bodyPr/>
+          <a:lstStyle/>
+          <a:p>
+            <a:r>
+              <a:rPr lang="en-US"/>
+              <a:t>Frequentists wanted an objective approach</a:t>
+            </a:r>
+          </a:p>
+          <a:p>
+            <a:pPr lvl="1"/>
+            <a:r>
+              <a:rPr lang="en-US"/>
+              <a:t>Everyone must reach the same conclusion</a:t>
+            </a:r>
+          </a:p>
+          <a:p>
+            <a:pPr lvl="1"/>
+            <a:r>
+              <a:rPr lang="en-US"/>
+              <a:t>No matter how weak the evidence</a:t>
+            </a:r>
+          </a:p>
+          <a:p>
+            <a:r>
+              <a:rPr lang="en-US"/>
+              <a:t>No prior means no distribution</a:t>
+            </a:r>
+          </a:p>
+          <a:p>
+            <a:pPr lvl="1"/>
+            <a:r>
+              <a:rPr lang="en-US"/>
+              <a:t>Frequentist approaches focus on estimation</a:t>
+            </a:r>
+          </a:p>
+          <a:p>
+            <a:pPr lvl="1"/>
+            <a:r>
+              <a:rPr lang="en-US"/>
+              <a:t>The idea is to find the best estimate</a:t>
+            </a:r>
+          </a:p>
+          <a:p>
+            <a:pPr lvl="2"/>
+            <a:r>
+              <a:rPr lang="en-US"/>
+              <a:t>Often there are many choices</a:t>
+            </a:r>
+            <a:endParaRPr lang="en-IL"/>
+          </a:p>
+        </p:txBody>
+      </p:sp>
+      <p:graphicFrame>
+        <p:nvGraphicFramePr>
+          <p:cNvPr id="4" name="Object 3">
+            <a:extLst>
+              <a:ext uri="{FF2B5EF4-FFF2-40B4-BE49-F238E27FC236}">
+                <a16:creationId xmlns:a16="http://schemas.microsoft.com/office/drawing/2014/main" id="{5A4A1972-36EC-F42B-5096-45DCCE1A57C0}"/>
+              </a:ext>
+            </a:extLst>
+          </p:cNvPr>
+          <p:cNvGraphicFramePr>
+            <a:graphicFrameLocks noChangeAspect="1"/>
+          </p:cNvGraphicFramePr>
+          <p:nvPr/>
+        </p:nvGraphicFramePr>
+        <p:xfrm>
+          <a:off x="1045632" y="5186362"/>
+          <a:ext cx="1291167" cy="1177241"/>
+        </p:xfrm>
+        <a:graphic>
+          <a:graphicData uri="http://schemas.openxmlformats.org/presentationml/2006/ole">
+            <mc:AlternateContent xmlns:mc="http://schemas.openxmlformats.org/markup-compatibility/2006">
+              <mc:Choice xmlns:v="urn:schemas-microsoft-com:vml" Requires="v">
+                <p:oleObj name="Equation" r:id="rId2" imgW="431640" imgH="393480" progId="Equation.DSMT4">
+                  <p:embed/>
+                </p:oleObj>
+              </mc:Choice>
+              <mc:Fallback>
+                <p:oleObj name="Equation" r:id="rId2" imgW="431640" imgH="393480" progId="Equation.DSMT4">
+                  <p:embed/>
+                  <p:pic>
+                    <p:nvPicPr>
+                      <p:cNvPr id="4" name="Object 3">
+                        <a:extLst>
+                          <a:ext uri="{FF2B5EF4-FFF2-40B4-BE49-F238E27FC236}">
+                            <a16:creationId xmlns:a16="http://schemas.microsoft.com/office/drawing/2014/main" id="{5A4A1972-36EC-F42B-5096-45DCCE1A57C0}"/>
+                          </a:ext>
+                        </a:extLst>
+                      </p:cNvPr>
+                      <p:cNvPicPr/>
+                      <p:nvPr/>
+                    </p:nvPicPr>
+                    <p:blipFill>
+                      <a:blip r:embed="rId3"/>
+                      <a:stretch>
+                        <a:fillRect/>
+                      </a:stretch>
+                    </p:blipFill>
+                    <p:spPr>
+                      <a:xfrm>
+                        <a:off x="1045632" y="5186362"/>
+                        <a:ext cx="1291167" cy="1177241"/>
+                      </a:xfrm>
+                      <a:prstGeom prst="rect">
+                        <a:avLst/>
+                      </a:prstGeom>
+                    </p:spPr>
+                  </p:pic>
+                </p:oleObj>
+              </mc:Fallback>
+            </mc:AlternateContent>
+          </a:graphicData>
+        </a:graphic>
+      </p:graphicFrame>
+    </p:spTree>
+    <p:extLst>
+      <p:ext uri="{BB962C8B-B14F-4D97-AF65-F5344CB8AC3E}">
+        <p14:creationId xmlns:p14="http://schemas.microsoft.com/office/powerpoint/2010/main" val="849941338"/>
+      </p:ext>
+    </p:extLst>
+  </p:cSld>
+  <p:clrMapOvr>
+    <a:masterClrMapping/>
+  </p:clrMapOvr>
+</p:sld>
+</file>
+
+<file path=ppt/slides/slide65.xml><?xml version="1.0" encoding="utf-8"?>
+<p:sld xmlns:a="http://schemas.openxmlformats.org/drawingml/2006/main" xmlns:r="http://schemas.openxmlformats.org/officeDocument/2006/relationships" xmlns:p="http://schemas.openxmlformats.org/presentationml/2006/main">
+  <p:cSld>
+    <p:spTree>
+      <p:nvGrpSpPr>
+        <p:cNvPr id="1" name="">
+          <a:extLst>
+            <a:ext uri="{FF2B5EF4-FFF2-40B4-BE49-F238E27FC236}">
+              <a16:creationId xmlns:a16="http://schemas.microsoft.com/office/drawing/2014/main" id="{352F3448-2F0C-EA39-6B67-1F7DE4F8D108}"/>
+            </a:ext>
+          </a:extLst>
+        </p:cNvPr>
+        <p:cNvGrpSpPr/>
+        <p:nvPr/>
+      </p:nvGrpSpPr>
+      <p:grpSpPr>
+        <a:xfrm>
+          <a:off x="0" y="0"/>
+          <a:ext cx="0" cy="0"/>
+          <a:chOff x="0" y="0"/>
+          <a:chExt cx="0" cy="0"/>
+        </a:xfrm>
+      </p:grpSpPr>
+      <p:sp>
+        <p:nvSpPr>
+          <p:cNvPr id="2" name="Title 1">
+            <a:extLst>
+              <a:ext uri="{FF2B5EF4-FFF2-40B4-BE49-F238E27FC236}">
+                <a16:creationId xmlns:a16="http://schemas.microsoft.com/office/drawing/2014/main" id="{B217AFCF-C874-480A-8150-068A29DF231C}"/>
+              </a:ext>
+            </a:extLst>
+          </p:cNvPr>
+          <p:cNvSpPr>
+            <a:spLocks noGrp="1"/>
+          </p:cNvSpPr>
+          <p:nvPr>
+            <p:ph type="title"/>
+          </p:nvPr>
+        </p:nvSpPr>
+        <p:spPr/>
+        <p:txBody>
+          <a:bodyPr/>
+          <a:lstStyle/>
+          <a:p>
+            <a:r>
+              <a:rPr lang="en-US"/>
+              <a:t>Maximum likelihood estimation</a:t>
+            </a:r>
+            <a:endParaRPr lang="en-IL"/>
+          </a:p>
+        </p:txBody>
+      </p:sp>
+      <p:sp>
+        <p:nvSpPr>
+          <p:cNvPr id="3" name="Content Placeholder 2">
+            <a:extLst>
+              <a:ext uri="{FF2B5EF4-FFF2-40B4-BE49-F238E27FC236}">
+                <a16:creationId xmlns:a16="http://schemas.microsoft.com/office/drawing/2014/main" id="{75DE880D-6F22-17FD-58E2-0B8DFBF1224D}"/>
+              </a:ext>
+            </a:extLst>
+          </p:cNvPr>
+          <p:cNvSpPr>
+            <a:spLocks noGrp="1"/>
+          </p:cNvSpPr>
+          <p:nvPr>
+            <p:ph idx="1"/>
+          </p:nvPr>
+        </p:nvSpPr>
+        <p:spPr>
+          <a:xfrm>
+            <a:off x="838200" y="1825625"/>
+            <a:ext cx="10515600" cy="2924175"/>
+          </a:xfrm>
+        </p:spPr>
+        <p:txBody>
+          <a:bodyPr/>
+          <a:lstStyle/>
+          <a:p>
+            <a:endParaRPr lang="en-US"/>
+          </a:p>
+          <a:p>
+            <a:pPr lvl="1"/>
+            <a:endParaRPr lang="en-IL"/>
+          </a:p>
+        </p:txBody>
+      </p:sp>
+      <p:graphicFrame>
+        <p:nvGraphicFramePr>
+          <p:cNvPr id="4" name="Object 3">
+            <a:extLst>
+              <a:ext uri="{FF2B5EF4-FFF2-40B4-BE49-F238E27FC236}">
+                <a16:creationId xmlns:a16="http://schemas.microsoft.com/office/drawing/2014/main" id="{AF0C38B3-9F53-79C3-A22A-CFB69BB3C506}"/>
+              </a:ext>
+            </a:extLst>
+          </p:cNvPr>
+          <p:cNvGraphicFramePr>
+            <a:graphicFrameLocks noChangeAspect="1"/>
+          </p:cNvGraphicFramePr>
+          <p:nvPr/>
+        </p:nvGraphicFramePr>
+        <p:xfrm>
+          <a:off x="838200" y="2160719"/>
+          <a:ext cx="4706937" cy="989013"/>
+        </p:xfrm>
+        <a:graphic>
+          <a:graphicData uri="http://schemas.openxmlformats.org/presentationml/2006/ole">
+            <mc:AlternateContent xmlns:mc="http://schemas.openxmlformats.org/markup-compatibility/2006">
+              <mc:Choice xmlns:v="urn:schemas-microsoft-com:vml" Requires="v">
+                <p:oleObj name="Equation" r:id="rId2" imgW="1574640" imgH="330120" progId="Equation.DSMT4">
+                  <p:embed/>
+                </p:oleObj>
+              </mc:Choice>
+              <mc:Fallback>
+                <p:oleObj name="Equation" r:id="rId2" imgW="1574640" imgH="330120" progId="Equation.DSMT4">
+                  <p:embed/>
+                  <p:pic>
+                    <p:nvPicPr>
+                      <p:cNvPr id="4" name="Object 3">
+                        <a:extLst>
+                          <a:ext uri="{FF2B5EF4-FFF2-40B4-BE49-F238E27FC236}">
+                            <a16:creationId xmlns:a16="http://schemas.microsoft.com/office/drawing/2014/main" id="{AF0C38B3-9F53-79C3-A22A-CFB69BB3C506}"/>
+                          </a:ext>
+                        </a:extLst>
+                      </p:cNvPr>
+                      <p:cNvPicPr/>
+                      <p:nvPr/>
+                    </p:nvPicPr>
+                    <p:blipFill>
+                      <a:blip r:embed="rId3"/>
+                      <a:stretch>
+                        <a:fillRect/>
+                      </a:stretch>
+                    </p:blipFill>
+                    <p:spPr>
+                      <a:xfrm>
+                        <a:off x="838200" y="2160719"/>
+                        <a:ext cx="4706937" cy="989013"/>
+                      </a:xfrm>
+                      <a:prstGeom prst="rect">
+                        <a:avLst/>
+                      </a:prstGeom>
+                    </p:spPr>
+                  </p:pic>
+                </p:oleObj>
+              </mc:Fallback>
+            </mc:AlternateContent>
+          </a:graphicData>
+        </a:graphic>
+      </p:graphicFrame>
+      <p:graphicFrame>
+        <p:nvGraphicFramePr>
+          <p:cNvPr id="5" name="Object 4">
+            <a:extLst>
+              <a:ext uri="{FF2B5EF4-FFF2-40B4-BE49-F238E27FC236}">
+                <a16:creationId xmlns:a16="http://schemas.microsoft.com/office/drawing/2014/main" id="{2DCD720D-ACB9-6AC7-D239-4B9C03CB4768}"/>
+              </a:ext>
+            </a:extLst>
+          </p:cNvPr>
+          <p:cNvGraphicFramePr>
+            <a:graphicFrameLocks noChangeAspect="1"/>
+          </p:cNvGraphicFramePr>
+          <p:nvPr/>
+        </p:nvGraphicFramePr>
+        <p:xfrm>
+          <a:off x="5625641" y="3094273"/>
+          <a:ext cx="5197305" cy="823989"/>
+        </p:xfrm>
+        <a:graphic>
+          <a:graphicData uri="http://schemas.openxmlformats.org/presentationml/2006/ole">
+            <mc:AlternateContent xmlns:mc="http://schemas.openxmlformats.org/markup-compatibility/2006">
+              <mc:Choice xmlns:v="urn:schemas-microsoft-com:vml" Requires="v">
+                <p:oleObj name="Equation" r:id="rId4" imgW="3047760" imgH="482400" progId="Equation.DSMT4">
+                  <p:embed/>
+                </p:oleObj>
+              </mc:Choice>
+              <mc:Fallback>
+                <p:oleObj name="Equation" r:id="rId4" imgW="3047760" imgH="482400" progId="Equation.DSMT4">
+                  <p:embed/>
+                  <p:pic>
+                    <p:nvPicPr>
+                      <p:cNvPr id="5" name="Object 4">
+                        <a:extLst>
+                          <a:ext uri="{FF2B5EF4-FFF2-40B4-BE49-F238E27FC236}">
+                            <a16:creationId xmlns:a16="http://schemas.microsoft.com/office/drawing/2014/main" id="{2DCD720D-ACB9-6AC7-D239-4B9C03CB4768}"/>
+                          </a:ext>
+                        </a:extLst>
+                      </p:cNvPr>
+                      <p:cNvPicPr/>
+                      <p:nvPr/>
+                    </p:nvPicPr>
+                    <p:blipFill>
+                      <a:blip r:embed="rId5"/>
+                      <a:stretch>
+                        <a:fillRect/>
+                      </a:stretch>
+                    </p:blipFill>
+                    <p:spPr>
+                      <a:xfrm>
+                        <a:off x="5625641" y="3094273"/>
+                        <a:ext cx="5197305" cy="823989"/>
+                      </a:xfrm>
+                      <a:prstGeom prst="rect">
+                        <a:avLst/>
+                      </a:prstGeom>
+                    </p:spPr>
+                  </p:pic>
+                </p:oleObj>
+              </mc:Fallback>
+            </mc:AlternateContent>
+          </a:graphicData>
+        </a:graphic>
+      </p:graphicFrame>
+      <p:graphicFrame>
+        <p:nvGraphicFramePr>
+          <p:cNvPr id="6" name="Object 5">
+            <a:extLst>
+              <a:ext uri="{FF2B5EF4-FFF2-40B4-BE49-F238E27FC236}">
+                <a16:creationId xmlns:a16="http://schemas.microsoft.com/office/drawing/2014/main" id="{231FF0A4-4410-8CAF-186C-08AC6290833E}"/>
+              </a:ext>
+            </a:extLst>
+          </p:cNvPr>
+          <p:cNvGraphicFramePr>
+            <a:graphicFrameLocks noChangeAspect="1"/>
+          </p:cNvGraphicFramePr>
+          <p:nvPr/>
+        </p:nvGraphicFramePr>
+        <p:xfrm>
+          <a:off x="771525" y="4298234"/>
+          <a:ext cx="5324475" cy="979488"/>
+        </p:xfrm>
+        <a:graphic>
+          <a:graphicData uri="http://schemas.openxmlformats.org/presentationml/2006/ole">
+            <mc:AlternateContent xmlns:mc="http://schemas.openxmlformats.org/markup-compatibility/2006">
+              <mc:Choice xmlns:v="urn:schemas-microsoft-com:vml" Requires="v">
+                <p:oleObj name="Equation" r:id="rId6" imgW="2628720" imgH="482400" progId="Equation.DSMT4">
+                  <p:embed/>
+                </p:oleObj>
+              </mc:Choice>
+              <mc:Fallback>
+                <p:oleObj name="Equation" r:id="rId6" imgW="2628720" imgH="482400" progId="Equation.DSMT4">
+                  <p:embed/>
+                  <p:pic>
+                    <p:nvPicPr>
+                      <p:cNvPr id="6" name="Object 5">
+                        <a:extLst>
+                          <a:ext uri="{FF2B5EF4-FFF2-40B4-BE49-F238E27FC236}">
+                            <a16:creationId xmlns:a16="http://schemas.microsoft.com/office/drawing/2014/main" id="{231FF0A4-4410-8CAF-186C-08AC6290833E}"/>
+                          </a:ext>
+                        </a:extLst>
+                      </p:cNvPr>
+                      <p:cNvPicPr/>
+                      <p:nvPr/>
+                    </p:nvPicPr>
+                    <p:blipFill>
+                      <a:blip r:embed="rId7"/>
+                      <a:stretch>
+                        <a:fillRect/>
+                      </a:stretch>
+                    </p:blipFill>
+                    <p:spPr>
+                      <a:xfrm>
+                        <a:off x="771525" y="4298234"/>
+                        <a:ext cx="5324475" cy="979488"/>
+                      </a:xfrm>
+                      <a:prstGeom prst="rect">
+                        <a:avLst/>
+                      </a:prstGeom>
+                    </p:spPr>
+                  </p:pic>
+                </p:oleObj>
+              </mc:Fallback>
+            </mc:AlternateContent>
+          </a:graphicData>
+        </a:graphic>
+      </p:graphicFrame>
+      <p:graphicFrame>
+        <p:nvGraphicFramePr>
+          <p:cNvPr id="11" name="Object 10">
+            <a:extLst>
+              <a:ext uri="{FF2B5EF4-FFF2-40B4-BE49-F238E27FC236}">
+                <a16:creationId xmlns:a16="http://schemas.microsoft.com/office/drawing/2014/main" id="{C6653609-8F10-6981-32B9-9BDBEBE80B7B}"/>
+              </a:ext>
+            </a:extLst>
+          </p:cNvPr>
+          <p:cNvGraphicFramePr>
+            <a:graphicFrameLocks noChangeAspect="1"/>
+          </p:cNvGraphicFramePr>
+          <p:nvPr/>
+        </p:nvGraphicFramePr>
+        <p:xfrm>
+          <a:off x="5545137" y="2250768"/>
+          <a:ext cx="4376279" cy="822609"/>
+        </p:xfrm>
+        <a:graphic>
+          <a:graphicData uri="http://schemas.openxmlformats.org/presentationml/2006/ole">
+            <mc:AlternateContent xmlns:mc="http://schemas.openxmlformats.org/markup-compatibility/2006">
+              <mc:Choice xmlns:v="urn:schemas-microsoft-com:vml" Requires="v">
+                <p:oleObj name="Equation" r:id="rId8" imgW="1688760" imgH="317160" progId="Equation.DSMT4">
+                  <p:embed/>
+                </p:oleObj>
+              </mc:Choice>
+              <mc:Fallback>
+                <p:oleObj name="Equation" r:id="rId8" imgW="1688760" imgH="317160" progId="Equation.DSMT4">
+                  <p:embed/>
+                  <p:pic>
+                    <p:nvPicPr>
+                      <p:cNvPr id="11" name="Object 10">
+                        <a:extLst>
+                          <a:ext uri="{FF2B5EF4-FFF2-40B4-BE49-F238E27FC236}">
+                            <a16:creationId xmlns:a16="http://schemas.microsoft.com/office/drawing/2014/main" id="{C6653609-8F10-6981-32B9-9BDBEBE80B7B}"/>
+                          </a:ext>
+                        </a:extLst>
+                      </p:cNvPr>
+                      <p:cNvPicPr/>
+                      <p:nvPr/>
+                    </p:nvPicPr>
+                    <p:blipFill>
+                      <a:blip r:embed="rId9"/>
+                      <a:stretch>
+                        <a:fillRect/>
+                      </a:stretch>
+                    </p:blipFill>
+                    <p:spPr>
+                      <a:xfrm>
+                        <a:off x="5545137" y="2250768"/>
+                        <a:ext cx="4376279" cy="822609"/>
+                      </a:xfrm>
+                      <a:prstGeom prst="rect">
+                        <a:avLst/>
+                      </a:prstGeom>
+                    </p:spPr>
+                  </p:pic>
+                </p:oleObj>
+              </mc:Fallback>
+            </mc:AlternateContent>
+          </a:graphicData>
+        </a:graphic>
+      </p:graphicFrame>
+      <p:graphicFrame>
+        <p:nvGraphicFramePr>
+          <p:cNvPr id="12" name="Object 11">
+            <a:extLst>
+              <a:ext uri="{FF2B5EF4-FFF2-40B4-BE49-F238E27FC236}">
+                <a16:creationId xmlns:a16="http://schemas.microsoft.com/office/drawing/2014/main" id="{3D8BCBBC-53E8-F15A-DC79-C66407DCAEB5}"/>
+              </a:ext>
+            </a:extLst>
+          </p:cNvPr>
+          <p:cNvGraphicFramePr>
+            <a:graphicFrameLocks noChangeAspect="1"/>
+          </p:cNvGraphicFramePr>
+          <p:nvPr/>
+        </p:nvGraphicFramePr>
+        <p:xfrm>
+          <a:off x="6175375" y="4367213"/>
+          <a:ext cx="1595438" cy="823912"/>
+        </p:xfrm>
+        <a:graphic>
+          <a:graphicData uri="http://schemas.openxmlformats.org/presentationml/2006/ole">
+            <mc:AlternateContent xmlns:mc="http://schemas.openxmlformats.org/markup-compatibility/2006">
+              <mc:Choice xmlns:v="urn:schemas-microsoft-com:vml" Requires="v">
+                <p:oleObj name="Equation" r:id="rId10" imgW="761760" imgH="393480" progId="Equation.DSMT4">
+                  <p:embed/>
+                </p:oleObj>
+              </mc:Choice>
+              <mc:Fallback>
+                <p:oleObj name="Equation" r:id="rId10" imgW="761760" imgH="393480" progId="Equation.DSMT4">
+                  <p:embed/>
+                  <p:pic>
+                    <p:nvPicPr>
+                      <p:cNvPr id="12" name="Object 11">
+                        <a:extLst>
+                          <a:ext uri="{FF2B5EF4-FFF2-40B4-BE49-F238E27FC236}">
+                            <a16:creationId xmlns:a16="http://schemas.microsoft.com/office/drawing/2014/main" id="{3D8BCBBC-53E8-F15A-DC79-C66407DCAEB5}"/>
+                          </a:ext>
+                        </a:extLst>
+                      </p:cNvPr>
+                      <p:cNvPicPr/>
+                      <p:nvPr/>
+                    </p:nvPicPr>
+                    <p:blipFill>
+                      <a:blip r:embed="rId11"/>
+                      <a:stretch>
+                        <a:fillRect/>
+                      </a:stretch>
+                    </p:blipFill>
+                    <p:spPr>
+                      <a:xfrm>
+                        <a:off x="6175375" y="4367213"/>
+                        <a:ext cx="1595438" cy="823912"/>
+                      </a:xfrm>
+                      <a:prstGeom prst="rect">
+                        <a:avLst/>
+                      </a:prstGeom>
+                    </p:spPr>
+                  </p:pic>
+                </p:oleObj>
+              </mc:Fallback>
+            </mc:AlternateContent>
+          </a:graphicData>
+        </a:graphic>
+      </p:graphicFrame>
+      <p:graphicFrame>
+        <p:nvGraphicFramePr>
+          <p:cNvPr id="13" name="Object 12">
+            <a:extLst>
+              <a:ext uri="{FF2B5EF4-FFF2-40B4-BE49-F238E27FC236}">
+                <a16:creationId xmlns:a16="http://schemas.microsoft.com/office/drawing/2014/main" id="{4E5B1A4D-BE17-F231-89BB-F0904FD90DAA}"/>
+              </a:ext>
+            </a:extLst>
+          </p:cNvPr>
+          <p:cNvGraphicFramePr>
+            <a:graphicFrameLocks noChangeAspect="1"/>
+          </p:cNvGraphicFramePr>
+          <p:nvPr/>
+        </p:nvGraphicFramePr>
+        <p:xfrm>
+          <a:off x="5745692" y="5460945"/>
+          <a:ext cx="1595438" cy="981075"/>
+        </p:xfrm>
+        <a:graphic>
+          <a:graphicData uri="http://schemas.openxmlformats.org/presentationml/2006/ole">
+            <mc:AlternateContent xmlns:mc="http://schemas.openxmlformats.org/markup-compatibility/2006">
+              <mc:Choice xmlns:v="urn:schemas-microsoft-com:vml" Requires="v">
+                <p:oleObj name="Equation" r:id="rId12" imgW="660240" imgH="406080" progId="Equation.DSMT4">
+                  <p:embed/>
+                </p:oleObj>
+              </mc:Choice>
+              <mc:Fallback>
+                <p:oleObj name="Equation" r:id="rId12" imgW="660240" imgH="406080" progId="Equation.DSMT4">
+                  <p:embed/>
+                  <p:pic>
+                    <p:nvPicPr>
+                      <p:cNvPr id="13" name="Object 12">
+                        <a:extLst>
+                          <a:ext uri="{FF2B5EF4-FFF2-40B4-BE49-F238E27FC236}">
+                            <a16:creationId xmlns:a16="http://schemas.microsoft.com/office/drawing/2014/main" id="{4E5B1A4D-BE17-F231-89BB-F0904FD90DAA}"/>
+                          </a:ext>
+                        </a:extLst>
+                      </p:cNvPr>
+                      <p:cNvPicPr/>
+                      <p:nvPr/>
+                    </p:nvPicPr>
+                    <p:blipFill>
+                      <a:blip r:embed="rId13"/>
+                      <a:stretch>
+                        <a:fillRect/>
+                      </a:stretch>
+                    </p:blipFill>
+                    <p:spPr>
+                      <a:xfrm>
+                        <a:off x="5745692" y="5460945"/>
+                        <a:ext cx="1595438" cy="981075"/>
+                      </a:xfrm>
+                      <a:prstGeom prst="rect">
+                        <a:avLst/>
+                      </a:prstGeom>
+                    </p:spPr>
+                  </p:pic>
+                </p:oleObj>
+              </mc:Fallback>
+            </mc:AlternateContent>
+          </a:graphicData>
+        </a:graphic>
+      </p:graphicFrame>
+      <mc:AlternateContent xmlns:mc="http://schemas.openxmlformats.org/markup-compatibility/2006" xmlns:a14="http://schemas.microsoft.com/office/drawing/2010/main">
+        <mc:Choice Requires="a14">
+          <p:sp>
+            <p:nvSpPr>
+              <p:cNvPr id="14" name="TextBox 13">
+                <a:extLst>
+                  <a:ext uri="{FF2B5EF4-FFF2-40B4-BE49-F238E27FC236}">
+                    <a16:creationId xmlns:a16="http://schemas.microsoft.com/office/drawing/2014/main" id="{332CF3C5-E59C-2A25-3063-21183C57B120}"/>
+                  </a:ext>
+                </a:extLst>
+              </p:cNvPr>
+              <p:cNvSpPr txBox="1"/>
+              <p:nvPr/>
+            </p:nvSpPr>
+            <p:spPr>
+              <a:xfrm>
+                <a:off x="1625600" y="5757278"/>
+                <a:ext cx="3801533" cy="477118"/>
+              </a:xfrm>
+              <a:prstGeom prst="rect">
+                <a:avLst/>
+              </a:prstGeom>
+              <a:noFill/>
+            </p:spPr>
+            <p:txBody>
+              <a:bodyPr wrap="square" rtlCol="0">
+                <a:spAutoFit/>
+              </a:bodyPr>
+              <a:lstStyle/>
+              <a:p>
+                <a:r>
+                  <a:rPr lang="en-US" sz="2400"/>
+                  <a:t>For </a:t>
+                </a:r>
+                <a14:m>
+                  <m:oMath xmlns:m="http://schemas.openxmlformats.org/officeDocument/2006/math">
+                    <m:acc>
+                      <m:accPr>
+                        <m:chr m:val="̂"/>
+                        <m:ctrlPr>
+                          <a:rPr lang="en-US" sz="2400" i="1" smtClean="0">
+                            <a:latin typeface="Cambria Math" panose="02040503050406030204" pitchFamily="18" charset="0"/>
+                          </a:rPr>
+                        </m:ctrlPr>
+                      </m:accPr>
+                      <m:e>
+                        <m:r>
+                          <a:rPr lang="en-US" sz="2400" b="0" i="1" smtClean="0">
+                            <a:latin typeface="Cambria Math" panose="02040503050406030204" pitchFamily="18" charset="0"/>
+                          </a:rPr>
+                          <m:t>𝜃</m:t>
+                        </m:r>
+                      </m:e>
+                    </m:acc>
+                  </m:oMath>
+                </a14:m>
+                <a:r>
+                  <a:rPr lang="en-US" sz="2400"/>
+                  <a:t>: the derivative is 0</a:t>
+                </a:r>
+                <a:endParaRPr lang="en-IL" sz="2400"/>
+              </a:p>
+            </p:txBody>
+          </p:sp>
+        </mc:Choice>
+        <mc:Fallback xmlns="">
+          <p:sp>
+            <p:nvSpPr>
+              <p:cNvPr id="14" name="TextBox 13">
+                <a:extLst>
+                  <a:ext uri="{FF2B5EF4-FFF2-40B4-BE49-F238E27FC236}">
+                    <a16:creationId xmlns:a16="http://schemas.microsoft.com/office/drawing/2014/main" id="{332CF3C5-E59C-2A25-3063-21183C57B120}"/>
+                  </a:ext>
+                </a:extLst>
+              </p:cNvPr>
+              <p:cNvSpPr txBox="1">
+                <a:spLocks noRot="1" noChangeAspect="1" noMove="1" noResize="1" noEditPoints="1" noAdjustHandles="1" noChangeArrowheads="1" noChangeShapeType="1" noTextEdit="1"/>
+              </p:cNvSpPr>
+              <p:nvPr/>
+            </p:nvSpPr>
+            <p:spPr>
+              <a:xfrm>
+                <a:off x="1625600" y="5757278"/>
+                <a:ext cx="3801533" cy="477118"/>
+              </a:xfrm>
+              <a:prstGeom prst="rect">
+                <a:avLst/>
+              </a:prstGeom>
+              <a:blipFill>
+                <a:blip r:embed="rId14"/>
+                <a:stretch>
+                  <a:fillRect l="-2568" t="-6329" b="-27848"/>
+                </a:stretch>
+              </a:blipFill>
+            </p:spPr>
+            <p:txBody>
+              <a:bodyPr/>
+              <a:lstStyle/>
+              <a:p>
+                <a:r>
+                  <a:rPr lang="en-IL">
+                    <a:noFill/>
+                  </a:rPr>
+                  <a:t> </a:t>
+                </a:r>
+              </a:p>
+            </p:txBody>
+          </p:sp>
+        </mc:Fallback>
+      </mc:AlternateContent>
+    </p:spTree>
+    <p:extLst>
+      <p:ext uri="{BB962C8B-B14F-4D97-AF65-F5344CB8AC3E}">
+        <p14:creationId xmlns:p14="http://schemas.microsoft.com/office/powerpoint/2010/main" val="3944500660"/>
+      </p:ext>
+    </p:extLst>
+  </p:cSld>
+  <p:clrMapOvr>
+    <a:masterClrMapping/>
+  </p:clrMapOvr>
+</p:sld>
+</file>
+
+<file path=ppt/slides/slide66.xml><?xml version="1.0" encoding="utf-8"?>
+<p:sld xmlns:a="http://schemas.openxmlformats.org/drawingml/2006/main" xmlns:r="http://schemas.openxmlformats.org/officeDocument/2006/relationships" xmlns:p="http://schemas.openxmlformats.org/presentationml/2006/main">
+  <p:cSld>
+    <p:spTree>
+      <p:nvGrpSpPr>
+        <p:cNvPr id="1" name="">
+          <a:extLst>
+            <a:ext uri="{FF2B5EF4-FFF2-40B4-BE49-F238E27FC236}">
+              <a16:creationId xmlns:a16="http://schemas.microsoft.com/office/drawing/2014/main" id="{A6B14153-601B-AE20-59A5-78CE26DFB3B8}"/>
+            </a:ext>
+          </a:extLst>
+        </p:cNvPr>
+        <p:cNvGrpSpPr/>
+        <p:nvPr/>
+      </p:nvGrpSpPr>
+      <p:grpSpPr>
+        <a:xfrm>
+          <a:off x="0" y="0"/>
+          <a:ext cx="0" cy="0"/>
+          <a:chOff x="0" y="0"/>
+          <a:chExt cx="0" cy="0"/>
+        </a:xfrm>
+      </p:grpSpPr>
+      <p:sp>
+        <p:nvSpPr>
+          <p:cNvPr id="2" name="Title 1">
+            <a:extLst>
+              <a:ext uri="{FF2B5EF4-FFF2-40B4-BE49-F238E27FC236}">
+                <a16:creationId xmlns:a16="http://schemas.microsoft.com/office/drawing/2014/main" id="{CBD8AC05-224B-4AC4-DA7F-6B572584727B}"/>
+              </a:ext>
+            </a:extLst>
+          </p:cNvPr>
+          <p:cNvSpPr>
+            <a:spLocks noGrp="1"/>
+          </p:cNvSpPr>
+          <p:nvPr>
+            <p:ph type="title"/>
+          </p:nvPr>
+        </p:nvSpPr>
+        <p:spPr/>
+        <p:txBody>
+          <a:bodyPr/>
+          <a:lstStyle/>
+          <a:p>
+            <a:r>
+              <a:rPr lang="en-US"/>
+              <a:t>Maximum likelihood estimation (2)</a:t>
+            </a:r>
+            <a:endParaRPr lang="en-IL"/>
+          </a:p>
+        </p:txBody>
+      </p:sp>
+      <mc:AlternateContent xmlns:mc="http://schemas.openxmlformats.org/markup-compatibility/2006" xmlns:a14="http://schemas.microsoft.com/office/drawing/2010/main">
+        <mc:Choice Requires="a14">
+          <p:sp>
+            <p:nvSpPr>
+              <p:cNvPr id="3" name="Content Placeholder 2">
+                <a:extLst>
+                  <a:ext uri="{FF2B5EF4-FFF2-40B4-BE49-F238E27FC236}">
+                    <a16:creationId xmlns:a16="http://schemas.microsoft.com/office/drawing/2014/main" id="{1A458B39-D9EC-EB6A-867E-4B7C36468857}"/>
+                  </a:ext>
+                </a:extLst>
+              </p:cNvPr>
+              <p:cNvSpPr>
+                <a:spLocks noGrp="1"/>
+              </p:cNvSpPr>
+              <p:nvPr>
+                <p:ph idx="1"/>
+              </p:nvPr>
+            </p:nvSpPr>
+            <p:spPr>
+              <a:xfrm>
+                <a:off x="838200" y="1524594"/>
+                <a:ext cx="10515600" cy="663575"/>
+              </a:xfrm>
+            </p:spPr>
+            <p:txBody>
+              <a:bodyPr/>
+              <a:lstStyle/>
+              <a:p>
+                <a:r>
+                  <a:rPr lang="en-US"/>
+                  <a:t>Solve for </a:t>
+                </a:r>
+                <a14:m>
+                  <m:oMath xmlns:m="http://schemas.openxmlformats.org/officeDocument/2006/math">
+                    <m:r>
+                      <m:rPr>
+                        <m:sty m:val="p"/>
+                      </m:rPr>
+                      <a:rPr lang="en-US" b="0" i="1" smtClean="0">
+                        <a:latin typeface="Cambria Math" panose="02040503050406030204" pitchFamily="18" charset="0"/>
+                      </a:rPr>
+                      <m:t>θ</m:t>
+                    </m:r>
+                  </m:oMath>
+                </a14:m>
+                <a:endParaRPr lang="en-US" b="0"/>
+              </a:p>
+              <a:p>
+                <a:endParaRPr lang="en-US"/>
+              </a:p>
+              <a:p>
+                <a:pPr lvl="1"/>
+                <a:endParaRPr lang="en-IL"/>
+              </a:p>
+            </p:txBody>
+          </p:sp>
+        </mc:Choice>
+        <mc:Fallback xmlns="">
+          <p:sp>
+            <p:nvSpPr>
+              <p:cNvPr id="3" name="Content Placeholder 2">
+                <a:extLst>
+                  <a:ext uri="{FF2B5EF4-FFF2-40B4-BE49-F238E27FC236}">
+                    <a16:creationId xmlns:a16="http://schemas.microsoft.com/office/drawing/2014/main" id="{1A458B39-D9EC-EB6A-867E-4B7C36468857}"/>
+                  </a:ext>
+                </a:extLst>
+              </p:cNvPr>
+              <p:cNvSpPr>
+                <a:spLocks noGrp="1" noRot="1" noChangeAspect="1" noMove="1" noResize="1" noEditPoints="1" noAdjustHandles="1" noChangeArrowheads="1" noChangeShapeType="1" noTextEdit="1"/>
+              </p:cNvSpPr>
+              <p:nvPr>
+                <p:ph idx="1"/>
+              </p:nvPr>
+            </p:nvSpPr>
+            <p:spPr>
+              <a:xfrm>
+                <a:off x="838200" y="1524594"/>
+                <a:ext cx="10515600" cy="663575"/>
+              </a:xfrm>
+              <a:blipFill>
+                <a:blip r:embed="rId2"/>
+                <a:stretch>
+                  <a:fillRect l="-1043" t="-14679"/>
+                </a:stretch>
+              </a:blipFill>
+            </p:spPr>
+            <p:txBody>
+              <a:bodyPr/>
+              <a:lstStyle/>
+              <a:p>
+                <a:r>
+                  <a:rPr lang="en-IL">
+                    <a:noFill/>
+                  </a:rPr>
+                  <a:t> </a:t>
+                </a:r>
+              </a:p>
+            </p:txBody>
+          </p:sp>
+        </mc:Fallback>
+      </mc:AlternateContent>
+      <p:graphicFrame>
+        <p:nvGraphicFramePr>
+          <p:cNvPr id="4" name="Object 3">
+            <a:extLst>
+              <a:ext uri="{FF2B5EF4-FFF2-40B4-BE49-F238E27FC236}">
+                <a16:creationId xmlns:a16="http://schemas.microsoft.com/office/drawing/2014/main" id="{AA615213-393B-D28B-E021-6E1341C9EE78}"/>
+              </a:ext>
+            </a:extLst>
+          </p:cNvPr>
+          <p:cNvGraphicFramePr>
+            <a:graphicFrameLocks noChangeAspect="1"/>
+          </p:cNvGraphicFramePr>
+          <p:nvPr/>
+        </p:nvGraphicFramePr>
+        <p:xfrm>
+          <a:off x="838200" y="2160719"/>
+          <a:ext cx="4706937" cy="989013"/>
+        </p:xfrm>
+        <a:graphic>
+          <a:graphicData uri="http://schemas.openxmlformats.org/presentationml/2006/ole">
+            <mc:AlternateContent xmlns:mc="http://schemas.openxmlformats.org/markup-compatibility/2006">
+              <mc:Choice xmlns:v="urn:schemas-microsoft-com:vml" Requires="v">
+                <p:oleObj name="Equation" r:id="rId3" imgW="1574640" imgH="330120" progId="Equation.DSMT4">
+                  <p:embed/>
+                </p:oleObj>
+              </mc:Choice>
+              <mc:Fallback>
+                <p:oleObj name="Equation" r:id="rId3" imgW="1574640" imgH="330120" progId="Equation.DSMT4">
+                  <p:embed/>
+                  <p:pic>
+                    <p:nvPicPr>
+                      <p:cNvPr id="4" name="Object 3">
+                        <a:extLst>
+                          <a:ext uri="{FF2B5EF4-FFF2-40B4-BE49-F238E27FC236}">
+                            <a16:creationId xmlns:a16="http://schemas.microsoft.com/office/drawing/2014/main" id="{AA615213-393B-D28B-E021-6E1341C9EE78}"/>
+                          </a:ext>
+                        </a:extLst>
+                      </p:cNvPr>
+                      <p:cNvPicPr/>
+                      <p:nvPr/>
+                    </p:nvPicPr>
+                    <p:blipFill>
+                      <a:blip r:embed="rId4"/>
+                      <a:stretch>
+                        <a:fillRect/>
+                      </a:stretch>
+                    </p:blipFill>
+                    <p:spPr>
+                      <a:xfrm>
+                        <a:off x="838200" y="2160719"/>
+                        <a:ext cx="4706937" cy="989013"/>
+                      </a:xfrm>
+                      <a:prstGeom prst="rect">
+                        <a:avLst/>
+                      </a:prstGeom>
+                    </p:spPr>
+                  </p:pic>
+                </p:oleObj>
+              </mc:Fallback>
+            </mc:AlternateContent>
+          </a:graphicData>
+        </a:graphic>
+      </p:graphicFrame>
+      <p:graphicFrame>
+        <p:nvGraphicFramePr>
+          <p:cNvPr id="13" name="Object 12">
+            <a:extLst>
+              <a:ext uri="{FF2B5EF4-FFF2-40B4-BE49-F238E27FC236}">
+                <a16:creationId xmlns:a16="http://schemas.microsoft.com/office/drawing/2014/main" id="{98428680-B478-80E9-83C8-B29238BA68B9}"/>
+              </a:ext>
+            </a:extLst>
+          </p:cNvPr>
+          <p:cNvGraphicFramePr>
+            <a:graphicFrameLocks noChangeAspect="1"/>
+          </p:cNvGraphicFramePr>
+          <p:nvPr/>
+        </p:nvGraphicFramePr>
+        <p:xfrm>
+          <a:off x="2519363" y="3217863"/>
+          <a:ext cx="1595437" cy="981075"/>
+        </p:xfrm>
+        <a:graphic>
+          <a:graphicData uri="http://schemas.openxmlformats.org/presentationml/2006/ole">
+            <mc:AlternateContent xmlns:mc="http://schemas.openxmlformats.org/markup-compatibility/2006">
+              <mc:Choice xmlns:v="urn:schemas-microsoft-com:vml" Requires="v">
+                <p:oleObj name="Equation" r:id="rId5" imgW="660240" imgH="406080" progId="Equation.DSMT4">
+                  <p:embed/>
+                </p:oleObj>
+              </mc:Choice>
+              <mc:Fallback>
+                <p:oleObj name="Equation" r:id="rId5" imgW="660240" imgH="406080" progId="Equation.DSMT4">
+                  <p:embed/>
+                  <p:pic>
+                    <p:nvPicPr>
+                      <p:cNvPr id="13" name="Object 12">
+                        <a:extLst>
+                          <a:ext uri="{FF2B5EF4-FFF2-40B4-BE49-F238E27FC236}">
+                            <a16:creationId xmlns:a16="http://schemas.microsoft.com/office/drawing/2014/main" id="{98428680-B478-80E9-83C8-B29238BA68B9}"/>
+                          </a:ext>
+                        </a:extLst>
+                      </p:cNvPr>
+                      <p:cNvPicPr/>
+                      <p:nvPr/>
+                    </p:nvPicPr>
+                    <p:blipFill>
+                      <a:blip r:embed="rId6"/>
+                      <a:stretch>
+                        <a:fillRect/>
+                      </a:stretch>
+                    </p:blipFill>
+                    <p:spPr>
+                      <a:xfrm>
+                        <a:off x="2519363" y="3217863"/>
+                        <a:ext cx="1595437" cy="981075"/>
+                      </a:xfrm>
+                      <a:prstGeom prst="rect">
+                        <a:avLst/>
+                      </a:prstGeom>
+                    </p:spPr>
+                  </p:pic>
+                </p:oleObj>
+              </mc:Fallback>
+            </mc:AlternateContent>
+          </a:graphicData>
+        </a:graphic>
+      </p:graphicFrame>
+      <p:graphicFrame>
+        <p:nvGraphicFramePr>
+          <p:cNvPr id="7" name="Object 6">
+            <a:extLst>
+              <a:ext uri="{FF2B5EF4-FFF2-40B4-BE49-F238E27FC236}">
+                <a16:creationId xmlns:a16="http://schemas.microsoft.com/office/drawing/2014/main" id="{0C16B3CA-B89B-AAD8-7038-0543E9C6FA37}"/>
+              </a:ext>
+            </a:extLst>
+          </p:cNvPr>
+          <p:cNvGraphicFramePr>
+            <a:graphicFrameLocks noChangeAspect="1"/>
+          </p:cNvGraphicFramePr>
+          <p:nvPr/>
+        </p:nvGraphicFramePr>
+        <p:xfrm>
+          <a:off x="2519363" y="4474447"/>
+          <a:ext cx="2686980" cy="664820"/>
+        </p:xfrm>
+        <a:graphic>
+          <a:graphicData uri="http://schemas.openxmlformats.org/presentationml/2006/ole">
+            <mc:AlternateContent xmlns:mc="http://schemas.openxmlformats.org/markup-compatibility/2006">
+              <mc:Choice xmlns:v="urn:schemas-microsoft-com:vml" Requires="v">
+                <p:oleObj name="Equation" r:id="rId7" imgW="1231560" imgH="304560" progId="Equation.DSMT4">
+                  <p:embed/>
+                </p:oleObj>
+              </mc:Choice>
+              <mc:Fallback>
+                <p:oleObj name="Equation" r:id="rId7" imgW="1231560" imgH="304560" progId="Equation.DSMT4">
+                  <p:embed/>
+                  <p:pic>
+                    <p:nvPicPr>
+                      <p:cNvPr id="7" name="Object 6">
+                        <a:extLst>
+                          <a:ext uri="{FF2B5EF4-FFF2-40B4-BE49-F238E27FC236}">
+                            <a16:creationId xmlns:a16="http://schemas.microsoft.com/office/drawing/2014/main" id="{0C16B3CA-B89B-AAD8-7038-0543E9C6FA37}"/>
+                          </a:ext>
+                        </a:extLst>
+                      </p:cNvPr>
+                      <p:cNvPicPr/>
+                      <p:nvPr/>
+                    </p:nvPicPr>
+                    <p:blipFill>
+                      <a:blip r:embed="rId8"/>
+                      <a:stretch>
+                        <a:fillRect/>
+                      </a:stretch>
+                    </p:blipFill>
+                    <p:spPr>
+                      <a:xfrm>
+                        <a:off x="2519363" y="4474447"/>
+                        <a:ext cx="2686980" cy="664820"/>
+                      </a:xfrm>
+                      <a:prstGeom prst="rect">
+                        <a:avLst/>
+                      </a:prstGeom>
+                    </p:spPr>
+                  </p:pic>
+                </p:oleObj>
+              </mc:Fallback>
+            </mc:AlternateContent>
+          </a:graphicData>
+        </a:graphic>
+      </p:graphicFrame>
+      <p:graphicFrame>
+        <p:nvGraphicFramePr>
+          <p:cNvPr id="8" name="Object 7">
+            <a:extLst>
+              <a:ext uri="{FF2B5EF4-FFF2-40B4-BE49-F238E27FC236}">
+                <a16:creationId xmlns:a16="http://schemas.microsoft.com/office/drawing/2014/main" id="{3221E961-C52C-271B-B2CE-13D101485691}"/>
+              </a:ext>
+            </a:extLst>
+          </p:cNvPr>
+          <p:cNvGraphicFramePr>
+            <a:graphicFrameLocks noChangeAspect="1"/>
+          </p:cNvGraphicFramePr>
+          <p:nvPr/>
+        </p:nvGraphicFramePr>
+        <p:xfrm>
+          <a:off x="3079221" y="5191243"/>
+          <a:ext cx="1247246" cy="557979"/>
+        </p:xfrm>
+        <a:graphic>
+          <a:graphicData uri="http://schemas.openxmlformats.org/presentationml/2006/ole">
+            <mc:AlternateContent xmlns:mc="http://schemas.openxmlformats.org/markup-compatibility/2006">
+              <mc:Choice xmlns:v="urn:schemas-microsoft-com:vml" Requires="v">
+                <p:oleObj name="Equation" r:id="rId9" imgW="482400" imgH="215640" progId="Equation.DSMT4">
+                  <p:embed/>
+                </p:oleObj>
+              </mc:Choice>
+              <mc:Fallback>
+                <p:oleObj name="Equation" r:id="rId9" imgW="482400" imgH="215640" progId="Equation.DSMT4">
+                  <p:embed/>
+                  <p:pic>
+                    <p:nvPicPr>
+                      <p:cNvPr id="8" name="Object 7">
+                        <a:extLst>
+                          <a:ext uri="{FF2B5EF4-FFF2-40B4-BE49-F238E27FC236}">
+                            <a16:creationId xmlns:a16="http://schemas.microsoft.com/office/drawing/2014/main" id="{3221E961-C52C-271B-B2CE-13D101485691}"/>
+                          </a:ext>
+                        </a:extLst>
+                      </p:cNvPr>
+                      <p:cNvPicPr/>
+                      <p:nvPr/>
+                    </p:nvPicPr>
+                    <p:blipFill>
+                      <a:blip r:embed="rId10"/>
+                      <a:stretch>
+                        <a:fillRect/>
+                      </a:stretch>
+                    </p:blipFill>
+                    <p:spPr>
+                      <a:xfrm>
+                        <a:off x="3079221" y="5191243"/>
+                        <a:ext cx="1247246" cy="557979"/>
+                      </a:xfrm>
+                      <a:prstGeom prst="rect">
+                        <a:avLst/>
+                      </a:prstGeom>
+                    </p:spPr>
+                  </p:pic>
+                </p:oleObj>
+              </mc:Fallback>
+            </mc:AlternateContent>
+          </a:graphicData>
+        </a:graphic>
+      </p:graphicFrame>
+      <p:graphicFrame>
+        <p:nvGraphicFramePr>
+          <p:cNvPr id="9" name="Object 8">
+            <a:extLst>
+              <a:ext uri="{FF2B5EF4-FFF2-40B4-BE49-F238E27FC236}">
+                <a16:creationId xmlns:a16="http://schemas.microsoft.com/office/drawing/2014/main" id="{7AF0A397-E3E0-A6C6-D55E-BB1AB3EBE102}"/>
+              </a:ext>
+            </a:extLst>
+          </p:cNvPr>
+          <p:cNvGraphicFramePr>
+            <a:graphicFrameLocks noChangeAspect="1"/>
+          </p:cNvGraphicFramePr>
+          <p:nvPr/>
+        </p:nvGraphicFramePr>
+        <p:xfrm>
+          <a:off x="3079220" y="5801198"/>
+          <a:ext cx="910167" cy="829858"/>
+        </p:xfrm>
+        <a:graphic>
+          <a:graphicData uri="http://schemas.openxmlformats.org/presentationml/2006/ole">
+            <mc:AlternateContent xmlns:mc="http://schemas.openxmlformats.org/markup-compatibility/2006">
+              <mc:Choice xmlns:v="urn:schemas-microsoft-com:vml" Requires="v">
+                <p:oleObj name="Equation" r:id="rId11" imgW="431640" imgH="393480" progId="Equation.DSMT4">
+                  <p:embed/>
+                </p:oleObj>
+              </mc:Choice>
+              <mc:Fallback>
+                <p:oleObj name="Equation" r:id="rId11" imgW="431640" imgH="393480" progId="Equation.DSMT4">
+                  <p:embed/>
+                  <p:pic>
+                    <p:nvPicPr>
+                      <p:cNvPr id="9" name="Object 8">
+                        <a:extLst>
+                          <a:ext uri="{FF2B5EF4-FFF2-40B4-BE49-F238E27FC236}">
+                            <a16:creationId xmlns:a16="http://schemas.microsoft.com/office/drawing/2014/main" id="{7AF0A397-E3E0-A6C6-D55E-BB1AB3EBE102}"/>
+                          </a:ext>
+                        </a:extLst>
+                      </p:cNvPr>
+                      <p:cNvPicPr/>
+                      <p:nvPr/>
+                    </p:nvPicPr>
+                    <p:blipFill>
+                      <a:blip r:embed="rId12"/>
+                      <a:stretch>
+                        <a:fillRect/>
+                      </a:stretch>
+                    </p:blipFill>
+                    <p:spPr>
+                      <a:xfrm>
+                        <a:off x="3079220" y="5801198"/>
+                        <a:ext cx="910167" cy="829858"/>
+                      </a:xfrm>
+                      <a:prstGeom prst="rect">
+                        <a:avLst/>
+                      </a:prstGeom>
+                    </p:spPr>
+                  </p:pic>
+                </p:oleObj>
+              </mc:Fallback>
+            </mc:AlternateContent>
+          </a:graphicData>
+        </a:graphic>
+      </p:graphicFrame>
+    </p:spTree>
+    <p:extLst>
+      <p:ext uri="{BB962C8B-B14F-4D97-AF65-F5344CB8AC3E}">
+        <p14:creationId xmlns:p14="http://schemas.microsoft.com/office/powerpoint/2010/main" val="369702717"/>
+      </p:ext>
+    </p:extLst>
+  </p:cSld>
+  <p:clrMapOvr>
+    <a:masterClrMapping/>
+  </p:clrMapOvr>
+</p:sld>
+</file>
+
+<file path=ppt/slides/slide67.xml><?xml version="1.0" encoding="utf-8"?>
+<p:sld xmlns:a="http://schemas.openxmlformats.org/drawingml/2006/main" xmlns:r="http://schemas.openxmlformats.org/officeDocument/2006/relationships" xmlns:p="http://schemas.openxmlformats.org/presentationml/2006/main">
+  <p:cSld>
+    <p:spTree>
+      <p:nvGrpSpPr>
+        <p:cNvPr id="1" name=""/>
+        <p:cNvGrpSpPr/>
+        <p:nvPr/>
+      </p:nvGrpSpPr>
+      <p:grpSpPr>
+        <a:xfrm>
+          <a:off x="0" y="0"/>
+          <a:ext cx="0" cy="0"/>
+          <a:chOff x="0" y="0"/>
+          <a:chExt cx="0" cy="0"/>
+        </a:xfrm>
+      </p:grpSpPr>
+      <p:sp>
+        <p:nvSpPr>
+          <p:cNvPr id="2" name="Title 1">
+            <a:extLst>
+              <a:ext uri="{FF2B5EF4-FFF2-40B4-BE49-F238E27FC236}">
+                <a16:creationId xmlns:a16="http://schemas.microsoft.com/office/drawing/2014/main" id="{ABF25988-92C5-54C5-3C2B-998F8A73E901}"/>
+              </a:ext>
+            </a:extLst>
+          </p:cNvPr>
+          <p:cNvSpPr>
+            <a:spLocks noGrp="1"/>
+          </p:cNvSpPr>
+          <p:nvPr>
+            <p:ph type="title"/>
+          </p:nvPr>
+        </p:nvSpPr>
+        <p:spPr/>
+        <p:txBody>
+          <a:bodyPr>
+            <a:normAutofit/>
+          </a:bodyPr>
+          <a:lstStyle/>
+          <a:p>
+            <a:r>
+              <a:rPr lang="en-US" sz="4000"/>
+              <a:t>The frequentist estimate through Bayesian eyes</a:t>
+            </a:r>
+            <a:endParaRPr lang="en-IL" sz="4000"/>
+          </a:p>
+        </p:txBody>
+      </p:sp>
+      <p:sp>
+        <p:nvSpPr>
+          <p:cNvPr id="3" name="Content Placeholder 2">
+            <a:extLst>
+              <a:ext uri="{FF2B5EF4-FFF2-40B4-BE49-F238E27FC236}">
+                <a16:creationId xmlns:a16="http://schemas.microsoft.com/office/drawing/2014/main" id="{1F693EF9-8405-B777-73E4-4972E9B4A0C0}"/>
+              </a:ext>
+            </a:extLst>
+          </p:cNvPr>
+          <p:cNvSpPr>
+            <a:spLocks noGrp="1"/>
+          </p:cNvSpPr>
+          <p:nvPr>
+            <p:ph idx="1"/>
+          </p:nvPr>
+        </p:nvSpPr>
+        <p:spPr>
+          <a:xfrm>
+            <a:off x="838200" y="1825625"/>
+            <a:ext cx="10515600" cy="1061508"/>
+          </a:xfrm>
+        </p:spPr>
+        <p:txBody>
+          <a:bodyPr/>
+          <a:lstStyle/>
+          <a:p>
+            <a:r>
+              <a:rPr lang="en-US"/>
+              <a:t>Choose a uniform prior</a:t>
+            </a:r>
+          </a:p>
+          <a:p>
+            <a:r>
+              <a:rPr lang="en-US"/>
+              <a:t>Take the mode of the posterior and throw away the rest</a:t>
+            </a:r>
+            <a:endParaRPr lang="en-IL"/>
+          </a:p>
+        </p:txBody>
+      </p:sp>
+      <p:graphicFrame>
+        <p:nvGraphicFramePr>
+          <p:cNvPr id="4" name="Object 3">
+            <a:extLst>
+              <a:ext uri="{FF2B5EF4-FFF2-40B4-BE49-F238E27FC236}">
+                <a16:creationId xmlns:a16="http://schemas.microsoft.com/office/drawing/2014/main" id="{72EA1854-F302-C300-CA49-175DAAA11F9D}"/>
+              </a:ext>
+            </a:extLst>
+          </p:cNvPr>
+          <p:cNvGraphicFramePr>
+            <a:graphicFrameLocks noChangeAspect="1"/>
+          </p:cNvGraphicFramePr>
+          <p:nvPr/>
+        </p:nvGraphicFramePr>
+        <p:xfrm>
+          <a:off x="1612900" y="3036623"/>
+          <a:ext cx="6201833" cy="689093"/>
+        </p:xfrm>
+        <a:graphic>
+          <a:graphicData uri="http://schemas.openxmlformats.org/presentationml/2006/ole">
+            <mc:AlternateContent xmlns:mc="http://schemas.openxmlformats.org/markup-compatibility/2006">
+              <mc:Choice xmlns:v="urn:schemas-microsoft-com:vml" Requires="v">
+                <p:oleObj name="Equation" r:id="rId2" imgW="2514600" imgH="279360" progId="Equation.DSMT4">
+                  <p:embed/>
+                </p:oleObj>
+              </mc:Choice>
+              <mc:Fallback>
+                <p:oleObj name="Equation" r:id="rId2" imgW="2514600" imgH="279360" progId="Equation.DSMT4">
+                  <p:embed/>
+                  <p:pic>
+                    <p:nvPicPr>
+                      <p:cNvPr id="4" name="Object 3">
+                        <a:extLst>
+                          <a:ext uri="{FF2B5EF4-FFF2-40B4-BE49-F238E27FC236}">
+                            <a16:creationId xmlns:a16="http://schemas.microsoft.com/office/drawing/2014/main" id="{72EA1854-F302-C300-CA49-175DAAA11F9D}"/>
+                          </a:ext>
+                        </a:extLst>
+                      </p:cNvPr>
+                      <p:cNvPicPr/>
+                      <p:nvPr/>
+                    </p:nvPicPr>
+                    <p:blipFill>
+                      <a:blip r:embed="rId3"/>
+                      <a:stretch>
+                        <a:fillRect/>
+                      </a:stretch>
+                    </p:blipFill>
+                    <p:spPr>
+                      <a:xfrm>
+                        <a:off x="1612900" y="3036623"/>
+                        <a:ext cx="6201833" cy="689093"/>
+                      </a:xfrm>
+                      <a:prstGeom prst="rect">
+                        <a:avLst/>
+                      </a:prstGeom>
+                    </p:spPr>
+                  </p:pic>
+                </p:oleObj>
+              </mc:Fallback>
+            </mc:AlternateContent>
+          </a:graphicData>
+        </a:graphic>
+      </p:graphicFrame>
+      <p:sp>
+        <p:nvSpPr>
+          <p:cNvPr id="5" name="TextBox 4">
+            <a:extLst>
+              <a:ext uri="{FF2B5EF4-FFF2-40B4-BE49-F238E27FC236}">
+                <a16:creationId xmlns:a16="http://schemas.microsoft.com/office/drawing/2014/main" id="{02AB187C-D3F2-77D5-82DD-0D3B3F764C50}"/>
+              </a:ext>
+            </a:extLst>
+          </p:cNvPr>
+          <p:cNvSpPr txBox="1"/>
+          <p:nvPr/>
+        </p:nvSpPr>
+        <p:spPr>
+          <a:xfrm>
+            <a:off x="3242733" y="3875206"/>
+            <a:ext cx="2908104" cy="461665"/>
+          </a:xfrm>
+          <a:prstGeom prst="rect">
+            <a:avLst/>
+          </a:prstGeom>
+          <a:noFill/>
+        </p:spPr>
+        <p:txBody>
+          <a:bodyPr wrap="none" rtlCol="0">
+            <a:spAutoFit/>
+          </a:bodyPr>
+          <a:lstStyle/>
+          <a:p>
+            <a:r>
+              <a:rPr lang="en-US" sz="2400"/>
+              <a:t>Assume uniform prior</a:t>
+            </a:r>
+            <a:endParaRPr lang="en-IL" sz="2400"/>
+          </a:p>
+        </p:txBody>
+      </p:sp>
+      <p:graphicFrame>
+        <p:nvGraphicFramePr>
+          <p:cNvPr id="6" name="Object 5">
+            <a:extLst>
+              <a:ext uri="{FF2B5EF4-FFF2-40B4-BE49-F238E27FC236}">
+                <a16:creationId xmlns:a16="http://schemas.microsoft.com/office/drawing/2014/main" id="{9512F251-4EAD-8FD8-A978-C6472EA06F6C}"/>
+              </a:ext>
+            </a:extLst>
+          </p:cNvPr>
+          <p:cNvGraphicFramePr>
+            <a:graphicFrameLocks noChangeAspect="1"/>
+          </p:cNvGraphicFramePr>
+          <p:nvPr/>
+        </p:nvGraphicFramePr>
+        <p:xfrm>
+          <a:off x="4185708" y="4353486"/>
+          <a:ext cx="2479808" cy="599514"/>
+        </p:xfrm>
+        <a:graphic>
+          <a:graphicData uri="http://schemas.openxmlformats.org/presentationml/2006/ole">
+            <mc:AlternateContent xmlns:mc="http://schemas.openxmlformats.org/markup-compatibility/2006">
+              <mc:Choice xmlns:v="urn:schemas-microsoft-com:vml" Requires="v">
+                <p:oleObj name="Equation" r:id="rId4" imgW="1155600" imgH="279360" progId="Equation.DSMT4">
+                  <p:embed/>
+                </p:oleObj>
+              </mc:Choice>
+              <mc:Fallback>
+                <p:oleObj name="Equation" r:id="rId4" imgW="1155600" imgH="279360" progId="Equation.DSMT4">
+                  <p:embed/>
+                  <p:pic>
+                    <p:nvPicPr>
+                      <p:cNvPr id="6" name="Object 5">
+                        <a:extLst>
+                          <a:ext uri="{FF2B5EF4-FFF2-40B4-BE49-F238E27FC236}">
+                            <a16:creationId xmlns:a16="http://schemas.microsoft.com/office/drawing/2014/main" id="{9512F251-4EAD-8FD8-A978-C6472EA06F6C}"/>
+                          </a:ext>
+                        </a:extLst>
+                      </p:cNvPr>
+                      <p:cNvPicPr/>
+                      <p:nvPr/>
+                    </p:nvPicPr>
+                    <p:blipFill>
+                      <a:blip r:embed="rId5"/>
+                      <a:stretch>
+                        <a:fillRect/>
+                      </a:stretch>
+                    </p:blipFill>
+                    <p:spPr>
+                      <a:xfrm>
+                        <a:off x="4185708" y="4353486"/>
+                        <a:ext cx="2479808" cy="599514"/>
+                      </a:xfrm>
+                      <a:prstGeom prst="rect">
+                        <a:avLst/>
+                      </a:prstGeom>
+                    </p:spPr>
+                  </p:pic>
+                </p:oleObj>
+              </mc:Fallback>
+            </mc:AlternateContent>
+          </a:graphicData>
+        </a:graphic>
+      </p:graphicFrame>
+      <p:sp>
+        <p:nvSpPr>
+          <p:cNvPr id="7" name="TextBox 6">
+            <a:extLst>
+              <a:ext uri="{FF2B5EF4-FFF2-40B4-BE49-F238E27FC236}">
+                <a16:creationId xmlns:a16="http://schemas.microsoft.com/office/drawing/2014/main" id="{EDD13DAE-7EB8-F909-874F-9396C151FA17}"/>
+              </a:ext>
+            </a:extLst>
+          </p:cNvPr>
+          <p:cNvSpPr txBox="1"/>
+          <p:nvPr/>
+        </p:nvSpPr>
+        <p:spPr>
+          <a:xfrm>
+            <a:off x="3187896" y="5119105"/>
+            <a:ext cx="5450531" cy="461665"/>
+          </a:xfrm>
+          <a:prstGeom prst="rect">
+            <a:avLst/>
+          </a:prstGeom>
+          <a:noFill/>
+        </p:spPr>
+        <p:txBody>
+          <a:bodyPr wrap="none" rtlCol="0">
+            <a:spAutoFit/>
+          </a:bodyPr>
+          <a:lstStyle/>
+          <a:p>
+            <a:r>
+              <a:rPr lang="en-US" sz="2400"/>
+              <a:t>End up with maximum likelihood </a:t>
+            </a:r>
+            <a:r>
+              <a:rPr lang="en-US" sz="2400" err="1"/>
+              <a:t>esitmate</a:t>
+            </a:r>
+            <a:endParaRPr lang="en-IL" sz="2400"/>
+          </a:p>
+        </p:txBody>
+      </p:sp>
+    </p:spTree>
+    <p:extLst>
+      <p:ext uri="{BB962C8B-B14F-4D97-AF65-F5344CB8AC3E}">
+        <p14:creationId xmlns:p14="http://schemas.microsoft.com/office/powerpoint/2010/main" val="2573017126"/>
+      </p:ext>
+    </p:extLst>
+  </p:cSld>
+  <p:clrMapOvr>
+    <a:masterClrMapping/>
+  </p:clrMapOvr>
+</p:sld>
+</file>
+
+<file path=ppt/slides/slide68.xml><?xml version="1.0" encoding="utf-8"?>
+<p:sld xmlns:a="http://schemas.openxmlformats.org/drawingml/2006/main" xmlns:r="http://schemas.openxmlformats.org/officeDocument/2006/relationships" xmlns:p="http://schemas.openxmlformats.org/presentationml/2006/main">
+  <p:cSld>
+    <p:spTree>
+      <p:nvGrpSpPr>
+        <p:cNvPr id="1" name="">
+          <a:extLst>
+            <a:ext uri="{FF2B5EF4-FFF2-40B4-BE49-F238E27FC236}">
+              <a16:creationId xmlns:a16="http://schemas.microsoft.com/office/drawing/2014/main" id="{390C3728-A7C8-8371-7470-8FE58EF4A3BC}"/>
+            </a:ext>
+          </a:extLst>
+        </p:cNvPr>
+        <p:cNvGrpSpPr/>
+        <p:nvPr/>
+      </p:nvGrpSpPr>
+      <p:grpSpPr>
+        <a:xfrm>
+          <a:off x="0" y="0"/>
+          <a:ext cx="0" cy="0"/>
+          <a:chOff x="0" y="0"/>
+          <a:chExt cx="0" cy="0"/>
+        </a:xfrm>
+      </p:grpSpPr>
+      <p:sp>
+        <p:nvSpPr>
+          <p:cNvPr id="2" name="Title 1">
+            <a:extLst>
+              <a:ext uri="{FF2B5EF4-FFF2-40B4-BE49-F238E27FC236}">
+                <a16:creationId xmlns:a16="http://schemas.microsoft.com/office/drawing/2014/main" id="{8BD73ABC-4C6B-2FEA-FA25-16131A7E7B79}"/>
+              </a:ext>
+            </a:extLst>
+          </p:cNvPr>
+          <p:cNvSpPr>
+            <a:spLocks noGrp="1"/>
+          </p:cNvSpPr>
+          <p:nvPr>
+            <p:ph type="title"/>
+          </p:nvPr>
+        </p:nvSpPr>
+        <p:spPr/>
+        <p:txBody>
+          <a:bodyPr>
+            <a:normAutofit/>
+          </a:bodyPr>
+          <a:lstStyle/>
+          <a:p>
+            <a:r>
+              <a:rPr lang="en-US" sz="4000"/>
+              <a:t>The frequentist estimate through Bayesian eyes</a:t>
+            </a:r>
+            <a:endParaRPr lang="en-IL" sz="4000"/>
+          </a:p>
+        </p:txBody>
+      </p:sp>
+      <p:sp>
+        <p:nvSpPr>
+          <p:cNvPr id="3" name="Content Placeholder 2">
+            <a:extLst>
+              <a:ext uri="{FF2B5EF4-FFF2-40B4-BE49-F238E27FC236}">
+                <a16:creationId xmlns:a16="http://schemas.microsoft.com/office/drawing/2014/main" id="{BAA5952B-9CCE-94A8-4E61-2936A4F759D3}"/>
+              </a:ext>
+            </a:extLst>
+          </p:cNvPr>
+          <p:cNvSpPr>
+            <a:spLocks noGrp="1"/>
+          </p:cNvSpPr>
+          <p:nvPr>
+            <p:ph idx="1"/>
+          </p:nvPr>
+        </p:nvSpPr>
+        <p:spPr>
+          <a:xfrm>
+            <a:off x="838200" y="1825625"/>
+            <a:ext cx="10515600" cy="2881842"/>
+          </a:xfrm>
+        </p:spPr>
+        <p:txBody>
+          <a:bodyPr>
+            <a:normAutofit/>
+          </a:bodyPr>
+          <a:lstStyle/>
+          <a:p>
+            <a:r>
+              <a:rPr lang="en-US"/>
+              <a:t>Frequentism does choose a prior</a:t>
+            </a:r>
+          </a:p>
+          <a:p>
+            <a:pPr lvl="1"/>
+            <a:r>
+              <a:rPr lang="en-US"/>
+              <a:t>Just not always the best one</a:t>
+            </a:r>
+          </a:p>
+          <a:p>
+            <a:r>
+              <a:rPr lang="en-US"/>
+              <a:t>Maximum likelihood is a summary of the posterior for this prior</a:t>
+            </a:r>
+          </a:p>
+          <a:p>
+            <a:pPr lvl="1"/>
+            <a:r>
+              <a:rPr lang="en-US"/>
+              <a:t>Just not always the best one</a:t>
+            </a:r>
+          </a:p>
+          <a:p>
+            <a:pPr lvl="1"/>
+            <a:endParaRPr lang="en-US"/>
+          </a:p>
+          <a:p>
+            <a:r>
+              <a:rPr lang="en-US"/>
+              <a:t>Frequentism is like do Bayesian statistics badly</a:t>
+            </a:r>
+            <a:endParaRPr lang="en-IL"/>
+          </a:p>
+        </p:txBody>
+      </p:sp>
+    </p:spTree>
+    <p:extLst>
+      <p:ext uri="{BB962C8B-B14F-4D97-AF65-F5344CB8AC3E}">
+        <p14:creationId xmlns:p14="http://schemas.microsoft.com/office/powerpoint/2010/main" val="1883178281"/>
+      </p:ext>
+    </p:extLst>
+  </p:cSld>
+  <p:clrMapOvr>
+    <a:masterClrMapping/>
+  </p:clrMapOvr>
+</p:sld>
+</file>
+
 <file path=ppt/slides/slide7.xml><?xml version="1.0" encoding="utf-8"?>
 <p:sld xmlns:a="http://schemas.openxmlformats.org/drawingml/2006/main" xmlns:r="http://schemas.openxmlformats.org/officeDocument/2006/relationships" xmlns:p="http://schemas.openxmlformats.org/presentationml/2006/main">
   <p:cSld>

--- a/Lectures/Lecture 3 PyMC and Sampling.pptx
+++ b/Lectures/Lecture 3 PyMC and Sampling.pptx
@@ -5,77 +5,79 @@
     <p:sldMasterId id="2147483648" r:id="rId1"/>
   </p:sldMasterIdLst>
   <p:notesMasterIdLst>
-    <p:notesMasterId r:id="rId70"/>
+    <p:notesMasterId r:id="rId72"/>
   </p:notesMasterIdLst>
   <p:sldIdLst>
     <p:sldId id="256" r:id="rId2"/>
     <p:sldId id="513" r:id="rId3"/>
-    <p:sldId id="555" r:id="rId4"/>
-    <p:sldId id="556" r:id="rId5"/>
-    <p:sldId id="321" r:id="rId6"/>
-    <p:sldId id="554" r:id="rId7"/>
-    <p:sldId id="519" r:id="rId8"/>
-    <p:sldId id="520" r:id="rId9"/>
-    <p:sldId id="521" r:id="rId10"/>
-    <p:sldId id="522" r:id="rId11"/>
-    <p:sldId id="523" r:id="rId12"/>
-    <p:sldId id="524" r:id="rId13"/>
-    <p:sldId id="525" r:id="rId14"/>
-    <p:sldId id="526" r:id="rId15"/>
-    <p:sldId id="350" r:id="rId16"/>
-    <p:sldId id="527" r:id="rId17"/>
-    <p:sldId id="528" r:id="rId18"/>
-    <p:sldId id="539" r:id="rId19"/>
-    <p:sldId id="304" r:id="rId20"/>
-    <p:sldId id="305" r:id="rId21"/>
-    <p:sldId id="307" r:id="rId22"/>
-    <p:sldId id="308" r:id="rId23"/>
-    <p:sldId id="531" r:id="rId24"/>
-    <p:sldId id="540" r:id="rId25"/>
-    <p:sldId id="413" r:id="rId26"/>
-    <p:sldId id="532" r:id="rId27"/>
-    <p:sldId id="349" r:id="rId28"/>
-    <p:sldId id="402" r:id="rId29"/>
-    <p:sldId id="564" r:id="rId30"/>
-    <p:sldId id="530" r:id="rId31"/>
-    <p:sldId id="559" r:id="rId32"/>
-    <p:sldId id="561" r:id="rId33"/>
-    <p:sldId id="563" r:id="rId34"/>
-    <p:sldId id="560" r:id="rId35"/>
-    <p:sldId id="562" r:id="rId36"/>
-    <p:sldId id="541" r:id="rId37"/>
-    <p:sldId id="529" r:id="rId38"/>
-    <p:sldId id="533" r:id="rId39"/>
-    <p:sldId id="375" r:id="rId40"/>
-    <p:sldId id="376" r:id="rId41"/>
-    <p:sldId id="378" r:id="rId42"/>
-    <p:sldId id="534" r:id="rId43"/>
-    <p:sldId id="557" r:id="rId44"/>
-    <p:sldId id="572" r:id="rId45"/>
-    <p:sldId id="558" r:id="rId46"/>
-    <p:sldId id="573" r:id="rId47"/>
-    <p:sldId id="574" r:id="rId48"/>
-    <p:sldId id="575" r:id="rId49"/>
-    <p:sldId id="565" r:id="rId50"/>
-    <p:sldId id="566" r:id="rId51"/>
-    <p:sldId id="567" r:id="rId52"/>
-    <p:sldId id="571" r:id="rId53"/>
-    <p:sldId id="568" r:id="rId54"/>
-    <p:sldId id="569" r:id="rId55"/>
-    <p:sldId id="570" r:id="rId56"/>
-    <p:sldId id="542" r:id="rId57"/>
-    <p:sldId id="535" r:id="rId58"/>
-    <p:sldId id="536" r:id="rId59"/>
-    <p:sldId id="537" r:id="rId60"/>
-    <p:sldId id="538" r:id="rId61"/>
-    <p:sldId id="311" r:id="rId62"/>
-    <p:sldId id="576" r:id="rId63"/>
-    <p:sldId id="577" r:id="rId64"/>
-    <p:sldId id="578" r:id="rId65"/>
-    <p:sldId id="579" r:id="rId66"/>
-    <p:sldId id="580" r:id="rId67"/>
-    <p:sldId id="581" r:id="rId68"/>
-    <p:sldId id="582" r:id="rId69"/>
+    <p:sldId id="583" r:id="rId4"/>
+    <p:sldId id="555" r:id="rId5"/>
+    <p:sldId id="556" r:id="rId6"/>
+    <p:sldId id="321" r:id="rId7"/>
+    <p:sldId id="554" r:id="rId8"/>
+    <p:sldId id="519" r:id="rId9"/>
+    <p:sldId id="520" r:id="rId10"/>
+    <p:sldId id="521" r:id="rId11"/>
+    <p:sldId id="522" r:id="rId12"/>
+    <p:sldId id="523" r:id="rId13"/>
+    <p:sldId id="524" r:id="rId14"/>
+    <p:sldId id="525" r:id="rId15"/>
+    <p:sldId id="526" r:id="rId16"/>
+    <p:sldId id="350" r:id="rId17"/>
+    <p:sldId id="527" r:id="rId18"/>
+    <p:sldId id="528" r:id="rId19"/>
+    <p:sldId id="539" r:id="rId20"/>
+    <p:sldId id="304" r:id="rId21"/>
+    <p:sldId id="305" r:id="rId22"/>
+    <p:sldId id="307" r:id="rId23"/>
+    <p:sldId id="308" r:id="rId24"/>
+    <p:sldId id="531" r:id="rId25"/>
+    <p:sldId id="540" r:id="rId26"/>
+    <p:sldId id="413" r:id="rId27"/>
+    <p:sldId id="532" r:id="rId28"/>
+    <p:sldId id="349" r:id="rId29"/>
+    <p:sldId id="402" r:id="rId30"/>
+    <p:sldId id="564" r:id="rId31"/>
+    <p:sldId id="530" r:id="rId32"/>
+    <p:sldId id="559" r:id="rId33"/>
+    <p:sldId id="561" r:id="rId34"/>
+    <p:sldId id="563" r:id="rId35"/>
+    <p:sldId id="560" r:id="rId36"/>
+    <p:sldId id="562" r:id="rId37"/>
+    <p:sldId id="541" r:id="rId38"/>
+    <p:sldId id="529" r:id="rId39"/>
+    <p:sldId id="533" r:id="rId40"/>
+    <p:sldId id="375" r:id="rId41"/>
+    <p:sldId id="376" r:id="rId42"/>
+    <p:sldId id="378" r:id="rId43"/>
+    <p:sldId id="534" r:id="rId44"/>
+    <p:sldId id="584" r:id="rId45"/>
+    <p:sldId id="557" r:id="rId46"/>
+    <p:sldId id="572" r:id="rId47"/>
+    <p:sldId id="558" r:id="rId48"/>
+    <p:sldId id="573" r:id="rId49"/>
+    <p:sldId id="574" r:id="rId50"/>
+    <p:sldId id="575" r:id="rId51"/>
+    <p:sldId id="565" r:id="rId52"/>
+    <p:sldId id="566" r:id="rId53"/>
+    <p:sldId id="567" r:id="rId54"/>
+    <p:sldId id="571" r:id="rId55"/>
+    <p:sldId id="568" r:id="rId56"/>
+    <p:sldId id="569" r:id="rId57"/>
+    <p:sldId id="570" r:id="rId58"/>
+    <p:sldId id="542" r:id="rId59"/>
+    <p:sldId id="535" r:id="rId60"/>
+    <p:sldId id="536" r:id="rId61"/>
+    <p:sldId id="537" r:id="rId62"/>
+    <p:sldId id="538" r:id="rId63"/>
+    <p:sldId id="311" r:id="rId64"/>
+    <p:sldId id="576" r:id="rId65"/>
+    <p:sldId id="577" r:id="rId66"/>
+    <p:sldId id="578" r:id="rId67"/>
+    <p:sldId id="579" r:id="rId68"/>
+    <p:sldId id="580" r:id="rId69"/>
+    <p:sldId id="581" r:id="rId70"/>
+    <p:sldId id="582" r:id="rId71"/>
   </p:sldIdLst>
   <p:sldSz cx="12192000" cy="6858000"/>
   <p:notesSz cx="7102475" cy="10234613"/>
@@ -5376,6 +5378,165 @@
         <p:cNvPr id="1" name="">
           <a:extLst>
             <a:ext uri="{FF2B5EF4-FFF2-40B4-BE49-F238E27FC236}">
+              <a16:creationId xmlns:a16="http://schemas.microsoft.com/office/drawing/2014/main" id="{8E50E44E-371E-F470-CCE9-5C5153DBCE87}"/>
+            </a:ext>
+          </a:extLst>
+        </p:cNvPr>
+        <p:cNvGrpSpPr/>
+        <p:nvPr/>
+      </p:nvGrpSpPr>
+      <p:grpSpPr>
+        <a:xfrm>
+          <a:off x="0" y="0"/>
+          <a:ext cx="0" cy="0"/>
+          <a:chOff x="0" y="0"/>
+          <a:chExt cx="0" cy="0"/>
+        </a:xfrm>
+      </p:grpSpPr>
+      <p:sp>
+        <p:nvSpPr>
+          <p:cNvPr id="4" name="Title 3">
+            <a:extLst>
+              <a:ext uri="{FF2B5EF4-FFF2-40B4-BE49-F238E27FC236}">
+                <a16:creationId xmlns:a16="http://schemas.microsoft.com/office/drawing/2014/main" id="{A7E9ADDA-07E0-00DC-F5B9-E78D7A31DAE6}"/>
+              </a:ext>
+            </a:extLst>
+          </p:cNvPr>
+          <p:cNvSpPr>
+            <a:spLocks noGrp="1"/>
+          </p:cNvSpPr>
+          <p:nvPr>
+            <p:ph type="title"/>
+          </p:nvPr>
+        </p:nvSpPr>
+        <p:spPr/>
+        <p:txBody>
+          <a:bodyPr/>
+          <a:lstStyle/>
+          <a:p>
+            <a:r>
+              <a:rPr lang="en-US"/>
+              <a:t>A history of Bayesian data analysis</a:t>
+            </a:r>
+            <a:endParaRPr lang="en-IL"/>
+          </a:p>
+        </p:txBody>
+      </p:sp>
+      <p:sp>
+        <p:nvSpPr>
+          <p:cNvPr id="5" name="Content Placeholder 4">
+            <a:extLst>
+              <a:ext uri="{FF2B5EF4-FFF2-40B4-BE49-F238E27FC236}">
+                <a16:creationId xmlns:a16="http://schemas.microsoft.com/office/drawing/2014/main" id="{90490D7E-D28E-D7BB-23F4-3A70597D8010}"/>
+              </a:ext>
+            </a:extLst>
+          </p:cNvPr>
+          <p:cNvSpPr>
+            <a:spLocks noGrp="1"/>
+          </p:cNvSpPr>
+          <p:nvPr>
+            <p:ph idx="1"/>
+          </p:nvPr>
+        </p:nvSpPr>
+        <p:spPr/>
+        <p:txBody>
+          <a:bodyPr/>
+          <a:lstStyle/>
+          <a:p>
+            <a:r>
+              <a:rPr lang="en-US"/>
+              <a:t>The ancient world: 1930s-1950s</a:t>
+            </a:r>
+          </a:p>
+          <a:p>
+            <a:r>
+              <a:rPr lang="en-US"/>
+              <a:t>The dark ages: 1950s-1980s</a:t>
+            </a:r>
+          </a:p>
+          <a:p>
+            <a:pPr lvl="1"/>
+            <a:r>
+              <a:rPr lang="en-US"/>
+              <a:t>Bayesian data analysis becomes a rarely visited backwater</a:t>
+            </a:r>
+          </a:p>
+          <a:p>
+            <a:pPr lvl="1"/>
+            <a:r>
+              <a:rPr lang="en-US"/>
+              <a:t>The frequentist empire expands</a:t>
+            </a:r>
+          </a:p>
+          <a:p>
+            <a:pPr lvl="2"/>
+            <a:r>
+              <a:rPr lang="en-US"/>
+              <a:t>Technological developments</a:t>
+            </a:r>
+          </a:p>
+          <a:p>
+            <a:pPr lvl="2"/>
+            <a:r>
+              <a:rPr lang="en-US"/>
+              <a:t>Widespread scientific and popular acceptance</a:t>
+            </a:r>
+          </a:p>
+          <a:p>
+            <a:pPr lvl="2"/>
+            <a:r>
+              <a:rPr lang="en-US"/>
+              <a:t>Enormous worldwide influence</a:t>
+            </a:r>
+          </a:p>
+          <a:p>
+            <a:pPr lvl="1"/>
+            <a:r>
+              <a:rPr lang="en-US"/>
+              <a:t>Early computers could do frequentist computations</a:t>
+            </a:r>
+          </a:p>
+          <a:p>
+            <a:pPr lvl="2"/>
+            <a:r>
+              <a:rPr lang="en-US"/>
+              <a:t>But they couldn’t solve integrals to find the posterior distribution</a:t>
+            </a:r>
+          </a:p>
+          <a:p>
+            <a:pPr lvl="2"/>
+            <a:r>
+              <a:rPr lang="en-US">
+                <a:solidFill>
+                  <a:srgbClr val="FF0000"/>
+                </a:solidFill>
+              </a:rPr>
+              <a:t>Bayesian statistics is only tractable on very simple, toy examples</a:t>
+            </a:r>
+          </a:p>
+        </p:txBody>
+      </p:sp>
+    </p:spTree>
+    <p:extLst>
+      <p:ext uri="{BB962C8B-B14F-4D97-AF65-F5344CB8AC3E}">
+        <p14:creationId xmlns:p14="http://schemas.microsoft.com/office/powerpoint/2010/main" val="2352722331"/>
+      </p:ext>
+    </p:extLst>
+  </p:cSld>
+  <p:clrMapOvr>
+    <a:masterClrMapping/>
+  </p:clrMapOvr>
+</p:sld>
+</file>
+
+<file path=ppt/slides/slide11.xml><?xml version="1.0" encoding="utf-8"?>
+<p:sld xmlns:a="http://schemas.openxmlformats.org/drawingml/2006/main" xmlns:r="http://schemas.openxmlformats.org/officeDocument/2006/relationships" xmlns:p="http://schemas.openxmlformats.org/presentationml/2006/main">
+  <p:cSld>
+    <p:spTree>
+      <p:nvGrpSpPr>
+        <p:cNvPr id="1" name="">
+          <a:extLst>
+            <a:ext uri="{FF2B5EF4-FFF2-40B4-BE49-F238E27FC236}">
               <a16:creationId xmlns:a16="http://schemas.microsoft.com/office/drawing/2014/main" id="{F8F88380-E6FA-73B6-4DAD-C6CD21FF7AF1}"/>
             </a:ext>
           </a:extLst>
@@ -5528,7 +5689,7 @@
 </p:sld>
 </file>
 
-<file path=ppt/slides/slide11.xml><?xml version="1.0" encoding="utf-8"?>
+<file path=ppt/slides/slide12.xml><?xml version="1.0" encoding="utf-8"?>
 <p:sld xmlns:a="http://schemas.openxmlformats.org/drawingml/2006/main" xmlns:r="http://schemas.openxmlformats.org/officeDocument/2006/relationships" xmlns:p="http://schemas.openxmlformats.org/presentationml/2006/main">
   <p:cSld>
     <p:spTree>
@@ -5671,7 +5832,7 @@
 </p:sld>
 </file>
 
-<file path=ppt/slides/slide12.xml><?xml version="1.0" encoding="utf-8"?>
+<file path=ppt/slides/slide13.xml><?xml version="1.0" encoding="utf-8"?>
 <p:sld xmlns:a="http://schemas.openxmlformats.org/drawingml/2006/main" xmlns:r="http://schemas.openxmlformats.org/officeDocument/2006/relationships" xmlns:p="http://schemas.openxmlformats.org/presentationml/2006/main">
   <p:cSld>
     <p:spTree>
@@ -5823,7 +5984,7 @@
 </p:sld>
 </file>
 
-<file path=ppt/slides/slide13.xml><?xml version="1.0" encoding="utf-8"?>
+<file path=ppt/slides/slide14.xml><?xml version="1.0" encoding="utf-8"?>
 <p:sld xmlns:a="http://schemas.openxmlformats.org/drawingml/2006/main" xmlns:r="http://schemas.openxmlformats.org/officeDocument/2006/relationships" xmlns:p="http://schemas.openxmlformats.org/presentationml/2006/main">
   <p:cSld>
     <p:spTree>
@@ -5973,7 +6134,7 @@
 </p:sld>
 </file>
 
-<file path=ppt/slides/slide14.xml><?xml version="1.0" encoding="utf-8"?>
+<file path=ppt/slides/slide15.xml><?xml version="1.0" encoding="utf-8"?>
 <p:sld xmlns:a="http://schemas.openxmlformats.org/drawingml/2006/main" xmlns:r="http://schemas.openxmlformats.org/officeDocument/2006/relationships" xmlns:p="http://schemas.openxmlformats.org/presentationml/2006/main">
   <p:cSld>
     <p:spTree>
@@ -6121,7 +6282,7 @@
               <a:pPr>
                 <a:defRPr/>
               </a:pPr>
-              <a:t>14</a:t>
+              <a:t>15</a:t>
             </a:fld>
             <a:r>
               <a:rPr lang="en-US" altLang="en-US"/>
@@ -6143,7 +6304,7 @@
 </p:sld>
 </file>
 
-<file path=ppt/slides/slide15.xml><?xml version="1.0" encoding="utf-8"?>
+<file path=ppt/slides/slide16.xml><?xml version="1.0" encoding="utf-8"?>
 <p:sld xmlns:a="http://schemas.openxmlformats.org/drawingml/2006/main" xmlns:r="http://schemas.openxmlformats.org/officeDocument/2006/relationships" xmlns:p="http://schemas.openxmlformats.org/presentationml/2006/main">
   <p:cSld>
     <p:spTree>
@@ -6311,7 +6472,7 @@
 </p:sld>
 </file>
 
-<file path=ppt/slides/slide16.xml><?xml version="1.0" encoding="utf-8"?>
+<file path=ppt/slides/slide17.xml><?xml version="1.0" encoding="utf-8"?>
 <p:sld xmlns:a="http://schemas.openxmlformats.org/drawingml/2006/main" xmlns:r="http://schemas.openxmlformats.org/officeDocument/2006/relationships" xmlns:p="http://schemas.openxmlformats.org/presentationml/2006/main">
   <p:cSld>
     <p:spTree>
@@ -7263,7 +7424,7 @@
 </p:sld>
 </file>
 
-<file path=ppt/slides/slide17.xml><?xml version="1.0" encoding="utf-8"?>
+<file path=ppt/slides/slide18.xml><?xml version="1.0" encoding="utf-8"?>
 <p:sld xmlns:a="http://schemas.openxmlformats.org/drawingml/2006/main" xmlns:r="http://schemas.openxmlformats.org/officeDocument/2006/relationships" xmlns:p="http://schemas.openxmlformats.org/presentationml/2006/main">
   <p:cSld>
     <p:spTree>
@@ -8757,7 +8918,7 @@
 </p:sld>
 </file>
 
-<file path=ppt/slides/slide18.xml><?xml version="1.0" encoding="utf-8"?>
+<file path=ppt/slides/slide19.xml><?xml version="1.0" encoding="utf-8"?>
 <p:sld xmlns:a="http://schemas.openxmlformats.org/drawingml/2006/main" xmlns:r="http://schemas.openxmlformats.org/officeDocument/2006/relationships" xmlns:p="http://schemas.openxmlformats.org/presentationml/2006/main">
   <p:cSld>
     <p:spTree>
@@ -8897,7 +9058,7 @@
               <a:pPr>
                 <a:defRPr/>
               </a:pPr>
-              <a:t>18</a:t>
+              <a:t>19</a:t>
             </a:fld>
             <a:r>
               <a:rPr lang="en-US" altLang="en-US"/>
@@ -8910,130 +9071,6 @@
     <p:extLst>
       <p:ext uri="{BB962C8B-B14F-4D97-AF65-F5344CB8AC3E}">
         <p14:creationId xmlns:p14="http://schemas.microsoft.com/office/powerpoint/2010/main" val="4096231202"/>
-      </p:ext>
-    </p:extLst>
-  </p:cSld>
-  <p:clrMapOvr>
-    <a:masterClrMapping/>
-  </p:clrMapOvr>
-</p:sld>
-</file>
-
-<file path=ppt/slides/slide19.xml><?xml version="1.0" encoding="utf-8"?>
-<p:sld xmlns:a="http://schemas.openxmlformats.org/drawingml/2006/main" xmlns:r="http://schemas.openxmlformats.org/officeDocument/2006/relationships" xmlns:p="http://schemas.openxmlformats.org/presentationml/2006/main">
-  <p:cSld>
-    <p:spTree>
-      <p:nvGrpSpPr>
-        <p:cNvPr id="1" name=""/>
-        <p:cNvGrpSpPr/>
-        <p:nvPr/>
-      </p:nvGrpSpPr>
-      <p:grpSpPr>
-        <a:xfrm>
-          <a:off x="0" y="0"/>
-          <a:ext cx="0" cy="0"/>
-          <a:chOff x="0" y="0"/>
-          <a:chExt cx="0" cy="0"/>
-        </a:xfrm>
-      </p:grpSpPr>
-      <p:sp>
-        <p:nvSpPr>
-          <p:cNvPr id="2" name="Title 1"/>
-          <p:cNvSpPr>
-            <a:spLocks noGrp="1"/>
-          </p:cNvSpPr>
-          <p:nvPr>
-            <p:ph type="title"/>
-          </p:nvPr>
-        </p:nvSpPr>
-        <p:spPr/>
-        <p:txBody>
-          <a:bodyPr/>
-          <a:lstStyle/>
-          <a:p>
-            <a:r>
-              <a:rPr lang="en-US"/>
-              <a:t>Why sample?</a:t>
-            </a:r>
-            <a:endParaRPr lang="en-GB"/>
-          </a:p>
-        </p:txBody>
-      </p:sp>
-      <p:sp>
-        <p:nvSpPr>
-          <p:cNvPr id="3" name="Content Placeholder 2"/>
-          <p:cNvSpPr>
-            <a:spLocks noGrp="1"/>
-          </p:cNvSpPr>
-          <p:nvPr>
-            <p:ph idx="1"/>
-          </p:nvPr>
-        </p:nvSpPr>
-        <p:spPr/>
-        <p:txBody>
-          <a:bodyPr/>
-          <a:lstStyle/>
-          <a:p>
-            <a:r>
-              <a:rPr lang="en-US"/>
-              <a:t>Analytic solutions not always available?</a:t>
-            </a:r>
-          </a:p>
-          <a:p>
-            <a:pPr lvl="1"/>
-            <a:r>
-              <a:rPr lang="en-US"/>
-              <a:t>Must choose a likelihood with a conjugate prior</a:t>
-            </a:r>
-          </a:p>
-          <a:p>
-            <a:pPr lvl="1"/>
-            <a:r>
-              <a:rPr lang="en-US"/>
-              <a:t>Must have a conjugate prior that fits</a:t>
-            </a:r>
-          </a:p>
-          <a:p>
-            <a:pPr lvl="1"/>
-            <a:endParaRPr lang="en-US"/>
-          </a:p>
-          <a:p>
-            <a:r>
-              <a:rPr lang="en-US"/>
-              <a:t>Grid solution often too limited</a:t>
-            </a:r>
-          </a:p>
-          <a:p>
-            <a:pPr lvl="1"/>
-            <a:r>
-              <a:rPr lang="en-US"/>
-              <a:t>Works great for 1 parameter</a:t>
-            </a:r>
-          </a:p>
-          <a:p>
-            <a:pPr lvl="1"/>
-            <a:r>
-              <a:rPr lang="en-US"/>
-              <a:t>Becomes quickly untenable for more than 2 or 3 parameters</a:t>
-            </a:r>
-          </a:p>
-          <a:p>
-            <a:pPr lvl="1"/>
-            <a:endParaRPr lang="en-US"/>
-          </a:p>
-          <a:p>
-            <a:r>
-              <a:rPr lang="en-US"/>
-              <a:t>We’ll learn it on one parameter, just to make things simple</a:t>
-            </a:r>
-            <a:endParaRPr lang="en-GB"/>
-          </a:p>
-        </p:txBody>
-      </p:sp>
-    </p:spTree>
-    <p:extLst>
-      <p:ext uri="{BB962C8B-B14F-4D97-AF65-F5344CB8AC3E}">
-        <p14:creationId xmlns:p14="http://schemas.microsoft.com/office/powerpoint/2010/main" val="3203460214"/>
       </p:ext>
     </p:extLst>
   </p:cSld>
@@ -9204,6 +9241,130 @@
 </file>
 
 <file path=ppt/slides/slide20.xml><?xml version="1.0" encoding="utf-8"?>
+<p:sld xmlns:a="http://schemas.openxmlformats.org/drawingml/2006/main" xmlns:r="http://schemas.openxmlformats.org/officeDocument/2006/relationships" xmlns:p="http://schemas.openxmlformats.org/presentationml/2006/main">
+  <p:cSld>
+    <p:spTree>
+      <p:nvGrpSpPr>
+        <p:cNvPr id="1" name=""/>
+        <p:cNvGrpSpPr/>
+        <p:nvPr/>
+      </p:nvGrpSpPr>
+      <p:grpSpPr>
+        <a:xfrm>
+          <a:off x="0" y="0"/>
+          <a:ext cx="0" cy="0"/>
+          <a:chOff x="0" y="0"/>
+          <a:chExt cx="0" cy="0"/>
+        </a:xfrm>
+      </p:grpSpPr>
+      <p:sp>
+        <p:nvSpPr>
+          <p:cNvPr id="2" name="Title 1"/>
+          <p:cNvSpPr>
+            <a:spLocks noGrp="1"/>
+          </p:cNvSpPr>
+          <p:nvPr>
+            <p:ph type="title"/>
+          </p:nvPr>
+        </p:nvSpPr>
+        <p:spPr/>
+        <p:txBody>
+          <a:bodyPr/>
+          <a:lstStyle/>
+          <a:p>
+            <a:r>
+              <a:rPr lang="en-US"/>
+              <a:t>Why sample?</a:t>
+            </a:r>
+            <a:endParaRPr lang="en-GB"/>
+          </a:p>
+        </p:txBody>
+      </p:sp>
+      <p:sp>
+        <p:nvSpPr>
+          <p:cNvPr id="3" name="Content Placeholder 2"/>
+          <p:cNvSpPr>
+            <a:spLocks noGrp="1"/>
+          </p:cNvSpPr>
+          <p:nvPr>
+            <p:ph idx="1"/>
+          </p:nvPr>
+        </p:nvSpPr>
+        <p:spPr/>
+        <p:txBody>
+          <a:bodyPr/>
+          <a:lstStyle/>
+          <a:p>
+            <a:r>
+              <a:rPr lang="en-US"/>
+              <a:t>Analytic solutions not always available?</a:t>
+            </a:r>
+          </a:p>
+          <a:p>
+            <a:pPr lvl="1"/>
+            <a:r>
+              <a:rPr lang="en-US"/>
+              <a:t>Must choose a likelihood with a conjugate prior</a:t>
+            </a:r>
+          </a:p>
+          <a:p>
+            <a:pPr lvl="1"/>
+            <a:r>
+              <a:rPr lang="en-US"/>
+              <a:t>Must have a conjugate prior that fits</a:t>
+            </a:r>
+          </a:p>
+          <a:p>
+            <a:pPr lvl="1"/>
+            <a:endParaRPr lang="en-US"/>
+          </a:p>
+          <a:p>
+            <a:r>
+              <a:rPr lang="en-US"/>
+              <a:t>Grid solution often too limited</a:t>
+            </a:r>
+          </a:p>
+          <a:p>
+            <a:pPr lvl="1"/>
+            <a:r>
+              <a:rPr lang="en-US"/>
+              <a:t>Works great for 1 parameter</a:t>
+            </a:r>
+          </a:p>
+          <a:p>
+            <a:pPr lvl="1"/>
+            <a:r>
+              <a:rPr lang="en-US"/>
+              <a:t>Becomes quickly untenable for more than 2 or 3 parameters</a:t>
+            </a:r>
+          </a:p>
+          <a:p>
+            <a:pPr lvl="1"/>
+            <a:endParaRPr lang="en-US"/>
+          </a:p>
+          <a:p>
+            <a:r>
+              <a:rPr lang="en-US"/>
+              <a:t>We’ll learn it on one parameter, just to make things simple</a:t>
+            </a:r>
+            <a:endParaRPr lang="en-GB"/>
+          </a:p>
+        </p:txBody>
+      </p:sp>
+    </p:spTree>
+    <p:extLst>
+      <p:ext uri="{BB962C8B-B14F-4D97-AF65-F5344CB8AC3E}">
+        <p14:creationId xmlns:p14="http://schemas.microsoft.com/office/powerpoint/2010/main" val="3203460214"/>
+      </p:ext>
+    </p:extLst>
+  </p:cSld>
+  <p:clrMapOvr>
+    <a:masterClrMapping/>
+  </p:clrMapOvr>
+</p:sld>
+</file>
+
+<file path=ppt/slides/slide21.xml><?xml version="1.0" encoding="utf-8"?>
 <p:sld xmlns:a="http://schemas.openxmlformats.org/drawingml/2006/main" xmlns:r="http://schemas.openxmlformats.org/officeDocument/2006/relationships" xmlns:p="http://schemas.openxmlformats.org/presentationml/2006/main">
   <p:cSld>
     <p:spTree>
@@ -9358,7 +9519,7 @@
 </p:sld>
 </file>
 
-<file path=ppt/slides/slide21.xml><?xml version="1.0" encoding="utf-8"?>
+<file path=ppt/slides/slide22.xml><?xml version="1.0" encoding="utf-8"?>
 <p:sld xmlns:a="http://schemas.openxmlformats.org/drawingml/2006/main" xmlns:r="http://schemas.openxmlformats.org/officeDocument/2006/relationships" xmlns:p="http://schemas.openxmlformats.org/presentationml/2006/main">
   <p:cSld>
     <p:spTree>
@@ -9554,7 +9715,7 @@
 </p:sld>
 </file>
 
-<file path=ppt/slides/slide22.xml><?xml version="1.0" encoding="utf-8"?>
+<file path=ppt/slides/slide23.xml><?xml version="1.0" encoding="utf-8"?>
 <p:sld xmlns:a="http://schemas.openxmlformats.org/drawingml/2006/main" xmlns:r="http://schemas.openxmlformats.org/officeDocument/2006/relationships" xmlns:p="http://schemas.openxmlformats.org/presentationml/2006/main">
   <p:cSld>
     <p:spTree>
@@ -9918,7 +10079,7 @@
 </p:sld>
 </file>
 
-<file path=ppt/slides/slide23.xml><?xml version="1.0" encoding="utf-8"?>
+<file path=ppt/slides/slide24.xml><?xml version="1.0" encoding="utf-8"?>
 <p:sld xmlns:a="http://schemas.openxmlformats.org/drawingml/2006/main" xmlns:r="http://schemas.openxmlformats.org/officeDocument/2006/relationships" xmlns:p="http://schemas.openxmlformats.org/presentationml/2006/main">
   <p:cSld>
     <p:spTree>
@@ -10892,7 +11053,7 @@
 </p:sld>
 </file>
 
-<file path=ppt/slides/slide24.xml><?xml version="1.0" encoding="utf-8"?>
+<file path=ppt/slides/slide25.xml><?xml version="1.0" encoding="utf-8"?>
 <p:sld xmlns:a="http://schemas.openxmlformats.org/drawingml/2006/main" xmlns:r="http://schemas.openxmlformats.org/officeDocument/2006/relationships" xmlns:p="http://schemas.openxmlformats.org/presentationml/2006/main">
   <p:cSld>
     <p:spTree>
@@ -11036,7 +11197,7 @@
               <a:pPr>
                 <a:defRPr/>
               </a:pPr>
-              <a:t>24</a:t>
+              <a:t>25</a:t>
             </a:fld>
             <a:r>
               <a:rPr lang="en-US" altLang="en-US"/>
@@ -11058,7 +11219,7 @@
 </p:sld>
 </file>
 
-<file path=ppt/slides/slide25.xml><?xml version="1.0" encoding="utf-8"?>
+<file path=ppt/slides/slide26.xml><?xml version="1.0" encoding="utf-8"?>
 <p:sld xmlns:a="http://schemas.openxmlformats.org/drawingml/2006/main" xmlns:r="http://schemas.openxmlformats.org/officeDocument/2006/relationships" xmlns:p="http://schemas.openxmlformats.org/presentationml/2006/main">
   <p:cSld>
     <p:spTree>
@@ -12124,7 +12285,7 @@
 </p:sld>
 </file>
 
-<file path=ppt/slides/slide26.xml><?xml version="1.0" encoding="utf-8"?>
+<file path=ppt/slides/slide27.xml><?xml version="1.0" encoding="utf-8"?>
 <p:sld xmlns:a="http://schemas.openxmlformats.org/drawingml/2006/main" xmlns:r="http://schemas.openxmlformats.org/officeDocument/2006/relationships" xmlns:p="http://schemas.openxmlformats.org/presentationml/2006/main">
   <p:cSld>
     <p:spTree>
@@ -12222,7 +12383,7 @@
 </p:sld>
 </file>
 
-<file path=ppt/slides/slide27.xml><?xml version="1.0" encoding="utf-8"?>
+<file path=ppt/slides/slide28.xml><?xml version="1.0" encoding="utf-8"?>
 <p:sld xmlns:a="http://schemas.openxmlformats.org/drawingml/2006/main" xmlns:r="http://schemas.openxmlformats.org/officeDocument/2006/relationships" xmlns:p="http://schemas.openxmlformats.org/presentationml/2006/main">
   <p:cSld>
     <p:spTree>
@@ -13228,7 +13389,7 @@
 </p:sld>
 </file>
 
-<file path=ppt/slides/slide28.xml><?xml version="1.0" encoding="utf-8"?>
+<file path=ppt/slides/slide29.xml><?xml version="1.0" encoding="utf-8"?>
 <p:sld xmlns:a="http://schemas.openxmlformats.org/drawingml/2006/main" xmlns:r="http://schemas.openxmlformats.org/officeDocument/2006/relationships" xmlns:p="http://schemas.openxmlformats.org/presentationml/2006/main">
   <p:cSld>
     <p:spTree>
@@ -15801,7 +15962,139 @@
 </p:sld>
 </file>
 
-<file path=ppt/slides/slide29.xml><?xml version="1.0" encoding="utf-8"?>
+<file path=ppt/slides/slide3.xml><?xml version="1.0" encoding="utf-8"?>
+<p:sld xmlns:a="http://schemas.openxmlformats.org/drawingml/2006/main" xmlns:r="http://schemas.openxmlformats.org/officeDocument/2006/relationships" xmlns:p="http://schemas.openxmlformats.org/presentationml/2006/main">
+  <p:cSld>
+    <p:spTree>
+      <p:nvGrpSpPr>
+        <p:cNvPr id="1" name=""/>
+        <p:cNvGrpSpPr/>
+        <p:nvPr/>
+      </p:nvGrpSpPr>
+      <p:grpSpPr>
+        <a:xfrm>
+          <a:off x="0" y="0"/>
+          <a:ext cx="0" cy="0"/>
+          <a:chOff x="0" y="0"/>
+          <a:chExt cx="0" cy="0"/>
+        </a:xfrm>
+      </p:grpSpPr>
+      <p:sp>
+        <p:nvSpPr>
+          <p:cNvPr id="4" name="Title 3">
+            <a:extLst>
+              <a:ext uri="{FF2B5EF4-FFF2-40B4-BE49-F238E27FC236}">
+                <a16:creationId xmlns:a16="http://schemas.microsoft.com/office/drawing/2014/main" id="{571E8C0E-2CDF-BA11-8B26-94531D01A891}"/>
+              </a:ext>
+            </a:extLst>
+          </p:cNvPr>
+          <p:cNvSpPr>
+            <a:spLocks noGrp="1"/>
+          </p:cNvSpPr>
+          <p:nvPr>
+            <p:ph type="title"/>
+          </p:nvPr>
+        </p:nvSpPr>
+        <p:spPr>
+          <a:xfrm>
+            <a:off x="838200" y="99818"/>
+            <a:ext cx="10515600" cy="530614"/>
+          </a:xfrm>
+        </p:spPr>
+        <p:txBody>
+          <a:bodyPr>
+            <a:normAutofit fontScale="90000"/>
+          </a:bodyPr>
+          <a:lstStyle/>
+          <a:p>
+            <a:r>
+              <a:rPr lang="en-US" dirty="0"/>
+              <a:t>Kahoot review</a:t>
+            </a:r>
+            <a:endParaRPr lang="en-IL" dirty="0"/>
+          </a:p>
+        </p:txBody>
+      </p:sp>
+      <mc:AlternateContent xmlns:mc="http://schemas.openxmlformats.org/markup-compatibility/2006">
+        <mc:Choice xmlns:we="http://schemas.microsoft.com/office/webextensions/webextension/2010/11" xmlns:pca="http://schemas.microsoft.com/office/powerpoint/2013/contentapp" Requires="we pca">
+          <p:graphicFrame>
+            <p:nvGraphicFramePr>
+              <p:cNvPr id="7" name="Add-in 6">
+                <a:extLst>
+                  <a:ext uri="{FF2B5EF4-FFF2-40B4-BE49-F238E27FC236}">
+                    <a16:creationId xmlns:a16="http://schemas.microsoft.com/office/drawing/2014/main" id="{01B2725B-8C91-9633-0E4A-91572A288D71}"/>
+                  </a:ext>
+                </a:extLst>
+              </p:cNvPr>
+              <p:cNvGraphicFramePr>
+                <a:graphicFrameLocks noGrp="1"/>
+              </p:cNvGraphicFramePr>
+              <p:nvPr>
+                <p:extLst>
+                  <p:ext uri="{D42A27DB-BD31-4B8C-83A1-F6EECF244321}">
+                    <p14:modId xmlns:p14="http://schemas.microsoft.com/office/powerpoint/2010/main" val="3211116374"/>
+                  </p:ext>
+                </p:extLst>
+              </p:nvPr>
+            </p:nvGraphicFramePr>
+            <p:xfrm>
+              <a:off x="1250302" y="630432"/>
+              <a:ext cx="9909110" cy="6127750"/>
+            </p:xfrm>
+            <a:graphic>
+              <a:graphicData uri="http://schemas.microsoft.com/office/webextensions/webextension/2010/11">
+                <we:webextensionref xmlns:we="http://schemas.microsoft.com/office/webextensions/webextension/2010/11" xmlns:r="http://schemas.openxmlformats.org/officeDocument/2006/relationships" r:id="rId2"/>
+              </a:graphicData>
+            </a:graphic>
+          </p:graphicFrame>
+        </mc:Choice>
+        <mc:Fallback>
+          <p:pic>
+            <p:nvPicPr>
+              <p:cNvPr id="7" name="Add-in 6">
+                <a:extLst>
+                  <a:ext uri="{FF2B5EF4-FFF2-40B4-BE49-F238E27FC236}">
+                    <a16:creationId xmlns:a16="http://schemas.microsoft.com/office/drawing/2014/main" id="{01B2725B-8C91-9633-0E4A-91572A288D71}"/>
+                  </a:ext>
+                </a:extLst>
+              </p:cNvPr>
+              <p:cNvPicPr>
+                <a:picLocks noGrp="1" noRot="1" noChangeAspect="1" noMove="1" noResize="1" noEditPoints="1" noAdjustHandles="1" noChangeArrowheads="1" noChangeShapeType="1"/>
+              </p:cNvPicPr>
+              <p:nvPr/>
+            </p:nvPicPr>
+            <p:blipFill>
+              <a:blip r:embed="rId3"/>
+              <a:stretch>
+                <a:fillRect/>
+              </a:stretch>
+            </p:blipFill>
+            <p:spPr>
+              <a:xfrm>
+                <a:off x="1250302" y="630432"/>
+                <a:ext cx="9909110" cy="6127750"/>
+              </a:xfrm>
+              <a:prstGeom prst="rect">
+                <a:avLst/>
+              </a:prstGeom>
+            </p:spPr>
+          </p:pic>
+        </mc:Fallback>
+      </mc:AlternateContent>
+    </p:spTree>
+    <p:extLst>
+      <p:ext uri="{BB962C8B-B14F-4D97-AF65-F5344CB8AC3E}">
+        <p14:creationId xmlns:p14="http://schemas.microsoft.com/office/powerpoint/2010/main" val="3743321989"/>
+      </p:ext>
+    </p:extLst>
+  </p:cSld>
+  <p:clrMapOvr>
+    <a:masterClrMapping/>
+  </p:clrMapOvr>
+</p:sld>
+</file>
+
+<file path=ppt/slides/slide30.xml><?xml version="1.0" encoding="utf-8"?>
 <p:sld xmlns:a="http://schemas.openxmlformats.org/drawingml/2006/main" xmlns:r="http://schemas.openxmlformats.org/officeDocument/2006/relationships" xmlns:p="http://schemas.openxmlformats.org/presentationml/2006/main">
   <p:cSld>
     <p:spTree>
@@ -15941,7 +16234,7 @@
               <a:pPr>
                 <a:defRPr/>
               </a:pPr>
-              <a:t>29</a:t>
+              <a:t>30</a:t>
             </a:fld>
             <a:r>
               <a:rPr lang="en-US" altLang="en-US"/>
@@ -15963,205 +16256,7 @@
 </p:sld>
 </file>
 
-<file path=ppt/slides/slide3.xml><?xml version="1.0" encoding="utf-8"?>
-<p:sld xmlns:a="http://schemas.openxmlformats.org/drawingml/2006/main" xmlns:r="http://schemas.openxmlformats.org/officeDocument/2006/relationships" xmlns:p="http://schemas.openxmlformats.org/presentationml/2006/main">
-  <p:cSld>
-    <p:spTree>
-      <p:nvGrpSpPr>
-        <p:cNvPr id="1" name=""/>
-        <p:cNvGrpSpPr/>
-        <p:nvPr/>
-      </p:nvGrpSpPr>
-      <p:grpSpPr>
-        <a:xfrm>
-          <a:off x="0" y="0"/>
-          <a:ext cx="0" cy="0"/>
-          <a:chOff x="0" y="0"/>
-          <a:chExt cx="0" cy="0"/>
-        </a:xfrm>
-      </p:grpSpPr>
-      <p:sp>
-        <p:nvSpPr>
-          <p:cNvPr id="4" name="Title 3">
-            <a:extLst>
-              <a:ext uri="{FF2B5EF4-FFF2-40B4-BE49-F238E27FC236}">
-                <a16:creationId xmlns:a16="http://schemas.microsoft.com/office/drawing/2014/main" id="{3DC65EE0-F03B-514B-483B-16C5CBAEACE0}"/>
-              </a:ext>
-            </a:extLst>
-          </p:cNvPr>
-          <p:cNvSpPr>
-            <a:spLocks noGrp="1"/>
-          </p:cNvSpPr>
-          <p:nvPr>
-            <p:ph type="title"/>
-          </p:nvPr>
-        </p:nvSpPr>
-        <p:spPr/>
-        <p:txBody>
-          <a:bodyPr/>
-          <a:lstStyle/>
-          <a:p>
-            <a:r>
-              <a:rPr lang="en-US"/>
-              <a:t>Models</a:t>
-            </a:r>
-            <a:endParaRPr lang="en-IL"/>
-          </a:p>
-        </p:txBody>
-      </p:sp>
-      <p:sp>
-        <p:nvSpPr>
-          <p:cNvPr id="5" name="Content Placeholder 4">
-            <a:extLst>
-              <a:ext uri="{FF2B5EF4-FFF2-40B4-BE49-F238E27FC236}">
-                <a16:creationId xmlns:a16="http://schemas.microsoft.com/office/drawing/2014/main" id="{4092FFCA-6A6D-88F6-BAB1-29F7D849F1DF}"/>
-              </a:ext>
-            </a:extLst>
-          </p:cNvPr>
-          <p:cNvSpPr>
-            <a:spLocks noGrp="1"/>
-          </p:cNvSpPr>
-          <p:nvPr>
-            <p:ph idx="1"/>
-          </p:nvPr>
-        </p:nvSpPr>
-        <p:spPr>
-          <a:xfrm>
-            <a:off x="329671" y="1588558"/>
-            <a:ext cx="5427133" cy="4351338"/>
-          </a:xfrm>
-        </p:spPr>
-        <p:txBody>
-          <a:bodyPr/>
-          <a:lstStyle/>
-          <a:p>
-            <a:r>
-              <a:rPr lang="en-US"/>
-              <a:t>Can write the model with equations or pictures</a:t>
-            </a:r>
-            <a:endParaRPr lang="en-IL"/>
-          </a:p>
-        </p:txBody>
-      </p:sp>
-      <p:pic>
-        <p:nvPicPr>
-          <p:cNvPr id="3" name="Graphic 2">
-            <a:extLst>
-              <a:ext uri="{FF2B5EF4-FFF2-40B4-BE49-F238E27FC236}">
-                <a16:creationId xmlns:a16="http://schemas.microsoft.com/office/drawing/2014/main" id="{31BA305D-8569-0910-4928-3C4B4AD6CBAE}"/>
-              </a:ext>
-            </a:extLst>
-          </p:cNvPr>
-          <p:cNvPicPr>
-            <a:picLocks noChangeAspect="1"/>
-          </p:cNvPicPr>
-          <p:nvPr/>
-        </p:nvPicPr>
-        <p:blipFill>
-          <a:blip r:embed="rId2">
-            <a:extLst>
-              <a:ext uri="{96DAC541-7B7A-43D3-8B79-37D633B846F1}">
-                <asvg:svgBlip xmlns:asvg="http://schemas.microsoft.com/office/drawing/2016/SVG/main" r:embed="rId3"/>
-              </a:ext>
-            </a:extLst>
-          </a:blip>
-          <a:stretch>
-            <a:fillRect/>
-          </a:stretch>
-        </p:blipFill>
-        <p:spPr>
-          <a:xfrm>
-            <a:off x="8177742" y="1266825"/>
-            <a:ext cx="1695450" cy="4324350"/>
-          </a:xfrm>
-          <a:prstGeom prst="rect">
-            <a:avLst/>
-          </a:prstGeom>
-        </p:spPr>
-      </p:pic>
-      <p:graphicFrame>
-        <p:nvGraphicFramePr>
-          <p:cNvPr id="2" name="Object 1">
-            <a:extLst>
-              <a:ext uri="{FF2B5EF4-FFF2-40B4-BE49-F238E27FC236}">
-                <a16:creationId xmlns:a16="http://schemas.microsoft.com/office/drawing/2014/main" id="{5079C67F-A11D-3C42-F63B-A3BC977BB773}"/>
-              </a:ext>
-            </a:extLst>
-          </p:cNvPr>
-          <p:cNvGraphicFramePr>
-            <a:graphicFrameLocks noChangeAspect="1"/>
-          </p:cNvGraphicFramePr>
-          <p:nvPr>
-            <p:extLst>
-              <p:ext uri="{D42A27DB-BD31-4B8C-83A1-F6EECF244321}">
-                <p14:modId xmlns:p14="http://schemas.microsoft.com/office/powerpoint/2010/main" val="2836876110"/>
-              </p:ext>
-            </p:extLst>
-          </p:nvPr>
-        </p:nvGraphicFramePr>
-        <p:xfrm>
-          <a:off x="4976284" y="1588558"/>
-          <a:ext cx="2374900" cy="1092200"/>
-        </p:xfrm>
-        <a:graphic>
-          <a:graphicData uri="http://schemas.openxmlformats.org/presentationml/2006/ole">
-            <mc:AlternateContent xmlns:mc="http://schemas.openxmlformats.org/markup-compatibility/2006">
-              <mc:Choice xmlns:v="urn:schemas-microsoft-com:vml" Requires="v">
-                <p:oleObj name="Equation" r:id="rId4" imgW="2374540" imgH="1092724" progId="Equation.DSMT4">
-                  <p:embed/>
-                </p:oleObj>
-              </mc:Choice>
-              <mc:Fallback>
-                <p:oleObj name="Equation" r:id="rId4" imgW="2374540" imgH="1092724" progId="Equation.DSMT4">
-                  <p:embed/>
-                  <p:pic>
-                    <p:nvPicPr>
-                      <p:cNvPr id="2" name="Object 1">
-                        <a:extLst>
-                          <a:ext uri="{FF2B5EF4-FFF2-40B4-BE49-F238E27FC236}">
-                            <a16:creationId xmlns:a16="http://schemas.microsoft.com/office/drawing/2014/main" id="{5079C67F-A11D-3C42-F63B-A3BC977BB773}"/>
-                          </a:ext>
-                        </a:extLst>
-                      </p:cNvPr>
-                      <p:cNvPicPr/>
-                      <p:nvPr/>
-                    </p:nvPicPr>
-                    <p:blipFill>
-                      <a:blip r:embed="rId5"/>
-                      <a:stretch>
-                        <a:fillRect/>
-                      </a:stretch>
-                    </p:blipFill>
-                    <p:spPr>
-                      <a:xfrm>
-                        <a:off x="4976284" y="1588558"/>
-                        <a:ext cx="2374900" cy="1092200"/>
-                      </a:xfrm>
-                      <a:prstGeom prst="rect">
-                        <a:avLst/>
-                      </a:prstGeom>
-                    </p:spPr>
-                  </p:pic>
-                </p:oleObj>
-              </mc:Fallback>
-            </mc:AlternateContent>
-          </a:graphicData>
-        </a:graphic>
-      </p:graphicFrame>
-    </p:spTree>
-    <p:extLst>
-      <p:ext uri="{BB962C8B-B14F-4D97-AF65-F5344CB8AC3E}">
-        <p14:creationId xmlns:p14="http://schemas.microsoft.com/office/powerpoint/2010/main" val="2689927869"/>
-      </p:ext>
-    </p:extLst>
-  </p:cSld>
-  <p:clrMapOvr>
-    <a:masterClrMapping/>
-  </p:clrMapOvr>
-</p:sld>
-</file>
-
-<file path=ppt/slides/slide30.xml><?xml version="1.0" encoding="utf-8"?>
+<file path=ppt/slides/slide31.xml><?xml version="1.0" encoding="utf-8"?>
 <p:sld xmlns:a="http://schemas.openxmlformats.org/drawingml/2006/main" xmlns:r="http://schemas.openxmlformats.org/officeDocument/2006/relationships" xmlns:p="http://schemas.openxmlformats.org/presentationml/2006/main">
   <p:cSld>
     <p:spTree>
@@ -16337,7 +16432,7 @@
 </p:sld>
 </file>
 
-<file path=ppt/slides/slide31.xml><?xml version="1.0" encoding="utf-8"?>
+<file path=ppt/slides/slide32.xml><?xml version="1.0" encoding="utf-8"?>
 <p:sld xmlns:a="http://schemas.openxmlformats.org/drawingml/2006/main" xmlns:r="http://schemas.openxmlformats.org/officeDocument/2006/relationships" xmlns:p="http://schemas.openxmlformats.org/presentationml/2006/main">
   <p:cSld>
     <p:spTree>
@@ -16504,7 +16599,7 @@
 </p:sld>
 </file>
 
-<file path=ppt/slides/slide32.xml><?xml version="1.0" encoding="utf-8"?>
+<file path=ppt/slides/slide33.xml><?xml version="1.0" encoding="utf-8"?>
 <p:sld xmlns:a="http://schemas.openxmlformats.org/drawingml/2006/main" xmlns:r="http://schemas.openxmlformats.org/officeDocument/2006/relationships" xmlns:p="http://schemas.openxmlformats.org/presentationml/2006/main">
   <p:cSld>
     <p:spTree>
@@ -16684,7 +16779,7 @@
 </p:sld>
 </file>
 
-<file path=ppt/slides/slide33.xml><?xml version="1.0" encoding="utf-8"?>
+<file path=ppt/slides/slide34.xml><?xml version="1.0" encoding="utf-8"?>
 <p:sld xmlns:a="http://schemas.openxmlformats.org/drawingml/2006/main" xmlns:r="http://schemas.openxmlformats.org/officeDocument/2006/relationships" xmlns:p="http://schemas.openxmlformats.org/presentationml/2006/main">
   <p:cSld>
     <p:spTree>
@@ -16846,7 +16941,7 @@
 </p:sld>
 </file>
 
-<file path=ppt/slides/slide34.xml><?xml version="1.0" encoding="utf-8"?>
+<file path=ppt/slides/slide35.xml><?xml version="1.0" encoding="utf-8"?>
 <p:sld xmlns:a="http://schemas.openxmlformats.org/drawingml/2006/main" xmlns:r="http://schemas.openxmlformats.org/officeDocument/2006/relationships" xmlns:p="http://schemas.openxmlformats.org/presentationml/2006/main">
   <p:cSld>
     <p:spTree>
@@ -16993,7 +17088,7 @@
 </p:sld>
 </file>
 
-<file path=ppt/slides/slide35.xml><?xml version="1.0" encoding="utf-8"?>
+<file path=ppt/slides/slide36.xml><?xml version="1.0" encoding="utf-8"?>
 <p:sld xmlns:a="http://schemas.openxmlformats.org/drawingml/2006/main" xmlns:r="http://schemas.openxmlformats.org/officeDocument/2006/relationships" xmlns:p="http://schemas.openxmlformats.org/presentationml/2006/main">
   <p:cSld>
     <p:spTree>
@@ -17122,7 +17217,7 @@
 </p:sld>
 </file>
 
-<file path=ppt/slides/slide36.xml><?xml version="1.0" encoding="utf-8"?>
+<file path=ppt/slides/slide37.xml><?xml version="1.0" encoding="utf-8"?>
 <p:sld xmlns:a="http://schemas.openxmlformats.org/drawingml/2006/main" xmlns:r="http://schemas.openxmlformats.org/officeDocument/2006/relationships" xmlns:p="http://schemas.openxmlformats.org/presentationml/2006/main">
   <p:cSld>
     <p:spTree>
@@ -17262,7 +17357,7 @@
               <a:pPr>
                 <a:defRPr/>
               </a:pPr>
-              <a:t>36</a:t>
+              <a:t>37</a:t>
             </a:fld>
             <a:r>
               <a:rPr lang="en-US" altLang="en-US"/>
@@ -17284,7 +17379,7 @@
 </p:sld>
 </file>
 
-<file path=ppt/slides/slide37.xml><?xml version="1.0" encoding="utf-8"?>
+<file path=ppt/slides/slide38.xml><?xml version="1.0" encoding="utf-8"?>
 <p:sld xmlns:a="http://schemas.openxmlformats.org/drawingml/2006/main" xmlns:r="http://schemas.openxmlformats.org/officeDocument/2006/relationships" xmlns:p="http://schemas.openxmlformats.org/presentationml/2006/main">
   <p:cSld>
     <p:spTree>
@@ -17878,7 +17973,7 @@
 </p:sld>
 </file>
 
-<file path=ppt/slides/slide38.xml><?xml version="1.0" encoding="utf-8"?>
+<file path=ppt/slides/slide39.xml><?xml version="1.0" encoding="utf-8"?>
 <p:sld xmlns:a="http://schemas.openxmlformats.org/drawingml/2006/main" xmlns:r="http://schemas.openxmlformats.org/officeDocument/2006/relationships" xmlns:p="http://schemas.openxmlformats.org/presentationml/2006/main">
   <p:cSld>
     <p:spTree>
@@ -18339,7 +18434,205 @@
 </p:sld>
 </file>
 
-<file path=ppt/slides/slide39.xml><?xml version="1.0" encoding="utf-8"?>
+<file path=ppt/slides/slide4.xml><?xml version="1.0" encoding="utf-8"?>
+<p:sld xmlns:a="http://schemas.openxmlformats.org/drawingml/2006/main" xmlns:r="http://schemas.openxmlformats.org/officeDocument/2006/relationships" xmlns:p="http://schemas.openxmlformats.org/presentationml/2006/main">
+  <p:cSld>
+    <p:spTree>
+      <p:nvGrpSpPr>
+        <p:cNvPr id="1" name=""/>
+        <p:cNvGrpSpPr/>
+        <p:nvPr/>
+      </p:nvGrpSpPr>
+      <p:grpSpPr>
+        <a:xfrm>
+          <a:off x="0" y="0"/>
+          <a:ext cx="0" cy="0"/>
+          <a:chOff x="0" y="0"/>
+          <a:chExt cx="0" cy="0"/>
+        </a:xfrm>
+      </p:grpSpPr>
+      <p:sp>
+        <p:nvSpPr>
+          <p:cNvPr id="4" name="Title 3">
+            <a:extLst>
+              <a:ext uri="{FF2B5EF4-FFF2-40B4-BE49-F238E27FC236}">
+                <a16:creationId xmlns:a16="http://schemas.microsoft.com/office/drawing/2014/main" id="{3DC65EE0-F03B-514B-483B-16C5CBAEACE0}"/>
+              </a:ext>
+            </a:extLst>
+          </p:cNvPr>
+          <p:cNvSpPr>
+            <a:spLocks noGrp="1"/>
+          </p:cNvSpPr>
+          <p:nvPr>
+            <p:ph type="title"/>
+          </p:nvPr>
+        </p:nvSpPr>
+        <p:spPr/>
+        <p:txBody>
+          <a:bodyPr/>
+          <a:lstStyle/>
+          <a:p>
+            <a:r>
+              <a:rPr lang="en-US"/>
+              <a:t>Models</a:t>
+            </a:r>
+            <a:endParaRPr lang="en-IL"/>
+          </a:p>
+        </p:txBody>
+      </p:sp>
+      <p:sp>
+        <p:nvSpPr>
+          <p:cNvPr id="5" name="Content Placeholder 4">
+            <a:extLst>
+              <a:ext uri="{FF2B5EF4-FFF2-40B4-BE49-F238E27FC236}">
+                <a16:creationId xmlns:a16="http://schemas.microsoft.com/office/drawing/2014/main" id="{4092FFCA-6A6D-88F6-BAB1-29F7D849F1DF}"/>
+              </a:ext>
+            </a:extLst>
+          </p:cNvPr>
+          <p:cNvSpPr>
+            <a:spLocks noGrp="1"/>
+          </p:cNvSpPr>
+          <p:nvPr>
+            <p:ph idx="1"/>
+          </p:nvPr>
+        </p:nvSpPr>
+        <p:spPr>
+          <a:xfrm>
+            <a:off x="329671" y="1588558"/>
+            <a:ext cx="5427133" cy="4351338"/>
+          </a:xfrm>
+        </p:spPr>
+        <p:txBody>
+          <a:bodyPr/>
+          <a:lstStyle/>
+          <a:p>
+            <a:r>
+              <a:rPr lang="en-US"/>
+              <a:t>Can write the model with equations or pictures</a:t>
+            </a:r>
+            <a:endParaRPr lang="en-IL"/>
+          </a:p>
+        </p:txBody>
+      </p:sp>
+      <p:pic>
+        <p:nvPicPr>
+          <p:cNvPr id="3" name="Graphic 2">
+            <a:extLst>
+              <a:ext uri="{FF2B5EF4-FFF2-40B4-BE49-F238E27FC236}">
+                <a16:creationId xmlns:a16="http://schemas.microsoft.com/office/drawing/2014/main" id="{31BA305D-8569-0910-4928-3C4B4AD6CBAE}"/>
+              </a:ext>
+            </a:extLst>
+          </p:cNvPr>
+          <p:cNvPicPr>
+            <a:picLocks noChangeAspect="1"/>
+          </p:cNvPicPr>
+          <p:nvPr/>
+        </p:nvPicPr>
+        <p:blipFill>
+          <a:blip r:embed="rId2">
+            <a:extLst>
+              <a:ext uri="{96DAC541-7B7A-43D3-8B79-37D633B846F1}">
+                <asvg:svgBlip xmlns:asvg="http://schemas.microsoft.com/office/drawing/2016/SVG/main" r:embed="rId3"/>
+              </a:ext>
+            </a:extLst>
+          </a:blip>
+          <a:stretch>
+            <a:fillRect/>
+          </a:stretch>
+        </p:blipFill>
+        <p:spPr>
+          <a:xfrm>
+            <a:off x="8177742" y="1266825"/>
+            <a:ext cx="1695450" cy="4324350"/>
+          </a:xfrm>
+          <a:prstGeom prst="rect">
+            <a:avLst/>
+          </a:prstGeom>
+        </p:spPr>
+      </p:pic>
+      <p:graphicFrame>
+        <p:nvGraphicFramePr>
+          <p:cNvPr id="2" name="Object 1">
+            <a:extLst>
+              <a:ext uri="{FF2B5EF4-FFF2-40B4-BE49-F238E27FC236}">
+                <a16:creationId xmlns:a16="http://schemas.microsoft.com/office/drawing/2014/main" id="{5079C67F-A11D-3C42-F63B-A3BC977BB773}"/>
+              </a:ext>
+            </a:extLst>
+          </p:cNvPr>
+          <p:cNvGraphicFramePr>
+            <a:graphicFrameLocks noChangeAspect="1"/>
+          </p:cNvGraphicFramePr>
+          <p:nvPr>
+            <p:extLst>
+              <p:ext uri="{D42A27DB-BD31-4B8C-83A1-F6EECF244321}">
+                <p14:modId xmlns:p14="http://schemas.microsoft.com/office/powerpoint/2010/main" val="2836876110"/>
+              </p:ext>
+            </p:extLst>
+          </p:nvPr>
+        </p:nvGraphicFramePr>
+        <p:xfrm>
+          <a:off x="4976284" y="1588558"/>
+          <a:ext cx="2374900" cy="1092200"/>
+        </p:xfrm>
+        <a:graphic>
+          <a:graphicData uri="http://schemas.openxmlformats.org/presentationml/2006/ole">
+            <mc:AlternateContent xmlns:mc="http://schemas.openxmlformats.org/markup-compatibility/2006">
+              <mc:Choice xmlns:v="urn:schemas-microsoft-com:vml" Requires="v">
+                <p:oleObj name="Equation" r:id="rId4" imgW="2374540" imgH="1092724" progId="Equation.DSMT4">
+                  <p:embed/>
+                </p:oleObj>
+              </mc:Choice>
+              <mc:Fallback>
+                <p:oleObj name="Equation" r:id="rId4" imgW="2374540" imgH="1092724" progId="Equation.DSMT4">
+                  <p:embed/>
+                  <p:pic>
+                    <p:nvPicPr>
+                      <p:cNvPr id="2" name="Object 1">
+                        <a:extLst>
+                          <a:ext uri="{FF2B5EF4-FFF2-40B4-BE49-F238E27FC236}">
+                            <a16:creationId xmlns:a16="http://schemas.microsoft.com/office/drawing/2014/main" id="{5079C67F-A11D-3C42-F63B-A3BC977BB773}"/>
+                          </a:ext>
+                        </a:extLst>
+                      </p:cNvPr>
+                      <p:cNvPicPr/>
+                      <p:nvPr/>
+                    </p:nvPicPr>
+                    <p:blipFill>
+                      <a:blip r:embed="rId5"/>
+                      <a:stretch>
+                        <a:fillRect/>
+                      </a:stretch>
+                    </p:blipFill>
+                    <p:spPr>
+                      <a:xfrm>
+                        <a:off x="4976284" y="1588558"/>
+                        <a:ext cx="2374900" cy="1092200"/>
+                      </a:xfrm>
+                      <a:prstGeom prst="rect">
+                        <a:avLst/>
+                      </a:prstGeom>
+                    </p:spPr>
+                  </p:pic>
+                </p:oleObj>
+              </mc:Fallback>
+            </mc:AlternateContent>
+          </a:graphicData>
+        </a:graphic>
+      </p:graphicFrame>
+    </p:spTree>
+    <p:extLst>
+      <p:ext uri="{BB962C8B-B14F-4D97-AF65-F5344CB8AC3E}">
+        <p14:creationId xmlns:p14="http://schemas.microsoft.com/office/powerpoint/2010/main" val="2689927869"/>
+      </p:ext>
+    </p:extLst>
+  </p:cSld>
+  <p:clrMapOvr>
+    <a:masterClrMapping/>
+  </p:clrMapOvr>
+</p:sld>
+</file>
+
+<file path=ppt/slides/slide40.xml><?xml version="1.0" encoding="utf-8"?>
 <p:sld xmlns:a="http://schemas.openxmlformats.org/drawingml/2006/main" xmlns:r="http://schemas.openxmlformats.org/officeDocument/2006/relationships" xmlns:p="http://schemas.openxmlformats.org/presentationml/2006/main">
   <p:cSld>
     <p:spTree>
@@ -19857,210 +20150,7 @@
 </p:sld>
 </file>
 
-<file path=ppt/slides/slide4.xml><?xml version="1.0" encoding="utf-8"?>
-<p:sld xmlns:a="http://schemas.openxmlformats.org/drawingml/2006/main" xmlns:r="http://schemas.openxmlformats.org/officeDocument/2006/relationships" xmlns:p="http://schemas.openxmlformats.org/presentationml/2006/main">
-  <p:cSld>
-    <p:spTree>
-      <p:nvGrpSpPr>
-        <p:cNvPr id="1" name="">
-          <a:extLst>
-            <a:ext uri="{FF2B5EF4-FFF2-40B4-BE49-F238E27FC236}">
-              <a16:creationId xmlns:a16="http://schemas.microsoft.com/office/drawing/2014/main" id="{9D3F8360-1187-AB3F-8E1B-22F658FA661B}"/>
-            </a:ext>
-          </a:extLst>
-        </p:cNvPr>
-        <p:cNvGrpSpPr/>
-        <p:nvPr/>
-      </p:nvGrpSpPr>
-      <p:grpSpPr>
-        <a:xfrm>
-          <a:off x="0" y="0"/>
-          <a:ext cx="0" cy="0"/>
-          <a:chOff x="0" y="0"/>
-          <a:chExt cx="0" cy="0"/>
-        </a:xfrm>
-      </p:grpSpPr>
-      <p:sp>
-        <p:nvSpPr>
-          <p:cNvPr id="2" name="Title 1">
-            <a:extLst>
-              <a:ext uri="{FF2B5EF4-FFF2-40B4-BE49-F238E27FC236}">
-                <a16:creationId xmlns:a16="http://schemas.microsoft.com/office/drawing/2014/main" id="{A684A59B-E364-E741-CFBD-3DAED845B164}"/>
-              </a:ext>
-            </a:extLst>
-          </p:cNvPr>
-          <p:cNvSpPr>
-            <a:spLocks noGrp="1"/>
-          </p:cNvSpPr>
-          <p:nvPr>
-            <p:ph type="title"/>
-          </p:nvPr>
-        </p:nvSpPr>
-        <p:spPr/>
-        <p:txBody>
-          <a:bodyPr/>
-          <a:lstStyle/>
-          <a:p>
-            <a:r>
-              <a:rPr lang="en-US" err="1"/>
-              <a:t>Baye’s</a:t>
-            </a:r>
-            <a:r>
-              <a:rPr lang="en-US"/>
-              <a:t> rule updates models</a:t>
-            </a:r>
-            <a:endParaRPr lang="en-GB"/>
-          </a:p>
-        </p:txBody>
-      </p:sp>
-      <p:graphicFrame>
-        <p:nvGraphicFramePr>
-          <p:cNvPr id="4" name="Object 3">
-            <a:extLst>
-              <a:ext uri="{FF2B5EF4-FFF2-40B4-BE49-F238E27FC236}">
-                <a16:creationId xmlns:a16="http://schemas.microsoft.com/office/drawing/2014/main" id="{435F5A3B-CC4A-88BC-24D0-B7025174E136}"/>
-              </a:ext>
-            </a:extLst>
-          </p:cNvPr>
-          <p:cNvGraphicFramePr>
-            <a:graphicFrameLocks noChangeAspect="1"/>
-          </p:cNvGraphicFramePr>
-          <p:nvPr>
-            <p:extLst>
-              <p:ext uri="{D42A27DB-BD31-4B8C-83A1-F6EECF244321}">
-                <p14:modId xmlns:p14="http://schemas.microsoft.com/office/powerpoint/2010/main" val="1880405255"/>
-              </p:ext>
-            </p:extLst>
-          </p:nvPr>
-        </p:nvGraphicFramePr>
-        <p:xfrm>
-          <a:off x="6310232" y="2961444"/>
-          <a:ext cx="5424491" cy="1068132"/>
-        </p:xfrm>
-        <a:graphic>
-          <a:graphicData uri="http://schemas.openxmlformats.org/presentationml/2006/ole">
-            <mc:AlternateContent xmlns:mc="http://schemas.openxmlformats.org/markup-compatibility/2006">
-              <mc:Choice xmlns:v="urn:schemas-microsoft-com:vml" Requires="v">
-                <p:oleObj name="Equation" r:id="rId2" imgW="2971800" imgH="583920" progId="Equation.DSMT4">
-                  <p:embed/>
-                </p:oleObj>
-              </mc:Choice>
-              <mc:Fallback>
-                <p:oleObj name="Equation" r:id="rId2" imgW="2971800" imgH="583920" progId="Equation.DSMT4">
-                  <p:embed/>
-                  <p:pic>
-                    <p:nvPicPr>
-                      <p:cNvPr id="4" name="Object 3">
-                        <a:extLst>
-                          <a:ext uri="{FF2B5EF4-FFF2-40B4-BE49-F238E27FC236}">
-                            <a16:creationId xmlns:a16="http://schemas.microsoft.com/office/drawing/2014/main" id="{435F5A3B-CC4A-88BC-24D0-B7025174E136}"/>
-                          </a:ext>
-                        </a:extLst>
-                      </p:cNvPr>
-                      <p:cNvPicPr/>
-                      <p:nvPr/>
-                    </p:nvPicPr>
-                    <p:blipFill>
-                      <a:blip r:embed="rId3"/>
-                      <a:stretch>
-                        <a:fillRect/>
-                      </a:stretch>
-                    </p:blipFill>
-                    <p:spPr>
-                      <a:xfrm>
-                        <a:off x="6310232" y="2961444"/>
-                        <a:ext cx="5424491" cy="1068132"/>
-                      </a:xfrm>
-                      <a:prstGeom prst="rect">
-                        <a:avLst/>
-                      </a:prstGeom>
-                    </p:spPr>
-                  </p:pic>
-                </p:oleObj>
-              </mc:Fallback>
-            </mc:AlternateContent>
-          </a:graphicData>
-        </a:graphic>
-      </p:graphicFrame>
-      <p:pic>
-        <p:nvPicPr>
-          <p:cNvPr id="7" name="Picture 6">
-            <a:extLst>
-              <a:ext uri="{FF2B5EF4-FFF2-40B4-BE49-F238E27FC236}">
-                <a16:creationId xmlns:a16="http://schemas.microsoft.com/office/drawing/2014/main" id="{E65BB742-817F-8B14-BD56-742C89FBE69D}"/>
-              </a:ext>
-            </a:extLst>
-          </p:cNvPr>
-          <p:cNvPicPr>
-            <a:picLocks noChangeAspect="1"/>
-          </p:cNvPicPr>
-          <p:nvPr/>
-        </p:nvPicPr>
-        <p:blipFill>
-          <a:blip r:embed="rId4"/>
-          <a:srcRect l="25235" r="25904" b="9101"/>
-          <a:stretch/>
-        </p:blipFill>
-        <p:spPr>
-          <a:xfrm>
-            <a:off x="2507115" y="2002759"/>
-            <a:ext cx="3650794" cy="3171769"/>
-          </a:xfrm>
-          <a:prstGeom prst="rect">
-            <a:avLst/>
-          </a:prstGeom>
-        </p:spPr>
-      </p:pic>
-      <p:pic>
-        <p:nvPicPr>
-          <p:cNvPr id="3" name="Graphic 2">
-            <a:extLst>
-              <a:ext uri="{FF2B5EF4-FFF2-40B4-BE49-F238E27FC236}">
-                <a16:creationId xmlns:a16="http://schemas.microsoft.com/office/drawing/2014/main" id="{B61A7830-99E1-A7A6-90AA-5773B83FD31C}"/>
-              </a:ext>
-            </a:extLst>
-          </p:cNvPr>
-          <p:cNvPicPr>
-            <a:picLocks noChangeAspect="1"/>
-          </p:cNvPicPr>
-          <p:nvPr/>
-        </p:nvPicPr>
-        <p:blipFill>
-          <a:blip r:embed="rId5">
-            <a:extLst>
-              <a:ext uri="{96DAC541-7B7A-43D3-8B79-37D633B846F1}">
-                <asvg:svgBlip xmlns:asvg="http://schemas.microsoft.com/office/drawing/2016/SVG/main" r:embed="rId6"/>
-              </a:ext>
-            </a:extLst>
-          </a:blip>
-          <a:stretch>
-            <a:fillRect/>
-          </a:stretch>
-        </p:blipFill>
-        <p:spPr>
-          <a:xfrm>
-            <a:off x="202142" y="1901825"/>
-            <a:ext cx="1695450" cy="4324350"/>
-          </a:xfrm>
-          <a:prstGeom prst="rect">
-            <a:avLst/>
-          </a:prstGeom>
-        </p:spPr>
-      </p:pic>
-    </p:spTree>
-    <p:extLst>
-      <p:ext uri="{BB962C8B-B14F-4D97-AF65-F5344CB8AC3E}">
-        <p14:creationId xmlns:p14="http://schemas.microsoft.com/office/powerpoint/2010/main" val="858020458"/>
-      </p:ext>
-    </p:extLst>
-  </p:cSld>
-  <p:clrMapOvr>
-    <a:masterClrMapping/>
-  </p:clrMapOvr>
-</p:sld>
-</file>
-
-<file path=ppt/slides/slide40.xml><?xml version="1.0" encoding="utf-8"?>
+<file path=ppt/slides/slide41.xml><?xml version="1.0" encoding="utf-8"?>
 <p:sld xmlns:a="http://schemas.openxmlformats.org/drawingml/2006/main" xmlns:r="http://schemas.openxmlformats.org/officeDocument/2006/relationships" xmlns:p="http://schemas.openxmlformats.org/presentationml/2006/main">
   <p:cSld>
     <p:spTree>
@@ -20620,7 +20710,7 @@
 </p:sld>
 </file>
 
-<file path=ppt/slides/slide41.xml><?xml version="1.0" encoding="utf-8"?>
+<file path=ppt/slides/slide42.xml><?xml version="1.0" encoding="utf-8"?>
 <p:sld xmlns:a="http://schemas.openxmlformats.org/drawingml/2006/main" xmlns:r="http://schemas.openxmlformats.org/officeDocument/2006/relationships" xmlns:p="http://schemas.openxmlformats.org/presentationml/2006/main">
   <p:cSld>
     <p:spTree>
@@ -20737,7 +20827,7 @@
 </p:sld>
 </file>
 
-<file path=ppt/slides/slide42.xml><?xml version="1.0" encoding="utf-8"?>
+<file path=ppt/slides/slide43.xml><?xml version="1.0" encoding="utf-8"?>
 <p:sld xmlns:a="http://schemas.openxmlformats.org/drawingml/2006/main" xmlns:r="http://schemas.openxmlformats.org/officeDocument/2006/relationships" xmlns:p="http://schemas.openxmlformats.org/presentationml/2006/main">
   <p:cSld>
     <p:spTree>
@@ -20873,7 +20963,139 @@
 </p:sld>
 </file>
 
-<file path=ppt/slides/slide43.xml><?xml version="1.0" encoding="utf-8"?>
+<file path=ppt/slides/slide44.xml><?xml version="1.0" encoding="utf-8"?>
+<p:sld xmlns:a="http://schemas.openxmlformats.org/drawingml/2006/main" xmlns:r="http://schemas.openxmlformats.org/officeDocument/2006/relationships" xmlns:p="http://schemas.openxmlformats.org/presentationml/2006/main">
+  <p:cSld>
+    <p:spTree>
+      <p:nvGrpSpPr>
+        <p:cNvPr id="1" name=""/>
+        <p:cNvGrpSpPr/>
+        <p:nvPr/>
+      </p:nvGrpSpPr>
+      <p:grpSpPr>
+        <a:xfrm>
+          <a:off x="0" y="0"/>
+          <a:ext cx="0" cy="0"/>
+          <a:chOff x="0" y="0"/>
+          <a:chExt cx="0" cy="0"/>
+        </a:xfrm>
+      </p:grpSpPr>
+      <p:sp>
+        <p:nvSpPr>
+          <p:cNvPr id="4" name="Title 3">
+            <a:extLst>
+              <a:ext uri="{FF2B5EF4-FFF2-40B4-BE49-F238E27FC236}">
+                <a16:creationId xmlns:a16="http://schemas.microsoft.com/office/drawing/2014/main" id="{E494541D-6CF4-6441-EC24-AD42C11DF9C7}"/>
+              </a:ext>
+            </a:extLst>
+          </p:cNvPr>
+          <p:cNvSpPr>
+            <a:spLocks noGrp="1"/>
+          </p:cNvSpPr>
+          <p:nvPr>
+            <p:ph type="title"/>
+          </p:nvPr>
+        </p:nvSpPr>
+        <p:spPr>
+          <a:xfrm>
+            <a:off x="838200" y="365125"/>
+            <a:ext cx="10515600" cy="538765"/>
+          </a:xfrm>
+        </p:spPr>
+        <p:txBody>
+          <a:bodyPr>
+            <a:normAutofit fontScale="90000"/>
+          </a:bodyPr>
+          <a:lstStyle/>
+          <a:p>
+            <a:r>
+              <a:rPr lang="en-US" dirty="0"/>
+              <a:t>Kahoot mid-lecture quiz</a:t>
+            </a:r>
+            <a:endParaRPr lang="en-IL" dirty="0"/>
+          </a:p>
+        </p:txBody>
+      </p:sp>
+      <mc:AlternateContent xmlns:mc="http://schemas.openxmlformats.org/markup-compatibility/2006">
+        <mc:Choice xmlns:we="http://schemas.microsoft.com/office/webextensions/webextension/2010/11" xmlns:pca="http://schemas.microsoft.com/office/powerpoint/2013/contentapp" Requires="we pca">
+          <p:graphicFrame>
+            <p:nvGraphicFramePr>
+              <p:cNvPr id="7" name="Add-in 6">
+                <a:extLst>
+                  <a:ext uri="{FF2B5EF4-FFF2-40B4-BE49-F238E27FC236}">
+                    <a16:creationId xmlns:a16="http://schemas.microsoft.com/office/drawing/2014/main" id="{634CD387-E72C-6D5B-95D3-C652A42F6F49}"/>
+                  </a:ext>
+                </a:extLst>
+              </p:cNvPr>
+              <p:cNvGraphicFramePr>
+                <a:graphicFrameLocks noGrp="1"/>
+              </p:cNvGraphicFramePr>
+              <p:nvPr>
+                <p:extLst>
+                  <p:ext uri="{D42A27DB-BD31-4B8C-83A1-F6EECF244321}">
+                    <p14:modId xmlns:p14="http://schemas.microsoft.com/office/powerpoint/2010/main" val="2242620364"/>
+                  </p:ext>
+                </p:extLst>
+              </p:nvPr>
+            </p:nvGraphicFramePr>
+            <p:xfrm>
+              <a:off x="2072640" y="975360"/>
+              <a:ext cx="9281160" cy="5811519"/>
+            </p:xfrm>
+            <a:graphic>
+              <a:graphicData uri="http://schemas.microsoft.com/office/webextensions/webextension/2010/11">
+                <we:webextensionref xmlns:we="http://schemas.microsoft.com/office/webextensions/webextension/2010/11" xmlns:r="http://schemas.openxmlformats.org/officeDocument/2006/relationships" r:id="rId2"/>
+              </a:graphicData>
+            </a:graphic>
+          </p:graphicFrame>
+        </mc:Choice>
+        <mc:Fallback>
+          <p:pic>
+            <p:nvPicPr>
+              <p:cNvPr id="7" name="Add-in 6">
+                <a:extLst>
+                  <a:ext uri="{FF2B5EF4-FFF2-40B4-BE49-F238E27FC236}">
+                    <a16:creationId xmlns:a16="http://schemas.microsoft.com/office/drawing/2014/main" id="{634CD387-E72C-6D5B-95D3-C652A42F6F49}"/>
+                  </a:ext>
+                </a:extLst>
+              </p:cNvPr>
+              <p:cNvPicPr>
+                <a:picLocks noGrp="1" noRot="1" noChangeAspect="1" noMove="1" noResize="1" noEditPoints="1" noAdjustHandles="1" noChangeArrowheads="1" noChangeShapeType="1"/>
+              </p:cNvPicPr>
+              <p:nvPr/>
+            </p:nvPicPr>
+            <p:blipFill>
+              <a:blip r:embed="rId3"/>
+              <a:stretch>
+                <a:fillRect/>
+              </a:stretch>
+            </p:blipFill>
+            <p:spPr>
+              <a:xfrm>
+                <a:off x="2072640" y="975360"/>
+                <a:ext cx="9281160" cy="5811519"/>
+              </a:xfrm>
+              <a:prstGeom prst="rect">
+                <a:avLst/>
+              </a:prstGeom>
+            </p:spPr>
+          </p:pic>
+        </mc:Fallback>
+      </mc:AlternateContent>
+    </p:spTree>
+    <p:extLst>
+      <p:ext uri="{BB962C8B-B14F-4D97-AF65-F5344CB8AC3E}">
+        <p14:creationId xmlns:p14="http://schemas.microsoft.com/office/powerpoint/2010/main" val="1809265525"/>
+      </p:ext>
+    </p:extLst>
+  </p:cSld>
+  <p:clrMapOvr>
+    <a:masterClrMapping/>
+  </p:clrMapOvr>
+</p:sld>
+</file>
+
+<file path=ppt/slides/slide45.xml><?xml version="1.0" encoding="utf-8"?>
 <p:sld xmlns:a="http://schemas.openxmlformats.org/drawingml/2006/main" xmlns:r="http://schemas.openxmlformats.org/officeDocument/2006/relationships" xmlns:p="http://schemas.openxmlformats.org/presentationml/2006/main">
   <p:cSld>
     <p:spTree>
@@ -21017,7 +21239,7 @@
               <a:pPr>
                 <a:defRPr/>
               </a:pPr>
-              <a:t>43</a:t>
+              <a:t>45</a:t>
             </a:fld>
             <a:r>
               <a:rPr lang="en-US" altLang="en-US"/>
@@ -21039,7 +21261,7 @@
 </p:sld>
 </file>
 
-<file path=ppt/slides/slide44.xml><?xml version="1.0" encoding="utf-8"?>
+<file path=ppt/slides/slide46.xml><?xml version="1.0" encoding="utf-8"?>
 <p:sld xmlns:a="http://schemas.openxmlformats.org/drawingml/2006/main" xmlns:r="http://schemas.openxmlformats.org/officeDocument/2006/relationships" xmlns:p="http://schemas.openxmlformats.org/presentationml/2006/main">
   <p:cSld>
     <p:spTree>
@@ -21132,7 +21354,7 @@
 </p:sld>
 </file>
 
-<file path=ppt/slides/slide45.xml><?xml version="1.0" encoding="utf-8"?>
+<file path=ppt/slides/slide47.xml><?xml version="1.0" encoding="utf-8"?>
 <p:sld xmlns:a="http://schemas.openxmlformats.org/drawingml/2006/main" xmlns:r="http://schemas.openxmlformats.org/officeDocument/2006/relationships" xmlns:p="http://schemas.openxmlformats.org/presentationml/2006/main">
   <p:cSld>
     <p:spTree>
@@ -21315,7 +21537,7 @@
 </p:sld>
 </file>
 
-<file path=ppt/slides/slide46.xml><?xml version="1.0" encoding="utf-8"?>
+<file path=ppt/slides/slide48.xml><?xml version="1.0" encoding="utf-8"?>
 <p:sld xmlns:a="http://schemas.openxmlformats.org/drawingml/2006/main" xmlns:r="http://schemas.openxmlformats.org/officeDocument/2006/relationships" xmlns:p="http://schemas.openxmlformats.org/presentationml/2006/main">
   <p:cSld>
     <p:spTree>
@@ -21472,7 +21694,7 @@
 </p:sld>
 </file>
 
-<file path=ppt/slides/slide47.xml><?xml version="1.0" encoding="utf-8"?>
+<file path=ppt/slides/slide49.xml><?xml version="1.0" encoding="utf-8"?>
 <p:sld xmlns:a="http://schemas.openxmlformats.org/drawingml/2006/main" xmlns:r="http://schemas.openxmlformats.org/officeDocument/2006/relationships" xmlns:p="http://schemas.openxmlformats.org/presentationml/2006/main">
   <p:cSld>
     <p:spTree>
@@ -21632,7 +21854,210 @@
 </p:sld>
 </file>
 
-<file path=ppt/slides/slide48.xml><?xml version="1.0" encoding="utf-8"?>
+<file path=ppt/slides/slide5.xml><?xml version="1.0" encoding="utf-8"?>
+<p:sld xmlns:a="http://schemas.openxmlformats.org/drawingml/2006/main" xmlns:r="http://schemas.openxmlformats.org/officeDocument/2006/relationships" xmlns:p="http://schemas.openxmlformats.org/presentationml/2006/main">
+  <p:cSld>
+    <p:spTree>
+      <p:nvGrpSpPr>
+        <p:cNvPr id="1" name="">
+          <a:extLst>
+            <a:ext uri="{FF2B5EF4-FFF2-40B4-BE49-F238E27FC236}">
+              <a16:creationId xmlns:a16="http://schemas.microsoft.com/office/drawing/2014/main" id="{9D3F8360-1187-AB3F-8E1B-22F658FA661B}"/>
+            </a:ext>
+          </a:extLst>
+        </p:cNvPr>
+        <p:cNvGrpSpPr/>
+        <p:nvPr/>
+      </p:nvGrpSpPr>
+      <p:grpSpPr>
+        <a:xfrm>
+          <a:off x="0" y="0"/>
+          <a:ext cx="0" cy="0"/>
+          <a:chOff x="0" y="0"/>
+          <a:chExt cx="0" cy="0"/>
+        </a:xfrm>
+      </p:grpSpPr>
+      <p:sp>
+        <p:nvSpPr>
+          <p:cNvPr id="2" name="Title 1">
+            <a:extLst>
+              <a:ext uri="{FF2B5EF4-FFF2-40B4-BE49-F238E27FC236}">
+                <a16:creationId xmlns:a16="http://schemas.microsoft.com/office/drawing/2014/main" id="{A684A59B-E364-E741-CFBD-3DAED845B164}"/>
+              </a:ext>
+            </a:extLst>
+          </p:cNvPr>
+          <p:cNvSpPr>
+            <a:spLocks noGrp="1"/>
+          </p:cNvSpPr>
+          <p:nvPr>
+            <p:ph type="title"/>
+          </p:nvPr>
+        </p:nvSpPr>
+        <p:spPr/>
+        <p:txBody>
+          <a:bodyPr/>
+          <a:lstStyle/>
+          <a:p>
+            <a:r>
+              <a:rPr lang="en-US" err="1"/>
+              <a:t>Baye’s</a:t>
+            </a:r>
+            <a:r>
+              <a:rPr lang="en-US"/>
+              <a:t> rule updates models</a:t>
+            </a:r>
+            <a:endParaRPr lang="en-GB"/>
+          </a:p>
+        </p:txBody>
+      </p:sp>
+      <p:graphicFrame>
+        <p:nvGraphicFramePr>
+          <p:cNvPr id="4" name="Object 3">
+            <a:extLst>
+              <a:ext uri="{FF2B5EF4-FFF2-40B4-BE49-F238E27FC236}">
+                <a16:creationId xmlns:a16="http://schemas.microsoft.com/office/drawing/2014/main" id="{435F5A3B-CC4A-88BC-24D0-B7025174E136}"/>
+              </a:ext>
+            </a:extLst>
+          </p:cNvPr>
+          <p:cNvGraphicFramePr>
+            <a:graphicFrameLocks noChangeAspect="1"/>
+          </p:cNvGraphicFramePr>
+          <p:nvPr>
+            <p:extLst>
+              <p:ext uri="{D42A27DB-BD31-4B8C-83A1-F6EECF244321}">
+                <p14:modId xmlns:p14="http://schemas.microsoft.com/office/powerpoint/2010/main" val="1880405255"/>
+              </p:ext>
+            </p:extLst>
+          </p:nvPr>
+        </p:nvGraphicFramePr>
+        <p:xfrm>
+          <a:off x="6310232" y="2961444"/>
+          <a:ext cx="5424491" cy="1068132"/>
+        </p:xfrm>
+        <a:graphic>
+          <a:graphicData uri="http://schemas.openxmlformats.org/presentationml/2006/ole">
+            <mc:AlternateContent xmlns:mc="http://schemas.openxmlformats.org/markup-compatibility/2006">
+              <mc:Choice xmlns:v="urn:schemas-microsoft-com:vml" Requires="v">
+                <p:oleObj name="Equation" r:id="rId2" imgW="2971800" imgH="583920" progId="Equation.DSMT4">
+                  <p:embed/>
+                </p:oleObj>
+              </mc:Choice>
+              <mc:Fallback>
+                <p:oleObj name="Equation" r:id="rId2" imgW="2971800" imgH="583920" progId="Equation.DSMT4">
+                  <p:embed/>
+                  <p:pic>
+                    <p:nvPicPr>
+                      <p:cNvPr id="4" name="Object 3">
+                        <a:extLst>
+                          <a:ext uri="{FF2B5EF4-FFF2-40B4-BE49-F238E27FC236}">
+                            <a16:creationId xmlns:a16="http://schemas.microsoft.com/office/drawing/2014/main" id="{435F5A3B-CC4A-88BC-24D0-B7025174E136}"/>
+                          </a:ext>
+                        </a:extLst>
+                      </p:cNvPr>
+                      <p:cNvPicPr/>
+                      <p:nvPr/>
+                    </p:nvPicPr>
+                    <p:blipFill>
+                      <a:blip r:embed="rId3"/>
+                      <a:stretch>
+                        <a:fillRect/>
+                      </a:stretch>
+                    </p:blipFill>
+                    <p:spPr>
+                      <a:xfrm>
+                        <a:off x="6310232" y="2961444"/>
+                        <a:ext cx="5424491" cy="1068132"/>
+                      </a:xfrm>
+                      <a:prstGeom prst="rect">
+                        <a:avLst/>
+                      </a:prstGeom>
+                    </p:spPr>
+                  </p:pic>
+                </p:oleObj>
+              </mc:Fallback>
+            </mc:AlternateContent>
+          </a:graphicData>
+        </a:graphic>
+      </p:graphicFrame>
+      <p:pic>
+        <p:nvPicPr>
+          <p:cNvPr id="7" name="Picture 6">
+            <a:extLst>
+              <a:ext uri="{FF2B5EF4-FFF2-40B4-BE49-F238E27FC236}">
+                <a16:creationId xmlns:a16="http://schemas.microsoft.com/office/drawing/2014/main" id="{E65BB742-817F-8B14-BD56-742C89FBE69D}"/>
+              </a:ext>
+            </a:extLst>
+          </p:cNvPr>
+          <p:cNvPicPr>
+            <a:picLocks noChangeAspect="1"/>
+          </p:cNvPicPr>
+          <p:nvPr/>
+        </p:nvPicPr>
+        <p:blipFill>
+          <a:blip r:embed="rId4"/>
+          <a:srcRect l="25235" r="25904" b="9101"/>
+          <a:stretch/>
+        </p:blipFill>
+        <p:spPr>
+          <a:xfrm>
+            <a:off x="2507115" y="2002759"/>
+            <a:ext cx="3650794" cy="3171769"/>
+          </a:xfrm>
+          <a:prstGeom prst="rect">
+            <a:avLst/>
+          </a:prstGeom>
+        </p:spPr>
+      </p:pic>
+      <p:pic>
+        <p:nvPicPr>
+          <p:cNvPr id="3" name="Graphic 2">
+            <a:extLst>
+              <a:ext uri="{FF2B5EF4-FFF2-40B4-BE49-F238E27FC236}">
+                <a16:creationId xmlns:a16="http://schemas.microsoft.com/office/drawing/2014/main" id="{B61A7830-99E1-A7A6-90AA-5773B83FD31C}"/>
+              </a:ext>
+            </a:extLst>
+          </p:cNvPr>
+          <p:cNvPicPr>
+            <a:picLocks noChangeAspect="1"/>
+          </p:cNvPicPr>
+          <p:nvPr/>
+        </p:nvPicPr>
+        <p:blipFill>
+          <a:blip r:embed="rId5">
+            <a:extLst>
+              <a:ext uri="{96DAC541-7B7A-43D3-8B79-37D633B846F1}">
+                <asvg:svgBlip xmlns:asvg="http://schemas.microsoft.com/office/drawing/2016/SVG/main" r:embed="rId6"/>
+              </a:ext>
+            </a:extLst>
+          </a:blip>
+          <a:stretch>
+            <a:fillRect/>
+          </a:stretch>
+        </p:blipFill>
+        <p:spPr>
+          <a:xfrm>
+            <a:off x="202142" y="1901825"/>
+            <a:ext cx="1695450" cy="4324350"/>
+          </a:xfrm>
+          <a:prstGeom prst="rect">
+            <a:avLst/>
+          </a:prstGeom>
+        </p:spPr>
+      </p:pic>
+    </p:spTree>
+    <p:extLst>
+      <p:ext uri="{BB962C8B-B14F-4D97-AF65-F5344CB8AC3E}">
+        <p14:creationId xmlns:p14="http://schemas.microsoft.com/office/powerpoint/2010/main" val="858020458"/>
+      </p:ext>
+    </p:extLst>
+  </p:cSld>
+  <p:clrMapOvr>
+    <a:masterClrMapping/>
+  </p:clrMapOvr>
+</p:sld>
+</file>
+
+<file path=ppt/slides/slide50.xml><?xml version="1.0" encoding="utf-8"?>
 <p:sld xmlns:a="http://schemas.openxmlformats.org/drawingml/2006/main" xmlns:r="http://schemas.openxmlformats.org/officeDocument/2006/relationships" xmlns:p="http://schemas.openxmlformats.org/presentationml/2006/main">
   <p:cSld>
     <p:spTree>
@@ -21737,7 +22162,7 @@
 </p:sld>
 </file>
 
-<file path=ppt/slides/slide49.xml><?xml version="1.0" encoding="utf-8"?>
+<file path=ppt/slides/slide51.xml><?xml version="1.0" encoding="utf-8"?>
 <p:sld xmlns:a="http://schemas.openxmlformats.org/drawingml/2006/main" xmlns:r="http://schemas.openxmlformats.org/officeDocument/2006/relationships" xmlns:p="http://schemas.openxmlformats.org/presentationml/2006/main">
   <p:cSld>
     <p:spTree>
@@ -21981,383 +22406,7 @@
 </p:sld>
 </file>
 
-<file path=ppt/slides/slide5.xml><?xml version="1.0" encoding="utf-8"?>
-<p:sld xmlns:a="http://schemas.openxmlformats.org/drawingml/2006/main" xmlns:r="http://schemas.openxmlformats.org/officeDocument/2006/relationships" xmlns:p="http://schemas.openxmlformats.org/presentationml/2006/main">
-  <p:cSld>
-    <p:spTree>
-      <p:nvGrpSpPr>
-        <p:cNvPr id="1" name=""/>
-        <p:cNvGrpSpPr/>
-        <p:nvPr/>
-      </p:nvGrpSpPr>
-      <p:grpSpPr>
-        <a:xfrm>
-          <a:off x="0" y="0"/>
-          <a:ext cx="0" cy="0"/>
-          <a:chOff x="0" y="0"/>
-          <a:chExt cx="0" cy="0"/>
-        </a:xfrm>
-      </p:grpSpPr>
-      <p:sp>
-        <p:nvSpPr>
-          <p:cNvPr id="2" name="Title 1"/>
-          <p:cNvSpPr>
-            <a:spLocks noGrp="1"/>
-          </p:cNvSpPr>
-          <p:nvPr>
-            <p:ph type="title"/>
-          </p:nvPr>
-        </p:nvSpPr>
-        <p:spPr/>
-        <p:txBody>
-          <a:bodyPr>
-            <a:noAutofit/>
-          </a:bodyPr>
-          <a:lstStyle/>
-          <a:p>
-            <a:r>
-              <a:rPr lang="en-US"/>
-              <a:t>The beta prior for the binomial likelihood</a:t>
-            </a:r>
-            <a:endParaRPr lang="en-GB"/>
-          </a:p>
-        </p:txBody>
-      </p:sp>
-      <p:sp>
-        <p:nvSpPr>
-          <p:cNvPr id="5" name="Content Placeholder 4"/>
-          <p:cNvSpPr>
-            <a:spLocks noGrp="1"/>
-          </p:cNvSpPr>
-          <p:nvPr>
-            <p:ph idx="1"/>
-          </p:nvPr>
-        </p:nvSpPr>
-        <p:spPr>
-          <a:xfrm>
-            <a:off x="838200" y="1520295"/>
-            <a:ext cx="3946236" cy="4656667"/>
-          </a:xfrm>
-        </p:spPr>
-        <p:txBody>
-          <a:bodyPr/>
-          <a:lstStyle/>
-          <a:p>
-            <a:r>
-              <a:rPr lang="en-US"/>
-              <a:t>Flexible</a:t>
-            </a:r>
-          </a:p>
-          <a:p>
-            <a:r>
-              <a:rPr lang="en-US"/>
-              <a:t>Conjugate</a:t>
-            </a:r>
-          </a:p>
-          <a:p>
-            <a:r>
-              <a:rPr lang="en-US"/>
-              <a:t>Interpretable</a:t>
-            </a:r>
-          </a:p>
-        </p:txBody>
-      </p:sp>
-      <p:pic>
-        <p:nvPicPr>
-          <p:cNvPr id="4" name="Picture 3">
-            <a:extLst>
-              <a:ext uri="{FF2B5EF4-FFF2-40B4-BE49-F238E27FC236}">
-                <a16:creationId xmlns:a16="http://schemas.microsoft.com/office/drawing/2014/main" id="{F96D15D1-FD08-888B-BC83-FFA08F44063A}"/>
-              </a:ext>
-            </a:extLst>
-          </p:cNvPr>
-          <p:cNvPicPr>
-            <a:picLocks noChangeAspect="1"/>
-          </p:cNvPicPr>
-          <p:nvPr/>
-        </p:nvPicPr>
-        <p:blipFill>
-          <a:blip r:embed="rId2"/>
-          <a:stretch>
-            <a:fillRect/>
-          </a:stretch>
-        </p:blipFill>
-        <p:spPr>
-          <a:xfrm>
-            <a:off x="4811004" y="1427479"/>
-            <a:ext cx="6620585" cy="4656667"/>
-          </a:xfrm>
-          <a:prstGeom prst="rect">
-            <a:avLst/>
-          </a:prstGeom>
-        </p:spPr>
-      </p:pic>
-      <p:graphicFrame>
-        <p:nvGraphicFramePr>
-          <p:cNvPr id="3" name="Object 2">
-            <a:extLst>
-              <a:ext uri="{FF2B5EF4-FFF2-40B4-BE49-F238E27FC236}">
-                <a16:creationId xmlns:a16="http://schemas.microsoft.com/office/drawing/2014/main" id="{37E7551A-4720-142B-AC6B-E84488F46D52}"/>
-              </a:ext>
-            </a:extLst>
-          </p:cNvPr>
-          <p:cNvGraphicFramePr>
-            <a:graphicFrameLocks noChangeAspect="1"/>
-          </p:cNvGraphicFramePr>
-          <p:nvPr/>
-        </p:nvGraphicFramePr>
-        <p:xfrm>
-          <a:off x="677863" y="4700588"/>
-          <a:ext cx="3408362" cy="1116012"/>
-        </p:xfrm>
-        <a:graphic>
-          <a:graphicData uri="http://schemas.openxmlformats.org/presentationml/2006/ole">
-            <mc:AlternateContent xmlns:mc="http://schemas.openxmlformats.org/markup-compatibility/2006">
-              <mc:Choice xmlns:v="urn:schemas-microsoft-com:vml" Requires="v">
-                <p:oleObj name="Equation" r:id="rId3" imgW="1549080" imgH="507960" progId="Equation.DSMT4">
-                  <p:embed/>
-                </p:oleObj>
-              </mc:Choice>
-              <mc:Fallback>
-                <p:oleObj name="Equation" r:id="rId3" imgW="1549080" imgH="507960" progId="Equation.DSMT4">
-                  <p:embed/>
-                  <p:pic>
-                    <p:nvPicPr>
-                      <p:cNvPr id="3" name="Object 2">
-                        <a:extLst>
-                          <a:ext uri="{FF2B5EF4-FFF2-40B4-BE49-F238E27FC236}">
-                            <a16:creationId xmlns:a16="http://schemas.microsoft.com/office/drawing/2014/main" id="{37E7551A-4720-142B-AC6B-E84488F46D52}"/>
-                          </a:ext>
-                        </a:extLst>
-                      </p:cNvPr>
-                      <p:cNvPicPr/>
-                      <p:nvPr/>
-                    </p:nvPicPr>
-                    <p:blipFill>
-                      <a:blip r:embed="rId4"/>
-                      <a:stretch>
-                        <a:fillRect/>
-                      </a:stretch>
-                    </p:blipFill>
-                    <p:spPr>
-                      <a:xfrm>
-                        <a:off x="677863" y="4700588"/>
-                        <a:ext cx="3408362" cy="1116012"/>
-                      </a:xfrm>
-                      <a:prstGeom prst="rect">
-                        <a:avLst/>
-                      </a:prstGeom>
-                    </p:spPr>
-                  </p:pic>
-                </p:oleObj>
-              </mc:Fallback>
-            </mc:AlternateContent>
-          </a:graphicData>
-        </a:graphic>
-      </p:graphicFrame>
-    </p:spTree>
-    <p:extLst>
-      <p:ext uri="{BB962C8B-B14F-4D97-AF65-F5344CB8AC3E}">
-        <p14:creationId xmlns:p14="http://schemas.microsoft.com/office/powerpoint/2010/main" val="1122514294"/>
-      </p:ext>
-    </p:extLst>
-  </p:cSld>
-  <p:clrMapOvr>
-    <a:masterClrMapping/>
-  </p:clrMapOvr>
-  <p:timing>
-    <p:tnLst>
-      <p:par>
-        <p:cTn id="1" dur="indefinite" restart="never" nodeType="tmRoot">
-          <p:childTnLst>
-            <p:seq concurrent="1" nextAc="seek">
-              <p:cTn id="2" dur="indefinite" nodeType="mainSeq">
-                <p:childTnLst>
-                  <p:par>
-                    <p:cTn id="3" fill="hold">
-                      <p:stCondLst>
-                        <p:cond delay="indefinite"/>
-                        <p:cond evt="onBegin" delay="0">
-                          <p:tn val="2"/>
-                        </p:cond>
-                      </p:stCondLst>
-                      <p:childTnLst>
-                        <p:par>
-                          <p:cTn id="4" fill="hold">
-                            <p:stCondLst>
-                              <p:cond delay="0"/>
-                            </p:stCondLst>
-                            <p:childTnLst>
-                              <p:par>
-                                <p:cTn id="5" presetID="1" presetClass="entr" presetSubtype="0" fill="hold" nodeType="withEffect">
-                                  <p:stCondLst>
-                                    <p:cond delay="0"/>
-                                  </p:stCondLst>
-                                  <p:childTnLst>
-                                    <p:set>
-                                      <p:cBhvr>
-                                        <p:cTn id="6" dur="1" fill="hold">
-                                          <p:stCondLst>
-                                            <p:cond delay="0"/>
-                                          </p:stCondLst>
-                                        </p:cTn>
-                                        <p:tgtEl>
-                                          <p:spTgt spid="5">
-                                            <p:txEl>
-                                              <p:pRg st="0" end="0"/>
-                                            </p:txEl>
-                                          </p:spTgt>
-                                        </p:tgtEl>
-                                        <p:attrNameLst>
-                                          <p:attrName>style.visibility</p:attrName>
-                                        </p:attrNameLst>
-                                      </p:cBhvr>
-                                      <p:to>
-                                        <p:strVal val="visible"/>
-                                      </p:to>
-                                    </p:set>
-                                  </p:childTnLst>
-                                </p:cTn>
-                              </p:par>
-                              <p:par>
-                                <p:cTn id="7" presetID="1" presetClass="entr" presetSubtype="0" fill="hold" nodeType="withEffect">
-                                  <p:stCondLst>
-                                    <p:cond delay="0"/>
-                                  </p:stCondLst>
-                                  <p:childTnLst>
-                                    <p:set>
-                                      <p:cBhvr>
-                                        <p:cTn id="8" dur="1" fill="hold">
-                                          <p:stCondLst>
-                                            <p:cond delay="0"/>
-                                          </p:stCondLst>
-                                        </p:cTn>
-                                        <p:tgtEl>
-                                          <p:spTgt spid="5">
-                                            <p:txEl>
-                                              <p:pRg st="1" end="1"/>
-                                            </p:txEl>
-                                          </p:spTgt>
-                                        </p:tgtEl>
-                                        <p:attrNameLst>
-                                          <p:attrName>style.visibility</p:attrName>
-                                        </p:attrNameLst>
-                                      </p:cBhvr>
-                                      <p:to>
-                                        <p:strVal val="visible"/>
-                                      </p:to>
-                                    </p:set>
-                                  </p:childTnLst>
-                                </p:cTn>
-                              </p:par>
-                              <p:par>
-                                <p:cTn id="9" presetID="1" presetClass="entr" presetSubtype="0" fill="hold" nodeType="withEffect">
-                                  <p:stCondLst>
-                                    <p:cond delay="0"/>
-                                  </p:stCondLst>
-                                  <p:childTnLst>
-                                    <p:set>
-                                      <p:cBhvr>
-                                        <p:cTn id="10" dur="1" fill="hold">
-                                          <p:stCondLst>
-                                            <p:cond delay="0"/>
-                                          </p:stCondLst>
-                                        </p:cTn>
-                                        <p:tgtEl>
-                                          <p:spTgt spid="5">
-                                            <p:txEl>
-                                              <p:pRg st="2" end="2"/>
-                                            </p:txEl>
-                                          </p:spTgt>
-                                        </p:tgtEl>
-                                        <p:attrNameLst>
-                                          <p:attrName>style.visibility</p:attrName>
-                                        </p:attrNameLst>
-                                      </p:cBhvr>
-                                      <p:to>
-                                        <p:strVal val="visible"/>
-                                      </p:to>
-                                    </p:set>
-                                  </p:childTnLst>
-                                </p:cTn>
-                              </p:par>
-                            </p:childTnLst>
-                          </p:cTn>
-                        </p:par>
-                      </p:childTnLst>
-                    </p:cTn>
-                  </p:par>
-                  <p:par>
-                    <p:cTn id="11" fill="hold">
-                      <p:stCondLst>
-                        <p:cond delay="indefinite"/>
-                      </p:stCondLst>
-                      <p:childTnLst>
-                        <p:par>
-                          <p:cTn id="12" fill="hold">
-                            <p:stCondLst>
-                              <p:cond delay="0"/>
-                            </p:stCondLst>
-                            <p:childTnLst>
-                              <p:par>
-                                <p:cTn id="13" presetID="1" presetClass="entr" presetSubtype="0" fill="hold" nodeType="clickEffect">
-                                  <p:stCondLst>
-                                    <p:cond delay="0"/>
-                                  </p:stCondLst>
-                                  <p:childTnLst>
-                                    <p:set>
-                                      <p:cBhvr>
-                                        <p:cTn id="14" dur="1" fill="hold">
-                                          <p:stCondLst>
-                                            <p:cond delay="0"/>
-                                          </p:stCondLst>
-                                        </p:cTn>
-                                        <p:tgtEl>
-                                          <p:spTgt spid="3"/>
-                                        </p:tgtEl>
-                                        <p:attrNameLst>
-                                          <p:attrName>style.visibility</p:attrName>
-                                        </p:attrNameLst>
-                                      </p:cBhvr>
-                                      <p:to>
-                                        <p:strVal val="visible"/>
-                                      </p:to>
-                                    </p:set>
-                                  </p:childTnLst>
-                                </p:cTn>
-                              </p:par>
-                            </p:childTnLst>
-                          </p:cTn>
-                        </p:par>
-                      </p:childTnLst>
-                    </p:cTn>
-                  </p:par>
-                </p:childTnLst>
-              </p:cTn>
-              <p:prevCondLst>
-                <p:cond evt="onPrev" delay="0">
-                  <p:tgtEl>
-                    <p:sldTgt/>
-                  </p:tgtEl>
-                </p:cond>
-              </p:prevCondLst>
-              <p:nextCondLst>
-                <p:cond evt="onNext" delay="0">
-                  <p:tgtEl>
-                    <p:sldTgt/>
-                  </p:tgtEl>
-                </p:cond>
-              </p:nextCondLst>
-            </p:seq>
-          </p:childTnLst>
-        </p:cTn>
-      </p:par>
-    </p:tnLst>
-  </p:timing>
-</p:sld>
-</file>
-
-<file path=ppt/slides/slide50.xml><?xml version="1.0" encoding="utf-8"?>
+<file path=ppt/slides/slide52.xml><?xml version="1.0" encoding="utf-8"?>
 <p:sld xmlns:a="http://schemas.openxmlformats.org/drawingml/2006/main" xmlns:r="http://schemas.openxmlformats.org/officeDocument/2006/relationships" xmlns:p="http://schemas.openxmlformats.org/presentationml/2006/main">
   <p:cSld>
     <p:spTree>
@@ -22510,7 +22559,7 @@
 </p:sld>
 </file>
 
-<file path=ppt/slides/slide51.xml><?xml version="1.0" encoding="utf-8"?>
+<file path=ppt/slides/slide53.xml><?xml version="1.0" encoding="utf-8"?>
 <p:sld xmlns:a="http://schemas.openxmlformats.org/drawingml/2006/main" xmlns:r="http://schemas.openxmlformats.org/officeDocument/2006/relationships" xmlns:p="http://schemas.openxmlformats.org/presentationml/2006/main">
   <p:cSld>
     <p:spTree>
@@ -23590,7 +23639,7 @@
 </p:sld>
 </file>
 
-<file path=ppt/slides/slide52.xml><?xml version="1.0" encoding="utf-8"?>
+<file path=ppt/slides/slide54.xml><?xml version="1.0" encoding="utf-8"?>
 <p:sld xmlns:a="http://schemas.openxmlformats.org/drawingml/2006/main" xmlns:r="http://schemas.openxmlformats.org/officeDocument/2006/relationships" xmlns:p="http://schemas.openxmlformats.org/presentationml/2006/main">
   <p:cSld>
     <p:spTree>
@@ -23712,7 +23761,7 @@
 </p:sld>
 </file>
 
-<file path=ppt/slides/slide53.xml><?xml version="1.0" encoding="utf-8"?>
+<file path=ppt/slides/slide55.xml><?xml version="1.0" encoding="utf-8"?>
 <p:sld xmlns:a="http://schemas.openxmlformats.org/drawingml/2006/main" xmlns:r="http://schemas.openxmlformats.org/officeDocument/2006/relationships" xmlns:p="http://schemas.openxmlformats.org/presentationml/2006/main">
   <p:cSld>
     <p:spTree>
@@ -23903,7 +23952,7 @@
 </p:sld>
 </file>
 
-<file path=ppt/slides/slide54.xml><?xml version="1.0" encoding="utf-8"?>
+<file path=ppt/slides/slide56.xml><?xml version="1.0" encoding="utf-8"?>
 <p:sld xmlns:a="http://schemas.openxmlformats.org/drawingml/2006/main" xmlns:r="http://schemas.openxmlformats.org/officeDocument/2006/relationships" xmlns:p="http://schemas.openxmlformats.org/presentationml/2006/main">
   <p:cSld>
     <p:spTree>
@@ -24030,7 +24079,7 @@
 </p:sld>
 </file>
 
-<file path=ppt/slides/slide55.xml><?xml version="1.0" encoding="utf-8"?>
+<file path=ppt/slides/slide57.xml><?xml version="1.0" encoding="utf-8"?>
 <p:sld xmlns:a="http://schemas.openxmlformats.org/drawingml/2006/main" xmlns:r="http://schemas.openxmlformats.org/officeDocument/2006/relationships" xmlns:p="http://schemas.openxmlformats.org/presentationml/2006/main">
   <p:cSld>
     <p:spTree>
@@ -25061,7 +25110,7 @@
 </p:sld>
 </file>
 
-<file path=ppt/slides/slide56.xml><?xml version="1.0" encoding="utf-8"?>
+<file path=ppt/slides/slide58.xml><?xml version="1.0" encoding="utf-8"?>
 <p:sld xmlns:a="http://schemas.openxmlformats.org/drawingml/2006/main" xmlns:r="http://schemas.openxmlformats.org/officeDocument/2006/relationships" xmlns:p="http://schemas.openxmlformats.org/presentationml/2006/main">
   <p:cSld>
     <p:spTree>
@@ -25201,7 +25250,7 @@
               <a:pPr>
                 <a:defRPr/>
               </a:pPr>
-              <a:t>56</a:t>
+              <a:t>58</a:t>
             </a:fld>
             <a:r>
               <a:rPr lang="en-US" altLang="en-US"/>
@@ -25223,7 +25272,7 @@
 </p:sld>
 </file>
 
-<file path=ppt/slides/slide57.xml><?xml version="1.0" encoding="utf-8"?>
+<file path=ppt/slides/slide59.xml><?xml version="1.0" encoding="utf-8"?>
 <p:sld xmlns:a="http://schemas.openxmlformats.org/drawingml/2006/main" xmlns:r="http://schemas.openxmlformats.org/officeDocument/2006/relationships" xmlns:p="http://schemas.openxmlformats.org/presentationml/2006/main">
   <p:cSld>
     <p:spTree>
@@ -25346,7 +25395,383 @@
 </p:sld>
 </file>
 
-<file path=ppt/slides/slide58.xml><?xml version="1.0" encoding="utf-8"?>
+<file path=ppt/slides/slide6.xml><?xml version="1.0" encoding="utf-8"?>
+<p:sld xmlns:a="http://schemas.openxmlformats.org/drawingml/2006/main" xmlns:r="http://schemas.openxmlformats.org/officeDocument/2006/relationships" xmlns:p="http://schemas.openxmlformats.org/presentationml/2006/main">
+  <p:cSld>
+    <p:spTree>
+      <p:nvGrpSpPr>
+        <p:cNvPr id="1" name=""/>
+        <p:cNvGrpSpPr/>
+        <p:nvPr/>
+      </p:nvGrpSpPr>
+      <p:grpSpPr>
+        <a:xfrm>
+          <a:off x="0" y="0"/>
+          <a:ext cx="0" cy="0"/>
+          <a:chOff x="0" y="0"/>
+          <a:chExt cx="0" cy="0"/>
+        </a:xfrm>
+      </p:grpSpPr>
+      <p:sp>
+        <p:nvSpPr>
+          <p:cNvPr id="2" name="Title 1"/>
+          <p:cNvSpPr>
+            <a:spLocks noGrp="1"/>
+          </p:cNvSpPr>
+          <p:nvPr>
+            <p:ph type="title"/>
+          </p:nvPr>
+        </p:nvSpPr>
+        <p:spPr/>
+        <p:txBody>
+          <a:bodyPr>
+            <a:noAutofit/>
+          </a:bodyPr>
+          <a:lstStyle/>
+          <a:p>
+            <a:r>
+              <a:rPr lang="en-US"/>
+              <a:t>The beta prior for the binomial likelihood</a:t>
+            </a:r>
+            <a:endParaRPr lang="en-GB"/>
+          </a:p>
+        </p:txBody>
+      </p:sp>
+      <p:sp>
+        <p:nvSpPr>
+          <p:cNvPr id="5" name="Content Placeholder 4"/>
+          <p:cNvSpPr>
+            <a:spLocks noGrp="1"/>
+          </p:cNvSpPr>
+          <p:nvPr>
+            <p:ph idx="1"/>
+          </p:nvPr>
+        </p:nvSpPr>
+        <p:spPr>
+          <a:xfrm>
+            <a:off x="838200" y="1520295"/>
+            <a:ext cx="3946236" cy="4656667"/>
+          </a:xfrm>
+        </p:spPr>
+        <p:txBody>
+          <a:bodyPr/>
+          <a:lstStyle/>
+          <a:p>
+            <a:r>
+              <a:rPr lang="en-US"/>
+              <a:t>Flexible</a:t>
+            </a:r>
+          </a:p>
+          <a:p>
+            <a:r>
+              <a:rPr lang="en-US"/>
+              <a:t>Conjugate</a:t>
+            </a:r>
+          </a:p>
+          <a:p>
+            <a:r>
+              <a:rPr lang="en-US"/>
+              <a:t>Interpretable</a:t>
+            </a:r>
+          </a:p>
+        </p:txBody>
+      </p:sp>
+      <p:pic>
+        <p:nvPicPr>
+          <p:cNvPr id="4" name="Picture 3">
+            <a:extLst>
+              <a:ext uri="{FF2B5EF4-FFF2-40B4-BE49-F238E27FC236}">
+                <a16:creationId xmlns:a16="http://schemas.microsoft.com/office/drawing/2014/main" id="{F96D15D1-FD08-888B-BC83-FFA08F44063A}"/>
+              </a:ext>
+            </a:extLst>
+          </p:cNvPr>
+          <p:cNvPicPr>
+            <a:picLocks noChangeAspect="1"/>
+          </p:cNvPicPr>
+          <p:nvPr/>
+        </p:nvPicPr>
+        <p:blipFill>
+          <a:blip r:embed="rId2"/>
+          <a:stretch>
+            <a:fillRect/>
+          </a:stretch>
+        </p:blipFill>
+        <p:spPr>
+          <a:xfrm>
+            <a:off x="4811004" y="1427479"/>
+            <a:ext cx="6620585" cy="4656667"/>
+          </a:xfrm>
+          <a:prstGeom prst="rect">
+            <a:avLst/>
+          </a:prstGeom>
+        </p:spPr>
+      </p:pic>
+      <p:graphicFrame>
+        <p:nvGraphicFramePr>
+          <p:cNvPr id="3" name="Object 2">
+            <a:extLst>
+              <a:ext uri="{FF2B5EF4-FFF2-40B4-BE49-F238E27FC236}">
+                <a16:creationId xmlns:a16="http://schemas.microsoft.com/office/drawing/2014/main" id="{37E7551A-4720-142B-AC6B-E84488F46D52}"/>
+              </a:ext>
+            </a:extLst>
+          </p:cNvPr>
+          <p:cNvGraphicFramePr>
+            <a:graphicFrameLocks noChangeAspect="1"/>
+          </p:cNvGraphicFramePr>
+          <p:nvPr/>
+        </p:nvGraphicFramePr>
+        <p:xfrm>
+          <a:off x="677863" y="4700588"/>
+          <a:ext cx="3408362" cy="1116012"/>
+        </p:xfrm>
+        <a:graphic>
+          <a:graphicData uri="http://schemas.openxmlformats.org/presentationml/2006/ole">
+            <mc:AlternateContent xmlns:mc="http://schemas.openxmlformats.org/markup-compatibility/2006">
+              <mc:Choice xmlns:v="urn:schemas-microsoft-com:vml" Requires="v">
+                <p:oleObj name="Equation" r:id="rId3" imgW="1549080" imgH="507960" progId="Equation.DSMT4">
+                  <p:embed/>
+                </p:oleObj>
+              </mc:Choice>
+              <mc:Fallback>
+                <p:oleObj name="Equation" r:id="rId3" imgW="1549080" imgH="507960" progId="Equation.DSMT4">
+                  <p:embed/>
+                  <p:pic>
+                    <p:nvPicPr>
+                      <p:cNvPr id="3" name="Object 2">
+                        <a:extLst>
+                          <a:ext uri="{FF2B5EF4-FFF2-40B4-BE49-F238E27FC236}">
+                            <a16:creationId xmlns:a16="http://schemas.microsoft.com/office/drawing/2014/main" id="{37E7551A-4720-142B-AC6B-E84488F46D52}"/>
+                          </a:ext>
+                        </a:extLst>
+                      </p:cNvPr>
+                      <p:cNvPicPr/>
+                      <p:nvPr/>
+                    </p:nvPicPr>
+                    <p:blipFill>
+                      <a:blip r:embed="rId4"/>
+                      <a:stretch>
+                        <a:fillRect/>
+                      </a:stretch>
+                    </p:blipFill>
+                    <p:spPr>
+                      <a:xfrm>
+                        <a:off x="677863" y="4700588"/>
+                        <a:ext cx="3408362" cy="1116012"/>
+                      </a:xfrm>
+                      <a:prstGeom prst="rect">
+                        <a:avLst/>
+                      </a:prstGeom>
+                    </p:spPr>
+                  </p:pic>
+                </p:oleObj>
+              </mc:Fallback>
+            </mc:AlternateContent>
+          </a:graphicData>
+        </a:graphic>
+      </p:graphicFrame>
+    </p:spTree>
+    <p:extLst>
+      <p:ext uri="{BB962C8B-B14F-4D97-AF65-F5344CB8AC3E}">
+        <p14:creationId xmlns:p14="http://schemas.microsoft.com/office/powerpoint/2010/main" val="1122514294"/>
+      </p:ext>
+    </p:extLst>
+  </p:cSld>
+  <p:clrMapOvr>
+    <a:masterClrMapping/>
+  </p:clrMapOvr>
+  <p:timing>
+    <p:tnLst>
+      <p:par>
+        <p:cTn id="1" dur="indefinite" restart="never" nodeType="tmRoot">
+          <p:childTnLst>
+            <p:seq concurrent="1" nextAc="seek">
+              <p:cTn id="2" dur="indefinite" nodeType="mainSeq">
+                <p:childTnLst>
+                  <p:par>
+                    <p:cTn id="3" fill="hold">
+                      <p:stCondLst>
+                        <p:cond delay="indefinite"/>
+                        <p:cond evt="onBegin" delay="0">
+                          <p:tn val="2"/>
+                        </p:cond>
+                      </p:stCondLst>
+                      <p:childTnLst>
+                        <p:par>
+                          <p:cTn id="4" fill="hold">
+                            <p:stCondLst>
+                              <p:cond delay="0"/>
+                            </p:stCondLst>
+                            <p:childTnLst>
+                              <p:par>
+                                <p:cTn id="5" presetID="1" presetClass="entr" presetSubtype="0" fill="hold" nodeType="withEffect">
+                                  <p:stCondLst>
+                                    <p:cond delay="0"/>
+                                  </p:stCondLst>
+                                  <p:childTnLst>
+                                    <p:set>
+                                      <p:cBhvr>
+                                        <p:cTn id="6" dur="1" fill="hold">
+                                          <p:stCondLst>
+                                            <p:cond delay="0"/>
+                                          </p:stCondLst>
+                                        </p:cTn>
+                                        <p:tgtEl>
+                                          <p:spTgt spid="5">
+                                            <p:txEl>
+                                              <p:pRg st="0" end="0"/>
+                                            </p:txEl>
+                                          </p:spTgt>
+                                        </p:tgtEl>
+                                        <p:attrNameLst>
+                                          <p:attrName>style.visibility</p:attrName>
+                                        </p:attrNameLst>
+                                      </p:cBhvr>
+                                      <p:to>
+                                        <p:strVal val="visible"/>
+                                      </p:to>
+                                    </p:set>
+                                  </p:childTnLst>
+                                </p:cTn>
+                              </p:par>
+                              <p:par>
+                                <p:cTn id="7" presetID="1" presetClass="entr" presetSubtype="0" fill="hold" nodeType="withEffect">
+                                  <p:stCondLst>
+                                    <p:cond delay="0"/>
+                                  </p:stCondLst>
+                                  <p:childTnLst>
+                                    <p:set>
+                                      <p:cBhvr>
+                                        <p:cTn id="8" dur="1" fill="hold">
+                                          <p:stCondLst>
+                                            <p:cond delay="0"/>
+                                          </p:stCondLst>
+                                        </p:cTn>
+                                        <p:tgtEl>
+                                          <p:spTgt spid="5">
+                                            <p:txEl>
+                                              <p:pRg st="1" end="1"/>
+                                            </p:txEl>
+                                          </p:spTgt>
+                                        </p:tgtEl>
+                                        <p:attrNameLst>
+                                          <p:attrName>style.visibility</p:attrName>
+                                        </p:attrNameLst>
+                                      </p:cBhvr>
+                                      <p:to>
+                                        <p:strVal val="visible"/>
+                                      </p:to>
+                                    </p:set>
+                                  </p:childTnLst>
+                                </p:cTn>
+                              </p:par>
+                              <p:par>
+                                <p:cTn id="9" presetID="1" presetClass="entr" presetSubtype="0" fill="hold" nodeType="withEffect">
+                                  <p:stCondLst>
+                                    <p:cond delay="0"/>
+                                  </p:stCondLst>
+                                  <p:childTnLst>
+                                    <p:set>
+                                      <p:cBhvr>
+                                        <p:cTn id="10" dur="1" fill="hold">
+                                          <p:stCondLst>
+                                            <p:cond delay="0"/>
+                                          </p:stCondLst>
+                                        </p:cTn>
+                                        <p:tgtEl>
+                                          <p:spTgt spid="5">
+                                            <p:txEl>
+                                              <p:pRg st="2" end="2"/>
+                                            </p:txEl>
+                                          </p:spTgt>
+                                        </p:tgtEl>
+                                        <p:attrNameLst>
+                                          <p:attrName>style.visibility</p:attrName>
+                                        </p:attrNameLst>
+                                      </p:cBhvr>
+                                      <p:to>
+                                        <p:strVal val="visible"/>
+                                      </p:to>
+                                    </p:set>
+                                  </p:childTnLst>
+                                </p:cTn>
+                              </p:par>
+                            </p:childTnLst>
+                          </p:cTn>
+                        </p:par>
+                      </p:childTnLst>
+                    </p:cTn>
+                  </p:par>
+                  <p:par>
+                    <p:cTn id="11" fill="hold">
+                      <p:stCondLst>
+                        <p:cond delay="indefinite"/>
+                      </p:stCondLst>
+                      <p:childTnLst>
+                        <p:par>
+                          <p:cTn id="12" fill="hold">
+                            <p:stCondLst>
+                              <p:cond delay="0"/>
+                            </p:stCondLst>
+                            <p:childTnLst>
+                              <p:par>
+                                <p:cTn id="13" presetID="1" presetClass="entr" presetSubtype="0" fill="hold" nodeType="clickEffect">
+                                  <p:stCondLst>
+                                    <p:cond delay="0"/>
+                                  </p:stCondLst>
+                                  <p:childTnLst>
+                                    <p:set>
+                                      <p:cBhvr>
+                                        <p:cTn id="14" dur="1" fill="hold">
+                                          <p:stCondLst>
+                                            <p:cond delay="0"/>
+                                          </p:stCondLst>
+                                        </p:cTn>
+                                        <p:tgtEl>
+                                          <p:spTgt spid="3"/>
+                                        </p:tgtEl>
+                                        <p:attrNameLst>
+                                          <p:attrName>style.visibility</p:attrName>
+                                        </p:attrNameLst>
+                                      </p:cBhvr>
+                                      <p:to>
+                                        <p:strVal val="visible"/>
+                                      </p:to>
+                                    </p:set>
+                                  </p:childTnLst>
+                                </p:cTn>
+                              </p:par>
+                            </p:childTnLst>
+                          </p:cTn>
+                        </p:par>
+                      </p:childTnLst>
+                    </p:cTn>
+                  </p:par>
+                </p:childTnLst>
+              </p:cTn>
+              <p:prevCondLst>
+                <p:cond evt="onPrev" delay="0">
+                  <p:tgtEl>
+                    <p:sldTgt/>
+                  </p:tgtEl>
+                </p:cond>
+              </p:prevCondLst>
+              <p:nextCondLst>
+                <p:cond evt="onNext" delay="0">
+                  <p:tgtEl>
+                    <p:sldTgt/>
+                  </p:tgtEl>
+                </p:cond>
+              </p:nextCondLst>
+            </p:seq>
+          </p:childTnLst>
+        </p:cTn>
+      </p:par>
+    </p:tnLst>
+  </p:timing>
+</p:sld>
+</file>
+
+<file path=ppt/slides/slide60.xml><?xml version="1.0" encoding="utf-8"?>
 <p:sld xmlns:a="http://schemas.openxmlformats.org/drawingml/2006/main" xmlns:r="http://schemas.openxmlformats.org/officeDocument/2006/relationships" xmlns:p="http://schemas.openxmlformats.org/presentationml/2006/main">
   <p:cSld>
     <p:spTree>
@@ -25869,7 +26294,7 @@
 </p:sld>
 </file>
 
-<file path=ppt/slides/slide59.xml><?xml version="1.0" encoding="utf-8"?>
+<file path=ppt/slides/slide61.xml><?xml version="1.0" encoding="utf-8"?>
 <p:sld xmlns:a="http://schemas.openxmlformats.org/drawingml/2006/main" xmlns:r="http://schemas.openxmlformats.org/officeDocument/2006/relationships" xmlns:p="http://schemas.openxmlformats.org/presentationml/2006/main">
   <p:cSld>
     <p:spTree>
@@ -26635,158 +27060,7 @@
 </p:sld>
 </file>
 
-<file path=ppt/slides/slide6.xml><?xml version="1.0" encoding="utf-8"?>
-<p:sld xmlns:a="http://schemas.openxmlformats.org/drawingml/2006/main" xmlns:r="http://schemas.openxmlformats.org/officeDocument/2006/relationships" xmlns:p="http://schemas.openxmlformats.org/presentationml/2006/main">
-  <p:cSld>
-    <p:spTree>
-      <p:nvGrpSpPr>
-        <p:cNvPr id="1" name="">
-          <a:extLst>
-            <a:ext uri="{FF2B5EF4-FFF2-40B4-BE49-F238E27FC236}">
-              <a16:creationId xmlns:a16="http://schemas.microsoft.com/office/drawing/2014/main" id="{0AE3E142-CC5A-0163-16DD-0E1A1CA45101}"/>
-            </a:ext>
-          </a:extLst>
-        </p:cNvPr>
-        <p:cNvGrpSpPr/>
-        <p:nvPr/>
-      </p:nvGrpSpPr>
-      <p:grpSpPr>
-        <a:xfrm>
-          <a:off x="0" y="0"/>
-          <a:ext cx="0" cy="0"/>
-          <a:chOff x="0" y="0"/>
-          <a:chExt cx="0" cy="0"/>
-        </a:xfrm>
-      </p:grpSpPr>
-      <p:sp>
-        <p:nvSpPr>
-          <p:cNvPr id="2" name="Title 1">
-            <a:extLst>
-              <a:ext uri="{FF2B5EF4-FFF2-40B4-BE49-F238E27FC236}">
-                <a16:creationId xmlns:a16="http://schemas.microsoft.com/office/drawing/2014/main" id="{B008ACB9-25B3-8327-FB32-05B837322DEA}"/>
-              </a:ext>
-            </a:extLst>
-          </p:cNvPr>
-          <p:cNvSpPr>
-            <a:spLocks noGrp="1"/>
-          </p:cNvSpPr>
-          <p:nvPr>
-            <p:ph type="title"/>
-          </p:nvPr>
-        </p:nvSpPr>
-        <p:spPr/>
-        <p:txBody>
-          <a:bodyPr>
-            <a:normAutofit/>
-          </a:bodyPr>
-          <a:lstStyle/>
-          <a:p>
-            <a:r>
-              <a:rPr lang="en-US"/>
-              <a:t>Prior and likelihood interact to produce posterior</a:t>
-            </a:r>
-            <a:endParaRPr lang="en-IL"/>
-          </a:p>
-        </p:txBody>
-      </p:sp>
-      <p:sp>
-        <p:nvSpPr>
-          <p:cNvPr id="3" name="Content Placeholder 2">
-            <a:extLst>
-              <a:ext uri="{FF2B5EF4-FFF2-40B4-BE49-F238E27FC236}">
-                <a16:creationId xmlns:a16="http://schemas.microsoft.com/office/drawing/2014/main" id="{10179BE0-BFCF-7055-F73B-FE2B3491E6EA}"/>
-              </a:ext>
-            </a:extLst>
-          </p:cNvPr>
-          <p:cNvSpPr>
-            <a:spLocks noGrp="1"/>
-          </p:cNvSpPr>
-          <p:nvPr>
-            <p:ph idx="1"/>
-          </p:nvPr>
-        </p:nvSpPr>
-        <p:spPr>
-          <a:xfrm>
-            <a:off x="838200" y="1825625"/>
-            <a:ext cx="4841240" cy="4351338"/>
-          </a:xfrm>
-        </p:spPr>
-        <p:txBody>
-          <a:bodyPr>
-            <a:normAutofit/>
-          </a:bodyPr>
-          <a:lstStyle/>
-          <a:p>
-            <a:r>
-              <a:rPr lang="en-US"/>
-              <a:t>More data</a:t>
-            </a:r>
-          </a:p>
-          <a:p>
-            <a:pPr lvl="1"/>
-            <a:r>
-              <a:rPr lang="en-US"/>
-              <a:t>Sharper posterior</a:t>
-            </a:r>
-          </a:p>
-          <a:p>
-            <a:pPr lvl="1"/>
-            <a:r>
-              <a:rPr lang="en-US"/>
-              <a:t>Overwhelms prior</a:t>
-            </a:r>
-          </a:p>
-          <a:p>
-            <a:r>
-              <a:rPr lang="en-US"/>
-              <a:t>Prior can still matter</a:t>
-            </a:r>
-          </a:p>
-        </p:txBody>
-      </p:sp>
-      <p:pic>
-        <p:nvPicPr>
-          <p:cNvPr id="6" name="Picture 5">
-            <a:extLst>
-              <a:ext uri="{FF2B5EF4-FFF2-40B4-BE49-F238E27FC236}">
-                <a16:creationId xmlns:a16="http://schemas.microsoft.com/office/drawing/2014/main" id="{F05E7000-8EFF-1F60-0EC4-A9E1D17F2ADD}"/>
-              </a:ext>
-            </a:extLst>
-          </p:cNvPr>
-          <p:cNvPicPr>
-            <a:picLocks noChangeAspect="1"/>
-          </p:cNvPicPr>
-          <p:nvPr/>
-        </p:nvPicPr>
-        <p:blipFill>
-          <a:blip r:embed="rId2"/>
-          <a:srcRect l="39" t="220" r="412" b="-666"/>
-          <a:stretch/>
-        </p:blipFill>
-        <p:spPr>
-          <a:xfrm>
-            <a:off x="6096000" y="1525058"/>
-            <a:ext cx="5978234" cy="4538133"/>
-          </a:xfrm>
-          <a:prstGeom prst="rect">
-            <a:avLst/>
-          </a:prstGeom>
-        </p:spPr>
-      </p:pic>
-    </p:spTree>
-    <p:extLst>
-      <p:ext uri="{BB962C8B-B14F-4D97-AF65-F5344CB8AC3E}">
-        <p14:creationId xmlns:p14="http://schemas.microsoft.com/office/powerpoint/2010/main" val="3007763487"/>
-      </p:ext>
-    </p:extLst>
-  </p:cSld>
-  <p:clrMapOvr>
-    <a:masterClrMapping/>
-  </p:clrMapOvr>
-</p:sld>
-</file>
-
-<file path=ppt/slides/slide60.xml><?xml version="1.0" encoding="utf-8"?>
+<file path=ppt/slides/slide62.xml><?xml version="1.0" encoding="utf-8"?>
 <p:sld xmlns:a="http://schemas.openxmlformats.org/drawingml/2006/main" xmlns:r="http://schemas.openxmlformats.org/officeDocument/2006/relationships" xmlns:p="http://schemas.openxmlformats.org/presentationml/2006/main">
   <p:cSld>
     <p:spTree>
@@ -26915,7 +27189,7 @@
 </p:sld>
 </file>
 
-<file path=ppt/slides/slide61.xml><?xml version="1.0" encoding="utf-8"?>
+<file path=ppt/slides/slide63.xml><?xml version="1.0" encoding="utf-8"?>
 <p:sld xmlns:a="http://schemas.openxmlformats.org/drawingml/2006/main" xmlns:r="http://schemas.openxmlformats.org/officeDocument/2006/relationships" xmlns:p="http://schemas.openxmlformats.org/presentationml/2006/main">
   <p:cSld>
     <p:spTree>
@@ -27026,7 +27300,7 @@
 </p:sld>
 </file>
 
-<file path=ppt/slides/slide62.xml><?xml version="1.0" encoding="utf-8"?>
+<file path=ppt/slides/slide64.xml><?xml version="1.0" encoding="utf-8"?>
 <p:sld xmlns:a="http://schemas.openxmlformats.org/drawingml/2006/main" xmlns:r="http://schemas.openxmlformats.org/officeDocument/2006/relationships" xmlns:p="http://schemas.openxmlformats.org/presentationml/2006/main">
   <p:cSld>
     <p:spTree>
@@ -27164,7 +27438,7 @@
               <a:pPr>
                 <a:defRPr/>
               </a:pPr>
-              <a:t>62</a:t>
+              <a:t>64</a:t>
             </a:fld>
             <a:r>
               <a:rPr lang="en-US" altLang="en-US"/>
@@ -27186,7 +27460,7 @@
 </p:sld>
 </file>
 
-<file path=ppt/slides/slide63.xml><?xml version="1.0" encoding="utf-8"?>
+<file path=ppt/slides/slide65.xml><?xml version="1.0" encoding="utf-8"?>
 <p:sld xmlns:a="http://schemas.openxmlformats.org/drawingml/2006/main" xmlns:r="http://schemas.openxmlformats.org/officeDocument/2006/relationships" xmlns:p="http://schemas.openxmlformats.org/presentationml/2006/main">
   <p:cSld>
     <p:spTree>
@@ -27344,7 +27618,7 @@
 </p:sld>
 </file>
 
-<file path=ppt/slides/slide64.xml><?xml version="1.0" encoding="utf-8"?>
+<file path=ppt/slides/slide66.xml><?xml version="1.0" encoding="utf-8"?>
 <p:sld xmlns:a="http://schemas.openxmlformats.org/drawingml/2006/main" xmlns:r="http://schemas.openxmlformats.org/officeDocument/2006/relationships" xmlns:p="http://schemas.openxmlformats.org/presentationml/2006/main">
   <p:cSld>
     <p:spTree>
@@ -27541,7 +27815,7 @@
 </p:sld>
 </file>
 
-<file path=ppt/slides/slide65.xml><?xml version="1.0" encoding="utf-8"?>
+<file path=ppt/slides/slide67.xml><?xml version="1.0" encoding="utf-8"?>
 <p:sld xmlns:a="http://schemas.openxmlformats.org/drawingml/2006/main" xmlns:r="http://schemas.openxmlformats.org/officeDocument/2006/relationships" xmlns:p="http://schemas.openxmlformats.org/presentationml/2006/main">
   <p:cSld>
     <p:spTree>
@@ -28128,7 +28402,7 @@
 </p:sld>
 </file>
 
-<file path=ppt/slides/slide66.xml><?xml version="1.0" encoding="utf-8"?>
+<file path=ppt/slides/slide68.xml><?xml version="1.0" encoding="utf-8"?>
 <p:sld xmlns:a="http://schemas.openxmlformats.org/drawingml/2006/main" xmlns:r="http://schemas.openxmlformats.org/officeDocument/2006/relationships" xmlns:p="http://schemas.openxmlformats.org/presentationml/2006/main">
   <p:cSld>
     <p:spTree>
@@ -28609,7 +28883,7 @@
 </p:sld>
 </file>
 
-<file path=ppt/slides/slide67.xml><?xml version="1.0" encoding="utf-8"?>
+<file path=ppt/slides/slide69.xml><?xml version="1.0" encoding="utf-8"?>
 <p:sld xmlns:a="http://schemas.openxmlformats.org/drawingml/2006/main" xmlns:r="http://schemas.openxmlformats.org/officeDocument/2006/relationships" xmlns:p="http://schemas.openxmlformats.org/presentationml/2006/main">
   <p:cSld>
     <p:spTree>
@@ -28912,7 +29186,158 @@
 </p:sld>
 </file>
 
-<file path=ppt/slides/slide68.xml><?xml version="1.0" encoding="utf-8"?>
+<file path=ppt/slides/slide7.xml><?xml version="1.0" encoding="utf-8"?>
+<p:sld xmlns:a="http://schemas.openxmlformats.org/drawingml/2006/main" xmlns:r="http://schemas.openxmlformats.org/officeDocument/2006/relationships" xmlns:p="http://schemas.openxmlformats.org/presentationml/2006/main">
+  <p:cSld>
+    <p:spTree>
+      <p:nvGrpSpPr>
+        <p:cNvPr id="1" name="">
+          <a:extLst>
+            <a:ext uri="{FF2B5EF4-FFF2-40B4-BE49-F238E27FC236}">
+              <a16:creationId xmlns:a16="http://schemas.microsoft.com/office/drawing/2014/main" id="{0AE3E142-CC5A-0163-16DD-0E1A1CA45101}"/>
+            </a:ext>
+          </a:extLst>
+        </p:cNvPr>
+        <p:cNvGrpSpPr/>
+        <p:nvPr/>
+      </p:nvGrpSpPr>
+      <p:grpSpPr>
+        <a:xfrm>
+          <a:off x="0" y="0"/>
+          <a:ext cx="0" cy="0"/>
+          <a:chOff x="0" y="0"/>
+          <a:chExt cx="0" cy="0"/>
+        </a:xfrm>
+      </p:grpSpPr>
+      <p:sp>
+        <p:nvSpPr>
+          <p:cNvPr id="2" name="Title 1">
+            <a:extLst>
+              <a:ext uri="{FF2B5EF4-FFF2-40B4-BE49-F238E27FC236}">
+                <a16:creationId xmlns:a16="http://schemas.microsoft.com/office/drawing/2014/main" id="{B008ACB9-25B3-8327-FB32-05B837322DEA}"/>
+              </a:ext>
+            </a:extLst>
+          </p:cNvPr>
+          <p:cNvSpPr>
+            <a:spLocks noGrp="1"/>
+          </p:cNvSpPr>
+          <p:nvPr>
+            <p:ph type="title"/>
+          </p:nvPr>
+        </p:nvSpPr>
+        <p:spPr/>
+        <p:txBody>
+          <a:bodyPr>
+            <a:normAutofit/>
+          </a:bodyPr>
+          <a:lstStyle/>
+          <a:p>
+            <a:r>
+              <a:rPr lang="en-US"/>
+              <a:t>Prior and likelihood interact to produce posterior</a:t>
+            </a:r>
+            <a:endParaRPr lang="en-IL"/>
+          </a:p>
+        </p:txBody>
+      </p:sp>
+      <p:sp>
+        <p:nvSpPr>
+          <p:cNvPr id="3" name="Content Placeholder 2">
+            <a:extLst>
+              <a:ext uri="{FF2B5EF4-FFF2-40B4-BE49-F238E27FC236}">
+                <a16:creationId xmlns:a16="http://schemas.microsoft.com/office/drawing/2014/main" id="{10179BE0-BFCF-7055-F73B-FE2B3491E6EA}"/>
+              </a:ext>
+            </a:extLst>
+          </p:cNvPr>
+          <p:cNvSpPr>
+            <a:spLocks noGrp="1"/>
+          </p:cNvSpPr>
+          <p:nvPr>
+            <p:ph idx="1"/>
+          </p:nvPr>
+        </p:nvSpPr>
+        <p:spPr>
+          <a:xfrm>
+            <a:off x="838200" y="1825625"/>
+            <a:ext cx="4841240" cy="4351338"/>
+          </a:xfrm>
+        </p:spPr>
+        <p:txBody>
+          <a:bodyPr>
+            <a:normAutofit/>
+          </a:bodyPr>
+          <a:lstStyle/>
+          <a:p>
+            <a:r>
+              <a:rPr lang="en-US"/>
+              <a:t>More data</a:t>
+            </a:r>
+          </a:p>
+          <a:p>
+            <a:pPr lvl="1"/>
+            <a:r>
+              <a:rPr lang="en-US"/>
+              <a:t>Sharper posterior</a:t>
+            </a:r>
+          </a:p>
+          <a:p>
+            <a:pPr lvl="1"/>
+            <a:r>
+              <a:rPr lang="en-US"/>
+              <a:t>Overwhelms prior</a:t>
+            </a:r>
+          </a:p>
+          <a:p>
+            <a:r>
+              <a:rPr lang="en-US"/>
+              <a:t>Prior can still matter</a:t>
+            </a:r>
+          </a:p>
+        </p:txBody>
+      </p:sp>
+      <p:pic>
+        <p:nvPicPr>
+          <p:cNvPr id="6" name="Picture 5">
+            <a:extLst>
+              <a:ext uri="{FF2B5EF4-FFF2-40B4-BE49-F238E27FC236}">
+                <a16:creationId xmlns:a16="http://schemas.microsoft.com/office/drawing/2014/main" id="{F05E7000-8EFF-1F60-0EC4-A9E1D17F2ADD}"/>
+              </a:ext>
+            </a:extLst>
+          </p:cNvPr>
+          <p:cNvPicPr>
+            <a:picLocks noChangeAspect="1"/>
+          </p:cNvPicPr>
+          <p:nvPr/>
+        </p:nvPicPr>
+        <p:blipFill>
+          <a:blip r:embed="rId2"/>
+          <a:srcRect l="39" t="220" r="412" b="-666"/>
+          <a:stretch/>
+        </p:blipFill>
+        <p:spPr>
+          <a:xfrm>
+            <a:off x="6096000" y="1525058"/>
+            <a:ext cx="5978234" cy="4538133"/>
+          </a:xfrm>
+          <a:prstGeom prst="rect">
+            <a:avLst/>
+          </a:prstGeom>
+        </p:spPr>
+      </p:pic>
+    </p:spTree>
+    <p:extLst>
+      <p:ext uri="{BB962C8B-B14F-4D97-AF65-F5344CB8AC3E}">
+        <p14:creationId xmlns:p14="http://schemas.microsoft.com/office/powerpoint/2010/main" val="3007763487"/>
+      </p:ext>
+    </p:extLst>
+  </p:cSld>
+  <p:clrMapOvr>
+    <a:masterClrMapping/>
+  </p:clrMapOvr>
+</p:sld>
+</file>
+
+<file path=ppt/slides/slide70.xml><?xml version="1.0" encoding="utf-8"?>
 <p:sld xmlns:a="http://schemas.openxmlformats.org/drawingml/2006/main" xmlns:r="http://schemas.openxmlformats.org/officeDocument/2006/relationships" xmlns:p="http://schemas.openxmlformats.org/presentationml/2006/main">
   <p:cSld>
     <p:spTree>
@@ -29045,7 +29470,7 @@
 </p:sld>
 </file>
 
-<file path=ppt/slides/slide7.xml><?xml version="1.0" encoding="utf-8"?>
+<file path=ppt/slides/slide8.xml><?xml version="1.0" encoding="utf-8"?>
 <p:sld xmlns:a="http://schemas.openxmlformats.org/drawingml/2006/main" xmlns:r="http://schemas.openxmlformats.org/officeDocument/2006/relationships" xmlns:p="http://schemas.openxmlformats.org/presentationml/2006/main">
   <p:cSld>
     <p:spTree>
@@ -29185,7 +29610,7 @@
               <a:pPr>
                 <a:defRPr/>
               </a:pPr>
-              <a:t>7</a:t>
+              <a:t>8</a:t>
             </a:fld>
             <a:r>
               <a:rPr lang="en-US" altLang="en-US"/>
@@ -29207,7 +29632,7 @@
 </p:sld>
 </file>
 
-<file path=ppt/slides/slide8.xml><?xml version="1.0" encoding="utf-8"?>
+<file path=ppt/slides/slide9.xml><?xml version="1.0" encoding="utf-8"?>
 <p:sld xmlns:a="http://schemas.openxmlformats.org/drawingml/2006/main" xmlns:r="http://schemas.openxmlformats.org/officeDocument/2006/relationships" xmlns:p="http://schemas.openxmlformats.org/presentationml/2006/main">
   <p:cSld>
     <p:spTree>
@@ -29321,165 +29746,6 @@
     <p:extLst>
       <p:ext uri="{BB962C8B-B14F-4D97-AF65-F5344CB8AC3E}">
         <p14:creationId xmlns:p14="http://schemas.microsoft.com/office/powerpoint/2010/main" val="3039379089"/>
-      </p:ext>
-    </p:extLst>
-  </p:cSld>
-  <p:clrMapOvr>
-    <a:masterClrMapping/>
-  </p:clrMapOvr>
-</p:sld>
-</file>
-
-<file path=ppt/slides/slide9.xml><?xml version="1.0" encoding="utf-8"?>
-<p:sld xmlns:a="http://schemas.openxmlformats.org/drawingml/2006/main" xmlns:r="http://schemas.openxmlformats.org/officeDocument/2006/relationships" xmlns:p="http://schemas.openxmlformats.org/presentationml/2006/main">
-  <p:cSld>
-    <p:spTree>
-      <p:nvGrpSpPr>
-        <p:cNvPr id="1" name="">
-          <a:extLst>
-            <a:ext uri="{FF2B5EF4-FFF2-40B4-BE49-F238E27FC236}">
-              <a16:creationId xmlns:a16="http://schemas.microsoft.com/office/drawing/2014/main" id="{8E50E44E-371E-F470-CCE9-5C5153DBCE87}"/>
-            </a:ext>
-          </a:extLst>
-        </p:cNvPr>
-        <p:cNvGrpSpPr/>
-        <p:nvPr/>
-      </p:nvGrpSpPr>
-      <p:grpSpPr>
-        <a:xfrm>
-          <a:off x="0" y="0"/>
-          <a:ext cx="0" cy="0"/>
-          <a:chOff x="0" y="0"/>
-          <a:chExt cx="0" cy="0"/>
-        </a:xfrm>
-      </p:grpSpPr>
-      <p:sp>
-        <p:nvSpPr>
-          <p:cNvPr id="4" name="Title 3">
-            <a:extLst>
-              <a:ext uri="{FF2B5EF4-FFF2-40B4-BE49-F238E27FC236}">
-                <a16:creationId xmlns:a16="http://schemas.microsoft.com/office/drawing/2014/main" id="{A7E9ADDA-07E0-00DC-F5B9-E78D7A31DAE6}"/>
-              </a:ext>
-            </a:extLst>
-          </p:cNvPr>
-          <p:cNvSpPr>
-            <a:spLocks noGrp="1"/>
-          </p:cNvSpPr>
-          <p:nvPr>
-            <p:ph type="title"/>
-          </p:nvPr>
-        </p:nvSpPr>
-        <p:spPr/>
-        <p:txBody>
-          <a:bodyPr/>
-          <a:lstStyle/>
-          <a:p>
-            <a:r>
-              <a:rPr lang="en-US"/>
-              <a:t>A history of Bayesian data analysis</a:t>
-            </a:r>
-            <a:endParaRPr lang="en-IL"/>
-          </a:p>
-        </p:txBody>
-      </p:sp>
-      <p:sp>
-        <p:nvSpPr>
-          <p:cNvPr id="5" name="Content Placeholder 4">
-            <a:extLst>
-              <a:ext uri="{FF2B5EF4-FFF2-40B4-BE49-F238E27FC236}">
-                <a16:creationId xmlns:a16="http://schemas.microsoft.com/office/drawing/2014/main" id="{90490D7E-D28E-D7BB-23F4-3A70597D8010}"/>
-              </a:ext>
-            </a:extLst>
-          </p:cNvPr>
-          <p:cNvSpPr>
-            <a:spLocks noGrp="1"/>
-          </p:cNvSpPr>
-          <p:nvPr>
-            <p:ph idx="1"/>
-          </p:nvPr>
-        </p:nvSpPr>
-        <p:spPr/>
-        <p:txBody>
-          <a:bodyPr/>
-          <a:lstStyle/>
-          <a:p>
-            <a:r>
-              <a:rPr lang="en-US"/>
-              <a:t>The ancient world: 1930s-1950s</a:t>
-            </a:r>
-          </a:p>
-          <a:p>
-            <a:r>
-              <a:rPr lang="en-US"/>
-              <a:t>The dark ages: 1950s-1980s</a:t>
-            </a:r>
-          </a:p>
-          <a:p>
-            <a:pPr lvl="1"/>
-            <a:r>
-              <a:rPr lang="en-US"/>
-              <a:t>Bayesian data analysis becomes a rarely visited backwater</a:t>
-            </a:r>
-          </a:p>
-          <a:p>
-            <a:pPr lvl="1"/>
-            <a:r>
-              <a:rPr lang="en-US"/>
-              <a:t>The frequentist empire expands</a:t>
-            </a:r>
-          </a:p>
-          <a:p>
-            <a:pPr lvl="2"/>
-            <a:r>
-              <a:rPr lang="en-US"/>
-              <a:t>Technological developments</a:t>
-            </a:r>
-          </a:p>
-          <a:p>
-            <a:pPr lvl="2"/>
-            <a:r>
-              <a:rPr lang="en-US"/>
-              <a:t>Widespread scientific and popular acceptance</a:t>
-            </a:r>
-          </a:p>
-          <a:p>
-            <a:pPr lvl="2"/>
-            <a:r>
-              <a:rPr lang="en-US"/>
-              <a:t>Enormous worldwide influence</a:t>
-            </a:r>
-          </a:p>
-          <a:p>
-            <a:pPr lvl="1"/>
-            <a:r>
-              <a:rPr lang="en-US"/>
-              <a:t>Early computers could do frequentist computations</a:t>
-            </a:r>
-          </a:p>
-          <a:p>
-            <a:pPr lvl="2"/>
-            <a:r>
-              <a:rPr lang="en-US"/>
-              <a:t>But they couldn’t solve integrals to find the posterior distribution</a:t>
-            </a:r>
-          </a:p>
-          <a:p>
-            <a:pPr lvl="2"/>
-            <a:r>
-              <a:rPr lang="en-US">
-                <a:solidFill>
-                  <a:srgbClr val="FF0000"/>
-                </a:solidFill>
-              </a:rPr>
-              <a:t>Bayesian statistics is only tractable on very simple, toy examples</a:t>
-            </a:r>
-          </a:p>
-        </p:txBody>
-      </p:sp>
-    </p:spTree>
-    <p:extLst>
-      <p:ext uri="{BB962C8B-B14F-4D97-AF65-F5344CB8AC3E}">
-        <p14:creationId xmlns:p14="http://schemas.microsoft.com/office/powerpoint/2010/main" val="2352722331"/>
       </p:ext>
     </p:extLst>
   </p:cSld>
@@ -30009,4 +30275,32 @@
     </a:ext>
   </a:extLst>
 </a:theme>
+</file>
+
+<file path=ppt/webextensions/webextension1.xml><?xml version="1.0" encoding="utf-8"?>
+<we:webextension xmlns:we="http://schemas.microsoft.com/office/webextensions/webextension/2010/11" id="{4750A276-BCF3-4081-A43D-C44792CC490A}">
+  <we:reference id="wa200002908" version="1.1.0.0" store="en-US" storeType="OMEX"/>
+  <we:alternateReferences>
+    <we:reference id="WA200002908" version="1.1.0.0" store="" storeType="OMEX"/>
+  </we:alternateReferences>
+  <we:properties>
+    <we:property name="kahoot_content_add_in_583" value="&quot;https://create.kahoot.it/details/5bf9a6df-29c2-41e6-97d0-0bb4cec00d6c&quot;"/>
+  </we:properties>
+  <we:bindings/>
+  <we:snapshot xmlns:r="http://schemas.openxmlformats.org/officeDocument/2006/relationships" r:embed="rId1"/>
+</we:webextension>
+</file>
+
+<file path=ppt/webextensions/webextension2.xml><?xml version="1.0" encoding="utf-8"?>
+<we:webextension xmlns:we="http://schemas.microsoft.com/office/webextensions/webextension/2010/11" id="{57A87199-E8DD-43D6-9E30-082AE6BFF8B1}">
+  <we:reference id="wa200002908" version="1.1.0.0" store="en-US" storeType="OMEX"/>
+  <we:alternateReferences>
+    <we:reference id="wa200002908" version="1.1.0.0" store="" storeType="OMEX"/>
+  </we:alternateReferences>
+  <we:properties>
+    <we:property name="kahoot_content_add_in_584" value="&quot;https://create.kahoot.it/details/d3581b0e-bc20-456f-b1f2-28a2e3750a3d&quot;"/>
+  </we:properties>
+  <we:bindings/>
+  <we:snapshot xmlns:r="http://schemas.openxmlformats.org/officeDocument/2006/relationships" r:embed="rId1"/>
+</we:webextension>
 </file>